--- a/5_CustomizeModel3_OnePlusOne/OpenModelica_Tutorials_5.pptx
+++ b/5_CustomizeModel3_OnePlusOne/OpenModelica_Tutorials_5.pptx
@@ -129,7 +129,7 @@
   </p:defaultTextStyle>
   <p:extLst>
     <p:ext uri="{EFAFB233-063F-42B5-8137-9DF3F51BA10A}">
-      <p15:sldGuideLst xmlns:p15="http://schemas.microsoft.com/office/powerpoint/2012/main"/>
+      <p15:sldGuideLst xmlns:p15="http://schemas.microsoft.com/office/powerpoint/2012/main" xmlns=""/>
     </p:ext>
   </p:extLst>
 </p:presentation>
@@ -221,7 +221,7 @@
           <a:p>
             <a:fld id="{C4670700-DA66-4BAD-8F9F-A4A758D36ABA}" type="datetimeFigureOut">
               <a:rPr kumimoji="1" lang="ja-JP" altLang="en-US" smtClean="0"/>
-              <a:t>2017/12/4</a:t>
+              <a:t>2018/3/13</a:t>
             </a:fld>
             <a:endParaRPr kumimoji="1" lang="ja-JP" altLang="en-US"/>
           </a:p>
@@ -542,7 +542,7 @@
           <p:cNvPr id="2" name="タイトル 1">
             <a:extLst>
               <a:ext uri="{FF2B5EF4-FFF2-40B4-BE49-F238E27FC236}">
-                <a16:creationId xmlns:a16="http://schemas.microsoft.com/office/drawing/2014/main" id="{C640A934-6052-47D7-9600-E017EFD518DE}"/>
+                <a16:creationId xmlns:a16="http://schemas.microsoft.com/office/drawing/2014/main" xmlns="" id="{C640A934-6052-47D7-9600-E017EFD518DE}"/>
               </a:ext>
             </a:extLst>
           </p:cNvPr>
@@ -579,7 +579,7 @@
           <p:cNvPr id="3" name="サブタイトル 2">
             <a:extLst>
               <a:ext uri="{FF2B5EF4-FFF2-40B4-BE49-F238E27FC236}">
-                <a16:creationId xmlns:a16="http://schemas.microsoft.com/office/drawing/2014/main" id="{3567CB88-D2AC-4759-A0FB-979F04B4A72A}"/>
+                <a16:creationId xmlns:a16="http://schemas.microsoft.com/office/drawing/2014/main" xmlns="" id="{3567CB88-D2AC-4759-A0FB-979F04B4A72A}"/>
               </a:ext>
             </a:extLst>
           </p:cNvPr>
@@ -649,7 +649,7 @@
           <p:cNvPr id="4" name="日付プレースホルダー 3">
             <a:extLst>
               <a:ext uri="{FF2B5EF4-FFF2-40B4-BE49-F238E27FC236}">
-                <a16:creationId xmlns:a16="http://schemas.microsoft.com/office/drawing/2014/main" id="{8F327D2F-D218-4DB3-A496-FC51084D5390}"/>
+                <a16:creationId xmlns:a16="http://schemas.microsoft.com/office/drawing/2014/main" xmlns="" id="{8F327D2F-D218-4DB3-A496-FC51084D5390}"/>
               </a:ext>
             </a:extLst>
           </p:cNvPr>
@@ -667,7 +667,7 @@
           <a:p>
             <a:fld id="{CA2F2FF0-B0E3-4081-A194-5315B26D72C4}" type="datetime1">
               <a:rPr kumimoji="1" lang="ja-JP" altLang="en-US" smtClean="0"/>
-              <a:t>2017/12/4</a:t>
+              <a:t>2018/3/13</a:t>
             </a:fld>
             <a:endParaRPr kumimoji="1" lang="ja-JP" altLang="en-US"/>
           </a:p>
@@ -678,7 +678,7 @@
           <p:cNvPr id="5" name="フッター プレースホルダー 4">
             <a:extLst>
               <a:ext uri="{FF2B5EF4-FFF2-40B4-BE49-F238E27FC236}">
-                <a16:creationId xmlns:a16="http://schemas.microsoft.com/office/drawing/2014/main" id="{D5CE8AFA-1A69-423A-AE33-53D4B86E36E2}"/>
+                <a16:creationId xmlns:a16="http://schemas.microsoft.com/office/drawing/2014/main" xmlns="" id="{D5CE8AFA-1A69-423A-AE33-53D4B86E36E2}"/>
               </a:ext>
             </a:extLst>
           </p:cNvPr>
@@ -703,7 +703,7 @@
           <p:cNvPr id="6" name="スライド番号プレースホルダー 5">
             <a:extLst>
               <a:ext uri="{FF2B5EF4-FFF2-40B4-BE49-F238E27FC236}">
-                <a16:creationId xmlns:a16="http://schemas.microsoft.com/office/drawing/2014/main" id="{2631D19D-2B03-4CD1-904A-35788E90CF51}"/>
+                <a16:creationId xmlns:a16="http://schemas.microsoft.com/office/drawing/2014/main" xmlns="" id="{2631D19D-2B03-4CD1-904A-35788E90CF51}"/>
               </a:ext>
             </a:extLst>
           </p:cNvPr>
@@ -762,7 +762,7 @@
           <p:cNvPr id="2" name="タイトル 1">
             <a:extLst>
               <a:ext uri="{FF2B5EF4-FFF2-40B4-BE49-F238E27FC236}">
-                <a16:creationId xmlns:a16="http://schemas.microsoft.com/office/drawing/2014/main" id="{1E9F8C32-40DD-4764-AA14-CA340E88402B}"/>
+                <a16:creationId xmlns:a16="http://schemas.microsoft.com/office/drawing/2014/main" xmlns="" id="{1E9F8C32-40DD-4764-AA14-CA340E88402B}"/>
               </a:ext>
             </a:extLst>
           </p:cNvPr>
@@ -790,7 +790,7 @@
           <p:cNvPr id="3" name="縦書きテキスト プレースホルダー 2">
             <a:extLst>
               <a:ext uri="{FF2B5EF4-FFF2-40B4-BE49-F238E27FC236}">
-                <a16:creationId xmlns:a16="http://schemas.microsoft.com/office/drawing/2014/main" id="{BB25EDB7-B389-43DE-88B0-2E43F12A7051}"/>
+                <a16:creationId xmlns:a16="http://schemas.microsoft.com/office/drawing/2014/main" xmlns="" id="{BB25EDB7-B389-43DE-88B0-2E43F12A7051}"/>
               </a:ext>
             </a:extLst>
           </p:cNvPr>
@@ -879,7 +879,7 @@
           <p:cNvPr id="4" name="日付プレースホルダー 3">
             <a:extLst>
               <a:ext uri="{FF2B5EF4-FFF2-40B4-BE49-F238E27FC236}">
-                <a16:creationId xmlns:a16="http://schemas.microsoft.com/office/drawing/2014/main" id="{F4750E22-4C4B-417A-8C48-347CB348ECFB}"/>
+                <a16:creationId xmlns:a16="http://schemas.microsoft.com/office/drawing/2014/main" xmlns="" id="{F4750E22-4C4B-417A-8C48-347CB348ECFB}"/>
               </a:ext>
             </a:extLst>
           </p:cNvPr>
@@ -897,7 +897,7 @@
           <a:p>
             <a:fld id="{AA0CF445-3D47-45EB-B7B9-640298F78945}" type="datetime1">
               <a:rPr kumimoji="1" lang="ja-JP" altLang="en-US" smtClean="0"/>
-              <a:t>2017/12/4</a:t>
+              <a:t>2018/3/13</a:t>
             </a:fld>
             <a:endParaRPr kumimoji="1" lang="ja-JP" altLang="en-US"/>
           </a:p>
@@ -908,7 +908,7 @@
           <p:cNvPr id="5" name="フッター プレースホルダー 4">
             <a:extLst>
               <a:ext uri="{FF2B5EF4-FFF2-40B4-BE49-F238E27FC236}">
-                <a16:creationId xmlns:a16="http://schemas.microsoft.com/office/drawing/2014/main" id="{2C19161E-7AEC-4345-BBC9-3BC233DE1002}"/>
+                <a16:creationId xmlns:a16="http://schemas.microsoft.com/office/drawing/2014/main" xmlns="" id="{2C19161E-7AEC-4345-BBC9-3BC233DE1002}"/>
               </a:ext>
             </a:extLst>
           </p:cNvPr>
@@ -933,7 +933,7 @@
           <p:cNvPr id="6" name="スライド番号プレースホルダー 5">
             <a:extLst>
               <a:ext uri="{FF2B5EF4-FFF2-40B4-BE49-F238E27FC236}">
-                <a16:creationId xmlns:a16="http://schemas.microsoft.com/office/drawing/2014/main" id="{86EA905A-EBB0-4E40-9913-3C0464FD4749}"/>
+                <a16:creationId xmlns:a16="http://schemas.microsoft.com/office/drawing/2014/main" xmlns="" id="{86EA905A-EBB0-4E40-9913-3C0464FD4749}"/>
               </a:ext>
             </a:extLst>
           </p:cNvPr>
@@ -992,7 +992,7 @@
           <p:cNvPr id="2" name="縦書きタイトル 1">
             <a:extLst>
               <a:ext uri="{FF2B5EF4-FFF2-40B4-BE49-F238E27FC236}">
-                <a16:creationId xmlns:a16="http://schemas.microsoft.com/office/drawing/2014/main" id="{8A876662-0CE9-49E9-AC02-EE7ACC657BCD}"/>
+                <a16:creationId xmlns:a16="http://schemas.microsoft.com/office/drawing/2014/main" xmlns="" id="{8A876662-0CE9-49E9-AC02-EE7ACC657BCD}"/>
               </a:ext>
             </a:extLst>
           </p:cNvPr>
@@ -1025,7 +1025,7 @@
           <p:cNvPr id="3" name="縦書きテキスト プレースホルダー 2">
             <a:extLst>
               <a:ext uri="{FF2B5EF4-FFF2-40B4-BE49-F238E27FC236}">
-                <a16:creationId xmlns:a16="http://schemas.microsoft.com/office/drawing/2014/main" id="{B6FE2065-03F0-48E5-82DF-EC7EEE0207D8}"/>
+                <a16:creationId xmlns:a16="http://schemas.microsoft.com/office/drawing/2014/main" xmlns="" id="{B6FE2065-03F0-48E5-82DF-EC7EEE0207D8}"/>
               </a:ext>
             </a:extLst>
           </p:cNvPr>
@@ -1119,7 +1119,7 @@
           <p:cNvPr id="4" name="日付プレースホルダー 3">
             <a:extLst>
               <a:ext uri="{FF2B5EF4-FFF2-40B4-BE49-F238E27FC236}">
-                <a16:creationId xmlns:a16="http://schemas.microsoft.com/office/drawing/2014/main" id="{A1B9FF21-774F-48FE-A04C-9E8A7F644356}"/>
+                <a16:creationId xmlns:a16="http://schemas.microsoft.com/office/drawing/2014/main" xmlns="" id="{A1B9FF21-774F-48FE-A04C-9E8A7F644356}"/>
               </a:ext>
             </a:extLst>
           </p:cNvPr>
@@ -1137,7 +1137,7 @@
           <a:p>
             <a:fld id="{33274D65-32BF-448B-ADBF-66DCA4E8B106}" type="datetime1">
               <a:rPr kumimoji="1" lang="ja-JP" altLang="en-US" smtClean="0"/>
-              <a:t>2017/12/4</a:t>
+              <a:t>2018/3/13</a:t>
             </a:fld>
             <a:endParaRPr kumimoji="1" lang="ja-JP" altLang="en-US"/>
           </a:p>
@@ -1148,7 +1148,7 @@
           <p:cNvPr id="5" name="フッター プレースホルダー 4">
             <a:extLst>
               <a:ext uri="{FF2B5EF4-FFF2-40B4-BE49-F238E27FC236}">
-                <a16:creationId xmlns:a16="http://schemas.microsoft.com/office/drawing/2014/main" id="{9D32535A-4B89-476F-B51B-EC1413A240CD}"/>
+                <a16:creationId xmlns:a16="http://schemas.microsoft.com/office/drawing/2014/main" xmlns="" id="{9D32535A-4B89-476F-B51B-EC1413A240CD}"/>
               </a:ext>
             </a:extLst>
           </p:cNvPr>
@@ -1173,7 +1173,7 @@
           <p:cNvPr id="6" name="スライド番号プレースホルダー 5">
             <a:extLst>
               <a:ext uri="{FF2B5EF4-FFF2-40B4-BE49-F238E27FC236}">
-                <a16:creationId xmlns:a16="http://schemas.microsoft.com/office/drawing/2014/main" id="{F5260F05-0529-4B2A-B354-E1AB043C95D1}"/>
+                <a16:creationId xmlns:a16="http://schemas.microsoft.com/office/drawing/2014/main" xmlns="" id="{F5260F05-0529-4B2A-B354-E1AB043C95D1}"/>
               </a:ext>
             </a:extLst>
           </p:cNvPr>
@@ -1232,7 +1232,7 @@
           <p:cNvPr id="2" name="タイトル 1">
             <a:extLst>
               <a:ext uri="{FF2B5EF4-FFF2-40B4-BE49-F238E27FC236}">
-                <a16:creationId xmlns:a16="http://schemas.microsoft.com/office/drawing/2014/main" id="{C414AC56-2C6E-4FD6-AC2A-C0C7474C804A}"/>
+                <a16:creationId xmlns:a16="http://schemas.microsoft.com/office/drawing/2014/main" xmlns="" id="{C414AC56-2C6E-4FD6-AC2A-C0C7474C804A}"/>
               </a:ext>
             </a:extLst>
           </p:cNvPr>
@@ -1260,7 +1260,7 @@
           <p:cNvPr id="3" name="コンテンツ プレースホルダー 2">
             <a:extLst>
               <a:ext uri="{FF2B5EF4-FFF2-40B4-BE49-F238E27FC236}">
-                <a16:creationId xmlns:a16="http://schemas.microsoft.com/office/drawing/2014/main" id="{B04E7051-D2C1-4B63-BA62-A08EA433436C}"/>
+                <a16:creationId xmlns:a16="http://schemas.microsoft.com/office/drawing/2014/main" xmlns="" id="{B04E7051-D2C1-4B63-BA62-A08EA433436C}"/>
               </a:ext>
             </a:extLst>
           </p:cNvPr>
@@ -1349,7 +1349,7 @@
           <p:cNvPr id="4" name="日付プレースホルダー 3">
             <a:extLst>
               <a:ext uri="{FF2B5EF4-FFF2-40B4-BE49-F238E27FC236}">
-                <a16:creationId xmlns:a16="http://schemas.microsoft.com/office/drawing/2014/main" id="{AE25CE84-A884-4ACE-B6EE-7E97B7475653}"/>
+                <a16:creationId xmlns:a16="http://schemas.microsoft.com/office/drawing/2014/main" xmlns="" id="{AE25CE84-A884-4ACE-B6EE-7E97B7475653}"/>
               </a:ext>
             </a:extLst>
           </p:cNvPr>
@@ -1367,7 +1367,7 @@
           <a:p>
             <a:fld id="{852A9B57-A7E8-419F-90A8-90F2DA777A28}" type="datetime1">
               <a:rPr kumimoji="1" lang="ja-JP" altLang="en-US" smtClean="0"/>
-              <a:t>2017/12/4</a:t>
+              <a:t>2018/3/13</a:t>
             </a:fld>
             <a:endParaRPr kumimoji="1" lang="ja-JP" altLang="en-US"/>
           </a:p>
@@ -1378,7 +1378,7 @@
           <p:cNvPr id="5" name="フッター プレースホルダー 4">
             <a:extLst>
               <a:ext uri="{FF2B5EF4-FFF2-40B4-BE49-F238E27FC236}">
-                <a16:creationId xmlns:a16="http://schemas.microsoft.com/office/drawing/2014/main" id="{EBCBC0D2-F1DA-4C16-85D1-974CF48BC804}"/>
+                <a16:creationId xmlns:a16="http://schemas.microsoft.com/office/drawing/2014/main" xmlns="" id="{EBCBC0D2-F1DA-4C16-85D1-974CF48BC804}"/>
               </a:ext>
             </a:extLst>
           </p:cNvPr>
@@ -1403,7 +1403,7 @@
           <p:cNvPr id="6" name="スライド番号プレースホルダー 5">
             <a:extLst>
               <a:ext uri="{FF2B5EF4-FFF2-40B4-BE49-F238E27FC236}">
-                <a16:creationId xmlns:a16="http://schemas.microsoft.com/office/drawing/2014/main" id="{CBD1951C-19F9-4BB8-96D6-46797F90203F}"/>
+                <a16:creationId xmlns:a16="http://schemas.microsoft.com/office/drawing/2014/main" xmlns="" id="{CBD1951C-19F9-4BB8-96D6-46797F90203F}"/>
               </a:ext>
             </a:extLst>
           </p:cNvPr>
@@ -1462,7 +1462,7 @@
           <p:cNvPr id="2" name="タイトル 1">
             <a:extLst>
               <a:ext uri="{FF2B5EF4-FFF2-40B4-BE49-F238E27FC236}">
-                <a16:creationId xmlns:a16="http://schemas.microsoft.com/office/drawing/2014/main" id="{1D00A678-F443-4FEA-93D6-3926EB7E42DA}"/>
+                <a16:creationId xmlns:a16="http://schemas.microsoft.com/office/drawing/2014/main" xmlns="" id="{1D00A678-F443-4FEA-93D6-3926EB7E42DA}"/>
               </a:ext>
             </a:extLst>
           </p:cNvPr>
@@ -1499,7 +1499,7 @@
           <p:cNvPr id="3" name="テキスト プレースホルダー 2">
             <a:extLst>
               <a:ext uri="{FF2B5EF4-FFF2-40B4-BE49-F238E27FC236}">
-                <a16:creationId xmlns:a16="http://schemas.microsoft.com/office/drawing/2014/main" id="{6BDD3B79-A0F7-4C8D-918D-88BDE69250B1}"/>
+                <a16:creationId xmlns:a16="http://schemas.microsoft.com/office/drawing/2014/main" xmlns="" id="{6BDD3B79-A0F7-4C8D-918D-88BDE69250B1}"/>
               </a:ext>
             </a:extLst>
           </p:cNvPr>
@@ -1624,7 +1624,7 @@
           <p:cNvPr id="4" name="日付プレースホルダー 3">
             <a:extLst>
               <a:ext uri="{FF2B5EF4-FFF2-40B4-BE49-F238E27FC236}">
-                <a16:creationId xmlns:a16="http://schemas.microsoft.com/office/drawing/2014/main" id="{93E71825-7DD8-4B80-96D1-977008B856B9}"/>
+                <a16:creationId xmlns:a16="http://schemas.microsoft.com/office/drawing/2014/main" xmlns="" id="{93E71825-7DD8-4B80-96D1-977008B856B9}"/>
               </a:ext>
             </a:extLst>
           </p:cNvPr>
@@ -1642,7 +1642,7 @@
           <a:p>
             <a:fld id="{C90A889C-334E-44BD-8F41-5AC3386FFD37}" type="datetime1">
               <a:rPr kumimoji="1" lang="ja-JP" altLang="en-US" smtClean="0"/>
-              <a:t>2017/12/4</a:t>
+              <a:t>2018/3/13</a:t>
             </a:fld>
             <a:endParaRPr kumimoji="1" lang="ja-JP" altLang="en-US"/>
           </a:p>
@@ -1653,7 +1653,7 @@
           <p:cNvPr id="5" name="フッター プレースホルダー 4">
             <a:extLst>
               <a:ext uri="{FF2B5EF4-FFF2-40B4-BE49-F238E27FC236}">
-                <a16:creationId xmlns:a16="http://schemas.microsoft.com/office/drawing/2014/main" id="{5CED311E-FAA6-4C7D-9FC2-BC675C72336F}"/>
+                <a16:creationId xmlns:a16="http://schemas.microsoft.com/office/drawing/2014/main" xmlns="" id="{5CED311E-FAA6-4C7D-9FC2-BC675C72336F}"/>
               </a:ext>
             </a:extLst>
           </p:cNvPr>
@@ -1678,7 +1678,7 @@
           <p:cNvPr id="6" name="スライド番号プレースホルダー 5">
             <a:extLst>
               <a:ext uri="{FF2B5EF4-FFF2-40B4-BE49-F238E27FC236}">
-                <a16:creationId xmlns:a16="http://schemas.microsoft.com/office/drawing/2014/main" id="{6C4D0E2E-8245-4907-96CA-10999815D43E}"/>
+                <a16:creationId xmlns:a16="http://schemas.microsoft.com/office/drawing/2014/main" xmlns="" id="{6C4D0E2E-8245-4907-96CA-10999815D43E}"/>
               </a:ext>
             </a:extLst>
           </p:cNvPr>
@@ -1737,7 +1737,7 @@
           <p:cNvPr id="2" name="タイトル 1">
             <a:extLst>
               <a:ext uri="{FF2B5EF4-FFF2-40B4-BE49-F238E27FC236}">
-                <a16:creationId xmlns:a16="http://schemas.microsoft.com/office/drawing/2014/main" id="{1A5D23ED-03EA-4F07-87E3-28D2640C7457}"/>
+                <a16:creationId xmlns:a16="http://schemas.microsoft.com/office/drawing/2014/main" xmlns="" id="{1A5D23ED-03EA-4F07-87E3-28D2640C7457}"/>
               </a:ext>
             </a:extLst>
           </p:cNvPr>
@@ -1765,7 +1765,7 @@
           <p:cNvPr id="3" name="コンテンツ プレースホルダー 2">
             <a:extLst>
               <a:ext uri="{FF2B5EF4-FFF2-40B4-BE49-F238E27FC236}">
-                <a16:creationId xmlns:a16="http://schemas.microsoft.com/office/drawing/2014/main" id="{BDF3938E-99C2-4825-ABC3-D707D0C368D9}"/>
+                <a16:creationId xmlns:a16="http://schemas.microsoft.com/office/drawing/2014/main" xmlns="" id="{BDF3938E-99C2-4825-ABC3-D707D0C368D9}"/>
               </a:ext>
             </a:extLst>
           </p:cNvPr>
@@ -1859,7 +1859,7 @@
           <p:cNvPr id="4" name="コンテンツ プレースホルダー 3">
             <a:extLst>
               <a:ext uri="{FF2B5EF4-FFF2-40B4-BE49-F238E27FC236}">
-                <a16:creationId xmlns:a16="http://schemas.microsoft.com/office/drawing/2014/main" id="{A2B3DC81-B6AF-47A5-9EE9-0C3D54421CD9}"/>
+                <a16:creationId xmlns:a16="http://schemas.microsoft.com/office/drawing/2014/main" xmlns="" id="{A2B3DC81-B6AF-47A5-9EE9-0C3D54421CD9}"/>
               </a:ext>
             </a:extLst>
           </p:cNvPr>
@@ -1953,7 +1953,7 @@
           <p:cNvPr id="5" name="日付プレースホルダー 4">
             <a:extLst>
               <a:ext uri="{FF2B5EF4-FFF2-40B4-BE49-F238E27FC236}">
-                <a16:creationId xmlns:a16="http://schemas.microsoft.com/office/drawing/2014/main" id="{4C78BECE-026B-4F33-8924-AD8452F95547}"/>
+                <a16:creationId xmlns:a16="http://schemas.microsoft.com/office/drawing/2014/main" xmlns="" id="{4C78BECE-026B-4F33-8924-AD8452F95547}"/>
               </a:ext>
             </a:extLst>
           </p:cNvPr>
@@ -1971,7 +1971,7 @@
           <a:p>
             <a:fld id="{58879D4E-6DF1-4713-B068-9512627C39B0}" type="datetime1">
               <a:rPr kumimoji="1" lang="ja-JP" altLang="en-US" smtClean="0"/>
-              <a:t>2017/12/4</a:t>
+              <a:t>2018/3/13</a:t>
             </a:fld>
             <a:endParaRPr kumimoji="1" lang="ja-JP" altLang="en-US"/>
           </a:p>
@@ -1982,7 +1982,7 @@
           <p:cNvPr id="6" name="フッター プレースホルダー 5">
             <a:extLst>
               <a:ext uri="{FF2B5EF4-FFF2-40B4-BE49-F238E27FC236}">
-                <a16:creationId xmlns:a16="http://schemas.microsoft.com/office/drawing/2014/main" id="{49783764-5DB0-4331-BA1F-9C2D17E59721}"/>
+                <a16:creationId xmlns:a16="http://schemas.microsoft.com/office/drawing/2014/main" xmlns="" id="{49783764-5DB0-4331-BA1F-9C2D17E59721}"/>
               </a:ext>
             </a:extLst>
           </p:cNvPr>
@@ -2007,7 +2007,7 @@
           <p:cNvPr id="7" name="スライド番号プレースホルダー 6">
             <a:extLst>
               <a:ext uri="{FF2B5EF4-FFF2-40B4-BE49-F238E27FC236}">
-                <a16:creationId xmlns:a16="http://schemas.microsoft.com/office/drawing/2014/main" id="{127F6C2E-6C8F-41C1-B48C-2292951331AD}"/>
+                <a16:creationId xmlns:a16="http://schemas.microsoft.com/office/drawing/2014/main" xmlns="" id="{127F6C2E-6C8F-41C1-B48C-2292951331AD}"/>
               </a:ext>
             </a:extLst>
           </p:cNvPr>
@@ -2066,7 +2066,7 @@
           <p:cNvPr id="2" name="タイトル 1">
             <a:extLst>
               <a:ext uri="{FF2B5EF4-FFF2-40B4-BE49-F238E27FC236}">
-                <a16:creationId xmlns:a16="http://schemas.microsoft.com/office/drawing/2014/main" id="{56019687-F0F8-411B-B519-E0AE83C5CEA6}"/>
+                <a16:creationId xmlns:a16="http://schemas.microsoft.com/office/drawing/2014/main" xmlns="" id="{56019687-F0F8-411B-B519-E0AE83C5CEA6}"/>
               </a:ext>
             </a:extLst>
           </p:cNvPr>
@@ -2099,7 +2099,7 @@
           <p:cNvPr id="3" name="テキスト プレースホルダー 2">
             <a:extLst>
               <a:ext uri="{FF2B5EF4-FFF2-40B4-BE49-F238E27FC236}">
-                <a16:creationId xmlns:a16="http://schemas.microsoft.com/office/drawing/2014/main" id="{E486F68B-292D-4F65-9707-BC2217D31433}"/>
+                <a16:creationId xmlns:a16="http://schemas.microsoft.com/office/drawing/2014/main" xmlns="" id="{E486F68B-292D-4F65-9707-BC2217D31433}"/>
               </a:ext>
             </a:extLst>
           </p:cNvPr>
@@ -2170,7 +2170,7 @@
           <p:cNvPr id="4" name="コンテンツ プレースホルダー 3">
             <a:extLst>
               <a:ext uri="{FF2B5EF4-FFF2-40B4-BE49-F238E27FC236}">
-                <a16:creationId xmlns:a16="http://schemas.microsoft.com/office/drawing/2014/main" id="{374F2048-6469-4F18-8B58-31750801BC0C}"/>
+                <a16:creationId xmlns:a16="http://schemas.microsoft.com/office/drawing/2014/main" xmlns="" id="{374F2048-6469-4F18-8B58-31750801BC0C}"/>
               </a:ext>
             </a:extLst>
           </p:cNvPr>
@@ -2264,7 +2264,7 @@
           <p:cNvPr id="5" name="テキスト プレースホルダー 4">
             <a:extLst>
               <a:ext uri="{FF2B5EF4-FFF2-40B4-BE49-F238E27FC236}">
-                <a16:creationId xmlns:a16="http://schemas.microsoft.com/office/drawing/2014/main" id="{2E6D5D63-E489-48AC-A362-55DB02899B55}"/>
+                <a16:creationId xmlns:a16="http://schemas.microsoft.com/office/drawing/2014/main" xmlns="" id="{2E6D5D63-E489-48AC-A362-55DB02899B55}"/>
               </a:ext>
             </a:extLst>
           </p:cNvPr>
@@ -2335,7 +2335,7 @@
           <p:cNvPr id="6" name="コンテンツ プレースホルダー 5">
             <a:extLst>
               <a:ext uri="{FF2B5EF4-FFF2-40B4-BE49-F238E27FC236}">
-                <a16:creationId xmlns:a16="http://schemas.microsoft.com/office/drawing/2014/main" id="{148F1C4A-5767-4EC0-85C8-571505755EB0}"/>
+                <a16:creationId xmlns:a16="http://schemas.microsoft.com/office/drawing/2014/main" xmlns="" id="{148F1C4A-5767-4EC0-85C8-571505755EB0}"/>
               </a:ext>
             </a:extLst>
           </p:cNvPr>
@@ -2429,7 +2429,7 @@
           <p:cNvPr id="7" name="日付プレースホルダー 6">
             <a:extLst>
               <a:ext uri="{FF2B5EF4-FFF2-40B4-BE49-F238E27FC236}">
-                <a16:creationId xmlns:a16="http://schemas.microsoft.com/office/drawing/2014/main" id="{BC9ACD47-787F-4BE6-B29B-B3CFFDE55A9C}"/>
+                <a16:creationId xmlns:a16="http://schemas.microsoft.com/office/drawing/2014/main" xmlns="" id="{BC9ACD47-787F-4BE6-B29B-B3CFFDE55A9C}"/>
               </a:ext>
             </a:extLst>
           </p:cNvPr>
@@ -2447,7 +2447,7 @@
           <a:p>
             <a:fld id="{5DD38707-5E34-46C7-88C2-928145620E78}" type="datetime1">
               <a:rPr kumimoji="1" lang="ja-JP" altLang="en-US" smtClean="0"/>
-              <a:t>2017/12/4</a:t>
+              <a:t>2018/3/13</a:t>
             </a:fld>
             <a:endParaRPr kumimoji="1" lang="ja-JP" altLang="en-US"/>
           </a:p>
@@ -2458,7 +2458,7 @@
           <p:cNvPr id="8" name="フッター プレースホルダー 7">
             <a:extLst>
               <a:ext uri="{FF2B5EF4-FFF2-40B4-BE49-F238E27FC236}">
-                <a16:creationId xmlns:a16="http://schemas.microsoft.com/office/drawing/2014/main" id="{BD4D869A-6245-47EA-826A-11903CEDCDF5}"/>
+                <a16:creationId xmlns:a16="http://schemas.microsoft.com/office/drawing/2014/main" xmlns="" id="{BD4D869A-6245-47EA-826A-11903CEDCDF5}"/>
               </a:ext>
             </a:extLst>
           </p:cNvPr>
@@ -2483,7 +2483,7 @@
           <p:cNvPr id="9" name="スライド番号プレースホルダー 8">
             <a:extLst>
               <a:ext uri="{FF2B5EF4-FFF2-40B4-BE49-F238E27FC236}">
-                <a16:creationId xmlns:a16="http://schemas.microsoft.com/office/drawing/2014/main" id="{EB8A9AF0-6356-40A0-8941-4F93A45D9286}"/>
+                <a16:creationId xmlns:a16="http://schemas.microsoft.com/office/drawing/2014/main" xmlns="" id="{EB8A9AF0-6356-40A0-8941-4F93A45D9286}"/>
               </a:ext>
             </a:extLst>
           </p:cNvPr>
@@ -2542,7 +2542,7 @@
           <p:cNvPr id="2" name="タイトル 1">
             <a:extLst>
               <a:ext uri="{FF2B5EF4-FFF2-40B4-BE49-F238E27FC236}">
-                <a16:creationId xmlns:a16="http://schemas.microsoft.com/office/drawing/2014/main" id="{450760D9-6747-4690-8F9A-C5AE1864B4E3}"/>
+                <a16:creationId xmlns:a16="http://schemas.microsoft.com/office/drawing/2014/main" xmlns="" id="{450760D9-6747-4690-8F9A-C5AE1864B4E3}"/>
               </a:ext>
             </a:extLst>
           </p:cNvPr>
@@ -2570,7 +2570,7 @@
           <p:cNvPr id="3" name="日付プレースホルダー 2">
             <a:extLst>
               <a:ext uri="{FF2B5EF4-FFF2-40B4-BE49-F238E27FC236}">
-                <a16:creationId xmlns:a16="http://schemas.microsoft.com/office/drawing/2014/main" id="{F2837AA8-1B7A-4F48-99C3-675552A1621E}"/>
+                <a16:creationId xmlns:a16="http://schemas.microsoft.com/office/drawing/2014/main" xmlns="" id="{F2837AA8-1B7A-4F48-99C3-675552A1621E}"/>
               </a:ext>
             </a:extLst>
           </p:cNvPr>
@@ -2588,7 +2588,7 @@
           <a:p>
             <a:fld id="{C7D5EE7D-C0B7-4B25-8104-5FCD7D2EAEA8}" type="datetime1">
               <a:rPr kumimoji="1" lang="ja-JP" altLang="en-US" smtClean="0"/>
-              <a:t>2017/12/4</a:t>
+              <a:t>2018/3/13</a:t>
             </a:fld>
             <a:endParaRPr kumimoji="1" lang="ja-JP" altLang="en-US"/>
           </a:p>
@@ -2599,7 +2599,7 @@
           <p:cNvPr id="4" name="フッター プレースホルダー 3">
             <a:extLst>
               <a:ext uri="{FF2B5EF4-FFF2-40B4-BE49-F238E27FC236}">
-                <a16:creationId xmlns:a16="http://schemas.microsoft.com/office/drawing/2014/main" id="{8AEAC055-ADBD-47BF-A7E2-EE031ABE5779}"/>
+                <a16:creationId xmlns:a16="http://schemas.microsoft.com/office/drawing/2014/main" xmlns="" id="{8AEAC055-ADBD-47BF-A7E2-EE031ABE5779}"/>
               </a:ext>
             </a:extLst>
           </p:cNvPr>
@@ -2624,7 +2624,7 @@
           <p:cNvPr id="5" name="スライド番号プレースホルダー 4">
             <a:extLst>
               <a:ext uri="{FF2B5EF4-FFF2-40B4-BE49-F238E27FC236}">
-                <a16:creationId xmlns:a16="http://schemas.microsoft.com/office/drawing/2014/main" id="{088EF311-DAB4-4685-91A4-BDE1EF3D5E04}"/>
+                <a16:creationId xmlns:a16="http://schemas.microsoft.com/office/drawing/2014/main" xmlns="" id="{088EF311-DAB4-4685-91A4-BDE1EF3D5E04}"/>
               </a:ext>
             </a:extLst>
           </p:cNvPr>
@@ -2683,7 +2683,7 @@
           <p:cNvPr id="2" name="日付プレースホルダー 1">
             <a:extLst>
               <a:ext uri="{FF2B5EF4-FFF2-40B4-BE49-F238E27FC236}">
-                <a16:creationId xmlns:a16="http://schemas.microsoft.com/office/drawing/2014/main" id="{12C283A7-F09B-44DA-AE34-70823E7FCA2A}"/>
+                <a16:creationId xmlns:a16="http://schemas.microsoft.com/office/drawing/2014/main" xmlns="" id="{12C283A7-F09B-44DA-AE34-70823E7FCA2A}"/>
               </a:ext>
             </a:extLst>
           </p:cNvPr>
@@ -2701,7 +2701,7 @@
           <a:p>
             <a:fld id="{AA028A9A-8812-42D8-A8AC-F30CD1F57465}" type="datetime1">
               <a:rPr kumimoji="1" lang="ja-JP" altLang="en-US" smtClean="0"/>
-              <a:t>2017/12/4</a:t>
+              <a:t>2018/3/13</a:t>
             </a:fld>
             <a:endParaRPr kumimoji="1" lang="ja-JP" altLang="en-US"/>
           </a:p>
@@ -2712,7 +2712,7 @@
           <p:cNvPr id="3" name="フッター プレースホルダー 2">
             <a:extLst>
               <a:ext uri="{FF2B5EF4-FFF2-40B4-BE49-F238E27FC236}">
-                <a16:creationId xmlns:a16="http://schemas.microsoft.com/office/drawing/2014/main" id="{BD19F830-754F-4C18-8FE4-2F04D270AA7D}"/>
+                <a16:creationId xmlns:a16="http://schemas.microsoft.com/office/drawing/2014/main" xmlns="" id="{BD19F830-754F-4C18-8FE4-2F04D270AA7D}"/>
               </a:ext>
             </a:extLst>
           </p:cNvPr>
@@ -2737,7 +2737,7 @@
           <p:cNvPr id="4" name="スライド番号プレースホルダー 3">
             <a:extLst>
               <a:ext uri="{FF2B5EF4-FFF2-40B4-BE49-F238E27FC236}">
-                <a16:creationId xmlns:a16="http://schemas.microsoft.com/office/drawing/2014/main" id="{AF30F06F-B6C9-459E-9D53-161CC5800883}"/>
+                <a16:creationId xmlns:a16="http://schemas.microsoft.com/office/drawing/2014/main" xmlns="" id="{AF30F06F-B6C9-459E-9D53-161CC5800883}"/>
               </a:ext>
             </a:extLst>
           </p:cNvPr>
@@ -2796,7 +2796,7 @@
           <p:cNvPr id="2" name="タイトル 1">
             <a:extLst>
               <a:ext uri="{FF2B5EF4-FFF2-40B4-BE49-F238E27FC236}">
-                <a16:creationId xmlns:a16="http://schemas.microsoft.com/office/drawing/2014/main" id="{94039C46-50B8-4DD5-BF93-3CBBC0EBABDC}"/>
+                <a16:creationId xmlns:a16="http://schemas.microsoft.com/office/drawing/2014/main" xmlns="" id="{94039C46-50B8-4DD5-BF93-3CBBC0EBABDC}"/>
               </a:ext>
             </a:extLst>
           </p:cNvPr>
@@ -2833,7 +2833,7 @@
           <p:cNvPr id="3" name="コンテンツ プレースホルダー 2">
             <a:extLst>
               <a:ext uri="{FF2B5EF4-FFF2-40B4-BE49-F238E27FC236}">
-                <a16:creationId xmlns:a16="http://schemas.microsoft.com/office/drawing/2014/main" id="{FAC67650-298A-4F61-B23F-88F3E8456AC1}"/>
+                <a16:creationId xmlns:a16="http://schemas.microsoft.com/office/drawing/2014/main" xmlns="" id="{FAC67650-298A-4F61-B23F-88F3E8456AC1}"/>
               </a:ext>
             </a:extLst>
           </p:cNvPr>
@@ -2955,7 +2955,7 @@
           <p:cNvPr id="4" name="テキスト プレースホルダー 3">
             <a:extLst>
               <a:ext uri="{FF2B5EF4-FFF2-40B4-BE49-F238E27FC236}">
-                <a16:creationId xmlns:a16="http://schemas.microsoft.com/office/drawing/2014/main" id="{ABAF77E6-1E08-4613-B05D-57C5EDE232F7}"/>
+                <a16:creationId xmlns:a16="http://schemas.microsoft.com/office/drawing/2014/main" xmlns="" id="{ABAF77E6-1E08-4613-B05D-57C5EDE232F7}"/>
               </a:ext>
             </a:extLst>
           </p:cNvPr>
@@ -3026,7 +3026,7 @@
           <p:cNvPr id="5" name="日付プレースホルダー 4">
             <a:extLst>
               <a:ext uri="{FF2B5EF4-FFF2-40B4-BE49-F238E27FC236}">
-                <a16:creationId xmlns:a16="http://schemas.microsoft.com/office/drawing/2014/main" id="{CD6E41A3-42D9-4D44-A093-4D97E3D0DEDF}"/>
+                <a16:creationId xmlns:a16="http://schemas.microsoft.com/office/drawing/2014/main" xmlns="" id="{CD6E41A3-42D9-4D44-A093-4D97E3D0DEDF}"/>
               </a:ext>
             </a:extLst>
           </p:cNvPr>
@@ -3044,7 +3044,7 @@
           <a:p>
             <a:fld id="{3638306A-7D11-4239-9371-3BFB25B5C686}" type="datetime1">
               <a:rPr kumimoji="1" lang="ja-JP" altLang="en-US" smtClean="0"/>
-              <a:t>2017/12/4</a:t>
+              <a:t>2018/3/13</a:t>
             </a:fld>
             <a:endParaRPr kumimoji="1" lang="ja-JP" altLang="en-US"/>
           </a:p>
@@ -3055,7 +3055,7 @@
           <p:cNvPr id="6" name="フッター プレースホルダー 5">
             <a:extLst>
               <a:ext uri="{FF2B5EF4-FFF2-40B4-BE49-F238E27FC236}">
-                <a16:creationId xmlns:a16="http://schemas.microsoft.com/office/drawing/2014/main" id="{35791E1E-DDBA-44B3-9ED6-75CDC9639CFF}"/>
+                <a16:creationId xmlns:a16="http://schemas.microsoft.com/office/drawing/2014/main" xmlns="" id="{35791E1E-DDBA-44B3-9ED6-75CDC9639CFF}"/>
               </a:ext>
             </a:extLst>
           </p:cNvPr>
@@ -3080,7 +3080,7 @@
           <p:cNvPr id="7" name="スライド番号プレースホルダー 6">
             <a:extLst>
               <a:ext uri="{FF2B5EF4-FFF2-40B4-BE49-F238E27FC236}">
-                <a16:creationId xmlns:a16="http://schemas.microsoft.com/office/drawing/2014/main" id="{1FA0BBAC-041B-4530-8DE5-67BB03F942B4}"/>
+                <a16:creationId xmlns:a16="http://schemas.microsoft.com/office/drawing/2014/main" xmlns="" id="{1FA0BBAC-041B-4530-8DE5-67BB03F942B4}"/>
               </a:ext>
             </a:extLst>
           </p:cNvPr>
@@ -3139,7 +3139,7 @@
           <p:cNvPr id="2" name="タイトル 1">
             <a:extLst>
               <a:ext uri="{FF2B5EF4-FFF2-40B4-BE49-F238E27FC236}">
-                <a16:creationId xmlns:a16="http://schemas.microsoft.com/office/drawing/2014/main" id="{D32961A6-5FD9-4DD1-9399-79025E702D77}"/>
+                <a16:creationId xmlns:a16="http://schemas.microsoft.com/office/drawing/2014/main" xmlns="" id="{D32961A6-5FD9-4DD1-9399-79025E702D77}"/>
               </a:ext>
             </a:extLst>
           </p:cNvPr>
@@ -3176,7 +3176,7 @@
           <p:cNvPr id="3" name="図プレースホルダー 2">
             <a:extLst>
               <a:ext uri="{FF2B5EF4-FFF2-40B4-BE49-F238E27FC236}">
-                <a16:creationId xmlns:a16="http://schemas.microsoft.com/office/drawing/2014/main" id="{D8E8218E-30F7-4056-BD7E-9E862E2C6EC8}"/>
+                <a16:creationId xmlns:a16="http://schemas.microsoft.com/office/drawing/2014/main" xmlns="" id="{D8E8218E-30F7-4056-BD7E-9E862E2C6EC8}"/>
               </a:ext>
             </a:extLst>
           </p:cNvPr>
@@ -3243,7 +3243,7 @@
           <p:cNvPr id="4" name="テキスト プレースホルダー 3">
             <a:extLst>
               <a:ext uri="{FF2B5EF4-FFF2-40B4-BE49-F238E27FC236}">
-                <a16:creationId xmlns:a16="http://schemas.microsoft.com/office/drawing/2014/main" id="{76A51302-49EB-4A71-8C42-03C06785F97F}"/>
+                <a16:creationId xmlns:a16="http://schemas.microsoft.com/office/drawing/2014/main" xmlns="" id="{76A51302-49EB-4A71-8C42-03C06785F97F}"/>
               </a:ext>
             </a:extLst>
           </p:cNvPr>
@@ -3314,7 +3314,7 @@
           <p:cNvPr id="5" name="日付プレースホルダー 4">
             <a:extLst>
               <a:ext uri="{FF2B5EF4-FFF2-40B4-BE49-F238E27FC236}">
-                <a16:creationId xmlns:a16="http://schemas.microsoft.com/office/drawing/2014/main" id="{122867D7-B298-4F34-BF60-7897C1D26B0C}"/>
+                <a16:creationId xmlns:a16="http://schemas.microsoft.com/office/drawing/2014/main" xmlns="" id="{122867D7-B298-4F34-BF60-7897C1D26B0C}"/>
               </a:ext>
             </a:extLst>
           </p:cNvPr>
@@ -3332,7 +3332,7 @@
           <a:p>
             <a:fld id="{25F8348D-66EA-4186-BB0B-99FB286568FF}" type="datetime1">
               <a:rPr kumimoji="1" lang="ja-JP" altLang="en-US" smtClean="0"/>
-              <a:t>2017/12/4</a:t>
+              <a:t>2018/3/13</a:t>
             </a:fld>
             <a:endParaRPr kumimoji="1" lang="ja-JP" altLang="en-US"/>
           </a:p>
@@ -3343,7 +3343,7 @@
           <p:cNvPr id="6" name="フッター プレースホルダー 5">
             <a:extLst>
               <a:ext uri="{FF2B5EF4-FFF2-40B4-BE49-F238E27FC236}">
-                <a16:creationId xmlns:a16="http://schemas.microsoft.com/office/drawing/2014/main" id="{42E40EFE-69CF-4922-A072-21BEA5904E07}"/>
+                <a16:creationId xmlns:a16="http://schemas.microsoft.com/office/drawing/2014/main" xmlns="" id="{42E40EFE-69CF-4922-A072-21BEA5904E07}"/>
               </a:ext>
             </a:extLst>
           </p:cNvPr>
@@ -3368,7 +3368,7 @@
           <p:cNvPr id="7" name="スライド番号プレースホルダー 6">
             <a:extLst>
               <a:ext uri="{FF2B5EF4-FFF2-40B4-BE49-F238E27FC236}">
-                <a16:creationId xmlns:a16="http://schemas.microsoft.com/office/drawing/2014/main" id="{A23CBFBD-4D74-4C68-B5BD-F1D021B97C39}"/>
+                <a16:creationId xmlns:a16="http://schemas.microsoft.com/office/drawing/2014/main" xmlns="" id="{A23CBFBD-4D74-4C68-B5BD-F1D021B97C39}"/>
               </a:ext>
             </a:extLst>
           </p:cNvPr>
@@ -3432,7 +3432,7 @@
           <p:cNvPr id="2" name="タイトル プレースホルダー 1">
             <a:extLst>
               <a:ext uri="{FF2B5EF4-FFF2-40B4-BE49-F238E27FC236}">
-                <a16:creationId xmlns:a16="http://schemas.microsoft.com/office/drawing/2014/main" id="{ED3DF858-0510-483E-A45F-3B55021841E7}"/>
+                <a16:creationId xmlns:a16="http://schemas.microsoft.com/office/drawing/2014/main" xmlns="" id="{ED3DF858-0510-483E-A45F-3B55021841E7}"/>
               </a:ext>
             </a:extLst>
           </p:cNvPr>
@@ -3470,7 +3470,7 @@
           <p:cNvPr id="3" name="テキスト プレースホルダー 2">
             <a:extLst>
               <a:ext uri="{FF2B5EF4-FFF2-40B4-BE49-F238E27FC236}">
-                <a16:creationId xmlns:a16="http://schemas.microsoft.com/office/drawing/2014/main" id="{B1E53387-6A73-4453-AABC-8B3D4C31451B}"/>
+                <a16:creationId xmlns:a16="http://schemas.microsoft.com/office/drawing/2014/main" xmlns="" id="{B1E53387-6A73-4453-AABC-8B3D4C31451B}"/>
               </a:ext>
             </a:extLst>
           </p:cNvPr>
@@ -3569,7 +3569,7 @@
           <p:cNvPr id="4" name="日付プレースホルダー 3">
             <a:extLst>
               <a:ext uri="{FF2B5EF4-FFF2-40B4-BE49-F238E27FC236}">
-                <a16:creationId xmlns:a16="http://schemas.microsoft.com/office/drawing/2014/main" id="{FA47AD39-5B31-4CF5-81B8-8F59795ECFD0}"/>
+                <a16:creationId xmlns:a16="http://schemas.microsoft.com/office/drawing/2014/main" xmlns="" id="{FA47AD39-5B31-4CF5-81B8-8F59795ECFD0}"/>
               </a:ext>
             </a:extLst>
           </p:cNvPr>
@@ -3605,7 +3605,7 @@
           <a:p>
             <a:fld id="{AC9BD3EC-C0C8-40A6-81F1-9BBFA037EF8B}" type="datetime1">
               <a:rPr kumimoji="1" lang="ja-JP" altLang="en-US" smtClean="0"/>
-              <a:t>2017/12/4</a:t>
+              <a:t>2018/3/13</a:t>
             </a:fld>
             <a:endParaRPr kumimoji="1" lang="ja-JP" altLang="en-US"/>
           </a:p>
@@ -3616,7 +3616,7 @@
           <p:cNvPr id="5" name="フッター プレースホルダー 4">
             <a:extLst>
               <a:ext uri="{FF2B5EF4-FFF2-40B4-BE49-F238E27FC236}">
-                <a16:creationId xmlns:a16="http://schemas.microsoft.com/office/drawing/2014/main" id="{1BF83D56-A9B3-4EDF-BFEA-EBC848414D02}"/>
+                <a16:creationId xmlns:a16="http://schemas.microsoft.com/office/drawing/2014/main" xmlns="" id="{1BF83D56-A9B3-4EDF-BFEA-EBC848414D02}"/>
               </a:ext>
             </a:extLst>
           </p:cNvPr>
@@ -3659,7 +3659,7 @@
           <p:cNvPr id="6" name="スライド番号プレースホルダー 5">
             <a:extLst>
               <a:ext uri="{FF2B5EF4-FFF2-40B4-BE49-F238E27FC236}">
-                <a16:creationId xmlns:a16="http://schemas.microsoft.com/office/drawing/2014/main" id="{BDCF5551-4BBA-4B6C-8390-6BC3D9EA83CE}"/>
+                <a16:creationId xmlns:a16="http://schemas.microsoft.com/office/drawing/2014/main" xmlns="" id="{BDCF5551-4BBA-4B6C-8390-6BC3D9EA83CE}"/>
               </a:ext>
             </a:extLst>
           </p:cNvPr>
@@ -4028,7 +4028,7 @@
           <p:cNvPr id="6" name="テキスト ボックス 5">
             <a:extLst>
               <a:ext uri="{FF2B5EF4-FFF2-40B4-BE49-F238E27FC236}">
-                <a16:creationId xmlns:a16="http://schemas.microsoft.com/office/drawing/2014/main" id="{1F0A6FEE-5F30-47CD-92B6-24311CE0EC92}"/>
+                <a16:creationId xmlns:a16="http://schemas.microsoft.com/office/drawing/2014/main" xmlns="" id="{1F0A6FEE-5F30-47CD-92B6-24311CE0EC92}"/>
               </a:ext>
             </a:extLst>
           </p:cNvPr>
@@ -4067,7 +4067,7 @@
           <p:cNvPr id="2" name="正方形/長方形 1">
             <a:extLst>
               <a:ext uri="{FF2B5EF4-FFF2-40B4-BE49-F238E27FC236}">
-                <a16:creationId xmlns:a16="http://schemas.microsoft.com/office/drawing/2014/main" id="{A3839584-586E-4BF7-B7D0-CF7E5BDF7807}"/>
+                <a16:creationId xmlns:a16="http://schemas.microsoft.com/office/drawing/2014/main" xmlns="" id="{A3839584-586E-4BF7-B7D0-CF7E5BDF7807}"/>
               </a:ext>
             </a:extLst>
           </p:cNvPr>
@@ -4126,7 +4126,7 @@
           <p:cNvPr id="5" name="スライド番号プレースホルダー 4">
             <a:extLst>
               <a:ext uri="{FF2B5EF4-FFF2-40B4-BE49-F238E27FC236}">
-                <a16:creationId xmlns:a16="http://schemas.microsoft.com/office/drawing/2014/main" id="{C270AC0B-4708-4A2D-90BF-07CDBA702A3C}"/>
+                <a16:creationId xmlns:a16="http://schemas.microsoft.com/office/drawing/2014/main" xmlns="" id="{C270AC0B-4708-4A2D-90BF-07CDBA702A3C}"/>
               </a:ext>
             </a:extLst>
           </p:cNvPr>
@@ -4155,7 +4155,7 @@
           <p:cNvPr id="7" name="正方形/長方形 6">
             <a:extLst>
               <a:ext uri="{FF2B5EF4-FFF2-40B4-BE49-F238E27FC236}">
-                <a16:creationId xmlns:a16="http://schemas.microsoft.com/office/drawing/2014/main" id="{7AA58E1A-71F5-4213-BA60-B3FBF0C5484F}"/>
+                <a16:creationId xmlns:a16="http://schemas.microsoft.com/office/drawing/2014/main" xmlns="" id="{7AA58E1A-71F5-4213-BA60-B3FBF0C5484F}"/>
               </a:ext>
             </a:extLst>
           </p:cNvPr>
@@ -4241,7 +4241,7 @@
           <p:cNvPr id="2" name="Shape 130">
             <a:extLst>
               <a:ext uri="{FF2B5EF4-FFF2-40B4-BE49-F238E27FC236}">
-                <a16:creationId xmlns:a16="http://schemas.microsoft.com/office/drawing/2014/main" id="{0AF9C5A6-F747-48BC-98BB-6721E2119395}"/>
+                <a16:creationId xmlns:a16="http://schemas.microsoft.com/office/drawing/2014/main" xmlns="" id="{0AF9C5A6-F747-48BC-98BB-6721E2119395}"/>
               </a:ext>
             </a:extLst>
           </p:cNvPr>
@@ -4261,7 +4261,7 @@
           </a:ln>
           <a:extLst>
             <a:ext uri="{C572A759-6A51-4108-AA02-DFA0A04FC94B}">
-              <ma14:wrappingTextBoxFlag xmlns:ma14="http://schemas.microsoft.com/office/mac/drawingml/2011/main" xmlns="" val="1"/>
+              <ma14:wrappingTextBoxFlag xmlns="" xmlns:ma14="http://schemas.microsoft.com/office/mac/drawingml/2011/main" val="1"/>
             </a:ext>
           </a:extLst>
         </p:spPr>
@@ -4304,7 +4304,7 @@
           <p:cNvPr id="7" name="スライド番号プレースホルダー 6">
             <a:extLst>
               <a:ext uri="{FF2B5EF4-FFF2-40B4-BE49-F238E27FC236}">
-                <a16:creationId xmlns:a16="http://schemas.microsoft.com/office/drawing/2014/main" id="{CB143EC8-5FDA-4747-A707-8D7BA03128D3}"/>
+                <a16:creationId xmlns:a16="http://schemas.microsoft.com/office/drawing/2014/main" xmlns="" id="{CB143EC8-5FDA-4747-A707-8D7BA03128D3}"/>
               </a:ext>
             </a:extLst>
           </p:cNvPr>
@@ -4333,7 +4333,7 @@
           <p:cNvPr id="9" name="表 8">
             <a:extLst>
               <a:ext uri="{FF2B5EF4-FFF2-40B4-BE49-F238E27FC236}">
-                <a16:creationId xmlns:a16="http://schemas.microsoft.com/office/drawing/2014/main" id="{624B42D9-156A-42C6-93BE-8F82EA34F6A2}"/>
+                <a16:creationId xmlns:a16="http://schemas.microsoft.com/office/drawing/2014/main" xmlns="" id="{624B42D9-156A-42C6-93BE-8F82EA34F6A2}"/>
               </a:ext>
             </a:extLst>
           </p:cNvPr>
@@ -4362,49 +4362,49 @@
                 <a:gridCol w="1619568">
                   <a:extLst>
                     <a:ext uri="{9D8B030D-6E8A-4147-A177-3AD203B41FA5}">
-                      <a16:colId xmlns:a16="http://schemas.microsoft.com/office/drawing/2014/main" val="2869928480"/>
+                      <a16:colId xmlns:a16="http://schemas.microsoft.com/office/drawing/2014/main" xmlns="" val="2869928480"/>
                     </a:ext>
                   </a:extLst>
                 </a:gridCol>
                 <a:gridCol w="1619568">
                   <a:extLst>
                     <a:ext uri="{9D8B030D-6E8A-4147-A177-3AD203B41FA5}">
-                      <a16:colId xmlns:a16="http://schemas.microsoft.com/office/drawing/2014/main" val="3708684436"/>
+                      <a16:colId xmlns:a16="http://schemas.microsoft.com/office/drawing/2014/main" xmlns="" val="3708684436"/>
                     </a:ext>
                   </a:extLst>
                 </a:gridCol>
                 <a:gridCol w="1198450">
                   <a:extLst>
                     <a:ext uri="{9D8B030D-6E8A-4147-A177-3AD203B41FA5}">
-                      <a16:colId xmlns:a16="http://schemas.microsoft.com/office/drawing/2014/main" val="3877242200"/>
+                      <a16:colId xmlns:a16="http://schemas.microsoft.com/office/drawing/2014/main" xmlns="" val="3877242200"/>
                     </a:ext>
                   </a:extLst>
                 </a:gridCol>
                 <a:gridCol w="1619568">
                   <a:extLst>
                     <a:ext uri="{9D8B030D-6E8A-4147-A177-3AD203B41FA5}">
-                      <a16:colId xmlns:a16="http://schemas.microsoft.com/office/drawing/2014/main" val="1228845434"/>
+                      <a16:colId xmlns:a16="http://schemas.microsoft.com/office/drawing/2014/main" xmlns="" val="1228845434"/>
                     </a:ext>
                   </a:extLst>
                 </a:gridCol>
                 <a:gridCol w="933768">
                   <a:extLst>
                     <a:ext uri="{9D8B030D-6E8A-4147-A177-3AD203B41FA5}">
-                      <a16:colId xmlns:a16="http://schemas.microsoft.com/office/drawing/2014/main" val="4141803925"/>
+                      <a16:colId xmlns:a16="http://schemas.microsoft.com/office/drawing/2014/main" xmlns="" val="4141803925"/>
                     </a:ext>
                   </a:extLst>
                 </a:gridCol>
                 <a:gridCol w="1489297">
                   <a:extLst>
                     <a:ext uri="{9D8B030D-6E8A-4147-A177-3AD203B41FA5}">
-                      <a16:colId xmlns:a16="http://schemas.microsoft.com/office/drawing/2014/main" val="873013535"/>
+                      <a16:colId xmlns:a16="http://schemas.microsoft.com/office/drawing/2014/main" xmlns="" val="873013535"/>
                     </a:ext>
                   </a:extLst>
                 </a:gridCol>
                 <a:gridCol w="1651318">
                   <a:extLst>
                     <a:ext uri="{9D8B030D-6E8A-4147-A177-3AD203B41FA5}">
-                      <a16:colId xmlns:a16="http://schemas.microsoft.com/office/drawing/2014/main" val="2271690460"/>
+                      <a16:colId xmlns:a16="http://schemas.microsoft.com/office/drawing/2014/main" xmlns="" val="2271690460"/>
                     </a:ext>
                   </a:extLst>
                 </a:gridCol>
@@ -4511,7 +4511,7 @@
                 </a:tc>
                 <a:extLst>
                   <a:ext uri="{0D108BD9-81ED-4DB2-BD59-A6C34878D82A}">
-                    <a16:rowId xmlns:a16="http://schemas.microsoft.com/office/drawing/2014/main" val="2840948024"/>
+                    <a16:rowId xmlns:a16="http://schemas.microsoft.com/office/drawing/2014/main" xmlns="" val="2840948024"/>
                   </a:ext>
                 </a:extLst>
               </a:tr>
@@ -4661,7 +4661,7 @@
                 </a:tc>
                 <a:extLst>
                   <a:ext uri="{0D108BD9-81ED-4DB2-BD59-A6C34878D82A}">
-                    <a16:rowId xmlns:a16="http://schemas.microsoft.com/office/drawing/2014/main" val="412007066"/>
+                    <a16:rowId xmlns:a16="http://schemas.microsoft.com/office/drawing/2014/main" xmlns="" val="412007066"/>
                   </a:ext>
                 </a:extLst>
               </a:tr>
@@ -4674,7 +4674,7 @@
           <p:cNvPr id="10" name="テキスト ボックス 9">
             <a:extLst>
               <a:ext uri="{FF2B5EF4-FFF2-40B4-BE49-F238E27FC236}">
-                <a16:creationId xmlns:a16="http://schemas.microsoft.com/office/drawing/2014/main" id="{A621AA31-742A-4E36-B07B-F04DD8A2929A}"/>
+                <a16:creationId xmlns:a16="http://schemas.microsoft.com/office/drawing/2014/main" xmlns="" id="{A621AA31-742A-4E36-B07B-F04DD8A2929A}"/>
               </a:ext>
             </a:extLst>
           </p:cNvPr>
@@ -4710,7 +4710,7 @@
           <p:cNvPr id="11" name="グループ化 10">
             <a:extLst>
               <a:ext uri="{FF2B5EF4-FFF2-40B4-BE49-F238E27FC236}">
-                <a16:creationId xmlns:a16="http://schemas.microsoft.com/office/drawing/2014/main" id="{5213A3A3-CAEC-4F92-A901-6C426A298642}"/>
+                <a16:creationId xmlns:a16="http://schemas.microsoft.com/office/drawing/2014/main" xmlns="" id="{5213A3A3-CAEC-4F92-A901-6C426A298642}"/>
               </a:ext>
             </a:extLst>
           </p:cNvPr>
@@ -4730,7 +4730,7 @@
             <p:cNvPr id="12" name="テキスト ボックス 11">
               <a:extLst>
                 <a:ext uri="{FF2B5EF4-FFF2-40B4-BE49-F238E27FC236}">
-                  <a16:creationId xmlns:a16="http://schemas.microsoft.com/office/drawing/2014/main" id="{7C209044-D308-421C-AA24-12D3076C8EED}"/>
+                  <a16:creationId xmlns:a16="http://schemas.microsoft.com/office/drawing/2014/main" xmlns="" id="{7C209044-D308-421C-AA24-12D3076C8EED}"/>
                 </a:ext>
               </a:extLst>
             </p:cNvPr>
@@ -4785,7 +4785,7 @@
             <p:cNvPr id="13" name="テキスト ボックス 12">
               <a:extLst>
                 <a:ext uri="{FF2B5EF4-FFF2-40B4-BE49-F238E27FC236}">
-                  <a16:creationId xmlns:a16="http://schemas.microsoft.com/office/drawing/2014/main" id="{1F10411C-1EA1-464D-A8D5-EA693197AF2D}"/>
+                  <a16:creationId xmlns:a16="http://schemas.microsoft.com/office/drawing/2014/main" xmlns="" id="{1F10411C-1EA1-464D-A8D5-EA693197AF2D}"/>
                 </a:ext>
               </a:extLst>
             </p:cNvPr>
@@ -4821,7 +4821,7 @@
           <p:cNvPr id="14" name="グループ化 13">
             <a:extLst>
               <a:ext uri="{FF2B5EF4-FFF2-40B4-BE49-F238E27FC236}">
-                <a16:creationId xmlns:a16="http://schemas.microsoft.com/office/drawing/2014/main" id="{5F496EB3-0D33-4210-B186-952D6194F7DC}"/>
+                <a16:creationId xmlns:a16="http://schemas.microsoft.com/office/drawing/2014/main" xmlns="" id="{5F496EB3-0D33-4210-B186-952D6194F7DC}"/>
               </a:ext>
             </a:extLst>
           </p:cNvPr>
@@ -4841,7 +4841,7 @@
             <p:cNvPr id="15" name="テキスト ボックス 14">
               <a:extLst>
                 <a:ext uri="{FF2B5EF4-FFF2-40B4-BE49-F238E27FC236}">
-                  <a16:creationId xmlns:a16="http://schemas.microsoft.com/office/drawing/2014/main" id="{1A666B66-AEFB-4549-8F25-005EF591E7DA}"/>
+                  <a16:creationId xmlns:a16="http://schemas.microsoft.com/office/drawing/2014/main" xmlns="" id="{1A666B66-AEFB-4549-8F25-005EF591E7DA}"/>
                 </a:ext>
               </a:extLst>
             </p:cNvPr>
@@ -4884,7 +4884,7 @@
             <p:cNvPr id="16" name="テキスト ボックス 15">
               <a:extLst>
                 <a:ext uri="{FF2B5EF4-FFF2-40B4-BE49-F238E27FC236}">
-                  <a16:creationId xmlns:a16="http://schemas.microsoft.com/office/drawing/2014/main" id="{9FE567CD-482B-4C4F-9B30-F0235F36DCDC}"/>
+                  <a16:creationId xmlns:a16="http://schemas.microsoft.com/office/drawing/2014/main" xmlns="" id="{9FE567CD-482B-4C4F-9B30-F0235F36DCDC}"/>
                 </a:ext>
               </a:extLst>
             </p:cNvPr>
@@ -4920,7 +4920,7 @@
           <p:cNvPr id="17" name="図 16">
             <a:extLst>
               <a:ext uri="{FF2B5EF4-FFF2-40B4-BE49-F238E27FC236}">
-                <a16:creationId xmlns:a16="http://schemas.microsoft.com/office/drawing/2014/main" id="{31AC454F-A777-4587-9152-E963A4E7240C}"/>
+                <a16:creationId xmlns:a16="http://schemas.microsoft.com/office/drawing/2014/main" xmlns="" id="{31AC454F-A777-4587-9152-E963A4E7240C}"/>
               </a:ext>
             </a:extLst>
           </p:cNvPr>
@@ -4949,7 +4949,7 @@
           <p:cNvPr id="22" name="直線コネクタ 21">
             <a:extLst>
               <a:ext uri="{FF2B5EF4-FFF2-40B4-BE49-F238E27FC236}">
-                <a16:creationId xmlns:a16="http://schemas.microsoft.com/office/drawing/2014/main" id="{6BCA8CB7-AFBC-4718-9E68-E6D33C5ABDDB}"/>
+                <a16:creationId xmlns:a16="http://schemas.microsoft.com/office/drawing/2014/main" xmlns="" id="{6BCA8CB7-AFBC-4718-9E68-E6D33C5ABDDB}"/>
               </a:ext>
             </a:extLst>
           </p:cNvPr>
@@ -5024,7 +5024,7 @@
           <p:cNvPr id="2" name="スライド番号プレースホルダー 1">
             <a:extLst>
               <a:ext uri="{FF2B5EF4-FFF2-40B4-BE49-F238E27FC236}">
-                <a16:creationId xmlns:a16="http://schemas.microsoft.com/office/drawing/2014/main" id="{2EF09256-1F4D-45B4-9B1F-BDC1757047E4}"/>
+                <a16:creationId xmlns:a16="http://schemas.microsoft.com/office/drawing/2014/main" xmlns="" id="{2EF09256-1F4D-45B4-9B1F-BDC1757047E4}"/>
               </a:ext>
             </a:extLst>
           </p:cNvPr>
@@ -5053,7 +5053,7 @@
           <p:cNvPr id="3" name="グループ化 2">
             <a:extLst>
               <a:ext uri="{FF2B5EF4-FFF2-40B4-BE49-F238E27FC236}">
-                <a16:creationId xmlns:a16="http://schemas.microsoft.com/office/drawing/2014/main" id="{EED2038E-0BFA-469B-B16A-BA3452F80B78}"/>
+                <a16:creationId xmlns:a16="http://schemas.microsoft.com/office/drawing/2014/main" xmlns="" id="{EED2038E-0BFA-469B-B16A-BA3452F80B78}"/>
               </a:ext>
             </a:extLst>
           </p:cNvPr>
@@ -5073,7 +5073,7 @@
             <p:cNvPr id="4" name="テキスト ボックス 3">
               <a:extLst>
                 <a:ext uri="{FF2B5EF4-FFF2-40B4-BE49-F238E27FC236}">
-                  <a16:creationId xmlns:a16="http://schemas.microsoft.com/office/drawing/2014/main" id="{01F0DE58-A22B-4467-A9A7-30D560AE140B}"/>
+                  <a16:creationId xmlns:a16="http://schemas.microsoft.com/office/drawing/2014/main" xmlns="" id="{01F0DE58-A22B-4467-A9A7-30D560AE140B}"/>
                 </a:ext>
               </a:extLst>
             </p:cNvPr>
@@ -5120,7 +5120,7 @@
             <p:cNvPr id="5" name="テキスト ボックス 4">
               <a:extLst>
                 <a:ext uri="{FF2B5EF4-FFF2-40B4-BE49-F238E27FC236}">
-                  <a16:creationId xmlns:a16="http://schemas.microsoft.com/office/drawing/2014/main" id="{7C261631-462C-4559-873A-98A79B7F50DF}"/>
+                  <a16:creationId xmlns:a16="http://schemas.microsoft.com/office/drawing/2014/main" xmlns="" id="{7C261631-462C-4559-873A-98A79B7F50DF}"/>
                 </a:ext>
               </a:extLst>
             </p:cNvPr>
@@ -5156,7 +5156,7 @@
           <p:cNvPr id="8" name="Shape 130">
             <a:extLst>
               <a:ext uri="{FF2B5EF4-FFF2-40B4-BE49-F238E27FC236}">
-                <a16:creationId xmlns:a16="http://schemas.microsoft.com/office/drawing/2014/main" id="{6AD248E9-2284-4713-97C3-B7A49B624090}"/>
+                <a16:creationId xmlns:a16="http://schemas.microsoft.com/office/drawing/2014/main" xmlns="" id="{6AD248E9-2284-4713-97C3-B7A49B624090}"/>
               </a:ext>
             </a:extLst>
           </p:cNvPr>
@@ -5176,7 +5176,7 @@
           </a:ln>
           <a:extLst>
             <a:ext uri="{C572A759-6A51-4108-AA02-DFA0A04FC94B}">
-              <ma14:wrappingTextBoxFlag xmlns:ma14="http://schemas.microsoft.com/office/mac/drawingml/2011/main" xmlns="" val="1"/>
+              <ma14:wrappingTextBoxFlag xmlns="" xmlns:ma14="http://schemas.microsoft.com/office/mac/drawingml/2011/main" val="1"/>
             </a:ext>
           </a:extLst>
         </p:spPr>
@@ -5219,7 +5219,7 @@
           <p:cNvPr id="9" name="図 8">
             <a:extLst>
               <a:ext uri="{FF2B5EF4-FFF2-40B4-BE49-F238E27FC236}">
-                <a16:creationId xmlns:a16="http://schemas.microsoft.com/office/drawing/2014/main" id="{681BF2CE-5C45-46FF-8287-73D47ED6D7FF}"/>
+                <a16:creationId xmlns:a16="http://schemas.microsoft.com/office/drawing/2014/main" xmlns="" id="{681BF2CE-5C45-46FF-8287-73D47ED6D7FF}"/>
               </a:ext>
             </a:extLst>
           </p:cNvPr>
@@ -5249,7 +5249,7 @@
           <p:cNvPr id="10" name="四角形: 角を丸くする 9">
             <a:extLst>
               <a:ext uri="{FF2B5EF4-FFF2-40B4-BE49-F238E27FC236}">
-                <a16:creationId xmlns:a16="http://schemas.microsoft.com/office/drawing/2014/main" id="{468C887F-EBF3-447D-8734-D7C9798AC020}"/>
+                <a16:creationId xmlns:a16="http://schemas.microsoft.com/office/drawing/2014/main" xmlns="" id="{468C887F-EBF3-447D-8734-D7C9798AC020}"/>
               </a:ext>
             </a:extLst>
           </p:cNvPr>
@@ -5301,7 +5301,7 @@
           <p:cNvPr id="11" name="直線矢印コネクタ 10">
             <a:extLst>
               <a:ext uri="{FF2B5EF4-FFF2-40B4-BE49-F238E27FC236}">
-                <a16:creationId xmlns:a16="http://schemas.microsoft.com/office/drawing/2014/main" id="{5826A181-744C-46E9-B054-7E7DECE2CA3D}"/>
+                <a16:creationId xmlns:a16="http://schemas.microsoft.com/office/drawing/2014/main" xmlns="" id="{5826A181-744C-46E9-B054-7E7DECE2CA3D}"/>
               </a:ext>
             </a:extLst>
           </p:cNvPr>
@@ -5347,7 +5347,7 @@
           <p:cNvPr id="14" name="図 13">
             <a:extLst>
               <a:ext uri="{FF2B5EF4-FFF2-40B4-BE49-F238E27FC236}">
-                <a16:creationId xmlns:a16="http://schemas.microsoft.com/office/drawing/2014/main" id="{420D40FD-8228-45ED-B9E5-4DF8DA68A6F2}"/>
+                <a16:creationId xmlns:a16="http://schemas.microsoft.com/office/drawing/2014/main" xmlns="" id="{420D40FD-8228-45ED-B9E5-4DF8DA68A6F2}"/>
               </a:ext>
             </a:extLst>
           </p:cNvPr>
@@ -5377,7 +5377,7 @@
           <p:cNvPr id="15" name="テキスト ボックス 14">
             <a:extLst>
               <a:ext uri="{FF2B5EF4-FFF2-40B4-BE49-F238E27FC236}">
-                <a16:creationId xmlns:a16="http://schemas.microsoft.com/office/drawing/2014/main" id="{250A62EF-D878-449D-9CAE-4434FF698977}"/>
+                <a16:creationId xmlns:a16="http://schemas.microsoft.com/office/drawing/2014/main" xmlns="" id="{250A62EF-D878-449D-9CAE-4434FF698977}"/>
               </a:ext>
             </a:extLst>
           </p:cNvPr>
@@ -5457,7 +5457,7 @@
           <p:cNvPr id="2" name="スライド番号プレースホルダー 1">
             <a:extLst>
               <a:ext uri="{FF2B5EF4-FFF2-40B4-BE49-F238E27FC236}">
-                <a16:creationId xmlns:a16="http://schemas.microsoft.com/office/drawing/2014/main" id="{7655272F-F346-4D67-980D-F5DAC34C0D26}"/>
+                <a16:creationId xmlns:a16="http://schemas.microsoft.com/office/drawing/2014/main" xmlns="" id="{7655272F-F346-4D67-980D-F5DAC34C0D26}"/>
               </a:ext>
             </a:extLst>
           </p:cNvPr>
@@ -5486,7 +5486,7 @@
           <p:cNvPr id="3" name="Shape 130">
             <a:extLst>
               <a:ext uri="{FF2B5EF4-FFF2-40B4-BE49-F238E27FC236}">
-                <a16:creationId xmlns:a16="http://schemas.microsoft.com/office/drawing/2014/main" id="{2EDF6CCC-97C9-4981-8AF2-09ED5C8EF2EF}"/>
+                <a16:creationId xmlns:a16="http://schemas.microsoft.com/office/drawing/2014/main" xmlns="" id="{2EDF6CCC-97C9-4981-8AF2-09ED5C8EF2EF}"/>
               </a:ext>
             </a:extLst>
           </p:cNvPr>
@@ -5506,7 +5506,7 @@
           </a:ln>
           <a:extLst>
             <a:ext uri="{C572A759-6A51-4108-AA02-DFA0A04FC94B}">
-              <ma14:wrappingTextBoxFlag xmlns:ma14="http://schemas.microsoft.com/office/mac/drawingml/2011/main" xmlns="" val="1"/>
+              <ma14:wrappingTextBoxFlag xmlns="" xmlns:ma14="http://schemas.microsoft.com/office/mac/drawingml/2011/main" val="1"/>
             </a:ext>
           </a:extLst>
         </p:spPr>
@@ -5536,7 +5536,7 @@
           <p:cNvPr id="22" name="テキスト ボックス 21">
             <a:extLst>
               <a:ext uri="{FF2B5EF4-FFF2-40B4-BE49-F238E27FC236}">
-                <a16:creationId xmlns:a16="http://schemas.microsoft.com/office/drawing/2014/main" id="{D60D1214-BD30-44F7-9F98-423EFC33BD21}"/>
+                <a16:creationId xmlns:a16="http://schemas.microsoft.com/office/drawing/2014/main" xmlns="" id="{D60D1214-BD30-44F7-9F98-423EFC33BD21}"/>
               </a:ext>
             </a:extLst>
           </p:cNvPr>
@@ -5545,8 +5545,8 @@
         </p:nvSpPr>
         <p:spPr>
           <a:xfrm>
-            <a:off x="698997" y="789094"/>
-            <a:ext cx="7109639" cy="707886"/>
+            <a:off x="566226" y="667061"/>
+            <a:ext cx="7705956" cy="1015663"/>
           </a:xfrm>
           <a:prstGeom prst="rect">
             <a:avLst/>
@@ -5560,8 +5560,27 @@
           <a:lstStyle/>
           <a:p>
             <a:r>
+              <a:rPr lang="ja-JP" altLang="en-US" sz="2000" b="1" dirty="0" smtClean="0"/>
+              <a:t>ここで</a:t>
+            </a:r>
+            <a:r>
+              <a:rPr lang="en-US" altLang="ja-JP" sz="2000" b="1" dirty="0" smtClean="0"/>
+              <a:t>connector</a:t>
+            </a:r>
+            <a:r>
+              <a:rPr lang="ja-JP" altLang="en-US" sz="2000" b="1" dirty="0" smtClean="0"/>
+              <a:t>でやり取りする値を受け取る方法を解説します</a:t>
+            </a:r>
+            <a:endParaRPr lang="en-US" altLang="ja-JP" sz="2000" b="1" dirty="0" smtClean="0"/>
+          </a:p>
+          <a:p>
+            <a:r>
+              <a:rPr lang="ja-JP" altLang="en-US" sz="2000" b="1" dirty="0" smtClean="0"/>
+              <a:t>インスタンス化</a:t>
+            </a:r>
+            <a:r>
               <a:rPr lang="ja-JP" altLang="en-US" sz="2000" b="1" dirty="0"/>
-              <a:t>インスタンス化された</a:t>
+              <a:t>された</a:t>
             </a:r>
             <a:r>
               <a:rPr lang="en-US" altLang="ja-JP" sz="2000" b="1" dirty="0"/>
@@ -5576,7 +5595,11 @@
           <a:p>
             <a:r>
               <a:rPr lang="ja-JP" altLang="en-US" sz="2000" b="1" dirty="0"/>
-              <a:t>宣言したパラメータや変数は等式で接続する必要があります</a:t>
+              <a:t>宣言したパラメータや</a:t>
+            </a:r>
+            <a:r>
+              <a:rPr lang="ja-JP" altLang="en-US" sz="2000" b="1" dirty="0" smtClean="0"/>
+              <a:t>変数を等式で結びつけることで値を受け渡します</a:t>
             </a:r>
             <a:endParaRPr kumimoji="1" lang="ja-JP" altLang="en-US" sz="2000" b="1" dirty="0"/>
           </a:p>
@@ -5587,7 +5610,7 @@
           <p:cNvPr id="25" name="グループ化 24">
             <a:extLst>
               <a:ext uri="{FF2B5EF4-FFF2-40B4-BE49-F238E27FC236}">
-                <a16:creationId xmlns:a16="http://schemas.microsoft.com/office/drawing/2014/main" id="{006C95D5-070A-427B-BC1F-6A04BC72DEAE}"/>
+                <a16:creationId xmlns:a16="http://schemas.microsoft.com/office/drawing/2014/main" xmlns="" id="{006C95D5-070A-427B-BC1F-6A04BC72DEAE}"/>
               </a:ext>
             </a:extLst>
           </p:cNvPr>
@@ -5597,9 +5620,9 @@
         <p:grpSpPr>
           <a:xfrm>
             <a:off x="7554589" y="2224017"/>
-            <a:ext cx="4439333" cy="2075769"/>
+            <a:ext cx="4436771" cy="2075769"/>
             <a:chOff x="1855171" y="1779732"/>
-            <a:chExt cx="5747900" cy="3015713"/>
+            <a:chExt cx="5744583" cy="3015713"/>
           </a:xfrm>
         </p:grpSpPr>
         <p:sp>
@@ -5607,7 +5630,7 @@
             <p:cNvPr id="26" name="テキスト ボックス 25">
               <a:extLst>
                 <a:ext uri="{FF2B5EF4-FFF2-40B4-BE49-F238E27FC236}">
-                  <a16:creationId xmlns:a16="http://schemas.microsoft.com/office/drawing/2014/main" id="{DC42F7CB-2177-480A-A368-E827C8FDA030}"/>
+                  <a16:creationId xmlns:a16="http://schemas.microsoft.com/office/drawing/2014/main" xmlns="" id="{DC42F7CB-2177-480A-A368-E827C8FDA030}"/>
                 </a:ext>
               </a:extLst>
             </p:cNvPr>
@@ -5623,6 +5646,9 @@
               <a:avLst/>
             </a:prstGeom>
             <a:noFill/>
+            <a:ln>
+              <a:noFill/>
+            </a:ln>
           </p:spPr>
           <p:txBody>
             <a:bodyPr wrap="none" rtlCol="0">
@@ -5631,14 +5657,32 @@
             <a:lstStyle/>
             <a:p>
               <a:r>
-                <a:rPr kumimoji="1" lang="en-US" altLang="ja-JP" dirty="0"/>
+                <a:rPr kumimoji="1" lang="en-US" altLang="ja-JP" dirty="0">
+                  <a:solidFill>
+                    <a:schemeClr val="accent1">
+                      <a:lumMod val="75000"/>
+                    </a:schemeClr>
+                  </a:solidFill>
+                </a:rPr>
                 <a:t>connector</a:t>
               </a:r>
               <a:r>
-                <a:rPr lang="ja-JP" altLang="en-US" dirty="0"/>
+                <a:rPr lang="ja-JP" altLang="en-US" dirty="0">
+                  <a:solidFill>
+                    <a:schemeClr val="accent1">
+                      <a:lumMod val="75000"/>
+                    </a:schemeClr>
+                  </a:solidFill>
+                </a:rPr>
                 <a:t>␣コネクター名</a:t>
               </a:r>
-              <a:endParaRPr kumimoji="1" lang="ja-JP" altLang="en-US" dirty="0"/>
+              <a:endParaRPr kumimoji="1" lang="ja-JP" altLang="en-US" dirty="0">
+                <a:solidFill>
+                  <a:schemeClr val="accent1">
+                    <a:lumMod val="75000"/>
+                  </a:schemeClr>
+                </a:solidFill>
+              </a:endParaRPr>
             </a:p>
           </p:txBody>
         </p:sp>
@@ -5647,7 +5691,7 @@
             <p:cNvPr id="27" name="テキスト ボックス 26">
               <a:extLst>
                 <a:ext uri="{FF2B5EF4-FFF2-40B4-BE49-F238E27FC236}">
-                  <a16:creationId xmlns:a16="http://schemas.microsoft.com/office/drawing/2014/main" id="{E9A87732-B985-403B-8FAE-F8749FB89D3B}"/>
+                  <a16:creationId xmlns:a16="http://schemas.microsoft.com/office/drawing/2014/main" xmlns="" id="{E9A87732-B985-403B-8FAE-F8749FB89D3B}"/>
                 </a:ext>
               </a:extLst>
             </p:cNvPr>
@@ -5657,12 +5701,15 @@
           <p:spPr>
             <a:xfrm>
               <a:off x="2629722" y="2871619"/>
-              <a:ext cx="4973349" cy="536572"/>
+              <a:ext cx="4668247" cy="536572"/>
             </a:xfrm>
             <a:prstGeom prst="rect">
               <a:avLst/>
             </a:prstGeom>
             <a:noFill/>
+            <a:ln>
+              <a:noFill/>
+            </a:ln>
           </p:spPr>
           <p:txBody>
             <a:bodyPr wrap="none" rtlCol="0">
@@ -5671,18 +5718,42 @@
             <a:lstStyle/>
             <a:p>
               <a:r>
-                <a:rPr kumimoji="1" lang="ja-JP" altLang="en-US" dirty="0"/>
+                <a:rPr kumimoji="1" lang="ja-JP" altLang="en-US" dirty="0">
+                  <a:solidFill>
+                    <a:schemeClr val="accent1">
+                      <a:lumMod val="75000"/>
+                    </a:schemeClr>
+                  </a:solidFill>
+                </a:rPr>
                 <a:t>やり取りしたい変数の型</a:t>
               </a:r>
               <a:r>
-                <a:rPr lang="ja-JP" altLang="en-US" dirty="0"/>
+                <a:rPr lang="ja-JP" altLang="en-US" dirty="0">
+                  <a:solidFill>
+                    <a:schemeClr val="accent1">
+                      <a:lumMod val="75000"/>
+                    </a:schemeClr>
+                  </a:solidFill>
+                </a:rPr>
                 <a:t>␣変数名</a:t>
               </a:r>
               <a:r>
-                <a:rPr lang="en-US" altLang="ja-JP" dirty="0"/>
+                <a:rPr lang="en-US" altLang="ja-JP" dirty="0">
+                  <a:solidFill>
+                    <a:schemeClr val="accent1">
+                      <a:lumMod val="75000"/>
+                    </a:schemeClr>
+                  </a:solidFill>
+                </a:rPr>
                 <a:t>2;</a:t>
               </a:r>
-              <a:endParaRPr kumimoji="1" lang="ja-JP" altLang="en-US" dirty="0"/>
+              <a:endParaRPr kumimoji="1" lang="ja-JP" altLang="en-US" dirty="0">
+                <a:solidFill>
+                  <a:schemeClr val="accent1">
+                    <a:lumMod val="75000"/>
+                  </a:schemeClr>
+                </a:solidFill>
+              </a:endParaRPr>
             </a:p>
           </p:txBody>
         </p:sp>
@@ -5691,7 +5762,7 @@
             <p:cNvPr id="28" name="テキスト ボックス 27">
               <a:extLst>
                 <a:ext uri="{FF2B5EF4-FFF2-40B4-BE49-F238E27FC236}">
-                  <a16:creationId xmlns:a16="http://schemas.microsoft.com/office/drawing/2014/main" id="{F9F9387C-CB28-4016-9E7D-555DBA603F98}"/>
+                  <a16:creationId xmlns:a16="http://schemas.microsoft.com/office/drawing/2014/main" xmlns="" id="{F9F9387C-CB28-4016-9E7D-555DBA603F98}"/>
                 </a:ext>
               </a:extLst>
             </p:cNvPr>
@@ -5701,12 +5772,15 @@
           <p:spPr>
             <a:xfrm>
               <a:off x="2629722" y="3481219"/>
-              <a:ext cx="3547490" cy="536572"/>
+              <a:ext cx="3402183" cy="536572"/>
             </a:xfrm>
             <a:prstGeom prst="rect">
               <a:avLst/>
             </a:prstGeom>
             <a:noFill/>
+            <a:ln>
+              <a:noFill/>
+            </a:ln>
           </p:spPr>
           <p:txBody>
             <a:bodyPr wrap="none" rtlCol="0">
@@ -5715,18 +5789,42 @@
             <a:lstStyle/>
             <a:p>
               <a:r>
-                <a:rPr kumimoji="1" lang="en-US" altLang="ja-JP" dirty="0"/>
+                <a:rPr kumimoji="1" lang="en-US" altLang="ja-JP" dirty="0">
+                  <a:solidFill>
+                    <a:schemeClr val="accent1">
+                      <a:lumMod val="75000"/>
+                    </a:schemeClr>
+                  </a:solidFill>
+                </a:rPr>
                 <a:t>annotation(</a:t>
               </a:r>
               <a:r>
-                <a:rPr kumimoji="1" lang="ja-JP" altLang="en-US" dirty="0"/>
+                <a:rPr kumimoji="1" lang="ja-JP" altLang="en-US" dirty="0">
+                  <a:solidFill>
+                    <a:schemeClr val="accent1">
+                      <a:lumMod val="75000"/>
+                    </a:schemeClr>
+                  </a:solidFill>
+                </a:rPr>
                 <a:t>アイコン情報</a:t>
               </a:r>
               <a:r>
-                <a:rPr kumimoji="1" lang="en-US" altLang="ja-JP" dirty="0"/>
+                <a:rPr kumimoji="1" lang="en-US" altLang="ja-JP" dirty="0">
+                  <a:solidFill>
+                    <a:schemeClr val="accent1">
+                      <a:lumMod val="75000"/>
+                    </a:schemeClr>
+                  </a:solidFill>
+                </a:rPr>
                 <a:t>);</a:t>
               </a:r>
-              <a:endParaRPr kumimoji="1" lang="ja-JP" altLang="en-US" dirty="0"/>
+              <a:endParaRPr kumimoji="1" lang="ja-JP" altLang="en-US" dirty="0">
+                <a:solidFill>
+                  <a:schemeClr val="accent1">
+                    <a:lumMod val="75000"/>
+                  </a:schemeClr>
+                </a:solidFill>
+              </a:endParaRPr>
             </a:p>
           </p:txBody>
         </p:sp>
@@ -5735,7 +5833,7 @@
             <p:cNvPr id="29" name="テキスト ボックス 28">
               <a:extLst>
                 <a:ext uri="{FF2B5EF4-FFF2-40B4-BE49-F238E27FC236}">
-                  <a16:creationId xmlns:a16="http://schemas.microsoft.com/office/drawing/2014/main" id="{9DEA571E-4534-413E-A026-03A5456225AA}"/>
+                  <a16:creationId xmlns:a16="http://schemas.microsoft.com/office/drawing/2014/main" xmlns="" id="{9DEA571E-4534-413E-A026-03A5456225AA}"/>
                 </a:ext>
               </a:extLst>
             </p:cNvPr>
@@ -5751,6 +5849,9 @@
               <a:avLst/>
             </a:prstGeom>
             <a:noFill/>
+            <a:ln>
+              <a:noFill/>
+            </a:ln>
           </p:spPr>
           <p:txBody>
             <a:bodyPr wrap="none" rtlCol="0">
@@ -5759,14 +5860,32 @@
             <a:lstStyle/>
             <a:p>
               <a:r>
-                <a:rPr lang="en-US" altLang="ja-JP" dirty="0"/>
+                <a:rPr lang="en-US" altLang="ja-JP" dirty="0">
+                  <a:solidFill>
+                    <a:schemeClr val="accent1">
+                      <a:lumMod val="75000"/>
+                    </a:schemeClr>
+                  </a:solidFill>
+                </a:rPr>
                 <a:t>end</a:t>
               </a:r>
               <a:r>
-                <a:rPr lang="ja-JP" altLang="en-US" dirty="0"/>
+                <a:rPr lang="ja-JP" altLang="en-US" dirty="0">
+                  <a:solidFill>
+                    <a:schemeClr val="accent1">
+                      <a:lumMod val="75000"/>
+                    </a:schemeClr>
+                  </a:solidFill>
+                </a:rPr>
                 <a:t>␣コネクター名</a:t>
               </a:r>
-              <a:endParaRPr kumimoji="1" lang="ja-JP" altLang="en-US" dirty="0"/>
+              <a:endParaRPr kumimoji="1" lang="ja-JP" altLang="en-US" dirty="0">
+                <a:solidFill>
+                  <a:schemeClr val="accent1">
+                    <a:lumMod val="75000"/>
+                  </a:schemeClr>
+                </a:solidFill>
+              </a:endParaRPr>
             </a:p>
           </p:txBody>
         </p:sp>
@@ -5775,7 +5894,7 @@
             <p:cNvPr id="30" name="正方形/長方形 29">
               <a:extLst>
                 <a:ext uri="{FF2B5EF4-FFF2-40B4-BE49-F238E27FC236}">
-                  <a16:creationId xmlns:a16="http://schemas.microsoft.com/office/drawing/2014/main" id="{3B00413B-C236-4354-8208-DCD19D9C04E0}"/>
+                  <a16:creationId xmlns:a16="http://schemas.microsoft.com/office/drawing/2014/main" xmlns="" id="{3B00413B-C236-4354-8208-DCD19D9C04E0}"/>
                 </a:ext>
               </a:extLst>
             </p:cNvPr>
@@ -5793,7 +5912,9 @@
             <a:noFill/>
             <a:ln w="28575">
               <a:solidFill>
-                <a:schemeClr val="tx1"/>
+                <a:schemeClr val="accent1">
+                  <a:lumMod val="75000"/>
+                </a:schemeClr>
               </a:solidFill>
             </a:ln>
           </p:spPr>
@@ -5818,7 +5939,13 @@
             <a:lstStyle/>
             <a:p>
               <a:pPr algn="ctr"/>
-              <a:endParaRPr kumimoji="1" lang="ja-JP" altLang="en-US" sz="1400"/>
+              <a:endParaRPr kumimoji="1" lang="ja-JP" altLang="en-US" sz="1400">
+                <a:solidFill>
+                  <a:schemeClr val="accent1">
+                    <a:lumMod val="75000"/>
+                  </a:schemeClr>
+                </a:solidFill>
+              </a:endParaRPr>
             </a:p>
           </p:txBody>
         </p:sp>
@@ -5827,7 +5954,7 @@
             <p:cNvPr id="31" name="テキスト ボックス 30">
               <a:extLst>
                 <a:ext uri="{FF2B5EF4-FFF2-40B4-BE49-F238E27FC236}">
-                  <a16:creationId xmlns:a16="http://schemas.microsoft.com/office/drawing/2014/main" id="{AAE3CD86-AD77-4A6D-A289-CB9EA165276A}"/>
+                  <a16:creationId xmlns:a16="http://schemas.microsoft.com/office/drawing/2014/main" xmlns="" id="{AAE3CD86-AD77-4A6D-A289-CB9EA165276A}"/>
                 </a:ext>
               </a:extLst>
             </p:cNvPr>
@@ -5847,7 +5974,9 @@
             </a:solidFill>
             <a:ln w="28575">
               <a:solidFill>
-                <a:schemeClr val="tx1"/>
+                <a:schemeClr val="accent1">
+                  <a:lumMod val="75000"/>
+                </a:schemeClr>
               </a:solidFill>
             </a:ln>
           </p:spPr>
@@ -5858,11 +5987,23 @@
             <a:lstStyle/>
             <a:p>
               <a:r>
-                <a:rPr kumimoji="1" lang="en-US" altLang="ja-JP" sz="1400" dirty="0"/>
+                <a:rPr kumimoji="1" lang="en-US" altLang="ja-JP" sz="1400" dirty="0">
+                  <a:solidFill>
+                    <a:schemeClr val="accent1">
+                      <a:lumMod val="75000"/>
+                    </a:schemeClr>
+                  </a:solidFill>
+                </a:rPr>
                 <a:t>connector</a:t>
               </a:r>
               <a:r>
-                <a:rPr kumimoji="1" lang="ja-JP" altLang="en-US" sz="1400" dirty="0"/>
+                <a:rPr kumimoji="1" lang="ja-JP" altLang="en-US" sz="1400" dirty="0">
+                  <a:solidFill>
+                    <a:schemeClr val="accent1">
+                      <a:lumMod val="75000"/>
+                    </a:schemeClr>
+                  </a:solidFill>
+                </a:rPr>
                 <a:t>の書式</a:t>
               </a:r>
             </a:p>
@@ -5874,7 +6015,7 @@
           <p:cNvPr id="6" name="グループ化 5">
             <a:extLst>
               <a:ext uri="{FF2B5EF4-FFF2-40B4-BE49-F238E27FC236}">
-                <a16:creationId xmlns:a16="http://schemas.microsoft.com/office/drawing/2014/main" id="{0919BCD4-B296-4A6E-8FDA-85F62EDC8740}"/>
+                <a16:creationId xmlns:a16="http://schemas.microsoft.com/office/drawing/2014/main" xmlns="" id="{0919BCD4-B296-4A6E-8FDA-85F62EDC8740}"/>
               </a:ext>
             </a:extLst>
           </p:cNvPr>
@@ -5894,7 +6035,7 @@
             <p:cNvPr id="16" name="テキスト ボックス 15">
               <a:extLst>
                 <a:ext uri="{FF2B5EF4-FFF2-40B4-BE49-F238E27FC236}">
-                  <a16:creationId xmlns:a16="http://schemas.microsoft.com/office/drawing/2014/main" id="{122905AA-B236-4DE8-831E-8C91495CE45A}"/>
+                  <a16:creationId xmlns:a16="http://schemas.microsoft.com/office/drawing/2014/main" xmlns="" id="{122905AA-B236-4DE8-831E-8C91495CE45A}"/>
                 </a:ext>
               </a:extLst>
             </p:cNvPr>
@@ -5938,7 +6079,7 @@
             <p:cNvPr id="19" name="テキスト ボックス 18">
               <a:extLst>
                 <a:ext uri="{FF2B5EF4-FFF2-40B4-BE49-F238E27FC236}">
-                  <a16:creationId xmlns:a16="http://schemas.microsoft.com/office/drawing/2014/main" id="{3D0D74F2-CF0E-490E-8A18-93227C217A5B}"/>
+                  <a16:creationId xmlns:a16="http://schemas.microsoft.com/office/drawing/2014/main" xmlns="" id="{3D0D74F2-CF0E-490E-8A18-93227C217A5B}"/>
                 </a:ext>
               </a:extLst>
             </p:cNvPr>
@@ -5974,7 +6115,7 @@
             <p:cNvPr id="20" name="正方形/長方形 19">
               <a:extLst>
                 <a:ext uri="{FF2B5EF4-FFF2-40B4-BE49-F238E27FC236}">
-                  <a16:creationId xmlns:a16="http://schemas.microsoft.com/office/drawing/2014/main" id="{DC177E7D-01B2-4E8B-892B-C6C888842E5A}"/>
+                  <a16:creationId xmlns:a16="http://schemas.microsoft.com/office/drawing/2014/main" xmlns="" id="{DC177E7D-01B2-4E8B-892B-C6C888842E5A}"/>
                 </a:ext>
               </a:extLst>
             </p:cNvPr>
@@ -6026,7 +6167,7 @@
             <p:cNvPr id="21" name="テキスト ボックス 20">
               <a:extLst>
                 <a:ext uri="{FF2B5EF4-FFF2-40B4-BE49-F238E27FC236}">
-                  <a16:creationId xmlns:a16="http://schemas.microsoft.com/office/drawing/2014/main" id="{F35ACE69-627B-4CBA-8388-123CB6EF6CDC}"/>
+                  <a16:creationId xmlns:a16="http://schemas.microsoft.com/office/drawing/2014/main" xmlns="" id="{F35ACE69-627B-4CBA-8388-123CB6EF6CDC}"/>
                 </a:ext>
               </a:extLst>
             </p:cNvPr>
@@ -6072,7 +6213,7 @@
             <p:cNvPr id="23" name="テキスト ボックス 22">
               <a:extLst>
                 <a:ext uri="{FF2B5EF4-FFF2-40B4-BE49-F238E27FC236}">
-                  <a16:creationId xmlns:a16="http://schemas.microsoft.com/office/drawing/2014/main" id="{8B030312-94E6-4C98-A291-6DCF3A26F469}"/>
+                  <a16:creationId xmlns:a16="http://schemas.microsoft.com/office/drawing/2014/main" xmlns="" id="{8B030312-94E6-4C98-A291-6DCF3A26F469}"/>
                 </a:ext>
               </a:extLst>
             </p:cNvPr>
@@ -6120,7 +6261,7 @@
             <p:cNvPr id="24" name="テキスト ボックス 23">
               <a:extLst>
                 <a:ext uri="{FF2B5EF4-FFF2-40B4-BE49-F238E27FC236}">
-                  <a16:creationId xmlns:a16="http://schemas.microsoft.com/office/drawing/2014/main" id="{D5F14F04-3751-4915-B62C-E6B81112F80C}"/>
+                  <a16:creationId xmlns:a16="http://schemas.microsoft.com/office/drawing/2014/main" xmlns="" id="{D5F14F04-3751-4915-B62C-E6B81112F80C}"/>
                 </a:ext>
               </a:extLst>
             </p:cNvPr>
@@ -6176,7 +6317,7 @@
             <p:cNvPr id="32" name="直線コネクタ 31">
               <a:extLst>
                 <a:ext uri="{FF2B5EF4-FFF2-40B4-BE49-F238E27FC236}">
-                  <a16:creationId xmlns:a16="http://schemas.microsoft.com/office/drawing/2014/main" id="{5C167AA2-6DD3-4E24-9117-31EE9C88B831}"/>
+                  <a16:creationId xmlns:a16="http://schemas.microsoft.com/office/drawing/2014/main" xmlns="" id="{5C167AA2-6DD3-4E24-9117-31EE9C88B831}"/>
                 </a:ext>
               </a:extLst>
             </p:cNvPr>
@@ -6188,7 +6329,7 @@
           <p:spPr>
             <a:xfrm>
               <a:off x="1502082" y="4422985"/>
-              <a:ext cx="2047942" cy="0"/>
+              <a:ext cx="1769624" cy="0"/>
             </a:xfrm>
             <a:prstGeom prst="line">
               <a:avLst/>
@@ -6221,7 +6362,7 @@
             <p:cNvPr id="33" name="直線コネクタ 32">
               <a:extLst>
                 <a:ext uri="{FF2B5EF4-FFF2-40B4-BE49-F238E27FC236}">
-                  <a16:creationId xmlns:a16="http://schemas.microsoft.com/office/drawing/2014/main" id="{5F2EAEDE-4377-43E5-B0C7-5F4F1248D60F}"/>
+                  <a16:creationId xmlns:a16="http://schemas.microsoft.com/office/drawing/2014/main" xmlns="" id="{5F2EAEDE-4377-43E5-B0C7-5F4F1248D60F}"/>
                 </a:ext>
               </a:extLst>
             </p:cNvPr>
@@ -6232,8 +6373,8 @@
           </p:nvCxnSpPr>
           <p:spPr>
             <a:xfrm>
-              <a:off x="3621338" y="4422985"/>
-              <a:ext cx="1090511" cy="0"/>
+              <a:off x="3422708" y="4422985"/>
+              <a:ext cx="956345" cy="0"/>
             </a:xfrm>
             <a:prstGeom prst="line">
               <a:avLst/>
@@ -6266,7 +6407,7 @@
             <p:cNvPr id="36" name="直線コネクタ 35">
               <a:extLst>
                 <a:ext uri="{FF2B5EF4-FFF2-40B4-BE49-F238E27FC236}">
-                  <a16:creationId xmlns:a16="http://schemas.microsoft.com/office/drawing/2014/main" id="{97BADADD-68B9-41A1-BA1C-19E761B8A045}"/>
+                  <a16:creationId xmlns:a16="http://schemas.microsoft.com/office/drawing/2014/main" xmlns="" id="{97BADADD-68B9-41A1-BA1C-19E761B8A045}"/>
                 </a:ext>
               </a:extLst>
             </p:cNvPr>
@@ -6277,7 +6418,7 @@
           </p:nvCxnSpPr>
           <p:spPr>
             <a:xfrm>
-              <a:off x="4928392" y="4422985"/>
+              <a:off x="4550888" y="4422985"/>
               <a:ext cx="1090511" cy="0"/>
             </a:xfrm>
             <a:prstGeom prst="line">
@@ -6306,48 +6447,58 @@
             </a:fontRef>
           </p:style>
         </p:cxnSp>
+        <p:cxnSp>
+          <p:nvCxnSpPr>
+            <p:cNvPr id="35" name="直線コネクタ 34">
+              <a:extLst>
+                <a:ext uri="{FF2B5EF4-FFF2-40B4-BE49-F238E27FC236}">
+                  <a16:creationId xmlns:a16="http://schemas.microsoft.com/office/drawing/2014/main" xmlns="" id="{5F2EAEDE-4377-43E5-B0C7-5F4F1248D60F}"/>
+                </a:ext>
+              </a:extLst>
+            </p:cNvPr>
+            <p:cNvCxnSpPr>
+              <a:cxnSpLocks/>
+            </p:cNvCxnSpPr>
+            <p:nvPr/>
+          </p:nvCxnSpPr>
+          <p:spPr>
+            <a:xfrm>
+              <a:off x="3355915" y="3455555"/>
+              <a:ext cx="1803314" cy="0"/>
+            </a:xfrm>
+            <a:prstGeom prst="line">
+              <a:avLst/>
+            </a:prstGeom>
+            <a:ln w="28575">
+              <a:solidFill>
+                <a:srgbClr val="FF0000"/>
+              </a:solidFill>
+              <a:headEnd type="none" w="med" len="med"/>
+              <a:tailEnd type="none" w="med" len="med"/>
+            </a:ln>
+          </p:spPr>
+          <p:style>
+            <a:lnRef idx="1">
+              <a:schemeClr val="accent1"/>
+            </a:lnRef>
+            <a:fillRef idx="0">
+              <a:schemeClr val="accent1"/>
+            </a:fillRef>
+            <a:effectRef idx="0">
+              <a:schemeClr val="accent1"/>
+            </a:effectRef>
+            <a:fontRef idx="minor">
+              <a:schemeClr val="tx1"/>
+            </a:fontRef>
+          </p:style>
+        </p:cxnSp>
       </p:grpSp>
-      <p:sp>
-        <p:nvSpPr>
-          <p:cNvPr id="34" name="テキスト ボックス 33">
-            <a:extLst>
-              <a:ext uri="{FF2B5EF4-FFF2-40B4-BE49-F238E27FC236}">
-                <a16:creationId xmlns:a16="http://schemas.microsoft.com/office/drawing/2014/main" id="{CF0AD5FA-736A-4438-AE14-01DD8950321B}"/>
-              </a:ext>
-            </a:extLst>
-          </p:cNvPr>
-          <p:cNvSpPr txBox="1"/>
-          <p:nvPr/>
-        </p:nvSpPr>
-        <p:spPr>
-          <a:xfrm>
-            <a:off x="7794437" y="1821355"/>
-            <a:ext cx="646331" cy="369332"/>
-          </a:xfrm>
-          <a:prstGeom prst="rect">
-            <a:avLst/>
-          </a:prstGeom>
-          <a:noFill/>
-        </p:spPr>
-        <p:txBody>
-          <a:bodyPr wrap="none" rtlCol="0">
-            <a:spAutoFit/>
-          </a:bodyPr>
-          <a:lstStyle/>
-          <a:p>
-            <a:r>
-              <a:rPr kumimoji="1" lang="ja-JP" altLang="en-US" dirty="0"/>
-              <a:t>参考</a:t>
-            </a:r>
-          </a:p>
-        </p:txBody>
-      </p:sp>
       <p:cxnSp>
         <p:nvCxnSpPr>
           <p:cNvPr id="38" name="直線コネクタ 37">
             <a:extLst>
               <a:ext uri="{FF2B5EF4-FFF2-40B4-BE49-F238E27FC236}">
-                <a16:creationId xmlns:a16="http://schemas.microsoft.com/office/drawing/2014/main" id="{E7028BE9-E968-40CE-BE95-E36592DD970A}"/>
+                <a16:creationId xmlns:a16="http://schemas.microsoft.com/office/drawing/2014/main" xmlns="" id="{E7028BE9-E968-40CE-BE95-E36592DD970A}"/>
               </a:ext>
             </a:extLst>
           </p:cNvPr>
@@ -6358,7 +6509,7 @@
         </p:nvCxnSpPr>
         <p:spPr>
           <a:xfrm>
-            <a:off x="11001828" y="3339977"/>
+            <a:off x="10792103" y="3339977"/>
             <a:ext cx="805543" cy="0"/>
           </a:xfrm>
           <a:prstGeom prst="line">
@@ -6392,7 +6543,7 @@
           <p:cNvPr id="46" name="フリーフォーム: 図形 45">
             <a:extLst>
               <a:ext uri="{FF2B5EF4-FFF2-40B4-BE49-F238E27FC236}">
-                <a16:creationId xmlns:a16="http://schemas.microsoft.com/office/drawing/2014/main" id="{A88DD809-ED99-4C38-B549-8893DD413418}"/>
+                <a16:creationId xmlns:a16="http://schemas.microsoft.com/office/drawing/2014/main" xmlns="" id="{A88DD809-ED99-4C38-B549-8893DD413418}"/>
               </a:ext>
             </a:extLst>
           </p:cNvPr>
@@ -6488,7 +6639,7 @@
           <p:cNvPr id="37" name="正方形/長方形 36">
             <a:extLst>
               <a:ext uri="{FF2B5EF4-FFF2-40B4-BE49-F238E27FC236}">
-                <a16:creationId xmlns:a16="http://schemas.microsoft.com/office/drawing/2014/main" id="{0C045A0D-2C3F-422A-91B0-8ECC125CA00F}"/>
+                <a16:creationId xmlns:a16="http://schemas.microsoft.com/office/drawing/2014/main" xmlns="" id="{0C045A0D-2C3F-422A-91B0-8ECC125CA00F}"/>
               </a:ext>
             </a:extLst>
           </p:cNvPr>
@@ -6497,7 +6648,7 @@
         </p:nvSpPr>
         <p:spPr>
           <a:xfrm>
-            <a:off x="4253473" y="5192587"/>
+            <a:off x="1006933" y="5007892"/>
             <a:ext cx="5654313" cy="769433"/>
           </a:xfrm>
           <a:prstGeom prst="rect">
@@ -6542,7 +6693,7 @@
           <p:cNvPr id="12" name="グループ化 11">
             <a:extLst>
               <a:ext uri="{FF2B5EF4-FFF2-40B4-BE49-F238E27FC236}">
-                <a16:creationId xmlns:a16="http://schemas.microsoft.com/office/drawing/2014/main" id="{8EDDE307-D817-4BCA-BDEC-CB35902ED29F}"/>
+                <a16:creationId xmlns:a16="http://schemas.microsoft.com/office/drawing/2014/main" xmlns="" id="{8EDDE307-D817-4BCA-BDEC-CB35902ED29F}"/>
               </a:ext>
             </a:extLst>
           </p:cNvPr>
@@ -6551,7 +6702,7 @@
         </p:nvGrpSpPr>
         <p:grpSpPr>
           <a:xfrm>
-            <a:off x="9674961" y="5131054"/>
+            <a:off x="6428421" y="4946359"/>
             <a:ext cx="257736" cy="224939"/>
             <a:chOff x="2924547" y="5306271"/>
             <a:chExt cx="257736" cy="224939"/>
@@ -6562,7 +6713,7 @@
             <p:cNvPr id="39" name="フリーフォーム: 図形 38">
               <a:extLst>
                 <a:ext uri="{FF2B5EF4-FFF2-40B4-BE49-F238E27FC236}">
-                  <a16:creationId xmlns:a16="http://schemas.microsoft.com/office/drawing/2014/main" id="{A20A2D4A-5FBC-4B06-9E42-053DD4DC2180}"/>
+                  <a16:creationId xmlns:a16="http://schemas.microsoft.com/office/drawing/2014/main" xmlns="" id="{A20A2D4A-5FBC-4B06-9E42-053DD4DC2180}"/>
                 </a:ext>
               </a:extLst>
             </p:cNvPr>
@@ -6663,7 +6814,7 @@
             <p:cNvPr id="40" name="フリーフォーム: 図形 39">
               <a:extLst>
                 <a:ext uri="{FF2B5EF4-FFF2-40B4-BE49-F238E27FC236}">
-                  <a16:creationId xmlns:a16="http://schemas.microsoft.com/office/drawing/2014/main" id="{26F4AE88-0150-485F-8E0C-A35E7349BF36}"/>
+                  <a16:creationId xmlns:a16="http://schemas.microsoft.com/office/drawing/2014/main" xmlns="" id="{26F4AE88-0150-485F-8E0C-A35E7349BF36}"/>
                 </a:ext>
               </a:extLst>
             </p:cNvPr>
@@ -6761,7 +6912,7 @@
           <p:cNvPr id="11" name="正方形/長方形 10">
             <a:extLst>
               <a:ext uri="{FF2B5EF4-FFF2-40B4-BE49-F238E27FC236}">
-                <a16:creationId xmlns:a16="http://schemas.microsoft.com/office/drawing/2014/main" id="{82BCA0CA-9BB7-41FE-B3E7-F0664F80D445}"/>
+                <a16:creationId xmlns:a16="http://schemas.microsoft.com/office/drawing/2014/main" xmlns="" id="{82BCA0CA-9BB7-41FE-B3E7-F0664F80D445}"/>
               </a:ext>
             </a:extLst>
           </p:cNvPr>
@@ -6770,7 +6921,7 @@
         </p:nvSpPr>
         <p:spPr>
           <a:xfrm>
-            <a:off x="4305670" y="5539198"/>
+            <a:off x="1059130" y="5354503"/>
             <a:ext cx="5549917" cy="369332"/>
           </a:xfrm>
           <a:prstGeom prst="rect">
@@ -6815,7 +6966,7 @@
           <p:cNvPr id="13" name="正方形/長方形 12">
             <a:extLst>
               <a:ext uri="{FF2B5EF4-FFF2-40B4-BE49-F238E27FC236}">
-                <a16:creationId xmlns:a16="http://schemas.microsoft.com/office/drawing/2014/main" id="{B3A7CA4E-0343-4B56-9F91-EB934D6A55DF}"/>
+                <a16:creationId xmlns:a16="http://schemas.microsoft.com/office/drawing/2014/main" xmlns="" id="{B3A7CA4E-0343-4B56-9F91-EB934D6A55DF}"/>
               </a:ext>
             </a:extLst>
           </p:cNvPr>
@@ -6824,7 +6975,7 @@
         </p:nvSpPr>
         <p:spPr>
           <a:xfrm>
-            <a:off x="6546170" y="5207943"/>
+            <a:off x="3299630" y="5023248"/>
             <a:ext cx="853119" cy="369332"/>
           </a:xfrm>
           <a:prstGeom prst="rect">
@@ -6849,6 +7000,87 @@
               </a:rPr>
               <a:t>Memo</a:t>
             </a:r>
+          </a:p>
+        </p:txBody>
+      </p:sp>
+      <p:cxnSp>
+        <p:nvCxnSpPr>
+          <p:cNvPr id="10" name="カギ線コネクタ 9"/>
+          <p:cNvCxnSpPr/>
+          <p:nvPr/>
+        </p:nvCxnSpPr>
+        <p:spPr>
+          <a:xfrm>
+            <a:off x="4253473" y="3461957"/>
+            <a:ext cx="3301116" cy="302556"/>
+          </a:xfrm>
+          <a:prstGeom prst="bentConnector3">
+            <a:avLst>
+              <a:gd name="adj1" fmla="val 445"/>
+            </a:avLst>
+          </a:prstGeom>
+          <a:ln w="28575">
+            <a:solidFill>
+              <a:srgbClr val="FF0000"/>
+            </a:solidFill>
+            <a:headEnd type="none" w="med" len="med"/>
+            <a:tailEnd type="arrow"/>
+          </a:ln>
+        </p:spPr>
+        <p:style>
+          <a:lnRef idx="1">
+            <a:schemeClr val="accent1"/>
+          </a:lnRef>
+          <a:fillRef idx="0">
+            <a:schemeClr val="accent1"/>
+          </a:fillRef>
+          <a:effectRef idx="0">
+            <a:schemeClr val="accent1"/>
+          </a:effectRef>
+          <a:fontRef idx="minor">
+            <a:schemeClr val="tx1"/>
+          </a:fontRef>
+        </p:style>
+      </p:cxnSp>
+      <p:sp>
+        <p:nvSpPr>
+          <p:cNvPr id="15" name="テキスト ボックス 14"/>
+          <p:cNvSpPr txBox="1"/>
+          <p:nvPr/>
+        </p:nvSpPr>
+        <p:spPr>
+          <a:xfrm>
+            <a:off x="5109634" y="3462125"/>
+            <a:ext cx="1854995" cy="338554"/>
+          </a:xfrm>
+          <a:prstGeom prst="rect">
+            <a:avLst/>
+          </a:prstGeom>
+          <a:noFill/>
+        </p:spPr>
+        <p:txBody>
+          <a:bodyPr wrap="none" rtlCol="0">
+            <a:spAutoFit/>
+          </a:bodyPr>
+          <a:lstStyle/>
+          <a:p>
+            <a:r>
+              <a:rPr kumimoji="1" lang="ja-JP" altLang="en-US" sz="1600" dirty="0" smtClean="0">
+                <a:solidFill>
+                  <a:schemeClr val="accent1">
+                    <a:lumMod val="75000"/>
+                  </a:schemeClr>
+                </a:solidFill>
+              </a:rPr>
+              <a:t>インスタンスの中身</a:t>
+            </a:r>
+            <a:endParaRPr kumimoji="1" lang="ja-JP" altLang="en-US" sz="1600" dirty="0">
+              <a:solidFill>
+                <a:schemeClr val="accent1">
+                  <a:lumMod val="75000"/>
+                </a:schemeClr>
+              </a:solidFill>
+            </a:endParaRPr>
           </a:p>
         </p:txBody>
       </p:sp>
@@ -6887,7 +7119,7 @@
           <p:cNvPr id="2" name="スライド番号プレースホルダー 1">
             <a:extLst>
               <a:ext uri="{FF2B5EF4-FFF2-40B4-BE49-F238E27FC236}">
-                <a16:creationId xmlns:a16="http://schemas.microsoft.com/office/drawing/2014/main" id="{7655272F-F346-4D67-980D-F5DAC34C0D26}"/>
+                <a16:creationId xmlns:a16="http://schemas.microsoft.com/office/drawing/2014/main" xmlns="" id="{7655272F-F346-4D67-980D-F5DAC34C0D26}"/>
               </a:ext>
             </a:extLst>
           </p:cNvPr>
@@ -6916,7 +7148,7 @@
           <p:cNvPr id="3" name="Shape 130">
             <a:extLst>
               <a:ext uri="{FF2B5EF4-FFF2-40B4-BE49-F238E27FC236}">
-                <a16:creationId xmlns:a16="http://schemas.microsoft.com/office/drawing/2014/main" id="{2EDF6CCC-97C9-4981-8AF2-09ED5C8EF2EF}"/>
+                <a16:creationId xmlns:a16="http://schemas.microsoft.com/office/drawing/2014/main" xmlns="" id="{2EDF6CCC-97C9-4981-8AF2-09ED5C8EF2EF}"/>
               </a:ext>
             </a:extLst>
           </p:cNvPr>
@@ -6936,7 +7168,7 @@
           </a:ln>
           <a:extLst>
             <a:ext uri="{C572A759-6A51-4108-AA02-DFA0A04FC94B}">
-              <ma14:wrappingTextBoxFlag xmlns:ma14="http://schemas.microsoft.com/office/mac/drawingml/2011/main" xmlns="" val="1"/>
+              <ma14:wrappingTextBoxFlag xmlns="" xmlns:ma14="http://schemas.microsoft.com/office/mac/drawingml/2011/main" val="1"/>
             </a:ext>
           </a:extLst>
         </p:spPr>
@@ -6979,7 +7211,7 @@
           <p:cNvPr id="4" name="グループ化 3">
             <a:extLst>
               <a:ext uri="{FF2B5EF4-FFF2-40B4-BE49-F238E27FC236}">
-                <a16:creationId xmlns:a16="http://schemas.microsoft.com/office/drawing/2014/main" id="{29FBC6F9-3685-4741-A308-CAB5E4D92038}"/>
+                <a16:creationId xmlns:a16="http://schemas.microsoft.com/office/drawing/2014/main" xmlns="" id="{29FBC6F9-3685-4741-A308-CAB5E4D92038}"/>
               </a:ext>
             </a:extLst>
           </p:cNvPr>
@@ -6999,7 +7231,7 @@
             <p:cNvPr id="5" name="テキスト ボックス 4">
               <a:extLst>
                 <a:ext uri="{FF2B5EF4-FFF2-40B4-BE49-F238E27FC236}">
-                  <a16:creationId xmlns:a16="http://schemas.microsoft.com/office/drawing/2014/main" id="{995EB54C-6D3F-4205-90AB-CBDE4AD4B617}"/>
+                  <a16:creationId xmlns:a16="http://schemas.microsoft.com/office/drawing/2014/main" xmlns="" id="{995EB54C-6D3F-4205-90AB-CBDE4AD4B617}"/>
                 </a:ext>
               </a:extLst>
             </p:cNvPr>
@@ -7073,7 +7305,7 @@
             <p:cNvPr id="6" name="テキスト ボックス 5">
               <a:extLst>
                 <a:ext uri="{FF2B5EF4-FFF2-40B4-BE49-F238E27FC236}">
-                  <a16:creationId xmlns:a16="http://schemas.microsoft.com/office/drawing/2014/main" id="{745AB4CA-98EF-429E-83F1-99FDAA0270FE}"/>
+                  <a16:creationId xmlns:a16="http://schemas.microsoft.com/office/drawing/2014/main" xmlns="" id="{745AB4CA-98EF-429E-83F1-99FDAA0270FE}"/>
                 </a:ext>
               </a:extLst>
             </p:cNvPr>
@@ -7109,7 +7341,7 @@
           <p:cNvPr id="49" name="グループ化 48">
             <a:extLst>
               <a:ext uri="{FF2B5EF4-FFF2-40B4-BE49-F238E27FC236}">
-                <a16:creationId xmlns:a16="http://schemas.microsoft.com/office/drawing/2014/main" id="{B8CC774D-1133-47BC-8DC2-E41A486D4B28}"/>
+                <a16:creationId xmlns:a16="http://schemas.microsoft.com/office/drawing/2014/main" xmlns="" id="{B8CC774D-1133-47BC-8DC2-E41A486D4B28}"/>
               </a:ext>
             </a:extLst>
           </p:cNvPr>
@@ -7129,7 +7361,7 @@
             <p:cNvPr id="7" name="図 6">
               <a:extLst>
                 <a:ext uri="{FF2B5EF4-FFF2-40B4-BE49-F238E27FC236}">
-                  <a16:creationId xmlns:a16="http://schemas.microsoft.com/office/drawing/2014/main" id="{C8592E1B-B156-41AA-9D44-B6C7F95F676A}"/>
+                  <a16:creationId xmlns:a16="http://schemas.microsoft.com/office/drawing/2014/main" xmlns="" id="{C8592E1B-B156-41AA-9D44-B6C7F95F676A}"/>
                 </a:ext>
               </a:extLst>
             </p:cNvPr>
@@ -7158,7 +7390,7 @@
             <p:cNvPr id="9" name="直線コネクタ 8">
               <a:extLst>
                 <a:ext uri="{FF2B5EF4-FFF2-40B4-BE49-F238E27FC236}">
-                  <a16:creationId xmlns:a16="http://schemas.microsoft.com/office/drawing/2014/main" id="{568C4742-2238-400A-8B25-0B50D1967FF2}"/>
+                  <a16:creationId xmlns:a16="http://schemas.microsoft.com/office/drawing/2014/main" xmlns="" id="{568C4742-2238-400A-8B25-0B50D1967FF2}"/>
                 </a:ext>
               </a:extLst>
             </p:cNvPr>
@@ -7204,7 +7436,7 @@
           <p:cNvPr id="50" name="テキスト ボックス 49">
             <a:extLst>
               <a:ext uri="{FF2B5EF4-FFF2-40B4-BE49-F238E27FC236}">
-                <a16:creationId xmlns:a16="http://schemas.microsoft.com/office/drawing/2014/main" id="{C87A0267-25A0-46EF-9D1D-489D1A842FAC}"/>
+                <a16:creationId xmlns:a16="http://schemas.microsoft.com/office/drawing/2014/main" xmlns="" id="{C87A0267-25A0-46EF-9D1D-489D1A842FAC}"/>
               </a:ext>
             </a:extLst>
           </p:cNvPr>
@@ -7251,7 +7483,7 @@
           <p:cNvPr id="22" name="グループ化 21">
             <a:extLst>
               <a:ext uri="{FF2B5EF4-FFF2-40B4-BE49-F238E27FC236}">
-                <a16:creationId xmlns:a16="http://schemas.microsoft.com/office/drawing/2014/main" id="{D8A44933-E9DD-4C41-AF54-740596C27BF0}"/>
+                <a16:creationId xmlns:a16="http://schemas.microsoft.com/office/drawing/2014/main" xmlns="" id="{D8A44933-E9DD-4C41-AF54-740596C27BF0}"/>
               </a:ext>
             </a:extLst>
           </p:cNvPr>
@@ -7271,7 +7503,7 @@
             <p:cNvPr id="8" name="正方形/長方形 7">
               <a:extLst>
                 <a:ext uri="{FF2B5EF4-FFF2-40B4-BE49-F238E27FC236}">
-                  <a16:creationId xmlns:a16="http://schemas.microsoft.com/office/drawing/2014/main" id="{1E586F51-766F-49C5-B788-18B43532C197}"/>
+                  <a16:creationId xmlns:a16="http://schemas.microsoft.com/office/drawing/2014/main" xmlns="" id="{1E586F51-766F-49C5-B788-18B43532C197}"/>
                 </a:ext>
               </a:extLst>
             </p:cNvPr>
@@ -7323,7 +7555,7 @@
             <p:cNvPr id="12" name="正方形/長方形 11">
               <a:extLst>
                 <a:ext uri="{FF2B5EF4-FFF2-40B4-BE49-F238E27FC236}">
-                  <a16:creationId xmlns:a16="http://schemas.microsoft.com/office/drawing/2014/main" id="{CFEAB23C-900D-424D-87F2-EFF1B3EF3BE5}"/>
+                  <a16:creationId xmlns:a16="http://schemas.microsoft.com/office/drawing/2014/main" xmlns="" id="{CFEAB23C-900D-424D-87F2-EFF1B3EF3BE5}"/>
                 </a:ext>
               </a:extLst>
             </p:cNvPr>
@@ -7375,7 +7607,7 @@
             <p:cNvPr id="11" name="直線コネクタ 10">
               <a:extLst>
                 <a:ext uri="{FF2B5EF4-FFF2-40B4-BE49-F238E27FC236}">
-                  <a16:creationId xmlns:a16="http://schemas.microsoft.com/office/drawing/2014/main" id="{A542EDFC-92E2-4030-A2A8-417C2D5E7CD1}"/>
+                  <a16:creationId xmlns:a16="http://schemas.microsoft.com/office/drawing/2014/main" xmlns="" id="{A542EDFC-92E2-4030-A2A8-417C2D5E7CD1}"/>
                 </a:ext>
               </a:extLst>
             </p:cNvPr>
@@ -7421,7 +7653,7 @@
             <p:cNvPr id="13" name="テキスト ボックス 12">
               <a:extLst>
                 <a:ext uri="{FF2B5EF4-FFF2-40B4-BE49-F238E27FC236}">
-                  <a16:creationId xmlns:a16="http://schemas.microsoft.com/office/drawing/2014/main" id="{B4AB3E58-8697-4F14-A01C-0C2808F7D07B}"/>
+                  <a16:creationId xmlns:a16="http://schemas.microsoft.com/office/drawing/2014/main" xmlns="" id="{B4AB3E58-8697-4F14-A01C-0C2808F7D07B}"/>
                 </a:ext>
               </a:extLst>
             </p:cNvPr>
@@ -7457,7 +7689,7 @@
             <p:cNvPr id="17" name="テキスト ボックス 16">
               <a:extLst>
                 <a:ext uri="{FF2B5EF4-FFF2-40B4-BE49-F238E27FC236}">
-                  <a16:creationId xmlns:a16="http://schemas.microsoft.com/office/drawing/2014/main" id="{833221B7-78F3-4E96-A4CA-B93776401400}"/>
+                  <a16:creationId xmlns:a16="http://schemas.microsoft.com/office/drawing/2014/main" xmlns="" id="{833221B7-78F3-4E96-A4CA-B93776401400}"/>
                 </a:ext>
               </a:extLst>
             </p:cNvPr>
@@ -7493,7 +7725,7 @@
             <p:cNvPr id="18" name="グループ化 17">
               <a:extLst>
                 <a:ext uri="{FF2B5EF4-FFF2-40B4-BE49-F238E27FC236}">
-                  <a16:creationId xmlns:a16="http://schemas.microsoft.com/office/drawing/2014/main" id="{67AB84D9-EABB-493E-92A4-491E6D53CB59}"/>
+                  <a16:creationId xmlns:a16="http://schemas.microsoft.com/office/drawing/2014/main" xmlns="" id="{67AB84D9-EABB-493E-92A4-491E6D53CB59}"/>
                 </a:ext>
               </a:extLst>
             </p:cNvPr>
@@ -7513,7 +7745,7 @@
               <p:cNvPr id="16" name="テキスト ボックス 15">
                 <a:extLst>
                   <a:ext uri="{FF2B5EF4-FFF2-40B4-BE49-F238E27FC236}">
-                    <a16:creationId xmlns:a16="http://schemas.microsoft.com/office/drawing/2014/main" id="{B7D29B40-66E5-4CEC-BDBF-FCE0D4E82DFC}"/>
+                    <a16:creationId xmlns:a16="http://schemas.microsoft.com/office/drawing/2014/main" xmlns="" id="{B7D29B40-66E5-4CEC-BDBF-FCE0D4E82DFC}"/>
                   </a:ext>
                 </a:extLst>
               </p:cNvPr>
@@ -7549,7 +7781,7 @@
               <p:cNvPr id="15" name="楕円 14">
                 <a:extLst>
                   <a:ext uri="{FF2B5EF4-FFF2-40B4-BE49-F238E27FC236}">
-                    <a16:creationId xmlns:a16="http://schemas.microsoft.com/office/drawing/2014/main" id="{2A628501-5F40-4DF1-8179-031CF5354200}"/>
+                    <a16:creationId xmlns:a16="http://schemas.microsoft.com/office/drawing/2014/main" xmlns="" id="{2A628501-5F40-4DF1-8179-031CF5354200}"/>
                   </a:ext>
                 </a:extLst>
               </p:cNvPr>
@@ -7602,7 +7834,7 @@
             <p:cNvPr id="21" name="楕円 20">
               <a:extLst>
                 <a:ext uri="{FF2B5EF4-FFF2-40B4-BE49-F238E27FC236}">
-                  <a16:creationId xmlns:a16="http://schemas.microsoft.com/office/drawing/2014/main" id="{933314BC-517C-4189-9F50-9EC3AB1FD654}"/>
+                  <a16:creationId xmlns:a16="http://schemas.microsoft.com/office/drawing/2014/main" xmlns="" id="{933314BC-517C-4189-9F50-9EC3AB1FD654}"/>
                 </a:ext>
               </a:extLst>
             </p:cNvPr>
@@ -7654,7 +7886,7 @@
             <p:cNvPr id="20" name="直線コネクタ 19">
               <a:extLst>
                 <a:ext uri="{FF2B5EF4-FFF2-40B4-BE49-F238E27FC236}">
-                  <a16:creationId xmlns:a16="http://schemas.microsoft.com/office/drawing/2014/main" id="{7F756AFB-A8BA-45C0-A011-79F19F951180}"/>
+                  <a16:creationId xmlns:a16="http://schemas.microsoft.com/office/drawing/2014/main" xmlns="" id="{7F756AFB-A8BA-45C0-A011-79F19F951180}"/>
                 </a:ext>
               </a:extLst>
             </p:cNvPr>
@@ -7701,7 +7933,7 @@
             <p:cNvPr id="24" name="正方形/長方形 23">
               <a:extLst>
                 <a:ext uri="{FF2B5EF4-FFF2-40B4-BE49-F238E27FC236}">
-                  <a16:creationId xmlns:a16="http://schemas.microsoft.com/office/drawing/2014/main" id="{5085FBE2-3889-496D-9375-215A2B45433D}"/>
+                  <a16:creationId xmlns:a16="http://schemas.microsoft.com/office/drawing/2014/main" xmlns="" id="{5085FBE2-3889-496D-9375-215A2B45433D}"/>
                 </a:ext>
               </a:extLst>
             </p:cNvPr>
@@ -7777,7 +8009,7 @@
           <p:cNvPr id="26" name="テキスト ボックス 25">
             <a:extLst>
               <a:ext uri="{FF2B5EF4-FFF2-40B4-BE49-F238E27FC236}">
-                <a16:creationId xmlns:a16="http://schemas.microsoft.com/office/drawing/2014/main" id="{ACF6CB8E-7804-4D1C-944D-E2230E3AC38A}"/>
+                <a16:creationId xmlns:a16="http://schemas.microsoft.com/office/drawing/2014/main" xmlns="" id="{ACF6CB8E-7804-4D1C-944D-E2230E3AC38A}"/>
               </a:ext>
             </a:extLst>
           </p:cNvPr>
@@ -7813,7 +8045,7 @@
           <p:cNvPr id="29" name="テキスト ボックス 28">
             <a:extLst>
               <a:ext uri="{FF2B5EF4-FFF2-40B4-BE49-F238E27FC236}">
-                <a16:creationId xmlns:a16="http://schemas.microsoft.com/office/drawing/2014/main" id="{4A60CE2F-1092-426B-9E71-8346F101B24B}"/>
+                <a16:creationId xmlns:a16="http://schemas.microsoft.com/office/drawing/2014/main" xmlns="" id="{4A60CE2F-1092-426B-9E71-8346F101B24B}"/>
               </a:ext>
             </a:extLst>
           </p:cNvPr>
@@ -7878,7 +8110,7 @@
           <p:cNvPr id="15" name="図 14">
             <a:extLst>
               <a:ext uri="{FF2B5EF4-FFF2-40B4-BE49-F238E27FC236}">
-                <a16:creationId xmlns:a16="http://schemas.microsoft.com/office/drawing/2014/main" id="{D9AC1260-61D3-4D50-98A7-FDD3A4735277}"/>
+                <a16:creationId xmlns:a16="http://schemas.microsoft.com/office/drawing/2014/main" xmlns="" id="{D9AC1260-61D3-4D50-98A7-FDD3A4735277}"/>
               </a:ext>
             </a:extLst>
           </p:cNvPr>
@@ -7907,7 +8139,7 @@
           <p:cNvPr id="2" name="スライド番号プレースホルダー 1">
             <a:extLst>
               <a:ext uri="{FF2B5EF4-FFF2-40B4-BE49-F238E27FC236}">
-                <a16:creationId xmlns:a16="http://schemas.microsoft.com/office/drawing/2014/main" id="{7655272F-F346-4D67-980D-F5DAC34C0D26}"/>
+                <a16:creationId xmlns:a16="http://schemas.microsoft.com/office/drawing/2014/main" xmlns="" id="{7655272F-F346-4D67-980D-F5DAC34C0D26}"/>
               </a:ext>
             </a:extLst>
           </p:cNvPr>
@@ -7936,7 +8168,7 @@
           <p:cNvPr id="3" name="Shape 130">
             <a:extLst>
               <a:ext uri="{FF2B5EF4-FFF2-40B4-BE49-F238E27FC236}">
-                <a16:creationId xmlns:a16="http://schemas.microsoft.com/office/drawing/2014/main" id="{2EDF6CCC-97C9-4981-8AF2-09ED5C8EF2EF}"/>
+                <a16:creationId xmlns:a16="http://schemas.microsoft.com/office/drawing/2014/main" xmlns="" id="{2EDF6CCC-97C9-4981-8AF2-09ED5C8EF2EF}"/>
               </a:ext>
             </a:extLst>
           </p:cNvPr>
@@ -7956,7 +8188,7 @@
           </a:ln>
           <a:extLst>
             <a:ext uri="{C572A759-6A51-4108-AA02-DFA0A04FC94B}">
-              <ma14:wrappingTextBoxFlag xmlns:ma14="http://schemas.microsoft.com/office/mac/drawingml/2011/main" xmlns="" val="1"/>
+              <ma14:wrappingTextBoxFlag xmlns="" xmlns:ma14="http://schemas.microsoft.com/office/mac/drawingml/2011/main" val="1"/>
             </a:ext>
           </a:extLst>
         </p:spPr>
@@ -7999,7 +8231,7 @@
           <p:cNvPr id="4" name="グループ化 3">
             <a:extLst>
               <a:ext uri="{FF2B5EF4-FFF2-40B4-BE49-F238E27FC236}">
-                <a16:creationId xmlns:a16="http://schemas.microsoft.com/office/drawing/2014/main" id="{29FBC6F9-3685-4741-A308-CAB5E4D92038}"/>
+                <a16:creationId xmlns:a16="http://schemas.microsoft.com/office/drawing/2014/main" xmlns="" id="{29FBC6F9-3685-4741-A308-CAB5E4D92038}"/>
               </a:ext>
             </a:extLst>
           </p:cNvPr>
@@ -8019,7 +8251,7 @@
             <p:cNvPr id="5" name="テキスト ボックス 4">
               <a:extLst>
                 <a:ext uri="{FF2B5EF4-FFF2-40B4-BE49-F238E27FC236}">
-                  <a16:creationId xmlns:a16="http://schemas.microsoft.com/office/drawing/2014/main" id="{995EB54C-6D3F-4205-90AB-CBDE4AD4B617}"/>
+                  <a16:creationId xmlns:a16="http://schemas.microsoft.com/office/drawing/2014/main" xmlns="" id="{995EB54C-6D3F-4205-90AB-CBDE4AD4B617}"/>
                 </a:ext>
               </a:extLst>
             </p:cNvPr>
@@ -8062,7 +8294,7 @@
             <p:cNvPr id="6" name="テキスト ボックス 5">
               <a:extLst>
                 <a:ext uri="{FF2B5EF4-FFF2-40B4-BE49-F238E27FC236}">
-                  <a16:creationId xmlns:a16="http://schemas.microsoft.com/office/drawing/2014/main" id="{745AB4CA-98EF-429E-83F1-99FDAA0270FE}"/>
+                  <a16:creationId xmlns:a16="http://schemas.microsoft.com/office/drawing/2014/main" xmlns="" id="{745AB4CA-98EF-429E-83F1-99FDAA0270FE}"/>
                 </a:ext>
               </a:extLst>
             </p:cNvPr>
@@ -8099,7 +8331,7 @@
           <p:cNvPr id="33" name="四角形: 角を丸くする 32">
             <a:extLst>
               <a:ext uri="{FF2B5EF4-FFF2-40B4-BE49-F238E27FC236}">
-                <a16:creationId xmlns:a16="http://schemas.microsoft.com/office/drawing/2014/main" id="{EF6A1E97-4669-4AD8-BD08-6A31DF3E8B20}"/>
+                <a16:creationId xmlns:a16="http://schemas.microsoft.com/office/drawing/2014/main" xmlns="" id="{EF6A1E97-4669-4AD8-BD08-6A31DF3E8B20}"/>
               </a:ext>
             </a:extLst>
           </p:cNvPr>
@@ -8151,7 +8383,7 @@
           <p:cNvPr id="36" name="直線矢印コネクタ 35">
             <a:extLst>
               <a:ext uri="{FF2B5EF4-FFF2-40B4-BE49-F238E27FC236}">
-                <a16:creationId xmlns:a16="http://schemas.microsoft.com/office/drawing/2014/main" id="{707C37A2-E232-4276-8473-0C03D06CFA4D}"/>
+                <a16:creationId xmlns:a16="http://schemas.microsoft.com/office/drawing/2014/main" xmlns="" id="{707C37A2-E232-4276-8473-0C03D06CFA4D}"/>
               </a:ext>
             </a:extLst>
           </p:cNvPr>
@@ -8197,7 +8429,7 @@
           <p:cNvPr id="37" name="四角形: 角を丸くする 36">
             <a:extLst>
               <a:ext uri="{FF2B5EF4-FFF2-40B4-BE49-F238E27FC236}">
-                <a16:creationId xmlns:a16="http://schemas.microsoft.com/office/drawing/2014/main" id="{0A5A85A7-CBD5-453D-A691-3D3DA9B342CA}"/>
+                <a16:creationId xmlns:a16="http://schemas.microsoft.com/office/drawing/2014/main" xmlns="" id="{0A5A85A7-CBD5-453D-A691-3D3DA9B342CA}"/>
               </a:ext>
             </a:extLst>
           </p:cNvPr>
@@ -8249,7 +8481,7 @@
           <p:cNvPr id="38" name="直線矢印コネクタ 37">
             <a:extLst>
               <a:ext uri="{FF2B5EF4-FFF2-40B4-BE49-F238E27FC236}">
-                <a16:creationId xmlns:a16="http://schemas.microsoft.com/office/drawing/2014/main" id="{44BD6392-6100-41B9-8A79-5B17B5AA2482}"/>
+                <a16:creationId xmlns:a16="http://schemas.microsoft.com/office/drawing/2014/main" xmlns="" id="{44BD6392-6100-41B9-8A79-5B17B5AA2482}"/>
               </a:ext>
             </a:extLst>
           </p:cNvPr>
@@ -8325,7 +8557,7 @@
           <p:cNvPr id="2" name="スライド番号プレースホルダー 1">
             <a:extLst>
               <a:ext uri="{FF2B5EF4-FFF2-40B4-BE49-F238E27FC236}">
-                <a16:creationId xmlns:a16="http://schemas.microsoft.com/office/drawing/2014/main" id="{7655272F-F346-4D67-980D-F5DAC34C0D26}"/>
+                <a16:creationId xmlns:a16="http://schemas.microsoft.com/office/drawing/2014/main" xmlns="" id="{7655272F-F346-4D67-980D-F5DAC34C0D26}"/>
               </a:ext>
             </a:extLst>
           </p:cNvPr>
@@ -8354,7 +8586,7 @@
           <p:cNvPr id="3" name="Shape 130">
             <a:extLst>
               <a:ext uri="{FF2B5EF4-FFF2-40B4-BE49-F238E27FC236}">
-                <a16:creationId xmlns:a16="http://schemas.microsoft.com/office/drawing/2014/main" id="{2EDF6CCC-97C9-4981-8AF2-09ED5C8EF2EF}"/>
+                <a16:creationId xmlns:a16="http://schemas.microsoft.com/office/drawing/2014/main" xmlns="" id="{2EDF6CCC-97C9-4981-8AF2-09ED5C8EF2EF}"/>
               </a:ext>
             </a:extLst>
           </p:cNvPr>
@@ -8374,7 +8606,7 @@
           </a:ln>
           <a:extLst>
             <a:ext uri="{C572A759-6A51-4108-AA02-DFA0A04FC94B}">
-              <ma14:wrappingTextBoxFlag xmlns:ma14="http://schemas.microsoft.com/office/mac/drawingml/2011/main" xmlns="" val="1"/>
+              <ma14:wrappingTextBoxFlag xmlns="" xmlns:ma14="http://schemas.microsoft.com/office/mac/drawingml/2011/main" val="1"/>
             </a:ext>
           </a:extLst>
         </p:spPr>
@@ -8429,7 +8661,7 @@
           <p:cNvPr id="12" name="表 11">
             <a:extLst>
               <a:ext uri="{FF2B5EF4-FFF2-40B4-BE49-F238E27FC236}">
-                <a16:creationId xmlns:a16="http://schemas.microsoft.com/office/drawing/2014/main" id="{7083A0CD-6173-4B69-B365-F1B23A96256B}"/>
+                <a16:creationId xmlns:a16="http://schemas.microsoft.com/office/drawing/2014/main" xmlns="" id="{7083A0CD-6173-4B69-B365-F1B23A96256B}"/>
               </a:ext>
             </a:extLst>
           </p:cNvPr>
@@ -8458,49 +8690,49 @@
                 <a:gridCol w="1619568">
                   <a:extLst>
                     <a:ext uri="{9D8B030D-6E8A-4147-A177-3AD203B41FA5}">
-                      <a16:colId xmlns:a16="http://schemas.microsoft.com/office/drawing/2014/main" val="2869928480"/>
+                      <a16:colId xmlns:a16="http://schemas.microsoft.com/office/drawing/2014/main" xmlns="" val="2869928480"/>
                     </a:ext>
                   </a:extLst>
                 </a:gridCol>
                 <a:gridCol w="1619568">
                   <a:extLst>
                     <a:ext uri="{9D8B030D-6E8A-4147-A177-3AD203B41FA5}">
-                      <a16:colId xmlns:a16="http://schemas.microsoft.com/office/drawing/2014/main" val="3708684436"/>
+                      <a16:colId xmlns:a16="http://schemas.microsoft.com/office/drawing/2014/main" xmlns="" val="3708684436"/>
                     </a:ext>
                   </a:extLst>
                 </a:gridCol>
                 <a:gridCol w="1198450">
                   <a:extLst>
                     <a:ext uri="{9D8B030D-6E8A-4147-A177-3AD203B41FA5}">
-                      <a16:colId xmlns:a16="http://schemas.microsoft.com/office/drawing/2014/main" val="3877242200"/>
+                      <a16:colId xmlns:a16="http://schemas.microsoft.com/office/drawing/2014/main" xmlns="" val="3877242200"/>
                     </a:ext>
                   </a:extLst>
                 </a:gridCol>
                 <a:gridCol w="1619568">
                   <a:extLst>
                     <a:ext uri="{9D8B030D-6E8A-4147-A177-3AD203B41FA5}">
-                      <a16:colId xmlns:a16="http://schemas.microsoft.com/office/drawing/2014/main" val="1228845434"/>
+                      <a16:colId xmlns:a16="http://schemas.microsoft.com/office/drawing/2014/main" xmlns="" val="1228845434"/>
                     </a:ext>
                   </a:extLst>
                 </a:gridCol>
                 <a:gridCol w="933768">
                   <a:extLst>
                     <a:ext uri="{9D8B030D-6E8A-4147-A177-3AD203B41FA5}">
-                      <a16:colId xmlns:a16="http://schemas.microsoft.com/office/drawing/2014/main" val="4141803925"/>
+                      <a16:colId xmlns:a16="http://schemas.microsoft.com/office/drawing/2014/main" xmlns="" val="4141803925"/>
                     </a:ext>
                   </a:extLst>
                 </a:gridCol>
                 <a:gridCol w="1489297">
                   <a:extLst>
                     <a:ext uri="{9D8B030D-6E8A-4147-A177-3AD203B41FA5}">
-                      <a16:colId xmlns:a16="http://schemas.microsoft.com/office/drawing/2014/main" val="873013535"/>
+                      <a16:colId xmlns:a16="http://schemas.microsoft.com/office/drawing/2014/main" xmlns="" val="873013535"/>
                     </a:ext>
                   </a:extLst>
                 </a:gridCol>
                 <a:gridCol w="1651318">
                   <a:extLst>
                     <a:ext uri="{9D8B030D-6E8A-4147-A177-3AD203B41FA5}">
-                      <a16:colId xmlns:a16="http://schemas.microsoft.com/office/drawing/2014/main" val="2271690460"/>
+                      <a16:colId xmlns:a16="http://schemas.microsoft.com/office/drawing/2014/main" xmlns="" val="2271690460"/>
                     </a:ext>
                   </a:extLst>
                 </a:gridCol>
@@ -8607,7 +8839,7 @@
                 </a:tc>
                 <a:extLst>
                   <a:ext uri="{0D108BD9-81ED-4DB2-BD59-A6C34878D82A}">
-                    <a16:rowId xmlns:a16="http://schemas.microsoft.com/office/drawing/2014/main" val="2840948024"/>
+                    <a16:rowId xmlns:a16="http://schemas.microsoft.com/office/drawing/2014/main" xmlns="" val="2840948024"/>
                   </a:ext>
                 </a:extLst>
               </a:tr>
@@ -8836,7 +9068,7 @@
                 </a:tc>
                 <a:extLst>
                   <a:ext uri="{0D108BD9-81ED-4DB2-BD59-A6C34878D82A}">
-                    <a16:rowId xmlns:a16="http://schemas.microsoft.com/office/drawing/2014/main" val="412007066"/>
+                    <a16:rowId xmlns:a16="http://schemas.microsoft.com/office/drawing/2014/main" xmlns="" val="412007066"/>
                   </a:ext>
                 </a:extLst>
               </a:tr>
@@ -8849,7 +9081,7 @@
           <p:cNvPr id="13" name="テキスト ボックス 12">
             <a:extLst>
               <a:ext uri="{FF2B5EF4-FFF2-40B4-BE49-F238E27FC236}">
-                <a16:creationId xmlns:a16="http://schemas.microsoft.com/office/drawing/2014/main" id="{C29CA4D1-0E09-495E-9ED0-8AEBFA389F35}"/>
+                <a16:creationId xmlns:a16="http://schemas.microsoft.com/office/drawing/2014/main" xmlns="" id="{C29CA4D1-0E09-495E-9ED0-8AEBFA389F35}"/>
               </a:ext>
             </a:extLst>
           </p:cNvPr>
@@ -8885,7 +9117,7 @@
           <p:cNvPr id="14" name="グループ化 13">
             <a:extLst>
               <a:ext uri="{FF2B5EF4-FFF2-40B4-BE49-F238E27FC236}">
-                <a16:creationId xmlns:a16="http://schemas.microsoft.com/office/drawing/2014/main" id="{3F1965CF-5AC6-43F7-9FF5-EDAB302792AB}"/>
+                <a16:creationId xmlns:a16="http://schemas.microsoft.com/office/drawing/2014/main" xmlns="" id="{3F1965CF-5AC6-43F7-9FF5-EDAB302792AB}"/>
               </a:ext>
             </a:extLst>
           </p:cNvPr>
@@ -8905,7 +9137,7 @@
             <p:cNvPr id="15" name="テキスト ボックス 14">
               <a:extLst>
                 <a:ext uri="{FF2B5EF4-FFF2-40B4-BE49-F238E27FC236}">
-                  <a16:creationId xmlns:a16="http://schemas.microsoft.com/office/drawing/2014/main" id="{B096D168-8261-4E62-941D-0E98D66D3DD8}"/>
+                  <a16:creationId xmlns:a16="http://schemas.microsoft.com/office/drawing/2014/main" xmlns="" id="{B096D168-8261-4E62-941D-0E98D66D3DD8}"/>
                 </a:ext>
               </a:extLst>
             </p:cNvPr>
@@ -8948,7 +9180,7 @@
             <p:cNvPr id="16" name="テキスト ボックス 15">
               <a:extLst>
                 <a:ext uri="{FF2B5EF4-FFF2-40B4-BE49-F238E27FC236}">
-                  <a16:creationId xmlns:a16="http://schemas.microsoft.com/office/drawing/2014/main" id="{76E92559-F87F-4968-960E-FFAC5109C118}"/>
+                  <a16:creationId xmlns:a16="http://schemas.microsoft.com/office/drawing/2014/main" xmlns="" id="{76E92559-F87F-4968-960E-FFAC5109C118}"/>
                 </a:ext>
               </a:extLst>
             </p:cNvPr>
@@ -8984,7 +9216,7 @@
           <p:cNvPr id="23" name="グループ化 22">
             <a:extLst>
               <a:ext uri="{FF2B5EF4-FFF2-40B4-BE49-F238E27FC236}">
-                <a16:creationId xmlns:a16="http://schemas.microsoft.com/office/drawing/2014/main" id="{BB3E406B-0A26-48A0-A956-E4255331727C}"/>
+                <a16:creationId xmlns:a16="http://schemas.microsoft.com/office/drawing/2014/main" xmlns="" id="{BB3E406B-0A26-48A0-A956-E4255331727C}"/>
               </a:ext>
             </a:extLst>
           </p:cNvPr>
@@ -9004,7 +9236,7 @@
             <p:cNvPr id="24" name="テキスト ボックス 23">
               <a:extLst>
                 <a:ext uri="{FF2B5EF4-FFF2-40B4-BE49-F238E27FC236}">
-                  <a16:creationId xmlns:a16="http://schemas.microsoft.com/office/drawing/2014/main" id="{EB1DA4F7-03CD-41EB-86F5-1313E0A8853C}"/>
+                  <a16:creationId xmlns:a16="http://schemas.microsoft.com/office/drawing/2014/main" xmlns="" id="{EB1DA4F7-03CD-41EB-86F5-1313E0A8853C}"/>
                 </a:ext>
               </a:extLst>
             </p:cNvPr>
@@ -9047,7 +9279,7 @@
             <p:cNvPr id="25" name="テキスト ボックス 24">
               <a:extLst>
                 <a:ext uri="{FF2B5EF4-FFF2-40B4-BE49-F238E27FC236}">
-                  <a16:creationId xmlns:a16="http://schemas.microsoft.com/office/drawing/2014/main" id="{9E9372F0-F0B9-405A-846A-871AB46B86D9}"/>
+                  <a16:creationId xmlns:a16="http://schemas.microsoft.com/office/drawing/2014/main" xmlns="" id="{9E9372F0-F0B9-405A-846A-871AB46B86D9}"/>
                 </a:ext>
               </a:extLst>
             </p:cNvPr>
@@ -9083,7 +9315,7 @@
           <p:cNvPr id="26" name="グループ化 25">
             <a:extLst>
               <a:ext uri="{FF2B5EF4-FFF2-40B4-BE49-F238E27FC236}">
-                <a16:creationId xmlns:a16="http://schemas.microsoft.com/office/drawing/2014/main" id="{2301E4D2-2D38-4E69-8831-96A1A22B8392}"/>
+                <a16:creationId xmlns:a16="http://schemas.microsoft.com/office/drawing/2014/main" xmlns="" id="{2301E4D2-2D38-4E69-8831-96A1A22B8392}"/>
               </a:ext>
             </a:extLst>
           </p:cNvPr>
@@ -9093,9 +9325,9 @@
         <p:grpSpPr>
           <a:xfrm>
             <a:off x="1117900" y="4949762"/>
-            <a:ext cx="5628137" cy="646331"/>
+            <a:ext cx="4839460" cy="646331"/>
             <a:chOff x="254945" y="903513"/>
-            <a:chExt cx="5628137" cy="646331"/>
+            <a:chExt cx="4839460" cy="646331"/>
           </a:xfrm>
         </p:grpSpPr>
         <p:sp>
@@ -9103,7 +9335,7 @@
             <p:cNvPr id="27" name="テキスト ボックス 26">
               <a:extLst>
                 <a:ext uri="{FF2B5EF4-FFF2-40B4-BE49-F238E27FC236}">
-                  <a16:creationId xmlns:a16="http://schemas.microsoft.com/office/drawing/2014/main" id="{F78E13F2-48F4-493C-A31F-7670DC9A70BD}"/>
+                  <a16:creationId xmlns:a16="http://schemas.microsoft.com/office/drawing/2014/main" xmlns="" id="{F78E13F2-48F4-493C-A31F-7670DC9A70BD}"/>
                 </a:ext>
               </a:extLst>
             </p:cNvPr>
@@ -9113,7 +9345,7 @@
           <p:spPr>
             <a:xfrm>
               <a:off x="620103" y="903513"/>
-              <a:ext cx="5262979" cy="646331"/>
+              <a:ext cx="4474302" cy="646331"/>
             </a:xfrm>
             <a:prstGeom prst="rect">
               <a:avLst/>
@@ -9151,8 +9383,17 @@
             <a:p>
               <a:r>
                 <a:rPr lang="ja-JP" altLang="en-US" dirty="0"/>
-                <a:t>右図のようになっていることを確認してください</a:t>
-              </a:r>
+                <a:t>右図のよう</a:t>
+              </a:r>
+              <a:r>
+                <a:rPr lang="ja-JP" altLang="en-US" dirty="0" smtClean="0"/>
+                <a:t>に記述される</a:t>
+              </a:r>
+              <a:r>
+                <a:rPr lang="ja-JP" altLang="en-US" dirty="0" smtClean="0"/>
+                <a:t>と思います</a:t>
+              </a:r>
+              <a:endParaRPr lang="ja-JP" altLang="en-US" dirty="0"/>
             </a:p>
           </p:txBody>
         </p:sp>
@@ -9161,7 +9402,7 @@
             <p:cNvPr id="28" name="テキスト ボックス 27">
               <a:extLst>
                 <a:ext uri="{FF2B5EF4-FFF2-40B4-BE49-F238E27FC236}">
-                  <a16:creationId xmlns:a16="http://schemas.microsoft.com/office/drawing/2014/main" id="{729A154C-D95F-46A9-858F-95DC52847FF1}"/>
+                  <a16:creationId xmlns:a16="http://schemas.microsoft.com/office/drawing/2014/main" xmlns="" id="{729A154C-D95F-46A9-858F-95DC52847FF1}"/>
                 </a:ext>
               </a:extLst>
             </p:cNvPr>
@@ -9197,20 +9438,19 @@
           <p:cNvPr id="30" name="直線矢印コネクタ 29">
             <a:extLst>
               <a:ext uri="{FF2B5EF4-FFF2-40B4-BE49-F238E27FC236}">
-                <a16:creationId xmlns:a16="http://schemas.microsoft.com/office/drawing/2014/main" id="{481E4BC7-2798-42AB-A02D-0EBE55BE25BE}"/>
+                <a16:creationId xmlns:a16="http://schemas.microsoft.com/office/drawing/2014/main" xmlns="" id="{481E4BC7-2798-42AB-A02D-0EBE55BE25BE}"/>
               </a:ext>
             </a:extLst>
           </p:cNvPr>
           <p:cNvCxnSpPr>
             <a:cxnSpLocks/>
-            <a:stCxn id="27" idx="3"/>
           </p:cNvCxnSpPr>
           <p:nvPr/>
         </p:nvCxnSpPr>
         <p:spPr>
           <a:xfrm flipV="1">
-            <a:off x="6746037" y="5160682"/>
-            <a:ext cx="1497851" cy="112246"/>
+            <a:off x="5964572" y="5160682"/>
+            <a:ext cx="2279316" cy="112245"/>
           </a:xfrm>
           <a:prstGeom prst="straightConnector1">
             <a:avLst/>
@@ -9243,7 +9483,7 @@
           <p:cNvPr id="11" name="図 10">
             <a:extLst>
               <a:ext uri="{FF2B5EF4-FFF2-40B4-BE49-F238E27FC236}">
-                <a16:creationId xmlns:a16="http://schemas.microsoft.com/office/drawing/2014/main" id="{38D6EB68-9043-44DF-BA14-0E13EC75928D}"/>
+                <a16:creationId xmlns:a16="http://schemas.microsoft.com/office/drawing/2014/main" xmlns="" id="{38D6EB68-9043-44DF-BA14-0E13EC75928D}"/>
               </a:ext>
             </a:extLst>
           </p:cNvPr>
@@ -9302,7 +9542,7 @@
           <p:cNvPr id="40" name="図 39">
             <a:extLst>
               <a:ext uri="{FF2B5EF4-FFF2-40B4-BE49-F238E27FC236}">
-                <a16:creationId xmlns:a16="http://schemas.microsoft.com/office/drawing/2014/main" id="{50A1CA03-7975-4464-B4AD-CFF93C470397}"/>
+                <a16:creationId xmlns:a16="http://schemas.microsoft.com/office/drawing/2014/main" xmlns="" id="{50A1CA03-7975-4464-B4AD-CFF93C470397}"/>
               </a:ext>
             </a:extLst>
           </p:cNvPr>
@@ -9331,7 +9571,7 @@
           <p:cNvPr id="2" name="スライド番号プレースホルダー 1">
             <a:extLst>
               <a:ext uri="{FF2B5EF4-FFF2-40B4-BE49-F238E27FC236}">
-                <a16:creationId xmlns:a16="http://schemas.microsoft.com/office/drawing/2014/main" id="{7655272F-F346-4D67-980D-F5DAC34C0D26}"/>
+                <a16:creationId xmlns:a16="http://schemas.microsoft.com/office/drawing/2014/main" xmlns="" id="{7655272F-F346-4D67-980D-F5DAC34C0D26}"/>
               </a:ext>
             </a:extLst>
           </p:cNvPr>
@@ -9360,7 +9600,7 @@
           <p:cNvPr id="3" name="Shape 130">
             <a:extLst>
               <a:ext uri="{FF2B5EF4-FFF2-40B4-BE49-F238E27FC236}">
-                <a16:creationId xmlns:a16="http://schemas.microsoft.com/office/drawing/2014/main" id="{2EDF6CCC-97C9-4981-8AF2-09ED5C8EF2EF}"/>
+                <a16:creationId xmlns:a16="http://schemas.microsoft.com/office/drawing/2014/main" xmlns="" id="{2EDF6CCC-97C9-4981-8AF2-09ED5C8EF2EF}"/>
               </a:ext>
             </a:extLst>
           </p:cNvPr>
@@ -9380,7 +9620,7 @@
           </a:ln>
           <a:extLst>
             <a:ext uri="{C572A759-6A51-4108-AA02-DFA0A04FC94B}">
-              <ma14:wrappingTextBoxFlag xmlns:ma14="http://schemas.microsoft.com/office/mac/drawingml/2011/main" xmlns="" val="1"/>
+              <ma14:wrappingTextBoxFlag xmlns="" xmlns:ma14="http://schemas.microsoft.com/office/mac/drawingml/2011/main" val="1"/>
             </a:ext>
           </a:extLst>
         </p:spPr>
@@ -9435,7 +9675,7 @@
           <p:cNvPr id="17" name="グループ化 16">
             <a:extLst>
               <a:ext uri="{FF2B5EF4-FFF2-40B4-BE49-F238E27FC236}">
-                <a16:creationId xmlns:a16="http://schemas.microsoft.com/office/drawing/2014/main" id="{A8466610-456C-4B59-833E-E87E745DC4C5}"/>
+                <a16:creationId xmlns:a16="http://schemas.microsoft.com/office/drawing/2014/main" xmlns="" id="{A8466610-456C-4B59-833E-E87E745DC4C5}"/>
               </a:ext>
             </a:extLst>
           </p:cNvPr>
@@ -9455,7 +9695,7 @@
             <p:cNvPr id="18" name="テキスト ボックス 17">
               <a:extLst>
                 <a:ext uri="{FF2B5EF4-FFF2-40B4-BE49-F238E27FC236}">
-                  <a16:creationId xmlns:a16="http://schemas.microsoft.com/office/drawing/2014/main" id="{4DBDFAC6-2935-4DB1-9383-611E1BE211C1}"/>
+                  <a16:creationId xmlns:a16="http://schemas.microsoft.com/office/drawing/2014/main" xmlns="" id="{4DBDFAC6-2935-4DB1-9383-611E1BE211C1}"/>
                 </a:ext>
               </a:extLst>
             </p:cNvPr>
@@ -9498,7 +9738,7 @@
             <p:cNvPr id="19" name="テキスト ボックス 18">
               <a:extLst>
                 <a:ext uri="{FF2B5EF4-FFF2-40B4-BE49-F238E27FC236}">
-                  <a16:creationId xmlns:a16="http://schemas.microsoft.com/office/drawing/2014/main" id="{832B509A-3C24-4784-AD95-622442B6166C}"/>
+                  <a16:creationId xmlns:a16="http://schemas.microsoft.com/office/drawing/2014/main" xmlns="" id="{832B509A-3C24-4784-AD95-622442B6166C}"/>
                 </a:ext>
               </a:extLst>
             </p:cNvPr>
@@ -9534,7 +9774,7 @@
           <p:cNvPr id="6" name="グループ化 5">
             <a:extLst>
               <a:ext uri="{FF2B5EF4-FFF2-40B4-BE49-F238E27FC236}">
-                <a16:creationId xmlns:a16="http://schemas.microsoft.com/office/drawing/2014/main" id="{AB369DB9-228A-455A-82B0-4563C12C32EC}"/>
+                <a16:creationId xmlns:a16="http://schemas.microsoft.com/office/drawing/2014/main" xmlns="" id="{AB369DB9-228A-455A-82B0-4563C12C32EC}"/>
               </a:ext>
             </a:extLst>
           </p:cNvPr>
@@ -9554,7 +9794,7 @@
             <p:cNvPr id="4" name="図 3">
               <a:extLst>
                 <a:ext uri="{FF2B5EF4-FFF2-40B4-BE49-F238E27FC236}">
-                  <a16:creationId xmlns:a16="http://schemas.microsoft.com/office/drawing/2014/main" id="{E3A086B2-835E-40B2-9589-ECCFEA2619F6}"/>
+                  <a16:creationId xmlns:a16="http://schemas.microsoft.com/office/drawing/2014/main" xmlns="" id="{E3A086B2-835E-40B2-9589-ECCFEA2619F6}"/>
                 </a:ext>
               </a:extLst>
             </p:cNvPr>
@@ -9584,7 +9824,7 @@
             <p:cNvPr id="21" name="四角形: 角を丸くする 20">
               <a:extLst>
                 <a:ext uri="{FF2B5EF4-FFF2-40B4-BE49-F238E27FC236}">
-                  <a16:creationId xmlns:a16="http://schemas.microsoft.com/office/drawing/2014/main" id="{917843DF-E6BA-4260-8A03-D11296BE0294}"/>
+                  <a16:creationId xmlns:a16="http://schemas.microsoft.com/office/drawing/2014/main" xmlns="" id="{917843DF-E6BA-4260-8A03-D11296BE0294}"/>
                 </a:ext>
               </a:extLst>
             </p:cNvPr>
@@ -9636,7 +9876,7 @@
             <p:cNvPr id="22" name="直線矢印コネクタ 21">
               <a:extLst>
                 <a:ext uri="{FF2B5EF4-FFF2-40B4-BE49-F238E27FC236}">
-                  <a16:creationId xmlns:a16="http://schemas.microsoft.com/office/drawing/2014/main" id="{AED48C2A-6EAA-4CF0-985B-34109D13A250}"/>
+                  <a16:creationId xmlns:a16="http://schemas.microsoft.com/office/drawing/2014/main" xmlns="" id="{AED48C2A-6EAA-4CF0-985B-34109D13A250}"/>
                 </a:ext>
               </a:extLst>
             </p:cNvPr>
@@ -9683,7 +9923,7 @@
           <p:cNvPr id="32" name="グループ化 31">
             <a:extLst>
               <a:ext uri="{FF2B5EF4-FFF2-40B4-BE49-F238E27FC236}">
-                <a16:creationId xmlns:a16="http://schemas.microsoft.com/office/drawing/2014/main" id="{D15D8917-B5EC-464C-9739-B79A9A0E5691}"/>
+                <a16:creationId xmlns:a16="http://schemas.microsoft.com/office/drawing/2014/main" xmlns="" id="{D15D8917-B5EC-464C-9739-B79A9A0E5691}"/>
               </a:ext>
             </a:extLst>
           </p:cNvPr>
@@ -9703,7 +9943,7 @@
             <p:cNvPr id="33" name="テキスト ボックス 32">
               <a:extLst>
                 <a:ext uri="{FF2B5EF4-FFF2-40B4-BE49-F238E27FC236}">
-                  <a16:creationId xmlns:a16="http://schemas.microsoft.com/office/drawing/2014/main" id="{B27A76A7-762A-42B4-BF3C-477612859B4C}"/>
+                  <a16:creationId xmlns:a16="http://schemas.microsoft.com/office/drawing/2014/main" xmlns="" id="{B27A76A7-762A-42B4-BF3C-477612859B4C}"/>
                 </a:ext>
               </a:extLst>
             </p:cNvPr>
@@ -9750,7 +9990,7 @@
             <p:cNvPr id="34" name="テキスト ボックス 33">
               <a:extLst>
                 <a:ext uri="{FF2B5EF4-FFF2-40B4-BE49-F238E27FC236}">
-                  <a16:creationId xmlns:a16="http://schemas.microsoft.com/office/drawing/2014/main" id="{0DF47C5B-B5C8-46B2-83C8-17A4C8552B1B}"/>
+                  <a16:creationId xmlns:a16="http://schemas.microsoft.com/office/drawing/2014/main" xmlns="" id="{0DF47C5B-B5C8-46B2-83C8-17A4C8552B1B}"/>
                 </a:ext>
               </a:extLst>
             </p:cNvPr>
@@ -9786,7 +10026,7 @@
           <p:cNvPr id="35" name="直線コネクタ 34">
             <a:extLst>
               <a:ext uri="{FF2B5EF4-FFF2-40B4-BE49-F238E27FC236}">
-                <a16:creationId xmlns:a16="http://schemas.microsoft.com/office/drawing/2014/main" id="{5A9F0C81-A284-4A5C-BD23-06DFFD22DCB0}"/>
+                <a16:creationId xmlns:a16="http://schemas.microsoft.com/office/drawing/2014/main" xmlns="" id="{5A9F0C81-A284-4A5C-BD23-06DFFD22DCB0}"/>
               </a:ext>
             </a:extLst>
           </p:cNvPr>
@@ -9861,7 +10101,7 @@
           <p:cNvPr id="2" name="スライド番号プレースホルダー 1">
             <a:extLst>
               <a:ext uri="{FF2B5EF4-FFF2-40B4-BE49-F238E27FC236}">
-                <a16:creationId xmlns:a16="http://schemas.microsoft.com/office/drawing/2014/main" id="{7655272F-F346-4D67-980D-F5DAC34C0D26}"/>
+                <a16:creationId xmlns:a16="http://schemas.microsoft.com/office/drawing/2014/main" xmlns="" id="{7655272F-F346-4D67-980D-F5DAC34C0D26}"/>
               </a:ext>
             </a:extLst>
           </p:cNvPr>
@@ -9890,7 +10130,7 @@
           <p:cNvPr id="3" name="Shape 130">
             <a:extLst>
               <a:ext uri="{FF2B5EF4-FFF2-40B4-BE49-F238E27FC236}">
-                <a16:creationId xmlns:a16="http://schemas.microsoft.com/office/drawing/2014/main" id="{2EDF6CCC-97C9-4981-8AF2-09ED5C8EF2EF}"/>
+                <a16:creationId xmlns:a16="http://schemas.microsoft.com/office/drawing/2014/main" xmlns="" id="{2EDF6CCC-97C9-4981-8AF2-09ED5C8EF2EF}"/>
               </a:ext>
             </a:extLst>
           </p:cNvPr>
@@ -9910,7 +10150,7 @@
           </a:ln>
           <a:extLst>
             <a:ext uri="{C572A759-6A51-4108-AA02-DFA0A04FC94B}">
-              <ma14:wrappingTextBoxFlag xmlns:ma14="http://schemas.microsoft.com/office/mac/drawingml/2011/main" xmlns="" val="1"/>
+              <ma14:wrappingTextBoxFlag xmlns="" xmlns:ma14="http://schemas.microsoft.com/office/mac/drawingml/2011/main" val="1"/>
             </a:ext>
           </a:extLst>
         </p:spPr>
@@ -9965,7 +10205,7 @@
           <p:cNvPr id="17" name="グループ化 16">
             <a:extLst>
               <a:ext uri="{FF2B5EF4-FFF2-40B4-BE49-F238E27FC236}">
-                <a16:creationId xmlns:a16="http://schemas.microsoft.com/office/drawing/2014/main" id="{A8466610-456C-4B59-833E-E87E745DC4C5}"/>
+                <a16:creationId xmlns:a16="http://schemas.microsoft.com/office/drawing/2014/main" xmlns="" id="{A8466610-456C-4B59-833E-E87E745DC4C5}"/>
               </a:ext>
             </a:extLst>
           </p:cNvPr>
@@ -9985,7 +10225,7 @@
             <p:cNvPr id="18" name="テキスト ボックス 17">
               <a:extLst>
                 <a:ext uri="{FF2B5EF4-FFF2-40B4-BE49-F238E27FC236}">
-                  <a16:creationId xmlns:a16="http://schemas.microsoft.com/office/drawing/2014/main" id="{4DBDFAC6-2935-4DB1-9383-611E1BE211C1}"/>
+                  <a16:creationId xmlns:a16="http://schemas.microsoft.com/office/drawing/2014/main" xmlns="" id="{4DBDFAC6-2935-4DB1-9383-611E1BE211C1}"/>
                 </a:ext>
               </a:extLst>
             </p:cNvPr>
@@ -10028,7 +10268,7 @@
             <p:cNvPr id="19" name="テキスト ボックス 18">
               <a:extLst>
                 <a:ext uri="{FF2B5EF4-FFF2-40B4-BE49-F238E27FC236}">
-                  <a16:creationId xmlns:a16="http://schemas.microsoft.com/office/drawing/2014/main" id="{832B509A-3C24-4784-AD95-622442B6166C}"/>
+                  <a16:creationId xmlns:a16="http://schemas.microsoft.com/office/drawing/2014/main" xmlns="" id="{832B509A-3C24-4784-AD95-622442B6166C}"/>
                 </a:ext>
               </a:extLst>
             </p:cNvPr>
@@ -10064,7 +10304,7 @@
           <p:cNvPr id="16" name="グループ化 15">
             <a:extLst>
               <a:ext uri="{FF2B5EF4-FFF2-40B4-BE49-F238E27FC236}">
-                <a16:creationId xmlns:a16="http://schemas.microsoft.com/office/drawing/2014/main" id="{42D912EA-7A0C-43A9-8302-787512AF2107}"/>
+                <a16:creationId xmlns:a16="http://schemas.microsoft.com/office/drawing/2014/main" xmlns="" id="{42D912EA-7A0C-43A9-8302-787512AF2107}"/>
               </a:ext>
             </a:extLst>
           </p:cNvPr>
@@ -10084,7 +10324,7 @@
             <p:cNvPr id="5" name="図 4">
               <a:extLst>
                 <a:ext uri="{FF2B5EF4-FFF2-40B4-BE49-F238E27FC236}">
-                  <a16:creationId xmlns:a16="http://schemas.microsoft.com/office/drawing/2014/main" id="{8F3040B9-2C5F-4400-B72D-A6B0A309BD9A}"/>
+                  <a16:creationId xmlns:a16="http://schemas.microsoft.com/office/drawing/2014/main" xmlns="" id="{8F3040B9-2C5F-4400-B72D-A6B0A309BD9A}"/>
                 </a:ext>
               </a:extLst>
             </p:cNvPr>
@@ -10114,7 +10354,7 @@
             <p:cNvPr id="35" name="直線コネクタ 34">
               <a:extLst>
                 <a:ext uri="{FF2B5EF4-FFF2-40B4-BE49-F238E27FC236}">
-                  <a16:creationId xmlns:a16="http://schemas.microsoft.com/office/drawing/2014/main" id="{5A9F0C81-A284-4A5C-BD23-06DFFD22DCB0}"/>
+                  <a16:creationId xmlns:a16="http://schemas.microsoft.com/office/drawing/2014/main" xmlns="" id="{5A9F0C81-A284-4A5C-BD23-06DFFD22DCB0}"/>
                 </a:ext>
               </a:extLst>
             </p:cNvPr>
@@ -10160,7 +10400,7 @@
           <p:cNvPr id="26" name="正方形/長方形 25">
             <a:extLst>
               <a:ext uri="{FF2B5EF4-FFF2-40B4-BE49-F238E27FC236}">
-                <a16:creationId xmlns:a16="http://schemas.microsoft.com/office/drawing/2014/main" id="{021CD1BC-5F34-4A26-B9E3-DE6DF18C14D4}"/>
+                <a16:creationId xmlns:a16="http://schemas.microsoft.com/office/drawing/2014/main" xmlns="" id="{021CD1BC-5F34-4A26-B9E3-DE6DF18C14D4}"/>
               </a:ext>
             </a:extLst>
           </p:cNvPr>
@@ -10214,7 +10454,7 @@
           <p:cNvPr id="27" name="グループ化 26">
             <a:extLst>
               <a:ext uri="{FF2B5EF4-FFF2-40B4-BE49-F238E27FC236}">
-                <a16:creationId xmlns:a16="http://schemas.microsoft.com/office/drawing/2014/main" id="{C6D78C16-A556-41D3-8F7B-EB15FC443F90}"/>
+                <a16:creationId xmlns:a16="http://schemas.microsoft.com/office/drawing/2014/main" xmlns="" id="{C6D78C16-A556-41D3-8F7B-EB15FC443F90}"/>
               </a:ext>
             </a:extLst>
           </p:cNvPr>
@@ -10234,7 +10474,7 @@
             <p:cNvPr id="28" name="フリーフォーム: 図形 27">
               <a:extLst>
                 <a:ext uri="{FF2B5EF4-FFF2-40B4-BE49-F238E27FC236}">
-                  <a16:creationId xmlns:a16="http://schemas.microsoft.com/office/drawing/2014/main" id="{71481C45-8BFB-429F-9820-93F2D5D683CD}"/>
+                  <a16:creationId xmlns:a16="http://schemas.microsoft.com/office/drawing/2014/main" xmlns="" id="{71481C45-8BFB-429F-9820-93F2D5D683CD}"/>
                 </a:ext>
               </a:extLst>
             </p:cNvPr>
@@ -10335,7 +10575,7 @@
             <p:cNvPr id="29" name="フリーフォーム: 図形 28">
               <a:extLst>
                 <a:ext uri="{FF2B5EF4-FFF2-40B4-BE49-F238E27FC236}">
-                  <a16:creationId xmlns:a16="http://schemas.microsoft.com/office/drawing/2014/main" id="{F8CBF0EE-80D1-4FD2-BEA9-8078E97C9D70}"/>
+                  <a16:creationId xmlns:a16="http://schemas.microsoft.com/office/drawing/2014/main" xmlns="" id="{F8CBF0EE-80D1-4FD2-BEA9-8078E97C9D70}"/>
                 </a:ext>
               </a:extLst>
             </p:cNvPr>
@@ -10433,7 +10673,7 @@
           <p:cNvPr id="30" name="正方形/長方形 29">
             <a:extLst>
               <a:ext uri="{FF2B5EF4-FFF2-40B4-BE49-F238E27FC236}">
-                <a16:creationId xmlns:a16="http://schemas.microsoft.com/office/drawing/2014/main" id="{29552D77-81DA-4027-88D7-800FA1B8C5AF}"/>
+                <a16:creationId xmlns:a16="http://schemas.microsoft.com/office/drawing/2014/main" xmlns="" id="{29552D77-81DA-4027-88D7-800FA1B8C5AF}"/>
               </a:ext>
             </a:extLst>
           </p:cNvPr>
@@ -10517,7 +10757,7 @@
           <p:cNvPr id="31" name="正方形/長方形 30">
             <a:extLst>
               <a:ext uri="{FF2B5EF4-FFF2-40B4-BE49-F238E27FC236}">
-                <a16:creationId xmlns:a16="http://schemas.microsoft.com/office/drawing/2014/main" id="{DBBCF54C-07CF-4430-A2F3-77886D29F926}"/>
+                <a16:creationId xmlns:a16="http://schemas.microsoft.com/office/drawing/2014/main" xmlns="" id="{DBBCF54C-07CF-4430-A2F3-77886D29F926}"/>
               </a:ext>
             </a:extLst>
           </p:cNvPr>
@@ -10559,7 +10799,7 @@
           <p:cNvPr id="23" name="直線矢印コネクタ 22">
             <a:extLst>
               <a:ext uri="{FF2B5EF4-FFF2-40B4-BE49-F238E27FC236}">
-                <a16:creationId xmlns:a16="http://schemas.microsoft.com/office/drawing/2014/main" id="{31906760-E9AA-4554-8480-6DFDBEAF0969}"/>
+                <a16:creationId xmlns:a16="http://schemas.microsoft.com/office/drawing/2014/main" xmlns="" id="{31906760-E9AA-4554-8480-6DFDBEAF0969}"/>
               </a:ext>
             </a:extLst>
           </p:cNvPr>
@@ -10602,7 +10842,7 @@
           <p:cNvPr id="24" name="テキスト ボックス 23">
             <a:extLst>
               <a:ext uri="{FF2B5EF4-FFF2-40B4-BE49-F238E27FC236}">
-                <a16:creationId xmlns:a16="http://schemas.microsoft.com/office/drawing/2014/main" id="{A5D2F474-5804-4E27-8853-24C1658EE7FC}"/>
+                <a16:creationId xmlns:a16="http://schemas.microsoft.com/office/drawing/2014/main" xmlns="" id="{A5D2F474-5804-4E27-8853-24C1658EE7FC}"/>
               </a:ext>
             </a:extLst>
           </p:cNvPr>
@@ -10667,7 +10907,7 @@
           <p:cNvPr id="2" name="スライド番号プレースホルダー 1">
             <a:extLst>
               <a:ext uri="{FF2B5EF4-FFF2-40B4-BE49-F238E27FC236}">
-                <a16:creationId xmlns:a16="http://schemas.microsoft.com/office/drawing/2014/main" id="{7655272F-F346-4D67-980D-F5DAC34C0D26}"/>
+                <a16:creationId xmlns:a16="http://schemas.microsoft.com/office/drawing/2014/main" xmlns="" id="{7655272F-F346-4D67-980D-F5DAC34C0D26}"/>
               </a:ext>
             </a:extLst>
           </p:cNvPr>
@@ -10696,7 +10936,7 @@
           <p:cNvPr id="3" name="Shape 130">
             <a:extLst>
               <a:ext uri="{FF2B5EF4-FFF2-40B4-BE49-F238E27FC236}">
-                <a16:creationId xmlns:a16="http://schemas.microsoft.com/office/drawing/2014/main" id="{2EDF6CCC-97C9-4981-8AF2-09ED5C8EF2EF}"/>
+                <a16:creationId xmlns:a16="http://schemas.microsoft.com/office/drawing/2014/main" xmlns="" id="{2EDF6CCC-97C9-4981-8AF2-09ED5C8EF2EF}"/>
               </a:ext>
             </a:extLst>
           </p:cNvPr>
@@ -10716,7 +10956,7 @@
           </a:ln>
           <a:extLst>
             <a:ext uri="{C572A759-6A51-4108-AA02-DFA0A04FC94B}">
-              <ma14:wrappingTextBoxFlag xmlns:ma14="http://schemas.microsoft.com/office/mac/drawingml/2011/main" xmlns="" val="1"/>
+              <ma14:wrappingTextBoxFlag xmlns="" xmlns:ma14="http://schemas.microsoft.com/office/mac/drawingml/2011/main" val="1"/>
             </a:ext>
           </a:extLst>
         </p:spPr>
@@ -10771,7 +11011,7 @@
           <p:cNvPr id="17" name="グループ化 16">
             <a:extLst>
               <a:ext uri="{FF2B5EF4-FFF2-40B4-BE49-F238E27FC236}">
-                <a16:creationId xmlns:a16="http://schemas.microsoft.com/office/drawing/2014/main" id="{A8466610-456C-4B59-833E-E87E745DC4C5}"/>
+                <a16:creationId xmlns:a16="http://schemas.microsoft.com/office/drawing/2014/main" xmlns="" id="{A8466610-456C-4B59-833E-E87E745DC4C5}"/>
               </a:ext>
             </a:extLst>
           </p:cNvPr>
@@ -10791,7 +11031,7 @@
             <p:cNvPr id="18" name="テキスト ボックス 17">
               <a:extLst>
                 <a:ext uri="{FF2B5EF4-FFF2-40B4-BE49-F238E27FC236}">
-                  <a16:creationId xmlns:a16="http://schemas.microsoft.com/office/drawing/2014/main" id="{4DBDFAC6-2935-4DB1-9383-611E1BE211C1}"/>
+                  <a16:creationId xmlns:a16="http://schemas.microsoft.com/office/drawing/2014/main" xmlns="" id="{4DBDFAC6-2935-4DB1-9383-611E1BE211C1}"/>
                 </a:ext>
               </a:extLst>
             </p:cNvPr>
@@ -10826,7 +11066,7 @@
             <p:cNvPr id="19" name="テキスト ボックス 18">
               <a:extLst>
                 <a:ext uri="{FF2B5EF4-FFF2-40B4-BE49-F238E27FC236}">
-                  <a16:creationId xmlns:a16="http://schemas.microsoft.com/office/drawing/2014/main" id="{832B509A-3C24-4784-AD95-622442B6166C}"/>
+                  <a16:creationId xmlns:a16="http://schemas.microsoft.com/office/drawing/2014/main" xmlns="" id="{832B509A-3C24-4784-AD95-622442B6166C}"/>
                 </a:ext>
               </a:extLst>
             </p:cNvPr>
@@ -10862,7 +11102,7 @@
           <p:cNvPr id="4" name="図 3">
             <a:extLst>
               <a:ext uri="{FF2B5EF4-FFF2-40B4-BE49-F238E27FC236}">
-                <a16:creationId xmlns:a16="http://schemas.microsoft.com/office/drawing/2014/main" id="{0A999B02-4369-4BCA-9451-E9991038C982}"/>
+                <a16:creationId xmlns:a16="http://schemas.microsoft.com/office/drawing/2014/main" xmlns="" id="{0A999B02-4369-4BCA-9451-E9991038C982}"/>
               </a:ext>
             </a:extLst>
           </p:cNvPr>
@@ -10922,7 +11162,7 @@
           <p:cNvPr id="29" name="図 28">
             <a:extLst>
               <a:ext uri="{FF2B5EF4-FFF2-40B4-BE49-F238E27FC236}">
-                <a16:creationId xmlns:a16="http://schemas.microsoft.com/office/drawing/2014/main" id="{52F4DC29-64CC-4297-8CE9-509ECC03B8C1}"/>
+                <a16:creationId xmlns:a16="http://schemas.microsoft.com/office/drawing/2014/main" xmlns="" id="{52F4DC29-64CC-4297-8CE9-509ECC03B8C1}"/>
               </a:ext>
             </a:extLst>
           </p:cNvPr>
@@ -10952,7 +11192,7 @@
           <p:cNvPr id="2" name="スライド番号プレースホルダー 1">
             <a:extLst>
               <a:ext uri="{FF2B5EF4-FFF2-40B4-BE49-F238E27FC236}">
-                <a16:creationId xmlns:a16="http://schemas.microsoft.com/office/drawing/2014/main" id="{7655272F-F346-4D67-980D-F5DAC34C0D26}"/>
+                <a16:creationId xmlns:a16="http://schemas.microsoft.com/office/drawing/2014/main" xmlns="" id="{7655272F-F346-4D67-980D-F5DAC34C0D26}"/>
               </a:ext>
             </a:extLst>
           </p:cNvPr>
@@ -10981,7 +11221,7 @@
           <p:cNvPr id="3" name="Shape 130">
             <a:extLst>
               <a:ext uri="{FF2B5EF4-FFF2-40B4-BE49-F238E27FC236}">
-                <a16:creationId xmlns:a16="http://schemas.microsoft.com/office/drawing/2014/main" id="{2EDF6CCC-97C9-4981-8AF2-09ED5C8EF2EF}"/>
+                <a16:creationId xmlns:a16="http://schemas.microsoft.com/office/drawing/2014/main" xmlns="" id="{2EDF6CCC-97C9-4981-8AF2-09ED5C8EF2EF}"/>
               </a:ext>
             </a:extLst>
           </p:cNvPr>
@@ -11001,7 +11241,7 @@
           </a:ln>
           <a:extLst>
             <a:ext uri="{C572A759-6A51-4108-AA02-DFA0A04FC94B}">
-              <ma14:wrappingTextBoxFlag xmlns:ma14="http://schemas.microsoft.com/office/mac/drawingml/2011/main" xmlns="" val="1"/>
+              <ma14:wrappingTextBoxFlag xmlns="" xmlns:ma14="http://schemas.microsoft.com/office/mac/drawingml/2011/main" val="1"/>
             </a:ext>
           </a:extLst>
         </p:spPr>
@@ -11044,7 +11284,7 @@
           <p:cNvPr id="8" name="表 7">
             <a:extLst>
               <a:ext uri="{FF2B5EF4-FFF2-40B4-BE49-F238E27FC236}">
-                <a16:creationId xmlns:a16="http://schemas.microsoft.com/office/drawing/2014/main" id="{93621141-4DE2-4050-8BD6-22F626DE94B0}"/>
+                <a16:creationId xmlns:a16="http://schemas.microsoft.com/office/drawing/2014/main" xmlns="" id="{93621141-4DE2-4050-8BD6-22F626DE94B0}"/>
               </a:ext>
             </a:extLst>
           </p:cNvPr>
@@ -11073,49 +11313,49 @@
                 <a:gridCol w="2533968">
                   <a:extLst>
                     <a:ext uri="{9D8B030D-6E8A-4147-A177-3AD203B41FA5}">
-                      <a16:colId xmlns:a16="http://schemas.microsoft.com/office/drawing/2014/main" val="2869928480"/>
+                      <a16:colId xmlns:a16="http://schemas.microsoft.com/office/drawing/2014/main" xmlns="" val="2869928480"/>
                     </a:ext>
                   </a:extLst>
                 </a:gridCol>
                 <a:gridCol w="1619568">
                   <a:extLst>
                     <a:ext uri="{9D8B030D-6E8A-4147-A177-3AD203B41FA5}">
-                      <a16:colId xmlns:a16="http://schemas.microsoft.com/office/drawing/2014/main" val="3708684436"/>
+                      <a16:colId xmlns:a16="http://schemas.microsoft.com/office/drawing/2014/main" xmlns="" val="3708684436"/>
                     </a:ext>
                   </a:extLst>
                 </a:gridCol>
                 <a:gridCol w="1198450">
                   <a:extLst>
                     <a:ext uri="{9D8B030D-6E8A-4147-A177-3AD203B41FA5}">
-                      <a16:colId xmlns:a16="http://schemas.microsoft.com/office/drawing/2014/main" val="3877242200"/>
+                      <a16:colId xmlns:a16="http://schemas.microsoft.com/office/drawing/2014/main" xmlns="" val="3877242200"/>
                     </a:ext>
                   </a:extLst>
                 </a:gridCol>
                 <a:gridCol w="1619568">
                   <a:extLst>
                     <a:ext uri="{9D8B030D-6E8A-4147-A177-3AD203B41FA5}">
-                      <a16:colId xmlns:a16="http://schemas.microsoft.com/office/drawing/2014/main" val="1228845434"/>
+                      <a16:colId xmlns:a16="http://schemas.microsoft.com/office/drawing/2014/main" xmlns="" val="1228845434"/>
                     </a:ext>
                   </a:extLst>
                 </a:gridCol>
                 <a:gridCol w="933768">
                   <a:extLst>
                     <a:ext uri="{9D8B030D-6E8A-4147-A177-3AD203B41FA5}">
-                      <a16:colId xmlns:a16="http://schemas.microsoft.com/office/drawing/2014/main" val="4141803925"/>
+                      <a16:colId xmlns:a16="http://schemas.microsoft.com/office/drawing/2014/main" xmlns="" val="4141803925"/>
                     </a:ext>
                   </a:extLst>
                 </a:gridCol>
                 <a:gridCol w="1489297">
                   <a:extLst>
                     <a:ext uri="{9D8B030D-6E8A-4147-A177-3AD203B41FA5}">
-                      <a16:colId xmlns:a16="http://schemas.microsoft.com/office/drawing/2014/main" val="873013535"/>
+                      <a16:colId xmlns:a16="http://schemas.microsoft.com/office/drawing/2014/main" xmlns="" val="873013535"/>
                     </a:ext>
                   </a:extLst>
                 </a:gridCol>
                 <a:gridCol w="1651318">
                   <a:extLst>
                     <a:ext uri="{9D8B030D-6E8A-4147-A177-3AD203B41FA5}">
-                      <a16:colId xmlns:a16="http://schemas.microsoft.com/office/drawing/2014/main" val="2271690460"/>
+                      <a16:colId xmlns:a16="http://schemas.microsoft.com/office/drawing/2014/main" xmlns="" val="2271690460"/>
                     </a:ext>
                   </a:extLst>
                 </a:gridCol>
@@ -11222,7 +11462,7 @@
                 </a:tc>
                 <a:extLst>
                   <a:ext uri="{0D108BD9-81ED-4DB2-BD59-A6C34878D82A}">
-                    <a16:rowId xmlns:a16="http://schemas.microsoft.com/office/drawing/2014/main" val="2840948024"/>
+                    <a16:rowId xmlns:a16="http://schemas.microsoft.com/office/drawing/2014/main" xmlns="" val="2840948024"/>
                   </a:ext>
                 </a:extLst>
               </a:tr>
@@ -11437,7 +11677,7 @@
                 </a:tc>
                 <a:extLst>
                   <a:ext uri="{0D108BD9-81ED-4DB2-BD59-A6C34878D82A}">
-                    <a16:rowId xmlns:a16="http://schemas.microsoft.com/office/drawing/2014/main" val="4244898854"/>
+                    <a16:rowId xmlns:a16="http://schemas.microsoft.com/office/drawing/2014/main" xmlns="" val="4244898854"/>
                   </a:ext>
                 </a:extLst>
               </a:tr>
@@ -11450,7 +11690,7 @@
           <p:cNvPr id="10" name="テキスト ボックス 9">
             <a:extLst>
               <a:ext uri="{FF2B5EF4-FFF2-40B4-BE49-F238E27FC236}">
-                <a16:creationId xmlns:a16="http://schemas.microsoft.com/office/drawing/2014/main" id="{1AF9C5A3-192D-4E4D-B4B0-434A16F148B4}"/>
+                <a16:creationId xmlns:a16="http://schemas.microsoft.com/office/drawing/2014/main" xmlns="" id="{1AF9C5A3-192D-4E4D-B4B0-434A16F148B4}"/>
               </a:ext>
             </a:extLst>
           </p:cNvPr>
@@ -11502,7 +11742,7 @@
           <p:cNvPr id="11" name="グループ化 10">
             <a:extLst>
               <a:ext uri="{FF2B5EF4-FFF2-40B4-BE49-F238E27FC236}">
-                <a16:creationId xmlns:a16="http://schemas.microsoft.com/office/drawing/2014/main" id="{53EEFC83-B1DE-4E68-B5A0-99C7AA548F76}"/>
+                <a16:creationId xmlns:a16="http://schemas.microsoft.com/office/drawing/2014/main" xmlns="" id="{53EEFC83-B1DE-4E68-B5A0-99C7AA548F76}"/>
               </a:ext>
             </a:extLst>
           </p:cNvPr>
@@ -11522,7 +11762,7 @@
             <p:cNvPr id="12" name="テキスト ボックス 11">
               <a:extLst>
                 <a:ext uri="{FF2B5EF4-FFF2-40B4-BE49-F238E27FC236}">
-                  <a16:creationId xmlns:a16="http://schemas.microsoft.com/office/drawing/2014/main" id="{3A920BAF-A956-4DCD-97D5-458488D54ACC}"/>
+                  <a16:creationId xmlns:a16="http://schemas.microsoft.com/office/drawing/2014/main" xmlns="" id="{3A920BAF-A956-4DCD-97D5-458488D54ACC}"/>
                 </a:ext>
               </a:extLst>
             </p:cNvPr>
@@ -11573,7 +11813,7 @@
             <p:cNvPr id="13" name="テキスト ボックス 12">
               <a:extLst>
                 <a:ext uri="{FF2B5EF4-FFF2-40B4-BE49-F238E27FC236}">
-                  <a16:creationId xmlns:a16="http://schemas.microsoft.com/office/drawing/2014/main" id="{7821A6D0-E779-4132-A5E4-73DCA09BC946}"/>
+                  <a16:creationId xmlns:a16="http://schemas.microsoft.com/office/drawing/2014/main" xmlns="" id="{7821A6D0-E779-4132-A5E4-73DCA09BC946}"/>
                 </a:ext>
               </a:extLst>
             </p:cNvPr>
@@ -11609,7 +11849,7 @@
           <p:cNvPr id="14" name="グループ化 13">
             <a:extLst>
               <a:ext uri="{FF2B5EF4-FFF2-40B4-BE49-F238E27FC236}">
-                <a16:creationId xmlns:a16="http://schemas.microsoft.com/office/drawing/2014/main" id="{41C9EB8C-6F51-41CC-9923-B47F209C2AA6}"/>
+                <a16:creationId xmlns:a16="http://schemas.microsoft.com/office/drawing/2014/main" xmlns="" id="{41C9EB8C-6F51-41CC-9923-B47F209C2AA6}"/>
               </a:ext>
             </a:extLst>
           </p:cNvPr>
@@ -11629,7 +11869,7 @@
             <p:cNvPr id="15" name="テキスト ボックス 14">
               <a:extLst>
                 <a:ext uri="{FF2B5EF4-FFF2-40B4-BE49-F238E27FC236}">
-                  <a16:creationId xmlns:a16="http://schemas.microsoft.com/office/drawing/2014/main" id="{5D8BDFCD-27AA-4585-93AC-510F8A42AE65}"/>
+                  <a16:creationId xmlns:a16="http://schemas.microsoft.com/office/drawing/2014/main" xmlns="" id="{5D8BDFCD-27AA-4585-93AC-510F8A42AE65}"/>
                 </a:ext>
               </a:extLst>
             </p:cNvPr>
@@ -11704,7 +11944,7 @@
             <p:cNvPr id="16" name="テキスト ボックス 15">
               <a:extLst>
                 <a:ext uri="{FF2B5EF4-FFF2-40B4-BE49-F238E27FC236}">
-                  <a16:creationId xmlns:a16="http://schemas.microsoft.com/office/drawing/2014/main" id="{81D394BC-FD7D-4B74-B0B5-6CFC2EAA3227}"/>
+                  <a16:creationId xmlns:a16="http://schemas.microsoft.com/office/drawing/2014/main" xmlns="" id="{81D394BC-FD7D-4B74-B0B5-6CFC2EAA3227}"/>
                 </a:ext>
               </a:extLst>
             </p:cNvPr>
@@ -11740,7 +11980,7 @@
           <p:cNvPr id="20" name="四角形: 角を丸くする 19">
             <a:extLst>
               <a:ext uri="{FF2B5EF4-FFF2-40B4-BE49-F238E27FC236}">
-                <a16:creationId xmlns:a16="http://schemas.microsoft.com/office/drawing/2014/main" id="{DA09583A-4504-48AC-AC6B-F0FD16C48238}"/>
+                <a16:creationId xmlns:a16="http://schemas.microsoft.com/office/drawing/2014/main" xmlns="" id="{DA09583A-4504-48AC-AC6B-F0FD16C48238}"/>
               </a:ext>
             </a:extLst>
           </p:cNvPr>
@@ -11792,7 +12032,7 @@
           <p:cNvPr id="21" name="直線矢印コネクタ 20">
             <a:extLst>
               <a:ext uri="{FF2B5EF4-FFF2-40B4-BE49-F238E27FC236}">
-                <a16:creationId xmlns:a16="http://schemas.microsoft.com/office/drawing/2014/main" id="{E5713EC2-CBC8-4B33-A36B-E8F6E86C7474}"/>
+                <a16:creationId xmlns:a16="http://schemas.microsoft.com/office/drawing/2014/main" xmlns="" id="{E5713EC2-CBC8-4B33-A36B-E8F6E86C7474}"/>
               </a:ext>
             </a:extLst>
           </p:cNvPr>
@@ -11838,7 +12078,7 @@
           <p:cNvPr id="25" name="四角形: 角を丸くする 24">
             <a:extLst>
               <a:ext uri="{FF2B5EF4-FFF2-40B4-BE49-F238E27FC236}">
-                <a16:creationId xmlns:a16="http://schemas.microsoft.com/office/drawing/2014/main" id="{4D0F0508-082B-46BD-AD86-047D6A2AADDE}"/>
+                <a16:creationId xmlns:a16="http://schemas.microsoft.com/office/drawing/2014/main" xmlns="" id="{4D0F0508-082B-46BD-AD86-047D6A2AADDE}"/>
               </a:ext>
             </a:extLst>
           </p:cNvPr>
@@ -11890,7 +12130,7 @@
           <p:cNvPr id="30" name="フリーフォーム: 図形 29">
             <a:extLst>
               <a:ext uri="{FF2B5EF4-FFF2-40B4-BE49-F238E27FC236}">
-                <a16:creationId xmlns:a16="http://schemas.microsoft.com/office/drawing/2014/main" id="{1FE933D4-85E9-4B7A-ADF7-23CD1DB2A88C}"/>
+                <a16:creationId xmlns:a16="http://schemas.microsoft.com/office/drawing/2014/main" xmlns="" id="{1FE933D4-85E9-4B7A-ADF7-23CD1DB2A88C}"/>
               </a:ext>
             </a:extLst>
           </p:cNvPr>
@@ -12022,7 +12262,7 @@
           <p:cNvPr id="31" name="グループ化 30">
             <a:extLst>
               <a:ext uri="{FF2B5EF4-FFF2-40B4-BE49-F238E27FC236}">
-                <a16:creationId xmlns:a16="http://schemas.microsoft.com/office/drawing/2014/main" id="{93CCA50A-16C7-4273-A9FB-0A653C2C387E}"/>
+                <a16:creationId xmlns:a16="http://schemas.microsoft.com/office/drawing/2014/main" xmlns="" id="{93CCA50A-16C7-4273-A9FB-0A653C2C387E}"/>
               </a:ext>
             </a:extLst>
           </p:cNvPr>
@@ -12042,7 +12282,7 @@
             <p:cNvPr id="32" name="テキスト ボックス 31">
               <a:extLst>
                 <a:ext uri="{FF2B5EF4-FFF2-40B4-BE49-F238E27FC236}">
-                  <a16:creationId xmlns:a16="http://schemas.microsoft.com/office/drawing/2014/main" id="{51BC3D45-5C59-487B-9326-B848D2795265}"/>
+                  <a16:creationId xmlns:a16="http://schemas.microsoft.com/office/drawing/2014/main" xmlns="" id="{51BC3D45-5C59-487B-9326-B848D2795265}"/>
                 </a:ext>
               </a:extLst>
             </p:cNvPr>
@@ -12093,7 +12333,7 @@
             <p:cNvPr id="33" name="テキスト ボックス 32">
               <a:extLst>
                 <a:ext uri="{FF2B5EF4-FFF2-40B4-BE49-F238E27FC236}">
-                  <a16:creationId xmlns:a16="http://schemas.microsoft.com/office/drawing/2014/main" id="{C7BF6222-80CD-416A-A0BF-636B1F317B87}"/>
+                  <a16:creationId xmlns:a16="http://schemas.microsoft.com/office/drawing/2014/main" xmlns="" id="{C7BF6222-80CD-416A-A0BF-636B1F317B87}"/>
                 </a:ext>
               </a:extLst>
             </p:cNvPr>
@@ -12159,7 +12399,7 @@
           <p:cNvPr id="4" name="テキスト ボックス 3">
             <a:extLst>
               <a:ext uri="{FF2B5EF4-FFF2-40B4-BE49-F238E27FC236}">
-                <a16:creationId xmlns:a16="http://schemas.microsoft.com/office/drawing/2014/main" id="{CFED29EE-AF3E-4341-969E-62CE8E0A3F31}"/>
+                <a16:creationId xmlns:a16="http://schemas.microsoft.com/office/drawing/2014/main" xmlns="" id="{CFED29EE-AF3E-4341-969E-62CE8E0A3F31}"/>
               </a:ext>
             </a:extLst>
           </p:cNvPr>
@@ -12194,7 +12434,7 @@
           <p:cNvPr id="5" name="テキスト ボックス 4">
             <a:extLst>
               <a:ext uri="{FF2B5EF4-FFF2-40B4-BE49-F238E27FC236}">
-                <a16:creationId xmlns:a16="http://schemas.microsoft.com/office/drawing/2014/main" id="{EBDCDFD7-929B-4DBF-BA2E-980EE71F8427}"/>
+                <a16:creationId xmlns:a16="http://schemas.microsoft.com/office/drawing/2014/main" xmlns="" id="{EBDCDFD7-929B-4DBF-BA2E-980EE71F8427}"/>
               </a:ext>
             </a:extLst>
           </p:cNvPr>
@@ -12357,7 +12597,7 @@
           <p:cNvPr id="9" name="テキスト ボックス 8">
             <a:extLst>
               <a:ext uri="{FF2B5EF4-FFF2-40B4-BE49-F238E27FC236}">
-                <a16:creationId xmlns:a16="http://schemas.microsoft.com/office/drawing/2014/main" id="{14E72353-C904-4A0B-BA69-50B235C2EE8F}"/>
+                <a16:creationId xmlns:a16="http://schemas.microsoft.com/office/drawing/2014/main" xmlns="" id="{14E72353-C904-4A0B-BA69-50B235C2EE8F}"/>
               </a:ext>
             </a:extLst>
           </p:cNvPr>
@@ -12419,7 +12659,7 @@
           <p:cNvPr id="2" name="スライド番号プレースホルダー 1">
             <a:extLst>
               <a:ext uri="{FF2B5EF4-FFF2-40B4-BE49-F238E27FC236}">
-                <a16:creationId xmlns:a16="http://schemas.microsoft.com/office/drawing/2014/main" id="{1820F812-8A46-4AF8-9209-114EE33E8EA9}"/>
+                <a16:creationId xmlns:a16="http://schemas.microsoft.com/office/drawing/2014/main" xmlns="" id="{1820F812-8A46-4AF8-9209-114EE33E8EA9}"/>
               </a:ext>
             </a:extLst>
           </p:cNvPr>
@@ -12478,7 +12718,7 @@
           <p:cNvPr id="5" name="Shape 130">
             <a:extLst>
               <a:ext uri="{FF2B5EF4-FFF2-40B4-BE49-F238E27FC236}">
-                <a16:creationId xmlns:a16="http://schemas.microsoft.com/office/drawing/2014/main" id="{A6551EB4-F459-4E50-83D7-2A1C930077BE}"/>
+                <a16:creationId xmlns:a16="http://schemas.microsoft.com/office/drawing/2014/main" xmlns="" id="{A6551EB4-F459-4E50-83D7-2A1C930077BE}"/>
               </a:ext>
             </a:extLst>
           </p:cNvPr>
@@ -12498,7 +12738,7 @@
           </a:ln>
           <a:extLst>
             <a:ext uri="{C572A759-6A51-4108-AA02-DFA0A04FC94B}">
-              <ma14:wrappingTextBoxFlag xmlns="" xmlns:ma14="http://schemas.microsoft.com/office/mac/drawingml/2011/main" val="1"/>
+              <ma14:wrappingTextBoxFlag xmlns:ma14="http://schemas.microsoft.com/office/mac/drawingml/2011/main" xmlns="" val="1"/>
             </a:ext>
           </a:extLst>
         </p:spPr>
@@ -12528,7 +12768,7 @@
           <p:cNvPr id="2" name="テキスト ボックス 1">
             <a:extLst>
               <a:ext uri="{FF2B5EF4-FFF2-40B4-BE49-F238E27FC236}">
-                <a16:creationId xmlns:a16="http://schemas.microsoft.com/office/drawing/2014/main" id="{13BF6981-F9E6-4F88-9388-C45999E02726}"/>
+                <a16:creationId xmlns:a16="http://schemas.microsoft.com/office/drawing/2014/main" xmlns="" id="{13BF6981-F9E6-4F88-9388-C45999E02726}"/>
               </a:ext>
             </a:extLst>
           </p:cNvPr>
@@ -12607,7 +12847,7 @@
           <p:cNvPr id="3" name="スライド番号プレースホルダー 2">
             <a:extLst>
               <a:ext uri="{FF2B5EF4-FFF2-40B4-BE49-F238E27FC236}">
-                <a16:creationId xmlns:a16="http://schemas.microsoft.com/office/drawing/2014/main" id="{94936D4F-379D-40B9-AC4D-09D42B6E3930}"/>
+                <a16:creationId xmlns:a16="http://schemas.microsoft.com/office/drawing/2014/main" xmlns="" id="{94936D4F-379D-40B9-AC4D-09D42B6E3930}"/>
               </a:ext>
             </a:extLst>
           </p:cNvPr>
@@ -12666,7 +12906,7 @@
           <p:cNvPr id="2" name="Shape 130">
             <a:extLst>
               <a:ext uri="{FF2B5EF4-FFF2-40B4-BE49-F238E27FC236}">
-                <a16:creationId xmlns:a16="http://schemas.microsoft.com/office/drawing/2014/main" id="{92EB54BB-904F-4CF2-BDFE-16A2F60DE5FD}"/>
+                <a16:creationId xmlns:a16="http://schemas.microsoft.com/office/drawing/2014/main" xmlns="" id="{92EB54BB-904F-4CF2-BDFE-16A2F60DE5FD}"/>
               </a:ext>
             </a:extLst>
           </p:cNvPr>
@@ -12686,7 +12926,7 @@
           </a:ln>
           <a:extLst>
             <a:ext uri="{C572A759-6A51-4108-AA02-DFA0A04FC94B}">
-              <ma14:wrappingTextBoxFlag xmlns:ma14="http://schemas.microsoft.com/office/mac/drawingml/2011/main" xmlns="" val="1"/>
+              <ma14:wrappingTextBoxFlag xmlns="" xmlns:ma14="http://schemas.microsoft.com/office/mac/drawingml/2011/main" val="1"/>
             </a:ext>
           </a:extLst>
         </p:spPr>
@@ -12729,7 +12969,7 @@
           <p:cNvPr id="3" name="テキスト ボックス 2">
             <a:extLst>
               <a:ext uri="{FF2B5EF4-FFF2-40B4-BE49-F238E27FC236}">
-                <a16:creationId xmlns:a16="http://schemas.microsoft.com/office/drawing/2014/main" id="{83E87FCE-2FC0-48C7-9990-3F15E9128131}"/>
+                <a16:creationId xmlns:a16="http://schemas.microsoft.com/office/drawing/2014/main" xmlns="" id="{83E87FCE-2FC0-48C7-9990-3F15E9128131}"/>
               </a:ext>
             </a:extLst>
           </p:cNvPr>
@@ -12772,7 +13012,7 @@
           <p:cNvPr id="15" name="グループ化 14">
             <a:extLst>
               <a:ext uri="{FF2B5EF4-FFF2-40B4-BE49-F238E27FC236}">
-                <a16:creationId xmlns:a16="http://schemas.microsoft.com/office/drawing/2014/main" id="{739308EC-4AC0-4020-B2F2-ACCB7676C6D1}"/>
+                <a16:creationId xmlns:a16="http://schemas.microsoft.com/office/drawing/2014/main" xmlns="" id="{739308EC-4AC0-4020-B2F2-ACCB7676C6D1}"/>
               </a:ext>
             </a:extLst>
           </p:cNvPr>
@@ -12792,7 +13032,7 @@
             <p:cNvPr id="7" name="テキスト ボックス 6">
               <a:extLst>
                 <a:ext uri="{FF2B5EF4-FFF2-40B4-BE49-F238E27FC236}">
-                  <a16:creationId xmlns:a16="http://schemas.microsoft.com/office/drawing/2014/main" id="{8D3B9828-F75C-4757-9B2A-F9C223877DD5}"/>
+                  <a16:creationId xmlns:a16="http://schemas.microsoft.com/office/drawing/2014/main" xmlns="" id="{8D3B9828-F75C-4757-9B2A-F9C223877DD5}"/>
                 </a:ext>
               </a:extLst>
             </p:cNvPr>
@@ -12827,7 +13067,7 @@
             <p:cNvPr id="8" name="正方形/長方形 7">
               <a:extLst>
                 <a:ext uri="{FF2B5EF4-FFF2-40B4-BE49-F238E27FC236}">
-                  <a16:creationId xmlns:a16="http://schemas.microsoft.com/office/drawing/2014/main" id="{43238B85-3D49-48BF-9B70-97C0E759C44F}"/>
+                  <a16:creationId xmlns:a16="http://schemas.microsoft.com/office/drawing/2014/main" xmlns="" id="{43238B85-3D49-48BF-9B70-97C0E759C44F}"/>
                 </a:ext>
               </a:extLst>
             </p:cNvPr>
@@ -12875,7 +13115,7 @@
           <p:cNvPr id="17" name="グループ化 16">
             <a:extLst>
               <a:ext uri="{FF2B5EF4-FFF2-40B4-BE49-F238E27FC236}">
-                <a16:creationId xmlns:a16="http://schemas.microsoft.com/office/drawing/2014/main" id="{959AF652-33B2-40E3-8202-4F965430BBD9}"/>
+                <a16:creationId xmlns:a16="http://schemas.microsoft.com/office/drawing/2014/main" xmlns="" id="{959AF652-33B2-40E3-8202-4F965430BBD9}"/>
               </a:ext>
             </a:extLst>
           </p:cNvPr>
@@ -12895,7 +13135,7 @@
             <p:cNvPr id="11" name="テキスト ボックス 10">
               <a:extLst>
                 <a:ext uri="{FF2B5EF4-FFF2-40B4-BE49-F238E27FC236}">
-                  <a16:creationId xmlns:a16="http://schemas.microsoft.com/office/drawing/2014/main" id="{0A5DB387-BEBF-4ED9-8EA1-DAD4C84C2735}"/>
+                  <a16:creationId xmlns:a16="http://schemas.microsoft.com/office/drawing/2014/main" xmlns="" id="{0A5DB387-BEBF-4ED9-8EA1-DAD4C84C2735}"/>
                 </a:ext>
               </a:extLst>
             </p:cNvPr>
@@ -12930,7 +13170,7 @@
             <p:cNvPr id="12" name="正方形/長方形 11">
               <a:extLst>
                 <a:ext uri="{FF2B5EF4-FFF2-40B4-BE49-F238E27FC236}">
-                  <a16:creationId xmlns:a16="http://schemas.microsoft.com/office/drawing/2014/main" id="{577166CC-C397-4CB3-B31D-EB819E8077C9}"/>
+                  <a16:creationId xmlns:a16="http://schemas.microsoft.com/office/drawing/2014/main" xmlns="" id="{577166CC-C397-4CB3-B31D-EB819E8077C9}"/>
                 </a:ext>
               </a:extLst>
             </p:cNvPr>
@@ -12984,7 +13224,7 @@
           <p:cNvPr id="18" name="グループ化 17">
             <a:extLst>
               <a:ext uri="{FF2B5EF4-FFF2-40B4-BE49-F238E27FC236}">
-                <a16:creationId xmlns:a16="http://schemas.microsoft.com/office/drawing/2014/main" id="{F45F32D6-8288-4E94-A27B-9E278A8262CA}"/>
+                <a16:creationId xmlns:a16="http://schemas.microsoft.com/office/drawing/2014/main" xmlns="" id="{F45F32D6-8288-4E94-A27B-9E278A8262CA}"/>
               </a:ext>
             </a:extLst>
           </p:cNvPr>
@@ -13004,7 +13244,7 @@
             <p:cNvPr id="13" name="テキスト ボックス 12">
               <a:extLst>
                 <a:ext uri="{FF2B5EF4-FFF2-40B4-BE49-F238E27FC236}">
-                  <a16:creationId xmlns:a16="http://schemas.microsoft.com/office/drawing/2014/main" id="{459FAE0D-A077-48F2-9665-704DBE831D2E}"/>
+                  <a16:creationId xmlns:a16="http://schemas.microsoft.com/office/drawing/2014/main" xmlns="" id="{459FAE0D-A077-48F2-9665-704DBE831D2E}"/>
                 </a:ext>
               </a:extLst>
             </p:cNvPr>
@@ -13039,7 +13279,7 @@
             <p:cNvPr id="14" name="正方形/長方形 13">
               <a:extLst>
                 <a:ext uri="{FF2B5EF4-FFF2-40B4-BE49-F238E27FC236}">
-                  <a16:creationId xmlns:a16="http://schemas.microsoft.com/office/drawing/2014/main" id="{5A8FCF66-69D3-4191-99CD-69D716F63D48}"/>
+                  <a16:creationId xmlns:a16="http://schemas.microsoft.com/office/drawing/2014/main" xmlns="" id="{5A8FCF66-69D3-4191-99CD-69D716F63D48}"/>
                 </a:ext>
               </a:extLst>
             </p:cNvPr>
@@ -13096,7 +13336,7 @@
           <p:cNvPr id="19" name="グループ化 18">
             <a:extLst>
               <a:ext uri="{FF2B5EF4-FFF2-40B4-BE49-F238E27FC236}">
-                <a16:creationId xmlns:a16="http://schemas.microsoft.com/office/drawing/2014/main" id="{D341D49B-993C-4793-B477-0B0E200BD9F7}"/>
+                <a16:creationId xmlns:a16="http://schemas.microsoft.com/office/drawing/2014/main" xmlns="" id="{D341D49B-993C-4793-B477-0B0E200BD9F7}"/>
               </a:ext>
             </a:extLst>
           </p:cNvPr>
@@ -13116,7 +13356,7 @@
             <p:cNvPr id="20" name="テキスト ボックス 19">
               <a:extLst>
                 <a:ext uri="{FF2B5EF4-FFF2-40B4-BE49-F238E27FC236}">
-                  <a16:creationId xmlns:a16="http://schemas.microsoft.com/office/drawing/2014/main" id="{66E8F48F-26D1-4996-97B1-8770B1FECD8D}"/>
+                  <a16:creationId xmlns:a16="http://schemas.microsoft.com/office/drawing/2014/main" xmlns="" id="{66E8F48F-26D1-4996-97B1-8770B1FECD8D}"/>
                 </a:ext>
               </a:extLst>
             </p:cNvPr>
@@ -13151,7 +13391,7 @@
             <p:cNvPr id="21" name="正方形/長方形 20">
               <a:extLst>
                 <a:ext uri="{FF2B5EF4-FFF2-40B4-BE49-F238E27FC236}">
-                  <a16:creationId xmlns:a16="http://schemas.microsoft.com/office/drawing/2014/main" id="{EFFDE1C0-1657-481A-AFEE-EA37E5BEC69E}"/>
+                  <a16:creationId xmlns:a16="http://schemas.microsoft.com/office/drawing/2014/main" xmlns="" id="{EFFDE1C0-1657-481A-AFEE-EA37E5BEC69E}"/>
                 </a:ext>
               </a:extLst>
             </p:cNvPr>
@@ -13187,7 +13427,7 @@
           <p:cNvPr id="22" name="グループ化 21">
             <a:extLst>
               <a:ext uri="{FF2B5EF4-FFF2-40B4-BE49-F238E27FC236}">
-                <a16:creationId xmlns:a16="http://schemas.microsoft.com/office/drawing/2014/main" id="{7029618F-109D-4D65-9993-3840B940A733}"/>
+                <a16:creationId xmlns:a16="http://schemas.microsoft.com/office/drawing/2014/main" xmlns="" id="{7029618F-109D-4D65-9993-3840B940A733}"/>
               </a:ext>
             </a:extLst>
           </p:cNvPr>
@@ -13207,7 +13447,7 @@
             <p:cNvPr id="23" name="テキスト ボックス 22">
               <a:extLst>
                 <a:ext uri="{FF2B5EF4-FFF2-40B4-BE49-F238E27FC236}">
-                  <a16:creationId xmlns:a16="http://schemas.microsoft.com/office/drawing/2014/main" id="{9C725636-0C55-4944-975F-E6EE1C577CC0}"/>
+                  <a16:creationId xmlns:a16="http://schemas.microsoft.com/office/drawing/2014/main" xmlns="" id="{9C725636-0C55-4944-975F-E6EE1C577CC0}"/>
                 </a:ext>
               </a:extLst>
             </p:cNvPr>
@@ -13242,7 +13482,7 @@
             <p:cNvPr id="24" name="正方形/長方形 23">
               <a:extLst>
                 <a:ext uri="{FF2B5EF4-FFF2-40B4-BE49-F238E27FC236}">
-                  <a16:creationId xmlns:a16="http://schemas.microsoft.com/office/drawing/2014/main" id="{29768965-4E74-4B3E-88AF-57FC36FB322B}"/>
+                  <a16:creationId xmlns:a16="http://schemas.microsoft.com/office/drawing/2014/main" xmlns="" id="{29768965-4E74-4B3E-88AF-57FC36FB322B}"/>
                 </a:ext>
               </a:extLst>
             </p:cNvPr>
@@ -13329,7 +13569,7 @@
           <p:cNvPr id="4" name="スライド番号プレースホルダー 3">
             <a:extLst>
               <a:ext uri="{FF2B5EF4-FFF2-40B4-BE49-F238E27FC236}">
-                <a16:creationId xmlns:a16="http://schemas.microsoft.com/office/drawing/2014/main" id="{AB6BBAE0-075C-48B5-96F6-D93BE4C39A28}"/>
+                <a16:creationId xmlns:a16="http://schemas.microsoft.com/office/drawing/2014/main" xmlns="" id="{AB6BBAE0-075C-48B5-96F6-D93BE4C39A28}"/>
               </a:ext>
             </a:extLst>
           </p:cNvPr>
@@ -13388,7 +13628,7 @@
           <p:cNvPr id="4" name="Shape 130">
             <a:extLst>
               <a:ext uri="{FF2B5EF4-FFF2-40B4-BE49-F238E27FC236}">
-                <a16:creationId xmlns:a16="http://schemas.microsoft.com/office/drawing/2014/main" id="{925B04DB-30E4-42E2-80C9-D742CED3A8D8}"/>
+                <a16:creationId xmlns:a16="http://schemas.microsoft.com/office/drawing/2014/main" xmlns="" id="{925B04DB-30E4-42E2-80C9-D742CED3A8D8}"/>
               </a:ext>
             </a:extLst>
           </p:cNvPr>
@@ -13408,7 +13648,7 @@
           </a:ln>
           <a:extLst>
             <a:ext uri="{C572A759-6A51-4108-AA02-DFA0A04FC94B}">
-              <ma14:wrappingTextBoxFlag xmlns:ma14="http://schemas.microsoft.com/office/mac/drawingml/2011/main" xmlns="" val="1"/>
+              <ma14:wrappingTextBoxFlag xmlns="" xmlns:ma14="http://schemas.microsoft.com/office/mac/drawingml/2011/main" val="1"/>
             </a:ext>
           </a:extLst>
         </p:spPr>
@@ -13439,7 +13679,7 @@
           <p:cNvPr id="2" name="テキスト ボックス 1">
             <a:extLst>
               <a:ext uri="{FF2B5EF4-FFF2-40B4-BE49-F238E27FC236}">
-                <a16:creationId xmlns:a16="http://schemas.microsoft.com/office/drawing/2014/main" id="{64A833D5-5AB2-488D-A54D-E9CDA5738841}"/>
+                <a16:creationId xmlns:a16="http://schemas.microsoft.com/office/drawing/2014/main" xmlns="" id="{64A833D5-5AB2-488D-A54D-E9CDA5738841}"/>
               </a:ext>
             </a:extLst>
           </p:cNvPr>
@@ -13475,7 +13715,7 @@
           <p:cNvPr id="6" name="テキスト ボックス 5">
             <a:extLst>
               <a:ext uri="{FF2B5EF4-FFF2-40B4-BE49-F238E27FC236}">
-                <a16:creationId xmlns:a16="http://schemas.microsoft.com/office/drawing/2014/main" id="{3584E5C0-5BA4-49BA-B1F6-15F4C82108C1}"/>
+                <a16:creationId xmlns:a16="http://schemas.microsoft.com/office/drawing/2014/main" xmlns="" id="{3584E5C0-5BA4-49BA-B1F6-15F4C82108C1}"/>
               </a:ext>
             </a:extLst>
           </p:cNvPr>
@@ -13511,7 +13751,7 @@
           <p:cNvPr id="7" name="テキスト ボックス 6">
             <a:extLst>
               <a:ext uri="{FF2B5EF4-FFF2-40B4-BE49-F238E27FC236}">
-                <a16:creationId xmlns:a16="http://schemas.microsoft.com/office/drawing/2014/main" id="{1E75CFAD-D320-49CE-BFDB-2AF74B9D6F09}"/>
+                <a16:creationId xmlns:a16="http://schemas.microsoft.com/office/drawing/2014/main" xmlns="" id="{1E75CFAD-D320-49CE-BFDB-2AF74B9D6F09}"/>
               </a:ext>
             </a:extLst>
           </p:cNvPr>
@@ -13521,7 +13761,7 @@
         <p:spPr>
           <a:xfrm>
             <a:off x="1445015" y="3037834"/>
-            <a:ext cx="8071440" cy="2677656"/>
+            <a:ext cx="7047122" cy="2677656"/>
           </a:xfrm>
           <a:prstGeom prst="rect">
             <a:avLst/>
@@ -13544,23 +13784,15 @@
                   <a:srgbClr val="FF0000"/>
                 </a:solidFill>
               </a:rPr>
-              <a:t>任意の数式</a:t>
-            </a:r>
-            <a:r>
-              <a:rPr lang="ja-JP" altLang="en-US" sz="2800" dirty="0">
+              <a:t>任意の</a:t>
+            </a:r>
+            <a:r>
+              <a:rPr kumimoji="1" lang="ja-JP" altLang="en-US" sz="2800" dirty="0" smtClean="0">
                 <a:solidFill>
                   <a:srgbClr val="FF0000"/>
                 </a:solidFill>
               </a:rPr>
-              <a:t>したモデルを</a:t>
-            </a:r>
-            <a:r>
-              <a:rPr kumimoji="1" lang="ja-JP" altLang="en-US" sz="2800" dirty="0">
-                <a:solidFill>
-                  <a:srgbClr val="FF0000"/>
-                </a:solidFill>
-              </a:rPr>
-              <a:t>作成できるようになる</a:t>
+              <a:t>数式を計算できるようになる</a:t>
             </a:r>
             <a:endParaRPr kumimoji="1" lang="en-US" altLang="ja-JP" sz="2800" dirty="0">
               <a:solidFill>
@@ -13642,7 +13874,7 @@
           <p:cNvPr id="3" name="スライド番号プレースホルダー 2">
             <a:extLst>
               <a:ext uri="{FF2B5EF4-FFF2-40B4-BE49-F238E27FC236}">
-                <a16:creationId xmlns:a16="http://schemas.microsoft.com/office/drawing/2014/main" id="{C03CFA8D-F255-47FE-9956-D3EE57D24708}"/>
+                <a16:creationId xmlns:a16="http://schemas.microsoft.com/office/drawing/2014/main" xmlns="" id="{C03CFA8D-F255-47FE-9956-D3EE57D24708}"/>
               </a:ext>
             </a:extLst>
           </p:cNvPr>
@@ -13701,7 +13933,7 @@
           <p:cNvPr id="4" name="テキスト ボックス 3">
             <a:extLst>
               <a:ext uri="{FF2B5EF4-FFF2-40B4-BE49-F238E27FC236}">
-                <a16:creationId xmlns:a16="http://schemas.microsoft.com/office/drawing/2014/main" id="{D9C0262B-5F32-4F83-A4E4-EDBFDFC0F153}"/>
+                <a16:creationId xmlns:a16="http://schemas.microsoft.com/office/drawing/2014/main" xmlns="" id="{D9C0262B-5F32-4F83-A4E4-EDBFDFC0F153}"/>
               </a:ext>
             </a:extLst>
           </p:cNvPr>
@@ -13761,7 +13993,7 @@
           <p:cNvPr id="5" name="テキスト ボックス 4">
             <a:extLst>
               <a:ext uri="{FF2B5EF4-FFF2-40B4-BE49-F238E27FC236}">
-                <a16:creationId xmlns:a16="http://schemas.microsoft.com/office/drawing/2014/main" id="{37A7CE71-1BE4-427B-8F82-7939D606B66F}"/>
+                <a16:creationId xmlns:a16="http://schemas.microsoft.com/office/drawing/2014/main" xmlns="" id="{37A7CE71-1BE4-427B-8F82-7939D606B66F}"/>
               </a:ext>
             </a:extLst>
           </p:cNvPr>
@@ -13802,7 +14034,7 @@
           <p:cNvPr id="7" name="テキスト ボックス 6">
             <a:extLst>
               <a:ext uri="{FF2B5EF4-FFF2-40B4-BE49-F238E27FC236}">
-                <a16:creationId xmlns:a16="http://schemas.microsoft.com/office/drawing/2014/main" id="{2FFD9C86-512F-4831-8CE6-E9F79FABFB15}"/>
+                <a16:creationId xmlns:a16="http://schemas.microsoft.com/office/drawing/2014/main" xmlns="" id="{2FFD9C86-512F-4831-8CE6-E9F79FABFB15}"/>
               </a:ext>
             </a:extLst>
           </p:cNvPr>
@@ -13938,7 +14170,7 @@
           <p:cNvPr id="20" name="グループ化 19">
             <a:extLst>
               <a:ext uri="{FF2B5EF4-FFF2-40B4-BE49-F238E27FC236}">
-                <a16:creationId xmlns:a16="http://schemas.microsoft.com/office/drawing/2014/main" id="{6D7A4F56-9230-41C4-9D60-AC3A7A69973D}"/>
+                <a16:creationId xmlns:a16="http://schemas.microsoft.com/office/drawing/2014/main" xmlns="" id="{6D7A4F56-9230-41C4-9D60-AC3A7A69973D}"/>
               </a:ext>
             </a:extLst>
           </p:cNvPr>
@@ -13958,7 +14190,7 @@
             <p:cNvPr id="8" name="正方形/長方形 7">
               <a:extLst>
                 <a:ext uri="{FF2B5EF4-FFF2-40B4-BE49-F238E27FC236}">
-                  <a16:creationId xmlns:a16="http://schemas.microsoft.com/office/drawing/2014/main" id="{7100C49F-AA29-4C4E-AD64-C132389D4574}"/>
+                  <a16:creationId xmlns:a16="http://schemas.microsoft.com/office/drawing/2014/main" xmlns="" id="{7100C49F-AA29-4C4E-AD64-C132389D4574}"/>
                 </a:ext>
               </a:extLst>
             </p:cNvPr>
@@ -14022,7 +14254,7 @@
             <p:cNvPr id="9" name="正方形/長方形 8">
               <a:extLst>
                 <a:ext uri="{FF2B5EF4-FFF2-40B4-BE49-F238E27FC236}">
-                  <a16:creationId xmlns:a16="http://schemas.microsoft.com/office/drawing/2014/main" id="{4158DB65-0899-4086-B5D2-B7212B717321}"/>
+                  <a16:creationId xmlns:a16="http://schemas.microsoft.com/office/drawing/2014/main" xmlns="" id="{4158DB65-0899-4086-B5D2-B7212B717321}"/>
                 </a:ext>
               </a:extLst>
             </p:cNvPr>
@@ -14123,7 +14355,7 @@
             <p:cNvPr id="10" name="正方形/長方形 9">
               <a:extLst>
                 <a:ext uri="{FF2B5EF4-FFF2-40B4-BE49-F238E27FC236}">
-                  <a16:creationId xmlns:a16="http://schemas.microsoft.com/office/drawing/2014/main" id="{F8AE704A-6F9D-4A26-9C91-30736D5F488A}"/>
+                  <a16:creationId xmlns:a16="http://schemas.microsoft.com/office/drawing/2014/main" xmlns="" id="{F8AE704A-6F9D-4A26-9C91-30736D5F488A}"/>
                 </a:ext>
               </a:extLst>
             </p:cNvPr>
@@ -14175,7 +14407,7 @@
             <p:cNvPr id="11" name="正方形/長方形 10">
               <a:extLst>
                 <a:ext uri="{FF2B5EF4-FFF2-40B4-BE49-F238E27FC236}">
-                  <a16:creationId xmlns:a16="http://schemas.microsoft.com/office/drawing/2014/main" id="{7726E29E-BA6F-4785-BA8F-840227CA4BCC}"/>
+                  <a16:creationId xmlns:a16="http://schemas.microsoft.com/office/drawing/2014/main" xmlns="" id="{7726E29E-BA6F-4785-BA8F-840227CA4BCC}"/>
                 </a:ext>
               </a:extLst>
             </p:cNvPr>
@@ -14227,7 +14459,7 @@
             <p:cNvPr id="13" name="直線コネクタ 12">
               <a:extLst>
                 <a:ext uri="{FF2B5EF4-FFF2-40B4-BE49-F238E27FC236}">
-                  <a16:creationId xmlns:a16="http://schemas.microsoft.com/office/drawing/2014/main" id="{73A866B4-448D-4790-B320-03CEDCF91F62}"/>
+                  <a16:creationId xmlns:a16="http://schemas.microsoft.com/office/drawing/2014/main" xmlns="" id="{73A866B4-448D-4790-B320-03CEDCF91F62}"/>
                 </a:ext>
               </a:extLst>
             </p:cNvPr>
@@ -14273,7 +14505,7 @@
             <p:cNvPr id="15" name="正方形/長方形 14">
               <a:extLst>
                 <a:ext uri="{FF2B5EF4-FFF2-40B4-BE49-F238E27FC236}">
-                  <a16:creationId xmlns:a16="http://schemas.microsoft.com/office/drawing/2014/main" id="{31EA4E1D-ABF5-410E-98B0-D50F1C08577B}"/>
+                  <a16:creationId xmlns:a16="http://schemas.microsoft.com/office/drawing/2014/main" xmlns="" id="{31EA4E1D-ABF5-410E-98B0-D50F1C08577B}"/>
                 </a:ext>
               </a:extLst>
             </p:cNvPr>
@@ -14325,7 +14557,7 @@
             <p:cNvPr id="16" name="テキスト ボックス 15">
               <a:extLst>
                 <a:ext uri="{FF2B5EF4-FFF2-40B4-BE49-F238E27FC236}">
-                  <a16:creationId xmlns:a16="http://schemas.microsoft.com/office/drawing/2014/main" id="{4F1F8CC3-F346-44A2-BFE6-7436A716A5A6}"/>
+                  <a16:creationId xmlns:a16="http://schemas.microsoft.com/office/drawing/2014/main" xmlns="" id="{4F1F8CC3-F346-44A2-BFE6-7436A716A5A6}"/>
                 </a:ext>
               </a:extLst>
             </p:cNvPr>
@@ -14372,7 +14604,7 @@
             <p:cNvPr id="17" name="テキスト ボックス 16">
               <a:extLst>
                 <a:ext uri="{FF2B5EF4-FFF2-40B4-BE49-F238E27FC236}">
-                  <a16:creationId xmlns:a16="http://schemas.microsoft.com/office/drawing/2014/main" id="{69D7C455-82DB-48ED-82EB-B54DC06BEA06}"/>
+                  <a16:creationId xmlns:a16="http://schemas.microsoft.com/office/drawing/2014/main" xmlns="" id="{69D7C455-82DB-48ED-82EB-B54DC06BEA06}"/>
                 </a:ext>
               </a:extLst>
             </p:cNvPr>
@@ -14407,7 +14639,7 @@
             <p:cNvPr id="18" name="テキスト ボックス 17">
               <a:extLst>
                 <a:ext uri="{FF2B5EF4-FFF2-40B4-BE49-F238E27FC236}">
-                  <a16:creationId xmlns:a16="http://schemas.microsoft.com/office/drawing/2014/main" id="{10F8ADF7-AF2C-41CA-BE40-44FCB85C49D1}"/>
+                  <a16:creationId xmlns:a16="http://schemas.microsoft.com/office/drawing/2014/main" xmlns="" id="{10F8ADF7-AF2C-41CA-BE40-44FCB85C49D1}"/>
                 </a:ext>
               </a:extLst>
             </p:cNvPr>
@@ -14443,7 +14675,7 @@
           <p:cNvPr id="19" name="Shape 130">
             <a:extLst>
               <a:ext uri="{FF2B5EF4-FFF2-40B4-BE49-F238E27FC236}">
-                <a16:creationId xmlns:a16="http://schemas.microsoft.com/office/drawing/2014/main" id="{B784A75F-E61D-4809-8B6B-EB47E17388D3}"/>
+                <a16:creationId xmlns:a16="http://schemas.microsoft.com/office/drawing/2014/main" xmlns="" id="{B784A75F-E61D-4809-8B6B-EB47E17388D3}"/>
               </a:ext>
             </a:extLst>
           </p:cNvPr>
@@ -14463,7 +14695,7 @@
           </a:ln>
           <a:extLst>
             <a:ext uri="{C572A759-6A51-4108-AA02-DFA0A04FC94B}">
-              <ma14:wrappingTextBoxFlag xmlns:ma14="http://schemas.microsoft.com/office/mac/drawingml/2011/main" xmlns="" val="1"/>
+              <ma14:wrappingTextBoxFlag xmlns="" xmlns:ma14="http://schemas.microsoft.com/office/mac/drawingml/2011/main" val="1"/>
             </a:ext>
           </a:extLst>
         </p:spPr>
@@ -14494,7 +14726,7 @@
           <p:cNvPr id="3" name="スライド番号プレースホルダー 2">
             <a:extLst>
               <a:ext uri="{FF2B5EF4-FFF2-40B4-BE49-F238E27FC236}">
-                <a16:creationId xmlns:a16="http://schemas.microsoft.com/office/drawing/2014/main" id="{B17CA329-AC7D-4459-A924-55E96642BCCF}"/>
+                <a16:creationId xmlns:a16="http://schemas.microsoft.com/office/drawing/2014/main" xmlns="" id="{B17CA329-AC7D-4459-A924-55E96642BCCF}"/>
               </a:ext>
             </a:extLst>
           </p:cNvPr>
@@ -14553,7 +14785,7 @@
           <p:cNvPr id="19" name="Shape 130">
             <a:extLst>
               <a:ext uri="{FF2B5EF4-FFF2-40B4-BE49-F238E27FC236}">
-                <a16:creationId xmlns:a16="http://schemas.microsoft.com/office/drawing/2014/main" id="{B784A75F-E61D-4809-8B6B-EB47E17388D3}"/>
+                <a16:creationId xmlns:a16="http://schemas.microsoft.com/office/drawing/2014/main" xmlns="" id="{B784A75F-E61D-4809-8B6B-EB47E17388D3}"/>
               </a:ext>
             </a:extLst>
           </p:cNvPr>
@@ -14573,7 +14805,7 @@
           </a:ln>
           <a:extLst>
             <a:ext uri="{C572A759-6A51-4108-AA02-DFA0A04FC94B}">
-              <ma14:wrappingTextBoxFlag xmlns:ma14="http://schemas.microsoft.com/office/mac/drawingml/2011/main" xmlns="" val="1"/>
+              <ma14:wrappingTextBoxFlag xmlns="" xmlns:ma14="http://schemas.microsoft.com/office/mac/drawingml/2011/main" val="1"/>
             </a:ext>
           </a:extLst>
         </p:spPr>
@@ -14604,7 +14836,7 @@
           <p:cNvPr id="2" name="表 1">
             <a:extLst>
               <a:ext uri="{FF2B5EF4-FFF2-40B4-BE49-F238E27FC236}">
-                <a16:creationId xmlns:a16="http://schemas.microsoft.com/office/drawing/2014/main" id="{ADC6D68B-5EFE-4781-8158-59C7097DD4EB}"/>
+                <a16:creationId xmlns:a16="http://schemas.microsoft.com/office/drawing/2014/main" xmlns="" id="{ADC6D68B-5EFE-4781-8158-59C7097DD4EB}"/>
               </a:ext>
             </a:extLst>
           </p:cNvPr>
@@ -14633,49 +14865,49 @@
                 <a:gridCol w="2533968">
                   <a:extLst>
                     <a:ext uri="{9D8B030D-6E8A-4147-A177-3AD203B41FA5}">
-                      <a16:colId xmlns:a16="http://schemas.microsoft.com/office/drawing/2014/main" val="2869928480"/>
+                      <a16:colId xmlns:a16="http://schemas.microsoft.com/office/drawing/2014/main" xmlns="" val="2869928480"/>
                     </a:ext>
                   </a:extLst>
                 </a:gridCol>
                 <a:gridCol w="1619568">
                   <a:extLst>
                     <a:ext uri="{9D8B030D-6E8A-4147-A177-3AD203B41FA5}">
-                      <a16:colId xmlns:a16="http://schemas.microsoft.com/office/drawing/2014/main" val="3708684436"/>
+                      <a16:colId xmlns:a16="http://schemas.microsoft.com/office/drawing/2014/main" xmlns="" val="3708684436"/>
                     </a:ext>
                   </a:extLst>
                 </a:gridCol>
                 <a:gridCol w="1198450">
                   <a:extLst>
                     <a:ext uri="{9D8B030D-6E8A-4147-A177-3AD203B41FA5}">
-                      <a16:colId xmlns:a16="http://schemas.microsoft.com/office/drawing/2014/main" val="3877242200"/>
+                      <a16:colId xmlns:a16="http://schemas.microsoft.com/office/drawing/2014/main" xmlns="" val="3877242200"/>
                     </a:ext>
                   </a:extLst>
                 </a:gridCol>
                 <a:gridCol w="1619568">
                   <a:extLst>
                     <a:ext uri="{9D8B030D-6E8A-4147-A177-3AD203B41FA5}">
-                      <a16:colId xmlns:a16="http://schemas.microsoft.com/office/drawing/2014/main" val="1228845434"/>
+                      <a16:colId xmlns:a16="http://schemas.microsoft.com/office/drawing/2014/main" xmlns="" val="1228845434"/>
                     </a:ext>
                   </a:extLst>
                 </a:gridCol>
                 <a:gridCol w="933768">
                   <a:extLst>
                     <a:ext uri="{9D8B030D-6E8A-4147-A177-3AD203B41FA5}">
-                      <a16:colId xmlns:a16="http://schemas.microsoft.com/office/drawing/2014/main" val="4141803925"/>
+                      <a16:colId xmlns:a16="http://schemas.microsoft.com/office/drawing/2014/main" xmlns="" val="4141803925"/>
                     </a:ext>
                   </a:extLst>
                 </a:gridCol>
                 <a:gridCol w="1489297">
                   <a:extLst>
                     <a:ext uri="{9D8B030D-6E8A-4147-A177-3AD203B41FA5}">
-                      <a16:colId xmlns:a16="http://schemas.microsoft.com/office/drawing/2014/main" val="873013535"/>
+                      <a16:colId xmlns:a16="http://schemas.microsoft.com/office/drawing/2014/main" xmlns="" val="873013535"/>
                     </a:ext>
                   </a:extLst>
                 </a:gridCol>
                 <a:gridCol w="1651318">
                   <a:extLst>
                     <a:ext uri="{9D8B030D-6E8A-4147-A177-3AD203B41FA5}">
-                      <a16:colId xmlns:a16="http://schemas.microsoft.com/office/drawing/2014/main" val="2271690460"/>
+                      <a16:colId xmlns:a16="http://schemas.microsoft.com/office/drawing/2014/main" xmlns="" val="2271690460"/>
                     </a:ext>
                   </a:extLst>
                 </a:gridCol>
@@ -14782,7 +15014,7 @@
                 </a:tc>
                 <a:extLst>
                   <a:ext uri="{0D108BD9-81ED-4DB2-BD59-A6C34878D82A}">
-                    <a16:rowId xmlns:a16="http://schemas.microsoft.com/office/drawing/2014/main" val="2840948024"/>
+                    <a16:rowId xmlns:a16="http://schemas.microsoft.com/office/drawing/2014/main" xmlns="" val="2840948024"/>
                   </a:ext>
                 </a:extLst>
               </a:tr>
@@ -14945,7 +15177,7 @@
                 </a:tc>
                 <a:extLst>
                   <a:ext uri="{0D108BD9-81ED-4DB2-BD59-A6C34878D82A}">
-                    <a16:rowId xmlns:a16="http://schemas.microsoft.com/office/drawing/2014/main" val="621826731"/>
+                    <a16:rowId xmlns:a16="http://schemas.microsoft.com/office/drawing/2014/main" xmlns="" val="621826731"/>
                   </a:ext>
                 </a:extLst>
               </a:tr>
@@ -15095,7 +15327,7 @@
                 </a:tc>
                 <a:extLst>
                   <a:ext uri="{0D108BD9-81ED-4DB2-BD59-A6C34878D82A}">
-                    <a16:rowId xmlns:a16="http://schemas.microsoft.com/office/drawing/2014/main" val="412007066"/>
+                    <a16:rowId xmlns:a16="http://schemas.microsoft.com/office/drawing/2014/main" xmlns="" val="412007066"/>
                   </a:ext>
                 </a:extLst>
               </a:tr>
@@ -15328,7 +15560,7 @@
                 </a:tc>
                 <a:extLst>
                   <a:ext uri="{0D108BD9-81ED-4DB2-BD59-A6C34878D82A}">
-                    <a16:rowId xmlns:a16="http://schemas.microsoft.com/office/drawing/2014/main" val="3372350514"/>
+                    <a16:rowId xmlns:a16="http://schemas.microsoft.com/office/drawing/2014/main" xmlns="" val="3372350514"/>
                   </a:ext>
                 </a:extLst>
               </a:tr>
@@ -15559,7 +15791,7 @@
                 </a:tc>
                 <a:extLst>
                   <a:ext uri="{0D108BD9-81ED-4DB2-BD59-A6C34878D82A}">
-                    <a16:rowId xmlns:a16="http://schemas.microsoft.com/office/drawing/2014/main" val="4244898854"/>
+                    <a16:rowId xmlns:a16="http://schemas.microsoft.com/office/drawing/2014/main" xmlns="" val="4244898854"/>
                   </a:ext>
                 </a:extLst>
               </a:tr>
@@ -15572,7 +15804,7 @@
           <p:cNvPr id="4" name="テキスト ボックス 3">
             <a:extLst>
               <a:ext uri="{FF2B5EF4-FFF2-40B4-BE49-F238E27FC236}">
-                <a16:creationId xmlns:a16="http://schemas.microsoft.com/office/drawing/2014/main" id="{9AABC559-F27C-4700-B11E-1B9D404CE6B7}"/>
+                <a16:creationId xmlns:a16="http://schemas.microsoft.com/office/drawing/2014/main" xmlns="" id="{9AABC559-F27C-4700-B11E-1B9D404CE6B7}"/>
               </a:ext>
             </a:extLst>
           </p:cNvPr>
@@ -15582,7 +15814,7 @@
         <p:spPr>
           <a:xfrm>
             <a:off x="623943" y="667061"/>
-            <a:ext cx="6186309" cy="1477328"/>
+            <a:ext cx="5753498" cy="1477328"/>
           </a:xfrm>
           <a:prstGeom prst="rect">
             <a:avLst/>
@@ -15621,7 +15853,15 @@
           <a:p>
             <a:r>
               <a:rPr kumimoji="1" lang="ja-JP" altLang="en-US" dirty="0"/>
-              <a:t>まずは簡単に何が必要か簡単に確認してください</a:t>
+              <a:t>まずは簡単に何が必要</a:t>
+            </a:r>
+            <a:r>
+              <a:rPr kumimoji="1" lang="ja-JP" altLang="en-US" dirty="0" smtClean="0"/>
+              <a:t>か確認</a:t>
+            </a:r>
+            <a:r>
+              <a:rPr kumimoji="1" lang="ja-JP" altLang="en-US" dirty="0"/>
+              <a:t>してください</a:t>
             </a:r>
           </a:p>
         </p:txBody>
@@ -15631,7 +15871,7 @@
           <p:cNvPr id="5" name="スライド番号プレースホルダー 4">
             <a:extLst>
               <a:ext uri="{FF2B5EF4-FFF2-40B4-BE49-F238E27FC236}">
-                <a16:creationId xmlns:a16="http://schemas.microsoft.com/office/drawing/2014/main" id="{3833C8F5-91F1-4479-9A7F-2E16719C1552}"/>
+                <a16:creationId xmlns:a16="http://schemas.microsoft.com/office/drawing/2014/main" xmlns="" id="{3833C8F5-91F1-4479-9A7F-2E16719C1552}"/>
               </a:ext>
             </a:extLst>
           </p:cNvPr>
@@ -15690,7 +15930,7 @@
           <p:cNvPr id="4" name="テキスト ボックス 3">
             <a:extLst>
               <a:ext uri="{FF2B5EF4-FFF2-40B4-BE49-F238E27FC236}">
-                <a16:creationId xmlns:a16="http://schemas.microsoft.com/office/drawing/2014/main" id="{D9C0262B-5F32-4F83-A4E4-EDBFDFC0F153}"/>
+                <a16:creationId xmlns:a16="http://schemas.microsoft.com/office/drawing/2014/main" xmlns="" id="{D9C0262B-5F32-4F83-A4E4-EDBFDFC0F153}"/>
               </a:ext>
             </a:extLst>
           </p:cNvPr>
@@ -15736,7 +15976,7 @@
           <p:cNvPr id="19" name="Shape 130">
             <a:extLst>
               <a:ext uri="{FF2B5EF4-FFF2-40B4-BE49-F238E27FC236}">
-                <a16:creationId xmlns:a16="http://schemas.microsoft.com/office/drawing/2014/main" id="{B784A75F-E61D-4809-8B6B-EB47E17388D3}"/>
+                <a16:creationId xmlns:a16="http://schemas.microsoft.com/office/drawing/2014/main" xmlns="" id="{B784A75F-E61D-4809-8B6B-EB47E17388D3}"/>
               </a:ext>
             </a:extLst>
           </p:cNvPr>
@@ -15756,7 +15996,7 @@
           </a:ln>
           <a:extLst>
             <a:ext uri="{C572A759-6A51-4108-AA02-DFA0A04FC94B}">
-              <ma14:wrappingTextBoxFlag xmlns:ma14="http://schemas.microsoft.com/office/mac/drawingml/2011/main" xmlns="" val="1"/>
+              <ma14:wrappingTextBoxFlag xmlns="" xmlns:ma14="http://schemas.microsoft.com/office/mac/drawingml/2011/main" val="1"/>
             </a:ext>
           </a:extLst>
         </p:spPr>
@@ -15791,7 +16031,7 @@
           <p:cNvPr id="26" name="グループ化 25">
             <a:extLst>
               <a:ext uri="{FF2B5EF4-FFF2-40B4-BE49-F238E27FC236}">
-                <a16:creationId xmlns:a16="http://schemas.microsoft.com/office/drawing/2014/main" id="{5D53F04A-962B-405E-BD4F-BD04DE05A5AC}"/>
+                <a16:creationId xmlns:a16="http://schemas.microsoft.com/office/drawing/2014/main" xmlns="" id="{5D53F04A-962B-405E-BD4F-BD04DE05A5AC}"/>
               </a:ext>
             </a:extLst>
           </p:cNvPr>
@@ -15811,7 +16051,7 @@
             <p:cNvPr id="6" name="テキスト ボックス 5">
               <a:extLst>
                 <a:ext uri="{FF2B5EF4-FFF2-40B4-BE49-F238E27FC236}">
-                  <a16:creationId xmlns:a16="http://schemas.microsoft.com/office/drawing/2014/main" id="{B1F2ED8E-3C09-4687-AE05-0F6FB0C1D869}"/>
+                  <a16:creationId xmlns:a16="http://schemas.microsoft.com/office/drawing/2014/main" xmlns="" id="{B1F2ED8E-3C09-4687-AE05-0F6FB0C1D869}"/>
                 </a:ext>
               </a:extLst>
             </p:cNvPr>
@@ -15851,7 +16091,7 @@
             <p:cNvPr id="21" name="テキスト ボックス 20">
               <a:extLst>
                 <a:ext uri="{FF2B5EF4-FFF2-40B4-BE49-F238E27FC236}">
-                  <a16:creationId xmlns:a16="http://schemas.microsoft.com/office/drawing/2014/main" id="{E641485E-1643-45A1-A7FE-1E888374B60E}"/>
+                  <a16:creationId xmlns:a16="http://schemas.microsoft.com/office/drawing/2014/main" xmlns="" id="{E641485E-1643-45A1-A7FE-1E888374B60E}"/>
                 </a:ext>
               </a:extLst>
             </p:cNvPr>
@@ -15895,7 +16135,7 @@
             <p:cNvPr id="22" name="テキスト ボックス 21">
               <a:extLst>
                 <a:ext uri="{FF2B5EF4-FFF2-40B4-BE49-F238E27FC236}">
-                  <a16:creationId xmlns:a16="http://schemas.microsoft.com/office/drawing/2014/main" id="{5AC2A22B-D7A8-43A4-BB33-129B39F29A09}"/>
+                  <a16:creationId xmlns:a16="http://schemas.microsoft.com/office/drawing/2014/main" xmlns="" id="{5AC2A22B-D7A8-43A4-BB33-129B39F29A09}"/>
                 </a:ext>
               </a:extLst>
             </p:cNvPr>
@@ -15939,7 +16179,7 @@
             <p:cNvPr id="23" name="テキスト ボックス 22">
               <a:extLst>
                 <a:ext uri="{FF2B5EF4-FFF2-40B4-BE49-F238E27FC236}">
-                  <a16:creationId xmlns:a16="http://schemas.microsoft.com/office/drawing/2014/main" id="{155D140F-71C9-451D-B483-C0FE81AA072E}"/>
+                  <a16:creationId xmlns:a16="http://schemas.microsoft.com/office/drawing/2014/main" xmlns="" id="{155D140F-71C9-451D-B483-C0FE81AA072E}"/>
                 </a:ext>
               </a:extLst>
             </p:cNvPr>
@@ -15979,7 +16219,7 @@
             <p:cNvPr id="12" name="正方形/長方形 11">
               <a:extLst>
                 <a:ext uri="{FF2B5EF4-FFF2-40B4-BE49-F238E27FC236}">
-                  <a16:creationId xmlns:a16="http://schemas.microsoft.com/office/drawing/2014/main" id="{3269690D-49F1-4F0C-8776-60275710D2E3}"/>
+                  <a16:creationId xmlns:a16="http://schemas.microsoft.com/office/drawing/2014/main" xmlns="" id="{3269690D-49F1-4F0C-8776-60275710D2E3}"/>
                 </a:ext>
               </a:extLst>
             </p:cNvPr>
@@ -16031,7 +16271,7 @@
             <p:cNvPr id="14" name="テキスト ボックス 13">
               <a:extLst>
                 <a:ext uri="{FF2B5EF4-FFF2-40B4-BE49-F238E27FC236}">
-                  <a16:creationId xmlns:a16="http://schemas.microsoft.com/office/drawing/2014/main" id="{0CBB15D5-34EB-49A8-A0E6-549885D873C2}"/>
+                  <a16:creationId xmlns:a16="http://schemas.microsoft.com/office/drawing/2014/main" xmlns="" id="{0CBB15D5-34EB-49A8-A0E6-549885D873C2}"/>
                 </a:ext>
               </a:extLst>
             </p:cNvPr>
@@ -16078,7 +16318,7 @@
           <p:cNvPr id="27" name="テキスト ボックス 26">
             <a:extLst>
               <a:ext uri="{FF2B5EF4-FFF2-40B4-BE49-F238E27FC236}">
-                <a16:creationId xmlns:a16="http://schemas.microsoft.com/office/drawing/2014/main" id="{74B87D7A-982E-438B-9373-D03B7F94F80B}"/>
+                <a16:creationId xmlns:a16="http://schemas.microsoft.com/office/drawing/2014/main" xmlns="" id="{74B87D7A-982E-438B-9373-D03B7F94F80B}"/>
               </a:ext>
             </a:extLst>
           </p:cNvPr>
@@ -16113,7 +16353,7 @@
           <p:cNvPr id="28" name="スライド番号プレースホルダー 27">
             <a:extLst>
               <a:ext uri="{FF2B5EF4-FFF2-40B4-BE49-F238E27FC236}">
-                <a16:creationId xmlns:a16="http://schemas.microsoft.com/office/drawing/2014/main" id="{CF3A61B8-A88C-4806-AE31-9A0591541300}"/>
+                <a16:creationId xmlns:a16="http://schemas.microsoft.com/office/drawing/2014/main" xmlns="" id="{CF3A61B8-A88C-4806-AE31-9A0591541300}"/>
               </a:ext>
             </a:extLst>
           </p:cNvPr>
@@ -16172,7 +16412,7 @@
           <p:cNvPr id="4" name="テキスト ボックス 3">
             <a:extLst>
               <a:ext uri="{FF2B5EF4-FFF2-40B4-BE49-F238E27FC236}">
-                <a16:creationId xmlns:a16="http://schemas.microsoft.com/office/drawing/2014/main" id="{D9C0262B-5F32-4F83-A4E4-EDBFDFC0F153}"/>
+                <a16:creationId xmlns:a16="http://schemas.microsoft.com/office/drawing/2014/main" xmlns="" id="{D9C0262B-5F32-4F83-A4E4-EDBFDFC0F153}"/>
               </a:ext>
             </a:extLst>
           </p:cNvPr>
@@ -16220,7 +16460,7 @@
           <p:cNvPr id="19" name="Shape 130">
             <a:extLst>
               <a:ext uri="{FF2B5EF4-FFF2-40B4-BE49-F238E27FC236}">
-                <a16:creationId xmlns:a16="http://schemas.microsoft.com/office/drawing/2014/main" id="{B784A75F-E61D-4809-8B6B-EB47E17388D3}"/>
+                <a16:creationId xmlns:a16="http://schemas.microsoft.com/office/drawing/2014/main" xmlns="" id="{B784A75F-E61D-4809-8B6B-EB47E17388D3}"/>
               </a:ext>
             </a:extLst>
           </p:cNvPr>
@@ -16240,7 +16480,7 @@
           </a:ln>
           <a:extLst>
             <a:ext uri="{C572A759-6A51-4108-AA02-DFA0A04FC94B}">
-              <ma14:wrappingTextBoxFlag xmlns:ma14="http://schemas.microsoft.com/office/mac/drawingml/2011/main" xmlns="" val="1"/>
+              <ma14:wrappingTextBoxFlag xmlns="" xmlns:ma14="http://schemas.microsoft.com/office/mac/drawingml/2011/main" val="1"/>
             </a:ext>
           </a:extLst>
         </p:spPr>
@@ -16278,7 +16518,7 @@
           <p:cNvPr id="2" name="図 1">
             <a:extLst>
               <a:ext uri="{FF2B5EF4-FFF2-40B4-BE49-F238E27FC236}">
-                <a16:creationId xmlns:a16="http://schemas.microsoft.com/office/drawing/2014/main" id="{E2C44C5F-9870-4584-9796-CD615AF61F53}"/>
+                <a16:creationId xmlns:a16="http://schemas.microsoft.com/office/drawing/2014/main" xmlns="" id="{E2C44C5F-9870-4584-9796-CD615AF61F53}"/>
               </a:ext>
             </a:extLst>
           </p:cNvPr>
@@ -16308,7 +16548,7 @@
           <p:cNvPr id="15" name="グループ化 14">
             <a:extLst>
               <a:ext uri="{FF2B5EF4-FFF2-40B4-BE49-F238E27FC236}">
-                <a16:creationId xmlns:a16="http://schemas.microsoft.com/office/drawing/2014/main" id="{B1C33294-A42D-4F4D-A963-0AC66FE30331}"/>
+                <a16:creationId xmlns:a16="http://schemas.microsoft.com/office/drawing/2014/main" xmlns="" id="{B1C33294-A42D-4F4D-A963-0AC66FE30331}"/>
               </a:ext>
             </a:extLst>
           </p:cNvPr>
@@ -16328,7 +16568,7 @@
             <p:cNvPr id="16" name="テキスト ボックス 15">
               <a:extLst>
                 <a:ext uri="{FF2B5EF4-FFF2-40B4-BE49-F238E27FC236}">
-                  <a16:creationId xmlns:a16="http://schemas.microsoft.com/office/drawing/2014/main" id="{1A0E4998-024F-493E-A236-6024D2A9259D}"/>
+                  <a16:creationId xmlns:a16="http://schemas.microsoft.com/office/drawing/2014/main" xmlns="" id="{1A0E4998-024F-493E-A236-6024D2A9259D}"/>
                 </a:ext>
               </a:extLst>
             </p:cNvPr>
@@ -16394,7 +16634,7 @@
             <p:cNvPr id="17" name="テキスト ボックス 16">
               <a:extLst>
                 <a:ext uri="{FF2B5EF4-FFF2-40B4-BE49-F238E27FC236}">
-                  <a16:creationId xmlns:a16="http://schemas.microsoft.com/office/drawing/2014/main" id="{D089EBCD-B42C-42BA-A704-33E9CCE00F41}"/>
+                  <a16:creationId xmlns:a16="http://schemas.microsoft.com/office/drawing/2014/main" xmlns="" id="{D089EBCD-B42C-42BA-A704-33E9CCE00F41}"/>
                 </a:ext>
               </a:extLst>
             </p:cNvPr>
@@ -16430,7 +16670,7 @@
           <p:cNvPr id="18" name="グループ化 17">
             <a:extLst>
               <a:ext uri="{FF2B5EF4-FFF2-40B4-BE49-F238E27FC236}">
-                <a16:creationId xmlns:a16="http://schemas.microsoft.com/office/drawing/2014/main" id="{B953310D-FF78-4FA3-A208-2F2239AF13DD}"/>
+                <a16:creationId xmlns:a16="http://schemas.microsoft.com/office/drawing/2014/main" xmlns="" id="{B953310D-FF78-4FA3-A208-2F2239AF13DD}"/>
               </a:ext>
             </a:extLst>
           </p:cNvPr>
@@ -16450,7 +16690,7 @@
             <p:cNvPr id="20" name="テキスト ボックス 19">
               <a:extLst>
                 <a:ext uri="{FF2B5EF4-FFF2-40B4-BE49-F238E27FC236}">
-                  <a16:creationId xmlns:a16="http://schemas.microsoft.com/office/drawing/2014/main" id="{BF1944F0-4F00-45B1-A584-B02F02031533}"/>
+                  <a16:creationId xmlns:a16="http://schemas.microsoft.com/office/drawing/2014/main" xmlns="" id="{BF1944F0-4F00-45B1-A584-B02F02031533}"/>
                 </a:ext>
               </a:extLst>
             </p:cNvPr>
@@ -16493,7 +16733,7 @@
             <p:cNvPr id="26" name="テキスト ボックス 25">
               <a:extLst>
                 <a:ext uri="{FF2B5EF4-FFF2-40B4-BE49-F238E27FC236}">
-                  <a16:creationId xmlns:a16="http://schemas.microsoft.com/office/drawing/2014/main" id="{619EABE1-ACFC-4505-9567-4DCF9402B00B}"/>
+                  <a16:creationId xmlns:a16="http://schemas.microsoft.com/office/drawing/2014/main" xmlns="" id="{619EABE1-ACFC-4505-9567-4DCF9402B00B}"/>
                 </a:ext>
               </a:extLst>
             </p:cNvPr>
@@ -16529,7 +16769,7 @@
           <p:cNvPr id="7" name="図 6">
             <a:extLst>
               <a:ext uri="{FF2B5EF4-FFF2-40B4-BE49-F238E27FC236}">
-                <a16:creationId xmlns:a16="http://schemas.microsoft.com/office/drawing/2014/main" id="{1E33506B-372B-4747-BF9C-D23D094F5737}"/>
+                <a16:creationId xmlns:a16="http://schemas.microsoft.com/office/drawing/2014/main" xmlns="" id="{1E33506B-372B-4747-BF9C-D23D094F5737}"/>
               </a:ext>
             </a:extLst>
           </p:cNvPr>
@@ -16559,7 +16799,7 @@
           <p:cNvPr id="8" name="スライド番号プレースホルダー 7">
             <a:extLst>
               <a:ext uri="{FF2B5EF4-FFF2-40B4-BE49-F238E27FC236}">
-                <a16:creationId xmlns:a16="http://schemas.microsoft.com/office/drawing/2014/main" id="{9B888C73-E70D-4707-AABB-96EEA0A74EEE}"/>
+                <a16:creationId xmlns:a16="http://schemas.microsoft.com/office/drawing/2014/main" xmlns="" id="{9B888C73-E70D-4707-AABB-96EEA0A74EEE}"/>
               </a:ext>
             </a:extLst>
           </p:cNvPr>
@@ -16618,7 +16858,7 @@
           <p:cNvPr id="7" name="Shape 130">
             <a:extLst>
               <a:ext uri="{FF2B5EF4-FFF2-40B4-BE49-F238E27FC236}">
-                <a16:creationId xmlns:a16="http://schemas.microsoft.com/office/drawing/2014/main" id="{7FA768BF-A524-4C14-9E1F-4E1D7CFE6E28}"/>
+                <a16:creationId xmlns:a16="http://schemas.microsoft.com/office/drawing/2014/main" xmlns="" id="{7FA768BF-A524-4C14-9E1F-4E1D7CFE6E28}"/>
               </a:ext>
             </a:extLst>
           </p:cNvPr>
@@ -16638,7 +16878,7 @@
           </a:ln>
           <a:extLst>
             <a:ext uri="{C572A759-6A51-4108-AA02-DFA0A04FC94B}">
-              <ma14:wrappingTextBoxFlag xmlns:ma14="http://schemas.microsoft.com/office/mac/drawingml/2011/main" xmlns="" val="1"/>
+              <ma14:wrappingTextBoxFlag xmlns="" xmlns:ma14="http://schemas.microsoft.com/office/mac/drawingml/2011/main" val="1"/>
             </a:ext>
           </a:extLst>
         </p:spPr>
@@ -16676,7 +16916,7 @@
           <p:cNvPr id="8" name="グループ化 7">
             <a:extLst>
               <a:ext uri="{FF2B5EF4-FFF2-40B4-BE49-F238E27FC236}">
-                <a16:creationId xmlns:a16="http://schemas.microsoft.com/office/drawing/2014/main" id="{51A4E384-9C70-4C47-A9ED-9F5D1818DFDC}"/>
+                <a16:creationId xmlns:a16="http://schemas.microsoft.com/office/drawing/2014/main" xmlns="" id="{51A4E384-9C70-4C47-A9ED-9F5D1818DFDC}"/>
               </a:ext>
             </a:extLst>
           </p:cNvPr>
@@ -16696,7 +16936,7 @@
             <p:cNvPr id="9" name="テキスト ボックス 8">
               <a:extLst>
                 <a:ext uri="{FF2B5EF4-FFF2-40B4-BE49-F238E27FC236}">
-                  <a16:creationId xmlns:a16="http://schemas.microsoft.com/office/drawing/2014/main" id="{BBB22C9C-50AF-4A4F-A0B3-E3DA9134B7F0}"/>
+                  <a16:creationId xmlns:a16="http://schemas.microsoft.com/office/drawing/2014/main" xmlns="" id="{BBB22C9C-50AF-4A4F-A0B3-E3DA9134B7F0}"/>
                 </a:ext>
               </a:extLst>
             </p:cNvPr>
@@ -16766,7 +17006,7 @@
             <p:cNvPr id="10" name="テキスト ボックス 9">
               <a:extLst>
                 <a:ext uri="{FF2B5EF4-FFF2-40B4-BE49-F238E27FC236}">
-                  <a16:creationId xmlns:a16="http://schemas.microsoft.com/office/drawing/2014/main" id="{7B1130F3-9CC7-47EF-8089-2F20B3AADB89}"/>
+                  <a16:creationId xmlns:a16="http://schemas.microsoft.com/office/drawing/2014/main" xmlns="" id="{7B1130F3-9CC7-47EF-8089-2F20B3AADB89}"/>
                 </a:ext>
               </a:extLst>
             </p:cNvPr>
@@ -16802,7 +17042,7 @@
           <p:cNvPr id="16" name="グループ化 15">
             <a:extLst>
               <a:ext uri="{FF2B5EF4-FFF2-40B4-BE49-F238E27FC236}">
-                <a16:creationId xmlns:a16="http://schemas.microsoft.com/office/drawing/2014/main" id="{560B6237-67A3-4A15-B141-3DB76DA0F6E9}"/>
+                <a16:creationId xmlns:a16="http://schemas.microsoft.com/office/drawing/2014/main" xmlns="" id="{560B6237-67A3-4A15-B141-3DB76DA0F6E9}"/>
               </a:ext>
             </a:extLst>
           </p:cNvPr>
@@ -16822,7 +17062,7 @@
             <p:cNvPr id="11" name="図 10">
               <a:extLst>
                 <a:ext uri="{FF2B5EF4-FFF2-40B4-BE49-F238E27FC236}">
-                  <a16:creationId xmlns:a16="http://schemas.microsoft.com/office/drawing/2014/main" id="{FAEFADAD-3F57-4316-B42B-0D482D0488B0}"/>
+                  <a16:creationId xmlns:a16="http://schemas.microsoft.com/office/drawing/2014/main" xmlns="" id="{FAEFADAD-3F57-4316-B42B-0D482D0488B0}"/>
                 </a:ext>
               </a:extLst>
             </p:cNvPr>
@@ -16851,7 +17091,7 @@
             <p:cNvPr id="13" name="図 12">
               <a:extLst>
                 <a:ext uri="{FF2B5EF4-FFF2-40B4-BE49-F238E27FC236}">
-                  <a16:creationId xmlns:a16="http://schemas.microsoft.com/office/drawing/2014/main" id="{A44DD3CC-4C1D-490A-A499-5871736F7853}"/>
+                  <a16:creationId xmlns:a16="http://schemas.microsoft.com/office/drawing/2014/main" xmlns="" id="{A44DD3CC-4C1D-490A-A499-5871736F7853}"/>
                 </a:ext>
               </a:extLst>
             </p:cNvPr>
@@ -16880,7 +17120,7 @@
             <p:cNvPr id="15" name="直線コネクタ 14">
               <a:extLst>
                 <a:ext uri="{FF2B5EF4-FFF2-40B4-BE49-F238E27FC236}">
-                  <a16:creationId xmlns:a16="http://schemas.microsoft.com/office/drawing/2014/main" id="{ABD7D0B0-A18E-4CC1-A59E-2C517FCD2AF0}"/>
+                  <a16:creationId xmlns:a16="http://schemas.microsoft.com/office/drawing/2014/main" xmlns="" id="{ABD7D0B0-A18E-4CC1-A59E-2C517FCD2AF0}"/>
                 </a:ext>
               </a:extLst>
             </p:cNvPr>
@@ -16924,7 +17164,7 @@
           <p:cNvPr id="17" name="グループ化 16">
             <a:extLst>
               <a:ext uri="{FF2B5EF4-FFF2-40B4-BE49-F238E27FC236}">
-                <a16:creationId xmlns:a16="http://schemas.microsoft.com/office/drawing/2014/main" id="{07FB522B-5B28-407A-8EFB-6E3B5EEB5E5B}"/>
+                <a16:creationId xmlns:a16="http://schemas.microsoft.com/office/drawing/2014/main" xmlns="" id="{07FB522B-5B28-407A-8EFB-6E3B5EEB5E5B}"/>
               </a:ext>
             </a:extLst>
           </p:cNvPr>
@@ -16944,7 +17184,7 @@
             <p:cNvPr id="18" name="テキスト ボックス 17">
               <a:extLst>
                 <a:ext uri="{FF2B5EF4-FFF2-40B4-BE49-F238E27FC236}">
-                  <a16:creationId xmlns:a16="http://schemas.microsoft.com/office/drawing/2014/main" id="{0AC540B3-975F-4ABE-871B-40DA87CFDBD8}"/>
+                  <a16:creationId xmlns:a16="http://schemas.microsoft.com/office/drawing/2014/main" xmlns="" id="{0AC540B3-975F-4ABE-871B-40DA87CFDBD8}"/>
                 </a:ext>
               </a:extLst>
             </p:cNvPr>
@@ -16994,7 +17234,7 @@
             <p:cNvPr id="19" name="テキスト ボックス 18">
               <a:extLst>
                 <a:ext uri="{FF2B5EF4-FFF2-40B4-BE49-F238E27FC236}">
-                  <a16:creationId xmlns:a16="http://schemas.microsoft.com/office/drawing/2014/main" id="{0F09A964-701F-4A50-8676-253FD3F5FE90}"/>
+                  <a16:creationId xmlns:a16="http://schemas.microsoft.com/office/drawing/2014/main" xmlns="" id="{0F09A964-701F-4A50-8676-253FD3F5FE90}"/>
                 </a:ext>
               </a:extLst>
             </p:cNvPr>
@@ -17030,7 +17270,7 @@
           <p:cNvPr id="21" name="図 20">
             <a:extLst>
               <a:ext uri="{FF2B5EF4-FFF2-40B4-BE49-F238E27FC236}">
-                <a16:creationId xmlns:a16="http://schemas.microsoft.com/office/drawing/2014/main" id="{FFAEBF81-4885-4706-A425-09BF85419A2E}"/>
+                <a16:creationId xmlns:a16="http://schemas.microsoft.com/office/drawing/2014/main" xmlns="" id="{FFAEBF81-4885-4706-A425-09BF85419A2E}"/>
               </a:ext>
             </a:extLst>
           </p:cNvPr>
@@ -17060,7 +17300,7 @@
           <p:cNvPr id="25" name="四角形: 角を丸くする 24">
             <a:extLst>
               <a:ext uri="{FF2B5EF4-FFF2-40B4-BE49-F238E27FC236}">
-                <a16:creationId xmlns:a16="http://schemas.microsoft.com/office/drawing/2014/main" id="{1A22B872-DA88-497B-9180-68894BFFB0CA}"/>
+                <a16:creationId xmlns:a16="http://schemas.microsoft.com/office/drawing/2014/main" xmlns="" id="{1A22B872-DA88-497B-9180-68894BFFB0CA}"/>
               </a:ext>
             </a:extLst>
           </p:cNvPr>
@@ -17112,7 +17352,7 @@
           <p:cNvPr id="27" name="四角形: 角を丸くする 26">
             <a:extLst>
               <a:ext uri="{FF2B5EF4-FFF2-40B4-BE49-F238E27FC236}">
-                <a16:creationId xmlns:a16="http://schemas.microsoft.com/office/drawing/2014/main" id="{96EDC7B6-AB0A-48B6-9F37-116FC2817F1E}"/>
+                <a16:creationId xmlns:a16="http://schemas.microsoft.com/office/drawing/2014/main" xmlns="" id="{96EDC7B6-AB0A-48B6-9F37-116FC2817F1E}"/>
               </a:ext>
             </a:extLst>
           </p:cNvPr>
@@ -17164,7 +17404,7 @@
           <p:cNvPr id="28" name="直線矢印コネクタ 27">
             <a:extLst>
               <a:ext uri="{FF2B5EF4-FFF2-40B4-BE49-F238E27FC236}">
-                <a16:creationId xmlns:a16="http://schemas.microsoft.com/office/drawing/2014/main" id="{D801D7A1-0DDF-4F07-8BCA-C54F5BA8876D}"/>
+                <a16:creationId xmlns:a16="http://schemas.microsoft.com/office/drawing/2014/main" xmlns="" id="{D801D7A1-0DDF-4F07-8BCA-C54F5BA8876D}"/>
               </a:ext>
             </a:extLst>
           </p:cNvPr>
@@ -17211,7 +17451,7 @@
           <p:cNvPr id="30" name="スライド番号プレースホルダー 29">
             <a:extLst>
               <a:ext uri="{FF2B5EF4-FFF2-40B4-BE49-F238E27FC236}">
-                <a16:creationId xmlns:a16="http://schemas.microsoft.com/office/drawing/2014/main" id="{E493C2AB-3889-4E05-A852-2EDD127024FA}"/>
+                <a16:creationId xmlns:a16="http://schemas.microsoft.com/office/drawing/2014/main" xmlns="" id="{E493C2AB-3889-4E05-A852-2EDD127024FA}"/>
               </a:ext>
             </a:extLst>
           </p:cNvPr>
@@ -17270,7 +17510,7 @@
           <p:cNvPr id="7" name="Shape 130">
             <a:extLst>
               <a:ext uri="{FF2B5EF4-FFF2-40B4-BE49-F238E27FC236}">
-                <a16:creationId xmlns:a16="http://schemas.microsoft.com/office/drawing/2014/main" id="{7FA768BF-A524-4C14-9E1F-4E1D7CFE6E28}"/>
+                <a16:creationId xmlns:a16="http://schemas.microsoft.com/office/drawing/2014/main" xmlns="" id="{7FA768BF-A524-4C14-9E1F-4E1D7CFE6E28}"/>
               </a:ext>
             </a:extLst>
           </p:cNvPr>
@@ -17290,7 +17530,7 @@
           </a:ln>
           <a:extLst>
             <a:ext uri="{C572A759-6A51-4108-AA02-DFA0A04FC94B}">
-              <ma14:wrappingTextBoxFlag xmlns:ma14="http://schemas.microsoft.com/office/mac/drawingml/2011/main" xmlns="" val="1"/>
+              <ma14:wrappingTextBoxFlag xmlns="" xmlns:ma14="http://schemas.microsoft.com/office/mac/drawingml/2011/main" val="1"/>
             </a:ext>
           </a:extLst>
         </p:spPr>
@@ -17333,7 +17573,7 @@
           <p:cNvPr id="8" name="グループ化 7">
             <a:extLst>
               <a:ext uri="{FF2B5EF4-FFF2-40B4-BE49-F238E27FC236}">
-                <a16:creationId xmlns:a16="http://schemas.microsoft.com/office/drawing/2014/main" id="{51A4E384-9C70-4C47-A9ED-9F5D1818DFDC}"/>
+                <a16:creationId xmlns:a16="http://schemas.microsoft.com/office/drawing/2014/main" xmlns="" id="{51A4E384-9C70-4C47-A9ED-9F5D1818DFDC}"/>
               </a:ext>
             </a:extLst>
           </p:cNvPr>
@@ -17353,7 +17593,7 @@
             <p:cNvPr id="9" name="テキスト ボックス 8">
               <a:extLst>
                 <a:ext uri="{FF2B5EF4-FFF2-40B4-BE49-F238E27FC236}">
-                  <a16:creationId xmlns:a16="http://schemas.microsoft.com/office/drawing/2014/main" id="{BBB22C9C-50AF-4A4F-A0B3-E3DA9134B7F0}"/>
+                  <a16:creationId xmlns:a16="http://schemas.microsoft.com/office/drawing/2014/main" xmlns="" id="{BBB22C9C-50AF-4A4F-A0B3-E3DA9134B7F0}"/>
                 </a:ext>
               </a:extLst>
             </p:cNvPr>
@@ -17410,7 +17650,7 @@
             <p:cNvPr id="10" name="テキスト ボックス 9">
               <a:extLst>
                 <a:ext uri="{FF2B5EF4-FFF2-40B4-BE49-F238E27FC236}">
-                  <a16:creationId xmlns:a16="http://schemas.microsoft.com/office/drawing/2014/main" id="{7B1130F3-9CC7-47EF-8089-2F20B3AADB89}"/>
+                  <a16:creationId xmlns:a16="http://schemas.microsoft.com/office/drawing/2014/main" xmlns="" id="{7B1130F3-9CC7-47EF-8089-2F20B3AADB89}"/>
                 </a:ext>
               </a:extLst>
             </p:cNvPr>
@@ -17446,7 +17686,7 @@
           <p:cNvPr id="23" name="図 22">
             <a:extLst>
               <a:ext uri="{FF2B5EF4-FFF2-40B4-BE49-F238E27FC236}">
-                <a16:creationId xmlns:a16="http://schemas.microsoft.com/office/drawing/2014/main" id="{96C7819C-3CCD-4C99-A3C7-B72048969900}"/>
+                <a16:creationId xmlns:a16="http://schemas.microsoft.com/office/drawing/2014/main" xmlns="" id="{96C7819C-3CCD-4C99-A3C7-B72048969900}"/>
               </a:ext>
             </a:extLst>
           </p:cNvPr>
@@ -17476,7 +17716,7 @@
           <p:cNvPr id="24" name="図 23">
             <a:extLst>
               <a:ext uri="{FF2B5EF4-FFF2-40B4-BE49-F238E27FC236}">
-                <a16:creationId xmlns:a16="http://schemas.microsoft.com/office/drawing/2014/main" id="{C3D87B6F-EE41-4DE9-B061-C06C1CDE48E9}"/>
+                <a16:creationId xmlns:a16="http://schemas.microsoft.com/office/drawing/2014/main" xmlns="" id="{C3D87B6F-EE41-4DE9-B061-C06C1CDE48E9}"/>
               </a:ext>
             </a:extLst>
           </p:cNvPr>
@@ -17506,7 +17746,7 @@
           <p:cNvPr id="2" name="スライド番号プレースホルダー 1">
             <a:extLst>
               <a:ext uri="{FF2B5EF4-FFF2-40B4-BE49-F238E27FC236}">
-                <a16:creationId xmlns:a16="http://schemas.microsoft.com/office/drawing/2014/main" id="{F394AB8F-043D-4B81-9C2E-99BF161CA665}"/>
+                <a16:creationId xmlns:a16="http://schemas.microsoft.com/office/drawing/2014/main" xmlns="" id="{F394AB8F-043D-4B81-9C2E-99BF161CA665}"/>
               </a:ext>
             </a:extLst>
           </p:cNvPr>
@@ -17535,7 +17775,7 @@
           <p:cNvPr id="20" name="四角形: 角を丸くする 19">
             <a:extLst>
               <a:ext uri="{FF2B5EF4-FFF2-40B4-BE49-F238E27FC236}">
-                <a16:creationId xmlns:a16="http://schemas.microsoft.com/office/drawing/2014/main" id="{84693C5E-4DB8-4644-98D4-1AAA51993528}"/>
+                <a16:creationId xmlns:a16="http://schemas.microsoft.com/office/drawing/2014/main" xmlns="" id="{84693C5E-4DB8-4644-98D4-1AAA51993528}"/>
               </a:ext>
             </a:extLst>
           </p:cNvPr>
@@ -17587,7 +17827,7 @@
           <p:cNvPr id="22" name="直線矢印コネクタ 21">
             <a:extLst>
               <a:ext uri="{FF2B5EF4-FFF2-40B4-BE49-F238E27FC236}">
-                <a16:creationId xmlns:a16="http://schemas.microsoft.com/office/drawing/2014/main" id="{D6070FC9-A9C4-40AF-8DC3-89ACF4135B5C}"/>
+                <a16:creationId xmlns:a16="http://schemas.microsoft.com/office/drawing/2014/main" xmlns="" id="{D6070FC9-A9C4-40AF-8DC3-89ACF4135B5C}"/>
               </a:ext>
             </a:extLst>
           </p:cNvPr>
@@ -17959,7 +18199,7 @@
   <a:extraClrSchemeLst/>
   <a:extLst>
     <a:ext uri="{05A4C25C-085E-4340-85A3-A5531E510DB2}">
-      <thm15:themeFamily xmlns:thm15="http://schemas.microsoft.com/office/thememl/2012/main" name="Office Theme" id="{62F939B6-93AF-4DB8-9C6B-D6C7DFDC589F}" vid="{4A3C46E8-61CC-4603-A589-7422A47A8E4A}"/>
+      <thm15:themeFamily xmlns:thm15="http://schemas.microsoft.com/office/thememl/2012/main" xmlns="" name="Office Theme" id="{62F939B6-93AF-4DB8-9C6B-D6C7DFDC589F}" vid="{4A3C46E8-61CC-4603-A589-7422A47A8E4A}"/>
     </a:ext>
   </a:extLst>
 </a:theme>
@@ -18254,7 +18494,7 @@
   <a:extraClrSchemeLst/>
   <a:extLst>
     <a:ext uri="{05A4C25C-085E-4340-85A3-A5531E510DB2}">
-      <thm15:themeFamily xmlns:thm15="http://schemas.microsoft.com/office/thememl/2012/main" name="Office Theme" id="{62F939B6-93AF-4DB8-9C6B-D6C7DFDC589F}" vid="{4A3C46E8-61CC-4603-A589-7422A47A8E4A}"/>
+      <thm15:themeFamily xmlns:thm15="http://schemas.microsoft.com/office/thememl/2012/main" xmlns="" name="Office Theme" id="{62F939B6-93AF-4DB8-9C6B-D6C7DFDC589F}" vid="{4A3C46E8-61CC-4603-A589-7422A47A8E4A}"/>
     </a:ext>
   </a:extLst>
 </a:theme>

--- a/5_CustomizeModel3_OnePlusOne/OpenModelica_Tutorials_5.pptx
+++ b/5_CustomizeModel3_OnePlusOne/OpenModelica_Tutorials_5.pptx
@@ -129,14 +129,21 @@
   </p:defaultTextStyle>
   <p:extLst>
     <p:ext uri="{EFAFB233-063F-42B5-8137-9DF3F51BA10A}">
-      <p15:sldGuideLst xmlns:p15="http://schemas.microsoft.com/office/powerpoint/2012/main" xmlns=""/>
+      <p15:sldGuideLst xmlns:p15="http://schemas.microsoft.com/office/powerpoint/2012/main">
+        <p15:guide id="1" orient="horz" pos="2160">
+          <p15:clr>
+            <a:srgbClr val="A4A3A4"/>
+          </p15:clr>
+        </p15:guide>
+        <p15:guide id="2" pos="3840">
+          <p15:clr>
+            <a:srgbClr val="A4A3A4"/>
+          </p15:clr>
+        </p15:guide>
+      </p15:sldGuideLst>
     </p:ext>
   </p:extLst>
 </p:presentation>
-</file>
-
-<file path=ppt/revisionInfo.xml><?xml version="1.0" encoding="utf-8"?>
-<p1510:revInfo xmlns:a="http://schemas.openxmlformats.org/drawingml/2006/main" xmlns:r="http://schemas.openxmlformats.org/officeDocument/2006/relationships" xmlns:p1510="http://schemas.microsoft.com/office/powerpoint/2015/10/main"/>
 </file>
 
 <file path=ppt/notesMasters/notesMaster1.xml><?xml version="1.0" encoding="utf-8"?>
@@ -221,7 +228,7 @@
           <a:p>
             <a:fld id="{C4670700-DA66-4BAD-8F9F-A4A758D36ABA}" type="datetimeFigureOut">
               <a:rPr kumimoji="1" lang="ja-JP" altLang="en-US" smtClean="0"/>
-              <a:t>2018/3/13</a:t>
+              <a:t>2018/4/7</a:t>
             </a:fld>
             <a:endParaRPr kumimoji="1" lang="ja-JP" altLang="en-US"/>
           </a:p>
@@ -542,7 +549,7 @@
           <p:cNvPr id="2" name="タイトル 1">
             <a:extLst>
               <a:ext uri="{FF2B5EF4-FFF2-40B4-BE49-F238E27FC236}">
-                <a16:creationId xmlns:a16="http://schemas.microsoft.com/office/drawing/2014/main" xmlns="" id="{C640A934-6052-47D7-9600-E017EFD518DE}"/>
+                <a16:creationId xmlns:a16="http://schemas.microsoft.com/office/drawing/2014/main" id="{C640A934-6052-47D7-9600-E017EFD518DE}"/>
               </a:ext>
             </a:extLst>
           </p:cNvPr>
@@ -579,7 +586,7 @@
           <p:cNvPr id="3" name="サブタイトル 2">
             <a:extLst>
               <a:ext uri="{FF2B5EF4-FFF2-40B4-BE49-F238E27FC236}">
-                <a16:creationId xmlns:a16="http://schemas.microsoft.com/office/drawing/2014/main" xmlns="" id="{3567CB88-D2AC-4759-A0FB-979F04B4A72A}"/>
+                <a16:creationId xmlns:a16="http://schemas.microsoft.com/office/drawing/2014/main" id="{3567CB88-D2AC-4759-A0FB-979F04B4A72A}"/>
               </a:ext>
             </a:extLst>
           </p:cNvPr>
@@ -649,7 +656,7 @@
           <p:cNvPr id="4" name="日付プレースホルダー 3">
             <a:extLst>
               <a:ext uri="{FF2B5EF4-FFF2-40B4-BE49-F238E27FC236}">
-                <a16:creationId xmlns:a16="http://schemas.microsoft.com/office/drawing/2014/main" xmlns="" id="{8F327D2F-D218-4DB3-A496-FC51084D5390}"/>
+                <a16:creationId xmlns:a16="http://schemas.microsoft.com/office/drawing/2014/main" id="{8F327D2F-D218-4DB3-A496-FC51084D5390}"/>
               </a:ext>
             </a:extLst>
           </p:cNvPr>
@@ -667,7 +674,7 @@
           <a:p>
             <a:fld id="{CA2F2FF0-B0E3-4081-A194-5315B26D72C4}" type="datetime1">
               <a:rPr kumimoji="1" lang="ja-JP" altLang="en-US" smtClean="0"/>
-              <a:t>2018/3/13</a:t>
+              <a:t>2018/4/7</a:t>
             </a:fld>
             <a:endParaRPr kumimoji="1" lang="ja-JP" altLang="en-US"/>
           </a:p>
@@ -678,7 +685,7 @@
           <p:cNvPr id="5" name="フッター プレースホルダー 4">
             <a:extLst>
               <a:ext uri="{FF2B5EF4-FFF2-40B4-BE49-F238E27FC236}">
-                <a16:creationId xmlns:a16="http://schemas.microsoft.com/office/drawing/2014/main" xmlns="" id="{D5CE8AFA-1A69-423A-AE33-53D4B86E36E2}"/>
+                <a16:creationId xmlns:a16="http://schemas.microsoft.com/office/drawing/2014/main" id="{D5CE8AFA-1A69-423A-AE33-53D4B86E36E2}"/>
               </a:ext>
             </a:extLst>
           </p:cNvPr>
@@ -703,7 +710,7 @@
           <p:cNvPr id="6" name="スライド番号プレースホルダー 5">
             <a:extLst>
               <a:ext uri="{FF2B5EF4-FFF2-40B4-BE49-F238E27FC236}">
-                <a16:creationId xmlns:a16="http://schemas.microsoft.com/office/drawing/2014/main" xmlns="" id="{2631D19D-2B03-4CD1-904A-35788E90CF51}"/>
+                <a16:creationId xmlns:a16="http://schemas.microsoft.com/office/drawing/2014/main" id="{2631D19D-2B03-4CD1-904A-35788E90CF51}"/>
               </a:ext>
             </a:extLst>
           </p:cNvPr>
@@ -762,7 +769,7 @@
           <p:cNvPr id="2" name="タイトル 1">
             <a:extLst>
               <a:ext uri="{FF2B5EF4-FFF2-40B4-BE49-F238E27FC236}">
-                <a16:creationId xmlns:a16="http://schemas.microsoft.com/office/drawing/2014/main" xmlns="" id="{1E9F8C32-40DD-4764-AA14-CA340E88402B}"/>
+                <a16:creationId xmlns:a16="http://schemas.microsoft.com/office/drawing/2014/main" id="{1E9F8C32-40DD-4764-AA14-CA340E88402B}"/>
               </a:ext>
             </a:extLst>
           </p:cNvPr>
@@ -790,7 +797,7 @@
           <p:cNvPr id="3" name="縦書きテキスト プレースホルダー 2">
             <a:extLst>
               <a:ext uri="{FF2B5EF4-FFF2-40B4-BE49-F238E27FC236}">
-                <a16:creationId xmlns:a16="http://schemas.microsoft.com/office/drawing/2014/main" xmlns="" id="{BB25EDB7-B389-43DE-88B0-2E43F12A7051}"/>
+                <a16:creationId xmlns:a16="http://schemas.microsoft.com/office/drawing/2014/main" id="{BB25EDB7-B389-43DE-88B0-2E43F12A7051}"/>
               </a:ext>
             </a:extLst>
           </p:cNvPr>
@@ -879,7 +886,7 @@
           <p:cNvPr id="4" name="日付プレースホルダー 3">
             <a:extLst>
               <a:ext uri="{FF2B5EF4-FFF2-40B4-BE49-F238E27FC236}">
-                <a16:creationId xmlns:a16="http://schemas.microsoft.com/office/drawing/2014/main" xmlns="" id="{F4750E22-4C4B-417A-8C48-347CB348ECFB}"/>
+                <a16:creationId xmlns:a16="http://schemas.microsoft.com/office/drawing/2014/main" id="{F4750E22-4C4B-417A-8C48-347CB348ECFB}"/>
               </a:ext>
             </a:extLst>
           </p:cNvPr>
@@ -897,7 +904,7 @@
           <a:p>
             <a:fld id="{AA0CF445-3D47-45EB-B7B9-640298F78945}" type="datetime1">
               <a:rPr kumimoji="1" lang="ja-JP" altLang="en-US" smtClean="0"/>
-              <a:t>2018/3/13</a:t>
+              <a:t>2018/4/7</a:t>
             </a:fld>
             <a:endParaRPr kumimoji="1" lang="ja-JP" altLang="en-US"/>
           </a:p>
@@ -908,7 +915,7 @@
           <p:cNvPr id="5" name="フッター プレースホルダー 4">
             <a:extLst>
               <a:ext uri="{FF2B5EF4-FFF2-40B4-BE49-F238E27FC236}">
-                <a16:creationId xmlns:a16="http://schemas.microsoft.com/office/drawing/2014/main" xmlns="" id="{2C19161E-7AEC-4345-BBC9-3BC233DE1002}"/>
+                <a16:creationId xmlns:a16="http://schemas.microsoft.com/office/drawing/2014/main" id="{2C19161E-7AEC-4345-BBC9-3BC233DE1002}"/>
               </a:ext>
             </a:extLst>
           </p:cNvPr>
@@ -933,7 +940,7 @@
           <p:cNvPr id="6" name="スライド番号プレースホルダー 5">
             <a:extLst>
               <a:ext uri="{FF2B5EF4-FFF2-40B4-BE49-F238E27FC236}">
-                <a16:creationId xmlns:a16="http://schemas.microsoft.com/office/drawing/2014/main" xmlns="" id="{86EA905A-EBB0-4E40-9913-3C0464FD4749}"/>
+                <a16:creationId xmlns:a16="http://schemas.microsoft.com/office/drawing/2014/main" id="{86EA905A-EBB0-4E40-9913-3C0464FD4749}"/>
               </a:ext>
             </a:extLst>
           </p:cNvPr>
@@ -992,7 +999,7 @@
           <p:cNvPr id="2" name="縦書きタイトル 1">
             <a:extLst>
               <a:ext uri="{FF2B5EF4-FFF2-40B4-BE49-F238E27FC236}">
-                <a16:creationId xmlns:a16="http://schemas.microsoft.com/office/drawing/2014/main" xmlns="" id="{8A876662-0CE9-49E9-AC02-EE7ACC657BCD}"/>
+                <a16:creationId xmlns:a16="http://schemas.microsoft.com/office/drawing/2014/main" id="{8A876662-0CE9-49E9-AC02-EE7ACC657BCD}"/>
               </a:ext>
             </a:extLst>
           </p:cNvPr>
@@ -1025,7 +1032,7 @@
           <p:cNvPr id="3" name="縦書きテキスト プレースホルダー 2">
             <a:extLst>
               <a:ext uri="{FF2B5EF4-FFF2-40B4-BE49-F238E27FC236}">
-                <a16:creationId xmlns:a16="http://schemas.microsoft.com/office/drawing/2014/main" xmlns="" id="{B6FE2065-03F0-48E5-82DF-EC7EEE0207D8}"/>
+                <a16:creationId xmlns:a16="http://schemas.microsoft.com/office/drawing/2014/main" id="{B6FE2065-03F0-48E5-82DF-EC7EEE0207D8}"/>
               </a:ext>
             </a:extLst>
           </p:cNvPr>
@@ -1119,7 +1126,7 @@
           <p:cNvPr id="4" name="日付プレースホルダー 3">
             <a:extLst>
               <a:ext uri="{FF2B5EF4-FFF2-40B4-BE49-F238E27FC236}">
-                <a16:creationId xmlns:a16="http://schemas.microsoft.com/office/drawing/2014/main" xmlns="" id="{A1B9FF21-774F-48FE-A04C-9E8A7F644356}"/>
+                <a16:creationId xmlns:a16="http://schemas.microsoft.com/office/drawing/2014/main" id="{A1B9FF21-774F-48FE-A04C-9E8A7F644356}"/>
               </a:ext>
             </a:extLst>
           </p:cNvPr>
@@ -1137,7 +1144,7 @@
           <a:p>
             <a:fld id="{33274D65-32BF-448B-ADBF-66DCA4E8B106}" type="datetime1">
               <a:rPr kumimoji="1" lang="ja-JP" altLang="en-US" smtClean="0"/>
-              <a:t>2018/3/13</a:t>
+              <a:t>2018/4/7</a:t>
             </a:fld>
             <a:endParaRPr kumimoji="1" lang="ja-JP" altLang="en-US"/>
           </a:p>
@@ -1148,7 +1155,7 @@
           <p:cNvPr id="5" name="フッター プレースホルダー 4">
             <a:extLst>
               <a:ext uri="{FF2B5EF4-FFF2-40B4-BE49-F238E27FC236}">
-                <a16:creationId xmlns:a16="http://schemas.microsoft.com/office/drawing/2014/main" xmlns="" id="{9D32535A-4B89-476F-B51B-EC1413A240CD}"/>
+                <a16:creationId xmlns:a16="http://schemas.microsoft.com/office/drawing/2014/main" id="{9D32535A-4B89-476F-B51B-EC1413A240CD}"/>
               </a:ext>
             </a:extLst>
           </p:cNvPr>
@@ -1173,7 +1180,7 @@
           <p:cNvPr id="6" name="スライド番号プレースホルダー 5">
             <a:extLst>
               <a:ext uri="{FF2B5EF4-FFF2-40B4-BE49-F238E27FC236}">
-                <a16:creationId xmlns:a16="http://schemas.microsoft.com/office/drawing/2014/main" xmlns="" id="{F5260F05-0529-4B2A-B354-E1AB043C95D1}"/>
+                <a16:creationId xmlns:a16="http://schemas.microsoft.com/office/drawing/2014/main" id="{F5260F05-0529-4B2A-B354-E1AB043C95D1}"/>
               </a:ext>
             </a:extLst>
           </p:cNvPr>
@@ -1232,7 +1239,7 @@
           <p:cNvPr id="2" name="タイトル 1">
             <a:extLst>
               <a:ext uri="{FF2B5EF4-FFF2-40B4-BE49-F238E27FC236}">
-                <a16:creationId xmlns:a16="http://schemas.microsoft.com/office/drawing/2014/main" xmlns="" id="{C414AC56-2C6E-4FD6-AC2A-C0C7474C804A}"/>
+                <a16:creationId xmlns:a16="http://schemas.microsoft.com/office/drawing/2014/main" id="{C414AC56-2C6E-4FD6-AC2A-C0C7474C804A}"/>
               </a:ext>
             </a:extLst>
           </p:cNvPr>
@@ -1260,7 +1267,7 @@
           <p:cNvPr id="3" name="コンテンツ プレースホルダー 2">
             <a:extLst>
               <a:ext uri="{FF2B5EF4-FFF2-40B4-BE49-F238E27FC236}">
-                <a16:creationId xmlns:a16="http://schemas.microsoft.com/office/drawing/2014/main" xmlns="" id="{B04E7051-D2C1-4B63-BA62-A08EA433436C}"/>
+                <a16:creationId xmlns:a16="http://schemas.microsoft.com/office/drawing/2014/main" id="{B04E7051-D2C1-4B63-BA62-A08EA433436C}"/>
               </a:ext>
             </a:extLst>
           </p:cNvPr>
@@ -1349,7 +1356,7 @@
           <p:cNvPr id="4" name="日付プレースホルダー 3">
             <a:extLst>
               <a:ext uri="{FF2B5EF4-FFF2-40B4-BE49-F238E27FC236}">
-                <a16:creationId xmlns:a16="http://schemas.microsoft.com/office/drawing/2014/main" xmlns="" id="{AE25CE84-A884-4ACE-B6EE-7E97B7475653}"/>
+                <a16:creationId xmlns:a16="http://schemas.microsoft.com/office/drawing/2014/main" id="{AE25CE84-A884-4ACE-B6EE-7E97B7475653}"/>
               </a:ext>
             </a:extLst>
           </p:cNvPr>
@@ -1367,7 +1374,7 @@
           <a:p>
             <a:fld id="{852A9B57-A7E8-419F-90A8-90F2DA777A28}" type="datetime1">
               <a:rPr kumimoji="1" lang="ja-JP" altLang="en-US" smtClean="0"/>
-              <a:t>2018/3/13</a:t>
+              <a:t>2018/4/7</a:t>
             </a:fld>
             <a:endParaRPr kumimoji="1" lang="ja-JP" altLang="en-US"/>
           </a:p>
@@ -1378,7 +1385,7 @@
           <p:cNvPr id="5" name="フッター プレースホルダー 4">
             <a:extLst>
               <a:ext uri="{FF2B5EF4-FFF2-40B4-BE49-F238E27FC236}">
-                <a16:creationId xmlns:a16="http://schemas.microsoft.com/office/drawing/2014/main" xmlns="" id="{EBCBC0D2-F1DA-4C16-85D1-974CF48BC804}"/>
+                <a16:creationId xmlns:a16="http://schemas.microsoft.com/office/drawing/2014/main" id="{EBCBC0D2-F1DA-4C16-85D1-974CF48BC804}"/>
               </a:ext>
             </a:extLst>
           </p:cNvPr>
@@ -1403,7 +1410,7 @@
           <p:cNvPr id="6" name="スライド番号プレースホルダー 5">
             <a:extLst>
               <a:ext uri="{FF2B5EF4-FFF2-40B4-BE49-F238E27FC236}">
-                <a16:creationId xmlns:a16="http://schemas.microsoft.com/office/drawing/2014/main" xmlns="" id="{CBD1951C-19F9-4BB8-96D6-46797F90203F}"/>
+                <a16:creationId xmlns:a16="http://schemas.microsoft.com/office/drawing/2014/main" id="{CBD1951C-19F9-4BB8-96D6-46797F90203F}"/>
               </a:ext>
             </a:extLst>
           </p:cNvPr>
@@ -1462,7 +1469,7 @@
           <p:cNvPr id="2" name="タイトル 1">
             <a:extLst>
               <a:ext uri="{FF2B5EF4-FFF2-40B4-BE49-F238E27FC236}">
-                <a16:creationId xmlns:a16="http://schemas.microsoft.com/office/drawing/2014/main" xmlns="" id="{1D00A678-F443-4FEA-93D6-3926EB7E42DA}"/>
+                <a16:creationId xmlns:a16="http://schemas.microsoft.com/office/drawing/2014/main" id="{1D00A678-F443-4FEA-93D6-3926EB7E42DA}"/>
               </a:ext>
             </a:extLst>
           </p:cNvPr>
@@ -1499,7 +1506,7 @@
           <p:cNvPr id="3" name="テキスト プレースホルダー 2">
             <a:extLst>
               <a:ext uri="{FF2B5EF4-FFF2-40B4-BE49-F238E27FC236}">
-                <a16:creationId xmlns:a16="http://schemas.microsoft.com/office/drawing/2014/main" xmlns="" id="{6BDD3B79-A0F7-4C8D-918D-88BDE69250B1}"/>
+                <a16:creationId xmlns:a16="http://schemas.microsoft.com/office/drawing/2014/main" id="{6BDD3B79-A0F7-4C8D-918D-88BDE69250B1}"/>
               </a:ext>
             </a:extLst>
           </p:cNvPr>
@@ -1624,7 +1631,7 @@
           <p:cNvPr id="4" name="日付プレースホルダー 3">
             <a:extLst>
               <a:ext uri="{FF2B5EF4-FFF2-40B4-BE49-F238E27FC236}">
-                <a16:creationId xmlns:a16="http://schemas.microsoft.com/office/drawing/2014/main" xmlns="" id="{93E71825-7DD8-4B80-96D1-977008B856B9}"/>
+                <a16:creationId xmlns:a16="http://schemas.microsoft.com/office/drawing/2014/main" id="{93E71825-7DD8-4B80-96D1-977008B856B9}"/>
               </a:ext>
             </a:extLst>
           </p:cNvPr>
@@ -1642,7 +1649,7 @@
           <a:p>
             <a:fld id="{C90A889C-334E-44BD-8F41-5AC3386FFD37}" type="datetime1">
               <a:rPr kumimoji="1" lang="ja-JP" altLang="en-US" smtClean="0"/>
-              <a:t>2018/3/13</a:t>
+              <a:t>2018/4/7</a:t>
             </a:fld>
             <a:endParaRPr kumimoji="1" lang="ja-JP" altLang="en-US"/>
           </a:p>
@@ -1653,7 +1660,7 @@
           <p:cNvPr id="5" name="フッター プレースホルダー 4">
             <a:extLst>
               <a:ext uri="{FF2B5EF4-FFF2-40B4-BE49-F238E27FC236}">
-                <a16:creationId xmlns:a16="http://schemas.microsoft.com/office/drawing/2014/main" xmlns="" id="{5CED311E-FAA6-4C7D-9FC2-BC675C72336F}"/>
+                <a16:creationId xmlns:a16="http://schemas.microsoft.com/office/drawing/2014/main" id="{5CED311E-FAA6-4C7D-9FC2-BC675C72336F}"/>
               </a:ext>
             </a:extLst>
           </p:cNvPr>
@@ -1678,7 +1685,7 @@
           <p:cNvPr id="6" name="スライド番号プレースホルダー 5">
             <a:extLst>
               <a:ext uri="{FF2B5EF4-FFF2-40B4-BE49-F238E27FC236}">
-                <a16:creationId xmlns:a16="http://schemas.microsoft.com/office/drawing/2014/main" xmlns="" id="{6C4D0E2E-8245-4907-96CA-10999815D43E}"/>
+                <a16:creationId xmlns:a16="http://schemas.microsoft.com/office/drawing/2014/main" id="{6C4D0E2E-8245-4907-96CA-10999815D43E}"/>
               </a:ext>
             </a:extLst>
           </p:cNvPr>
@@ -1737,7 +1744,7 @@
           <p:cNvPr id="2" name="タイトル 1">
             <a:extLst>
               <a:ext uri="{FF2B5EF4-FFF2-40B4-BE49-F238E27FC236}">
-                <a16:creationId xmlns:a16="http://schemas.microsoft.com/office/drawing/2014/main" xmlns="" id="{1A5D23ED-03EA-4F07-87E3-28D2640C7457}"/>
+                <a16:creationId xmlns:a16="http://schemas.microsoft.com/office/drawing/2014/main" id="{1A5D23ED-03EA-4F07-87E3-28D2640C7457}"/>
               </a:ext>
             </a:extLst>
           </p:cNvPr>
@@ -1765,7 +1772,7 @@
           <p:cNvPr id="3" name="コンテンツ プレースホルダー 2">
             <a:extLst>
               <a:ext uri="{FF2B5EF4-FFF2-40B4-BE49-F238E27FC236}">
-                <a16:creationId xmlns:a16="http://schemas.microsoft.com/office/drawing/2014/main" xmlns="" id="{BDF3938E-99C2-4825-ABC3-D707D0C368D9}"/>
+                <a16:creationId xmlns:a16="http://schemas.microsoft.com/office/drawing/2014/main" id="{BDF3938E-99C2-4825-ABC3-D707D0C368D9}"/>
               </a:ext>
             </a:extLst>
           </p:cNvPr>
@@ -1859,7 +1866,7 @@
           <p:cNvPr id="4" name="コンテンツ プレースホルダー 3">
             <a:extLst>
               <a:ext uri="{FF2B5EF4-FFF2-40B4-BE49-F238E27FC236}">
-                <a16:creationId xmlns:a16="http://schemas.microsoft.com/office/drawing/2014/main" xmlns="" id="{A2B3DC81-B6AF-47A5-9EE9-0C3D54421CD9}"/>
+                <a16:creationId xmlns:a16="http://schemas.microsoft.com/office/drawing/2014/main" id="{A2B3DC81-B6AF-47A5-9EE9-0C3D54421CD9}"/>
               </a:ext>
             </a:extLst>
           </p:cNvPr>
@@ -1953,7 +1960,7 @@
           <p:cNvPr id="5" name="日付プレースホルダー 4">
             <a:extLst>
               <a:ext uri="{FF2B5EF4-FFF2-40B4-BE49-F238E27FC236}">
-                <a16:creationId xmlns:a16="http://schemas.microsoft.com/office/drawing/2014/main" xmlns="" id="{4C78BECE-026B-4F33-8924-AD8452F95547}"/>
+                <a16:creationId xmlns:a16="http://schemas.microsoft.com/office/drawing/2014/main" id="{4C78BECE-026B-4F33-8924-AD8452F95547}"/>
               </a:ext>
             </a:extLst>
           </p:cNvPr>
@@ -1971,7 +1978,7 @@
           <a:p>
             <a:fld id="{58879D4E-6DF1-4713-B068-9512627C39B0}" type="datetime1">
               <a:rPr kumimoji="1" lang="ja-JP" altLang="en-US" smtClean="0"/>
-              <a:t>2018/3/13</a:t>
+              <a:t>2018/4/7</a:t>
             </a:fld>
             <a:endParaRPr kumimoji="1" lang="ja-JP" altLang="en-US"/>
           </a:p>
@@ -1982,7 +1989,7 @@
           <p:cNvPr id="6" name="フッター プレースホルダー 5">
             <a:extLst>
               <a:ext uri="{FF2B5EF4-FFF2-40B4-BE49-F238E27FC236}">
-                <a16:creationId xmlns:a16="http://schemas.microsoft.com/office/drawing/2014/main" xmlns="" id="{49783764-5DB0-4331-BA1F-9C2D17E59721}"/>
+                <a16:creationId xmlns:a16="http://schemas.microsoft.com/office/drawing/2014/main" id="{49783764-5DB0-4331-BA1F-9C2D17E59721}"/>
               </a:ext>
             </a:extLst>
           </p:cNvPr>
@@ -2007,7 +2014,7 @@
           <p:cNvPr id="7" name="スライド番号プレースホルダー 6">
             <a:extLst>
               <a:ext uri="{FF2B5EF4-FFF2-40B4-BE49-F238E27FC236}">
-                <a16:creationId xmlns:a16="http://schemas.microsoft.com/office/drawing/2014/main" xmlns="" id="{127F6C2E-6C8F-41C1-B48C-2292951331AD}"/>
+                <a16:creationId xmlns:a16="http://schemas.microsoft.com/office/drawing/2014/main" id="{127F6C2E-6C8F-41C1-B48C-2292951331AD}"/>
               </a:ext>
             </a:extLst>
           </p:cNvPr>
@@ -2066,7 +2073,7 @@
           <p:cNvPr id="2" name="タイトル 1">
             <a:extLst>
               <a:ext uri="{FF2B5EF4-FFF2-40B4-BE49-F238E27FC236}">
-                <a16:creationId xmlns:a16="http://schemas.microsoft.com/office/drawing/2014/main" xmlns="" id="{56019687-F0F8-411B-B519-E0AE83C5CEA6}"/>
+                <a16:creationId xmlns:a16="http://schemas.microsoft.com/office/drawing/2014/main" id="{56019687-F0F8-411B-B519-E0AE83C5CEA6}"/>
               </a:ext>
             </a:extLst>
           </p:cNvPr>
@@ -2099,7 +2106,7 @@
           <p:cNvPr id="3" name="テキスト プレースホルダー 2">
             <a:extLst>
               <a:ext uri="{FF2B5EF4-FFF2-40B4-BE49-F238E27FC236}">
-                <a16:creationId xmlns:a16="http://schemas.microsoft.com/office/drawing/2014/main" xmlns="" id="{E486F68B-292D-4F65-9707-BC2217D31433}"/>
+                <a16:creationId xmlns:a16="http://schemas.microsoft.com/office/drawing/2014/main" id="{E486F68B-292D-4F65-9707-BC2217D31433}"/>
               </a:ext>
             </a:extLst>
           </p:cNvPr>
@@ -2170,7 +2177,7 @@
           <p:cNvPr id="4" name="コンテンツ プレースホルダー 3">
             <a:extLst>
               <a:ext uri="{FF2B5EF4-FFF2-40B4-BE49-F238E27FC236}">
-                <a16:creationId xmlns:a16="http://schemas.microsoft.com/office/drawing/2014/main" xmlns="" id="{374F2048-6469-4F18-8B58-31750801BC0C}"/>
+                <a16:creationId xmlns:a16="http://schemas.microsoft.com/office/drawing/2014/main" id="{374F2048-6469-4F18-8B58-31750801BC0C}"/>
               </a:ext>
             </a:extLst>
           </p:cNvPr>
@@ -2264,7 +2271,7 @@
           <p:cNvPr id="5" name="テキスト プレースホルダー 4">
             <a:extLst>
               <a:ext uri="{FF2B5EF4-FFF2-40B4-BE49-F238E27FC236}">
-                <a16:creationId xmlns:a16="http://schemas.microsoft.com/office/drawing/2014/main" xmlns="" id="{2E6D5D63-E489-48AC-A362-55DB02899B55}"/>
+                <a16:creationId xmlns:a16="http://schemas.microsoft.com/office/drawing/2014/main" id="{2E6D5D63-E489-48AC-A362-55DB02899B55}"/>
               </a:ext>
             </a:extLst>
           </p:cNvPr>
@@ -2335,7 +2342,7 @@
           <p:cNvPr id="6" name="コンテンツ プレースホルダー 5">
             <a:extLst>
               <a:ext uri="{FF2B5EF4-FFF2-40B4-BE49-F238E27FC236}">
-                <a16:creationId xmlns:a16="http://schemas.microsoft.com/office/drawing/2014/main" xmlns="" id="{148F1C4A-5767-4EC0-85C8-571505755EB0}"/>
+                <a16:creationId xmlns:a16="http://schemas.microsoft.com/office/drawing/2014/main" id="{148F1C4A-5767-4EC0-85C8-571505755EB0}"/>
               </a:ext>
             </a:extLst>
           </p:cNvPr>
@@ -2429,7 +2436,7 @@
           <p:cNvPr id="7" name="日付プレースホルダー 6">
             <a:extLst>
               <a:ext uri="{FF2B5EF4-FFF2-40B4-BE49-F238E27FC236}">
-                <a16:creationId xmlns:a16="http://schemas.microsoft.com/office/drawing/2014/main" xmlns="" id="{BC9ACD47-787F-4BE6-B29B-B3CFFDE55A9C}"/>
+                <a16:creationId xmlns:a16="http://schemas.microsoft.com/office/drawing/2014/main" id="{BC9ACD47-787F-4BE6-B29B-B3CFFDE55A9C}"/>
               </a:ext>
             </a:extLst>
           </p:cNvPr>
@@ -2447,7 +2454,7 @@
           <a:p>
             <a:fld id="{5DD38707-5E34-46C7-88C2-928145620E78}" type="datetime1">
               <a:rPr kumimoji="1" lang="ja-JP" altLang="en-US" smtClean="0"/>
-              <a:t>2018/3/13</a:t>
+              <a:t>2018/4/7</a:t>
             </a:fld>
             <a:endParaRPr kumimoji="1" lang="ja-JP" altLang="en-US"/>
           </a:p>
@@ -2458,7 +2465,7 @@
           <p:cNvPr id="8" name="フッター プレースホルダー 7">
             <a:extLst>
               <a:ext uri="{FF2B5EF4-FFF2-40B4-BE49-F238E27FC236}">
-                <a16:creationId xmlns:a16="http://schemas.microsoft.com/office/drawing/2014/main" xmlns="" id="{BD4D869A-6245-47EA-826A-11903CEDCDF5}"/>
+                <a16:creationId xmlns:a16="http://schemas.microsoft.com/office/drawing/2014/main" id="{BD4D869A-6245-47EA-826A-11903CEDCDF5}"/>
               </a:ext>
             </a:extLst>
           </p:cNvPr>
@@ -2483,7 +2490,7 @@
           <p:cNvPr id="9" name="スライド番号プレースホルダー 8">
             <a:extLst>
               <a:ext uri="{FF2B5EF4-FFF2-40B4-BE49-F238E27FC236}">
-                <a16:creationId xmlns:a16="http://schemas.microsoft.com/office/drawing/2014/main" xmlns="" id="{EB8A9AF0-6356-40A0-8941-4F93A45D9286}"/>
+                <a16:creationId xmlns:a16="http://schemas.microsoft.com/office/drawing/2014/main" id="{EB8A9AF0-6356-40A0-8941-4F93A45D9286}"/>
               </a:ext>
             </a:extLst>
           </p:cNvPr>
@@ -2542,7 +2549,7 @@
           <p:cNvPr id="2" name="タイトル 1">
             <a:extLst>
               <a:ext uri="{FF2B5EF4-FFF2-40B4-BE49-F238E27FC236}">
-                <a16:creationId xmlns:a16="http://schemas.microsoft.com/office/drawing/2014/main" xmlns="" id="{450760D9-6747-4690-8F9A-C5AE1864B4E3}"/>
+                <a16:creationId xmlns:a16="http://schemas.microsoft.com/office/drawing/2014/main" id="{450760D9-6747-4690-8F9A-C5AE1864B4E3}"/>
               </a:ext>
             </a:extLst>
           </p:cNvPr>
@@ -2570,7 +2577,7 @@
           <p:cNvPr id="3" name="日付プレースホルダー 2">
             <a:extLst>
               <a:ext uri="{FF2B5EF4-FFF2-40B4-BE49-F238E27FC236}">
-                <a16:creationId xmlns:a16="http://schemas.microsoft.com/office/drawing/2014/main" xmlns="" id="{F2837AA8-1B7A-4F48-99C3-675552A1621E}"/>
+                <a16:creationId xmlns:a16="http://schemas.microsoft.com/office/drawing/2014/main" id="{F2837AA8-1B7A-4F48-99C3-675552A1621E}"/>
               </a:ext>
             </a:extLst>
           </p:cNvPr>
@@ -2588,7 +2595,7 @@
           <a:p>
             <a:fld id="{C7D5EE7D-C0B7-4B25-8104-5FCD7D2EAEA8}" type="datetime1">
               <a:rPr kumimoji="1" lang="ja-JP" altLang="en-US" smtClean="0"/>
-              <a:t>2018/3/13</a:t>
+              <a:t>2018/4/7</a:t>
             </a:fld>
             <a:endParaRPr kumimoji="1" lang="ja-JP" altLang="en-US"/>
           </a:p>
@@ -2599,7 +2606,7 @@
           <p:cNvPr id="4" name="フッター プレースホルダー 3">
             <a:extLst>
               <a:ext uri="{FF2B5EF4-FFF2-40B4-BE49-F238E27FC236}">
-                <a16:creationId xmlns:a16="http://schemas.microsoft.com/office/drawing/2014/main" xmlns="" id="{8AEAC055-ADBD-47BF-A7E2-EE031ABE5779}"/>
+                <a16:creationId xmlns:a16="http://schemas.microsoft.com/office/drawing/2014/main" id="{8AEAC055-ADBD-47BF-A7E2-EE031ABE5779}"/>
               </a:ext>
             </a:extLst>
           </p:cNvPr>
@@ -2624,7 +2631,7 @@
           <p:cNvPr id="5" name="スライド番号プレースホルダー 4">
             <a:extLst>
               <a:ext uri="{FF2B5EF4-FFF2-40B4-BE49-F238E27FC236}">
-                <a16:creationId xmlns:a16="http://schemas.microsoft.com/office/drawing/2014/main" xmlns="" id="{088EF311-DAB4-4685-91A4-BDE1EF3D5E04}"/>
+                <a16:creationId xmlns:a16="http://schemas.microsoft.com/office/drawing/2014/main" id="{088EF311-DAB4-4685-91A4-BDE1EF3D5E04}"/>
               </a:ext>
             </a:extLst>
           </p:cNvPr>
@@ -2683,7 +2690,7 @@
           <p:cNvPr id="2" name="日付プレースホルダー 1">
             <a:extLst>
               <a:ext uri="{FF2B5EF4-FFF2-40B4-BE49-F238E27FC236}">
-                <a16:creationId xmlns:a16="http://schemas.microsoft.com/office/drawing/2014/main" xmlns="" id="{12C283A7-F09B-44DA-AE34-70823E7FCA2A}"/>
+                <a16:creationId xmlns:a16="http://schemas.microsoft.com/office/drawing/2014/main" id="{12C283A7-F09B-44DA-AE34-70823E7FCA2A}"/>
               </a:ext>
             </a:extLst>
           </p:cNvPr>
@@ -2701,7 +2708,7 @@
           <a:p>
             <a:fld id="{AA028A9A-8812-42D8-A8AC-F30CD1F57465}" type="datetime1">
               <a:rPr kumimoji="1" lang="ja-JP" altLang="en-US" smtClean="0"/>
-              <a:t>2018/3/13</a:t>
+              <a:t>2018/4/7</a:t>
             </a:fld>
             <a:endParaRPr kumimoji="1" lang="ja-JP" altLang="en-US"/>
           </a:p>
@@ -2712,7 +2719,7 @@
           <p:cNvPr id="3" name="フッター プレースホルダー 2">
             <a:extLst>
               <a:ext uri="{FF2B5EF4-FFF2-40B4-BE49-F238E27FC236}">
-                <a16:creationId xmlns:a16="http://schemas.microsoft.com/office/drawing/2014/main" xmlns="" id="{BD19F830-754F-4C18-8FE4-2F04D270AA7D}"/>
+                <a16:creationId xmlns:a16="http://schemas.microsoft.com/office/drawing/2014/main" id="{BD19F830-754F-4C18-8FE4-2F04D270AA7D}"/>
               </a:ext>
             </a:extLst>
           </p:cNvPr>
@@ -2737,7 +2744,7 @@
           <p:cNvPr id="4" name="スライド番号プレースホルダー 3">
             <a:extLst>
               <a:ext uri="{FF2B5EF4-FFF2-40B4-BE49-F238E27FC236}">
-                <a16:creationId xmlns:a16="http://schemas.microsoft.com/office/drawing/2014/main" xmlns="" id="{AF30F06F-B6C9-459E-9D53-161CC5800883}"/>
+                <a16:creationId xmlns:a16="http://schemas.microsoft.com/office/drawing/2014/main" id="{AF30F06F-B6C9-459E-9D53-161CC5800883}"/>
               </a:ext>
             </a:extLst>
           </p:cNvPr>
@@ -2796,7 +2803,7 @@
           <p:cNvPr id="2" name="タイトル 1">
             <a:extLst>
               <a:ext uri="{FF2B5EF4-FFF2-40B4-BE49-F238E27FC236}">
-                <a16:creationId xmlns:a16="http://schemas.microsoft.com/office/drawing/2014/main" xmlns="" id="{94039C46-50B8-4DD5-BF93-3CBBC0EBABDC}"/>
+                <a16:creationId xmlns:a16="http://schemas.microsoft.com/office/drawing/2014/main" id="{94039C46-50B8-4DD5-BF93-3CBBC0EBABDC}"/>
               </a:ext>
             </a:extLst>
           </p:cNvPr>
@@ -2833,7 +2840,7 @@
           <p:cNvPr id="3" name="コンテンツ プレースホルダー 2">
             <a:extLst>
               <a:ext uri="{FF2B5EF4-FFF2-40B4-BE49-F238E27FC236}">
-                <a16:creationId xmlns:a16="http://schemas.microsoft.com/office/drawing/2014/main" xmlns="" id="{FAC67650-298A-4F61-B23F-88F3E8456AC1}"/>
+                <a16:creationId xmlns:a16="http://schemas.microsoft.com/office/drawing/2014/main" id="{FAC67650-298A-4F61-B23F-88F3E8456AC1}"/>
               </a:ext>
             </a:extLst>
           </p:cNvPr>
@@ -2955,7 +2962,7 @@
           <p:cNvPr id="4" name="テキスト プレースホルダー 3">
             <a:extLst>
               <a:ext uri="{FF2B5EF4-FFF2-40B4-BE49-F238E27FC236}">
-                <a16:creationId xmlns:a16="http://schemas.microsoft.com/office/drawing/2014/main" xmlns="" id="{ABAF77E6-1E08-4613-B05D-57C5EDE232F7}"/>
+                <a16:creationId xmlns:a16="http://schemas.microsoft.com/office/drawing/2014/main" id="{ABAF77E6-1E08-4613-B05D-57C5EDE232F7}"/>
               </a:ext>
             </a:extLst>
           </p:cNvPr>
@@ -3026,7 +3033,7 @@
           <p:cNvPr id="5" name="日付プレースホルダー 4">
             <a:extLst>
               <a:ext uri="{FF2B5EF4-FFF2-40B4-BE49-F238E27FC236}">
-                <a16:creationId xmlns:a16="http://schemas.microsoft.com/office/drawing/2014/main" xmlns="" id="{CD6E41A3-42D9-4D44-A093-4D97E3D0DEDF}"/>
+                <a16:creationId xmlns:a16="http://schemas.microsoft.com/office/drawing/2014/main" id="{CD6E41A3-42D9-4D44-A093-4D97E3D0DEDF}"/>
               </a:ext>
             </a:extLst>
           </p:cNvPr>
@@ -3044,7 +3051,7 @@
           <a:p>
             <a:fld id="{3638306A-7D11-4239-9371-3BFB25B5C686}" type="datetime1">
               <a:rPr kumimoji="1" lang="ja-JP" altLang="en-US" smtClean="0"/>
-              <a:t>2018/3/13</a:t>
+              <a:t>2018/4/7</a:t>
             </a:fld>
             <a:endParaRPr kumimoji="1" lang="ja-JP" altLang="en-US"/>
           </a:p>
@@ -3055,7 +3062,7 @@
           <p:cNvPr id="6" name="フッター プレースホルダー 5">
             <a:extLst>
               <a:ext uri="{FF2B5EF4-FFF2-40B4-BE49-F238E27FC236}">
-                <a16:creationId xmlns:a16="http://schemas.microsoft.com/office/drawing/2014/main" xmlns="" id="{35791E1E-DDBA-44B3-9ED6-75CDC9639CFF}"/>
+                <a16:creationId xmlns:a16="http://schemas.microsoft.com/office/drawing/2014/main" id="{35791E1E-DDBA-44B3-9ED6-75CDC9639CFF}"/>
               </a:ext>
             </a:extLst>
           </p:cNvPr>
@@ -3080,7 +3087,7 @@
           <p:cNvPr id="7" name="スライド番号プレースホルダー 6">
             <a:extLst>
               <a:ext uri="{FF2B5EF4-FFF2-40B4-BE49-F238E27FC236}">
-                <a16:creationId xmlns:a16="http://schemas.microsoft.com/office/drawing/2014/main" xmlns="" id="{1FA0BBAC-041B-4530-8DE5-67BB03F942B4}"/>
+                <a16:creationId xmlns:a16="http://schemas.microsoft.com/office/drawing/2014/main" id="{1FA0BBAC-041B-4530-8DE5-67BB03F942B4}"/>
               </a:ext>
             </a:extLst>
           </p:cNvPr>
@@ -3139,7 +3146,7 @@
           <p:cNvPr id="2" name="タイトル 1">
             <a:extLst>
               <a:ext uri="{FF2B5EF4-FFF2-40B4-BE49-F238E27FC236}">
-                <a16:creationId xmlns:a16="http://schemas.microsoft.com/office/drawing/2014/main" xmlns="" id="{D32961A6-5FD9-4DD1-9399-79025E702D77}"/>
+                <a16:creationId xmlns:a16="http://schemas.microsoft.com/office/drawing/2014/main" id="{D32961A6-5FD9-4DD1-9399-79025E702D77}"/>
               </a:ext>
             </a:extLst>
           </p:cNvPr>
@@ -3176,7 +3183,7 @@
           <p:cNvPr id="3" name="図プレースホルダー 2">
             <a:extLst>
               <a:ext uri="{FF2B5EF4-FFF2-40B4-BE49-F238E27FC236}">
-                <a16:creationId xmlns:a16="http://schemas.microsoft.com/office/drawing/2014/main" xmlns="" id="{D8E8218E-30F7-4056-BD7E-9E862E2C6EC8}"/>
+                <a16:creationId xmlns:a16="http://schemas.microsoft.com/office/drawing/2014/main" id="{D8E8218E-30F7-4056-BD7E-9E862E2C6EC8}"/>
               </a:ext>
             </a:extLst>
           </p:cNvPr>
@@ -3243,7 +3250,7 @@
           <p:cNvPr id="4" name="テキスト プレースホルダー 3">
             <a:extLst>
               <a:ext uri="{FF2B5EF4-FFF2-40B4-BE49-F238E27FC236}">
-                <a16:creationId xmlns:a16="http://schemas.microsoft.com/office/drawing/2014/main" xmlns="" id="{76A51302-49EB-4A71-8C42-03C06785F97F}"/>
+                <a16:creationId xmlns:a16="http://schemas.microsoft.com/office/drawing/2014/main" id="{76A51302-49EB-4A71-8C42-03C06785F97F}"/>
               </a:ext>
             </a:extLst>
           </p:cNvPr>
@@ -3314,7 +3321,7 @@
           <p:cNvPr id="5" name="日付プレースホルダー 4">
             <a:extLst>
               <a:ext uri="{FF2B5EF4-FFF2-40B4-BE49-F238E27FC236}">
-                <a16:creationId xmlns:a16="http://schemas.microsoft.com/office/drawing/2014/main" xmlns="" id="{122867D7-B298-4F34-BF60-7897C1D26B0C}"/>
+                <a16:creationId xmlns:a16="http://schemas.microsoft.com/office/drawing/2014/main" id="{122867D7-B298-4F34-BF60-7897C1D26B0C}"/>
               </a:ext>
             </a:extLst>
           </p:cNvPr>
@@ -3332,7 +3339,7 @@
           <a:p>
             <a:fld id="{25F8348D-66EA-4186-BB0B-99FB286568FF}" type="datetime1">
               <a:rPr kumimoji="1" lang="ja-JP" altLang="en-US" smtClean="0"/>
-              <a:t>2018/3/13</a:t>
+              <a:t>2018/4/7</a:t>
             </a:fld>
             <a:endParaRPr kumimoji="1" lang="ja-JP" altLang="en-US"/>
           </a:p>
@@ -3343,7 +3350,7 @@
           <p:cNvPr id="6" name="フッター プレースホルダー 5">
             <a:extLst>
               <a:ext uri="{FF2B5EF4-FFF2-40B4-BE49-F238E27FC236}">
-                <a16:creationId xmlns:a16="http://schemas.microsoft.com/office/drawing/2014/main" xmlns="" id="{42E40EFE-69CF-4922-A072-21BEA5904E07}"/>
+                <a16:creationId xmlns:a16="http://schemas.microsoft.com/office/drawing/2014/main" id="{42E40EFE-69CF-4922-A072-21BEA5904E07}"/>
               </a:ext>
             </a:extLst>
           </p:cNvPr>
@@ -3368,7 +3375,7 @@
           <p:cNvPr id="7" name="スライド番号プレースホルダー 6">
             <a:extLst>
               <a:ext uri="{FF2B5EF4-FFF2-40B4-BE49-F238E27FC236}">
-                <a16:creationId xmlns:a16="http://schemas.microsoft.com/office/drawing/2014/main" xmlns="" id="{A23CBFBD-4D74-4C68-B5BD-F1D021B97C39}"/>
+                <a16:creationId xmlns:a16="http://schemas.microsoft.com/office/drawing/2014/main" id="{A23CBFBD-4D74-4C68-B5BD-F1D021B97C39}"/>
               </a:ext>
             </a:extLst>
           </p:cNvPr>
@@ -3432,7 +3439,7 @@
           <p:cNvPr id="2" name="タイトル プレースホルダー 1">
             <a:extLst>
               <a:ext uri="{FF2B5EF4-FFF2-40B4-BE49-F238E27FC236}">
-                <a16:creationId xmlns:a16="http://schemas.microsoft.com/office/drawing/2014/main" xmlns="" id="{ED3DF858-0510-483E-A45F-3B55021841E7}"/>
+                <a16:creationId xmlns:a16="http://schemas.microsoft.com/office/drawing/2014/main" id="{ED3DF858-0510-483E-A45F-3B55021841E7}"/>
               </a:ext>
             </a:extLst>
           </p:cNvPr>
@@ -3470,7 +3477,7 @@
           <p:cNvPr id="3" name="テキスト プレースホルダー 2">
             <a:extLst>
               <a:ext uri="{FF2B5EF4-FFF2-40B4-BE49-F238E27FC236}">
-                <a16:creationId xmlns:a16="http://schemas.microsoft.com/office/drawing/2014/main" xmlns="" id="{B1E53387-6A73-4453-AABC-8B3D4C31451B}"/>
+                <a16:creationId xmlns:a16="http://schemas.microsoft.com/office/drawing/2014/main" id="{B1E53387-6A73-4453-AABC-8B3D4C31451B}"/>
               </a:ext>
             </a:extLst>
           </p:cNvPr>
@@ -3569,7 +3576,7 @@
           <p:cNvPr id="4" name="日付プレースホルダー 3">
             <a:extLst>
               <a:ext uri="{FF2B5EF4-FFF2-40B4-BE49-F238E27FC236}">
-                <a16:creationId xmlns:a16="http://schemas.microsoft.com/office/drawing/2014/main" xmlns="" id="{FA47AD39-5B31-4CF5-81B8-8F59795ECFD0}"/>
+                <a16:creationId xmlns:a16="http://schemas.microsoft.com/office/drawing/2014/main" id="{FA47AD39-5B31-4CF5-81B8-8F59795ECFD0}"/>
               </a:ext>
             </a:extLst>
           </p:cNvPr>
@@ -3605,7 +3612,7 @@
           <a:p>
             <a:fld id="{AC9BD3EC-C0C8-40A6-81F1-9BBFA037EF8B}" type="datetime1">
               <a:rPr kumimoji="1" lang="ja-JP" altLang="en-US" smtClean="0"/>
-              <a:t>2018/3/13</a:t>
+              <a:t>2018/4/7</a:t>
             </a:fld>
             <a:endParaRPr kumimoji="1" lang="ja-JP" altLang="en-US"/>
           </a:p>
@@ -3616,7 +3623,7 @@
           <p:cNvPr id="5" name="フッター プレースホルダー 4">
             <a:extLst>
               <a:ext uri="{FF2B5EF4-FFF2-40B4-BE49-F238E27FC236}">
-                <a16:creationId xmlns:a16="http://schemas.microsoft.com/office/drawing/2014/main" xmlns="" id="{1BF83D56-A9B3-4EDF-BFEA-EBC848414D02}"/>
+                <a16:creationId xmlns:a16="http://schemas.microsoft.com/office/drawing/2014/main" id="{1BF83D56-A9B3-4EDF-BFEA-EBC848414D02}"/>
               </a:ext>
             </a:extLst>
           </p:cNvPr>
@@ -3659,7 +3666,7 @@
           <p:cNvPr id="6" name="スライド番号プレースホルダー 5">
             <a:extLst>
               <a:ext uri="{FF2B5EF4-FFF2-40B4-BE49-F238E27FC236}">
-                <a16:creationId xmlns:a16="http://schemas.microsoft.com/office/drawing/2014/main" xmlns="" id="{BDCF5551-4BBA-4B6C-8390-6BC3D9EA83CE}"/>
+                <a16:creationId xmlns:a16="http://schemas.microsoft.com/office/drawing/2014/main" id="{BDCF5551-4BBA-4B6C-8390-6BC3D9EA83CE}"/>
               </a:ext>
             </a:extLst>
           </p:cNvPr>
@@ -4028,7 +4035,7 @@
           <p:cNvPr id="6" name="テキスト ボックス 5">
             <a:extLst>
               <a:ext uri="{FF2B5EF4-FFF2-40B4-BE49-F238E27FC236}">
-                <a16:creationId xmlns:a16="http://schemas.microsoft.com/office/drawing/2014/main" xmlns="" id="{1F0A6FEE-5F30-47CD-92B6-24311CE0EC92}"/>
+                <a16:creationId xmlns:a16="http://schemas.microsoft.com/office/drawing/2014/main" id="{1F0A6FEE-5F30-47CD-92B6-24311CE0EC92}"/>
               </a:ext>
             </a:extLst>
           </p:cNvPr>
@@ -4067,7 +4074,7 @@
           <p:cNvPr id="2" name="正方形/長方形 1">
             <a:extLst>
               <a:ext uri="{FF2B5EF4-FFF2-40B4-BE49-F238E27FC236}">
-                <a16:creationId xmlns:a16="http://schemas.microsoft.com/office/drawing/2014/main" xmlns="" id="{A3839584-586E-4BF7-B7D0-CF7E5BDF7807}"/>
+                <a16:creationId xmlns:a16="http://schemas.microsoft.com/office/drawing/2014/main" id="{A3839584-586E-4BF7-B7D0-CF7E5BDF7807}"/>
               </a:ext>
             </a:extLst>
           </p:cNvPr>
@@ -4126,7 +4133,7 @@
           <p:cNvPr id="5" name="スライド番号プレースホルダー 4">
             <a:extLst>
               <a:ext uri="{FF2B5EF4-FFF2-40B4-BE49-F238E27FC236}">
-                <a16:creationId xmlns:a16="http://schemas.microsoft.com/office/drawing/2014/main" xmlns="" id="{C270AC0B-4708-4A2D-90BF-07CDBA702A3C}"/>
+                <a16:creationId xmlns:a16="http://schemas.microsoft.com/office/drawing/2014/main" id="{C270AC0B-4708-4A2D-90BF-07CDBA702A3C}"/>
               </a:ext>
             </a:extLst>
           </p:cNvPr>
@@ -4155,7 +4162,7 @@
           <p:cNvPr id="7" name="正方形/長方形 6">
             <a:extLst>
               <a:ext uri="{FF2B5EF4-FFF2-40B4-BE49-F238E27FC236}">
-                <a16:creationId xmlns:a16="http://schemas.microsoft.com/office/drawing/2014/main" xmlns="" id="{7AA58E1A-71F5-4213-BA60-B3FBF0C5484F}"/>
+                <a16:creationId xmlns:a16="http://schemas.microsoft.com/office/drawing/2014/main" id="{7AA58E1A-71F5-4213-BA60-B3FBF0C5484F}"/>
               </a:ext>
             </a:extLst>
           </p:cNvPr>
@@ -4241,7 +4248,7 @@
           <p:cNvPr id="2" name="Shape 130">
             <a:extLst>
               <a:ext uri="{FF2B5EF4-FFF2-40B4-BE49-F238E27FC236}">
-                <a16:creationId xmlns:a16="http://schemas.microsoft.com/office/drawing/2014/main" xmlns="" id="{0AF9C5A6-F747-48BC-98BB-6721E2119395}"/>
+                <a16:creationId xmlns:a16="http://schemas.microsoft.com/office/drawing/2014/main" id="{0AF9C5A6-F747-48BC-98BB-6721E2119395}"/>
               </a:ext>
             </a:extLst>
           </p:cNvPr>
@@ -4261,7 +4268,7 @@
           </a:ln>
           <a:extLst>
             <a:ext uri="{C572A759-6A51-4108-AA02-DFA0A04FC94B}">
-              <ma14:wrappingTextBoxFlag xmlns="" xmlns:ma14="http://schemas.microsoft.com/office/mac/drawingml/2011/main" val="1"/>
+              <ma14:wrappingTextBoxFlag xmlns:ma14="http://schemas.microsoft.com/office/mac/drawingml/2011/main" xmlns="" val="1"/>
             </a:ext>
           </a:extLst>
         </p:spPr>
@@ -4304,7 +4311,7 @@
           <p:cNvPr id="7" name="スライド番号プレースホルダー 6">
             <a:extLst>
               <a:ext uri="{FF2B5EF4-FFF2-40B4-BE49-F238E27FC236}">
-                <a16:creationId xmlns:a16="http://schemas.microsoft.com/office/drawing/2014/main" xmlns="" id="{CB143EC8-5FDA-4747-A707-8D7BA03128D3}"/>
+                <a16:creationId xmlns:a16="http://schemas.microsoft.com/office/drawing/2014/main" id="{CB143EC8-5FDA-4747-A707-8D7BA03128D3}"/>
               </a:ext>
             </a:extLst>
           </p:cNvPr>
@@ -4333,7 +4340,7 @@
           <p:cNvPr id="9" name="表 8">
             <a:extLst>
               <a:ext uri="{FF2B5EF4-FFF2-40B4-BE49-F238E27FC236}">
-                <a16:creationId xmlns:a16="http://schemas.microsoft.com/office/drawing/2014/main" xmlns="" id="{624B42D9-156A-42C6-93BE-8F82EA34F6A2}"/>
+                <a16:creationId xmlns:a16="http://schemas.microsoft.com/office/drawing/2014/main" id="{624B42D9-156A-42C6-93BE-8F82EA34F6A2}"/>
               </a:ext>
             </a:extLst>
           </p:cNvPr>
@@ -4343,7 +4350,7 @@
           <p:nvPr>
             <p:extLst>
               <p:ext uri="{D42A27DB-BD31-4B8C-83A1-F6EECF244321}">
-                <p14:modId xmlns:p14="http://schemas.microsoft.com/office/powerpoint/2010/main" val="3539439786"/>
+                <p14:modId xmlns:p14="http://schemas.microsoft.com/office/powerpoint/2010/main" val="663544256"/>
               </p:ext>
             </p:extLst>
           </p:nvPr>
@@ -4362,49 +4369,49 @@
                 <a:gridCol w="1619568">
                   <a:extLst>
                     <a:ext uri="{9D8B030D-6E8A-4147-A177-3AD203B41FA5}">
-                      <a16:colId xmlns:a16="http://schemas.microsoft.com/office/drawing/2014/main" xmlns="" val="2869928480"/>
+                      <a16:colId xmlns:a16="http://schemas.microsoft.com/office/drawing/2014/main" val="2869928480"/>
                     </a:ext>
                   </a:extLst>
                 </a:gridCol>
                 <a:gridCol w="1619568">
                   <a:extLst>
                     <a:ext uri="{9D8B030D-6E8A-4147-A177-3AD203B41FA5}">
-                      <a16:colId xmlns:a16="http://schemas.microsoft.com/office/drawing/2014/main" xmlns="" val="3708684436"/>
+                      <a16:colId xmlns:a16="http://schemas.microsoft.com/office/drawing/2014/main" val="3708684436"/>
                     </a:ext>
                   </a:extLst>
                 </a:gridCol>
                 <a:gridCol w="1198450">
                   <a:extLst>
                     <a:ext uri="{9D8B030D-6E8A-4147-A177-3AD203B41FA5}">
-                      <a16:colId xmlns:a16="http://schemas.microsoft.com/office/drawing/2014/main" xmlns="" val="3877242200"/>
+                      <a16:colId xmlns:a16="http://schemas.microsoft.com/office/drawing/2014/main" val="3877242200"/>
                     </a:ext>
                   </a:extLst>
                 </a:gridCol>
                 <a:gridCol w="1619568">
                   <a:extLst>
                     <a:ext uri="{9D8B030D-6E8A-4147-A177-3AD203B41FA5}">
-                      <a16:colId xmlns:a16="http://schemas.microsoft.com/office/drawing/2014/main" xmlns="" val="1228845434"/>
+                      <a16:colId xmlns:a16="http://schemas.microsoft.com/office/drawing/2014/main" val="1228845434"/>
                     </a:ext>
                   </a:extLst>
                 </a:gridCol>
                 <a:gridCol w="933768">
                   <a:extLst>
                     <a:ext uri="{9D8B030D-6E8A-4147-A177-3AD203B41FA5}">
-                      <a16:colId xmlns:a16="http://schemas.microsoft.com/office/drawing/2014/main" xmlns="" val="4141803925"/>
+                      <a16:colId xmlns:a16="http://schemas.microsoft.com/office/drawing/2014/main" val="4141803925"/>
                     </a:ext>
                   </a:extLst>
                 </a:gridCol>
                 <a:gridCol w="1489297">
                   <a:extLst>
                     <a:ext uri="{9D8B030D-6E8A-4147-A177-3AD203B41FA5}">
-                      <a16:colId xmlns:a16="http://schemas.microsoft.com/office/drawing/2014/main" xmlns="" val="873013535"/>
+                      <a16:colId xmlns:a16="http://schemas.microsoft.com/office/drawing/2014/main" val="873013535"/>
                     </a:ext>
                   </a:extLst>
                 </a:gridCol>
                 <a:gridCol w="1651318">
                   <a:extLst>
                     <a:ext uri="{9D8B030D-6E8A-4147-A177-3AD203B41FA5}">
-                      <a16:colId xmlns:a16="http://schemas.microsoft.com/office/drawing/2014/main" xmlns="" val="2271690460"/>
+                      <a16:colId xmlns:a16="http://schemas.microsoft.com/office/drawing/2014/main" val="2271690460"/>
                     </a:ext>
                   </a:extLst>
                 </a:gridCol>
@@ -4418,7 +4425,7 @@
                       <a:pPr algn="ctr"/>
                       <a:r>
                         <a:rPr kumimoji="1" lang="ja-JP" altLang="en-US" dirty="0"/>
-                        <a:t>モデルの役割</a:t>
+                        <a:t>クラスの役割</a:t>
                       </a:r>
                     </a:p>
                   </a:txBody>
@@ -4446,7 +4453,7 @@
                       <a:pPr algn="ctr"/>
                       <a:r>
                         <a:rPr kumimoji="1" lang="ja-JP" altLang="en-US" dirty="0"/>
-                        <a:t>モデル名</a:t>
+                        <a:t>クラス名</a:t>
                       </a:r>
                     </a:p>
                   </a:txBody>
@@ -4511,7 +4518,7 @@
                 </a:tc>
                 <a:extLst>
                   <a:ext uri="{0D108BD9-81ED-4DB2-BD59-A6C34878D82A}">
-                    <a16:rowId xmlns:a16="http://schemas.microsoft.com/office/drawing/2014/main" xmlns="" val="2840948024"/>
+                    <a16:rowId xmlns:a16="http://schemas.microsoft.com/office/drawing/2014/main" val="2840948024"/>
                   </a:ext>
                 </a:extLst>
               </a:tr>
@@ -4661,7 +4668,7 @@
                 </a:tc>
                 <a:extLst>
                   <a:ext uri="{0D108BD9-81ED-4DB2-BD59-A6C34878D82A}">
-                    <a16:rowId xmlns:a16="http://schemas.microsoft.com/office/drawing/2014/main" xmlns="" val="412007066"/>
+                    <a16:rowId xmlns:a16="http://schemas.microsoft.com/office/drawing/2014/main" val="412007066"/>
                   </a:ext>
                 </a:extLst>
               </a:tr>
@@ -4674,7 +4681,7 @@
           <p:cNvPr id="10" name="テキスト ボックス 9">
             <a:extLst>
               <a:ext uri="{FF2B5EF4-FFF2-40B4-BE49-F238E27FC236}">
-                <a16:creationId xmlns:a16="http://schemas.microsoft.com/office/drawing/2014/main" xmlns="" id="{A621AA31-742A-4E36-B07B-F04DD8A2929A}"/>
+                <a16:creationId xmlns:a16="http://schemas.microsoft.com/office/drawing/2014/main" id="{A621AA31-742A-4E36-B07B-F04DD8A2929A}"/>
               </a:ext>
             </a:extLst>
           </p:cNvPr>
@@ -4710,7 +4717,7 @@
           <p:cNvPr id="11" name="グループ化 10">
             <a:extLst>
               <a:ext uri="{FF2B5EF4-FFF2-40B4-BE49-F238E27FC236}">
-                <a16:creationId xmlns:a16="http://schemas.microsoft.com/office/drawing/2014/main" xmlns="" id="{5213A3A3-CAEC-4F92-A901-6C426A298642}"/>
+                <a16:creationId xmlns:a16="http://schemas.microsoft.com/office/drawing/2014/main" id="{5213A3A3-CAEC-4F92-A901-6C426A298642}"/>
               </a:ext>
             </a:extLst>
           </p:cNvPr>
@@ -4730,7 +4737,7 @@
             <p:cNvPr id="12" name="テキスト ボックス 11">
               <a:extLst>
                 <a:ext uri="{FF2B5EF4-FFF2-40B4-BE49-F238E27FC236}">
-                  <a16:creationId xmlns:a16="http://schemas.microsoft.com/office/drawing/2014/main" xmlns="" id="{7C209044-D308-421C-AA24-12D3076C8EED}"/>
+                  <a16:creationId xmlns:a16="http://schemas.microsoft.com/office/drawing/2014/main" id="{7C209044-D308-421C-AA24-12D3076C8EED}"/>
                 </a:ext>
               </a:extLst>
             </p:cNvPr>
@@ -4767,7 +4774,7 @@
               </a:r>
               <a:r>
                 <a:rPr lang="ja-JP" altLang="en-US" dirty="0"/>
-                <a:t>モデル名を</a:t>
+                <a:t>クラス名を</a:t>
               </a:r>
               <a:r>
                 <a:rPr lang="en-US" altLang="ja-JP" dirty="0" err="1"/>
@@ -4785,7 +4792,7 @@
             <p:cNvPr id="13" name="テキスト ボックス 12">
               <a:extLst>
                 <a:ext uri="{FF2B5EF4-FFF2-40B4-BE49-F238E27FC236}">
-                  <a16:creationId xmlns:a16="http://schemas.microsoft.com/office/drawing/2014/main" xmlns="" id="{1F10411C-1EA1-464D-A8D5-EA693197AF2D}"/>
+                  <a16:creationId xmlns:a16="http://schemas.microsoft.com/office/drawing/2014/main" id="{1F10411C-1EA1-464D-A8D5-EA693197AF2D}"/>
                 </a:ext>
               </a:extLst>
             </p:cNvPr>
@@ -4821,7 +4828,7 @@
           <p:cNvPr id="14" name="グループ化 13">
             <a:extLst>
               <a:ext uri="{FF2B5EF4-FFF2-40B4-BE49-F238E27FC236}">
-                <a16:creationId xmlns:a16="http://schemas.microsoft.com/office/drawing/2014/main" xmlns="" id="{5F496EB3-0D33-4210-B186-952D6194F7DC}"/>
+                <a16:creationId xmlns:a16="http://schemas.microsoft.com/office/drawing/2014/main" id="{5F496EB3-0D33-4210-B186-952D6194F7DC}"/>
               </a:ext>
             </a:extLst>
           </p:cNvPr>
@@ -4841,7 +4848,7 @@
             <p:cNvPr id="15" name="テキスト ボックス 14">
               <a:extLst>
                 <a:ext uri="{FF2B5EF4-FFF2-40B4-BE49-F238E27FC236}">
-                  <a16:creationId xmlns:a16="http://schemas.microsoft.com/office/drawing/2014/main" xmlns="" id="{1A666B66-AEFB-4549-8F25-005EF591E7DA}"/>
+                  <a16:creationId xmlns:a16="http://schemas.microsoft.com/office/drawing/2014/main" id="{1A666B66-AEFB-4549-8F25-005EF591E7DA}"/>
                 </a:ext>
               </a:extLst>
             </p:cNvPr>
@@ -4884,7 +4891,7 @@
             <p:cNvPr id="16" name="テキスト ボックス 15">
               <a:extLst>
                 <a:ext uri="{FF2B5EF4-FFF2-40B4-BE49-F238E27FC236}">
-                  <a16:creationId xmlns:a16="http://schemas.microsoft.com/office/drawing/2014/main" xmlns="" id="{9FE567CD-482B-4C4F-9B30-F0235F36DCDC}"/>
+                  <a16:creationId xmlns:a16="http://schemas.microsoft.com/office/drawing/2014/main" id="{9FE567CD-482B-4C4F-9B30-F0235F36DCDC}"/>
                 </a:ext>
               </a:extLst>
             </p:cNvPr>
@@ -4920,7 +4927,7 @@
           <p:cNvPr id="17" name="図 16">
             <a:extLst>
               <a:ext uri="{FF2B5EF4-FFF2-40B4-BE49-F238E27FC236}">
-                <a16:creationId xmlns:a16="http://schemas.microsoft.com/office/drawing/2014/main" xmlns="" id="{31AC454F-A777-4587-9152-E963A4E7240C}"/>
+                <a16:creationId xmlns:a16="http://schemas.microsoft.com/office/drawing/2014/main" id="{31AC454F-A777-4587-9152-E963A4E7240C}"/>
               </a:ext>
             </a:extLst>
           </p:cNvPr>
@@ -4949,7 +4956,7 @@
           <p:cNvPr id="22" name="直線コネクタ 21">
             <a:extLst>
               <a:ext uri="{FF2B5EF4-FFF2-40B4-BE49-F238E27FC236}">
-                <a16:creationId xmlns:a16="http://schemas.microsoft.com/office/drawing/2014/main" xmlns="" id="{6BCA8CB7-AFBC-4718-9E68-E6D33C5ABDDB}"/>
+                <a16:creationId xmlns:a16="http://schemas.microsoft.com/office/drawing/2014/main" id="{6BCA8CB7-AFBC-4718-9E68-E6D33C5ABDDB}"/>
               </a:ext>
             </a:extLst>
           </p:cNvPr>
@@ -5024,7 +5031,7 @@
           <p:cNvPr id="2" name="スライド番号プレースホルダー 1">
             <a:extLst>
               <a:ext uri="{FF2B5EF4-FFF2-40B4-BE49-F238E27FC236}">
-                <a16:creationId xmlns:a16="http://schemas.microsoft.com/office/drawing/2014/main" xmlns="" id="{2EF09256-1F4D-45B4-9B1F-BDC1757047E4}"/>
+                <a16:creationId xmlns:a16="http://schemas.microsoft.com/office/drawing/2014/main" id="{2EF09256-1F4D-45B4-9B1F-BDC1757047E4}"/>
               </a:ext>
             </a:extLst>
           </p:cNvPr>
@@ -5053,7 +5060,7 @@
           <p:cNvPr id="3" name="グループ化 2">
             <a:extLst>
               <a:ext uri="{FF2B5EF4-FFF2-40B4-BE49-F238E27FC236}">
-                <a16:creationId xmlns:a16="http://schemas.microsoft.com/office/drawing/2014/main" xmlns="" id="{EED2038E-0BFA-469B-B16A-BA3452F80B78}"/>
+                <a16:creationId xmlns:a16="http://schemas.microsoft.com/office/drawing/2014/main" id="{EED2038E-0BFA-469B-B16A-BA3452F80B78}"/>
               </a:ext>
             </a:extLst>
           </p:cNvPr>
@@ -5073,7 +5080,7 @@
             <p:cNvPr id="4" name="テキスト ボックス 3">
               <a:extLst>
                 <a:ext uri="{FF2B5EF4-FFF2-40B4-BE49-F238E27FC236}">
-                  <a16:creationId xmlns:a16="http://schemas.microsoft.com/office/drawing/2014/main" xmlns="" id="{01F0DE58-A22B-4467-A9A7-30D560AE140B}"/>
+                  <a16:creationId xmlns:a16="http://schemas.microsoft.com/office/drawing/2014/main" id="{01F0DE58-A22B-4467-A9A7-30D560AE140B}"/>
                 </a:ext>
               </a:extLst>
             </p:cNvPr>
@@ -5120,7 +5127,7 @@
             <p:cNvPr id="5" name="テキスト ボックス 4">
               <a:extLst>
                 <a:ext uri="{FF2B5EF4-FFF2-40B4-BE49-F238E27FC236}">
-                  <a16:creationId xmlns:a16="http://schemas.microsoft.com/office/drawing/2014/main" xmlns="" id="{7C261631-462C-4559-873A-98A79B7F50DF}"/>
+                  <a16:creationId xmlns:a16="http://schemas.microsoft.com/office/drawing/2014/main" id="{7C261631-462C-4559-873A-98A79B7F50DF}"/>
                 </a:ext>
               </a:extLst>
             </p:cNvPr>
@@ -5156,7 +5163,7 @@
           <p:cNvPr id="8" name="Shape 130">
             <a:extLst>
               <a:ext uri="{FF2B5EF4-FFF2-40B4-BE49-F238E27FC236}">
-                <a16:creationId xmlns:a16="http://schemas.microsoft.com/office/drawing/2014/main" xmlns="" id="{6AD248E9-2284-4713-97C3-B7A49B624090}"/>
+                <a16:creationId xmlns:a16="http://schemas.microsoft.com/office/drawing/2014/main" id="{6AD248E9-2284-4713-97C3-B7A49B624090}"/>
               </a:ext>
             </a:extLst>
           </p:cNvPr>
@@ -5176,7 +5183,7 @@
           </a:ln>
           <a:extLst>
             <a:ext uri="{C572A759-6A51-4108-AA02-DFA0A04FC94B}">
-              <ma14:wrappingTextBoxFlag xmlns="" xmlns:ma14="http://schemas.microsoft.com/office/mac/drawingml/2011/main" val="1"/>
+              <ma14:wrappingTextBoxFlag xmlns:ma14="http://schemas.microsoft.com/office/mac/drawingml/2011/main" xmlns="" val="1"/>
             </a:ext>
           </a:extLst>
         </p:spPr>
@@ -5219,7 +5226,7 @@
           <p:cNvPr id="9" name="図 8">
             <a:extLst>
               <a:ext uri="{FF2B5EF4-FFF2-40B4-BE49-F238E27FC236}">
-                <a16:creationId xmlns:a16="http://schemas.microsoft.com/office/drawing/2014/main" xmlns="" id="{681BF2CE-5C45-46FF-8287-73D47ED6D7FF}"/>
+                <a16:creationId xmlns:a16="http://schemas.microsoft.com/office/drawing/2014/main" id="{681BF2CE-5C45-46FF-8287-73D47ED6D7FF}"/>
               </a:ext>
             </a:extLst>
           </p:cNvPr>
@@ -5249,7 +5256,7 @@
           <p:cNvPr id="10" name="四角形: 角を丸くする 9">
             <a:extLst>
               <a:ext uri="{FF2B5EF4-FFF2-40B4-BE49-F238E27FC236}">
-                <a16:creationId xmlns:a16="http://schemas.microsoft.com/office/drawing/2014/main" xmlns="" id="{468C887F-EBF3-447D-8734-D7C9798AC020}"/>
+                <a16:creationId xmlns:a16="http://schemas.microsoft.com/office/drawing/2014/main" id="{468C887F-EBF3-447D-8734-D7C9798AC020}"/>
               </a:ext>
             </a:extLst>
           </p:cNvPr>
@@ -5301,7 +5308,7 @@
           <p:cNvPr id="11" name="直線矢印コネクタ 10">
             <a:extLst>
               <a:ext uri="{FF2B5EF4-FFF2-40B4-BE49-F238E27FC236}">
-                <a16:creationId xmlns:a16="http://schemas.microsoft.com/office/drawing/2014/main" xmlns="" id="{5826A181-744C-46E9-B054-7E7DECE2CA3D}"/>
+                <a16:creationId xmlns:a16="http://schemas.microsoft.com/office/drawing/2014/main" id="{5826A181-744C-46E9-B054-7E7DECE2CA3D}"/>
               </a:ext>
             </a:extLst>
           </p:cNvPr>
@@ -5347,7 +5354,7 @@
           <p:cNvPr id="14" name="図 13">
             <a:extLst>
               <a:ext uri="{FF2B5EF4-FFF2-40B4-BE49-F238E27FC236}">
-                <a16:creationId xmlns:a16="http://schemas.microsoft.com/office/drawing/2014/main" xmlns="" id="{420D40FD-8228-45ED-B9E5-4DF8DA68A6F2}"/>
+                <a16:creationId xmlns:a16="http://schemas.microsoft.com/office/drawing/2014/main" id="{420D40FD-8228-45ED-B9E5-4DF8DA68A6F2}"/>
               </a:ext>
             </a:extLst>
           </p:cNvPr>
@@ -5377,7 +5384,7 @@
           <p:cNvPr id="15" name="テキスト ボックス 14">
             <a:extLst>
               <a:ext uri="{FF2B5EF4-FFF2-40B4-BE49-F238E27FC236}">
-                <a16:creationId xmlns:a16="http://schemas.microsoft.com/office/drawing/2014/main" xmlns="" id="{250A62EF-D878-449D-9CAE-4434FF698977}"/>
+                <a16:creationId xmlns:a16="http://schemas.microsoft.com/office/drawing/2014/main" id="{250A62EF-D878-449D-9CAE-4434FF698977}"/>
               </a:ext>
             </a:extLst>
           </p:cNvPr>
@@ -5457,7 +5464,7 @@
           <p:cNvPr id="2" name="スライド番号プレースホルダー 1">
             <a:extLst>
               <a:ext uri="{FF2B5EF4-FFF2-40B4-BE49-F238E27FC236}">
-                <a16:creationId xmlns:a16="http://schemas.microsoft.com/office/drawing/2014/main" xmlns="" id="{7655272F-F346-4D67-980D-F5DAC34C0D26}"/>
+                <a16:creationId xmlns:a16="http://schemas.microsoft.com/office/drawing/2014/main" id="{7655272F-F346-4D67-980D-F5DAC34C0D26}"/>
               </a:ext>
             </a:extLst>
           </p:cNvPr>
@@ -5486,7 +5493,7 @@
           <p:cNvPr id="3" name="Shape 130">
             <a:extLst>
               <a:ext uri="{FF2B5EF4-FFF2-40B4-BE49-F238E27FC236}">
-                <a16:creationId xmlns:a16="http://schemas.microsoft.com/office/drawing/2014/main" xmlns="" id="{2EDF6CCC-97C9-4981-8AF2-09ED5C8EF2EF}"/>
+                <a16:creationId xmlns:a16="http://schemas.microsoft.com/office/drawing/2014/main" id="{2EDF6CCC-97C9-4981-8AF2-09ED5C8EF2EF}"/>
               </a:ext>
             </a:extLst>
           </p:cNvPr>
@@ -5506,7 +5513,7 @@
           </a:ln>
           <a:extLst>
             <a:ext uri="{C572A759-6A51-4108-AA02-DFA0A04FC94B}">
-              <ma14:wrappingTextBoxFlag xmlns="" xmlns:ma14="http://schemas.microsoft.com/office/mac/drawingml/2011/main" val="1"/>
+              <ma14:wrappingTextBoxFlag xmlns:ma14="http://schemas.microsoft.com/office/mac/drawingml/2011/main" xmlns="" val="1"/>
             </a:ext>
           </a:extLst>
         </p:spPr>
@@ -5536,7 +5543,7 @@
           <p:cNvPr id="22" name="テキスト ボックス 21">
             <a:extLst>
               <a:ext uri="{FF2B5EF4-FFF2-40B4-BE49-F238E27FC236}">
-                <a16:creationId xmlns:a16="http://schemas.microsoft.com/office/drawing/2014/main" xmlns="" id="{D60D1214-BD30-44F7-9F98-423EFC33BD21}"/>
+                <a16:creationId xmlns:a16="http://schemas.microsoft.com/office/drawing/2014/main" id="{D60D1214-BD30-44F7-9F98-423EFC33BD21}"/>
               </a:ext>
             </a:extLst>
           </p:cNvPr>
@@ -5560,27 +5567,8 @@
           <a:lstStyle/>
           <a:p>
             <a:r>
-              <a:rPr lang="ja-JP" altLang="en-US" sz="2000" b="1" dirty="0" smtClean="0"/>
+              <a:rPr lang="ja-JP" altLang="en-US" sz="2000" b="1" dirty="0"/>
               <a:t>ここで</a:t>
-            </a:r>
-            <a:r>
-              <a:rPr lang="en-US" altLang="ja-JP" sz="2000" b="1" dirty="0" smtClean="0"/>
-              <a:t>connector</a:t>
-            </a:r>
-            <a:r>
-              <a:rPr lang="ja-JP" altLang="en-US" sz="2000" b="1" dirty="0" smtClean="0"/>
-              <a:t>でやり取りする値を受け取る方法を解説します</a:t>
-            </a:r>
-            <a:endParaRPr lang="en-US" altLang="ja-JP" sz="2000" b="1" dirty="0" smtClean="0"/>
-          </a:p>
-          <a:p>
-            <a:r>
-              <a:rPr lang="ja-JP" altLang="en-US" sz="2000" b="1" dirty="0" smtClean="0"/>
-              <a:t>インスタンス化</a:t>
-            </a:r>
-            <a:r>
-              <a:rPr lang="ja-JP" altLang="en-US" sz="2000" b="1" dirty="0"/>
-              <a:t>された</a:t>
             </a:r>
             <a:r>
               <a:rPr lang="en-US" altLang="ja-JP" sz="2000" b="1" dirty="0"/>
@@ -5588,6 +5576,21 @@
             </a:r>
             <a:r>
               <a:rPr lang="ja-JP" altLang="en-US" sz="2000" b="1" dirty="0"/>
+              <a:t>でやり取りする値を受け取る方法を解説します</a:t>
+            </a:r>
+            <a:endParaRPr lang="en-US" altLang="ja-JP" sz="2000" b="1" dirty="0"/>
+          </a:p>
+          <a:p>
+            <a:r>
+              <a:rPr lang="ja-JP" altLang="en-US" sz="2000" b="1" dirty="0"/>
+              <a:t>インスタンス化された</a:t>
+            </a:r>
+            <a:r>
+              <a:rPr lang="en-US" altLang="ja-JP" sz="2000" b="1" dirty="0"/>
+              <a:t>connector</a:t>
+            </a:r>
+            <a:r>
+              <a:rPr lang="ja-JP" altLang="en-US" sz="2000" b="1" dirty="0"/>
               <a:t>の変数と、</a:t>
             </a:r>
             <a:endParaRPr lang="en-US" altLang="ja-JP" sz="2000" b="1" dirty="0"/>
@@ -5595,11 +5598,7 @@
           <a:p>
             <a:r>
               <a:rPr lang="ja-JP" altLang="en-US" sz="2000" b="1" dirty="0"/>
-              <a:t>宣言したパラメータや</a:t>
-            </a:r>
-            <a:r>
-              <a:rPr lang="ja-JP" altLang="en-US" sz="2000" b="1" dirty="0" smtClean="0"/>
-              <a:t>変数を等式で結びつけることで値を受け渡します</a:t>
+              <a:t>宣言したパラメータや変数を等式で結びつけることで値を受け渡します</a:t>
             </a:r>
             <a:endParaRPr kumimoji="1" lang="ja-JP" altLang="en-US" sz="2000" b="1" dirty="0"/>
           </a:p>
@@ -5610,7 +5609,7 @@
           <p:cNvPr id="25" name="グループ化 24">
             <a:extLst>
               <a:ext uri="{FF2B5EF4-FFF2-40B4-BE49-F238E27FC236}">
-                <a16:creationId xmlns:a16="http://schemas.microsoft.com/office/drawing/2014/main" xmlns="" id="{006C95D5-070A-427B-BC1F-6A04BC72DEAE}"/>
+                <a16:creationId xmlns:a16="http://schemas.microsoft.com/office/drawing/2014/main" id="{006C95D5-070A-427B-BC1F-6A04BC72DEAE}"/>
               </a:ext>
             </a:extLst>
           </p:cNvPr>
@@ -5630,7 +5629,7 @@
             <p:cNvPr id="26" name="テキスト ボックス 25">
               <a:extLst>
                 <a:ext uri="{FF2B5EF4-FFF2-40B4-BE49-F238E27FC236}">
-                  <a16:creationId xmlns:a16="http://schemas.microsoft.com/office/drawing/2014/main" xmlns="" id="{DC42F7CB-2177-480A-A368-E827C8FDA030}"/>
+                  <a16:creationId xmlns:a16="http://schemas.microsoft.com/office/drawing/2014/main" id="{DC42F7CB-2177-480A-A368-E827C8FDA030}"/>
                 </a:ext>
               </a:extLst>
             </p:cNvPr>
@@ -5691,7 +5690,7 @@
             <p:cNvPr id="27" name="テキスト ボックス 26">
               <a:extLst>
                 <a:ext uri="{FF2B5EF4-FFF2-40B4-BE49-F238E27FC236}">
-                  <a16:creationId xmlns:a16="http://schemas.microsoft.com/office/drawing/2014/main" xmlns="" id="{E9A87732-B985-403B-8FAE-F8749FB89D3B}"/>
+                  <a16:creationId xmlns:a16="http://schemas.microsoft.com/office/drawing/2014/main" id="{E9A87732-B985-403B-8FAE-F8749FB89D3B}"/>
                 </a:ext>
               </a:extLst>
             </p:cNvPr>
@@ -5762,7 +5761,7 @@
             <p:cNvPr id="28" name="テキスト ボックス 27">
               <a:extLst>
                 <a:ext uri="{FF2B5EF4-FFF2-40B4-BE49-F238E27FC236}">
-                  <a16:creationId xmlns:a16="http://schemas.microsoft.com/office/drawing/2014/main" xmlns="" id="{F9F9387C-CB28-4016-9E7D-555DBA603F98}"/>
+                  <a16:creationId xmlns:a16="http://schemas.microsoft.com/office/drawing/2014/main" id="{F9F9387C-CB28-4016-9E7D-555DBA603F98}"/>
                 </a:ext>
               </a:extLst>
             </p:cNvPr>
@@ -5833,7 +5832,7 @@
             <p:cNvPr id="29" name="テキスト ボックス 28">
               <a:extLst>
                 <a:ext uri="{FF2B5EF4-FFF2-40B4-BE49-F238E27FC236}">
-                  <a16:creationId xmlns:a16="http://schemas.microsoft.com/office/drawing/2014/main" xmlns="" id="{9DEA571E-4534-413E-A026-03A5456225AA}"/>
+                  <a16:creationId xmlns:a16="http://schemas.microsoft.com/office/drawing/2014/main" id="{9DEA571E-4534-413E-A026-03A5456225AA}"/>
                 </a:ext>
               </a:extLst>
             </p:cNvPr>
@@ -5894,7 +5893,7 @@
             <p:cNvPr id="30" name="正方形/長方形 29">
               <a:extLst>
                 <a:ext uri="{FF2B5EF4-FFF2-40B4-BE49-F238E27FC236}">
-                  <a16:creationId xmlns:a16="http://schemas.microsoft.com/office/drawing/2014/main" xmlns="" id="{3B00413B-C236-4354-8208-DCD19D9C04E0}"/>
+                  <a16:creationId xmlns:a16="http://schemas.microsoft.com/office/drawing/2014/main" id="{3B00413B-C236-4354-8208-DCD19D9C04E0}"/>
                 </a:ext>
               </a:extLst>
             </p:cNvPr>
@@ -5954,7 +5953,7 @@
             <p:cNvPr id="31" name="テキスト ボックス 30">
               <a:extLst>
                 <a:ext uri="{FF2B5EF4-FFF2-40B4-BE49-F238E27FC236}">
-                  <a16:creationId xmlns:a16="http://schemas.microsoft.com/office/drawing/2014/main" xmlns="" id="{AAE3CD86-AD77-4A6D-A289-CB9EA165276A}"/>
+                  <a16:creationId xmlns:a16="http://schemas.microsoft.com/office/drawing/2014/main" id="{AAE3CD86-AD77-4A6D-A289-CB9EA165276A}"/>
                 </a:ext>
               </a:extLst>
             </p:cNvPr>
@@ -6015,7 +6014,7 @@
           <p:cNvPr id="6" name="グループ化 5">
             <a:extLst>
               <a:ext uri="{FF2B5EF4-FFF2-40B4-BE49-F238E27FC236}">
-                <a16:creationId xmlns:a16="http://schemas.microsoft.com/office/drawing/2014/main" xmlns="" id="{0919BCD4-B296-4A6E-8FDA-85F62EDC8740}"/>
+                <a16:creationId xmlns:a16="http://schemas.microsoft.com/office/drawing/2014/main" id="{0919BCD4-B296-4A6E-8FDA-85F62EDC8740}"/>
               </a:ext>
             </a:extLst>
           </p:cNvPr>
@@ -6035,7 +6034,7 @@
             <p:cNvPr id="16" name="テキスト ボックス 15">
               <a:extLst>
                 <a:ext uri="{FF2B5EF4-FFF2-40B4-BE49-F238E27FC236}">
-                  <a16:creationId xmlns:a16="http://schemas.microsoft.com/office/drawing/2014/main" xmlns="" id="{122905AA-B236-4DE8-831E-8C91495CE45A}"/>
+                  <a16:creationId xmlns:a16="http://schemas.microsoft.com/office/drawing/2014/main" id="{122905AA-B236-4DE8-831E-8C91495CE45A}"/>
                 </a:ext>
               </a:extLst>
             </p:cNvPr>
@@ -6079,7 +6078,7 @@
             <p:cNvPr id="19" name="テキスト ボックス 18">
               <a:extLst>
                 <a:ext uri="{FF2B5EF4-FFF2-40B4-BE49-F238E27FC236}">
-                  <a16:creationId xmlns:a16="http://schemas.microsoft.com/office/drawing/2014/main" xmlns="" id="{3D0D74F2-CF0E-490E-8A18-93227C217A5B}"/>
+                  <a16:creationId xmlns:a16="http://schemas.microsoft.com/office/drawing/2014/main" id="{3D0D74F2-CF0E-490E-8A18-93227C217A5B}"/>
                 </a:ext>
               </a:extLst>
             </p:cNvPr>
@@ -6115,7 +6114,7 @@
             <p:cNvPr id="20" name="正方形/長方形 19">
               <a:extLst>
                 <a:ext uri="{FF2B5EF4-FFF2-40B4-BE49-F238E27FC236}">
-                  <a16:creationId xmlns:a16="http://schemas.microsoft.com/office/drawing/2014/main" xmlns="" id="{DC177E7D-01B2-4E8B-892B-C6C888842E5A}"/>
+                  <a16:creationId xmlns:a16="http://schemas.microsoft.com/office/drawing/2014/main" id="{DC177E7D-01B2-4E8B-892B-C6C888842E5A}"/>
                 </a:ext>
               </a:extLst>
             </p:cNvPr>
@@ -6167,7 +6166,7 @@
             <p:cNvPr id="21" name="テキスト ボックス 20">
               <a:extLst>
                 <a:ext uri="{FF2B5EF4-FFF2-40B4-BE49-F238E27FC236}">
-                  <a16:creationId xmlns:a16="http://schemas.microsoft.com/office/drawing/2014/main" xmlns="" id="{F35ACE69-627B-4CBA-8388-123CB6EF6CDC}"/>
+                  <a16:creationId xmlns:a16="http://schemas.microsoft.com/office/drawing/2014/main" id="{F35ACE69-627B-4CBA-8388-123CB6EF6CDC}"/>
                 </a:ext>
               </a:extLst>
             </p:cNvPr>
@@ -6213,7 +6212,7 @@
             <p:cNvPr id="23" name="テキスト ボックス 22">
               <a:extLst>
                 <a:ext uri="{FF2B5EF4-FFF2-40B4-BE49-F238E27FC236}">
-                  <a16:creationId xmlns:a16="http://schemas.microsoft.com/office/drawing/2014/main" xmlns="" id="{8B030312-94E6-4C98-A291-6DCF3A26F469}"/>
+                  <a16:creationId xmlns:a16="http://schemas.microsoft.com/office/drawing/2014/main" id="{8B030312-94E6-4C98-A291-6DCF3A26F469}"/>
                 </a:ext>
               </a:extLst>
             </p:cNvPr>
@@ -6261,7 +6260,7 @@
             <p:cNvPr id="24" name="テキスト ボックス 23">
               <a:extLst>
                 <a:ext uri="{FF2B5EF4-FFF2-40B4-BE49-F238E27FC236}">
-                  <a16:creationId xmlns:a16="http://schemas.microsoft.com/office/drawing/2014/main" xmlns="" id="{D5F14F04-3751-4915-B62C-E6B81112F80C}"/>
+                  <a16:creationId xmlns:a16="http://schemas.microsoft.com/office/drawing/2014/main" id="{D5F14F04-3751-4915-B62C-E6B81112F80C}"/>
                 </a:ext>
               </a:extLst>
             </p:cNvPr>
@@ -6317,7 +6316,7 @@
             <p:cNvPr id="32" name="直線コネクタ 31">
               <a:extLst>
                 <a:ext uri="{FF2B5EF4-FFF2-40B4-BE49-F238E27FC236}">
-                  <a16:creationId xmlns:a16="http://schemas.microsoft.com/office/drawing/2014/main" xmlns="" id="{5C167AA2-6DD3-4E24-9117-31EE9C88B831}"/>
+                  <a16:creationId xmlns:a16="http://schemas.microsoft.com/office/drawing/2014/main" id="{5C167AA2-6DD3-4E24-9117-31EE9C88B831}"/>
                 </a:ext>
               </a:extLst>
             </p:cNvPr>
@@ -6328,8 +6327,8 @@
           </p:nvCxnSpPr>
           <p:spPr>
             <a:xfrm>
-              <a:off x="1502082" y="4422985"/>
-              <a:ext cx="1769624" cy="0"/>
+              <a:off x="1493520" y="4422985"/>
+              <a:ext cx="2090606" cy="0"/>
             </a:xfrm>
             <a:prstGeom prst="line">
               <a:avLst/>
@@ -6362,7 +6361,7 @@
             <p:cNvPr id="33" name="直線コネクタ 32">
               <a:extLst>
                 <a:ext uri="{FF2B5EF4-FFF2-40B4-BE49-F238E27FC236}">
-                  <a16:creationId xmlns:a16="http://schemas.microsoft.com/office/drawing/2014/main" xmlns="" id="{5F2EAEDE-4377-43E5-B0C7-5F4F1248D60F}"/>
+                  <a16:creationId xmlns:a16="http://schemas.microsoft.com/office/drawing/2014/main" id="{5F2EAEDE-4377-43E5-B0C7-5F4F1248D60F}"/>
                 </a:ext>
               </a:extLst>
             </p:cNvPr>
@@ -6373,8 +6372,8 @@
           </p:nvCxnSpPr>
           <p:spPr>
             <a:xfrm>
-              <a:off x="3422708" y="4422985"/>
-              <a:ext cx="956345" cy="0"/>
+              <a:off x="3644900" y="4422985"/>
+              <a:ext cx="1071973" cy="0"/>
             </a:xfrm>
             <a:prstGeom prst="line">
               <a:avLst/>
@@ -6407,7 +6406,7 @@
             <p:cNvPr id="36" name="直線コネクタ 35">
               <a:extLst>
                 <a:ext uri="{FF2B5EF4-FFF2-40B4-BE49-F238E27FC236}">
-                  <a16:creationId xmlns:a16="http://schemas.microsoft.com/office/drawing/2014/main" xmlns="" id="{97BADADD-68B9-41A1-BA1C-19E761B8A045}"/>
+                  <a16:creationId xmlns:a16="http://schemas.microsoft.com/office/drawing/2014/main" id="{97BADADD-68B9-41A1-BA1C-19E761B8A045}"/>
                 </a:ext>
               </a:extLst>
             </p:cNvPr>
@@ -6418,7 +6417,7 @@
           </p:nvCxnSpPr>
           <p:spPr>
             <a:xfrm>
-              <a:off x="4550888" y="4422985"/>
+              <a:off x="4936968" y="4422985"/>
               <a:ext cx="1090511" cy="0"/>
             </a:xfrm>
             <a:prstGeom prst="line">
@@ -6452,7 +6451,7 @@
             <p:cNvPr id="35" name="直線コネクタ 34">
               <a:extLst>
                 <a:ext uri="{FF2B5EF4-FFF2-40B4-BE49-F238E27FC236}">
-                  <a16:creationId xmlns:a16="http://schemas.microsoft.com/office/drawing/2014/main" xmlns="" id="{5F2EAEDE-4377-43E5-B0C7-5F4F1248D60F}"/>
+                  <a16:creationId xmlns:a16="http://schemas.microsoft.com/office/drawing/2014/main" id="{5F2EAEDE-4377-43E5-B0C7-5F4F1248D60F}"/>
                 </a:ext>
               </a:extLst>
             </p:cNvPr>
@@ -6463,8 +6462,8 @@
           </p:nvCxnSpPr>
           <p:spPr>
             <a:xfrm>
-              <a:off x="3355915" y="3455555"/>
-              <a:ext cx="1803314" cy="0"/>
+              <a:off x="3439160" y="3455555"/>
+              <a:ext cx="2202239" cy="0"/>
             </a:xfrm>
             <a:prstGeom prst="line">
               <a:avLst/>
@@ -6498,7 +6497,7 @@
           <p:cNvPr id="38" name="直線コネクタ 37">
             <a:extLst>
               <a:ext uri="{FF2B5EF4-FFF2-40B4-BE49-F238E27FC236}">
-                <a16:creationId xmlns:a16="http://schemas.microsoft.com/office/drawing/2014/main" xmlns="" id="{E7028BE9-E968-40CE-BE95-E36592DD970A}"/>
+                <a16:creationId xmlns:a16="http://schemas.microsoft.com/office/drawing/2014/main" id="{E7028BE9-E968-40CE-BE95-E36592DD970A}"/>
               </a:ext>
             </a:extLst>
           </p:cNvPr>
@@ -6509,7 +6508,7 @@
         </p:nvCxnSpPr>
         <p:spPr>
           <a:xfrm>
-            <a:off x="10792103" y="3339977"/>
+            <a:off x="10990942" y="3344791"/>
             <a:ext cx="805543" cy="0"/>
           </a:xfrm>
           <a:prstGeom prst="line">
@@ -6543,7 +6542,7 @@
           <p:cNvPr id="46" name="フリーフォーム: 図形 45">
             <a:extLst>
               <a:ext uri="{FF2B5EF4-FFF2-40B4-BE49-F238E27FC236}">
-                <a16:creationId xmlns:a16="http://schemas.microsoft.com/office/drawing/2014/main" xmlns="" id="{A88DD809-ED99-4C38-B549-8893DD413418}"/>
+                <a16:creationId xmlns:a16="http://schemas.microsoft.com/office/drawing/2014/main" id="{A88DD809-ED99-4C38-B549-8893DD413418}"/>
               </a:ext>
             </a:extLst>
           </p:cNvPr>
@@ -6639,7 +6638,7 @@
           <p:cNvPr id="37" name="正方形/長方形 36">
             <a:extLst>
               <a:ext uri="{FF2B5EF4-FFF2-40B4-BE49-F238E27FC236}">
-                <a16:creationId xmlns:a16="http://schemas.microsoft.com/office/drawing/2014/main" xmlns="" id="{0C045A0D-2C3F-422A-91B0-8ECC125CA00F}"/>
+                <a16:creationId xmlns:a16="http://schemas.microsoft.com/office/drawing/2014/main" id="{0C045A0D-2C3F-422A-91B0-8ECC125CA00F}"/>
               </a:ext>
             </a:extLst>
           </p:cNvPr>
@@ -6693,7 +6692,7 @@
           <p:cNvPr id="12" name="グループ化 11">
             <a:extLst>
               <a:ext uri="{FF2B5EF4-FFF2-40B4-BE49-F238E27FC236}">
-                <a16:creationId xmlns:a16="http://schemas.microsoft.com/office/drawing/2014/main" xmlns="" id="{8EDDE307-D817-4BCA-BDEC-CB35902ED29F}"/>
+                <a16:creationId xmlns:a16="http://schemas.microsoft.com/office/drawing/2014/main" id="{8EDDE307-D817-4BCA-BDEC-CB35902ED29F}"/>
               </a:ext>
             </a:extLst>
           </p:cNvPr>
@@ -6713,7 +6712,7 @@
             <p:cNvPr id="39" name="フリーフォーム: 図形 38">
               <a:extLst>
                 <a:ext uri="{FF2B5EF4-FFF2-40B4-BE49-F238E27FC236}">
-                  <a16:creationId xmlns:a16="http://schemas.microsoft.com/office/drawing/2014/main" xmlns="" id="{A20A2D4A-5FBC-4B06-9E42-053DD4DC2180}"/>
+                  <a16:creationId xmlns:a16="http://schemas.microsoft.com/office/drawing/2014/main" id="{A20A2D4A-5FBC-4B06-9E42-053DD4DC2180}"/>
                 </a:ext>
               </a:extLst>
             </p:cNvPr>
@@ -6814,7 +6813,7 @@
             <p:cNvPr id="40" name="フリーフォーム: 図形 39">
               <a:extLst>
                 <a:ext uri="{FF2B5EF4-FFF2-40B4-BE49-F238E27FC236}">
-                  <a16:creationId xmlns:a16="http://schemas.microsoft.com/office/drawing/2014/main" xmlns="" id="{26F4AE88-0150-485F-8E0C-A35E7349BF36}"/>
+                  <a16:creationId xmlns:a16="http://schemas.microsoft.com/office/drawing/2014/main" id="{26F4AE88-0150-485F-8E0C-A35E7349BF36}"/>
                 </a:ext>
               </a:extLst>
             </p:cNvPr>
@@ -6912,7 +6911,7 @@
           <p:cNvPr id="11" name="正方形/長方形 10">
             <a:extLst>
               <a:ext uri="{FF2B5EF4-FFF2-40B4-BE49-F238E27FC236}">
-                <a16:creationId xmlns:a16="http://schemas.microsoft.com/office/drawing/2014/main" xmlns="" id="{82BCA0CA-9BB7-41FE-B3E7-F0664F80D445}"/>
+                <a16:creationId xmlns:a16="http://schemas.microsoft.com/office/drawing/2014/main" id="{82BCA0CA-9BB7-41FE-B3E7-F0664F80D445}"/>
               </a:ext>
             </a:extLst>
           </p:cNvPr>
@@ -6966,7 +6965,7 @@
           <p:cNvPr id="13" name="正方形/長方形 12">
             <a:extLst>
               <a:ext uri="{FF2B5EF4-FFF2-40B4-BE49-F238E27FC236}">
-                <a16:creationId xmlns:a16="http://schemas.microsoft.com/office/drawing/2014/main" xmlns="" id="{B3A7CA4E-0343-4B56-9F91-EB934D6A55DF}"/>
+                <a16:creationId xmlns:a16="http://schemas.microsoft.com/office/drawing/2014/main" id="{B3A7CA4E-0343-4B56-9F91-EB934D6A55DF}"/>
               </a:ext>
             </a:extLst>
           </p:cNvPr>
@@ -7050,7 +7049,7 @@
         </p:nvSpPr>
         <p:spPr>
           <a:xfrm>
-            <a:off x="5109634" y="3462125"/>
+            <a:off x="4933460" y="3484603"/>
             <a:ext cx="1854995" cy="338554"/>
           </a:xfrm>
           <a:prstGeom prst="rect">
@@ -7065,7 +7064,7 @@
           <a:lstStyle/>
           <a:p>
             <a:r>
-              <a:rPr kumimoji="1" lang="ja-JP" altLang="en-US" sz="1600" dirty="0" smtClean="0">
+              <a:rPr kumimoji="1" lang="ja-JP" altLang="en-US" sz="1600" dirty="0">
                 <a:solidFill>
                   <a:schemeClr val="accent1">
                     <a:lumMod val="75000"/>
@@ -7074,13 +7073,6 @@
               </a:rPr>
               <a:t>インスタンスの中身</a:t>
             </a:r>
-            <a:endParaRPr kumimoji="1" lang="ja-JP" altLang="en-US" sz="1600" dirty="0">
-              <a:solidFill>
-                <a:schemeClr val="accent1">
-                  <a:lumMod val="75000"/>
-                </a:schemeClr>
-              </a:solidFill>
-            </a:endParaRPr>
           </a:p>
         </p:txBody>
       </p:sp>
@@ -7119,7 +7111,7 @@
           <p:cNvPr id="2" name="スライド番号プレースホルダー 1">
             <a:extLst>
               <a:ext uri="{FF2B5EF4-FFF2-40B4-BE49-F238E27FC236}">
-                <a16:creationId xmlns:a16="http://schemas.microsoft.com/office/drawing/2014/main" xmlns="" id="{7655272F-F346-4D67-980D-F5DAC34C0D26}"/>
+                <a16:creationId xmlns:a16="http://schemas.microsoft.com/office/drawing/2014/main" id="{7655272F-F346-4D67-980D-F5DAC34C0D26}"/>
               </a:ext>
             </a:extLst>
           </p:cNvPr>
@@ -7148,7 +7140,7 @@
           <p:cNvPr id="3" name="Shape 130">
             <a:extLst>
               <a:ext uri="{FF2B5EF4-FFF2-40B4-BE49-F238E27FC236}">
-                <a16:creationId xmlns:a16="http://schemas.microsoft.com/office/drawing/2014/main" xmlns="" id="{2EDF6CCC-97C9-4981-8AF2-09ED5C8EF2EF}"/>
+                <a16:creationId xmlns:a16="http://schemas.microsoft.com/office/drawing/2014/main" id="{2EDF6CCC-97C9-4981-8AF2-09ED5C8EF2EF}"/>
               </a:ext>
             </a:extLst>
           </p:cNvPr>
@@ -7168,7 +7160,7 @@
           </a:ln>
           <a:extLst>
             <a:ext uri="{C572A759-6A51-4108-AA02-DFA0A04FC94B}">
-              <ma14:wrappingTextBoxFlag xmlns="" xmlns:ma14="http://schemas.microsoft.com/office/mac/drawingml/2011/main" val="1"/>
+              <ma14:wrappingTextBoxFlag xmlns:ma14="http://schemas.microsoft.com/office/mac/drawingml/2011/main" xmlns="" val="1"/>
             </a:ext>
           </a:extLst>
         </p:spPr>
@@ -7211,7 +7203,7 @@
           <p:cNvPr id="4" name="グループ化 3">
             <a:extLst>
               <a:ext uri="{FF2B5EF4-FFF2-40B4-BE49-F238E27FC236}">
-                <a16:creationId xmlns:a16="http://schemas.microsoft.com/office/drawing/2014/main" xmlns="" id="{29FBC6F9-3685-4741-A308-CAB5E4D92038}"/>
+                <a16:creationId xmlns:a16="http://schemas.microsoft.com/office/drawing/2014/main" id="{29FBC6F9-3685-4741-A308-CAB5E4D92038}"/>
               </a:ext>
             </a:extLst>
           </p:cNvPr>
@@ -7231,7 +7223,7 @@
             <p:cNvPr id="5" name="テキスト ボックス 4">
               <a:extLst>
                 <a:ext uri="{FF2B5EF4-FFF2-40B4-BE49-F238E27FC236}">
-                  <a16:creationId xmlns:a16="http://schemas.microsoft.com/office/drawing/2014/main" xmlns="" id="{995EB54C-6D3F-4205-90AB-CBDE4AD4B617}"/>
+                  <a16:creationId xmlns:a16="http://schemas.microsoft.com/office/drawing/2014/main" id="{995EB54C-6D3F-4205-90AB-CBDE4AD4B617}"/>
                 </a:ext>
               </a:extLst>
             </p:cNvPr>
@@ -7305,7 +7297,7 @@
             <p:cNvPr id="6" name="テキスト ボックス 5">
               <a:extLst>
                 <a:ext uri="{FF2B5EF4-FFF2-40B4-BE49-F238E27FC236}">
-                  <a16:creationId xmlns:a16="http://schemas.microsoft.com/office/drawing/2014/main" xmlns="" id="{745AB4CA-98EF-429E-83F1-99FDAA0270FE}"/>
+                  <a16:creationId xmlns:a16="http://schemas.microsoft.com/office/drawing/2014/main" id="{745AB4CA-98EF-429E-83F1-99FDAA0270FE}"/>
                 </a:ext>
               </a:extLst>
             </p:cNvPr>
@@ -7341,7 +7333,7 @@
           <p:cNvPr id="49" name="グループ化 48">
             <a:extLst>
               <a:ext uri="{FF2B5EF4-FFF2-40B4-BE49-F238E27FC236}">
-                <a16:creationId xmlns:a16="http://schemas.microsoft.com/office/drawing/2014/main" xmlns="" id="{B8CC774D-1133-47BC-8DC2-E41A486D4B28}"/>
+                <a16:creationId xmlns:a16="http://schemas.microsoft.com/office/drawing/2014/main" id="{B8CC774D-1133-47BC-8DC2-E41A486D4B28}"/>
               </a:ext>
             </a:extLst>
           </p:cNvPr>
@@ -7361,7 +7353,7 @@
             <p:cNvPr id="7" name="図 6">
               <a:extLst>
                 <a:ext uri="{FF2B5EF4-FFF2-40B4-BE49-F238E27FC236}">
-                  <a16:creationId xmlns:a16="http://schemas.microsoft.com/office/drawing/2014/main" xmlns="" id="{C8592E1B-B156-41AA-9D44-B6C7F95F676A}"/>
+                  <a16:creationId xmlns:a16="http://schemas.microsoft.com/office/drawing/2014/main" id="{C8592E1B-B156-41AA-9D44-B6C7F95F676A}"/>
                 </a:ext>
               </a:extLst>
             </p:cNvPr>
@@ -7390,7 +7382,7 @@
             <p:cNvPr id="9" name="直線コネクタ 8">
               <a:extLst>
                 <a:ext uri="{FF2B5EF4-FFF2-40B4-BE49-F238E27FC236}">
-                  <a16:creationId xmlns:a16="http://schemas.microsoft.com/office/drawing/2014/main" xmlns="" id="{568C4742-2238-400A-8B25-0B50D1967FF2}"/>
+                  <a16:creationId xmlns:a16="http://schemas.microsoft.com/office/drawing/2014/main" id="{568C4742-2238-400A-8B25-0B50D1967FF2}"/>
                 </a:ext>
               </a:extLst>
             </p:cNvPr>
@@ -7436,7 +7428,7 @@
           <p:cNvPr id="50" name="テキスト ボックス 49">
             <a:extLst>
               <a:ext uri="{FF2B5EF4-FFF2-40B4-BE49-F238E27FC236}">
-                <a16:creationId xmlns:a16="http://schemas.microsoft.com/office/drawing/2014/main" xmlns="" id="{C87A0267-25A0-46EF-9D1D-489D1A842FAC}"/>
+                <a16:creationId xmlns:a16="http://schemas.microsoft.com/office/drawing/2014/main" id="{C87A0267-25A0-46EF-9D1D-489D1A842FAC}"/>
               </a:ext>
             </a:extLst>
           </p:cNvPr>
@@ -7483,7 +7475,7 @@
           <p:cNvPr id="22" name="グループ化 21">
             <a:extLst>
               <a:ext uri="{FF2B5EF4-FFF2-40B4-BE49-F238E27FC236}">
-                <a16:creationId xmlns:a16="http://schemas.microsoft.com/office/drawing/2014/main" xmlns="" id="{D8A44933-E9DD-4C41-AF54-740596C27BF0}"/>
+                <a16:creationId xmlns:a16="http://schemas.microsoft.com/office/drawing/2014/main" id="{D8A44933-E9DD-4C41-AF54-740596C27BF0}"/>
               </a:ext>
             </a:extLst>
           </p:cNvPr>
@@ -7503,7 +7495,7 @@
             <p:cNvPr id="8" name="正方形/長方形 7">
               <a:extLst>
                 <a:ext uri="{FF2B5EF4-FFF2-40B4-BE49-F238E27FC236}">
-                  <a16:creationId xmlns:a16="http://schemas.microsoft.com/office/drawing/2014/main" xmlns="" id="{1E586F51-766F-49C5-B788-18B43532C197}"/>
+                  <a16:creationId xmlns:a16="http://schemas.microsoft.com/office/drawing/2014/main" id="{1E586F51-766F-49C5-B788-18B43532C197}"/>
                 </a:ext>
               </a:extLst>
             </p:cNvPr>
@@ -7555,7 +7547,7 @@
             <p:cNvPr id="12" name="正方形/長方形 11">
               <a:extLst>
                 <a:ext uri="{FF2B5EF4-FFF2-40B4-BE49-F238E27FC236}">
-                  <a16:creationId xmlns:a16="http://schemas.microsoft.com/office/drawing/2014/main" xmlns="" id="{CFEAB23C-900D-424D-87F2-EFF1B3EF3BE5}"/>
+                  <a16:creationId xmlns:a16="http://schemas.microsoft.com/office/drawing/2014/main" id="{CFEAB23C-900D-424D-87F2-EFF1B3EF3BE5}"/>
                 </a:ext>
               </a:extLst>
             </p:cNvPr>
@@ -7607,7 +7599,7 @@
             <p:cNvPr id="11" name="直線コネクタ 10">
               <a:extLst>
                 <a:ext uri="{FF2B5EF4-FFF2-40B4-BE49-F238E27FC236}">
-                  <a16:creationId xmlns:a16="http://schemas.microsoft.com/office/drawing/2014/main" xmlns="" id="{A542EDFC-92E2-4030-A2A8-417C2D5E7CD1}"/>
+                  <a16:creationId xmlns:a16="http://schemas.microsoft.com/office/drawing/2014/main" id="{A542EDFC-92E2-4030-A2A8-417C2D5E7CD1}"/>
                 </a:ext>
               </a:extLst>
             </p:cNvPr>
@@ -7653,7 +7645,7 @@
             <p:cNvPr id="13" name="テキスト ボックス 12">
               <a:extLst>
                 <a:ext uri="{FF2B5EF4-FFF2-40B4-BE49-F238E27FC236}">
-                  <a16:creationId xmlns:a16="http://schemas.microsoft.com/office/drawing/2014/main" xmlns="" id="{B4AB3E58-8697-4F14-A01C-0C2808F7D07B}"/>
+                  <a16:creationId xmlns:a16="http://schemas.microsoft.com/office/drawing/2014/main" id="{B4AB3E58-8697-4F14-A01C-0C2808F7D07B}"/>
                 </a:ext>
               </a:extLst>
             </p:cNvPr>
@@ -7689,7 +7681,7 @@
             <p:cNvPr id="17" name="テキスト ボックス 16">
               <a:extLst>
                 <a:ext uri="{FF2B5EF4-FFF2-40B4-BE49-F238E27FC236}">
-                  <a16:creationId xmlns:a16="http://schemas.microsoft.com/office/drawing/2014/main" xmlns="" id="{833221B7-78F3-4E96-A4CA-B93776401400}"/>
+                  <a16:creationId xmlns:a16="http://schemas.microsoft.com/office/drawing/2014/main" id="{833221B7-78F3-4E96-A4CA-B93776401400}"/>
                 </a:ext>
               </a:extLst>
             </p:cNvPr>
@@ -7725,7 +7717,7 @@
             <p:cNvPr id="18" name="グループ化 17">
               <a:extLst>
                 <a:ext uri="{FF2B5EF4-FFF2-40B4-BE49-F238E27FC236}">
-                  <a16:creationId xmlns:a16="http://schemas.microsoft.com/office/drawing/2014/main" xmlns="" id="{67AB84D9-EABB-493E-92A4-491E6D53CB59}"/>
+                  <a16:creationId xmlns:a16="http://schemas.microsoft.com/office/drawing/2014/main" id="{67AB84D9-EABB-493E-92A4-491E6D53CB59}"/>
                 </a:ext>
               </a:extLst>
             </p:cNvPr>
@@ -7745,7 +7737,7 @@
               <p:cNvPr id="16" name="テキスト ボックス 15">
                 <a:extLst>
                   <a:ext uri="{FF2B5EF4-FFF2-40B4-BE49-F238E27FC236}">
-                    <a16:creationId xmlns:a16="http://schemas.microsoft.com/office/drawing/2014/main" xmlns="" id="{B7D29B40-66E5-4CEC-BDBF-FCE0D4E82DFC}"/>
+                    <a16:creationId xmlns:a16="http://schemas.microsoft.com/office/drawing/2014/main" id="{B7D29B40-66E5-4CEC-BDBF-FCE0D4E82DFC}"/>
                   </a:ext>
                 </a:extLst>
               </p:cNvPr>
@@ -7781,7 +7773,7 @@
               <p:cNvPr id="15" name="楕円 14">
                 <a:extLst>
                   <a:ext uri="{FF2B5EF4-FFF2-40B4-BE49-F238E27FC236}">
-                    <a16:creationId xmlns:a16="http://schemas.microsoft.com/office/drawing/2014/main" xmlns="" id="{2A628501-5F40-4DF1-8179-031CF5354200}"/>
+                    <a16:creationId xmlns:a16="http://schemas.microsoft.com/office/drawing/2014/main" id="{2A628501-5F40-4DF1-8179-031CF5354200}"/>
                   </a:ext>
                 </a:extLst>
               </p:cNvPr>
@@ -7834,7 +7826,7 @@
             <p:cNvPr id="21" name="楕円 20">
               <a:extLst>
                 <a:ext uri="{FF2B5EF4-FFF2-40B4-BE49-F238E27FC236}">
-                  <a16:creationId xmlns:a16="http://schemas.microsoft.com/office/drawing/2014/main" xmlns="" id="{933314BC-517C-4189-9F50-9EC3AB1FD654}"/>
+                  <a16:creationId xmlns:a16="http://schemas.microsoft.com/office/drawing/2014/main" id="{933314BC-517C-4189-9F50-9EC3AB1FD654}"/>
                 </a:ext>
               </a:extLst>
             </p:cNvPr>
@@ -7886,7 +7878,7 @@
             <p:cNvPr id="20" name="直線コネクタ 19">
               <a:extLst>
                 <a:ext uri="{FF2B5EF4-FFF2-40B4-BE49-F238E27FC236}">
-                  <a16:creationId xmlns:a16="http://schemas.microsoft.com/office/drawing/2014/main" xmlns="" id="{7F756AFB-A8BA-45C0-A011-79F19F951180}"/>
+                  <a16:creationId xmlns:a16="http://schemas.microsoft.com/office/drawing/2014/main" id="{7F756AFB-A8BA-45C0-A011-79F19F951180}"/>
                 </a:ext>
               </a:extLst>
             </p:cNvPr>
@@ -7933,7 +7925,7 @@
             <p:cNvPr id="24" name="正方形/長方形 23">
               <a:extLst>
                 <a:ext uri="{FF2B5EF4-FFF2-40B4-BE49-F238E27FC236}">
-                  <a16:creationId xmlns:a16="http://schemas.microsoft.com/office/drawing/2014/main" xmlns="" id="{5085FBE2-3889-496D-9375-215A2B45433D}"/>
+                  <a16:creationId xmlns:a16="http://schemas.microsoft.com/office/drawing/2014/main" id="{5085FBE2-3889-496D-9375-215A2B45433D}"/>
                 </a:ext>
               </a:extLst>
             </p:cNvPr>
@@ -8009,7 +8001,7 @@
           <p:cNvPr id="26" name="テキスト ボックス 25">
             <a:extLst>
               <a:ext uri="{FF2B5EF4-FFF2-40B4-BE49-F238E27FC236}">
-                <a16:creationId xmlns:a16="http://schemas.microsoft.com/office/drawing/2014/main" xmlns="" id="{ACF6CB8E-7804-4D1C-944D-E2230E3AC38A}"/>
+                <a16:creationId xmlns:a16="http://schemas.microsoft.com/office/drawing/2014/main" id="{ACF6CB8E-7804-4D1C-944D-E2230E3AC38A}"/>
               </a:ext>
             </a:extLst>
           </p:cNvPr>
@@ -8045,7 +8037,7 @@
           <p:cNvPr id="29" name="テキスト ボックス 28">
             <a:extLst>
               <a:ext uri="{FF2B5EF4-FFF2-40B4-BE49-F238E27FC236}">
-                <a16:creationId xmlns:a16="http://schemas.microsoft.com/office/drawing/2014/main" xmlns="" id="{4A60CE2F-1092-426B-9E71-8346F101B24B}"/>
+                <a16:creationId xmlns:a16="http://schemas.microsoft.com/office/drawing/2014/main" id="{4A60CE2F-1092-426B-9E71-8346F101B24B}"/>
               </a:ext>
             </a:extLst>
           </p:cNvPr>
@@ -8110,7 +8102,7 @@
           <p:cNvPr id="15" name="図 14">
             <a:extLst>
               <a:ext uri="{FF2B5EF4-FFF2-40B4-BE49-F238E27FC236}">
-                <a16:creationId xmlns:a16="http://schemas.microsoft.com/office/drawing/2014/main" xmlns="" id="{D9AC1260-61D3-4D50-98A7-FDD3A4735277}"/>
+                <a16:creationId xmlns:a16="http://schemas.microsoft.com/office/drawing/2014/main" id="{D9AC1260-61D3-4D50-98A7-FDD3A4735277}"/>
               </a:ext>
             </a:extLst>
           </p:cNvPr>
@@ -8139,7 +8131,7 @@
           <p:cNvPr id="2" name="スライド番号プレースホルダー 1">
             <a:extLst>
               <a:ext uri="{FF2B5EF4-FFF2-40B4-BE49-F238E27FC236}">
-                <a16:creationId xmlns:a16="http://schemas.microsoft.com/office/drawing/2014/main" xmlns="" id="{7655272F-F346-4D67-980D-F5DAC34C0D26}"/>
+                <a16:creationId xmlns:a16="http://schemas.microsoft.com/office/drawing/2014/main" id="{7655272F-F346-4D67-980D-F5DAC34C0D26}"/>
               </a:ext>
             </a:extLst>
           </p:cNvPr>
@@ -8168,7 +8160,7 @@
           <p:cNvPr id="3" name="Shape 130">
             <a:extLst>
               <a:ext uri="{FF2B5EF4-FFF2-40B4-BE49-F238E27FC236}">
-                <a16:creationId xmlns:a16="http://schemas.microsoft.com/office/drawing/2014/main" xmlns="" id="{2EDF6CCC-97C9-4981-8AF2-09ED5C8EF2EF}"/>
+                <a16:creationId xmlns:a16="http://schemas.microsoft.com/office/drawing/2014/main" id="{2EDF6CCC-97C9-4981-8AF2-09ED5C8EF2EF}"/>
               </a:ext>
             </a:extLst>
           </p:cNvPr>
@@ -8188,7 +8180,7 @@
           </a:ln>
           <a:extLst>
             <a:ext uri="{C572A759-6A51-4108-AA02-DFA0A04FC94B}">
-              <ma14:wrappingTextBoxFlag xmlns="" xmlns:ma14="http://schemas.microsoft.com/office/mac/drawingml/2011/main" val="1"/>
+              <ma14:wrappingTextBoxFlag xmlns:ma14="http://schemas.microsoft.com/office/mac/drawingml/2011/main" xmlns="" val="1"/>
             </a:ext>
           </a:extLst>
         </p:spPr>
@@ -8231,7 +8223,7 @@
           <p:cNvPr id="4" name="グループ化 3">
             <a:extLst>
               <a:ext uri="{FF2B5EF4-FFF2-40B4-BE49-F238E27FC236}">
-                <a16:creationId xmlns:a16="http://schemas.microsoft.com/office/drawing/2014/main" xmlns="" id="{29FBC6F9-3685-4741-A308-CAB5E4D92038}"/>
+                <a16:creationId xmlns:a16="http://schemas.microsoft.com/office/drawing/2014/main" id="{29FBC6F9-3685-4741-A308-CAB5E4D92038}"/>
               </a:ext>
             </a:extLst>
           </p:cNvPr>
@@ -8251,7 +8243,7 @@
             <p:cNvPr id="5" name="テキスト ボックス 4">
               <a:extLst>
                 <a:ext uri="{FF2B5EF4-FFF2-40B4-BE49-F238E27FC236}">
-                  <a16:creationId xmlns:a16="http://schemas.microsoft.com/office/drawing/2014/main" xmlns="" id="{995EB54C-6D3F-4205-90AB-CBDE4AD4B617}"/>
+                  <a16:creationId xmlns:a16="http://schemas.microsoft.com/office/drawing/2014/main" id="{995EB54C-6D3F-4205-90AB-CBDE4AD4B617}"/>
                 </a:ext>
               </a:extLst>
             </p:cNvPr>
@@ -8294,7 +8286,7 @@
             <p:cNvPr id="6" name="テキスト ボックス 5">
               <a:extLst>
                 <a:ext uri="{FF2B5EF4-FFF2-40B4-BE49-F238E27FC236}">
-                  <a16:creationId xmlns:a16="http://schemas.microsoft.com/office/drawing/2014/main" xmlns="" id="{745AB4CA-98EF-429E-83F1-99FDAA0270FE}"/>
+                  <a16:creationId xmlns:a16="http://schemas.microsoft.com/office/drawing/2014/main" id="{745AB4CA-98EF-429E-83F1-99FDAA0270FE}"/>
                 </a:ext>
               </a:extLst>
             </p:cNvPr>
@@ -8331,7 +8323,7 @@
           <p:cNvPr id="33" name="四角形: 角を丸くする 32">
             <a:extLst>
               <a:ext uri="{FF2B5EF4-FFF2-40B4-BE49-F238E27FC236}">
-                <a16:creationId xmlns:a16="http://schemas.microsoft.com/office/drawing/2014/main" xmlns="" id="{EF6A1E97-4669-4AD8-BD08-6A31DF3E8B20}"/>
+                <a16:creationId xmlns:a16="http://schemas.microsoft.com/office/drawing/2014/main" id="{EF6A1E97-4669-4AD8-BD08-6A31DF3E8B20}"/>
               </a:ext>
             </a:extLst>
           </p:cNvPr>
@@ -8383,7 +8375,7 @@
           <p:cNvPr id="36" name="直線矢印コネクタ 35">
             <a:extLst>
               <a:ext uri="{FF2B5EF4-FFF2-40B4-BE49-F238E27FC236}">
-                <a16:creationId xmlns:a16="http://schemas.microsoft.com/office/drawing/2014/main" xmlns="" id="{707C37A2-E232-4276-8473-0C03D06CFA4D}"/>
+                <a16:creationId xmlns:a16="http://schemas.microsoft.com/office/drawing/2014/main" id="{707C37A2-E232-4276-8473-0C03D06CFA4D}"/>
               </a:ext>
             </a:extLst>
           </p:cNvPr>
@@ -8429,7 +8421,7 @@
           <p:cNvPr id="37" name="四角形: 角を丸くする 36">
             <a:extLst>
               <a:ext uri="{FF2B5EF4-FFF2-40B4-BE49-F238E27FC236}">
-                <a16:creationId xmlns:a16="http://schemas.microsoft.com/office/drawing/2014/main" xmlns="" id="{0A5A85A7-CBD5-453D-A691-3D3DA9B342CA}"/>
+                <a16:creationId xmlns:a16="http://schemas.microsoft.com/office/drawing/2014/main" id="{0A5A85A7-CBD5-453D-A691-3D3DA9B342CA}"/>
               </a:ext>
             </a:extLst>
           </p:cNvPr>
@@ -8481,7 +8473,7 @@
           <p:cNvPr id="38" name="直線矢印コネクタ 37">
             <a:extLst>
               <a:ext uri="{FF2B5EF4-FFF2-40B4-BE49-F238E27FC236}">
-                <a16:creationId xmlns:a16="http://schemas.microsoft.com/office/drawing/2014/main" xmlns="" id="{44BD6392-6100-41B9-8A79-5B17B5AA2482}"/>
+                <a16:creationId xmlns:a16="http://schemas.microsoft.com/office/drawing/2014/main" id="{44BD6392-6100-41B9-8A79-5B17B5AA2482}"/>
               </a:ext>
             </a:extLst>
           </p:cNvPr>
@@ -8557,7 +8549,7 @@
           <p:cNvPr id="2" name="スライド番号プレースホルダー 1">
             <a:extLst>
               <a:ext uri="{FF2B5EF4-FFF2-40B4-BE49-F238E27FC236}">
-                <a16:creationId xmlns:a16="http://schemas.microsoft.com/office/drawing/2014/main" xmlns="" id="{7655272F-F346-4D67-980D-F5DAC34C0D26}"/>
+                <a16:creationId xmlns:a16="http://schemas.microsoft.com/office/drawing/2014/main" id="{7655272F-F346-4D67-980D-F5DAC34C0D26}"/>
               </a:ext>
             </a:extLst>
           </p:cNvPr>
@@ -8586,7 +8578,7 @@
           <p:cNvPr id="3" name="Shape 130">
             <a:extLst>
               <a:ext uri="{FF2B5EF4-FFF2-40B4-BE49-F238E27FC236}">
-                <a16:creationId xmlns:a16="http://schemas.microsoft.com/office/drawing/2014/main" xmlns="" id="{2EDF6CCC-97C9-4981-8AF2-09ED5C8EF2EF}"/>
+                <a16:creationId xmlns:a16="http://schemas.microsoft.com/office/drawing/2014/main" id="{2EDF6CCC-97C9-4981-8AF2-09ED5C8EF2EF}"/>
               </a:ext>
             </a:extLst>
           </p:cNvPr>
@@ -8606,7 +8598,7 @@
           </a:ln>
           <a:extLst>
             <a:ext uri="{C572A759-6A51-4108-AA02-DFA0A04FC94B}">
-              <ma14:wrappingTextBoxFlag xmlns="" xmlns:ma14="http://schemas.microsoft.com/office/mac/drawingml/2011/main" val="1"/>
+              <ma14:wrappingTextBoxFlag xmlns:ma14="http://schemas.microsoft.com/office/mac/drawingml/2011/main" xmlns="" val="1"/>
             </a:ext>
           </a:extLst>
         </p:spPr>
@@ -8661,7 +8653,7 @@
           <p:cNvPr id="12" name="表 11">
             <a:extLst>
               <a:ext uri="{FF2B5EF4-FFF2-40B4-BE49-F238E27FC236}">
-                <a16:creationId xmlns:a16="http://schemas.microsoft.com/office/drawing/2014/main" xmlns="" id="{7083A0CD-6173-4B69-B365-F1B23A96256B}"/>
+                <a16:creationId xmlns:a16="http://schemas.microsoft.com/office/drawing/2014/main" id="{7083A0CD-6173-4B69-B365-F1B23A96256B}"/>
               </a:ext>
             </a:extLst>
           </p:cNvPr>
@@ -8671,7 +8663,7 @@
           <p:nvPr>
             <p:extLst>
               <p:ext uri="{D42A27DB-BD31-4B8C-83A1-F6EECF244321}">
-                <p14:modId xmlns:p14="http://schemas.microsoft.com/office/powerpoint/2010/main" val="686603596"/>
+                <p14:modId xmlns:p14="http://schemas.microsoft.com/office/powerpoint/2010/main" val="2147073623"/>
               </p:ext>
             </p:extLst>
           </p:nvPr>
@@ -8690,49 +8682,49 @@
                 <a:gridCol w="1619568">
                   <a:extLst>
                     <a:ext uri="{9D8B030D-6E8A-4147-A177-3AD203B41FA5}">
-                      <a16:colId xmlns:a16="http://schemas.microsoft.com/office/drawing/2014/main" xmlns="" val="2869928480"/>
+                      <a16:colId xmlns:a16="http://schemas.microsoft.com/office/drawing/2014/main" val="2869928480"/>
                     </a:ext>
                   </a:extLst>
                 </a:gridCol>
                 <a:gridCol w="1619568">
                   <a:extLst>
                     <a:ext uri="{9D8B030D-6E8A-4147-A177-3AD203B41FA5}">
-                      <a16:colId xmlns:a16="http://schemas.microsoft.com/office/drawing/2014/main" xmlns="" val="3708684436"/>
+                      <a16:colId xmlns:a16="http://schemas.microsoft.com/office/drawing/2014/main" val="3708684436"/>
                     </a:ext>
                   </a:extLst>
                 </a:gridCol>
                 <a:gridCol w="1198450">
                   <a:extLst>
                     <a:ext uri="{9D8B030D-6E8A-4147-A177-3AD203B41FA5}">
-                      <a16:colId xmlns:a16="http://schemas.microsoft.com/office/drawing/2014/main" xmlns="" val="3877242200"/>
+                      <a16:colId xmlns:a16="http://schemas.microsoft.com/office/drawing/2014/main" val="3877242200"/>
                     </a:ext>
                   </a:extLst>
                 </a:gridCol>
                 <a:gridCol w="1619568">
                   <a:extLst>
                     <a:ext uri="{9D8B030D-6E8A-4147-A177-3AD203B41FA5}">
-                      <a16:colId xmlns:a16="http://schemas.microsoft.com/office/drawing/2014/main" xmlns="" val="1228845434"/>
+                      <a16:colId xmlns:a16="http://schemas.microsoft.com/office/drawing/2014/main" val="1228845434"/>
                     </a:ext>
                   </a:extLst>
                 </a:gridCol>
                 <a:gridCol w="933768">
                   <a:extLst>
                     <a:ext uri="{9D8B030D-6E8A-4147-A177-3AD203B41FA5}">
-                      <a16:colId xmlns:a16="http://schemas.microsoft.com/office/drawing/2014/main" xmlns="" val="4141803925"/>
+                      <a16:colId xmlns:a16="http://schemas.microsoft.com/office/drawing/2014/main" val="4141803925"/>
                     </a:ext>
                   </a:extLst>
                 </a:gridCol>
                 <a:gridCol w="1489297">
                   <a:extLst>
                     <a:ext uri="{9D8B030D-6E8A-4147-A177-3AD203B41FA5}">
-                      <a16:colId xmlns:a16="http://schemas.microsoft.com/office/drawing/2014/main" xmlns="" val="873013535"/>
+                      <a16:colId xmlns:a16="http://schemas.microsoft.com/office/drawing/2014/main" val="873013535"/>
                     </a:ext>
                   </a:extLst>
                 </a:gridCol>
                 <a:gridCol w="1651318">
                   <a:extLst>
                     <a:ext uri="{9D8B030D-6E8A-4147-A177-3AD203B41FA5}">
-                      <a16:colId xmlns:a16="http://schemas.microsoft.com/office/drawing/2014/main" xmlns="" val="2271690460"/>
+                      <a16:colId xmlns:a16="http://schemas.microsoft.com/office/drawing/2014/main" val="2271690460"/>
                     </a:ext>
                   </a:extLst>
                 </a:gridCol>
@@ -8746,7 +8738,7 @@
                       <a:pPr algn="ctr"/>
                       <a:r>
                         <a:rPr kumimoji="1" lang="ja-JP" altLang="en-US" dirty="0"/>
-                        <a:t>モデルの役割</a:t>
+                        <a:t>クラスの役割</a:t>
                       </a:r>
                     </a:p>
                   </a:txBody>
@@ -8774,7 +8766,7 @@
                       <a:pPr algn="ctr"/>
                       <a:r>
                         <a:rPr kumimoji="1" lang="ja-JP" altLang="en-US" dirty="0"/>
-                        <a:t>モデル名</a:t>
+                        <a:t>クラス名</a:t>
                       </a:r>
                     </a:p>
                   </a:txBody>
@@ -8839,7 +8831,7 @@
                 </a:tc>
                 <a:extLst>
                   <a:ext uri="{0D108BD9-81ED-4DB2-BD59-A6C34878D82A}">
-                    <a16:rowId xmlns:a16="http://schemas.microsoft.com/office/drawing/2014/main" xmlns="" val="2840948024"/>
+                    <a16:rowId xmlns:a16="http://schemas.microsoft.com/office/drawing/2014/main" val="2840948024"/>
                   </a:ext>
                 </a:extLst>
               </a:tr>
@@ -9068,7 +9060,7 @@
                 </a:tc>
                 <a:extLst>
                   <a:ext uri="{0D108BD9-81ED-4DB2-BD59-A6C34878D82A}">
-                    <a16:rowId xmlns:a16="http://schemas.microsoft.com/office/drawing/2014/main" xmlns="" val="412007066"/>
+                    <a16:rowId xmlns:a16="http://schemas.microsoft.com/office/drawing/2014/main" val="412007066"/>
                   </a:ext>
                 </a:extLst>
               </a:tr>
@@ -9081,7 +9073,7 @@
           <p:cNvPr id="13" name="テキスト ボックス 12">
             <a:extLst>
               <a:ext uri="{FF2B5EF4-FFF2-40B4-BE49-F238E27FC236}">
-                <a16:creationId xmlns:a16="http://schemas.microsoft.com/office/drawing/2014/main" xmlns="" id="{C29CA4D1-0E09-495E-9ED0-8AEBFA389F35}"/>
+                <a16:creationId xmlns:a16="http://schemas.microsoft.com/office/drawing/2014/main" id="{C29CA4D1-0E09-495E-9ED0-8AEBFA389F35}"/>
               </a:ext>
             </a:extLst>
           </p:cNvPr>
@@ -9117,7 +9109,7 @@
           <p:cNvPr id="14" name="グループ化 13">
             <a:extLst>
               <a:ext uri="{FF2B5EF4-FFF2-40B4-BE49-F238E27FC236}">
-                <a16:creationId xmlns:a16="http://schemas.microsoft.com/office/drawing/2014/main" xmlns="" id="{3F1965CF-5AC6-43F7-9FF5-EDAB302792AB}"/>
+                <a16:creationId xmlns:a16="http://schemas.microsoft.com/office/drawing/2014/main" id="{3F1965CF-5AC6-43F7-9FF5-EDAB302792AB}"/>
               </a:ext>
             </a:extLst>
           </p:cNvPr>
@@ -9137,7 +9129,7 @@
             <p:cNvPr id="15" name="テキスト ボックス 14">
               <a:extLst>
                 <a:ext uri="{FF2B5EF4-FFF2-40B4-BE49-F238E27FC236}">
-                  <a16:creationId xmlns:a16="http://schemas.microsoft.com/office/drawing/2014/main" xmlns="" id="{B096D168-8261-4E62-941D-0E98D66D3DD8}"/>
+                  <a16:creationId xmlns:a16="http://schemas.microsoft.com/office/drawing/2014/main" id="{B096D168-8261-4E62-941D-0E98D66D3DD8}"/>
                 </a:ext>
               </a:extLst>
             </p:cNvPr>
@@ -9180,7 +9172,7 @@
             <p:cNvPr id="16" name="テキスト ボックス 15">
               <a:extLst>
                 <a:ext uri="{FF2B5EF4-FFF2-40B4-BE49-F238E27FC236}">
-                  <a16:creationId xmlns:a16="http://schemas.microsoft.com/office/drawing/2014/main" xmlns="" id="{76E92559-F87F-4968-960E-FFAC5109C118}"/>
+                  <a16:creationId xmlns:a16="http://schemas.microsoft.com/office/drawing/2014/main" id="{76E92559-F87F-4968-960E-FFAC5109C118}"/>
                 </a:ext>
               </a:extLst>
             </p:cNvPr>
@@ -9216,7 +9208,7 @@
           <p:cNvPr id="23" name="グループ化 22">
             <a:extLst>
               <a:ext uri="{FF2B5EF4-FFF2-40B4-BE49-F238E27FC236}">
-                <a16:creationId xmlns:a16="http://schemas.microsoft.com/office/drawing/2014/main" xmlns="" id="{BB3E406B-0A26-48A0-A956-E4255331727C}"/>
+                <a16:creationId xmlns:a16="http://schemas.microsoft.com/office/drawing/2014/main" id="{BB3E406B-0A26-48A0-A956-E4255331727C}"/>
               </a:ext>
             </a:extLst>
           </p:cNvPr>
@@ -9236,7 +9228,7 @@
             <p:cNvPr id="24" name="テキスト ボックス 23">
               <a:extLst>
                 <a:ext uri="{FF2B5EF4-FFF2-40B4-BE49-F238E27FC236}">
-                  <a16:creationId xmlns:a16="http://schemas.microsoft.com/office/drawing/2014/main" xmlns="" id="{EB1DA4F7-03CD-41EB-86F5-1313E0A8853C}"/>
+                  <a16:creationId xmlns:a16="http://schemas.microsoft.com/office/drawing/2014/main" id="{EB1DA4F7-03CD-41EB-86F5-1313E0A8853C}"/>
                 </a:ext>
               </a:extLst>
             </p:cNvPr>
@@ -9279,7 +9271,7 @@
             <p:cNvPr id="25" name="テキスト ボックス 24">
               <a:extLst>
                 <a:ext uri="{FF2B5EF4-FFF2-40B4-BE49-F238E27FC236}">
-                  <a16:creationId xmlns:a16="http://schemas.microsoft.com/office/drawing/2014/main" xmlns="" id="{9E9372F0-F0B9-405A-846A-871AB46B86D9}"/>
+                  <a16:creationId xmlns:a16="http://schemas.microsoft.com/office/drawing/2014/main" id="{9E9372F0-F0B9-405A-846A-871AB46B86D9}"/>
                 </a:ext>
               </a:extLst>
             </p:cNvPr>
@@ -9315,7 +9307,7 @@
           <p:cNvPr id="26" name="グループ化 25">
             <a:extLst>
               <a:ext uri="{FF2B5EF4-FFF2-40B4-BE49-F238E27FC236}">
-                <a16:creationId xmlns:a16="http://schemas.microsoft.com/office/drawing/2014/main" xmlns="" id="{2301E4D2-2D38-4E69-8831-96A1A22B8392}"/>
+                <a16:creationId xmlns:a16="http://schemas.microsoft.com/office/drawing/2014/main" id="{2301E4D2-2D38-4E69-8831-96A1A22B8392}"/>
               </a:ext>
             </a:extLst>
           </p:cNvPr>
@@ -9335,7 +9327,7 @@
             <p:cNvPr id="27" name="テキスト ボックス 26">
               <a:extLst>
                 <a:ext uri="{FF2B5EF4-FFF2-40B4-BE49-F238E27FC236}">
-                  <a16:creationId xmlns:a16="http://schemas.microsoft.com/office/drawing/2014/main" xmlns="" id="{F78E13F2-48F4-493C-A31F-7670DC9A70BD}"/>
+                  <a16:creationId xmlns:a16="http://schemas.microsoft.com/office/drawing/2014/main" id="{F78E13F2-48F4-493C-A31F-7670DC9A70BD}"/>
                 </a:ext>
               </a:extLst>
             </p:cNvPr>
@@ -9383,17 +9375,8 @@
             <a:p>
               <a:r>
                 <a:rPr lang="ja-JP" altLang="en-US" dirty="0"/>
-                <a:t>右図のよう</a:t>
-              </a:r>
-              <a:r>
-                <a:rPr lang="ja-JP" altLang="en-US" dirty="0" smtClean="0"/>
-                <a:t>に記述される</a:t>
-              </a:r>
-              <a:r>
-                <a:rPr lang="ja-JP" altLang="en-US" dirty="0" smtClean="0"/>
-                <a:t>と思います</a:t>
-              </a:r>
-              <a:endParaRPr lang="ja-JP" altLang="en-US" dirty="0"/>
+                <a:t>右図のように記述されると思います</a:t>
+              </a:r>
             </a:p>
           </p:txBody>
         </p:sp>
@@ -9402,7 +9385,7 @@
             <p:cNvPr id="28" name="テキスト ボックス 27">
               <a:extLst>
                 <a:ext uri="{FF2B5EF4-FFF2-40B4-BE49-F238E27FC236}">
-                  <a16:creationId xmlns:a16="http://schemas.microsoft.com/office/drawing/2014/main" xmlns="" id="{729A154C-D95F-46A9-858F-95DC52847FF1}"/>
+                  <a16:creationId xmlns:a16="http://schemas.microsoft.com/office/drawing/2014/main" id="{729A154C-D95F-46A9-858F-95DC52847FF1}"/>
                 </a:ext>
               </a:extLst>
             </p:cNvPr>
@@ -9438,7 +9421,7 @@
           <p:cNvPr id="30" name="直線矢印コネクタ 29">
             <a:extLst>
               <a:ext uri="{FF2B5EF4-FFF2-40B4-BE49-F238E27FC236}">
-                <a16:creationId xmlns:a16="http://schemas.microsoft.com/office/drawing/2014/main" xmlns="" id="{481E4BC7-2798-42AB-A02D-0EBE55BE25BE}"/>
+                <a16:creationId xmlns:a16="http://schemas.microsoft.com/office/drawing/2014/main" id="{481E4BC7-2798-42AB-A02D-0EBE55BE25BE}"/>
               </a:ext>
             </a:extLst>
           </p:cNvPr>
@@ -9483,7 +9466,7 @@
           <p:cNvPr id="11" name="図 10">
             <a:extLst>
               <a:ext uri="{FF2B5EF4-FFF2-40B4-BE49-F238E27FC236}">
-                <a16:creationId xmlns:a16="http://schemas.microsoft.com/office/drawing/2014/main" xmlns="" id="{38D6EB68-9043-44DF-BA14-0E13EC75928D}"/>
+                <a16:creationId xmlns:a16="http://schemas.microsoft.com/office/drawing/2014/main" id="{38D6EB68-9043-44DF-BA14-0E13EC75928D}"/>
               </a:ext>
             </a:extLst>
           </p:cNvPr>
@@ -9542,7 +9525,7 @@
           <p:cNvPr id="40" name="図 39">
             <a:extLst>
               <a:ext uri="{FF2B5EF4-FFF2-40B4-BE49-F238E27FC236}">
-                <a16:creationId xmlns:a16="http://schemas.microsoft.com/office/drawing/2014/main" xmlns="" id="{50A1CA03-7975-4464-B4AD-CFF93C470397}"/>
+                <a16:creationId xmlns:a16="http://schemas.microsoft.com/office/drawing/2014/main" id="{50A1CA03-7975-4464-B4AD-CFF93C470397}"/>
               </a:ext>
             </a:extLst>
           </p:cNvPr>
@@ -9571,7 +9554,7 @@
           <p:cNvPr id="2" name="スライド番号プレースホルダー 1">
             <a:extLst>
               <a:ext uri="{FF2B5EF4-FFF2-40B4-BE49-F238E27FC236}">
-                <a16:creationId xmlns:a16="http://schemas.microsoft.com/office/drawing/2014/main" xmlns="" id="{7655272F-F346-4D67-980D-F5DAC34C0D26}"/>
+                <a16:creationId xmlns:a16="http://schemas.microsoft.com/office/drawing/2014/main" id="{7655272F-F346-4D67-980D-F5DAC34C0D26}"/>
               </a:ext>
             </a:extLst>
           </p:cNvPr>
@@ -9600,7 +9583,7 @@
           <p:cNvPr id="3" name="Shape 130">
             <a:extLst>
               <a:ext uri="{FF2B5EF4-FFF2-40B4-BE49-F238E27FC236}">
-                <a16:creationId xmlns:a16="http://schemas.microsoft.com/office/drawing/2014/main" xmlns="" id="{2EDF6CCC-97C9-4981-8AF2-09ED5C8EF2EF}"/>
+                <a16:creationId xmlns:a16="http://schemas.microsoft.com/office/drawing/2014/main" id="{2EDF6CCC-97C9-4981-8AF2-09ED5C8EF2EF}"/>
               </a:ext>
             </a:extLst>
           </p:cNvPr>
@@ -9620,7 +9603,7 @@
           </a:ln>
           <a:extLst>
             <a:ext uri="{C572A759-6A51-4108-AA02-DFA0A04FC94B}">
-              <ma14:wrappingTextBoxFlag xmlns="" xmlns:ma14="http://schemas.microsoft.com/office/mac/drawingml/2011/main" val="1"/>
+              <ma14:wrappingTextBoxFlag xmlns:ma14="http://schemas.microsoft.com/office/mac/drawingml/2011/main" xmlns="" val="1"/>
             </a:ext>
           </a:extLst>
         </p:spPr>
@@ -9675,7 +9658,7 @@
           <p:cNvPr id="17" name="グループ化 16">
             <a:extLst>
               <a:ext uri="{FF2B5EF4-FFF2-40B4-BE49-F238E27FC236}">
-                <a16:creationId xmlns:a16="http://schemas.microsoft.com/office/drawing/2014/main" xmlns="" id="{A8466610-456C-4B59-833E-E87E745DC4C5}"/>
+                <a16:creationId xmlns:a16="http://schemas.microsoft.com/office/drawing/2014/main" id="{A8466610-456C-4B59-833E-E87E745DC4C5}"/>
               </a:ext>
             </a:extLst>
           </p:cNvPr>
@@ -9695,7 +9678,7 @@
             <p:cNvPr id="18" name="テキスト ボックス 17">
               <a:extLst>
                 <a:ext uri="{FF2B5EF4-FFF2-40B4-BE49-F238E27FC236}">
-                  <a16:creationId xmlns:a16="http://schemas.microsoft.com/office/drawing/2014/main" xmlns="" id="{4DBDFAC6-2935-4DB1-9383-611E1BE211C1}"/>
+                  <a16:creationId xmlns:a16="http://schemas.microsoft.com/office/drawing/2014/main" id="{4DBDFAC6-2935-4DB1-9383-611E1BE211C1}"/>
                 </a:ext>
               </a:extLst>
             </p:cNvPr>
@@ -9738,7 +9721,7 @@
             <p:cNvPr id="19" name="テキスト ボックス 18">
               <a:extLst>
                 <a:ext uri="{FF2B5EF4-FFF2-40B4-BE49-F238E27FC236}">
-                  <a16:creationId xmlns:a16="http://schemas.microsoft.com/office/drawing/2014/main" xmlns="" id="{832B509A-3C24-4784-AD95-622442B6166C}"/>
+                  <a16:creationId xmlns:a16="http://schemas.microsoft.com/office/drawing/2014/main" id="{832B509A-3C24-4784-AD95-622442B6166C}"/>
                 </a:ext>
               </a:extLst>
             </p:cNvPr>
@@ -9774,7 +9757,7 @@
           <p:cNvPr id="6" name="グループ化 5">
             <a:extLst>
               <a:ext uri="{FF2B5EF4-FFF2-40B4-BE49-F238E27FC236}">
-                <a16:creationId xmlns:a16="http://schemas.microsoft.com/office/drawing/2014/main" xmlns="" id="{AB369DB9-228A-455A-82B0-4563C12C32EC}"/>
+                <a16:creationId xmlns:a16="http://schemas.microsoft.com/office/drawing/2014/main" id="{AB369DB9-228A-455A-82B0-4563C12C32EC}"/>
               </a:ext>
             </a:extLst>
           </p:cNvPr>
@@ -9794,7 +9777,7 @@
             <p:cNvPr id="4" name="図 3">
               <a:extLst>
                 <a:ext uri="{FF2B5EF4-FFF2-40B4-BE49-F238E27FC236}">
-                  <a16:creationId xmlns:a16="http://schemas.microsoft.com/office/drawing/2014/main" xmlns="" id="{E3A086B2-835E-40B2-9589-ECCFEA2619F6}"/>
+                  <a16:creationId xmlns:a16="http://schemas.microsoft.com/office/drawing/2014/main" id="{E3A086B2-835E-40B2-9589-ECCFEA2619F6}"/>
                 </a:ext>
               </a:extLst>
             </p:cNvPr>
@@ -9824,7 +9807,7 @@
             <p:cNvPr id="21" name="四角形: 角を丸くする 20">
               <a:extLst>
                 <a:ext uri="{FF2B5EF4-FFF2-40B4-BE49-F238E27FC236}">
-                  <a16:creationId xmlns:a16="http://schemas.microsoft.com/office/drawing/2014/main" xmlns="" id="{917843DF-E6BA-4260-8A03-D11296BE0294}"/>
+                  <a16:creationId xmlns:a16="http://schemas.microsoft.com/office/drawing/2014/main" id="{917843DF-E6BA-4260-8A03-D11296BE0294}"/>
                 </a:ext>
               </a:extLst>
             </p:cNvPr>
@@ -9876,7 +9859,7 @@
             <p:cNvPr id="22" name="直線矢印コネクタ 21">
               <a:extLst>
                 <a:ext uri="{FF2B5EF4-FFF2-40B4-BE49-F238E27FC236}">
-                  <a16:creationId xmlns:a16="http://schemas.microsoft.com/office/drawing/2014/main" xmlns="" id="{AED48C2A-6EAA-4CF0-985B-34109D13A250}"/>
+                  <a16:creationId xmlns:a16="http://schemas.microsoft.com/office/drawing/2014/main" id="{AED48C2A-6EAA-4CF0-985B-34109D13A250}"/>
                 </a:ext>
               </a:extLst>
             </p:cNvPr>
@@ -9923,7 +9906,7 @@
           <p:cNvPr id="32" name="グループ化 31">
             <a:extLst>
               <a:ext uri="{FF2B5EF4-FFF2-40B4-BE49-F238E27FC236}">
-                <a16:creationId xmlns:a16="http://schemas.microsoft.com/office/drawing/2014/main" xmlns="" id="{D15D8917-B5EC-464C-9739-B79A9A0E5691}"/>
+                <a16:creationId xmlns:a16="http://schemas.microsoft.com/office/drawing/2014/main" id="{D15D8917-B5EC-464C-9739-B79A9A0E5691}"/>
               </a:ext>
             </a:extLst>
           </p:cNvPr>
@@ -9943,7 +9926,7 @@
             <p:cNvPr id="33" name="テキスト ボックス 32">
               <a:extLst>
                 <a:ext uri="{FF2B5EF4-FFF2-40B4-BE49-F238E27FC236}">
-                  <a16:creationId xmlns:a16="http://schemas.microsoft.com/office/drawing/2014/main" xmlns="" id="{B27A76A7-762A-42B4-BF3C-477612859B4C}"/>
+                  <a16:creationId xmlns:a16="http://schemas.microsoft.com/office/drawing/2014/main" id="{B27A76A7-762A-42B4-BF3C-477612859B4C}"/>
                 </a:ext>
               </a:extLst>
             </p:cNvPr>
@@ -9990,7 +9973,7 @@
             <p:cNvPr id="34" name="テキスト ボックス 33">
               <a:extLst>
                 <a:ext uri="{FF2B5EF4-FFF2-40B4-BE49-F238E27FC236}">
-                  <a16:creationId xmlns:a16="http://schemas.microsoft.com/office/drawing/2014/main" xmlns="" id="{0DF47C5B-B5C8-46B2-83C8-17A4C8552B1B}"/>
+                  <a16:creationId xmlns:a16="http://schemas.microsoft.com/office/drawing/2014/main" id="{0DF47C5B-B5C8-46B2-83C8-17A4C8552B1B}"/>
                 </a:ext>
               </a:extLst>
             </p:cNvPr>
@@ -10026,7 +10009,7 @@
           <p:cNvPr id="35" name="直線コネクタ 34">
             <a:extLst>
               <a:ext uri="{FF2B5EF4-FFF2-40B4-BE49-F238E27FC236}">
-                <a16:creationId xmlns:a16="http://schemas.microsoft.com/office/drawing/2014/main" xmlns="" id="{5A9F0C81-A284-4A5C-BD23-06DFFD22DCB0}"/>
+                <a16:creationId xmlns:a16="http://schemas.microsoft.com/office/drawing/2014/main" id="{5A9F0C81-A284-4A5C-BD23-06DFFD22DCB0}"/>
               </a:ext>
             </a:extLst>
           </p:cNvPr>
@@ -10101,7 +10084,7 @@
           <p:cNvPr id="2" name="スライド番号プレースホルダー 1">
             <a:extLst>
               <a:ext uri="{FF2B5EF4-FFF2-40B4-BE49-F238E27FC236}">
-                <a16:creationId xmlns:a16="http://schemas.microsoft.com/office/drawing/2014/main" xmlns="" id="{7655272F-F346-4D67-980D-F5DAC34C0D26}"/>
+                <a16:creationId xmlns:a16="http://schemas.microsoft.com/office/drawing/2014/main" id="{7655272F-F346-4D67-980D-F5DAC34C0D26}"/>
               </a:ext>
             </a:extLst>
           </p:cNvPr>
@@ -10130,7 +10113,7 @@
           <p:cNvPr id="3" name="Shape 130">
             <a:extLst>
               <a:ext uri="{FF2B5EF4-FFF2-40B4-BE49-F238E27FC236}">
-                <a16:creationId xmlns:a16="http://schemas.microsoft.com/office/drawing/2014/main" xmlns="" id="{2EDF6CCC-97C9-4981-8AF2-09ED5C8EF2EF}"/>
+                <a16:creationId xmlns:a16="http://schemas.microsoft.com/office/drawing/2014/main" id="{2EDF6CCC-97C9-4981-8AF2-09ED5C8EF2EF}"/>
               </a:ext>
             </a:extLst>
           </p:cNvPr>
@@ -10150,7 +10133,7 @@
           </a:ln>
           <a:extLst>
             <a:ext uri="{C572A759-6A51-4108-AA02-DFA0A04FC94B}">
-              <ma14:wrappingTextBoxFlag xmlns="" xmlns:ma14="http://schemas.microsoft.com/office/mac/drawingml/2011/main" val="1"/>
+              <ma14:wrappingTextBoxFlag xmlns:ma14="http://schemas.microsoft.com/office/mac/drawingml/2011/main" xmlns="" val="1"/>
             </a:ext>
           </a:extLst>
         </p:spPr>
@@ -10205,7 +10188,7 @@
           <p:cNvPr id="17" name="グループ化 16">
             <a:extLst>
               <a:ext uri="{FF2B5EF4-FFF2-40B4-BE49-F238E27FC236}">
-                <a16:creationId xmlns:a16="http://schemas.microsoft.com/office/drawing/2014/main" xmlns="" id="{A8466610-456C-4B59-833E-E87E745DC4C5}"/>
+                <a16:creationId xmlns:a16="http://schemas.microsoft.com/office/drawing/2014/main" id="{A8466610-456C-4B59-833E-E87E745DC4C5}"/>
               </a:ext>
             </a:extLst>
           </p:cNvPr>
@@ -10225,7 +10208,7 @@
             <p:cNvPr id="18" name="テキスト ボックス 17">
               <a:extLst>
                 <a:ext uri="{FF2B5EF4-FFF2-40B4-BE49-F238E27FC236}">
-                  <a16:creationId xmlns:a16="http://schemas.microsoft.com/office/drawing/2014/main" xmlns="" id="{4DBDFAC6-2935-4DB1-9383-611E1BE211C1}"/>
+                  <a16:creationId xmlns:a16="http://schemas.microsoft.com/office/drawing/2014/main" id="{4DBDFAC6-2935-4DB1-9383-611E1BE211C1}"/>
                 </a:ext>
               </a:extLst>
             </p:cNvPr>
@@ -10268,7 +10251,7 @@
             <p:cNvPr id="19" name="テキスト ボックス 18">
               <a:extLst>
                 <a:ext uri="{FF2B5EF4-FFF2-40B4-BE49-F238E27FC236}">
-                  <a16:creationId xmlns:a16="http://schemas.microsoft.com/office/drawing/2014/main" xmlns="" id="{832B509A-3C24-4784-AD95-622442B6166C}"/>
+                  <a16:creationId xmlns:a16="http://schemas.microsoft.com/office/drawing/2014/main" id="{832B509A-3C24-4784-AD95-622442B6166C}"/>
                 </a:ext>
               </a:extLst>
             </p:cNvPr>
@@ -10304,7 +10287,7 @@
           <p:cNvPr id="16" name="グループ化 15">
             <a:extLst>
               <a:ext uri="{FF2B5EF4-FFF2-40B4-BE49-F238E27FC236}">
-                <a16:creationId xmlns:a16="http://schemas.microsoft.com/office/drawing/2014/main" xmlns="" id="{42D912EA-7A0C-43A9-8302-787512AF2107}"/>
+                <a16:creationId xmlns:a16="http://schemas.microsoft.com/office/drawing/2014/main" id="{42D912EA-7A0C-43A9-8302-787512AF2107}"/>
               </a:ext>
             </a:extLst>
           </p:cNvPr>
@@ -10324,7 +10307,7 @@
             <p:cNvPr id="5" name="図 4">
               <a:extLst>
                 <a:ext uri="{FF2B5EF4-FFF2-40B4-BE49-F238E27FC236}">
-                  <a16:creationId xmlns:a16="http://schemas.microsoft.com/office/drawing/2014/main" xmlns="" id="{8F3040B9-2C5F-4400-B72D-A6B0A309BD9A}"/>
+                  <a16:creationId xmlns:a16="http://schemas.microsoft.com/office/drawing/2014/main" id="{8F3040B9-2C5F-4400-B72D-A6B0A309BD9A}"/>
                 </a:ext>
               </a:extLst>
             </p:cNvPr>
@@ -10354,7 +10337,7 @@
             <p:cNvPr id="35" name="直線コネクタ 34">
               <a:extLst>
                 <a:ext uri="{FF2B5EF4-FFF2-40B4-BE49-F238E27FC236}">
-                  <a16:creationId xmlns:a16="http://schemas.microsoft.com/office/drawing/2014/main" xmlns="" id="{5A9F0C81-A284-4A5C-BD23-06DFFD22DCB0}"/>
+                  <a16:creationId xmlns:a16="http://schemas.microsoft.com/office/drawing/2014/main" id="{5A9F0C81-A284-4A5C-BD23-06DFFD22DCB0}"/>
                 </a:ext>
               </a:extLst>
             </p:cNvPr>
@@ -10400,7 +10383,7 @@
           <p:cNvPr id="26" name="正方形/長方形 25">
             <a:extLst>
               <a:ext uri="{FF2B5EF4-FFF2-40B4-BE49-F238E27FC236}">
-                <a16:creationId xmlns:a16="http://schemas.microsoft.com/office/drawing/2014/main" xmlns="" id="{021CD1BC-5F34-4A26-B9E3-DE6DF18C14D4}"/>
+                <a16:creationId xmlns:a16="http://schemas.microsoft.com/office/drawing/2014/main" id="{021CD1BC-5F34-4A26-B9E3-DE6DF18C14D4}"/>
               </a:ext>
             </a:extLst>
           </p:cNvPr>
@@ -10454,7 +10437,7 @@
           <p:cNvPr id="27" name="グループ化 26">
             <a:extLst>
               <a:ext uri="{FF2B5EF4-FFF2-40B4-BE49-F238E27FC236}">
-                <a16:creationId xmlns:a16="http://schemas.microsoft.com/office/drawing/2014/main" xmlns="" id="{C6D78C16-A556-41D3-8F7B-EB15FC443F90}"/>
+                <a16:creationId xmlns:a16="http://schemas.microsoft.com/office/drawing/2014/main" id="{C6D78C16-A556-41D3-8F7B-EB15FC443F90}"/>
               </a:ext>
             </a:extLst>
           </p:cNvPr>
@@ -10474,7 +10457,7 @@
             <p:cNvPr id="28" name="フリーフォーム: 図形 27">
               <a:extLst>
                 <a:ext uri="{FF2B5EF4-FFF2-40B4-BE49-F238E27FC236}">
-                  <a16:creationId xmlns:a16="http://schemas.microsoft.com/office/drawing/2014/main" xmlns="" id="{71481C45-8BFB-429F-9820-93F2D5D683CD}"/>
+                  <a16:creationId xmlns:a16="http://schemas.microsoft.com/office/drawing/2014/main" id="{71481C45-8BFB-429F-9820-93F2D5D683CD}"/>
                 </a:ext>
               </a:extLst>
             </p:cNvPr>
@@ -10575,7 +10558,7 @@
             <p:cNvPr id="29" name="フリーフォーム: 図形 28">
               <a:extLst>
                 <a:ext uri="{FF2B5EF4-FFF2-40B4-BE49-F238E27FC236}">
-                  <a16:creationId xmlns:a16="http://schemas.microsoft.com/office/drawing/2014/main" xmlns="" id="{F8CBF0EE-80D1-4FD2-BEA9-8078E97C9D70}"/>
+                  <a16:creationId xmlns:a16="http://schemas.microsoft.com/office/drawing/2014/main" id="{F8CBF0EE-80D1-4FD2-BEA9-8078E97C9D70}"/>
                 </a:ext>
               </a:extLst>
             </p:cNvPr>
@@ -10673,7 +10656,7 @@
           <p:cNvPr id="30" name="正方形/長方形 29">
             <a:extLst>
               <a:ext uri="{FF2B5EF4-FFF2-40B4-BE49-F238E27FC236}">
-                <a16:creationId xmlns:a16="http://schemas.microsoft.com/office/drawing/2014/main" xmlns="" id="{29552D77-81DA-4027-88D7-800FA1B8C5AF}"/>
+                <a16:creationId xmlns:a16="http://schemas.microsoft.com/office/drawing/2014/main" id="{29552D77-81DA-4027-88D7-800FA1B8C5AF}"/>
               </a:ext>
             </a:extLst>
           </p:cNvPr>
@@ -10757,7 +10740,7 @@
           <p:cNvPr id="31" name="正方形/長方形 30">
             <a:extLst>
               <a:ext uri="{FF2B5EF4-FFF2-40B4-BE49-F238E27FC236}">
-                <a16:creationId xmlns:a16="http://schemas.microsoft.com/office/drawing/2014/main" xmlns="" id="{DBBCF54C-07CF-4430-A2F3-77886D29F926}"/>
+                <a16:creationId xmlns:a16="http://schemas.microsoft.com/office/drawing/2014/main" id="{DBBCF54C-07CF-4430-A2F3-77886D29F926}"/>
               </a:ext>
             </a:extLst>
           </p:cNvPr>
@@ -10799,7 +10782,7 @@
           <p:cNvPr id="23" name="直線矢印コネクタ 22">
             <a:extLst>
               <a:ext uri="{FF2B5EF4-FFF2-40B4-BE49-F238E27FC236}">
-                <a16:creationId xmlns:a16="http://schemas.microsoft.com/office/drawing/2014/main" xmlns="" id="{31906760-E9AA-4554-8480-6DFDBEAF0969}"/>
+                <a16:creationId xmlns:a16="http://schemas.microsoft.com/office/drawing/2014/main" id="{31906760-E9AA-4554-8480-6DFDBEAF0969}"/>
               </a:ext>
             </a:extLst>
           </p:cNvPr>
@@ -10842,7 +10825,7 @@
           <p:cNvPr id="24" name="テキスト ボックス 23">
             <a:extLst>
               <a:ext uri="{FF2B5EF4-FFF2-40B4-BE49-F238E27FC236}">
-                <a16:creationId xmlns:a16="http://schemas.microsoft.com/office/drawing/2014/main" xmlns="" id="{A5D2F474-5804-4E27-8853-24C1658EE7FC}"/>
+                <a16:creationId xmlns:a16="http://schemas.microsoft.com/office/drawing/2014/main" id="{A5D2F474-5804-4E27-8853-24C1658EE7FC}"/>
               </a:ext>
             </a:extLst>
           </p:cNvPr>
@@ -10907,7 +10890,7 @@
           <p:cNvPr id="2" name="スライド番号プレースホルダー 1">
             <a:extLst>
               <a:ext uri="{FF2B5EF4-FFF2-40B4-BE49-F238E27FC236}">
-                <a16:creationId xmlns:a16="http://schemas.microsoft.com/office/drawing/2014/main" xmlns="" id="{7655272F-F346-4D67-980D-F5DAC34C0D26}"/>
+                <a16:creationId xmlns:a16="http://schemas.microsoft.com/office/drawing/2014/main" id="{7655272F-F346-4D67-980D-F5DAC34C0D26}"/>
               </a:ext>
             </a:extLst>
           </p:cNvPr>
@@ -10936,7 +10919,7 @@
           <p:cNvPr id="3" name="Shape 130">
             <a:extLst>
               <a:ext uri="{FF2B5EF4-FFF2-40B4-BE49-F238E27FC236}">
-                <a16:creationId xmlns:a16="http://schemas.microsoft.com/office/drawing/2014/main" xmlns="" id="{2EDF6CCC-97C9-4981-8AF2-09ED5C8EF2EF}"/>
+                <a16:creationId xmlns:a16="http://schemas.microsoft.com/office/drawing/2014/main" id="{2EDF6CCC-97C9-4981-8AF2-09ED5C8EF2EF}"/>
               </a:ext>
             </a:extLst>
           </p:cNvPr>
@@ -10956,7 +10939,7 @@
           </a:ln>
           <a:extLst>
             <a:ext uri="{C572A759-6A51-4108-AA02-DFA0A04FC94B}">
-              <ma14:wrappingTextBoxFlag xmlns="" xmlns:ma14="http://schemas.microsoft.com/office/mac/drawingml/2011/main" val="1"/>
+              <ma14:wrappingTextBoxFlag xmlns:ma14="http://schemas.microsoft.com/office/mac/drawingml/2011/main" xmlns="" val="1"/>
             </a:ext>
           </a:extLst>
         </p:spPr>
@@ -11011,7 +10994,7 @@
           <p:cNvPr id="17" name="グループ化 16">
             <a:extLst>
               <a:ext uri="{FF2B5EF4-FFF2-40B4-BE49-F238E27FC236}">
-                <a16:creationId xmlns:a16="http://schemas.microsoft.com/office/drawing/2014/main" xmlns="" id="{A8466610-456C-4B59-833E-E87E745DC4C5}"/>
+                <a16:creationId xmlns:a16="http://schemas.microsoft.com/office/drawing/2014/main" id="{A8466610-456C-4B59-833E-E87E745DC4C5}"/>
               </a:ext>
             </a:extLst>
           </p:cNvPr>
@@ -11031,7 +11014,7 @@
             <p:cNvPr id="18" name="テキスト ボックス 17">
               <a:extLst>
                 <a:ext uri="{FF2B5EF4-FFF2-40B4-BE49-F238E27FC236}">
-                  <a16:creationId xmlns:a16="http://schemas.microsoft.com/office/drawing/2014/main" xmlns="" id="{4DBDFAC6-2935-4DB1-9383-611E1BE211C1}"/>
+                  <a16:creationId xmlns:a16="http://schemas.microsoft.com/office/drawing/2014/main" id="{4DBDFAC6-2935-4DB1-9383-611E1BE211C1}"/>
                 </a:ext>
               </a:extLst>
             </p:cNvPr>
@@ -11066,7 +11049,7 @@
             <p:cNvPr id="19" name="テキスト ボックス 18">
               <a:extLst>
                 <a:ext uri="{FF2B5EF4-FFF2-40B4-BE49-F238E27FC236}">
-                  <a16:creationId xmlns:a16="http://schemas.microsoft.com/office/drawing/2014/main" xmlns="" id="{832B509A-3C24-4784-AD95-622442B6166C}"/>
+                  <a16:creationId xmlns:a16="http://schemas.microsoft.com/office/drawing/2014/main" id="{832B509A-3C24-4784-AD95-622442B6166C}"/>
                 </a:ext>
               </a:extLst>
             </p:cNvPr>
@@ -11102,7 +11085,7 @@
           <p:cNvPr id="4" name="図 3">
             <a:extLst>
               <a:ext uri="{FF2B5EF4-FFF2-40B4-BE49-F238E27FC236}">
-                <a16:creationId xmlns:a16="http://schemas.microsoft.com/office/drawing/2014/main" xmlns="" id="{0A999B02-4369-4BCA-9451-E9991038C982}"/>
+                <a16:creationId xmlns:a16="http://schemas.microsoft.com/office/drawing/2014/main" id="{0A999B02-4369-4BCA-9451-E9991038C982}"/>
               </a:ext>
             </a:extLst>
           </p:cNvPr>
@@ -11162,7 +11145,7 @@
           <p:cNvPr id="29" name="図 28">
             <a:extLst>
               <a:ext uri="{FF2B5EF4-FFF2-40B4-BE49-F238E27FC236}">
-                <a16:creationId xmlns:a16="http://schemas.microsoft.com/office/drawing/2014/main" xmlns="" id="{52F4DC29-64CC-4297-8CE9-509ECC03B8C1}"/>
+                <a16:creationId xmlns:a16="http://schemas.microsoft.com/office/drawing/2014/main" id="{52F4DC29-64CC-4297-8CE9-509ECC03B8C1}"/>
               </a:ext>
             </a:extLst>
           </p:cNvPr>
@@ -11192,7 +11175,7 @@
           <p:cNvPr id="2" name="スライド番号プレースホルダー 1">
             <a:extLst>
               <a:ext uri="{FF2B5EF4-FFF2-40B4-BE49-F238E27FC236}">
-                <a16:creationId xmlns:a16="http://schemas.microsoft.com/office/drawing/2014/main" xmlns="" id="{7655272F-F346-4D67-980D-F5DAC34C0D26}"/>
+                <a16:creationId xmlns:a16="http://schemas.microsoft.com/office/drawing/2014/main" id="{7655272F-F346-4D67-980D-F5DAC34C0D26}"/>
               </a:ext>
             </a:extLst>
           </p:cNvPr>
@@ -11221,7 +11204,7 @@
           <p:cNvPr id="3" name="Shape 130">
             <a:extLst>
               <a:ext uri="{FF2B5EF4-FFF2-40B4-BE49-F238E27FC236}">
-                <a16:creationId xmlns:a16="http://schemas.microsoft.com/office/drawing/2014/main" xmlns="" id="{2EDF6CCC-97C9-4981-8AF2-09ED5C8EF2EF}"/>
+                <a16:creationId xmlns:a16="http://schemas.microsoft.com/office/drawing/2014/main" id="{2EDF6CCC-97C9-4981-8AF2-09ED5C8EF2EF}"/>
               </a:ext>
             </a:extLst>
           </p:cNvPr>
@@ -11241,7 +11224,7 @@
           </a:ln>
           <a:extLst>
             <a:ext uri="{C572A759-6A51-4108-AA02-DFA0A04FC94B}">
-              <ma14:wrappingTextBoxFlag xmlns="" xmlns:ma14="http://schemas.microsoft.com/office/mac/drawingml/2011/main" val="1"/>
+              <ma14:wrappingTextBoxFlag xmlns:ma14="http://schemas.microsoft.com/office/mac/drawingml/2011/main" xmlns="" val="1"/>
             </a:ext>
           </a:extLst>
         </p:spPr>
@@ -11284,7 +11267,7 @@
           <p:cNvPr id="8" name="表 7">
             <a:extLst>
               <a:ext uri="{FF2B5EF4-FFF2-40B4-BE49-F238E27FC236}">
-                <a16:creationId xmlns:a16="http://schemas.microsoft.com/office/drawing/2014/main" xmlns="" id="{93621141-4DE2-4050-8BD6-22F626DE94B0}"/>
+                <a16:creationId xmlns:a16="http://schemas.microsoft.com/office/drawing/2014/main" id="{93621141-4DE2-4050-8BD6-22F626DE94B0}"/>
               </a:ext>
             </a:extLst>
           </p:cNvPr>
@@ -11294,7 +11277,7 @@
           <p:nvPr>
             <p:extLst>
               <p:ext uri="{D42A27DB-BD31-4B8C-83A1-F6EECF244321}">
-                <p14:modId xmlns:p14="http://schemas.microsoft.com/office/powerpoint/2010/main" val="310164484"/>
+                <p14:modId xmlns:p14="http://schemas.microsoft.com/office/powerpoint/2010/main" val="314344239"/>
               </p:ext>
             </p:extLst>
           </p:nvPr>
@@ -11313,49 +11296,49 @@
                 <a:gridCol w="2533968">
                   <a:extLst>
                     <a:ext uri="{9D8B030D-6E8A-4147-A177-3AD203B41FA5}">
-                      <a16:colId xmlns:a16="http://schemas.microsoft.com/office/drawing/2014/main" xmlns="" val="2869928480"/>
+                      <a16:colId xmlns:a16="http://schemas.microsoft.com/office/drawing/2014/main" val="2869928480"/>
                     </a:ext>
                   </a:extLst>
                 </a:gridCol>
                 <a:gridCol w="1619568">
                   <a:extLst>
                     <a:ext uri="{9D8B030D-6E8A-4147-A177-3AD203B41FA5}">
-                      <a16:colId xmlns:a16="http://schemas.microsoft.com/office/drawing/2014/main" xmlns="" val="3708684436"/>
+                      <a16:colId xmlns:a16="http://schemas.microsoft.com/office/drawing/2014/main" val="3708684436"/>
                     </a:ext>
                   </a:extLst>
                 </a:gridCol>
                 <a:gridCol w="1198450">
                   <a:extLst>
                     <a:ext uri="{9D8B030D-6E8A-4147-A177-3AD203B41FA5}">
-                      <a16:colId xmlns:a16="http://schemas.microsoft.com/office/drawing/2014/main" xmlns="" val="3877242200"/>
+                      <a16:colId xmlns:a16="http://schemas.microsoft.com/office/drawing/2014/main" val="3877242200"/>
                     </a:ext>
                   </a:extLst>
                 </a:gridCol>
                 <a:gridCol w="1619568">
                   <a:extLst>
                     <a:ext uri="{9D8B030D-6E8A-4147-A177-3AD203B41FA5}">
-                      <a16:colId xmlns:a16="http://schemas.microsoft.com/office/drawing/2014/main" xmlns="" val="1228845434"/>
+                      <a16:colId xmlns:a16="http://schemas.microsoft.com/office/drawing/2014/main" val="1228845434"/>
                     </a:ext>
                   </a:extLst>
                 </a:gridCol>
                 <a:gridCol w="933768">
                   <a:extLst>
                     <a:ext uri="{9D8B030D-6E8A-4147-A177-3AD203B41FA5}">
-                      <a16:colId xmlns:a16="http://schemas.microsoft.com/office/drawing/2014/main" xmlns="" val="4141803925"/>
+                      <a16:colId xmlns:a16="http://schemas.microsoft.com/office/drawing/2014/main" val="4141803925"/>
                     </a:ext>
                   </a:extLst>
                 </a:gridCol>
                 <a:gridCol w="1489297">
                   <a:extLst>
                     <a:ext uri="{9D8B030D-6E8A-4147-A177-3AD203B41FA5}">
-                      <a16:colId xmlns:a16="http://schemas.microsoft.com/office/drawing/2014/main" xmlns="" val="873013535"/>
+                      <a16:colId xmlns:a16="http://schemas.microsoft.com/office/drawing/2014/main" val="873013535"/>
                     </a:ext>
                   </a:extLst>
                 </a:gridCol>
                 <a:gridCol w="1651318">
                   <a:extLst>
                     <a:ext uri="{9D8B030D-6E8A-4147-A177-3AD203B41FA5}">
-                      <a16:colId xmlns:a16="http://schemas.microsoft.com/office/drawing/2014/main" xmlns="" val="2271690460"/>
+                      <a16:colId xmlns:a16="http://schemas.microsoft.com/office/drawing/2014/main" val="2271690460"/>
                     </a:ext>
                   </a:extLst>
                 </a:gridCol>
@@ -11369,7 +11352,7 @@
                       <a:pPr algn="ctr"/>
                       <a:r>
                         <a:rPr kumimoji="1" lang="ja-JP" altLang="en-US" dirty="0"/>
-                        <a:t>モデルの役割</a:t>
+                        <a:t>クラスの役割</a:t>
                       </a:r>
                     </a:p>
                   </a:txBody>
@@ -11397,7 +11380,7 @@
                       <a:pPr algn="ctr"/>
                       <a:r>
                         <a:rPr kumimoji="1" lang="ja-JP" altLang="en-US" dirty="0"/>
-                        <a:t>モデル名</a:t>
+                        <a:t>クラス名</a:t>
                       </a:r>
                     </a:p>
                   </a:txBody>
@@ -11462,7 +11445,7 @@
                 </a:tc>
                 <a:extLst>
                   <a:ext uri="{0D108BD9-81ED-4DB2-BD59-A6C34878D82A}">
-                    <a16:rowId xmlns:a16="http://schemas.microsoft.com/office/drawing/2014/main" xmlns="" val="2840948024"/>
+                    <a16:rowId xmlns:a16="http://schemas.microsoft.com/office/drawing/2014/main" val="2840948024"/>
                   </a:ext>
                 </a:extLst>
               </a:tr>
@@ -11677,7 +11660,7 @@
                 </a:tc>
                 <a:extLst>
                   <a:ext uri="{0D108BD9-81ED-4DB2-BD59-A6C34878D82A}">
-                    <a16:rowId xmlns:a16="http://schemas.microsoft.com/office/drawing/2014/main" xmlns="" val="4244898854"/>
+                    <a16:rowId xmlns:a16="http://schemas.microsoft.com/office/drawing/2014/main" val="4244898854"/>
                   </a:ext>
                 </a:extLst>
               </a:tr>
@@ -11690,7 +11673,7 @@
           <p:cNvPr id="10" name="テキスト ボックス 9">
             <a:extLst>
               <a:ext uri="{FF2B5EF4-FFF2-40B4-BE49-F238E27FC236}">
-                <a16:creationId xmlns:a16="http://schemas.microsoft.com/office/drawing/2014/main" xmlns="" id="{1AF9C5A3-192D-4E4D-B4B0-434A16F148B4}"/>
+                <a16:creationId xmlns:a16="http://schemas.microsoft.com/office/drawing/2014/main" id="{1AF9C5A3-192D-4E4D-B4B0-434A16F148B4}"/>
               </a:ext>
             </a:extLst>
           </p:cNvPr>
@@ -11742,7 +11725,7 @@
           <p:cNvPr id="11" name="グループ化 10">
             <a:extLst>
               <a:ext uri="{FF2B5EF4-FFF2-40B4-BE49-F238E27FC236}">
-                <a16:creationId xmlns:a16="http://schemas.microsoft.com/office/drawing/2014/main" xmlns="" id="{53EEFC83-B1DE-4E68-B5A0-99C7AA548F76}"/>
+                <a16:creationId xmlns:a16="http://schemas.microsoft.com/office/drawing/2014/main" id="{53EEFC83-B1DE-4E68-B5A0-99C7AA548F76}"/>
               </a:ext>
             </a:extLst>
           </p:cNvPr>
@@ -11762,7 +11745,7 @@
             <p:cNvPr id="12" name="テキスト ボックス 11">
               <a:extLst>
                 <a:ext uri="{FF2B5EF4-FFF2-40B4-BE49-F238E27FC236}">
-                  <a16:creationId xmlns:a16="http://schemas.microsoft.com/office/drawing/2014/main" xmlns="" id="{3A920BAF-A956-4DCD-97D5-458488D54ACC}"/>
+                  <a16:creationId xmlns:a16="http://schemas.microsoft.com/office/drawing/2014/main" id="{3A920BAF-A956-4DCD-97D5-458488D54ACC}"/>
                 </a:ext>
               </a:extLst>
             </p:cNvPr>
@@ -11813,7 +11796,7 @@
             <p:cNvPr id="13" name="テキスト ボックス 12">
               <a:extLst>
                 <a:ext uri="{FF2B5EF4-FFF2-40B4-BE49-F238E27FC236}">
-                  <a16:creationId xmlns:a16="http://schemas.microsoft.com/office/drawing/2014/main" xmlns="" id="{7821A6D0-E779-4132-A5E4-73DCA09BC946}"/>
+                  <a16:creationId xmlns:a16="http://schemas.microsoft.com/office/drawing/2014/main" id="{7821A6D0-E779-4132-A5E4-73DCA09BC946}"/>
                 </a:ext>
               </a:extLst>
             </p:cNvPr>
@@ -11849,7 +11832,7 @@
           <p:cNvPr id="14" name="グループ化 13">
             <a:extLst>
               <a:ext uri="{FF2B5EF4-FFF2-40B4-BE49-F238E27FC236}">
-                <a16:creationId xmlns:a16="http://schemas.microsoft.com/office/drawing/2014/main" xmlns="" id="{41C9EB8C-6F51-41CC-9923-B47F209C2AA6}"/>
+                <a16:creationId xmlns:a16="http://schemas.microsoft.com/office/drawing/2014/main" id="{41C9EB8C-6F51-41CC-9923-B47F209C2AA6}"/>
               </a:ext>
             </a:extLst>
           </p:cNvPr>
@@ -11869,7 +11852,7 @@
             <p:cNvPr id="15" name="テキスト ボックス 14">
               <a:extLst>
                 <a:ext uri="{FF2B5EF4-FFF2-40B4-BE49-F238E27FC236}">
-                  <a16:creationId xmlns:a16="http://schemas.microsoft.com/office/drawing/2014/main" xmlns="" id="{5D8BDFCD-27AA-4585-93AC-510F8A42AE65}"/>
+                  <a16:creationId xmlns:a16="http://schemas.microsoft.com/office/drawing/2014/main" id="{5D8BDFCD-27AA-4585-93AC-510F8A42AE65}"/>
                 </a:ext>
               </a:extLst>
             </p:cNvPr>
@@ -11944,7 +11927,7 @@
             <p:cNvPr id="16" name="テキスト ボックス 15">
               <a:extLst>
                 <a:ext uri="{FF2B5EF4-FFF2-40B4-BE49-F238E27FC236}">
-                  <a16:creationId xmlns:a16="http://schemas.microsoft.com/office/drawing/2014/main" xmlns="" id="{81D394BC-FD7D-4B74-B0B5-6CFC2EAA3227}"/>
+                  <a16:creationId xmlns:a16="http://schemas.microsoft.com/office/drawing/2014/main" id="{81D394BC-FD7D-4B74-B0B5-6CFC2EAA3227}"/>
                 </a:ext>
               </a:extLst>
             </p:cNvPr>
@@ -11980,7 +11963,7 @@
           <p:cNvPr id="20" name="四角形: 角を丸くする 19">
             <a:extLst>
               <a:ext uri="{FF2B5EF4-FFF2-40B4-BE49-F238E27FC236}">
-                <a16:creationId xmlns:a16="http://schemas.microsoft.com/office/drawing/2014/main" xmlns="" id="{DA09583A-4504-48AC-AC6B-F0FD16C48238}"/>
+                <a16:creationId xmlns:a16="http://schemas.microsoft.com/office/drawing/2014/main" id="{DA09583A-4504-48AC-AC6B-F0FD16C48238}"/>
               </a:ext>
             </a:extLst>
           </p:cNvPr>
@@ -12032,7 +12015,7 @@
           <p:cNvPr id="21" name="直線矢印コネクタ 20">
             <a:extLst>
               <a:ext uri="{FF2B5EF4-FFF2-40B4-BE49-F238E27FC236}">
-                <a16:creationId xmlns:a16="http://schemas.microsoft.com/office/drawing/2014/main" xmlns="" id="{E5713EC2-CBC8-4B33-A36B-E8F6E86C7474}"/>
+                <a16:creationId xmlns:a16="http://schemas.microsoft.com/office/drawing/2014/main" id="{E5713EC2-CBC8-4B33-A36B-E8F6E86C7474}"/>
               </a:ext>
             </a:extLst>
           </p:cNvPr>
@@ -12078,7 +12061,7 @@
           <p:cNvPr id="25" name="四角形: 角を丸くする 24">
             <a:extLst>
               <a:ext uri="{FF2B5EF4-FFF2-40B4-BE49-F238E27FC236}">
-                <a16:creationId xmlns:a16="http://schemas.microsoft.com/office/drawing/2014/main" xmlns="" id="{4D0F0508-082B-46BD-AD86-047D6A2AADDE}"/>
+                <a16:creationId xmlns:a16="http://schemas.microsoft.com/office/drawing/2014/main" id="{4D0F0508-082B-46BD-AD86-047D6A2AADDE}"/>
               </a:ext>
             </a:extLst>
           </p:cNvPr>
@@ -12130,7 +12113,7 @@
           <p:cNvPr id="30" name="フリーフォーム: 図形 29">
             <a:extLst>
               <a:ext uri="{FF2B5EF4-FFF2-40B4-BE49-F238E27FC236}">
-                <a16:creationId xmlns:a16="http://schemas.microsoft.com/office/drawing/2014/main" xmlns="" id="{1FE933D4-85E9-4B7A-ADF7-23CD1DB2A88C}"/>
+                <a16:creationId xmlns:a16="http://schemas.microsoft.com/office/drawing/2014/main" id="{1FE933D4-85E9-4B7A-ADF7-23CD1DB2A88C}"/>
               </a:ext>
             </a:extLst>
           </p:cNvPr>
@@ -12262,7 +12245,7 @@
           <p:cNvPr id="31" name="グループ化 30">
             <a:extLst>
               <a:ext uri="{FF2B5EF4-FFF2-40B4-BE49-F238E27FC236}">
-                <a16:creationId xmlns:a16="http://schemas.microsoft.com/office/drawing/2014/main" xmlns="" id="{93CCA50A-16C7-4273-A9FB-0A653C2C387E}"/>
+                <a16:creationId xmlns:a16="http://schemas.microsoft.com/office/drawing/2014/main" id="{93CCA50A-16C7-4273-A9FB-0A653C2C387E}"/>
               </a:ext>
             </a:extLst>
           </p:cNvPr>
@@ -12282,7 +12265,7 @@
             <p:cNvPr id="32" name="テキスト ボックス 31">
               <a:extLst>
                 <a:ext uri="{FF2B5EF4-FFF2-40B4-BE49-F238E27FC236}">
-                  <a16:creationId xmlns:a16="http://schemas.microsoft.com/office/drawing/2014/main" xmlns="" id="{51BC3D45-5C59-487B-9326-B848D2795265}"/>
+                  <a16:creationId xmlns:a16="http://schemas.microsoft.com/office/drawing/2014/main" id="{51BC3D45-5C59-487B-9326-B848D2795265}"/>
                 </a:ext>
               </a:extLst>
             </p:cNvPr>
@@ -12333,7 +12316,7 @@
             <p:cNvPr id="33" name="テキスト ボックス 32">
               <a:extLst>
                 <a:ext uri="{FF2B5EF4-FFF2-40B4-BE49-F238E27FC236}">
-                  <a16:creationId xmlns:a16="http://schemas.microsoft.com/office/drawing/2014/main" xmlns="" id="{C7BF6222-80CD-416A-A0BF-636B1F317B87}"/>
+                  <a16:creationId xmlns:a16="http://schemas.microsoft.com/office/drawing/2014/main" id="{C7BF6222-80CD-416A-A0BF-636B1F317B87}"/>
                 </a:ext>
               </a:extLst>
             </p:cNvPr>
@@ -12399,7 +12382,7 @@
           <p:cNvPr id="4" name="テキスト ボックス 3">
             <a:extLst>
               <a:ext uri="{FF2B5EF4-FFF2-40B4-BE49-F238E27FC236}">
-                <a16:creationId xmlns:a16="http://schemas.microsoft.com/office/drawing/2014/main" xmlns="" id="{CFED29EE-AF3E-4341-969E-62CE8E0A3F31}"/>
+                <a16:creationId xmlns:a16="http://schemas.microsoft.com/office/drawing/2014/main" id="{CFED29EE-AF3E-4341-969E-62CE8E0A3F31}"/>
               </a:ext>
             </a:extLst>
           </p:cNvPr>
@@ -12434,7 +12417,7 @@
           <p:cNvPr id="5" name="テキスト ボックス 4">
             <a:extLst>
               <a:ext uri="{FF2B5EF4-FFF2-40B4-BE49-F238E27FC236}">
-                <a16:creationId xmlns:a16="http://schemas.microsoft.com/office/drawing/2014/main" xmlns="" id="{EBDCDFD7-929B-4DBF-BA2E-980EE71F8427}"/>
+                <a16:creationId xmlns:a16="http://schemas.microsoft.com/office/drawing/2014/main" id="{EBDCDFD7-929B-4DBF-BA2E-980EE71F8427}"/>
               </a:ext>
             </a:extLst>
           </p:cNvPr>
@@ -12597,7 +12580,7 @@
           <p:cNvPr id="9" name="テキスト ボックス 8">
             <a:extLst>
               <a:ext uri="{FF2B5EF4-FFF2-40B4-BE49-F238E27FC236}">
-                <a16:creationId xmlns:a16="http://schemas.microsoft.com/office/drawing/2014/main" xmlns="" id="{14E72353-C904-4A0B-BA69-50B235C2EE8F}"/>
+                <a16:creationId xmlns:a16="http://schemas.microsoft.com/office/drawing/2014/main" id="{14E72353-C904-4A0B-BA69-50B235C2EE8F}"/>
               </a:ext>
             </a:extLst>
           </p:cNvPr>
@@ -12659,7 +12642,7 @@
           <p:cNvPr id="2" name="スライド番号プレースホルダー 1">
             <a:extLst>
               <a:ext uri="{FF2B5EF4-FFF2-40B4-BE49-F238E27FC236}">
-                <a16:creationId xmlns:a16="http://schemas.microsoft.com/office/drawing/2014/main" xmlns="" id="{1820F812-8A46-4AF8-9209-114EE33E8EA9}"/>
+                <a16:creationId xmlns:a16="http://schemas.microsoft.com/office/drawing/2014/main" id="{1820F812-8A46-4AF8-9209-114EE33E8EA9}"/>
               </a:ext>
             </a:extLst>
           </p:cNvPr>
@@ -12718,7 +12701,7 @@
           <p:cNvPr id="5" name="Shape 130">
             <a:extLst>
               <a:ext uri="{FF2B5EF4-FFF2-40B4-BE49-F238E27FC236}">
-                <a16:creationId xmlns:a16="http://schemas.microsoft.com/office/drawing/2014/main" xmlns="" id="{A6551EB4-F459-4E50-83D7-2A1C930077BE}"/>
+                <a16:creationId xmlns:a16="http://schemas.microsoft.com/office/drawing/2014/main" id="{A6551EB4-F459-4E50-83D7-2A1C930077BE}"/>
               </a:ext>
             </a:extLst>
           </p:cNvPr>
@@ -12738,7 +12721,7 @@
           </a:ln>
           <a:extLst>
             <a:ext uri="{C572A759-6A51-4108-AA02-DFA0A04FC94B}">
-              <ma14:wrappingTextBoxFlag xmlns:ma14="http://schemas.microsoft.com/office/mac/drawingml/2011/main" xmlns="" val="1"/>
+              <ma14:wrappingTextBoxFlag xmlns="" xmlns:ma14="http://schemas.microsoft.com/office/mac/drawingml/2011/main" val="1"/>
             </a:ext>
           </a:extLst>
         </p:spPr>
@@ -12768,7 +12751,7 @@
           <p:cNvPr id="2" name="テキスト ボックス 1">
             <a:extLst>
               <a:ext uri="{FF2B5EF4-FFF2-40B4-BE49-F238E27FC236}">
-                <a16:creationId xmlns:a16="http://schemas.microsoft.com/office/drawing/2014/main" xmlns="" id="{13BF6981-F9E6-4F88-9388-C45999E02726}"/>
+                <a16:creationId xmlns:a16="http://schemas.microsoft.com/office/drawing/2014/main" id="{13BF6981-F9E6-4F88-9388-C45999E02726}"/>
               </a:ext>
             </a:extLst>
           </p:cNvPr>
@@ -12847,7 +12830,7 @@
           <p:cNvPr id="3" name="スライド番号プレースホルダー 2">
             <a:extLst>
               <a:ext uri="{FF2B5EF4-FFF2-40B4-BE49-F238E27FC236}">
-                <a16:creationId xmlns:a16="http://schemas.microsoft.com/office/drawing/2014/main" xmlns="" id="{94936D4F-379D-40B9-AC4D-09D42B6E3930}"/>
+                <a16:creationId xmlns:a16="http://schemas.microsoft.com/office/drawing/2014/main" id="{94936D4F-379D-40B9-AC4D-09D42B6E3930}"/>
               </a:ext>
             </a:extLst>
           </p:cNvPr>
@@ -12906,7 +12889,7 @@
           <p:cNvPr id="2" name="Shape 130">
             <a:extLst>
               <a:ext uri="{FF2B5EF4-FFF2-40B4-BE49-F238E27FC236}">
-                <a16:creationId xmlns:a16="http://schemas.microsoft.com/office/drawing/2014/main" xmlns="" id="{92EB54BB-904F-4CF2-BDFE-16A2F60DE5FD}"/>
+                <a16:creationId xmlns:a16="http://schemas.microsoft.com/office/drawing/2014/main" id="{92EB54BB-904F-4CF2-BDFE-16A2F60DE5FD}"/>
               </a:ext>
             </a:extLst>
           </p:cNvPr>
@@ -12926,7 +12909,7 @@
           </a:ln>
           <a:extLst>
             <a:ext uri="{C572A759-6A51-4108-AA02-DFA0A04FC94B}">
-              <ma14:wrappingTextBoxFlag xmlns="" xmlns:ma14="http://schemas.microsoft.com/office/mac/drawingml/2011/main" val="1"/>
+              <ma14:wrappingTextBoxFlag xmlns:ma14="http://schemas.microsoft.com/office/mac/drawingml/2011/main" xmlns="" val="1"/>
             </a:ext>
           </a:extLst>
         </p:spPr>
@@ -12969,7 +12952,7 @@
           <p:cNvPr id="3" name="テキスト ボックス 2">
             <a:extLst>
               <a:ext uri="{FF2B5EF4-FFF2-40B4-BE49-F238E27FC236}">
-                <a16:creationId xmlns:a16="http://schemas.microsoft.com/office/drawing/2014/main" xmlns="" id="{83E87FCE-2FC0-48C7-9990-3F15E9128131}"/>
+                <a16:creationId xmlns:a16="http://schemas.microsoft.com/office/drawing/2014/main" id="{83E87FCE-2FC0-48C7-9990-3F15E9128131}"/>
               </a:ext>
             </a:extLst>
           </p:cNvPr>
@@ -13012,7 +12995,7 @@
           <p:cNvPr id="15" name="グループ化 14">
             <a:extLst>
               <a:ext uri="{FF2B5EF4-FFF2-40B4-BE49-F238E27FC236}">
-                <a16:creationId xmlns:a16="http://schemas.microsoft.com/office/drawing/2014/main" xmlns="" id="{739308EC-4AC0-4020-B2F2-ACCB7676C6D1}"/>
+                <a16:creationId xmlns:a16="http://schemas.microsoft.com/office/drawing/2014/main" id="{739308EC-4AC0-4020-B2F2-ACCB7676C6D1}"/>
               </a:ext>
             </a:extLst>
           </p:cNvPr>
@@ -13032,7 +13015,7 @@
             <p:cNvPr id="7" name="テキスト ボックス 6">
               <a:extLst>
                 <a:ext uri="{FF2B5EF4-FFF2-40B4-BE49-F238E27FC236}">
-                  <a16:creationId xmlns:a16="http://schemas.microsoft.com/office/drawing/2014/main" xmlns="" id="{8D3B9828-F75C-4757-9B2A-F9C223877DD5}"/>
+                  <a16:creationId xmlns:a16="http://schemas.microsoft.com/office/drawing/2014/main" id="{8D3B9828-F75C-4757-9B2A-F9C223877DD5}"/>
                 </a:ext>
               </a:extLst>
             </p:cNvPr>
@@ -13067,7 +13050,7 @@
             <p:cNvPr id="8" name="正方形/長方形 7">
               <a:extLst>
                 <a:ext uri="{FF2B5EF4-FFF2-40B4-BE49-F238E27FC236}">
-                  <a16:creationId xmlns:a16="http://schemas.microsoft.com/office/drawing/2014/main" xmlns="" id="{43238B85-3D49-48BF-9B70-97C0E759C44F}"/>
+                  <a16:creationId xmlns:a16="http://schemas.microsoft.com/office/drawing/2014/main" id="{43238B85-3D49-48BF-9B70-97C0E759C44F}"/>
                 </a:ext>
               </a:extLst>
             </p:cNvPr>
@@ -13115,7 +13098,7 @@
           <p:cNvPr id="17" name="グループ化 16">
             <a:extLst>
               <a:ext uri="{FF2B5EF4-FFF2-40B4-BE49-F238E27FC236}">
-                <a16:creationId xmlns:a16="http://schemas.microsoft.com/office/drawing/2014/main" xmlns="" id="{959AF652-33B2-40E3-8202-4F965430BBD9}"/>
+                <a16:creationId xmlns:a16="http://schemas.microsoft.com/office/drawing/2014/main" id="{959AF652-33B2-40E3-8202-4F965430BBD9}"/>
               </a:ext>
             </a:extLst>
           </p:cNvPr>
@@ -13135,7 +13118,7 @@
             <p:cNvPr id="11" name="テキスト ボックス 10">
               <a:extLst>
                 <a:ext uri="{FF2B5EF4-FFF2-40B4-BE49-F238E27FC236}">
-                  <a16:creationId xmlns:a16="http://schemas.microsoft.com/office/drawing/2014/main" xmlns="" id="{0A5DB387-BEBF-4ED9-8EA1-DAD4C84C2735}"/>
+                  <a16:creationId xmlns:a16="http://schemas.microsoft.com/office/drawing/2014/main" id="{0A5DB387-BEBF-4ED9-8EA1-DAD4C84C2735}"/>
                 </a:ext>
               </a:extLst>
             </p:cNvPr>
@@ -13170,7 +13153,7 @@
             <p:cNvPr id="12" name="正方形/長方形 11">
               <a:extLst>
                 <a:ext uri="{FF2B5EF4-FFF2-40B4-BE49-F238E27FC236}">
-                  <a16:creationId xmlns:a16="http://schemas.microsoft.com/office/drawing/2014/main" xmlns="" id="{577166CC-C397-4CB3-B31D-EB819E8077C9}"/>
+                  <a16:creationId xmlns:a16="http://schemas.microsoft.com/office/drawing/2014/main" id="{577166CC-C397-4CB3-B31D-EB819E8077C9}"/>
                 </a:ext>
               </a:extLst>
             </p:cNvPr>
@@ -13224,7 +13207,7 @@
           <p:cNvPr id="18" name="グループ化 17">
             <a:extLst>
               <a:ext uri="{FF2B5EF4-FFF2-40B4-BE49-F238E27FC236}">
-                <a16:creationId xmlns:a16="http://schemas.microsoft.com/office/drawing/2014/main" xmlns="" id="{F45F32D6-8288-4E94-A27B-9E278A8262CA}"/>
+                <a16:creationId xmlns:a16="http://schemas.microsoft.com/office/drawing/2014/main" id="{F45F32D6-8288-4E94-A27B-9E278A8262CA}"/>
               </a:ext>
             </a:extLst>
           </p:cNvPr>
@@ -13244,7 +13227,7 @@
             <p:cNvPr id="13" name="テキスト ボックス 12">
               <a:extLst>
                 <a:ext uri="{FF2B5EF4-FFF2-40B4-BE49-F238E27FC236}">
-                  <a16:creationId xmlns:a16="http://schemas.microsoft.com/office/drawing/2014/main" xmlns="" id="{459FAE0D-A077-48F2-9665-704DBE831D2E}"/>
+                  <a16:creationId xmlns:a16="http://schemas.microsoft.com/office/drawing/2014/main" id="{459FAE0D-A077-48F2-9665-704DBE831D2E}"/>
                 </a:ext>
               </a:extLst>
             </p:cNvPr>
@@ -13279,7 +13262,7 @@
             <p:cNvPr id="14" name="正方形/長方形 13">
               <a:extLst>
                 <a:ext uri="{FF2B5EF4-FFF2-40B4-BE49-F238E27FC236}">
-                  <a16:creationId xmlns:a16="http://schemas.microsoft.com/office/drawing/2014/main" xmlns="" id="{5A8FCF66-69D3-4191-99CD-69D716F63D48}"/>
+                  <a16:creationId xmlns:a16="http://schemas.microsoft.com/office/drawing/2014/main" id="{5A8FCF66-69D3-4191-99CD-69D716F63D48}"/>
                 </a:ext>
               </a:extLst>
             </p:cNvPr>
@@ -13303,7 +13286,15 @@
             <a:p>
               <a:r>
                 <a:rPr lang="ja-JP" altLang="en-US" dirty="0"/>
-                <a:t>複数の単語からなる名前は、最初の文字は上記１～３に基づいて決定し</a:t>
+                <a:t>複数の単語からなる名前は、最初の文字は上記１～</a:t>
+              </a:r>
+              <a:r>
+                <a:rPr lang="en-US" altLang="ja-JP" dirty="0"/>
+                <a:t>2</a:t>
+              </a:r>
+              <a:r>
+                <a:rPr lang="ja-JP" altLang="en-US" dirty="0"/>
+                <a:t>に基づいて決定し</a:t>
               </a:r>
               <a:endParaRPr lang="en-US" altLang="ja-JP" dirty="0"/>
             </a:p>
@@ -13336,7 +13327,7 @@
           <p:cNvPr id="19" name="グループ化 18">
             <a:extLst>
               <a:ext uri="{FF2B5EF4-FFF2-40B4-BE49-F238E27FC236}">
-                <a16:creationId xmlns:a16="http://schemas.microsoft.com/office/drawing/2014/main" xmlns="" id="{D341D49B-993C-4793-B477-0B0E200BD9F7}"/>
+                <a16:creationId xmlns:a16="http://schemas.microsoft.com/office/drawing/2014/main" id="{D341D49B-993C-4793-B477-0B0E200BD9F7}"/>
               </a:ext>
             </a:extLst>
           </p:cNvPr>
@@ -13356,7 +13347,7 @@
             <p:cNvPr id="20" name="テキスト ボックス 19">
               <a:extLst>
                 <a:ext uri="{FF2B5EF4-FFF2-40B4-BE49-F238E27FC236}">
-                  <a16:creationId xmlns:a16="http://schemas.microsoft.com/office/drawing/2014/main" xmlns="" id="{66E8F48F-26D1-4996-97B1-8770B1FECD8D}"/>
+                  <a16:creationId xmlns:a16="http://schemas.microsoft.com/office/drawing/2014/main" id="{66E8F48F-26D1-4996-97B1-8770B1FECD8D}"/>
                 </a:ext>
               </a:extLst>
             </p:cNvPr>
@@ -13391,7 +13382,7 @@
             <p:cNvPr id="21" name="正方形/長方形 20">
               <a:extLst>
                 <a:ext uri="{FF2B5EF4-FFF2-40B4-BE49-F238E27FC236}">
-                  <a16:creationId xmlns:a16="http://schemas.microsoft.com/office/drawing/2014/main" xmlns="" id="{EFFDE1C0-1657-481A-AFEE-EA37E5BEC69E}"/>
+                  <a16:creationId xmlns:a16="http://schemas.microsoft.com/office/drawing/2014/main" id="{EFFDE1C0-1657-481A-AFEE-EA37E5BEC69E}"/>
                 </a:ext>
               </a:extLst>
             </p:cNvPr>
@@ -13427,7 +13418,7 @@
           <p:cNvPr id="22" name="グループ化 21">
             <a:extLst>
               <a:ext uri="{FF2B5EF4-FFF2-40B4-BE49-F238E27FC236}">
-                <a16:creationId xmlns:a16="http://schemas.microsoft.com/office/drawing/2014/main" xmlns="" id="{7029618F-109D-4D65-9993-3840B940A733}"/>
+                <a16:creationId xmlns:a16="http://schemas.microsoft.com/office/drawing/2014/main" id="{7029618F-109D-4D65-9993-3840B940A733}"/>
               </a:ext>
             </a:extLst>
           </p:cNvPr>
@@ -13447,7 +13438,7 @@
             <p:cNvPr id="23" name="テキスト ボックス 22">
               <a:extLst>
                 <a:ext uri="{FF2B5EF4-FFF2-40B4-BE49-F238E27FC236}">
-                  <a16:creationId xmlns:a16="http://schemas.microsoft.com/office/drawing/2014/main" xmlns="" id="{9C725636-0C55-4944-975F-E6EE1C577CC0}"/>
+                  <a16:creationId xmlns:a16="http://schemas.microsoft.com/office/drawing/2014/main" id="{9C725636-0C55-4944-975F-E6EE1C577CC0}"/>
                 </a:ext>
               </a:extLst>
             </p:cNvPr>
@@ -13482,7 +13473,7 @@
             <p:cNvPr id="24" name="正方形/長方形 23">
               <a:extLst>
                 <a:ext uri="{FF2B5EF4-FFF2-40B4-BE49-F238E27FC236}">
-                  <a16:creationId xmlns:a16="http://schemas.microsoft.com/office/drawing/2014/main" xmlns="" id="{29768965-4E74-4B3E-88AF-57FC36FB322B}"/>
+                  <a16:creationId xmlns:a16="http://schemas.microsoft.com/office/drawing/2014/main" id="{29768965-4E74-4B3E-88AF-57FC36FB322B}"/>
                 </a:ext>
               </a:extLst>
             </p:cNvPr>
@@ -13569,7 +13560,7 @@
           <p:cNvPr id="4" name="スライド番号プレースホルダー 3">
             <a:extLst>
               <a:ext uri="{FF2B5EF4-FFF2-40B4-BE49-F238E27FC236}">
-                <a16:creationId xmlns:a16="http://schemas.microsoft.com/office/drawing/2014/main" xmlns="" id="{AB6BBAE0-075C-48B5-96F6-D93BE4C39A28}"/>
+                <a16:creationId xmlns:a16="http://schemas.microsoft.com/office/drawing/2014/main" id="{AB6BBAE0-075C-48B5-96F6-D93BE4C39A28}"/>
               </a:ext>
             </a:extLst>
           </p:cNvPr>
@@ -13628,7 +13619,7 @@
           <p:cNvPr id="4" name="Shape 130">
             <a:extLst>
               <a:ext uri="{FF2B5EF4-FFF2-40B4-BE49-F238E27FC236}">
-                <a16:creationId xmlns:a16="http://schemas.microsoft.com/office/drawing/2014/main" xmlns="" id="{925B04DB-30E4-42E2-80C9-D742CED3A8D8}"/>
+                <a16:creationId xmlns:a16="http://schemas.microsoft.com/office/drawing/2014/main" id="{925B04DB-30E4-42E2-80C9-D742CED3A8D8}"/>
               </a:ext>
             </a:extLst>
           </p:cNvPr>
@@ -13648,7 +13639,7 @@
           </a:ln>
           <a:extLst>
             <a:ext uri="{C572A759-6A51-4108-AA02-DFA0A04FC94B}">
-              <ma14:wrappingTextBoxFlag xmlns="" xmlns:ma14="http://schemas.microsoft.com/office/mac/drawingml/2011/main" val="1"/>
+              <ma14:wrappingTextBoxFlag xmlns:ma14="http://schemas.microsoft.com/office/mac/drawingml/2011/main" xmlns="" val="1"/>
             </a:ext>
           </a:extLst>
         </p:spPr>
@@ -13679,7 +13670,7 @@
           <p:cNvPr id="2" name="テキスト ボックス 1">
             <a:extLst>
               <a:ext uri="{FF2B5EF4-FFF2-40B4-BE49-F238E27FC236}">
-                <a16:creationId xmlns:a16="http://schemas.microsoft.com/office/drawing/2014/main" xmlns="" id="{64A833D5-5AB2-488D-A54D-E9CDA5738841}"/>
+                <a16:creationId xmlns:a16="http://schemas.microsoft.com/office/drawing/2014/main" id="{64A833D5-5AB2-488D-A54D-E9CDA5738841}"/>
               </a:ext>
             </a:extLst>
           </p:cNvPr>
@@ -13715,7 +13706,7 @@
           <p:cNvPr id="6" name="テキスト ボックス 5">
             <a:extLst>
               <a:ext uri="{FF2B5EF4-FFF2-40B4-BE49-F238E27FC236}">
-                <a16:creationId xmlns:a16="http://schemas.microsoft.com/office/drawing/2014/main" xmlns="" id="{3584E5C0-5BA4-49BA-B1F6-15F4C82108C1}"/>
+                <a16:creationId xmlns:a16="http://schemas.microsoft.com/office/drawing/2014/main" id="{3584E5C0-5BA4-49BA-B1F6-15F4C82108C1}"/>
               </a:ext>
             </a:extLst>
           </p:cNvPr>
@@ -13751,7 +13742,7 @@
           <p:cNvPr id="7" name="テキスト ボックス 6">
             <a:extLst>
               <a:ext uri="{FF2B5EF4-FFF2-40B4-BE49-F238E27FC236}">
-                <a16:creationId xmlns:a16="http://schemas.microsoft.com/office/drawing/2014/main" xmlns="" id="{1E75CFAD-D320-49CE-BFDB-2AF74B9D6F09}"/>
+                <a16:creationId xmlns:a16="http://schemas.microsoft.com/office/drawing/2014/main" id="{1E75CFAD-D320-49CE-BFDB-2AF74B9D6F09}"/>
               </a:ext>
             </a:extLst>
           </p:cNvPr>
@@ -13784,15 +13775,7 @@
                   <a:srgbClr val="FF0000"/>
                 </a:solidFill>
               </a:rPr>
-              <a:t>任意の</a:t>
-            </a:r>
-            <a:r>
-              <a:rPr kumimoji="1" lang="ja-JP" altLang="en-US" sz="2800" dirty="0" smtClean="0">
-                <a:solidFill>
-                  <a:srgbClr val="FF0000"/>
-                </a:solidFill>
-              </a:rPr>
-              <a:t>数式を計算できるようになる</a:t>
+              <a:t>任意の数式を計算できるようになる</a:t>
             </a:r>
             <a:endParaRPr kumimoji="1" lang="en-US" altLang="ja-JP" sz="2800" dirty="0">
               <a:solidFill>
@@ -13874,7 +13857,7 @@
           <p:cNvPr id="3" name="スライド番号プレースホルダー 2">
             <a:extLst>
               <a:ext uri="{FF2B5EF4-FFF2-40B4-BE49-F238E27FC236}">
-                <a16:creationId xmlns:a16="http://schemas.microsoft.com/office/drawing/2014/main" xmlns="" id="{C03CFA8D-F255-47FE-9956-D3EE57D24708}"/>
+                <a16:creationId xmlns:a16="http://schemas.microsoft.com/office/drawing/2014/main" id="{C03CFA8D-F255-47FE-9956-D3EE57D24708}"/>
               </a:ext>
             </a:extLst>
           </p:cNvPr>
@@ -13933,7 +13916,7 @@
           <p:cNvPr id="4" name="テキスト ボックス 3">
             <a:extLst>
               <a:ext uri="{FF2B5EF4-FFF2-40B4-BE49-F238E27FC236}">
-                <a16:creationId xmlns:a16="http://schemas.microsoft.com/office/drawing/2014/main" xmlns="" id="{D9C0262B-5F32-4F83-A4E4-EDBFDFC0F153}"/>
+                <a16:creationId xmlns:a16="http://schemas.microsoft.com/office/drawing/2014/main" id="{D9C0262B-5F32-4F83-A4E4-EDBFDFC0F153}"/>
               </a:ext>
             </a:extLst>
           </p:cNvPr>
@@ -13993,7 +13976,7 @@
           <p:cNvPr id="5" name="テキスト ボックス 4">
             <a:extLst>
               <a:ext uri="{FF2B5EF4-FFF2-40B4-BE49-F238E27FC236}">
-                <a16:creationId xmlns:a16="http://schemas.microsoft.com/office/drawing/2014/main" xmlns="" id="{37A7CE71-1BE4-427B-8F82-7939D606B66F}"/>
+                <a16:creationId xmlns:a16="http://schemas.microsoft.com/office/drawing/2014/main" id="{37A7CE71-1BE4-427B-8F82-7939D606B66F}"/>
               </a:ext>
             </a:extLst>
           </p:cNvPr>
@@ -14034,7 +14017,7 @@
           <p:cNvPr id="7" name="テキスト ボックス 6">
             <a:extLst>
               <a:ext uri="{FF2B5EF4-FFF2-40B4-BE49-F238E27FC236}">
-                <a16:creationId xmlns:a16="http://schemas.microsoft.com/office/drawing/2014/main" xmlns="" id="{2FFD9C86-512F-4831-8CE6-E9F79FABFB15}"/>
+                <a16:creationId xmlns:a16="http://schemas.microsoft.com/office/drawing/2014/main" id="{2FFD9C86-512F-4831-8CE6-E9F79FABFB15}"/>
               </a:ext>
             </a:extLst>
           </p:cNvPr>
@@ -14170,7 +14153,7 @@
           <p:cNvPr id="20" name="グループ化 19">
             <a:extLst>
               <a:ext uri="{FF2B5EF4-FFF2-40B4-BE49-F238E27FC236}">
-                <a16:creationId xmlns:a16="http://schemas.microsoft.com/office/drawing/2014/main" xmlns="" id="{6D7A4F56-9230-41C4-9D60-AC3A7A69973D}"/>
+                <a16:creationId xmlns:a16="http://schemas.microsoft.com/office/drawing/2014/main" id="{6D7A4F56-9230-41C4-9D60-AC3A7A69973D}"/>
               </a:ext>
             </a:extLst>
           </p:cNvPr>
@@ -14190,7 +14173,7 @@
             <p:cNvPr id="8" name="正方形/長方形 7">
               <a:extLst>
                 <a:ext uri="{FF2B5EF4-FFF2-40B4-BE49-F238E27FC236}">
-                  <a16:creationId xmlns:a16="http://schemas.microsoft.com/office/drawing/2014/main" xmlns="" id="{7100C49F-AA29-4C4E-AD64-C132389D4574}"/>
+                  <a16:creationId xmlns:a16="http://schemas.microsoft.com/office/drawing/2014/main" id="{7100C49F-AA29-4C4E-AD64-C132389D4574}"/>
                 </a:ext>
               </a:extLst>
             </p:cNvPr>
@@ -14254,7 +14237,7 @@
             <p:cNvPr id="9" name="正方形/長方形 8">
               <a:extLst>
                 <a:ext uri="{FF2B5EF4-FFF2-40B4-BE49-F238E27FC236}">
-                  <a16:creationId xmlns:a16="http://schemas.microsoft.com/office/drawing/2014/main" xmlns="" id="{4158DB65-0899-4086-B5D2-B7212B717321}"/>
+                  <a16:creationId xmlns:a16="http://schemas.microsoft.com/office/drawing/2014/main" id="{4158DB65-0899-4086-B5D2-B7212B717321}"/>
                 </a:ext>
               </a:extLst>
             </p:cNvPr>
@@ -14355,7 +14338,7 @@
             <p:cNvPr id="10" name="正方形/長方形 9">
               <a:extLst>
                 <a:ext uri="{FF2B5EF4-FFF2-40B4-BE49-F238E27FC236}">
-                  <a16:creationId xmlns:a16="http://schemas.microsoft.com/office/drawing/2014/main" xmlns="" id="{F8AE704A-6F9D-4A26-9C91-30736D5F488A}"/>
+                  <a16:creationId xmlns:a16="http://schemas.microsoft.com/office/drawing/2014/main" id="{F8AE704A-6F9D-4A26-9C91-30736D5F488A}"/>
                 </a:ext>
               </a:extLst>
             </p:cNvPr>
@@ -14407,7 +14390,7 @@
             <p:cNvPr id="11" name="正方形/長方形 10">
               <a:extLst>
                 <a:ext uri="{FF2B5EF4-FFF2-40B4-BE49-F238E27FC236}">
-                  <a16:creationId xmlns:a16="http://schemas.microsoft.com/office/drawing/2014/main" xmlns="" id="{7726E29E-BA6F-4785-BA8F-840227CA4BCC}"/>
+                  <a16:creationId xmlns:a16="http://schemas.microsoft.com/office/drawing/2014/main" id="{7726E29E-BA6F-4785-BA8F-840227CA4BCC}"/>
                 </a:ext>
               </a:extLst>
             </p:cNvPr>
@@ -14459,7 +14442,7 @@
             <p:cNvPr id="13" name="直線コネクタ 12">
               <a:extLst>
                 <a:ext uri="{FF2B5EF4-FFF2-40B4-BE49-F238E27FC236}">
-                  <a16:creationId xmlns:a16="http://schemas.microsoft.com/office/drawing/2014/main" xmlns="" id="{73A866B4-448D-4790-B320-03CEDCF91F62}"/>
+                  <a16:creationId xmlns:a16="http://schemas.microsoft.com/office/drawing/2014/main" id="{73A866B4-448D-4790-B320-03CEDCF91F62}"/>
                 </a:ext>
               </a:extLst>
             </p:cNvPr>
@@ -14505,7 +14488,7 @@
             <p:cNvPr id="15" name="正方形/長方形 14">
               <a:extLst>
                 <a:ext uri="{FF2B5EF4-FFF2-40B4-BE49-F238E27FC236}">
-                  <a16:creationId xmlns:a16="http://schemas.microsoft.com/office/drawing/2014/main" xmlns="" id="{31EA4E1D-ABF5-410E-98B0-D50F1C08577B}"/>
+                  <a16:creationId xmlns:a16="http://schemas.microsoft.com/office/drawing/2014/main" id="{31EA4E1D-ABF5-410E-98B0-D50F1C08577B}"/>
                 </a:ext>
               </a:extLst>
             </p:cNvPr>
@@ -14557,7 +14540,7 @@
             <p:cNvPr id="16" name="テキスト ボックス 15">
               <a:extLst>
                 <a:ext uri="{FF2B5EF4-FFF2-40B4-BE49-F238E27FC236}">
-                  <a16:creationId xmlns:a16="http://schemas.microsoft.com/office/drawing/2014/main" xmlns="" id="{4F1F8CC3-F346-44A2-BFE6-7436A716A5A6}"/>
+                  <a16:creationId xmlns:a16="http://schemas.microsoft.com/office/drawing/2014/main" id="{4F1F8CC3-F346-44A2-BFE6-7436A716A5A6}"/>
                 </a:ext>
               </a:extLst>
             </p:cNvPr>
@@ -14604,7 +14587,7 @@
             <p:cNvPr id="17" name="テキスト ボックス 16">
               <a:extLst>
                 <a:ext uri="{FF2B5EF4-FFF2-40B4-BE49-F238E27FC236}">
-                  <a16:creationId xmlns:a16="http://schemas.microsoft.com/office/drawing/2014/main" xmlns="" id="{69D7C455-82DB-48ED-82EB-B54DC06BEA06}"/>
+                  <a16:creationId xmlns:a16="http://schemas.microsoft.com/office/drawing/2014/main" id="{69D7C455-82DB-48ED-82EB-B54DC06BEA06}"/>
                 </a:ext>
               </a:extLst>
             </p:cNvPr>
@@ -14639,7 +14622,7 @@
             <p:cNvPr id="18" name="テキスト ボックス 17">
               <a:extLst>
                 <a:ext uri="{FF2B5EF4-FFF2-40B4-BE49-F238E27FC236}">
-                  <a16:creationId xmlns:a16="http://schemas.microsoft.com/office/drawing/2014/main" xmlns="" id="{10F8ADF7-AF2C-41CA-BE40-44FCB85C49D1}"/>
+                  <a16:creationId xmlns:a16="http://schemas.microsoft.com/office/drawing/2014/main" id="{10F8ADF7-AF2C-41CA-BE40-44FCB85C49D1}"/>
                 </a:ext>
               </a:extLst>
             </p:cNvPr>
@@ -14675,7 +14658,7 @@
           <p:cNvPr id="19" name="Shape 130">
             <a:extLst>
               <a:ext uri="{FF2B5EF4-FFF2-40B4-BE49-F238E27FC236}">
-                <a16:creationId xmlns:a16="http://schemas.microsoft.com/office/drawing/2014/main" xmlns="" id="{B784A75F-E61D-4809-8B6B-EB47E17388D3}"/>
+                <a16:creationId xmlns:a16="http://schemas.microsoft.com/office/drawing/2014/main" id="{B784A75F-E61D-4809-8B6B-EB47E17388D3}"/>
               </a:ext>
             </a:extLst>
           </p:cNvPr>
@@ -14695,7 +14678,7 @@
           </a:ln>
           <a:extLst>
             <a:ext uri="{C572A759-6A51-4108-AA02-DFA0A04FC94B}">
-              <ma14:wrappingTextBoxFlag xmlns="" xmlns:ma14="http://schemas.microsoft.com/office/mac/drawingml/2011/main" val="1"/>
+              <ma14:wrappingTextBoxFlag xmlns:ma14="http://schemas.microsoft.com/office/mac/drawingml/2011/main" xmlns="" val="1"/>
             </a:ext>
           </a:extLst>
         </p:spPr>
@@ -14726,7 +14709,7 @@
           <p:cNvPr id="3" name="スライド番号プレースホルダー 2">
             <a:extLst>
               <a:ext uri="{FF2B5EF4-FFF2-40B4-BE49-F238E27FC236}">
-                <a16:creationId xmlns:a16="http://schemas.microsoft.com/office/drawing/2014/main" xmlns="" id="{B17CA329-AC7D-4459-A924-55E96642BCCF}"/>
+                <a16:creationId xmlns:a16="http://schemas.microsoft.com/office/drawing/2014/main" id="{B17CA329-AC7D-4459-A924-55E96642BCCF}"/>
               </a:ext>
             </a:extLst>
           </p:cNvPr>
@@ -14785,7 +14768,7 @@
           <p:cNvPr id="19" name="Shape 130">
             <a:extLst>
               <a:ext uri="{FF2B5EF4-FFF2-40B4-BE49-F238E27FC236}">
-                <a16:creationId xmlns:a16="http://schemas.microsoft.com/office/drawing/2014/main" xmlns="" id="{B784A75F-E61D-4809-8B6B-EB47E17388D3}"/>
+                <a16:creationId xmlns:a16="http://schemas.microsoft.com/office/drawing/2014/main" id="{B784A75F-E61D-4809-8B6B-EB47E17388D3}"/>
               </a:ext>
             </a:extLst>
           </p:cNvPr>
@@ -14805,7 +14788,7 @@
           </a:ln>
           <a:extLst>
             <a:ext uri="{C572A759-6A51-4108-AA02-DFA0A04FC94B}">
-              <ma14:wrappingTextBoxFlag xmlns="" xmlns:ma14="http://schemas.microsoft.com/office/mac/drawingml/2011/main" val="1"/>
+              <ma14:wrappingTextBoxFlag xmlns:ma14="http://schemas.microsoft.com/office/mac/drawingml/2011/main" xmlns="" val="1"/>
             </a:ext>
           </a:extLst>
         </p:spPr>
@@ -14836,7 +14819,7 @@
           <p:cNvPr id="2" name="表 1">
             <a:extLst>
               <a:ext uri="{FF2B5EF4-FFF2-40B4-BE49-F238E27FC236}">
-                <a16:creationId xmlns:a16="http://schemas.microsoft.com/office/drawing/2014/main" xmlns="" id="{ADC6D68B-5EFE-4781-8158-59C7097DD4EB}"/>
+                <a16:creationId xmlns:a16="http://schemas.microsoft.com/office/drawing/2014/main" id="{ADC6D68B-5EFE-4781-8158-59C7097DD4EB}"/>
               </a:ext>
             </a:extLst>
           </p:cNvPr>
@@ -14846,7 +14829,7 @@
           <p:nvPr>
             <p:extLst>
               <p:ext uri="{D42A27DB-BD31-4B8C-83A1-F6EECF244321}">
-                <p14:modId xmlns:p14="http://schemas.microsoft.com/office/powerpoint/2010/main" val="966882376"/>
+                <p14:modId xmlns:p14="http://schemas.microsoft.com/office/powerpoint/2010/main" val="3660314559"/>
               </p:ext>
             </p:extLst>
           </p:nvPr>
@@ -14865,49 +14848,49 @@
                 <a:gridCol w="2533968">
                   <a:extLst>
                     <a:ext uri="{9D8B030D-6E8A-4147-A177-3AD203B41FA5}">
-                      <a16:colId xmlns:a16="http://schemas.microsoft.com/office/drawing/2014/main" xmlns="" val="2869928480"/>
+                      <a16:colId xmlns:a16="http://schemas.microsoft.com/office/drawing/2014/main" val="2869928480"/>
                     </a:ext>
                   </a:extLst>
                 </a:gridCol>
                 <a:gridCol w="1619568">
                   <a:extLst>
                     <a:ext uri="{9D8B030D-6E8A-4147-A177-3AD203B41FA5}">
-                      <a16:colId xmlns:a16="http://schemas.microsoft.com/office/drawing/2014/main" xmlns="" val="3708684436"/>
+                      <a16:colId xmlns:a16="http://schemas.microsoft.com/office/drawing/2014/main" val="3708684436"/>
                     </a:ext>
                   </a:extLst>
                 </a:gridCol>
                 <a:gridCol w="1198450">
                   <a:extLst>
                     <a:ext uri="{9D8B030D-6E8A-4147-A177-3AD203B41FA5}">
-                      <a16:colId xmlns:a16="http://schemas.microsoft.com/office/drawing/2014/main" xmlns="" val="3877242200"/>
+                      <a16:colId xmlns:a16="http://schemas.microsoft.com/office/drawing/2014/main" val="3877242200"/>
                     </a:ext>
                   </a:extLst>
                 </a:gridCol>
                 <a:gridCol w="1619568">
                   <a:extLst>
                     <a:ext uri="{9D8B030D-6E8A-4147-A177-3AD203B41FA5}">
-                      <a16:colId xmlns:a16="http://schemas.microsoft.com/office/drawing/2014/main" xmlns="" val="1228845434"/>
+                      <a16:colId xmlns:a16="http://schemas.microsoft.com/office/drawing/2014/main" val="1228845434"/>
                     </a:ext>
                   </a:extLst>
                 </a:gridCol>
                 <a:gridCol w="933768">
                   <a:extLst>
                     <a:ext uri="{9D8B030D-6E8A-4147-A177-3AD203B41FA5}">
-                      <a16:colId xmlns:a16="http://schemas.microsoft.com/office/drawing/2014/main" xmlns="" val="4141803925"/>
+                      <a16:colId xmlns:a16="http://schemas.microsoft.com/office/drawing/2014/main" val="4141803925"/>
                     </a:ext>
                   </a:extLst>
                 </a:gridCol>
                 <a:gridCol w="1489297">
                   <a:extLst>
                     <a:ext uri="{9D8B030D-6E8A-4147-A177-3AD203B41FA5}">
-                      <a16:colId xmlns:a16="http://schemas.microsoft.com/office/drawing/2014/main" xmlns="" val="873013535"/>
+                      <a16:colId xmlns:a16="http://schemas.microsoft.com/office/drawing/2014/main" val="873013535"/>
                     </a:ext>
                   </a:extLst>
                 </a:gridCol>
                 <a:gridCol w="1651318">
                   <a:extLst>
                     <a:ext uri="{9D8B030D-6E8A-4147-A177-3AD203B41FA5}">
-                      <a16:colId xmlns:a16="http://schemas.microsoft.com/office/drawing/2014/main" xmlns="" val="2271690460"/>
+                      <a16:colId xmlns:a16="http://schemas.microsoft.com/office/drawing/2014/main" val="2271690460"/>
                     </a:ext>
                   </a:extLst>
                 </a:gridCol>
@@ -14921,7 +14904,7 @@
                       <a:pPr algn="ctr"/>
                       <a:r>
                         <a:rPr kumimoji="1" lang="ja-JP" altLang="en-US" dirty="0"/>
-                        <a:t>モデルの役割</a:t>
+                        <a:t>クラスの役割</a:t>
                       </a:r>
                     </a:p>
                   </a:txBody>
@@ -14949,7 +14932,7 @@
                       <a:pPr algn="ctr"/>
                       <a:r>
                         <a:rPr kumimoji="1" lang="ja-JP" altLang="en-US" dirty="0"/>
-                        <a:t>モデル名</a:t>
+                        <a:t>クラス名</a:t>
                       </a:r>
                     </a:p>
                   </a:txBody>
@@ -15014,7 +14997,7 @@
                 </a:tc>
                 <a:extLst>
                   <a:ext uri="{0D108BD9-81ED-4DB2-BD59-A6C34878D82A}">
-                    <a16:rowId xmlns:a16="http://schemas.microsoft.com/office/drawing/2014/main" xmlns="" val="2840948024"/>
+                    <a16:rowId xmlns:a16="http://schemas.microsoft.com/office/drawing/2014/main" val="2840948024"/>
                   </a:ext>
                 </a:extLst>
               </a:tr>
@@ -15177,7 +15160,7 @@
                 </a:tc>
                 <a:extLst>
                   <a:ext uri="{0D108BD9-81ED-4DB2-BD59-A6C34878D82A}">
-                    <a16:rowId xmlns:a16="http://schemas.microsoft.com/office/drawing/2014/main" xmlns="" val="621826731"/>
+                    <a16:rowId xmlns:a16="http://schemas.microsoft.com/office/drawing/2014/main" val="621826731"/>
                   </a:ext>
                 </a:extLst>
               </a:tr>
@@ -15327,7 +15310,7 @@
                 </a:tc>
                 <a:extLst>
                   <a:ext uri="{0D108BD9-81ED-4DB2-BD59-A6C34878D82A}">
-                    <a16:rowId xmlns:a16="http://schemas.microsoft.com/office/drawing/2014/main" xmlns="" val="412007066"/>
+                    <a16:rowId xmlns:a16="http://schemas.microsoft.com/office/drawing/2014/main" val="412007066"/>
                   </a:ext>
                 </a:extLst>
               </a:tr>
@@ -15560,7 +15543,7 @@
                 </a:tc>
                 <a:extLst>
                   <a:ext uri="{0D108BD9-81ED-4DB2-BD59-A6C34878D82A}">
-                    <a16:rowId xmlns:a16="http://schemas.microsoft.com/office/drawing/2014/main" xmlns="" val="3372350514"/>
+                    <a16:rowId xmlns:a16="http://schemas.microsoft.com/office/drawing/2014/main" val="3372350514"/>
                   </a:ext>
                 </a:extLst>
               </a:tr>
@@ -15791,7 +15774,7 @@
                 </a:tc>
                 <a:extLst>
                   <a:ext uri="{0D108BD9-81ED-4DB2-BD59-A6C34878D82A}">
-                    <a16:rowId xmlns:a16="http://schemas.microsoft.com/office/drawing/2014/main" xmlns="" val="4244898854"/>
+                    <a16:rowId xmlns:a16="http://schemas.microsoft.com/office/drawing/2014/main" val="4244898854"/>
                   </a:ext>
                 </a:extLst>
               </a:tr>
@@ -15804,7 +15787,7 @@
           <p:cNvPr id="4" name="テキスト ボックス 3">
             <a:extLst>
               <a:ext uri="{FF2B5EF4-FFF2-40B4-BE49-F238E27FC236}">
-                <a16:creationId xmlns:a16="http://schemas.microsoft.com/office/drawing/2014/main" xmlns="" id="{9AABC559-F27C-4700-B11E-1B9D404CE6B7}"/>
+                <a16:creationId xmlns:a16="http://schemas.microsoft.com/office/drawing/2014/main" id="{9AABC559-F27C-4700-B11E-1B9D404CE6B7}"/>
               </a:ext>
             </a:extLst>
           </p:cNvPr>
@@ -15814,7 +15797,7 @@
         <p:spPr>
           <a:xfrm>
             <a:off x="623943" y="667061"/>
-            <a:ext cx="5753498" cy="1477328"/>
+            <a:ext cx="6186309" cy="1477328"/>
           </a:xfrm>
           <a:prstGeom prst="rect">
             <a:avLst/>
@@ -15836,7 +15819,7 @@
           <a:p>
             <a:r>
               <a:rPr lang="ja-JP" altLang="en-US" dirty="0"/>
-              <a:t>モデル名やパラメータ名などは任意です</a:t>
+              <a:t>クラス名やパラメータ名などは任意です</a:t>
             </a:r>
             <a:endParaRPr lang="en-US" altLang="ja-JP" dirty="0"/>
           </a:p>
@@ -15853,15 +15836,7 @@
           <a:p>
             <a:r>
               <a:rPr kumimoji="1" lang="ja-JP" altLang="en-US" dirty="0"/>
-              <a:t>まずは簡単に何が必要</a:t>
-            </a:r>
-            <a:r>
-              <a:rPr kumimoji="1" lang="ja-JP" altLang="en-US" dirty="0" smtClean="0"/>
-              <a:t>か確認</a:t>
-            </a:r>
-            <a:r>
-              <a:rPr kumimoji="1" lang="ja-JP" altLang="en-US" dirty="0"/>
-              <a:t>してください</a:t>
+              <a:t>まずは簡単に何が必要か確認してください</a:t>
             </a:r>
           </a:p>
         </p:txBody>
@@ -15871,7 +15846,7 @@
           <p:cNvPr id="5" name="スライド番号プレースホルダー 4">
             <a:extLst>
               <a:ext uri="{FF2B5EF4-FFF2-40B4-BE49-F238E27FC236}">
-                <a16:creationId xmlns:a16="http://schemas.microsoft.com/office/drawing/2014/main" xmlns="" id="{3833C8F5-91F1-4479-9A7F-2E16719C1552}"/>
+                <a16:creationId xmlns:a16="http://schemas.microsoft.com/office/drawing/2014/main" id="{3833C8F5-91F1-4479-9A7F-2E16719C1552}"/>
               </a:ext>
             </a:extLst>
           </p:cNvPr>
@@ -15930,7 +15905,7 @@
           <p:cNvPr id="4" name="テキスト ボックス 3">
             <a:extLst>
               <a:ext uri="{FF2B5EF4-FFF2-40B4-BE49-F238E27FC236}">
-                <a16:creationId xmlns:a16="http://schemas.microsoft.com/office/drawing/2014/main" xmlns="" id="{D9C0262B-5F32-4F83-A4E4-EDBFDFC0F153}"/>
+                <a16:creationId xmlns:a16="http://schemas.microsoft.com/office/drawing/2014/main" id="{D9C0262B-5F32-4F83-A4E4-EDBFDFC0F153}"/>
               </a:ext>
             </a:extLst>
           </p:cNvPr>
@@ -15976,7 +15951,7 @@
           <p:cNvPr id="19" name="Shape 130">
             <a:extLst>
               <a:ext uri="{FF2B5EF4-FFF2-40B4-BE49-F238E27FC236}">
-                <a16:creationId xmlns:a16="http://schemas.microsoft.com/office/drawing/2014/main" xmlns="" id="{B784A75F-E61D-4809-8B6B-EB47E17388D3}"/>
+                <a16:creationId xmlns:a16="http://schemas.microsoft.com/office/drawing/2014/main" id="{B784A75F-E61D-4809-8B6B-EB47E17388D3}"/>
               </a:ext>
             </a:extLst>
           </p:cNvPr>
@@ -15996,7 +15971,7 @@
           </a:ln>
           <a:extLst>
             <a:ext uri="{C572A759-6A51-4108-AA02-DFA0A04FC94B}">
-              <ma14:wrappingTextBoxFlag xmlns="" xmlns:ma14="http://schemas.microsoft.com/office/mac/drawingml/2011/main" val="1"/>
+              <ma14:wrappingTextBoxFlag xmlns:ma14="http://schemas.microsoft.com/office/mac/drawingml/2011/main" xmlns="" val="1"/>
             </a:ext>
           </a:extLst>
         </p:spPr>
@@ -16031,7 +16006,7 @@
           <p:cNvPr id="26" name="グループ化 25">
             <a:extLst>
               <a:ext uri="{FF2B5EF4-FFF2-40B4-BE49-F238E27FC236}">
-                <a16:creationId xmlns:a16="http://schemas.microsoft.com/office/drawing/2014/main" xmlns="" id="{5D53F04A-962B-405E-BD4F-BD04DE05A5AC}"/>
+                <a16:creationId xmlns:a16="http://schemas.microsoft.com/office/drawing/2014/main" id="{5D53F04A-962B-405E-BD4F-BD04DE05A5AC}"/>
               </a:ext>
             </a:extLst>
           </p:cNvPr>
@@ -16051,7 +16026,7 @@
             <p:cNvPr id="6" name="テキスト ボックス 5">
               <a:extLst>
                 <a:ext uri="{FF2B5EF4-FFF2-40B4-BE49-F238E27FC236}">
-                  <a16:creationId xmlns:a16="http://schemas.microsoft.com/office/drawing/2014/main" xmlns="" id="{B1F2ED8E-3C09-4687-AE05-0F6FB0C1D869}"/>
+                  <a16:creationId xmlns:a16="http://schemas.microsoft.com/office/drawing/2014/main" id="{B1F2ED8E-3C09-4687-AE05-0F6FB0C1D869}"/>
                 </a:ext>
               </a:extLst>
             </p:cNvPr>
@@ -16091,7 +16066,7 @@
             <p:cNvPr id="21" name="テキスト ボックス 20">
               <a:extLst>
                 <a:ext uri="{FF2B5EF4-FFF2-40B4-BE49-F238E27FC236}">
-                  <a16:creationId xmlns:a16="http://schemas.microsoft.com/office/drawing/2014/main" xmlns="" id="{E641485E-1643-45A1-A7FE-1E888374B60E}"/>
+                  <a16:creationId xmlns:a16="http://schemas.microsoft.com/office/drawing/2014/main" id="{E641485E-1643-45A1-A7FE-1E888374B60E}"/>
                 </a:ext>
               </a:extLst>
             </p:cNvPr>
@@ -16135,7 +16110,7 @@
             <p:cNvPr id="22" name="テキスト ボックス 21">
               <a:extLst>
                 <a:ext uri="{FF2B5EF4-FFF2-40B4-BE49-F238E27FC236}">
-                  <a16:creationId xmlns:a16="http://schemas.microsoft.com/office/drawing/2014/main" xmlns="" id="{5AC2A22B-D7A8-43A4-BB33-129B39F29A09}"/>
+                  <a16:creationId xmlns:a16="http://schemas.microsoft.com/office/drawing/2014/main" id="{5AC2A22B-D7A8-43A4-BB33-129B39F29A09}"/>
                 </a:ext>
               </a:extLst>
             </p:cNvPr>
@@ -16179,7 +16154,7 @@
             <p:cNvPr id="23" name="テキスト ボックス 22">
               <a:extLst>
                 <a:ext uri="{FF2B5EF4-FFF2-40B4-BE49-F238E27FC236}">
-                  <a16:creationId xmlns:a16="http://schemas.microsoft.com/office/drawing/2014/main" xmlns="" id="{155D140F-71C9-451D-B483-C0FE81AA072E}"/>
+                  <a16:creationId xmlns:a16="http://schemas.microsoft.com/office/drawing/2014/main" id="{155D140F-71C9-451D-B483-C0FE81AA072E}"/>
                 </a:ext>
               </a:extLst>
             </p:cNvPr>
@@ -16219,7 +16194,7 @@
             <p:cNvPr id="12" name="正方形/長方形 11">
               <a:extLst>
                 <a:ext uri="{FF2B5EF4-FFF2-40B4-BE49-F238E27FC236}">
-                  <a16:creationId xmlns:a16="http://schemas.microsoft.com/office/drawing/2014/main" xmlns="" id="{3269690D-49F1-4F0C-8776-60275710D2E3}"/>
+                  <a16:creationId xmlns:a16="http://schemas.microsoft.com/office/drawing/2014/main" id="{3269690D-49F1-4F0C-8776-60275710D2E3}"/>
                 </a:ext>
               </a:extLst>
             </p:cNvPr>
@@ -16271,7 +16246,7 @@
             <p:cNvPr id="14" name="テキスト ボックス 13">
               <a:extLst>
                 <a:ext uri="{FF2B5EF4-FFF2-40B4-BE49-F238E27FC236}">
-                  <a16:creationId xmlns:a16="http://schemas.microsoft.com/office/drawing/2014/main" xmlns="" id="{0CBB15D5-34EB-49A8-A0E6-549885D873C2}"/>
+                  <a16:creationId xmlns:a16="http://schemas.microsoft.com/office/drawing/2014/main" id="{0CBB15D5-34EB-49A8-A0E6-549885D873C2}"/>
                 </a:ext>
               </a:extLst>
             </p:cNvPr>
@@ -16318,7 +16293,7 @@
           <p:cNvPr id="27" name="テキスト ボックス 26">
             <a:extLst>
               <a:ext uri="{FF2B5EF4-FFF2-40B4-BE49-F238E27FC236}">
-                <a16:creationId xmlns:a16="http://schemas.microsoft.com/office/drawing/2014/main" xmlns="" id="{74B87D7A-982E-438B-9373-D03B7F94F80B}"/>
+                <a16:creationId xmlns:a16="http://schemas.microsoft.com/office/drawing/2014/main" id="{74B87D7A-982E-438B-9373-D03B7F94F80B}"/>
               </a:ext>
             </a:extLst>
           </p:cNvPr>
@@ -16353,7 +16328,7 @@
           <p:cNvPr id="28" name="スライド番号プレースホルダー 27">
             <a:extLst>
               <a:ext uri="{FF2B5EF4-FFF2-40B4-BE49-F238E27FC236}">
-                <a16:creationId xmlns:a16="http://schemas.microsoft.com/office/drawing/2014/main" xmlns="" id="{CF3A61B8-A88C-4806-AE31-9A0591541300}"/>
+                <a16:creationId xmlns:a16="http://schemas.microsoft.com/office/drawing/2014/main" id="{CF3A61B8-A88C-4806-AE31-9A0591541300}"/>
               </a:ext>
             </a:extLst>
           </p:cNvPr>
@@ -16412,7 +16387,7 @@
           <p:cNvPr id="4" name="テキスト ボックス 3">
             <a:extLst>
               <a:ext uri="{FF2B5EF4-FFF2-40B4-BE49-F238E27FC236}">
-                <a16:creationId xmlns:a16="http://schemas.microsoft.com/office/drawing/2014/main" xmlns="" id="{D9C0262B-5F32-4F83-A4E4-EDBFDFC0F153}"/>
+                <a16:creationId xmlns:a16="http://schemas.microsoft.com/office/drawing/2014/main" id="{D9C0262B-5F32-4F83-A4E4-EDBFDFC0F153}"/>
               </a:ext>
             </a:extLst>
           </p:cNvPr>
@@ -16460,7 +16435,7 @@
           <p:cNvPr id="19" name="Shape 130">
             <a:extLst>
               <a:ext uri="{FF2B5EF4-FFF2-40B4-BE49-F238E27FC236}">
-                <a16:creationId xmlns:a16="http://schemas.microsoft.com/office/drawing/2014/main" xmlns="" id="{B784A75F-E61D-4809-8B6B-EB47E17388D3}"/>
+                <a16:creationId xmlns:a16="http://schemas.microsoft.com/office/drawing/2014/main" id="{B784A75F-E61D-4809-8B6B-EB47E17388D3}"/>
               </a:ext>
             </a:extLst>
           </p:cNvPr>
@@ -16480,7 +16455,7 @@
           </a:ln>
           <a:extLst>
             <a:ext uri="{C572A759-6A51-4108-AA02-DFA0A04FC94B}">
-              <ma14:wrappingTextBoxFlag xmlns="" xmlns:ma14="http://schemas.microsoft.com/office/mac/drawingml/2011/main" val="1"/>
+              <ma14:wrappingTextBoxFlag xmlns:ma14="http://schemas.microsoft.com/office/mac/drawingml/2011/main" xmlns="" val="1"/>
             </a:ext>
           </a:extLst>
         </p:spPr>
@@ -16518,7 +16493,7 @@
           <p:cNvPr id="2" name="図 1">
             <a:extLst>
               <a:ext uri="{FF2B5EF4-FFF2-40B4-BE49-F238E27FC236}">
-                <a16:creationId xmlns:a16="http://schemas.microsoft.com/office/drawing/2014/main" xmlns="" id="{E2C44C5F-9870-4584-9796-CD615AF61F53}"/>
+                <a16:creationId xmlns:a16="http://schemas.microsoft.com/office/drawing/2014/main" id="{E2C44C5F-9870-4584-9796-CD615AF61F53}"/>
               </a:ext>
             </a:extLst>
           </p:cNvPr>
@@ -16548,7 +16523,7 @@
           <p:cNvPr id="15" name="グループ化 14">
             <a:extLst>
               <a:ext uri="{FF2B5EF4-FFF2-40B4-BE49-F238E27FC236}">
-                <a16:creationId xmlns:a16="http://schemas.microsoft.com/office/drawing/2014/main" xmlns="" id="{B1C33294-A42D-4F4D-A963-0AC66FE30331}"/>
+                <a16:creationId xmlns:a16="http://schemas.microsoft.com/office/drawing/2014/main" id="{B1C33294-A42D-4F4D-A963-0AC66FE30331}"/>
               </a:ext>
             </a:extLst>
           </p:cNvPr>
@@ -16568,7 +16543,7 @@
             <p:cNvPr id="16" name="テキスト ボックス 15">
               <a:extLst>
                 <a:ext uri="{FF2B5EF4-FFF2-40B4-BE49-F238E27FC236}">
-                  <a16:creationId xmlns:a16="http://schemas.microsoft.com/office/drawing/2014/main" xmlns="" id="{1A0E4998-024F-493E-A236-6024D2A9259D}"/>
+                  <a16:creationId xmlns:a16="http://schemas.microsoft.com/office/drawing/2014/main" id="{1A0E4998-024F-493E-A236-6024D2A9259D}"/>
                 </a:ext>
               </a:extLst>
             </p:cNvPr>
@@ -16634,7 +16609,7 @@
             <p:cNvPr id="17" name="テキスト ボックス 16">
               <a:extLst>
                 <a:ext uri="{FF2B5EF4-FFF2-40B4-BE49-F238E27FC236}">
-                  <a16:creationId xmlns:a16="http://schemas.microsoft.com/office/drawing/2014/main" xmlns="" id="{D089EBCD-B42C-42BA-A704-33E9CCE00F41}"/>
+                  <a16:creationId xmlns:a16="http://schemas.microsoft.com/office/drawing/2014/main" id="{D089EBCD-B42C-42BA-A704-33E9CCE00F41}"/>
                 </a:ext>
               </a:extLst>
             </p:cNvPr>
@@ -16670,7 +16645,7 @@
           <p:cNvPr id="18" name="グループ化 17">
             <a:extLst>
               <a:ext uri="{FF2B5EF4-FFF2-40B4-BE49-F238E27FC236}">
-                <a16:creationId xmlns:a16="http://schemas.microsoft.com/office/drawing/2014/main" xmlns="" id="{B953310D-FF78-4FA3-A208-2F2239AF13DD}"/>
+                <a16:creationId xmlns:a16="http://schemas.microsoft.com/office/drawing/2014/main" id="{B953310D-FF78-4FA3-A208-2F2239AF13DD}"/>
               </a:ext>
             </a:extLst>
           </p:cNvPr>
@@ -16690,7 +16665,7 @@
             <p:cNvPr id="20" name="テキスト ボックス 19">
               <a:extLst>
                 <a:ext uri="{FF2B5EF4-FFF2-40B4-BE49-F238E27FC236}">
-                  <a16:creationId xmlns:a16="http://schemas.microsoft.com/office/drawing/2014/main" xmlns="" id="{BF1944F0-4F00-45B1-A584-B02F02031533}"/>
+                  <a16:creationId xmlns:a16="http://schemas.microsoft.com/office/drawing/2014/main" id="{BF1944F0-4F00-45B1-A584-B02F02031533}"/>
                 </a:ext>
               </a:extLst>
             </p:cNvPr>
@@ -16733,7 +16708,7 @@
             <p:cNvPr id="26" name="テキスト ボックス 25">
               <a:extLst>
                 <a:ext uri="{FF2B5EF4-FFF2-40B4-BE49-F238E27FC236}">
-                  <a16:creationId xmlns:a16="http://schemas.microsoft.com/office/drawing/2014/main" xmlns="" id="{619EABE1-ACFC-4505-9567-4DCF9402B00B}"/>
+                  <a16:creationId xmlns:a16="http://schemas.microsoft.com/office/drawing/2014/main" id="{619EABE1-ACFC-4505-9567-4DCF9402B00B}"/>
                 </a:ext>
               </a:extLst>
             </p:cNvPr>
@@ -16769,7 +16744,7 @@
           <p:cNvPr id="7" name="図 6">
             <a:extLst>
               <a:ext uri="{FF2B5EF4-FFF2-40B4-BE49-F238E27FC236}">
-                <a16:creationId xmlns:a16="http://schemas.microsoft.com/office/drawing/2014/main" xmlns="" id="{1E33506B-372B-4747-BF9C-D23D094F5737}"/>
+                <a16:creationId xmlns:a16="http://schemas.microsoft.com/office/drawing/2014/main" id="{1E33506B-372B-4747-BF9C-D23D094F5737}"/>
               </a:ext>
             </a:extLst>
           </p:cNvPr>
@@ -16799,7 +16774,7 @@
           <p:cNvPr id="8" name="スライド番号プレースホルダー 7">
             <a:extLst>
               <a:ext uri="{FF2B5EF4-FFF2-40B4-BE49-F238E27FC236}">
-                <a16:creationId xmlns:a16="http://schemas.microsoft.com/office/drawing/2014/main" xmlns="" id="{9B888C73-E70D-4707-AABB-96EEA0A74EEE}"/>
+                <a16:creationId xmlns:a16="http://schemas.microsoft.com/office/drawing/2014/main" id="{9B888C73-E70D-4707-AABB-96EEA0A74EEE}"/>
               </a:ext>
             </a:extLst>
           </p:cNvPr>
@@ -16858,7 +16833,7 @@
           <p:cNvPr id="7" name="Shape 130">
             <a:extLst>
               <a:ext uri="{FF2B5EF4-FFF2-40B4-BE49-F238E27FC236}">
-                <a16:creationId xmlns:a16="http://schemas.microsoft.com/office/drawing/2014/main" xmlns="" id="{7FA768BF-A524-4C14-9E1F-4E1D7CFE6E28}"/>
+                <a16:creationId xmlns:a16="http://schemas.microsoft.com/office/drawing/2014/main" id="{7FA768BF-A524-4C14-9E1F-4E1D7CFE6E28}"/>
               </a:ext>
             </a:extLst>
           </p:cNvPr>
@@ -16878,7 +16853,7 @@
           </a:ln>
           <a:extLst>
             <a:ext uri="{C572A759-6A51-4108-AA02-DFA0A04FC94B}">
-              <ma14:wrappingTextBoxFlag xmlns="" xmlns:ma14="http://schemas.microsoft.com/office/mac/drawingml/2011/main" val="1"/>
+              <ma14:wrappingTextBoxFlag xmlns:ma14="http://schemas.microsoft.com/office/mac/drawingml/2011/main" xmlns="" val="1"/>
             </a:ext>
           </a:extLst>
         </p:spPr>
@@ -16916,7 +16891,7 @@
           <p:cNvPr id="8" name="グループ化 7">
             <a:extLst>
               <a:ext uri="{FF2B5EF4-FFF2-40B4-BE49-F238E27FC236}">
-                <a16:creationId xmlns:a16="http://schemas.microsoft.com/office/drawing/2014/main" xmlns="" id="{51A4E384-9C70-4C47-A9ED-9F5D1818DFDC}"/>
+                <a16:creationId xmlns:a16="http://schemas.microsoft.com/office/drawing/2014/main" id="{51A4E384-9C70-4C47-A9ED-9F5D1818DFDC}"/>
               </a:ext>
             </a:extLst>
           </p:cNvPr>
@@ -16936,7 +16911,7 @@
             <p:cNvPr id="9" name="テキスト ボックス 8">
               <a:extLst>
                 <a:ext uri="{FF2B5EF4-FFF2-40B4-BE49-F238E27FC236}">
-                  <a16:creationId xmlns:a16="http://schemas.microsoft.com/office/drawing/2014/main" xmlns="" id="{BBB22C9C-50AF-4A4F-A0B3-E3DA9134B7F0}"/>
+                  <a16:creationId xmlns:a16="http://schemas.microsoft.com/office/drawing/2014/main" id="{BBB22C9C-50AF-4A4F-A0B3-E3DA9134B7F0}"/>
                 </a:ext>
               </a:extLst>
             </p:cNvPr>
@@ -17006,7 +16981,7 @@
             <p:cNvPr id="10" name="テキスト ボックス 9">
               <a:extLst>
                 <a:ext uri="{FF2B5EF4-FFF2-40B4-BE49-F238E27FC236}">
-                  <a16:creationId xmlns:a16="http://schemas.microsoft.com/office/drawing/2014/main" xmlns="" id="{7B1130F3-9CC7-47EF-8089-2F20B3AADB89}"/>
+                  <a16:creationId xmlns:a16="http://schemas.microsoft.com/office/drawing/2014/main" id="{7B1130F3-9CC7-47EF-8089-2F20B3AADB89}"/>
                 </a:ext>
               </a:extLst>
             </p:cNvPr>
@@ -17042,7 +17017,7 @@
           <p:cNvPr id="16" name="グループ化 15">
             <a:extLst>
               <a:ext uri="{FF2B5EF4-FFF2-40B4-BE49-F238E27FC236}">
-                <a16:creationId xmlns:a16="http://schemas.microsoft.com/office/drawing/2014/main" xmlns="" id="{560B6237-67A3-4A15-B141-3DB76DA0F6E9}"/>
+                <a16:creationId xmlns:a16="http://schemas.microsoft.com/office/drawing/2014/main" id="{560B6237-67A3-4A15-B141-3DB76DA0F6E9}"/>
               </a:ext>
             </a:extLst>
           </p:cNvPr>
@@ -17062,7 +17037,7 @@
             <p:cNvPr id="11" name="図 10">
               <a:extLst>
                 <a:ext uri="{FF2B5EF4-FFF2-40B4-BE49-F238E27FC236}">
-                  <a16:creationId xmlns:a16="http://schemas.microsoft.com/office/drawing/2014/main" xmlns="" id="{FAEFADAD-3F57-4316-B42B-0D482D0488B0}"/>
+                  <a16:creationId xmlns:a16="http://schemas.microsoft.com/office/drawing/2014/main" id="{FAEFADAD-3F57-4316-B42B-0D482D0488B0}"/>
                 </a:ext>
               </a:extLst>
             </p:cNvPr>
@@ -17091,7 +17066,7 @@
             <p:cNvPr id="13" name="図 12">
               <a:extLst>
                 <a:ext uri="{FF2B5EF4-FFF2-40B4-BE49-F238E27FC236}">
-                  <a16:creationId xmlns:a16="http://schemas.microsoft.com/office/drawing/2014/main" xmlns="" id="{A44DD3CC-4C1D-490A-A499-5871736F7853}"/>
+                  <a16:creationId xmlns:a16="http://schemas.microsoft.com/office/drawing/2014/main" id="{A44DD3CC-4C1D-490A-A499-5871736F7853}"/>
                 </a:ext>
               </a:extLst>
             </p:cNvPr>
@@ -17120,7 +17095,7 @@
             <p:cNvPr id="15" name="直線コネクタ 14">
               <a:extLst>
                 <a:ext uri="{FF2B5EF4-FFF2-40B4-BE49-F238E27FC236}">
-                  <a16:creationId xmlns:a16="http://schemas.microsoft.com/office/drawing/2014/main" xmlns="" id="{ABD7D0B0-A18E-4CC1-A59E-2C517FCD2AF0}"/>
+                  <a16:creationId xmlns:a16="http://schemas.microsoft.com/office/drawing/2014/main" id="{ABD7D0B0-A18E-4CC1-A59E-2C517FCD2AF0}"/>
                 </a:ext>
               </a:extLst>
             </p:cNvPr>
@@ -17164,7 +17139,7 @@
           <p:cNvPr id="17" name="グループ化 16">
             <a:extLst>
               <a:ext uri="{FF2B5EF4-FFF2-40B4-BE49-F238E27FC236}">
-                <a16:creationId xmlns:a16="http://schemas.microsoft.com/office/drawing/2014/main" xmlns="" id="{07FB522B-5B28-407A-8EFB-6E3B5EEB5E5B}"/>
+                <a16:creationId xmlns:a16="http://schemas.microsoft.com/office/drawing/2014/main" id="{07FB522B-5B28-407A-8EFB-6E3B5EEB5E5B}"/>
               </a:ext>
             </a:extLst>
           </p:cNvPr>
@@ -17184,7 +17159,7 @@
             <p:cNvPr id="18" name="テキスト ボックス 17">
               <a:extLst>
                 <a:ext uri="{FF2B5EF4-FFF2-40B4-BE49-F238E27FC236}">
-                  <a16:creationId xmlns:a16="http://schemas.microsoft.com/office/drawing/2014/main" xmlns="" id="{0AC540B3-975F-4ABE-871B-40DA87CFDBD8}"/>
+                  <a16:creationId xmlns:a16="http://schemas.microsoft.com/office/drawing/2014/main" id="{0AC540B3-975F-4ABE-871B-40DA87CFDBD8}"/>
                 </a:ext>
               </a:extLst>
             </p:cNvPr>
@@ -17234,7 +17209,7 @@
             <p:cNvPr id="19" name="テキスト ボックス 18">
               <a:extLst>
                 <a:ext uri="{FF2B5EF4-FFF2-40B4-BE49-F238E27FC236}">
-                  <a16:creationId xmlns:a16="http://schemas.microsoft.com/office/drawing/2014/main" xmlns="" id="{0F09A964-701F-4A50-8676-253FD3F5FE90}"/>
+                  <a16:creationId xmlns:a16="http://schemas.microsoft.com/office/drawing/2014/main" id="{0F09A964-701F-4A50-8676-253FD3F5FE90}"/>
                 </a:ext>
               </a:extLst>
             </p:cNvPr>
@@ -17270,7 +17245,7 @@
           <p:cNvPr id="21" name="図 20">
             <a:extLst>
               <a:ext uri="{FF2B5EF4-FFF2-40B4-BE49-F238E27FC236}">
-                <a16:creationId xmlns:a16="http://schemas.microsoft.com/office/drawing/2014/main" xmlns="" id="{FFAEBF81-4885-4706-A425-09BF85419A2E}"/>
+                <a16:creationId xmlns:a16="http://schemas.microsoft.com/office/drawing/2014/main" id="{FFAEBF81-4885-4706-A425-09BF85419A2E}"/>
               </a:ext>
             </a:extLst>
           </p:cNvPr>
@@ -17300,7 +17275,7 @@
           <p:cNvPr id="25" name="四角形: 角を丸くする 24">
             <a:extLst>
               <a:ext uri="{FF2B5EF4-FFF2-40B4-BE49-F238E27FC236}">
-                <a16:creationId xmlns:a16="http://schemas.microsoft.com/office/drawing/2014/main" xmlns="" id="{1A22B872-DA88-497B-9180-68894BFFB0CA}"/>
+                <a16:creationId xmlns:a16="http://schemas.microsoft.com/office/drawing/2014/main" id="{1A22B872-DA88-497B-9180-68894BFFB0CA}"/>
               </a:ext>
             </a:extLst>
           </p:cNvPr>
@@ -17352,7 +17327,7 @@
           <p:cNvPr id="27" name="四角形: 角を丸くする 26">
             <a:extLst>
               <a:ext uri="{FF2B5EF4-FFF2-40B4-BE49-F238E27FC236}">
-                <a16:creationId xmlns:a16="http://schemas.microsoft.com/office/drawing/2014/main" xmlns="" id="{96EDC7B6-AB0A-48B6-9F37-116FC2817F1E}"/>
+                <a16:creationId xmlns:a16="http://schemas.microsoft.com/office/drawing/2014/main" id="{96EDC7B6-AB0A-48B6-9F37-116FC2817F1E}"/>
               </a:ext>
             </a:extLst>
           </p:cNvPr>
@@ -17404,7 +17379,7 @@
           <p:cNvPr id="28" name="直線矢印コネクタ 27">
             <a:extLst>
               <a:ext uri="{FF2B5EF4-FFF2-40B4-BE49-F238E27FC236}">
-                <a16:creationId xmlns:a16="http://schemas.microsoft.com/office/drawing/2014/main" xmlns="" id="{D801D7A1-0DDF-4F07-8BCA-C54F5BA8876D}"/>
+                <a16:creationId xmlns:a16="http://schemas.microsoft.com/office/drawing/2014/main" id="{D801D7A1-0DDF-4F07-8BCA-C54F5BA8876D}"/>
               </a:ext>
             </a:extLst>
           </p:cNvPr>
@@ -17451,7 +17426,7 @@
           <p:cNvPr id="30" name="スライド番号プレースホルダー 29">
             <a:extLst>
               <a:ext uri="{FF2B5EF4-FFF2-40B4-BE49-F238E27FC236}">
-                <a16:creationId xmlns:a16="http://schemas.microsoft.com/office/drawing/2014/main" xmlns="" id="{E493C2AB-3889-4E05-A852-2EDD127024FA}"/>
+                <a16:creationId xmlns:a16="http://schemas.microsoft.com/office/drawing/2014/main" id="{E493C2AB-3889-4E05-A852-2EDD127024FA}"/>
               </a:ext>
             </a:extLst>
           </p:cNvPr>
@@ -17510,7 +17485,7 @@
           <p:cNvPr id="7" name="Shape 130">
             <a:extLst>
               <a:ext uri="{FF2B5EF4-FFF2-40B4-BE49-F238E27FC236}">
-                <a16:creationId xmlns:a16="http://schemas.microsoft.com/office/drawing/2014/main" xmlns="" id="{7FA768BF-A524-4C14-9E1F-4E1D7CFE6E28}"/>
+                <a16:creationId xmlns:a16="http://schemas.microsoft.com/office/drawing/2014/main" id="{7FA768BF-A524-4C14-9E1F-4E1D7CFE6E28}"/>
               </a:ext>
             </a:extLst>
           </p:cNvPr>
@@ -17530,7 +17505,7 @@
           </a:ln>
           <a:extLst>
             <a:ext uri="{C572A759-6A51-4108-AA02-DFA0A04FC94B}">
-              <ma14:wrappingTextBoxFlag xmlns="" xmlns:ma14="http://schemas.microsoft.com/office/mac/drawingml/2011/main" val="1"/>
+              <ma14:wrappingTextBoxFlag xmlns:ma14="http://schemas.microsoft.com/office/mac/drawingml/2011/main" xmlns="" val="1"/>
             </a:ext>
           </a:extLst>
         </p:spPr>
@@ -17573,7 +17548,7 @@
           <p:cNvPr id="8" name="グループ化 7">
             <a:extLst>
               <a:ext uri="{FF2B5EF4-FFF2-40B4-BE49-F238E27FC236}">
-                <a16:creationId xmlns:a16="http://schemas.microsoft.com/office/drawing/2014/main" xmlns="" id="{51A4E384-9C70-4C47-A9ED-9F5D1818DFDC}"/>
+                <a16:creationId xmlns:a16="http://schemas.microsoft.com/office/drawing/2014/main" id="{51A4E384-9C70-4C47-A9ED-9F5D1818DFDC}"/>
               </a:ext>
             </a:extLst>
           </p:cNvPr>
@@ -17593,7 +17568,7 @@
             <p:cNvPr id="9" name="テキスト ボックス 8">
               <a:extLst>
                 <a:ext uri="{FF2B5EF4-FFF2-40B4-BE49-F238E27FC236}">
-                  <a16:creationId xmlns:a16="http://schemas.microsoft.com/office/drawing/2014/main" xmlns="" id="{BBB22C9C-50AF-4A4F-A0B3-E3DA9134B7F0}"/>
+                  <a16:creationId xmlns:a16="http://schemas.microsoft.com/office/drawing/2014/main" id="{BBB22C9C-50AF-4A4F-A0B3-E3DA9134B7F0}"/>
                 </a:ext>
               </a:extLst>
             </p:cNvPr>
@@ -17650,7 +17625,7 @@
             <p:cNvPr id="10" name="テキスト ボックス 9">
               <a:extLst>
                 <a:ext uri="{FF2B5EF4-FFF2-40B4-BE49-F238E27FC236}">
-                  <a16:creationId xmlns:a16="http://schemas.microsoft.com/office/drawing/2014/main" xmlns="" id="{7B1130F3-9CC7-47EF-8089-2F20B3AADB89}"/>
+                  <a16:creationId xmlns:a16="http://schemas.microsoft.com/office/drawing/2014/main" id="{7B1130F3-9CC7-47EF-8089-2F20B3AADB89}"/>
                 </a:ext>
               </a:extLst>
             </p:cNvPr>
@@ -17686,7 +17661,7 @@
           <p:cNvPr id="23" name="図 22">
             <a:extLst>
               <a:ext uri="{FF2B5EF4-FFF2-40B4-BE49-F238E27FC236}">
-                <a16:creationId xmlns:a16="http://schemas.microsoft.com/office/drawing/2014/main" xmlns="" id="{96C7819C-3CCD-4C99-A3C7-B72048969900}"/>
+                <a16:creationId xmlns:a16="http://schemas.microsoft.com/office/drawing/2014/main" id="{96C7819C-3CCD-4C99-A3C7-B72048969900}"/>
               </a:ext>
             </a:extLst>
           </p:cNvPr>
@@ -17716,7 +17691,7 @@
           <p:cNvPr id="24" name="図 23">
             <a:extLst>
               <a:ext uri="{FF2B5EF4-FFF2-40B4-BE49-F238E27FC236}">
-                <a16:creationId xmlns:a16="http://schemas.microsoft.com/office/drawing/2014/main" xmlns="" id="{C3D87B6F-EE41-4DE9-B061-C06C1CDE48E9}"/>
+                <a16:creationId xmlns:a16="http://schemas.microsoft.com/office/drawing/2014/main" id="{C3D87B6F-EE41-4DE9-B061-C06C1CDE48E9}"/>
               </a:ext>
             </a:extLst>
           </p:cNvPr>
@@ -17746,7 +17721,7 @@
           <p:cNvPr id="2" name="スライド番号プレースホルダー 1">
             <a:extLst>
               <a:ext uri="{FF2B5EF4-FFF2-40B4-BE49-F238E27FC236}">
-                <a16:creationId xmlns:a16="http://schemas.microsoft.com/office/drawing/2014/main" xmlns="" id="{F394AB8F-043D-4B81-9C2E-99BF161CA665}"/>
+                <a16:creationId xmlns:a16="http://schemas.microsoft.com/office/drawing/2014/main" id="{F394AB8F-043D-4B81-9C2E-99BF161CA665}"/>
               </a:ext>
             </a:extLst>
           </p:cNvPr>
@@ -17775,7 +17750,7 @@
           <p:cNvPr id="20" name="四角形: 角を丸くする 19">
             <a:extLst>
               <a:ext uri="{FF2B5EF4-FFF2-40B4-BE49-F238E27FC236}">
-                <a16:creationId xmlns:a16="http://schemas.microsoft.com/office/drawing/2014/main" xmlns="" id="{84693C5E-4DB8-4644-98D4-1AAA51993528}"/>
+                <a16:creationId xmlns:a16="http://schemas.microsoft.com/office/drawing/2014/main" id="{84693C5E-4DB8-4644-98D4-1AAA51993528}"/>
               </a:ext>
             </a:extLst>
           </p:cNvPr>
@@ -17827,7 +17802,7 @@
           <p:cNvPr id="22" name="直線矢印コネクタ 21">
             <a:extLst>
               <a:ext uri="{FF2B5EF4-FFF2-40B4-BE49-F238E27FC236}">
-                <a16:creationId xmlns:a16="http://schemas.microsoft.com/office/drawing/2014/main" xmlns="" id="{D6070FC9-A9C4-40AF-8DC3-89ACF4135B5C}"/>
+                <a16:creationId xmlns:a16="http://schemas.microsoft.com/office/drawing/2014/main" id="{D6070FC9-A9C4-40AF-8DC3-89ACF4135B5C}"/>
               </a:ext>
             </a:extLst>
           </p:cNvPr>
@@ -18199,7 +18174,7 @@
   <a:extraClrSchemeLst/>
   <a:extLst>
     <a:ext uri="{05A4C25C-085E-4340-85A3-A5531E510DB2}">
-      <thm15:themeFamily xmlns:thm15="http://schemas.microsoft.com/office/thememl/2012/main" xmlns="" name="Office Theme" id="{62F939B6-93AF-4DB8-9C6B-D6C7DFDC589F}" vid="{4A3C46E8-61CC-4603-A589-7422A47A8E4A}"/>
+      <thm15:themeFamily xmlns:thm15="http://schemas.microsoft.com/office/thememl/2012/main" name="Office Theme" id="{62F939B6-93AF-4DB8-9C6B-D6C7DFDC589F}" vid="{4A3C46E8-61CC-4603-A589-7422A47A8E4A}"/>
     </a:ext>
   </a:extLst>
 </a:theme>
@@ -18494,7 +18469,7 @@
   <a:extraClrSchemeLst/>
   <a:extLst>
     <a:ext uri="{05A4C25C-085E-4340-85A3-A5531E510DB2}">
-      <thm15:themeFamily xmlns:thm15="http://schemas.microsoft.com/office/thememl/2012/main" xmlns="" name="Office Theme" id="{62F939B6-93AF-4DB8-9C6B-D6C7DFDC589F}" vid="{4A3C46E8-61CC-4603-A589-7422A47A8E4A}"/>
+      <thm15:themeFamily xmlns:thm15="http://schemas.microsoft.com/office/thememl/2012/main" name="Office Theme" id="{62F939B6-93AF-4DB8-9C6B-D6C7DFDC589F}" vid="{4A3C46E8-61CC-4603-A589-7422A47A8E4A}"/>
     </a:ext>
   </a:extLst>
 </a:theme>

--- a/5_CustomizeModel3_OnePlusOne/OpenModelica_Tutorials_5.pptx
+++ b/5_CustomizeModel3_OnePlusOne/OpenModelica_Tutorials_5.pptx
@@ -4268,7 +4268,7 @@
           </a:ln>
           <a:extLst>
             <a:ext uri="{C572A759-6A51-4108-AA02-DFA0A04FC94B}">
-              <ma14:wrappingTextBoxFlag xmlns:ma14="http://schemas.microsoft.com/office/mac/drawingml/2011/main" xmlns="" val="1"/>
+              <ma14:wrappingTextBoxFlag xmlns="" xmlns:ma14="http://schemas.microsoft.com/office/mac/drawingml/2011/main" val="1"/>
             </a:ext>
           </a:extLst>
         </p:spPr>
@@ -4350,7 +4350,7 @@
           <p:nvPr>
             <p:extLst>
               <p:ext uri="{D42A27DB-BD31-4B8C-83A1-F6EECF244321}">
-                <p14:modId xmlns:p14="http://schemas.microsoft.com/office/powerpoint/2010/main" val="663544256"/>
+                <p14:modId xmlns:p14="http://schemas.microsoft.com/office/powerpoint/2010/main" val="3140347908"/>
               </p:ext>
             </p:extLst>
           </p:nvPr>
@@ -4659,7 +4659,7 @@
                       </a:r>
                       <a:r>
                         <a:rPr kumimoji="1" lang="en-US" altLang="ja-JP" dirty="0" err="1"/>
-                        <a:t>Port.var</a:t>
+                        <a:t>port.var</a:t>
                       </a:r>
                       <a:endParaRPr kumimoji="1" lang="ja-JP" altLang="en-US" dirty="0"/>
                     </a:p>
@@ -5183,7 +5183,7 @@
           </a:ln>
           <a:extLst>
             <a:ext uri="{C572A759-6A51-4108-AA02-DFA0A04FC94B}">
-              <ma14:wrappingTextBoxFlag xmlns:ma14="http://schemas.microsoft.com/office/mac/drawingml/2011/main" xmlns="" val="1"/>
+              <ma14:wrappingTextBoxFlag xmlns="" xmlns:ma14="http://schemas.microsoft.com/office/mac/drawingml/2011/main" val="1"/>
             </a:ext>
           </a:extLst>
         </p:spPr>
@@ -5349,12 +5349,69 @@
           </a:fontRef>
         </p:style>
       </p:cxnSp>
+      <p:sp>
+        <p:nvSpPr>
+          <p:cNvPr id="15" name="テキスト ボックス 14">
+            <a:extLst>
+              <a:ext uri="{FF2B5EF4-FFF2-40B4-BE49-F238E27FC236}">
+                <a16:creationId xmlns:a16="http://schemas.microsoft.com/office/drawing/2014/main" id="{250A62EF-D878-449D-9CAE-4434FF698977}"/>
+              </a:ext>
+            </a:extLst>
+          </p:cNvPr>
+          <p:cNvSpPr txBox="1"/>
+          <p:nvPr/>
+        </p:nvSpPr>
+        <p:spPr>
+          <a:xfrm>
+            <a:off x="7108099" y="1792515"/>
+            <a:ext cx="4325223" cy="923330"/>
+          </a:xfrm>
+          <a:prstGeom prst="rect">
+            <a:avLst/>
+          </a:prstGeom>
+          <a:noFill/>
+        </p:spPr>
+        <p:txBody>
+          <a:bodyPr wrap="none" rtlCol="0">
+            <a:spAutoFit/>
+          </a:bodyPr>
+          <a:lstStyle/>
+          <a:p>
+            <a:r>
+              <a:rPr lang="ja-JP" altLang="en-US" dirty="0"/>
+              <a:t>テキストビューを確認すると</a:t>
+            </a:r>
+            <a:endParaRPr lang="en-US" altLang="ja-JP" dirty="0"/>
+          </a:p>
+          <a:p>
+            <a:r>
+              <a:rPr kumimoji="1" lang="ja-JP" altLang="en-US" dirty="0"/>
+              <a:t>「</a:t>
+            </a:r>
+            <a:r>
+              <a:rPr kumimoji="1" lang="en-US" altLang="ja-JP" dirty="0"/>
+              <a:t>Port</a:t>
+            </a:r>
+            <a:r>
+              <a:rPr kumimoji="1" lang="ja-JP" altLang="en-US" dirty="0"/>
+              <a:t>」のインスタンスが以下のように</a:t>
+            </a:r>
+            <a:endParaRPr kumimoji="1" lang="en-US" altLang="ja-JP" dirty="0"/>
+          </a:p>
+          <a:p>
+            <a:r>
+              <a:rPr kumimoji="1" lang="ja-JP" altLang="en-US" dirty="0"/>
+              <a:t>作成されています</a:t>
+            </a:r>
+          </a:p>
+        </p:txBody>
+      </p:sp>
       <p:pic>
         <p:nvPicPr>
-          <p:cNvPr id="14" name="図 13">
-            <a:extLst>
-              <a:ext uri="{FF2B5EF4-FFF2-40B4-BE49-F238E27FC236}">
-                <a16:creationId xmlns:a16="http://schemas.microsoft.com/office/drawing/2014/main" id="{420D40FD-8228-45ED-B9E5-4DF8DA68A6F2}"/>
+          <p:cNvPr id="6" name="図 5">
+            <a:extLst>
+              <a:ext uri="{FF2B5EF4-FFF2-40B4-BE49-F238E27FC236}">
+                <a16:creationId xmlns:a16="http://schemas.microsoft.com/office/drawing/2014/main" id="{7F60F0DC-EF7F-4388-A7C6-7A45887C3408}"/>
               </a:ext>
             </a:extLst>
           </p:cNvPr>
@@ -5371,64 +5428,14 @@
         </p:blipFill>
         <p:spPr>
           <a:xfrm>
-            <a:off x="7167563" y="2622551"/>
-            <a:ext cx="4581752" cy="550430"/>
+            <a:off x="7180445" y="2824518"/>
+            <a:ext cx="4871484" cy="452275"/>
           </a:xfrm>
           <a:prstGeom prst="rect">
             <a:avLst/>
           </a:prstGeom>
         </p:spPr>
       </p:pic>
-      <p:sp>
-        <p:nvSpPr>
-          <p:cNvPr id="15" name="テキスト ボックス 14">
-            <a:extLst>
-              <a:ext uri="{FF2B5EF4-FFF2-40B4-BE49-F238E27FC236}">
-                <a16:creationId xmlns:a16="http://schemas.microsoft.com/office/drawing/2014/main" id="{250A62EF-D878-449D-9CAE-4434FF698977}"/>
-              </a:ext>
-            </a:extLst>
-          </p:cNvPr>
-          <p:cNvSpPr txBox="1"/>
-          <p:nvPr/>
-        </p:nvSpPr>
-        <p:spPr>
-          <a:xfrm>
-            <a:off x="7108099" y="1792515"/>
-            <a:ext cx="4786888" cy="646331"/>
-          </a:xfrm>
-          <a:prstGeom prst="rect">
-            <a:avLst/>
-          </a:prstGeom>
-          <a:noFill/>
-        </p:spPr>
-        <p:txBody>
-          <a:bodyPr wrap="none" rtlCol="0">
-            <a:spAutoFit/>
-          </a:bodyPr>
-          <a:lstStyle/>
-          <a:p>
-            <a:r>
-              <a:rPr lang="ja-JP" altLang="en-US" dirty="0"/>
-              <a:t>テキストビューを確認すると</a:t>
-            </a:r>
-            <a:endParaRPr lang="en-US" altLang="ja-JP" dirty="0"/>
-          </a:p>
-          <a:p>
-            <a:r>
-              <a:rPr kumimoji="1" lang="ja-JP" altLang="en-US" dirty="0"/>
-              <a:t>「</a:t>
-            </a:r>
-            <a:r>
-              <a:rPr kumimoji="1" lang="en-US" altLang="ja-JP" dirty="0"/>
-              <a:t>Port</a:t>
-            </a:r>
-            <a:r>
-              <a:rPr kumimoji="1" lang="ja-JP" altLang="en-US" dirty="0"/>
-              <a:t>」のインスタンスが作成されています</a:t>
-            </a:r>
-          </a:p>
-        </p:txBody>
-      </p:sp>
     </p:spTree>
     <p:extLst>
       <p:ext uri="{BB962C8B-B14F-4D97-AF65-F5344CB8AC3E}">
@@ -5513,7 +5520,7 @@
           </a:ln>
           <a:extLst>
             <a:ext uri="{C572A759-6A51-4108-AA02-DFA0A04FC94B}">
-              <ma14:wrappingTextBoxFlag xmlns:ma14="http://schemas.microsoft.com/office/mac/drawingml/2011/main" xmlns="" val="1"/>
+              <ma14:wrappingTextBoxFlag xmlns="" xmlns:ma14="http://schemas.microsoft.com/office/mac/drawingml/2011/main" val="1"/>
             </a:ext>
           </a:extLst>
         </p:spPr>
@@ -7106,6 +7113,36 @@
           <a:chExt cx="0" cy="0"/>
         </a:xfrm>
       </p:grpSpPr>
+      <p:pic>
+        <p:nvPicPr>
+          <p:cNvPr id="14" name="図 13">
+            <a:extLst>
+              <a:ext uri="{FF2B5EF4-FFF2-40B4-BE49-F238E27FC236}">
+                <a16:creationId xmlns:a16="http://schemas.microsoft.com/office/drawing/2014/main" id="{AED85F0F-9885-4132-AF71-752499B4C271}"/>
+              </a:ext>
+            </a:extLst>
+          </p:cNvPr>
+          <p:cNvPicPr>
+            <a:picLocks noChangeAspect="1"/>
+          </p:cNvPicPr>
+          <p:nvPr/>
+        </p:nvPicPr>
+        <p:blipFill>
+          <a:blip r:embed="rId2"/>
+          <a:stretch>
+            <a:fillRect/>
+          </a:stretch>
+        </p:blipFill>
+        <p:spPr>
+          <a:xfrm>
+            <a:off x="2860210" y="1537380"/>
+            <a:ext cx="4992844" cy="1118904"/>
+          </a:xfrm>
+          <a:prstGeom prst="rect">
+            <a:avLst/>
+          </a:prstGeom>
+        </p:spPr>
+      </p:pic>
       <p:sp>
         <p:nvSpPr>
           <p:cNvPr id="2" name="スライド番号プレースホルダー 1">
@@ -7160,7 +7197,7 @@
           </a:ln>
           <a:extLst>
             <a:ext uri="{C572A759-6A51-4108-AA02-DFA0A04FC94B}">
-              <ma14:wrappingTextBoxFlag xmlns:ma14="http://schemas.microsoft.com/office/mac/drawingml/2011/main" xmlns="" val="1"/>
+              <ma14:wrappingTextBoxFlag xmlns="" xmlns:ma14="http://schemas.microsoft.com/office/mac/drawingml/2011/main" val="1"/>
             </a:ext>
           </a:extLst>
         </p:spPr>
@@ -7328,101 +7365,51 @@
           </p:txBody>
         </p:sp>
       </p:grpSp>
-      <p:grpSp>
-        <p:nvGrpSpPr>
-          <p:cNvPr id="49" name="グループ化 48">
-            <a:extLst>
-              <a:ext uri="{FF2B5EF4-FFF2-40B4-BE49-F238E27FC236}">
-                <a16:creationId xmlns:a16="http://schemas.microsoft.com/office/drawing/2014/main" id="{B8CC774D-1133-47BC-8DC2-E41A486D4B28}"/>
-              </a:ext>
-            </a:extLst>
-          </p:cNvPr>
-          <p:cNvGrpSpPr/>
+      <p:cxnSp>
+        <p:nvCxnSpPr>
+          <p:cNvPr id="9" name="直線コネクタ 8">
+            <a:extLst>
+              <a:ext uri="{FF2B5EF4-FFF2-40B4-BE49-F238E27FC236}">
+                <a16:creationId xmlns:a16="http://schemas.microsoft.com/office/drawing/2014/main" id="{568C4742-2238-400A-8B25-0B50D1967FF2}"/>
+              </a:ext>
+            </a:extLst>
+          </p:cNvPr>
+          <p:cNvCxnSpPr>
+            <a:cxnSpLocks/>
+          </p:cNvCxnSpPr>
           <p:nvPr/>
-        </p:nvGrpSpPr>
-        <p:grpSpPr>
+        </p:nvCxnSpPr>
+        <p:spPr>
           <a:xfrm>
-            <a:off x="2731819" y="1321389"/>
-            <a:ext cx="5672305" cy="1471295"/>
-            <a:chOff x="1473051" y="5243180"/>
-            <a:chExt cx="5507078" cy="1428438"/>
+            <a:off x="3434457" y="2628237"/>
+            <a:ext cx="2863986" cy="0"/>
           </a:xfrm>
-        </p:grpSpPr>
-        <p:pic>
-          <p:nvPicPr>
-            <p:cNvPr id="7" name="図 6">
-              <a:extLst>
-                <a:ext uri="{FF2B5EF4-FFF2-40B4-BE49-F238E27FC236}">
-                  <a16:creationId xmlns:a16="http://schemas.microsoft.com/office/drawing/2014/main" id="{C8592E1B-B156-41AA-9D44-B6C7F95F676A}"/>
-                </a:ext>
-              </a:extLst>
-            </p:cNvPr>
-            <p:cNvPicPr>
-              <a:picLocks noChangeAspect="1"/>
-            </p:cNvPicPr>
-            <p:nvPr/>
-          </p:nvPicPr>
-          <p:blipFill rotWithShape="1">
-            <a:blip r:embed="rId2"/>
-            <a:srcRect l="1330" r="-1" b="7809"/>
-            <a:stretch/>
-          </p:blipFill>
-          <p:spPr>
-            <a:xfrm>
-              <a:off x="1473051" y="5243180"/>
-              <a:ext cx="5507078" cy="1428438"/>
-            </a:xfrm>
-            <a:prstGeom prst="rect">
-              <a:avLst/>
-            </a:prstGeom>
-          </p:spPr>
-        </p:pic>
-        <p:cxnSp>
-          <p:nvCxnSpPr>
-            <p:cNvPr id="9" name="直線コネクタ 8">
-              <a:extLst>
-                <a:ext uri="{FF2B5EF4-FFF2-40B4-BE49-F238E27FC236}">
-                  <a16:creationId xmlns:a16="http://schemas.microsoft.com/office/drawing/2014/main" id="{568C4742-2238-400A-8B25-0B50D1967FF2}"/>
-                </a:ext>
-              </a:extLst>
-            </p:cNvPr>
-            <p:cNvCxnSpPr>
-              <a:cxnSpLocks/>
-            </p:cNvCxnSpPr>
-            <p:nvPr/>
-          </p:nvCxnSpPr>
-          <p:spPr>
-            <a:xfrm>
-              <a:off x="2155222" y="6511961"/>
-              <a:ext cx="2780562" cy="0"/>
-            </a:xfrm>
-            <a:prstGeom prst="line">
-              <a:avLst/>
-            </a:prstGeom>
-            <a:ln w="28575">
-              <a:solidFill>
-                <a:srgbClr val="FF0000"/>
-              </a:solidFill>
-              <a:headEnd type="none" w="med" len="med"/>
-              <a:tailEnd type="none" w="med" len="med"/>
-            </a:ln>
-          </p:spPr>
-          <p:style>
-            <a:lnRef idx="1">
-              <a:schemeClr val="accent1"/>
-            </a:lnRef>
-            <a:fillRef idx="0">
-              <a:schemeClr val="accent1"/>
-            </a:fillRef>
-            <a:effectRef idx="0">
-              <a:schemeClr val="accent1"/>
-            </a:effectRef>
-            <a:fontRef idx="minor">
-              <a:schemeClr val="tx1"/>
-            </a:fontRef>
-          </p:style>
-        </p:cxnSp>
-      </p:grpSp>
+          <a:prstGeom prst="line">
+            <a:avLst/>
+          </a:prstGeom>
+          <a:ln w="28575">
+            <a:solidFill>
+              <a:srgbClr val="FF0000"/>
+            </a:solidFill>
+            <a:headEnd type="none" w="med" len="med"/>
+            <a:tailEnd type="none" w="med" len="med"/>
+          </a:ln>
+        </p:spPr>
+        <p:style>
+          <a:lnRef idx="1">
+            <a:schemeClr val="accent1"/>
+          </a:lnRef>
+          <a:fillRef idx="0">
+            <a:schemeClr val="accent1"/>
+          </a:fillRef>
+          <a:effectRef idx="0">
+            <a:schemeClr val="accent1"/>
+          </a:effectRef>
+          <a:fontRef idx="minor">
+            <a:schemeClr val="tx1"/>
+          </a:fontRef>
+        </p:style>
+      </p:cxnSp>
       <p:sp>
         <p:nvSpPr>
           <p:cNvPr id="50" name="テキスト ボックス 49">
@@ -8011,7 +7998,7 @@
         <p:spPr>
           <a:xfrm>
             <a:off x="5067160" y="3868839"/>
-            <a:ext cx="782587" cy="461665"/>
+            <a:ext cx="756938" cy="461665"/>
           </a:xfrm>
           <a:prstGeom prst="rect">
             <a:avLst/>
@@ -8025,8 +8012,12 @@
           <a:lstStyle/>
           <a:p>
             <a:r>
+              <a:rPr lang="en-US" altLang="ja-JP" sz="2400" dirty="0"/>
+              <a:t>p</a:t>
+            </a:r>
+            <a:r>
               <a:rPr kumimoji="1" lang="en-US" altLang="ja-JP" sz="2400" dirty="0"/>
-              <a:t>Port</a:t>
+              <a:t>ort</a:t>
             </a:r>
             <a:endParaRPr kumimoji="1" lang="ja-JP" altLang="en-US" sz="2400" dirty="0"/>
           </a:p>
@@ -8180,7 +8171,7 @@
           </a:ln>
           <a:extLst>
             <a:ext uri="{C572A759-6A51-4108-AA02-DFA0A04FC94B}">
-              <ma14:wrappingTextBoxFlag xmlns:ma14="http://schemas.microsoft.com/office/mac/drawingml/2011/main" xmlns="" val="1"/>
+              <ma14:wrappingTextBoxFlag xmlns="" xmlns:ma14="http://schemas.microsoft.com/office/mac/drawingml/2011/main" val="1"/>
             </a:ext>
           </a:extLst>
         </p:spPr>
@@ -8598,7 +8589,7 @@
           </a:ln>
           <a:extLst>
             <a:ext uri="{C572A759-6A51-4108-AA02-DFA0A04FC94B}">
-              <ma14:wrappingTextBoxFlag xmlns:ma14="http://schemas.microsoft.com/office/mac/drawingml/2011/main" xmlns="" val="1"/>
+              <ma14:wrappingTextBoxFlag xmlns="" xmlns:ma14="http://schemas.microsoft.com/office/mac/drawingml/2011/main" val="1"/>
             </a:ext>
           </a:extLst>
         </p:spPr>
@@ -8663,7 +8654,7 @@
           <p:nvPr>
             <p:extLst>
               <p:ext uri="{D42A27DB-BD31-4B8C-83A1-F6EECF244321}">
-                <p14:modId xmlns:p14="http://schemas.microsoft.com/office/powerpoint/2010/main" val="2147073623"/>
+                <p14:modId xmlns:p14="http://schemas.microsoft.com/office/powerpoint/2010/main" val="1693914107"/>
               </p:ext>
             </p:extLst>
           </p:nvPr>
@@ -9051,7 +9042,7 @@
                       <a:pPr algn="ctr"/>
                       <a:r>
                         <a:rPr kumimoji="1" lang="en-US" altLang="ja-JP" dirty="0"/>
-                        <a:t>a=Port1.var</a:t>
+                        <a:t>a=port1.var</a:t>
                       </a:r>
                       <a:endParaRPr kumimoji="1" lang="ja-JP" altLang="en-US" dirty="0"/>
                     </a:p>
@@ -9522,10 +9513,10 @@
       </p:grpSpPr>
       <p:pic>
         <p:nvPicPr>
-          <p:cNvPr id="40" name="図 39">
-            <a:extLst>
-              <a:ext uri="{FF2B5EF4-FFF2-40B4-BE49-F238E27FC236}">
-                <a16:creationId xmlns:a16="http://schemas.microsoft.com/office/drawing/2014/main" id="{50A1CA03-7975-4464-B4AD-CFF93C470397}"/>
+          <p:cNvPr id="5" name="図 4">
+            <a:extLst>
+              <a:ext uri="{FF2B5EF4-FFF2-40B4-BE49-F238E27FC236}">
+                <a16:creationId xmlns:a16="http://schemas.microsoft.com/office/drawing/2014/main" id="{04C6A81B-0713-48F9-9C4B-08A661DA47A3}"/>
               </a:ext>
             </a:extLst>
           </p:cNvPr>
@@ -9536,13 +9527,13 @@
         </p:nvPicPr>
         <p:blipFill rotWithShape="1">
           <a:blip r:embed="rId2"/>
-          <a:srcRect b="9949"/>
+          <a:srcRect l="571"/>
           <a:stretch/>
         </p:blipFill>
         <p:spPr>
           <a:xfrm>
-            <a:off x="2492412" y="5263332"/>
-            <a:ext cx="5943600" cy="1458143"/>
+            <a:off x="2473171" y="5233342"/>
+            <a:ext cx="6358376" cy="1537229"/>
           </a:xfrm>
           <a:prstGeom prst="rect">
             <a:avLst/>
@@ -9603,7 +9594,7 @@
           </a:ln>
           <a:extLst>
             <a:ext uri="{C572A759-6A51-4108-AA02-DFA0A04FC94B}">
-              <ma14:wrappingTextBoxFlag xmlns:ma14="http://schemas.microsoft.com/office/mac/drawingml/2011/main" xmlns="" val="1"/>
+              <ma14:wrappingTextBoxFlag xmlns="" xmlns:ma14="http://schemas.microsoft.com/office/mac/drawingml/2011/main" val="1"/>
             </a:ext>
           </a:extLst>
         </p:spPr>
@@ -9959,7 +9950,7 @@
               </a:r>
               <a:r>
                 <a:rPr lang="en-US" altLang="ja-JP" dirty="0"/>
-                <a:t>a = Port1.var</a:t>
+                <a:t>a = port1.var</a:t>
               </a:r>
               <a:r>
                 <a:rPr lang="ja-JP" altLang="en-US" dirty="0"/>
@@ -10079,6 +10070,36 @@
           <a:chExt cx="0" cy="0"/>
         </a:xfrm>
       </p:grpSpPr>
+      <p:pic>
+        <p:nvPicPr>
+          <p:cNvPr id="4" name="図 3">
+            <a:extLst>
+              <a:ext uri="{FF2B5EF4-FFF2-40B4-BE49-F238E27FC236}">
+                <a16:creationId xmlns:a16="http://schemas.microsoft.com/office/drawing/2014/main" id="{DBC2C1DF-8DE9-4D26-8941-2467AE43F8CC}"/>
+              </a:ext>
+            </a:extLst>
+          </p:cNvPr>
+          <p:cNvPicPr>
+            <a:picLocks noChangeAspect="1"/>
+          </p:cNvPicPr>
+          <p:nvPr/>
+        </p:nvPicPr>
+        <p:blipFill>
+          <a:blip r:embed="rId2"/>
+          <a:stretch>
+            <a:fillRect/>
+          </a:stretch>
+        </p:blipFill>
+        <p:spPr>
+          <a:xfrm>
+            <a:off x="2073692" y="1279163"/>
+            <a:ext cx="4448175" cy="1971675"/>
+          </a:xfrm>
+          <a:prstGeom prst="rect">
+            <a:avLst/>
+          </a:prstGeom>
+        </p:spPr>
+      </p:pic>
       <p:sp>
         <p:nvSpPr>
           <p:cNvPr id="2" name="スライド番号プレースホルダー 1">
@@ -10133,7 +10154,7 @@
           </a:ln>
           <a:extLst>
             <a:ext uri="{C572A759-6A51-4108-AA02-DFA0A04FC94B}">
-              <ma14:wrappingTextBoxFlag xmlns:ma14="http://schemas.microsoft.com/office/mac/drawingml/2011/main" xmlns="" val="1"/>
+              <ma14:wrappingTextBoxFlag xmlns="" xmlns:ma14="http://schemas.microsoft.com/office/mac/drawingml/2011/main" val="1"/>
             </a:ext>
           </a:extLst>
         </p:spPr>
@@ -10282,102 +10303,51 @@
           </p:txBody>
         </p:sp>
       </p:grpSp>
-      <p:grpSp>
-        <p:nvGrpSpPr>
-          <p:cNvPr id="16" name="グループ化 15">
-            <a:extLst>
-              <a:ext uri="{FF2B5EF4-FFF2-40B4-BE49-F238E27FC236}">
-                <a16:creationId xmlns:a16="http://schemas.microsoft.com/office/drawing/2014/main" id="{42D912EA-7A0C-43A9-8302-787512AF2107}"/>
-              </a:ext>
-            </a:extLst>
-          </p:cNvPr>
-          <p:cNvGrpSpPr/>
+      <p:cxnSp>
+        <p:nvCxnSpPr>
+          <p:cNvPr id="35" name="直線コネクタ 34">
+            <a:extLst>
+              <a:ext uri="{FF2B5EF4-FFF2-40B4-BE49-F238E27FC236}">
+                <a16:creationId xmlns:a16="http://schemas.microsoft.com/office/drawing/2014/main" id="{5A9F0C81-A284-4A5C-BD23-06DFFD22DCB0}"/>
+              </a:ext>
+            </a:extLst>
+          </p:cNvPr>
+          <p:cNvCxnSpPr>
+            <a:cxnSpLocks/>
+          </p:cNvCxnSpPr>
           <p:nvPr/>
-        </p:nvGrpSpPr>
-        <p:grpSpPr>
+        </p:nvCxnSpPr>
+        <p:spPr>
           <a:xfrm>
-            <a:off x="2589039" y="1233555"/>
-            <a:ext cx="4355095" cy="2077660"/>
-            <a:chOff x="1645951" y="1137224"/>
-            <a:chExt cx="3862463" cy="1842643"/>
+            <a:off x="2595621" y="2669080"/>
+            <a:ext cx="2595725" cy="0"/>
           </a:xfrm>
-        </p:grpSpPr>
-        <p:pic>
-          <p:nvPicPr>
-            <p:cNvPr id="5" name="図 4">
-              <a:extLst>
-                <a:ext uri="{FF2B5EF4-FFF2-40B4-BE49-F238E27FC236}">
-                  <a16:creationId xmlns:a16="http://schemas.microsoft.com/office/drawing/2014/main" id="{8F3040B9-2C5F-4400-B72D-A6B0A309BD9A}"/>
-                </a:ext>
-              </a:extLst>
-            </p:cNvPr>
-            <p:cNvPicPr>
-              <a:picLocks noChangeAspect="1"/>
-            </p:cNvPicPr>
-            <p:nvPr/>
-          </p:nvPicPr>
-          <p:blipFill>
-            <a:blip r:embed="rId2"/>
-            <a:stretch>
-              <a:fillRect/>
-            </a:stretch>
-          </p:blipFill>
-          <p:spPr>
-            <a:xfrm>
-              <a:off x="1645951" y="1137224"/>
-              <a:ext cx="3862463" cy="1842643"/>
-            </a:xfrm>
-            <a:prstGeom prst="rect">
-              <a:avLst/>
-            </a:prstGeom>
-          </p:spPr>
-        </p:pic>
-        <p:cxnSp>
-          <p:nvCxnSpPr>
-            <p:cNvPr id="35" name="直線コネクタ 34">
-              <a:extLst>
-                <a:ext uri="{FF2B5EF4-FFF2-40B4-BE49-F238E27FC236}">
-                  <a16:creationId xmlns:a16="http://schemas.microsoft.com/office/drawing/2014/main" id="{5A9F0C81-A284-4A5C-BD23-06DFFD22DCB0}"/>
-                </a:ext>
-              </a:extLst>
-            </p:cNvPr>
-            <p:cNvCxnSpPr>
-              <a:cxnSpLocks/>
-            </p:cNvCxnSpPr>
-            <p:nvPr/>
-          </p:nvCxnSpPr>
-          <p:spPr>
-            <a:xfrm>
-              <a:off x="2070878" y="2029378"/>
-              <a:ext cx="2302106" cy="0"/>
-            </a:xfrm>
-            <a:prstGeom prst="line">
-              <a:avLst/>
-            </a:prstGeom>
-            <a:ln w="28575">
-              <a:solidFill>
-                <a:srgbClr val="FF0000"/>
-              </a:solidFill>
-              <a:headEnd type="none" w="med" len="med"/>
-              <a:tailEnd type="none" w="med" len="med"/>
-            </a:ln>
-          </p:spPr>
-          <p:style>
-            <a:lnRef idx="1">
-              <a:schemeClr val="accent1"/>
-            </a:lnRef>
-            <a:fillRef idx="0">
-              <a:schemeClr val="accent1"/>
-            </a:fillRef>
-            <a:effectRef idx="0">
-              <a:schemeClr val="accent1"/>
-            </a:effectRef>
-            <a:fontRef idx="minor">
-              <a:schemeClr val="tx1"/>
-            </a:fontRef>
-          </p:style>
-        </p:cxnSp>
-      </p:grpSp>
+          <a:prstGeom prst="line">
+            <a:avLst/>
+          </a:prstGeom>
+          <a:ln w="28575">
+            <a:solidFill>
+              <a:srgbClr val="FF0000"/>
+            </a:solidFill>
+            <a:headEnd type="none" w="med" len="med"/>
+            <a:tailEnd type="none" w="med" len="med"/>
+          </a:ln>
+        </p:spPr>
+        <p:style>
+          <a:lnRef idx="1">
+            <a:schemeClr val="accent1"/>
+          </a:lnRef>
+          <a:fillRef idx="0">
+            <a:schemeClr val="accent1"/>
+          </a:fillRef>
+          <a:effectRef idx="0">
+            <a:schemeClr val="accent1"/>
+          </a:effectRef>
+          <a:fontRef idx="minor">
+            <a:schemeClr val="tx1"/>
+          </a:fontRef>
+        </p:style>
+      </p:cxnSp>
       <p:sp>
         <p:nvSpPr>
           <p:cNvPr id="26" name="正方形/長方形 25">
@@ -10791,7 +10761,7 @@
         </p:nvCxnSpPr>
         <p:spPr>
           <a:xfrm flipH="1">
-            <a:off x="6703807" y="2581686"/>
+            <a:off x="6632008" y="1979786"/>
             <a:ext cx="860612" cy="0"/>
           </a:xfrm>
           <a:prstGeom prst="straightConnector1">
@@ -10834,7 +10804,7 @@
         </p:nvSpPr>
         <p:spPr>
           <a:xfrm>
-            <a:off x="7564419" y="2397020"/>
+            <a:off x="7492620" y="1795120"/>
             <a:ext cx="1800493" cy="369332"/>
           </a:xfrm>
           <a:prstGeom prst="rect">
@@ -10939,7 +10909,7 @@
           </a:ln>
           <a:extLst>
             <a:ext uri="{C572A759-6A51-4108-AA02-DFA0A04FC94B}">
-              <ma14:wrappingTextBoxFlag xmlns:ma14="http://schemas.microsoft.com/office/mac/drawingml/2011/main" xmlns="" val="1"/>
+              <ma14:wrappingTextBoxFlag xmlns="" xmlns:ma14="http://schemas.microsoft.com/office/mac/drawingml/2011/main" val="1"/>
             </a:ext>
           </a:extLst>
         </p:spPr>
@@ -11082,10 +11052,10 @@
       </p:grpSp>
       <p:pic>
         <p:nvPicPr>
-          <p:cNvPr id="4" name="図 3">
-            <a:extLst>
-              <a:ext uri="{FF2B5EF4-FFF2-40B4-BE49-F238E27FC236}">
-                <a16:creationId xmlns:a16="http://schemas.microsoft.com/office/drawing/2014/main" id="{0A999B02-4369-4BCA-9451-E9991038C982}"/>
+          <p:cNvPr id="5" name="図 4">
+            <a:extLst>
+              <a:ext uri="{FF2B5EF4-FFF2-40B4-BE49-F238E27FC236}">
+                <a16:creationId xmlns:a16="http://schemas.microsoft.com/office/drawing/2014/main" id="{4BF59C25-09B9-4609-B6FD-B571BECCD374}"/>
               </a:ext>
             </a:extLst>
           </p:cNvPr>
@@ -11102,8 +11072,8 @@
         </p:blipFill>
         <p:spPr>
           <a:xfrm>
-            <a:off x="3005940" y="1545483"/>
-            <a:ext cx="4834092" cy="4362631"/>
+            <a:off x="2695054" y="1407160"/>
+            <a:ext cx="5490453" cy="4949190"/>
           </a:xfrm>
           <a:prstGeom prst="rect">
             <a:avLst/>
@@ -11142,10 +11112,10 @@
       </p:grpSpPr>
       <p:pic>
         <p:nvPicPr>
-          <p:cNvPr id="29" name="図 28">
-            <a:extLst>
-              <a:ext uri="{FF2B5EF4-FFF2-40B4-BE49-F238E27FC236}">
-                <a16:creationId xmlns:a16="http://schemas.microsoft.com/office/drawing/2014/main" id="{52F4DC29-64CC-4297-8CE9-509ECC03B8C1}"/>
+          <p:cNvPr id="4" name="図 3">
+            <a:extLst>
+              <a:ext uri="{FF2B5EF4-FFF2-40B4-BE49-F238E27FC236}">
+                <a16:creationId xmlns:a16="http://schemas.microsoft.com/office/drawing/2014/main" id="{E47D7BD8-5774-4CBE-A577-002EEDFA762E}"/>
               </a:ext>
             </a:extLst>
           </p:cNvPr>
@@ -11162,8 +11132,37 @@
         </p:blipFill>
         <p:spPr>
           <a:xfrm>
-            <a:off x="1147295" y="2564862"/>
-            <a:ext cx="7534275" cy="1762125"/>
+            <a:off x="1247346" y="2620286"/>
+            <a:ext cx="1285430" cy="1343565"/>
+          </a:xfrm>
+          <a:prstGeom prst="rect">
+            <a:avLst/>
+          </a:prstGeom>
+        </p:spPr>
+      </p:pic>
+      <p:pic>
+        <p:nvPicPr>
+          <p:cNvPr id="29" name="図 28">
+            <a:extLst>
+              <a:ext uri="{FF2B5EF4-FFF2-40B4-BE49-F238E27FC236}">
+                <a16:creationId xmlns:a16="http://schemas.microsoft.com/office/drawing/2014/main" id="{52F4DC29-64CC-4297-8CE9-509ECC03B8C1}"/>
+              </a:ext>
+            </a:extLst>
+          </p:cNvPr>
+          <p:cNvPicPr>
+            <a:picLocks noChangeAspect="1"/>
+          </p:cNvPicPr>
+          <p:nvPr/>
+        </p:nvPicPr>
+        <p:blipFill rotWithShape="1">
+          <a:blip r:embed="rId3"/>
+          <a:srcRect l="19308" b="4057"/>
+          <a:stretch/>
+        </p:blipFill>
+        <p:spPr>
+          <a:xfrm>
+            <a:off x="2602051" y="2564863"/>
+            <a:ext cx="6079519" cy="1690632"/>
           </a:xfrm>
           <a:prstGeom prst="rect">
             <a:avLst/>
@@ -11224,7 +11223,7 @@
           </a:ln>
           <a:extLst>
             <a:ext uri="{C572A759-6A51-4108-AA02-DFA0A04FC94B}">
-              <ma14:wrappingTextBoxFlag xmlns:ma14="http://schemas.microsoft.com/office/mac/drawingml/2011/main" xmlns="" val="1"/>
+              <ma14:wrappingTextBoxFlag xmlns="" xmlns:ma14="http://schemas.microsoft.com/office/mac/drawingml/2011/main" val="1"/>
             </a:ext>
           </a:extLst>
         </p:spPr>
@@ -11277,7 +11276,7 @@
           <p:nvPr>
             <p:extLst>
               <p:ext uri="{D42A27DB-BD31-4B8C-83A1-F6EECF244321}">
-                <p14:modId xmlns:p14="http://schemas.microsoft.com/office/powerpoint/2010/main" val="314344239"/>
+                <p14:modId xmlns:p14="http://schemas.microsoft.com/office/powerpoint/2010/main" val="2967347694"/>
               </p:ext>
             </p:extLst>
           </p:nvPr>
@@ -11515,7 +11514,7 @@
                       <a:pPr algn="ctr"/>
                       <a:r>
                         <a:rPr kumimoji="1" lang="en-US" altLang="ja-JP" dirty="0" err="1"/>
-                        <a:t>a_Plus_b</a:t>
+                        <a:t>aPlus_b</a:t>
                       </a:r>
                       <a:endParaRPr kumimoji="1" lang="ja-JP" altLang="en-US" dirty="0"/>
                     </a:p>
@@ -11735,9 +11734,9 @@
         <p:grpSpPr>
           <a:xfrm>
             <a:off x="353285" y="2197114"/>
-            <a:ext cx="10236771" cy="395586"/>
+            <a:ext cx="12118696" cy="395586"/>
             <a:chOff x="254945" y="903513"/>
-            <a:chExt cx="10236771" cy="395586"/>
+            <a:chExt cx="12118696" cy="395586"/>
           </a:xfrm>
         </p:grpSpPr>
         <p:sp>
@@ -11754,8 +11753,8 @@
           </p:nvSpPr>
           <p:spPr>
             <a:xfrm>
-              <a:off x="620103" y="903513"/>
-              <a:ext cx="9871613" cy="369332"/>
+              <a:off x="1312600" y="903513"/>
+              <a:ext cx="11061041" cy="369332"/>
             </a:xfrm>
             <a:prstGeom prst="rect">
               <a:avLst/>
@@ -11770,7 +11769,15 @@
             <a:p>
               <a:r>
                 <a:rPr lang="ja-JP" altLang="en-US" dirty="0"/>
-                <a:t>新規クラスを作成し、「</a:t>
+                <a:t>新規クラス「</a:t>
+              </a:r>
+              <a:r>
+                <a:rPr lang="en-US" altLang="ja-JP" dirty="0" err="1"/>
+                <a:t>aPlus_b</a:t>
+              </a:r>
+              <a:r>
+                <a:rPr lang="ja-JP" altLang="en-US" dirty="0"/>
+                <a:t>」を作成し、「</a:t>
               </a:r>
               <a:r>
                 <a:rPr lang="en-US" altLang="ja-JP" dirty="0" err="1"/>
@@ -12721,7 +12728,7 @@
           </a:ln>
           <a:extLst>
             <a:ext uri="{C572A759-6A51-4108-AA02-DFA0A04FC94B}">
-              <ma14:wrappingTextBoxFlag xmlns="" xmlns:ma14="http://schemas.microsoft.com/office/mac/drawingml/2011/main" val="1"/>
+              <ma14:wrappingTextBoxFlag xmlns:ma14="http://schemas.microsoft.com/office/mac/drawingml/2011/main" xmlns="" val="1"/>
             </a:ext>
           </a:extLst>
         </p:spPr>
@@ -12909,7 +12916,7 @@
           </a:ln>
           <a:extLst>
             <a:ext uri="{C572A759-6A51-4108-AA02-DFA0A04FC94B}">
-              <ma14:wrappingTextBoxFlag xmlns:ma14="http://schemas.microsoft.com/office/mac/drawingml/2011/main" xmlns="" val="1"/>
+              <ma14:wrappingTextBoxFlag xmlns="" xmlns:ma14="http://schemas.microsoft.com/office/mac/drawingml/2011/main" val="1"/>
             </a:ext>
           </a:extLst>
         </p:spPr>
@@ -13639,7 +13646,7 @@
           </a:ln>
           <a:extLst>
             <a:ext uri="{C572A759-6A51-4108-AA02-DFA0A04FC94B}">
-              <ma14:wrappingTextBoxFlag xmlns:ma14="http://schemas.microsoft.com/office/mac/drawingml/2011/main" xmlns="" val="1"/>
+              <ma14:wrappingTextBoxFlag xmlns="" xmlns:ma14="http://schemas.microsoft.com/office/mac/drawingml/2011/main" val="1"/>
             </a:ext>
           </a:extLst>
         </p:spPr>
@@ -14678,7 +14685,7 @@
           </a:ln>
           <a:extLst>
             <a:ext uri="{C572A759-6A51-4108-AA02-DFA0A04FC94B}">
-              <ma14:wrappingTextBoxFlag xmlns:ma14="http://schemas.microsoft.com/office/mac/drawingml/2011/main" xmlns="" val="1"/>
+              <ma14:wrappingTextBoxFlag xmlns="" xmlns:ma14="http://schemas.microsoft.com/office/mac/drawingml/2011/main" val="1"/>
             </a:ext>
           </a:extLst>
         </p:spPr>
@@ -14788,7 +14795,7 @@
           </a:ln>
           <a:extLst>
             <a:ext uri="{C572A759-6A51-4108-AA02-DFA0A04FC94B}">
-              <ma14:wrappingTextBoxFlag xmlns:ma14="http://schemas.microsoft.com/office/mac/drawingml/2011/main" xmlns="" val="1"/>
+              <ma14:wrappingTextBoxFlag xmlns="" xmlns:ma14="http://schemas.microsoft.com/office/mac/drawingml/2011/main" val="1"/>
             </a:ext>
           </a:extLst>
         </p:spPr>
@@ -14829,7 +14836,7 @@
           <p:nvPr>
             <p:extLst>
               <p:ext uri="{D42A27DB-BD31-4B8C-83A1-F6EECF244321}">
-                <p14:modId xmlns:p14="http://schemas.microsoft.com/office/powerpoint/2010/main" val="3660314559"/>
+                <p14:modId xmlns:p14="http://schemas.microsoft.com/office/powerpoint/2010/main" val="3029676852"/>
               </p:ext>
             </p:extLst>
           </p:nvPr>
@@ -15297,11 +15304,7 @@
                       <a:pPr algn="ctr"/>
                       <a:r>
                         <a:rPr kumimoji="1" lang="en-US" altLang="ja-JP" dirty="0"/>
-                        <a:t>a=</a:t>
-                      </a:r>
-                      <a:r>
-                        <a:rPr kumimoji="1" lang="en-US" altLang="ja-JP" dirty="0" err="1"/>
-                        <a:t>Port.var</a:t>
+                        <a:t>port1.var=a</a:t>
                       </a:r>
                       <a:endParaRPr kumimoji="1" lang="ja-JP" altLang="en-US" dirty="0"/>
                     </a:p>
@@ -15534,7 +15537,7 @@
                       <a:pPr algn="ctr"/>
                       <a:r>
                         <a:rPr kumimoji="1" lang="en-US" altLang="ja-JP" dirty="0"/>
-                        <a:t>a=Port1.var</a:t>
+                        <a:t>a=port1.var</a:t>
                       </a:r>
                       <a:endParaRPr kumimoji="1" lang="ja-JP" altLang="en-US" dirty="0"/>
                     </a:p>
@@ -15613,7 +15616,7 @@
                       <a:pPr algn="ctr"/>
                       <a:r>
                         <a:rPr kumimoji="1" lang="en-US" altLang="ja-JP" dirty="0" err="1"/>
-                        <a:t>a_Plus_b</a:t>
+                        <a:t>aPlus_b</a:t>
                       </a:r>
                       <a:endParaRPr kumimoji="1" lang="ja-JP" altLang="en-US" dirty="0"/>
                     </a:p>
@@ -15971,7 +15974,7 @@
           </a:ln>
           <a:extLst>
             <a:ext uri="{C572A759-6A51-4108-AA02-DFA0A04FC94B}">
-              <ma14:wrappingTextBoxFlag xmlns:ma14="http://schemas.microsoft.com/office/mac/drawingml/2011/main" xmlns="" val="1"/>
+              <ma14:wrappingTextBoxFlag xmlns="" xmlns:ma14="http://schemas.microsoft.com/office/mac/drawingml/2011/main" val="1"/>
             </a:ext>
           </a:extLst>
         </p:spPr>
@@ -16455,7 +16458,7 @@
           </a:ln>
           <a:extLst>
             <a:ext uri="{C572A759-6A51-4108-AA02-DFA0A04FC94B}">
-              <ma14:wrappingTextBoxFlag xmlns:ma14="http://schemas.microsoft.com/office/mac/drawingml/2011/main" xmlns="" val="1"/>
+              <ma14:wrappingTextBoxFlag xmlns="" xmlns:ma14="http://schemas.microsoft.com/office/mac/drawingml/2011/main" val="1"/>
             </a:ext>
           </a:extLst>
         </p:spPr>
@@ -16853,7 +16856,7 @@
           </a:ln>
           <a:extLst>
             <a:ext uri="{C572A759-6A51-4108-AA02-DFA0A04FC94B}">
-              <ma14:wrappingTextBoxFlag xmlns:ma14="http://schemas.microsoft.com/office/mac/drawingml/2011/main" xmlns="" val="1"/>
+              <ma14:wrappingTextBoxFlag xmlns="" xmlns:ma14="http://schemas.microsoft.com/office/mac/drawingml/2011/main" val="1"/>
             </a:ext>
           </a:extLst>
         </p:spPr>
@@ -17505,7 +17508,7 @@
           </a:ln>
           <a:extLst>
             <a:ext uri="{C572A759-6A51-4108-AA02-DFA0A04FC94B}">
-              <ma14:wrappingTextBoxFlag xmlns:ma14="http://schemas.microsoft.com/office/mac/drawingml/2011/main" xmlns="" val="1"/>
+              <ma14:wrappingTextBoxFlag xmlns="" xmlns:ma14="http://schemas.microsoft.com/office/mac/drawingml/2011/main" val="1"/>
             </a:ext>
           </a:extLst>
         </p:spPr>

--- a/5_CustomizeModel3_OnePlusOne/OpenModelica_Tutorials_5.pptx
+++ b/5_CustomizeModel3_OnePlusOne/OpenModelica_Tutorials_5.pptx
@@ -228,7 +228,7 @@
           <a:p>
             <a:fld id="{C4670700-DA66-4BAD-8F9F-A4A758D36ABA}" type="datetimeFigureOut">
               <a:rPr kumimoji="1" lang="ja-JP" altLang="en-US" smtClean="0"/>
-              <a:t>2018/4/7</a:t>
+              <a:t>2018/4/8</a:t>
             </a:fld>
             <a:endParaRPr kumimoji="1" lang="ja-JP" altLang="en-US"/>
           </a:p>
@@ -674,7 +674,7 @@
           <a:p>
             <a:fld id="{CA2F2FF0-B0E3-4081-A194-5315B26D72C4}" type="datetime1">
               <a:rPr kumimoji="1" lang="ja-JP" altLang="en-US" smtClean="0"/>
-              <a:t>2018/4/7</a:t>
+              <a:t>2018/4/8</a:t>
             </a:fld>
             <a:endParaRPr kumimoji="1" lang="ja-JP" altLang="en-US"/>
           </a:p>
@@ -904,7 +904,7 @@
           <a:p>
             <a:fld id="{AA0CF445-3D47-45EB-B7B9-640298F78945}" type="datetime1">
               <a:rPr kumimoji="1" lang="ja-JP" altLang="en-US" smtClean="0"/>
-              <a:t>2018/4/7</a:t>
+              <a:t>2018/4/8</a:t>
             </a:fld>
             <a:endParaRPr kumimoji="1" lang="ja-JP" altLang="en-US"/>
           </a:p>
@@ -1144,7 +1144,7 @@
           <a:p>
             <a:fld id="{33274D65-32BF-448B-ADBF-66DCA4E8B106}" type="datetime1">
               <a:rPr kumimoji="1" lang="ja-JP" altLang="en-US" smtClean="0"/>
-              <a:t>2018/4/7</a:t>
+              <a:t>2018/4/8</a:t>
             </a:fld>
             <a:endParaRPr kumimoji="1" lang="ja-JP" altLang="en-US"/>
           </a:p>
@@ -1374,7 +1374,7 @@
           <a:p>
             <a:fld id="{852A9B57-A7E8-419F-90A8-90F2DA777A28}" type="datetime1">
               <a:rPr kumimoji="1" lang="ja-JP" altLang="en-US" smtClean="0"/>
-              <a:t>2018/4/7</a:t>
+              <a:t>2018/4/8</a:t>
             </a:fld>
             <a:endParaRPr kumimoji="1" lang="ja-JP" altLang="en-US"/>
           </a:p>
@@ -1649,7 +1649,7 @@
           <a:p>
             <a:fld id="{C90A889C-334E-44BD-8F41-5AC3386FFD37}" type="datetime1">
               <a:rPr kumimoji="1" lang="ja-JP" altLang="en-US" smtClean="0"/>
-              <a:t>2018/4/7</a:t>
+              <a:t>2018/4/8</a:t>
             </a:fld>
             <a:endParaRPr kumimoji="1" lang="ja-JP" altLang="en-US"/>
           </a:p>
@@ -1978,7 +1978,7 @@
           <a:p>
             <a:fld id="{58879D4E-6DF1-4713-B068-9512627C39B0}" type="datetime1">
               <a:rPr kumimoji="1" lang="ja-JP" altLang="en-US" smtClean="0"/>
-              <a:t>2018/4/7</a:t>
+              <a:t>2018/4/8</a:t>
             </a:fld>
             <a:endParaRPr kumimoji="1" lang="ja-JP" altLang="en-US"/>
           </a:p>
@@ -2454,7 +2454,7 @@
           <a:p>
             <a:fld id="{5DD38707-5E34-46C7-88C2-928145620E78}" type="datetime1">
               <a:rPr kumimoji="1" lang="ja-JP" altLang="en-US" smtClean="0"/>
-              <a:t>2018/4/7</a:t>
+              <a:t>2018/4/8</a:t>
             </a:fld>
             <a:endParaRPr kumimoji="1" lang="ja-JP" altLang="en-US"/>
           </a:p>
@@ -2595,7 +2595,7 @@
           <a:p>
             <a:fld id="{C7D5EE7D-C0B7-4B25-8104-5FCD7D2EAEA8}" type="datetime1">
               <a:rPr kumimoji="1" lang="ja-JP" altLang="en-US" smtClean="0"/>
-              <a:t>2018/4/7</a:t>
+              <a:t>2018/4/8</a:t>
             </a:fld>
             <a:endParaRPr kumimoji="1" lang="ja-JP" altLang="en-US"/>
           </a:p>
@@ -2708,7 +2708,7 @@
           <a:p>
             <a:fld id="{AA028A9A-8812-42D8-A8AC-F30CD1F57465}" type="datetime1">
               <a:rPr kumimoji="1" lang="ja-JP" altLang="en-US" smtClean="0"/>
-              <a:t>2018/4/7</a:t>
+              <a:t>2018/4/8</a:t>
             </a:fld>
             <a:endParaRPr kumimoji="1" lang="ja-JP" altLang="en-US"/>
           </a:p>
@@ -3051,7 +3051,7 @@
           <a:p>
             <a:fld id="{3638306A-7D11-4239-9371-3BFB25B5C686}" type="datetime1">
               <a:rPr kumimoji="1" lang="ja-JP" altLang="en-US" smtClean="0"/>
-              <a:t>2018/4/7</a:t>
+              <a:t>2018/4/8</a:t>
             </a:fld>
             <a:endParaRPr kumimoji="1" lang="ja-JP" altLang="en-US"/>
           </a:p>
@@ -3339,7 +3339,7 @@
           <a:p>
             <a:fld id="{25F8348D-66EA-4186-BB0B-99FB286568FF}" type="datetime1">
               <a:rPr kumimoji="1" lang="ja-JP" altLang="en-US" smtClean="0"/>
-              <a:t>2018/4/7</a:t>
+              <a:t>2018/4/8</a:t>
             </a:fld>
             <a:endParaRPr kumimoji="1" lang="ja-JP" altLang="en-US"/>
           </a:p>
@@ -3612,7 +3612,7 @@
           <a:p>
             <a:fld id="{AC9BD3EC-C0C8-40A6-81F1-9BBFA037EF8B}" type="datetime1">
               <a:rPr kumimoji="1" lang="ja-JP" altLang="en-US" smtClean="0"/>
-              <a:t>2018/4/7</a:t>
+              <a:t>2018/4/8</a:t>
             </a:fld>
             <a:endParaRPr kumimoji="1" lang="ja-JP" altLang="en-US"/>
           </a:p>
@@ -4268,7 +4268,7 @@
           </a:ln>
           <a:extLst>
             <a:ext uri="{C572A759-6A51-4108-AA02-DFA0A04FC94B}">
-              <ma14:wrappingTextBoxFlag xmlns="" xmlns:ma14="http://schemas.microsoft.com/office/mac/drawingml/2011/main" val="1"/>
+              <ma14:wrappingTextBoxFlag xmlns:ma14="http://schemas.microsoft.com/office/mac/drawingml/2011/main" xmlns="" val="1"/>
             </a:ext>
           </a:extLst>
         </p:spPr>
@@ -5183,7 +5183,7 @@
           </a:ln>
           <a:extLst>
             <a:ext uri="{C572A759-6A51-4108-AA02-DFA0A04FC94B}">
-              <ma14:wrappingTextBoxFlag xmlns="" xmlns:ma14="http://schemas.microsoft.com/office/mac/drawingml/2011/main" val="1"/>
+              <ma14:wrappingTextBoxFlag xmlns:ma14="http://schemas.microsoft.com/office/mac/drawingml/2011/main" xmlns="" val="1"/>
             </a:ext>
           </a:extLst>
         </p:spPr>
@@ -5520,7 +5520,7 @@
           </a:ln>
           <a:extLst>
             <a:ext uri="{C572A759-6A51-4108-AA02-DFA0A04FC94B}">
-              <ma14:wrappingTextBoxFlag xmlns="" xmlns:ma14="http://schemas.microsoft.com/office/mac/drawingml/2011/main" val="1"/>
+              <ma14:wrappingTextBoxFlag xmlns:ma14="http://schemas.microsoft.com/office/mac/drawingml/2011/main" xmlns="" val="1"/>
             </a:ext>
           </a:extLst>
         </p:spPr>
@@ -7197,7 +7197,7 @@
           </a:ln>
           <a:extLst>
             <a:ext uri="{C572A759-6A51-4108-AA02-DFA0A04FC94B}">
-              <ma14:wrappingTextBoxFlag xmlns="" xmlns:ma14="http://schemas.microsoft.com/office/mac/drawingml/2011/main" val="1"/>
+              <ma14:wrappingTextBoxFlag xmlns:ma14="http://schemas.microsoft.com/office/mac/drawingml/2011/main" xmlns="" val="1"/>
             </a:ext>
           </a:extLst>
         </p:spPr>
@@ -7297,7 +7297,7 @@
               </a:r>
               <a:r>
                 <a:rPr lang="en-US" altLang="ja-JP" dirty="0"/>
-                <a:t>Port1</a:t>
+                <a:t>port1</a:t>
               </a:r>
               <a:r>
                 <a:rPr lang="ja-JP" altLang="en-US" dirty="0"/>
@@ -8171,7 +8171,7 @@
           </a:ln>
           <a:extLst>
             <a:ext uri="{C572A759-6A51-4108-AA02-DFA0A04FC94B}">
-              <ma14:wrappingTextBoxFlag xmlns="" xmlns:ma14="http://schemas.microsoft.com/office/mac/drawingml/2011/main" val="1"/>
+              <ma14:wrappingTextBoxFlag xmlns:ma14="http://schemas.microsoft.com/office/mac/drawingml/2011/main" xmlns="" val="1"/>
             </a:ext>
           </a:extLst>
         </p:spPr>
@@ -8589,7 +8589,7 @@
           </a:ln>
           <a:extLst>
             <a:ext uri="{C572A759-6A51-4108-AA02-DFA0A04FC94B}">
-              <ma14:wrappingTextBoxFlag xmlns="" xmlns:ma14="http://schemas.microsoft.com/office/mac/drawingml/2011/main" val="1"/>
+              <ma14:wrappingTextBoxFlag xmlns:ma14="http://schemas.microsoft.com/office/mac/drawingml/2011/main" xmlns="" val="1"/>
             </a:ext>
           </a:extLst>
         </p:spPr>
@@ -9594,7 +9594,7 @@
           </a:ln>
           <a:extLst>
             <a:ext uri="{C572A759-6A51-4108-AA02-DFA0A04FC94B}">
-              <ma14:wrappingTextBoxFlag xmlns="" xmlns:ma14="http://schemas.microsoft.com/office/mac/drawingml/2011/main" val="1"/>
+              <ma14:wrappingTextBoxFlag xmlns:ma14="http://schemas.microsoft.com/office/mac/drawingml/2011/main" xmlns="" val="1"/>
             </a:ext>
           </a:extLst>
         </p:spPr>
@@ -10154,7 +10154,7 @@
           </a:ln>
           <a:extLst>
             <a:ext uri="{C572A759-6A51-4108-AA02-DFA0A04FC94B}">
-              <ma14:wrappingTextBoxFlag xmlns="" xmlns:ma14="http://schemas.microsoft.com/office/mac/drawingml/2011/main" val="1"/>
+              <ma14:wrappingTextBoxFlag xmlns:ma14="http://schemas.microsoft.com/office/mac/drawingml/2011/main" xmlns="" val="1"/>
             </a:ext>
           </a:extLst>
         </p:spPr>
@@ -10909,7 +10909,7 @@
           </a:ln>
           <a:extLst>
             <a:ext uri="{C572A759-6A51-4108-AA02-DFA0A04FC94B}">
-              <ma14:wrappingTextBoxFlag xmlns="" xmlns:ma14="http://schemas.microsoft.com/office/mac/drawingml/2011/main" val="1"/>
+              <ma14:wrappingTextBoxFlag xmlns:ma14="http://schemas.microsoft.com/office/mac/drawingml/2011/main" xmlns="" val="1"/>
             </a:ext>
           </a:extLst>
         </p:spPr>
@@ -11223,7 +11223,7 @@
           </a:ln>
           <a:extLst>
             <a:ext uri="{C572A759-6A51-4108-AA02-DFA0A04FC94B}">
-              <ma14:wrappingTextBoxFlag xmlns="" xmlns:ma14="http://schemas.microsoft.com/office/mac/drawingml/2011/main" val="1"/>
+              <ma14:wrappingTextBoxFlag xmlns:ma14="http://schemas.microsoft.com/office/mac/drawingml/2011/main" xmlns="" val="1"/>
             </a:ext>
           </a:extLst>
         </p:spPr>
@@ -12728,7 +12728,7 @@
           </a:ln>
           <a:extLst>
             <a:ext uri="{C572A759-6A51-4108-AA02-DFA0A04FC94B}">
-              <ma14:wrappingTextBoxFlag xmlns:ma14="http://schemas.microsoft.com/office/mac/drawingml/2011/main" xmlns="" val="1"/>
+              <ma14:wrappingTextBoxFlag xmlns="" xmlns:ma14="http://schemas.microsoft.com/office/mac/drawingml/2011/main" val="1"/>
             </a:ext>
           </a:extLst>
         </p:spPr>
@@ -12916,7 +12916,7 @@
           </a:ln>
           <a:extLst>
             <a:ext uri="{C572A759-6A51-4108-AA02-DFA0A04FC94B}">
-              <ma14:wrappingTextBoxFlag xmlns="" xmlns:ma14="http://schemas.microsoft.com/office/mac/drawingml/2011/main" val="1"/>
+              <ma14:wrappingTextBoxFlag xmlns:ma14="http://schemas.microsoft.com/office/mac/drawingml/2011/main" xmlns="" val="1"/>
             </a:ext>
           </a:extLst>
         </p:spPr>
@@ -13646,7 +13646,7 @@
           </a:ln>
           <a:extLst>
             <a:ext uri="{C572A759-6A51-4108-AA02-DFA0A04FC94B}">
-              <ma14:wrappingTextBoxFlag xmlns="" xmlns:ma14="http://schemas.microsoft.com/office/mac/drawingml/2011/main" val="1"/>
+              <ma14:wrappingTextBoxFlag xmlns:ma14="http://schemas.microsoft.com/office/mac/drawingml/2011/main" xmlns="" val="1"/>
             </a:ext>
           </a:extLst>
         </p:spPr>
@@ -14685,7 +14685,7 @@
           </a:ln>
           <a:extLst>
             <a:ext uri="{C572A759-6A51-4108-AA02-DFA0A04FC94B}">
-              <ma14:wrappingTextBoxFlag xmlns="" xmlns:ma14="http://schemas.microsoft.com/office/mac/drawingml/2011/main" val="1"/>
+              <ma14:wrappingTextBoxFlag xmlns:ma14="http://schemas.microsoft.com/office/mac/drawingml/2011/main" xmlns="" val="1"/>
             </a:ext>
           </a:extLst>
         </p:spPr>
@@ -14795,7 +14795,7 @@
           </a:ln>
           <a:extLst>
             <a:ext uri="{C572A759-6A51-4108-AA02-DFA0A04FC94B}">
-              <ma14:wrappingTextBoxFlag xmlns="" xmlns:ma14="http://schemas.microsoft.com/office/mac/drawingml/2011/main" val="1"/>
+              <ma14:wrappingTextBoxFlag xmlns:ma14="http://schemas.microsoft.com/office/mac/drawingml/2011/main" xmlns="" val="1"/>
             </a:ext>
           </a:extLst>
         </p:spPr>
@@ -15974,7 +15974,7 @@
           </a:ln>
           <a:extLst>
             <a:ext uri="{C572A759-6A51-4108-AA02-DFA0A04FC94B}">
-              <ma14:wrappingTextBoxFlag xmlns="" xmlns:ma14="http://schemas.microsoft.com/office/mac/drawingml/2011/main" val="1"/>
+              <ma14:wrappingTextBoxFlag xmlns:ma14="http://schemas.microsoft.com/office/mac/drawingml/2011/main" xmlns="" val="1"/>
             </a:ext>
           </a:extLst>
         </p:spPr>
@@ -16458,7 +16458,7 @@
           </a:ln>
           <a:extLst>
             <a:ext uri="{C572A759-6A51-4108-AA02-DFA0A04FC94B}">
-              <ma14:wrappingTextBoxFlag xmlns="" xmlns:ma14="http://schemas.microsoft.com/office/mac/drawingml/2011/main" val="1"/>
+              <ma14:wrappingTextBoxFlag xmlns:ma14="http://schemas.microsoft.com/office/mac/drawingml/2011/main" xmlns="" val="1"/>
             </a:ext>
           </a:extLst>
         </p:spPr>
@@ -16856,7 +16856,7 @@
           </a:ln>
           <a:extLst>
             <a:ext uri="{C572A759-6A51-4108-AA02-DFA0A04FC94B}">
-              <ma14:wrappingTextBoxFlag xmlns="" xmlns:ma14="http://schemas.microsoft.com/office/mac/drawingml/2011/main" val="1"/>
+              <ma14:wrappingTextBoxFlag xmlns:ma14="http://schemas.microsoft.com/office/mac/drawingml/2011/main" xmlns="" val="1"/>
             </a:ext>
           </a:extLst>
         </p:spPr>
@@ -17508,7 +17508,7 @@
           </a:ln>
           <a:extLst>
             <a:ext uri="{C572A759-6A51-4108-AA02-DFA0A04FC94B}">
-              <ma14:wrappingTextBoxFlag xmlns="" xmlns:ma14="http://schemas.microsoft.com/office/mac/drawingml/2011/main" val="1"/>
+              <ma14:wrappingTextBoxFlag xmlns:ma14="http://schemas.microsoft.com/office/mac/drawingml/2011/main" xmlns="" val="1"/>
             </a:ext>
           </a:extLst>
         </p:spPr>

--- a/5_CustomizeModel3_OnePlusOne/OpenModelica_Tutorials_5.pptx
+++ b/5_CustomizeModel3_OnePlusOne/OpenModelica_Tutorials_5.pptx
@@ -228,7 +228,7 @@
           <a:p>
             <a:fld id="{C4670700-DA66-4BAD-8F9F-A4A758D36ABA}" type="datetimeFigureOut">
               <a:rPr kumimoji="1" lang="ja-JP" altLang="en-US" smtClean="0"/>
-              <a:t>2018/4/8</a:t>
+              <a:t>2020/4/9</a:t>
             </a:fld>
             <a:endParaRPr kumimoji="1" lang="ja-JP" altLang="en-US"/>
           </a:p>
@@ -674,7 +674,7 @@
           <a:p>
             <a:fld id="{CA2F2FF0-B0E3-4081-A194-5315B26D72C4}" type="datetime1">
               <a:rPr kumimoji="1" lang="ja-JP" altLang="en-US" smtClean="0"/>
-              <a:t>2018/4/8</a:t>
+              <a:t>2020/4/9</a:t>
             </a:fld>
             <a:endParaRPr kumimoji="1" lang="ja-JP" altLang="en-US"/>
           </a:p>
@@ -904,7 +904,7 @@
           <a:p>
             <a:fld id="{AA0CF445-3D47-45EB-B7B9-640298F78945}" type="datetime1">
               <a:rPr kumimoji="1" lang="ja-JP" altLang="en-US" smtClean="0"/>
-              <a:t>2018/4/8</a:t>
+              <a:t>2020/4/9</a:t>
             </a:fld>
             <a:endParaRPr kumimoji="1" lang="ja-JP" altLang="en-US"/>
           </a:p>
@@ -1144,7 +1144,7 @@
           <a:p>
             <a:fld id="{33274D65-32BF-448B-ADBF-66DCA4E8B106}" type="datetime1">
               <a:rPr kumimoji="1" lang="ja-JP" altLang="en-US" smtClean="0"/>
-              <a:t>2018/4/8</a:t>
+              <a:t>2020/4/9</a:t>
             </a:fld>
             <a:endParaRPr kumimoji="1" lang="ja-JP" altLang="en-US"/>
           </a:p>
@@ -1374,7 +1374,7 @@
           <a:p>
             <a:fld id="{852A9B57-A7E8-419F-90A8-90F2DA777A28}" type="datetime1">
               <a:rPr kumimoji="1" lang="ja-JP" altLang="en-US" smtClean="0"/>
-              <a:t>2018/4/8</a:t>
+              <a:t>2020/4/9</a:t>
             </a:fld>
             <a:endParaRPr kumimoji="1" lang="ja-JP" altLang="en-US"/>
           </a:p>
@@ -1649,7 +1649,7 @@
           <a:p>
             <a:fld id="{C90A889C-334E-44BD-8F41-5AC3386FFD37}" type="datetime1">
               <a:rPr kumimoji="1" lang="ja-JP" altLang="en-US" smtClean="0"/>
-              <a:t>2018/4/8</a:t>
+              <a:t>2020/4/9</a:t>
             </a:fld>
             <a:endParaRPr kumimoji="1" lang="ja-JP" altLang="en-US"/>
           </a:p>
@@ -1978,7 +1978,7 @@
           <a:p>
             <a:fld id="{58879D4E-6DF1-4713-B068-9512627C39B0}" type="datetime1">
               <a:rPr kumimoji="1" lang="ja-JP" altLang="en-US" smtClean="0"/>
-              <a:t>2018/4/8</a:t>
+              <a:t>2020/4/9</a:t>
             </a:fld>
             <a:endParaRPr kumimoji="1" lang="ja-JP" altLang="en-US"/>
           </a:p>
@@ -2454,7 +2454,7 @@
           <a:p>
             <a:fld id="{5DD38707-5E34-46C7-88C2-928145620E78}" type="datetime1">
               <a:rPr kumimoji="1" lang="ja-JP" altLang="en-US" smtClean="0"/>
-              <a:t>2018/4/8</a:t>
+              <a:t>2020/4/9</a:t>
             </a:fld>
             <a:endParaRPr kumimoji="1" lang="ja-JP" altLang="en-US"/>
           </a:p>
@@ -2595,7 +2595,7 @@
           <a:p>
             <a:fld id="{C7D5EE7D-C0B7-4B25-8104-5FCD7D2EAEA8}" type="datetime1">
               <a:rPr kumimoji="1" lang="ja-JP" altLang="en-US" smtClean="0"/>
-              <a:t>2018/4/8</a:t>
+              <a:t>2020/4/9</a:t>
             </a:fld>
             <a:endParaRPr kumimoji="1" lang="ja-JP" altLang="en-US"/>
           </a:p>
@@ -2708,7 +2708,7 @@
           <a:p>
             <a:fld id="{AA028A9A-8812-42D8-A8AC-F30CD1F57465}" type="datetime1">
               <a:rPr kumimoji="1" lang="ja-JP" altLang="en-US" smtClean="0"/>
-              <a:t>2018/4/8</a:t>
+              <a:t>2020/4/9</a:t>
             </a:fld>
             <a:endParaRPr kumimoji="1" lang="ja-JP" altLang="en-US"/>
           </a:p>
@@ -3051,7 +3051,7 @@
           <a:p>
             <a:fld id="{3638306A-7D11-4239-9371-3BFB25B5C686}" type="datetime1">
               <a:rPr kumimoji="1" lang="ja-JP" altLang="en-US" smtClean="0"/>
-              <a:t>2018/4/8</a:t>
+              <a:t>2020/4/9</a:t>
             </a:fld>
             <a:endParaRPr kumimoji="1" lang="ja-JP" altLang="en-US"/>
           </a:p>
@@ -3339,7 +3339,7 @@
           <a:p>
             <a:fld id="{25F8348D-66EA-4186-BB0B-99FB286568FF}" type="datetime1">
               <a:rPr kumimoji="1" lang="ja-JP" altLang="en-US" smtClean="0"/>
-              <a:t>2018/4/8</a:t>
+              <a:t>2020/4/9</a:t>
             </a:fld>
             <a:endParaRPr kumimoji="1" lang="ja-JP" altLang="en-US"/>
           </a:p>
@@ -3612,7 +3612,7 @@
           <a:p>
             <a:fld id="{AC9BD3EC-C0C8-40A6-81F1-9BBFA037EF8B}" type="datetime1">
               <a:rPr kumimoji="1" lang="ja-JP" altLang="en-US" smtClean="0"/>
-              <a:t>2018/4/8</a:t>
+              <a:t>2020/4/9</a:t>
             </a:fld>
             <a:endParaRPr kumimoji="1" lang="ja-JP" altLang="en-US"/>
           </a:p>
@@ -4187,7 +4187,15 @@
             <a:pPr algn="ctr"/>
             <a:r>
               <a:rPr lang="en-US" altLang="ja-JP" dirty="0"/>
-              <a:t>Copyright (C) 2017 Shigenori Ueda</a:t>
+              <a:t>Copyright (C) </a:t>
+            </a:r>
+            <a:r>
+              <a:rPr lang="en-US" altLang="ja-JP" dirty="0" smtClean="0"/>
+              <a:t>2020 </a:t>
+            </a:r>
+            <a:r>
+              <a:rPr lang="en-US" altLang="ja-JP" dirty="0"/>
+              <a:t>Shigenori Ueda</a:t>
             </a:r>
           </a:p>
           <a:p>
@@ -4243,6 +4251,30 @@
           <a:chExt cx="0" cy="0"/>
         </a:xfrm>
       </p:grpSpPr>
+      <p:pic>
+        <p:nvPicPr>
+          <p:cNvPr id="3" name="図 2"/>
+          <p:cNvPicPr>
+            <a:picLocks noChangeAspect="1"/>
+          </p:cNvPicPr>
+          <p:nvPr/>
+        </p:nvPicPr>
+        <p:blipFill>
+          <a:blip r:embed="rId2"/>
+          <a:stretch>
+            <a:fillRect/>
+          </a:stretch>
+        </p:blipFill>
+        <p:spPr>
+          <a:xfrm>
+            <a:off x="1474221" y="3761476"/>
+            <a:ext cx="6939639" cy="2700284"/>
+          </a:xfrm>
+          <a:prstGeom prst="rect">
+            <a:avLst/>
+          </a:prstGeom>
+        </p:spPr>
+      </p:pic>
       <p:sp>
         <p:nvSpPr>
           <p:cNvPr id="2" name="Shape 130">
@@ -4691,7 +4723,7 @@
         <p:spPr>
           <a:xfrm>
             <a:off x="696079" y="785168"/>
-            <a:ext cx="4544834" cy="400110"/>
+            <a:ext cx="6482865" cy="400110"/>
           </a:xfrm>
           <a:prstGeom prst="rect">
             <a:avLst/>
@@ -4705,10 +4737,26 @@
           <a:lstStyle/>
           <a:p>
             <a:r>
-              <a:rPr lang="ja-JP" altLang="en-US" sz="2000" b="1" dirty="0"/>
-              <a:t>以下の表をもとにモデルを作成します</a:t>
-            </a:r>
-            <a:endParaRPr kumimoji="1" lang="ja-JP" altLang="en-US" sz="2000" b="1" dirty="0"/>
+              <a:rPr lang="ja-JP" altLang="en-US" sz="2000" dirty="0"/>
+              <a:t>以下の表をもと</a:t>
+            </a:r>
+            <a:r>
+              <a:rPr lang="ja-JP" altLang="en-US" sz="2000" dirty="0" smtClean="0"/>
+              <a:t>に「</a:t>
+            </a:r>
+            <a:r>
+              <a:rPr lang="en-US" altLang="ja-JP" sz="2000" dirty="0" smtClean="0"/>
+              <a:t>a</a:t>
+            </a:r>
+            <a:r>
+              <a:rPr lang="ja-JP" altLang="en-US" sz="2000" dirty="0" smtClean="0"/>
+              <a:t>を入力」するモデル</a:t>
+            </a:r>
+            <a:r>
+              <a:rPr lang="ja-JP" altLang="en-US" sz="2000" dirty="0"/>
+              <a:t>を作成します</a:t>
+            </a:r>
+            <a:endParaRPr kumimoji="1" lang="ja-JP" altLang="en-US" sz="2000" dirty="0"/>
           </a:p>
         </p:txBody>
       </p:sp>
@@ -4762,11 +4810,15 @@
             <a:p>
               <a:r>
                 <a:rPr lang="ja-JP" altLang="en-US" dirty="0"/>
-                <a:t>クラスタイプを</a:t>
-              </a:r>
-              <a:r>
-                <a:rPr lang="en-US" altLang="ja-JP" dirty="0"/>
-                <a:t>model</a:t>
+                <a:t>クラスタイプ</a:t>
+              </a:r>
+              <a:r>
+                <a:rPr lang="ja-JP" altLang="en-US" dirty="0" smtClean="0"/>
+                <a:t>を</a:t>
+              </a:r>
+              <a:r>
+                <a:rPr lang="en-US" altLang="ja-JP" dirty="0" smtClean="0"/>
+                <a:t>Model</a:t>
               </a:r>
               <a:r>
                 <a:rPr lang="ja-JP" altLang="en-US" dirty="0" err="1"/>
@@ -4922,35 +4974,6 @@
           </p:txBody>
         </p:sp>
       </p:grpSp>
-      <p:pic>
-        <p:nvPicPr>
-          <p:cNvPr id="17" name="図 16">
-            <a:extLst>
-              <a:ext uri="{FF2B5EF4-FFF2-40B4-BE49-F238E27FC236}">
-                <a16:creationId xmlns:a16="http://schemas.microsoft.com/office/drawing/2014/main" id="{31AC454F-A777-4587-9152-E963A4E7240C}"/>
-              </a:ext>
-            </a:extLst>
-          </p:cNvPr>
-          <p:cNvPicPr>
-            <a:picLocks noChangeAspect="1"/>
-          </p:cNvPicPr>
-          <p:nvPr/>
-        </p:nvPicPr>
-        <p:blipFill rotWithShape="1">
-          <a:blip r:embed="rId2"/>
-          <a:srcRect l="833"/>
-          <a:stretch/>
-        </p:blipFill>
-        <p:spPr>
-          <a:xfrm>
-            <a:off x="1928971" y="3956711"/>
-            <a:ext cx="4911276" cy="1361007"/>
-          </a:xfrm>
-          <a:prstGeom prst="rect">
-            <a:avLst/>
-          </a:prstGeom>
-        </p:spPr>
-      </p:pic>
       <p:cxnSp>
         <p:nvCxnSpPr>
           <p:cNvPr id="22" name="直線コネクタ 21">
@@ -4962,13 +4985,14 @@
           </p:cNvPr>
           <p:cNvCxnSpPr>
             <a:cxnSpLocks/>
+            <a:endCxn id="3" idx="3"/>
           </p:cNvCxnSpPr>
           <p:nvPr/>
         </p:nvCxnSpPr>
         <p:spPr>
           <a:xfrm>
-            <a:off x="2392412" y="4877903"/>
-            <a:ext cx="4022902" cy="0"/>
+            <a:off x="4769852" y="5111583"/>
+            <a:ext cx="3644008" cy="35"/>
           </a:xfrm>
           <a:prstGeom prst="line">
             <a:avLst/>
@@ -5026,6 +5050,30 @@
           <a:chExt cx="0" cy="0"/>
         </a:xfrm>
       </p:grpSpPr>
+      <p:pic>
+        <p:nvPicPr>
+          <p:cNvPr id="12" name="図 11"/>
+          <p:cNvPicPr>
+            <a:picLocks noChangeAspect="1"/>
+          </p:cNvPicPr>
+          <p:nvPr/>
+        </p:nvPicPr>
+        <p:blipFill>
+          <a:blip r:embed="rId2"/>
+          <a:stretch>
+            <a:fillRect/>
+          </a:stretch>
+        </p:blipFill>
+        <p:spPr>
+          <a:xfrm>
+            <a:off x="674462" y="1662325"/>
+            <a:ext cx="6287175" cy="3209395"/>
+          </a:xfrm>
+          <a:prstGeom prst="rect">
+            <a:avLst/>
+          </a:prstGeom>
+        </p:spPr>
+      </p:pic>
       <p:sp>
         <p:nvSpPr>
           <p:cNvPr id="2" name="スライド番号プレースホルダー 1">
@@ -5070,9 +5118,9 @@
         <p:grpSpPr>
           <a:xfrm>
             <a:off x="309305" y="862235"/>
-            <a:ext cx="11350858" cy="395586"/>
+            <a:ext cx="9042533" cy="395586"/>
             <a:chOff x="254945" y="903513"/>
-            <a:chExt cx="11350858" cy="395586"/>
+            <a:chExt cx="9042533" cy="395586"/>
           </a:xfrm>
         </p:grpSpPr>
         <p:sp>
@@ -5090,7 +5138,7 @@
           <p:spPr>
             <a:xfrm>
               <a:off x="620103" y="903513"/>
-              <a:ext cx="10985700" cy="369332"/>
+              <a:ext cx="8677375" cy="369332"/>
             </a:xfrm>
             <a:prstGeom prst="rect">
               <a:avLst/>
@@ -5117,8 +5165,21 @@
               </a:r>
               <a:r>
                 <a:rPr lang="ja-JP" altLang="en-US" dirty="0"/>
-                <a:t>」をドラッグ＆ドロップして追加してください</a:t>
-              </a:r>
+                <a:t>」</a:t>
+              </a:r>
+              <a:r>
+                <a:rPr lang="ja-JP" altLang="en-US" dirty="0" smtClean="0"/>
+                <a:t>を</a:t>
+              </a:r>
+              <a:r>
+                <a:rPr lang="ja-JP" altLang="en-US" dirty="0"/>
+                <a:t>追加</a:t>
+              </a:r>
+              <a:r>
+                <a:rPr lang="ja-JP" altLang="en-US" dirty="0" smtClean="0"/>
+                <a:t>してください</a:t>
+              </a:r>
+              <a:endParaRPr lang="ja-JP" altLang="en-US" dirty="0"/>
             </a:p>
           </p:txBody>
         </p:sp>
@@ -5221,36 +5282,6 @@
           </a:p>
         </p:txBody>
       </p:sp>
-      <p:pic>
-        <p:nvPicPr>
-          <p:cNvPr id="9" name="図 8">
-            <a:extLst>
-              <a:ext uri="{FF2B5EF4-FFF2-40B4-BE49-F238E27FC236}">
-                <a16:creationId xmlns:a16="http://schemas.microsoft.com/office/drawing/2014/main" id="{681BF2CE-5C45-46FF-8287-73D47ED6D7FF}"/>
-              </a:ext>
-            </a:extLst>
-          </p:cNvPr>
-          <p:cNvPicPr>
-            <a:picLocks noChangeAspect="1"/>
-          </p:cNvPicPr>
-          <p:nvPr/>
-        </p:nvPicPr>
-        <p:blipFill>
-          <a:blip r:embed="rId2"/>
-          <a:stretch>
-            <a:fillRect/>
-          </a:stretch>
-        </p:blipFill>
-        <p:spPr>
-          <a:xfrm>
-            <a:off x="674463" y="1550081"/>
-            <a:ext cx="6336552" cy="3341234"/>
-          </a:xfrm>
-          <a:prstGeom prst="rect">
-            <a:avLst/>
-          </a:prstGeom>
-        </p:spPr>
-      </p:pic>
       <p:sp>
         <p:nvSpPr>
           <p:cNvPr id="10" name="四角形: 角を丸くする 9">
@@ -5265,7 +5296,7 @@
         </p:nvSpPr>
         <p:spPr>
           <a:xfrm>
-            <a:off x="577379" y="3135993"/>
+            <a:off x="724803" y="3923393"/>
             <a:ext cx="1570735" cy="325664"/>
           </a:xfrm>
           <a:prstGeom prst="roundRect">
@@ -5319,9 +5350,9 @@
           <p:nvPr/>
         </p:nvCxnSpPr>
         <p:spPr>
-          <a:xfrm>
-            <a:off x="2148114" y="3298825"/>
-            <a:ext cx="4245429" cy="0"/>
+          <a:xfrm flipV="1">
+            <a:off x="2295538" y="3683000"/>
+            <a:ext cx="4257662" cy="403225"/>
           </a:xfrm>
           <a:prstGeom prst="straightConnector1">
             <a:avLst/>
@@ -5408,13 +5439,7 @@
       </p:sp>
       <p:pic>
         <p:nvPicPr>
-          <p:cNvPr id="6" name="図 5">
-            <a:extLst>
-              <a:ext uri="{FF2B5EF4-FFF2-40B4-BE49-F238E27FC236}">
-                <a16:creationId xmlns:a16="http://schemas.microsoft.com/office/drawing/2014/main" id="{7F60F0DC-EF7F-4388-A7C6-7A45887C3408}"/>
-              </a:ext>
-            </a:extLst>
-          </p:cNvPr>
+          <p:cNvPr id="14" name="図 13"/>
           <p:cNvPicPr>
             <a:picLocks noChangeAspect="1"/>
           </p:cNvPicPr>
@@ -5428,14 +5453,60 @@
         </p:blipFill>
         <p:spPr>
           <a:xfrm>
-            <a:off x="7180445" y="2824518"/>
-            <a:ext cx="4871484" cy="452275"/>
+            <a:off x="7664374" y="2828834"/>
+            <a:ext cx="4032479" cy="2042886"/>
           </a:xfrm>
           <a:prstGeom prst="rect">
             <a:avLst/>
           </a:prstGeom>
         </p:spPr>
       </p:pic>
+      <p:cxnSp>
+        <p:nvCxnSpPr>
+          <p:cNvPr id="16" name="直線コネクタ 15">
+            <a:extLst>
+              <a:ext uri="{FF2B5EF4-FFF2-40B4-BE49-F238E27FC236}">
+                <a16:creationId xmlns:a16="http://schemas.microsoft.com/office/drawing/2014/main" id="{6BCA8CB7-AFBC-4718-9E68-E6D33C5ABDDB}"/>
+              </a:ext>
+            </a:extLst>
+          </p:cNvPr>
+          <p:cNvCxnSpPr>
+            <a:cxnSpLocks/>
+            <a:endCxn id="14" idx="3"/>
+          </p:cNvCxnSpPr>
+          <p:nvPr/>
+        </p:nvCxnSpPr>
+        <p:spPr>
+          <a:xfrm flipV="1">
+            <a:off x="8610600" y="3850277"/>
+            <a:ext cx="3086253" cy="34335"/>
+          </a:xfrm>
+          <a:prstGeom prst="line">
+            <a:avLst/>
+          </a:prstGeom>
+          <a:ln w="28575">
+            <a:solidFill>
+              <a:srgbClr val="FF0000"/>
+            </a:solidFill>
+            <a:headEnd type="none" w="med" len="med"/>
+            <a:tailEnd type="none" w="med" len="med"/>
+          </a:ln>
+        </p:spPr>
+        <p:style>
+          <a:lnRef idx="1">
+            <a:schemeClr val="accent1"/>
+          </a:lnRef>
+          <a:fillRef idx="0">
+            <a:schemeClr val="accent1"/>
+          </a:fillRef>
+          <a:effectRef idx="0">
+            <a:schemeClr val="accent1"/>
+          </a:effectRef>
+          <a:fontRef idx="minor">
+            <a:schemeClr val="tx1"/>
+          </a:fontRef>
+        </p:style>
+      </p:cxnSp>
     </p:spTree>
     <p:extLst>
       <p:ext uri="{BB962C8B-B14F-4D97-AF65-F5344CB8AC3E}">
@@ -5560,7 +5631,7 @@
         <p:spPr>
           <a:xfrm>
             <a:off x="566226" y="667061"/>
-            <a:ext cx="7705956" cy="1015663"/>
+            <a:ext cx="8648521" cy="1015663"/>
           </a:xfrm>
           <a:prstGeom prst="rect">
             <a:avLst/>
@@ -5574,40 +5645,52 @@
           <a:lstStyle/>
           <a:p>
             <a:r>
-              <a:rPr lang="ja-JP" altLang="en-US" sz="2000" b="1" dirty="0"/>
+              <a:rPr lang="ja-JP" altLang="en-US" sz="2000" dirty="0"/>
               <a:t>ここで</a:t>
             </a:r>
             <a:r>
-              <a:rPr lang="en-US" altLang="ja-JP" sz="2000" b="1" dirty="0"/>
+              <a:rPr lang="en-US" altLang="ja-JP" sz="2000" dirty="0"/>
               <a:t>connector</a:t>
             </a:r>
             <a:r>
-              <a:rPr lang="ja-JP" altLang="en-US" sz="2000" b="1" dirty="0"/>
-              <a:t>でやり取りする値を受け取る方法を解説します</a:t>
-            </a:r>
-            <a:endParaRPr lang="en-US" altLang="ja-JP" sz="2000" b="1" dirty="0"/>
-          </a:p>
-          <a:p>
-            <a:r>
-              <a:rPr lang="ja-JP" altLang="en-US" sz="2000" b="1" dirty="0"/>
+              <a:rPr lang="ja-JP" altLang="en-US" sz="2000" dirty="0" smtClean="0"/>
+              <a:t>で受け渡しする</a:t>
+            </a:r>
+            <a:r>
+              <a:rPr lang="ja-JP" altLang="en-US" sz="2000" dirty="0"/>
+              <a:t>値を受け取る方法を解説</a:t>
+            </a:r>
+            <a:r>
+              <a:rPr lang="ja-JP" altLang="en-US" sz="2000" dirty="0" smtClean="0"/>
+              <a:t>します。</a:t>
+            </a:r>
+            <a:endParaRPr lang="en-US" altLang="ja-JP" sz="2000" dirty="0"/>
+          </a:p>
+          <a:p>
+            <a:r>
+              <a:rPr lang="ja-JP" altLang="en-US" sz="2000" dirty="0"/>
               <a:t>インスタンス化された</a:t>
             </a:r>
             <a:r>
-              <a:rPr lang="en-US" altLang="ja-JP" sz="2000" b="1" dirty="0"/>
+              <a:rPr lang="en-US" altLang="ja-JP" sz="2000" dirty="0"/>
               <a:t>connector</a:t>
             </a:r>
             <a:r>
-              <a:rPr lang="ja-JP" altLang="en-US" sz="2000" b="1" dirty="0"/>
+              <a:rPr lang="ja-JP" altLang="en-US" sz="2000" dirty="0"/>
               <a:t>の変数と、</a:t>
             </a:r>
-            <a:endParaRPr lang="en-US" altLang="ja-JP" sz="2000" b="1" dirty="0"/>
-          </a:p>
-          <a:p>
-            <a:r>
-              <a:rPr lang="ja-JP" altLang="en-US" sz="2000" b="1" dirty="0"/>
-              <a:t>宣言したパラメータや変数を等式で結びつけることで値を受け渡します</a:t>
-            </a:r>
-            <a:endParaRPr kumimoji="1" lang="ja-JP" altLang="en-US" sz="2000" b="1" dirty="0"/>
+            <a:endParaRPr lang="en-US" altLang="ja-JP" sz="2000" dirty="0"/>
+          </a:p>
+          <a:p>
+            <a:r>
+              <a:rPr lang="ja-JP" altLang="en-US" sz="2000" dirty="0"/>
+              <a:t>宣言したパラメータや変数を等式で結びつけることで値を</a:t>
+            </a:r>
+            <a:r>
+              <a:rPr lang="ja-JP" altLang="en-US" sz="2000" dirty="0" smtClean="0"/>
+              <a:t>受け渡します。</a:t>
+            </a:r>
+            <a:endParaRPr kumimoji="1" lang="ja-JP" altLang="en-US" sz="2000" dirty="0"/>
           </a:p>
         </p:txBody>
       </p:sp>
@@ -5626,9 +5709,9 @@
         <p:grpSpPr>
           <a:xfrm>
             <a:off x="7554589" y="2224017"/>
-            <a:ext cx="4436771" cy="2075769"/>
+            <a:ext cx="4468187" cy="2075769"/>
             <a:chOff x="1855171" y="1779732"/>
-            <a:chExt cx="5744583" cy="3015713"/>
+            <a:chExt cx="5785259" cy="3015713"/>
           </a:xfrm>
         </p:grpSpPr>
         <p:sp>
@@ -5707,7 +5790,7 @@
           <p:spPr>
             <a:xfrm>
               <a:off x="2629722" y="2871619"/>
-              <a:ext cx="4668247" cy="536572"/>
+              <a:ext cx="5010708" cy="536572"/>
             </a:xfrm>
             <a:prstGeom prst="rect">
               <a:avLst/>
@@ -5724,6 +5807,16 @@
             <a:lstStyle/>
             <a:p>
               <a:r>
+                <a:rPr kumimoji="1" lang="ja-JP" altLang="en-US" dirty="0" smtClean="0">
+                  <a:solidFill>
+                    <a:schemeClr val="accent1">
+                      <a:lumMod val="75000"/>
+                    </a:schemeClr>
+                  </a:solidFill>
+                </a:rPr>
+                <a:t>受け渡ししたい</a:t>
+              </a:r>
+              <a:r>
                 <a:rPr kumimoji="1" lang="ja-JP" altLang="en-US" dirty="0">
                   <a:solidFill>
                     <a:schemeClr val="accent1">
@@ -5731,7 +5824,7 @@
                     </a:schemeClr>
                   </a:solidFill>
                 </a:rPr>
-                <a:t>やり取りしたい変数の型</a:t>
+                <a:t>変数の型</a:t>
               </a:r>
               <a:r>
                 <a:rPr lang="ja-JP" altLang="en-US" dirty="0">
@@ -5741,17 +5834,27 @@
                     </a:schemeClr>
                   </a:solidFill>
                 </a:rPr>
-                <a:t>␣変数名</a:t>
-              </a:r>
-              <a:r>
-                <a:rPr lang="en-US" altLang="ja-JP" dirty="0">
+                <a:t>␣変</a:t>
+              </a:r>
+              <a:r>
+                <a:rPr lang="ja-JP" altLang="en-US" dirty="0" smtClean="0">
                   <a:solidFill>
                     <a:schemeClr val="accent1">
                       <a:lumMod val="75000"/>
                     </a:schemeClr>
                   </a:solidFill>
                 </a:rPr>
-                <a:t>2;</a:t>
+                <a:t>数名</a:t>
+              </a:r>
+              <a:r>
+                <a:rPr lang="en-US" altLang="ja-JP" dirty="0" smtClean="0">
+                  <a:solidFill>
+                    <a:schemeClr val="accent1">
+                      <a:lumMod val="75000"/>
+                    </a:schemeClr>
+                  </a:solidFill>
+                </a:rPr>
+                <a:t>B;</a:t>
               </a:r>
               <a:endParaRPr kumimoji="1" lang="ja-JP" altLang="en-US" dirty="0">
                 <a:solidFill>
@@ -6051,7 +6154,7 @@
           <p:spPr>
             <a:xfrm>
               <a:off x="1346908" y="2511535"/>
-              <a:ext cx="2906565" cy="461665"/>
+              <a:ext cx="2935419" cy="461665"/>
             </a:xfrm>
             <a:prstGeom prst="rect">
               <a:avLst/>
@@ -6070,11 +6173,15 @@
               </a:r>
               <a:r>
                 <a:rPr kumimoji="1" lang="ja-JP" altLang="en-US" sz="2400" dirty="0"/>
-                <a:t>␣変数名</a:t>
-              </a:r>
-              <a:r>
-                <a:rPr kumimoji="1" lang="en-US" altLang="ja-JP" sz="2400" dirty="0"/>
-                <a:t>1;</a:t>
+                <a:t>␣変</a:t>
+              </a:r>
+              <a:r>
+                <a:rPr kumimoji="1" lang="ja-JP" altLang="en-US" sz="2400" dirty="0" smtClean="0"/>
+                <a:t>数名</a:t>
+              </a:r>
+              <a:r>
+                <a:rPr kumimoji="1" lang="en-US" altLang="ja-JP" sz="2400" dirty="0" smtClean="0"/>
+                <a:t>A;</a:t>
               </a:r>
               <a:endParaRPr kumimoji="1" lang="ja-JP" altLang="en-US" sz="2400" dirty="0"/>
             </a:p>
@@ -6277,7 +6384,7 @@
           <p:spPr>
             <a:xfrm>
               <a:off x="1343668" y="3970116"/>
-              <a:ext cx="4831772" cy="461665"/>
+              <a:ext cx="4897495" cy="461665"/>
             </a:xfrm>
             <a:prstGeom prst="rect">
               <a:avLst/>
@@ -6300,19 +6407,27 @@
               </a:r>
               <a:r>
                 <a:rPr kumimoji="1" lang="ja-JP" altLang="en-US" sz="2400" dirty="0"/>
-                <a:t>変数名</a:t>
-              </a:r>
-              <a:r>
-                <a:rPr kumimoji="1" lang="en-US" altLang="ja-JP" sz="2400" dirty="0"/>
-                <a:t>2=</a:t>
+                <a:t>変</a:t>
+              </a:r>
+              <a:r>
+                <a:rPr kumimoji="1" lang="ja-JP" altLang="en-US" sz="2400" dirty="0" smtClean="0"/>
+                <a:t>数名</a:t>
+              </a:r>
+              <a:r>
+                <a:rPr kumimoji="1" lang="en-US" altLang="ja-JP" sz="2400" dirty="0" smtClean="0"/>
+                <a:t>B=</a:t>
               </a:r>
               <a:r>
                 <a:rPr kumimoji="1" lang="ja-JP" altLang="en-US" sz="2400" dirty="0"/>
-                <a:t>変数名</a:t>
-              </a:r>
-              <a:r>
-                <a:rPr kumimoji="1" lang="en-US" altLang="ja-JP" sz="2400" dirty="0"/>
-                <a:t>1</a:t>
+                <a:t>変</a:t>
+              </a:r>
+              <a:r>
+                <a:rPr kumimoji="1" lang="ja-JP" altLang="en-US" sz="2400" dirty="0" smtClean="0"/>
+                <a:t>数名</a:t>
+              </a:r>
+              <a:r>
+                <a:rPr kumimoji="1" lang="en-US" altLang="ja-JP" sz="2400" dirty="0" smtClean="0"/>
+                <a:t>A</a:t>
               </a:r>
               <a:endParaRPr kumimoji="1" lang="ja-JP" altLang="en-US" sz="2400" dirty="0"/>
             </a:p>
@@ -7115,13 +7230,7 @@
       </p:grpSpPr>
       <p:pic>
         <p:nvPicPr>
-          <p:cNvPr id="14" name="図 13">
-            <a:extLst>
-              <a:ext uri="{FF2B5EF4-FFF2-40B4-BE49-F238E27FC236}">
-                <a16:creationId xmlns:a16="http://schemas.microsoft.com/office/drawing/2014/main" id="{AED85F0F-9885-4132-AF71-752499B4C271}"/>
-              </a:ext>
-            </a:extLst>
-          </p:cNvPr>
+          <p:cNvPr id="7" name="図 6"/>
           <p:cNvPicPr>
             <a:picLocks noChangeAspect="1"/>
           </p:cNvPicPr>
@@ -7135,8 +7244,8 @@
         </p:blipFill>
         <p:spPr>
           <a:xfrm>
-            <a:off x="2860210" y="1537380"/>
-            <a:ext cx="4992844" cy="1118904"/>
+            <a:off x="2455767" y="1507112"/>
+            <a:ext cx="5011833" cy="1611760"/>
           </a:xfrm>
           <a:prstGeom prst="rect">
             <a:avLst/>
@@ -7324,8 +7433,13 @@
               </a:r>
               <a:r>
                 <a:rPr lang="ja-JP" altLang="en-US" dirty="0"/>
-                <a:t>セクションに記述します</a:t>
-              </a:r>
+                <a:t>セクションに記述</a:t>
+              </a:r>
+              <a:r>
+                <a:rPr lang="ja-JP" altLang="en-US" dirty="0" smtClean="0"/>
+                <a:t>します。</a:t>
+              </a:r>
+              <a:endParaRPr lang="ja-JP" altLang="en-US" dirty="0"/>
             </a:p>
           </p:txBody>
         </p:sp>
@@ -7381,8 +7495,8 @@
         </p:nvCxnSpPr>
         <p:spPr>
           <a:xfrm>
-            <a:off x="3434457" y="2628237"/>
-            <a:ext cx="2863986" cy="0"/>
+            <a:off x="3160137" y="2821621"/>
+            <a:ext cx="2077343" cy="0"/>
           </a:xfrm>
           <a:prstGeom prst="line">
             <a:avLst/>
@@ -7424,7 +7538,7 @@
         </p:nvSpPr>
         <p:spPr>
           <a:xfrm>
-            <a:off x="870052" y="3012123"/>
+            <a:off x="870052" y="3337243"/>
             <a:ext cx="8468985" cy="400110"/>
           </a:xfrm>
           <a:prstGeom prst="rect">
@@ -7452,8 +7566,13 @@
             </a:r>
             <a:r>
               <a:rPr kumimoji="1" lang="ja-JP" altLang="en-US" sz="2000" dirty="0"/>
-              <a:t>によって他のブロックへ受け渡せるようになります</a:t>
-            </a:r>
+              <a:t>によって他のブロックへ受け渡せるように</a:t>
+            </a:r>
+            <a:r>
+              <a:rPr kumimoji="1" lang="ja-JP" altLang="en-US" sz="2000" dirty="0" smtClean="0"/>
+              <a:t>なります。</a:t>
+            </a:r>
+            <a:endParaRPr kumimoji="1" lang="ja-JP" altLang="en-US" sz="2000" dirty="0"/>
           </a:p>
         </p:txBody>
       </p:sp>
@@ -7471,7 +7590,7 @@
         </p:nvGrpSpPr>
         <p:grpSpPr>
           <a:xfrm>
-            <a:off x="1869532" y="3650719"/>
+            <a:off x="1869532" y="3975839"/>
             <a:ext cx="7828491" cy="2190687"/>
             <a:chOff x="2592564" y="4048147"/>
             <a:chExt cx="5744585" cy="1607536"/>
@@ -7997,7 +8116,7 @@
         </p:nvSpPr>
         <p:spPr>
           <a:xfrm>
-            <a:off x="5067160" y="3868839"/>
+            <a:off x="5067160" y="4193959"/>
             <a:ext cx="756938" cy="461665"/>
           </a:xfrm>
           <a:prstGeom prst="rect">
@@ -8037,7 +8156,7 @@
         </p:nvSpPr>
         <p:spPr>
           <a:xfrm>
-            <a:off x="4437524" y="5887761"/>
+            <a:off x="4537425" y="6338857"/>
             <a:ext cx="3518912" cy="400110"/>
           </a:xfrm>
           <a:prstGeom prst="rect">
@@ -8055,6 +8174,50 @@
               <a:rPr kumimoji="1" lang="ja-JP" altLang="en-US" sz="2000" u="sng" dirty="0"/>
               <a:t>コネクターの役割のイメージ</a:t>
             </a:r>
+          </a:p>
+        </p:txBody>
+      </p:sp>
+      <p:sp>
+        <p:nvSpPr>
+          <p:cNvPr id="27" name="テキスト ボックス 26">
+            <a:extLst>
+              <a:ext uri="{FF2B5EF4-FFF2-40B4-BE49-F238E27FC236}">
+                <a16:creationId xmlns:a16="http://schemas.microsoft.com/office/drawing/2014/main" id="{C87A0267-25A0-46EF-9D1D-489D1A842FAC}"/>
+              </a:ext>
+            </a:extLst>
+          </p:cNvPr>
+          <p:cNvSpPr txBox="1"/>
+          <p:nvPr/>
+        </p:nvSpPr>
+        <p:spPr>
+          <a:xfrm>
+            <a:off x="7314886" y="5899111"/>
+            <a:ext cx="3139001" cy="400110"/>
+          </a:xfrm>
+          <a:prstGeom prst="rect">
+            <a:avLst/>
+          </a:prstGeom>
+          <a:noFill/>
+        </p:spPr>
+        <p:txBody>
+          <a:bodyPr wrap="none" rtlCol="0">
+            <a:spAutoFit/>
+          </a:bodyPr>
+          <a:lstStyle/>
+          <a:p>
+            <a:r>
+              <a:rPr lang="en-US" altLang="ja-JP" sz="2000" dirty="0" err="1"/>
+              <a:t>p</a:t>
+            </a:r>
+            <a:r>
+              <a:rPr kumimoji="1" lang="en-US" altLang="ja-JP" sz="2000" dirty="0" err="1" smtClean="0"/>
+              <a:t>ort.var</a:t>
+            </a:r>
+            <a:r>
+              <a:rPr kumimoji="1" lang="ja-JP" altLang="en-US" sz="2000" dirty="0" smtClean="0"/>
+              <a:t>の値を参照できる</a:t>
+            </a:r>
+            <a:endParaRPr kumimoji="1" lang="ja-JP" altLang="en-US" sz="2000" dirty="0"/>
           </a:p>
         </p:txBody>
       </p:sp>
@@ -8088,35 +8251,6 @@
           <a:chExt cx="0" cy="0"/>
         </a:xfrm>
       </p:grpSpPr>
-      <p:pic>
-        <p:nvPicPr>
-          <p:cNvPr id="15" name="図 14">
-            <a:extLst>
-              <a:ext uri="{FF2B5EF4-FFF2-40B4-BE49-F238E27FC236}">
-                <a16:creationId xmlns:a16="http://schemas.microsoft.com/office/drawing/2014/main" id="{D9AC1260-61D3-4D50-98A7-FDD3A4735277}"/>
-              </a:ext>
-            </a:extLst>
-          </p:cNvPr>
-          <p:cNvPicPr>
-            <a:picLocks noChangeAspect="1"/>
-          </p:cNvPicPr>
-          <p:nvPr/>
-        </p:nvPicPr>
-        <p:blipFill rotWithShape="1">
-          <a:blip r:embed="rId2"/>
-          <a:srcRect t="1612"/>
-          <a:stretch/>
-        </p:blipFill>
-        <p:spPr>
-          <a:xfrm>
-            <a:off x="1677072" y="1386563"/>
-            <a:ext cx="4610100" cy="4929408"/>
-          </a:xfrm>
-          <a:prstGeom prst="rect">
-            <a:avLst/>
-          </a:prstGeom>
-        </p:spPr>
-      </p:pic>
       <p:sp>
         <p:nvSpPr>
           <p:cNvPr id="2" name="スライド番号プレースホルダー 1">
@@ -8267,8 +8401,13 @@
               </a:r>
               <a:r>
                 <a:rPr lang="ja-JP" altLang="en-US" dirty="0"/>
-                <a:t>」の完成です。</a:t>
-              </a:r>
+                <a:t>」の完成です</a:t>
+              </a:r>
+              <a:r>
+                <a:rPr lang="ja-JP" altLang="en-US" dirty="0" smtClean="0"/>
+                <a:t>。</a:t>
+              </a:r>
+              <a:endParaRPr lang="en-US" altLang="ja-JP" dirty="0" smtClean="0"/>
             </a:p>
           </p:txBody>
         </p:sp>
@@ -8309,9 +8448,33 @@
           </p:txBody>
         </p:sp>
       </p:grpSp>
+      <p:pic>
+        <p:nvPicPr>
+          <p:cNvPr id="7" name="図 6"/>
+          <p:cNvPicPr>
+            <a:picLocks noChangeAspect="1"/>
+          </p:cNvPicPr>
+          <p:nvPr/>
+        </p:nvPicPr>
+        <p:blipFill>
+          <a:blip r:embed="rId2"/>
+          <a:stretch>
+            <a:fillRect/>
+          </a:stretch>
+        </p:blipFill>
+        <p:spPr>
+          <a:xfrm>
+            <a:off x="3563510" y="1300203"/>
+            <a:ext cx="4503529" cy="4899293"/>
+          </a:xfrm>
+          <a:prstGeom prst="rect">
+            <a:avLst/>
+          </a:prstGeom>
+        </p:spPr>
+      </p:pic>
       <p:sp>
         <p:nvSpPr>
-          <p:cNvPr id="33" name="四角形: 角を丸くする 32">
+          <p:cNvPr id="13" name="四角形: 角を丸くする 32">
             <a:extLst>
               <a:ext uri="{FF2B5EF4-FFF2-40B4-BE49-F238E27FC236}">
                 <a16:creationId xmlns:a16="http://schemas.microsoft.com/office/drawing/2014/main" id="{EF6A1E97-4669-4AD8-BD08-6A31DF3E8B20}"/>
@@ -8323,8 +8486,8 @@
         </p:nvSpPr>
         <p:spPr>
           <a:xfrm>
-            <a:off x="3175437" y="1386563"/>
-            <a:ext cx="750678" cy="768808"/>
+            <a:off x="4715222" y="1323960"/>
+            <a:ext cx="587028" cy="605170"/>
           </a:xfrm>
           <a:prstGeom prst="roundRect">
             <a:avLst/>
@@ -8363,7 +8526,7 @@
       </p:sp>
       <p:cxnSp>
         <p:nvCxnSpPr>
-          <p:cNvPr id="36" name="直線矢印コネクタ 35">
+          <p:cNvPr id="14" name="直線矢印コネクタ 13">
             <a:extLst>
               <a:ext uri="{FF2B5EF4-FFF2-40B4-BE49-F238E27FC236}">
                 <a16:creationId xmlns:a16="http://schemas.microsoft.com/office/drawing/2014/main" id="{707C37A2-E232-4276-8473-0C03D06CFA4D}"/>
@@ -8372,14 +8535,14 @@
           </p:cNvPr>
           <p:cNvCxnSpPr>
             <a:cxnSpLocks/>
-            <a:stCxn id="33" idx="2"/>
+            <a:stCxn id="13" idx="2"/>
           </p:cNvCxnSpPr>
           <p:nvPr/>
         </p:nvCxnSpPr>
         <p:spPr>
           <a:xfrm>
-            <a:off x="3550776" y="2155371"/>
-            <a:ext cx="206928" cy="944507"/>
+            <a:off x="5008736" y="1929130"/>
+            <a:ext cx="206928" cy="1026326"/>
           </a:xfrm>
           <a:prstGeom prst="straightConnector1">
             <a:avLst/>
@@ -8409,7 +8572,7 @@
       </p:cxnSp>
       <p:sp>
         <p:nvSpPr>
-          <p:cNvPr id="37" name="四角形: 角を丸くする 36">
+          <p:cNvPr id="16" name="四角形: 角を丸くする 36">
             <a:extLst>
               <a:ext uri="{FF2B5EF4-FFF2-40B4-BE49-F238E27FC236}">
                 <a16:creationId xmlns:a16="http://schemas.microsoft.com/office/drawing/2014/main" id="{0A5A85A7-CBD5-453D-A691-3D3DA9B342CA}"/>
@@ -8421,8 +8584,8 @@
         </p:nvSpPr>
         <p:spPr>
           <a:xfrm>
-            <a:off x="4647099" y="1415594"/>
-            <a:ext cx="750678" cy="768808"/>
+            <a:off x="5718356" y="1300203"/>
+            <a:ext cx="563064" cy="556537"/>
           </a:xfrm>
           <a:prstGeom prst="roundRect">
             <a:avLst/>
@@ -8461,7 +8624,7 @@
       </p:sp>
       <p:cxnSp>
         <p:nvCxnSpPr>
-          <p:cNvPr id="38" name="直線矢印コネクタ 37">
+          <p:cNvPr id="17" name="直線矢印コネクタ 16">
             <a:extLst>
               <a:ext uri="{FF2B5EF4-FFF2-40B4-BE49-F238E27FC236}">
                 <a16:creationId xmlns:a16="http://schemas.microsoft.com/office/drawing/2014/main" id="{44BD6392-6100-41B9-8A79-5B17B5AA2482}"/>
@@ -8470,14 +8633,14 @@
           </p:cNvPr>
           <p:cNvCxnSpPr>
             <a:cxnSpLocks/>
-            <a:stCxn id="37" idx="2"/>
+            <a:stCxn id="16" idx="2"/>
           </p:cNvCxnSpPr>
           <p:nvPr/>
         </p:nvCxnSpPr>
         <p:spPr>
           <a:xfrm flipH="1">
-            <a:off x="4265407" y="2184402"/>
-            <a:ext cx="757031" cy="2236991"/>
+            <a:off x="5759414" y="1856740"/>
+            <a:ext cx="240474" cy="2358390"/>
           </a:xfrm>
           <a:prstGeom prst="straightConnector1">
             <a:avLst/>
@@ -8505,6 +8668,54 @@
           </a:fontRef>
         </p:style>
       </p:cxnSp>
+      <p:sp>
+        <p:nvSpPr>
+          <p:cNvPr id="12" name="正方形/長方形 11"/>
+          <p:cNvSpPr/>
+          <p:nvPr/>
+        </p:nvSpPr>
+        <p:spPr>
+          <a:xfrm>
+            <a:off x="933572" y="6199496"/>
+            <a:ext cx="9734428" cy="646331"/>
+          </a:xfrm>
+          <a:prstGeom prst="rect">
+            <a:avLst/>
+          </a:prstGeom>
+        </p:spPr>
+        <p:txBody>
+          <a:bodyPr wrap="square">
+            <a:spAutoFit/>
+          </a:bodyPr>
+          <a:lstStyle/>
+          <a:p>
+            <a:r>
+              <a:rPr lang="ja-JP" altLang="en-US" dirty="0"/>
+              <a:t>チェックしてモデルに問題が無いか確認することをお勧めします</a:t>
+            </a:r>
+            <a:r>
+              <a:rPr lang="ja-JP" altLang="en-US" dirty="0" smtClean="0"/>
+              <a:t>。</a:t>
+            </a:r>
+            <a:endParaRPr lang="en-US" altLang="ja-JP" dirty="0" smtClean="0"/>
+          </a:p>
+          <a:p>
+            <a:r>
+              <a:rPr lang="ja-JP" altLang="en-US" dirty="0" smtClean="0"/>
+              <a:t>今後</a:t>
+            </a:r>
+            <a:r>
+              <a:rPr lang="ja-JP" altLang="en-US" dirty="0"/>
+              <a:t>作成するモデルについても</a:t>
+            </a:r>
+            <a:r>
+              <a:rPr lang="ja-JP" altLang="en-US" dirty="0" smtClean="0"/>
+              <a:t>同様にチェックすることでデバッグが楽になります。</a:t>
+            </a:r>
+            <a:endParaRPr lang="ja-JP" altLang="en-US" dirty="0"/>
+          </a:p>
+        </p:txBody>
+      </p:sp>
     </p:spTree>
     <p:extLst>
       <p:ext uri="{BB962C8B-B14F-4D97-AF65-F5344CB8AC3E}">
@@ -8535,6 +8746,30 @@
           <a:chExt cx="0" cy="0"/>
         </a:xfrm>
       </p:grpSpPr>
+      <p:pic>
+        <p:nvPicPr>
+          <p:cNvPr id="4" name="図 3"/>
+          <p:cNvPicPr>
+            <a:picLocks noChangeAspect="1"/>
+          </p:cNvPicPr>
+          <p:nvPr/>
+        </p:nvPicPr>
+        <p:blipFill>
+          <a:blip r:embed="rId2"/>
+          <a:stretch>
+            <a:fillRect/>
+          </a:stretch>
+        </p:blipFill>
+        <p:spPr>
+          <a:xfrm>
+            <a:off x="6065519" y="4010034"/>
+            <a:ext cx="5919573" cy="2466489"/>
+          </a:xfrm>
+          <a:prstGeom prst="rect">
+            <a:avLst/>
+          </a:prstGeom>
+        </p:spPr>
+      </p:pic>
       <p:sp>
         <p:nvSpPr>
           <p:cNvPr id="2" name="スライド番号プレースホルダー 1">
@@ -9088,10 +9323,10 @@
           <a:lstStyle/>
           <a:p>
             <a:r>
-              <a:rPr lang="ja-JP" altLang="en-US" sz="2000" b="1" dirty="0"/>
+              <a:rPr lang="ja-JP" altLang="en-US" sz="2000" dirty="0"/>
               <a:t>これまでと同様に、表を参考にモデルを作成します</a:t>
             </a:r>
-            <a:endParaRPr kumimoji="1" lang="ja-JP" altLang="en-US" sz="2000" b="1" dirty="0"/>
+            <a:endParaRPr kumimoji="1" lang="ja-JP" altLang="en-US" sz="2000" dirty="0"/>
           </a:p>
         </p:txBody>
       </p:sp>
@@ -9109,7 +9344,7 @@
         </p:nvGrpSpPr>
         <p:grpSpPr>
           <a:xfrm>
-            <a:off x="1117900" y="2836745"/>
+            <a:off x="401620" y="2633545"/>
             <a:ext cx="6208424" cy="395586"/>
             <a:chOff x="254945" y="903513"/>
             <a:chExt cx="6208424" cy="395586"/>
@@ -9208,7 +9443,7 @@
         </p:nvGrpSpPr>
         <p:grpSpPr>
           <a:xfrm>
-            <a:off x="1117900" y="3817648"/>
+            <a:off x="401620" y="3614448"/>
             <a:ext cx="5525545" cy="395586"/>
             <a:chOff x="254945" y="903513"/>
             <a:chExt cx="5525545" cy="395586"/>
@@ -9307,7 +9542,7 @@
         </p:nvGrpSpPr>
         <p:grpSpPr>
           <a:xfrm>
-            <a:off x="1117900" y="4949762"/>
+            <a:off x="401620" y="4746562"/>
             <a:ext cx="4839460" cy="646331"/>
             <a:chOff x="254945" y="903513"/>
             <a:chExt cx="4839460" cy="646331"/>
@@ -9422,9 +9657,9 @@
           <p:nvPr/>
         </p:nvCxnSpPr>
         <p:spPr>
-          <a:xfrm flipV="1">
-            <a:off x="5964572" y="5160682"/>
-            <a:ext cx="2279316" cy="112245"/>
+          <a:xfrm>
+            <a:off x="4734560" y="5241366"/>
+            <a:ext cx="3408680" cy="1912"/>
           </a:xfrm>
           <a:prstGeom prst="straightConnector1">
             <a:avLst/>
@@ -9452,35 +9687,6 @@
           </a:fontRef>
         </p:style>
       </p:cxnSp>
-      <p:pic>
-        <p:nvPicPr>
-          <p:cNvPr id="11" name="図 10">
-            <a:extLst>
-              <a:ext uri="{FF2B5EF4-FFF2-40B4-BE49-F238E27FC236}">
-                <a16:creationId xmlns:a16="http://schemas.microsoft.com/office/drawing/2014/main" id="{38D6EB68-9043-44DF-BA14-0E13EC75928D}"/>
-              </a:ext>
-            </a:extLst>
-          </p:cNvPr>
-          <p:cNvPicPr>
-            <a:picLocks noChangeAspect="1"/>
-          </p:cNvPicPr>
-          <p:nvPr/>
-        </p:nvPicPr>
-        <p:blipFill rotWithShape="1">
-          <a:blip r:embed="rId2"/>
-          <a:srcRect l="929"/>
-          <a:stretch/>
-        </p:blipFill>
-        <p:spPr>
-          <a:xfrm>
-            <a:off x="8277225" y="4308194"/>
-            <a:ext cx="3557588" cy="1704975"/>
-          </a:xfrm>
-          <a:prstGeom prst="rect">
-            <a:avLst/>
-          </a:prstGeom>
-        </p:spPr>
-      </p:pic>
     </p:spTree>
     <p:extLst>
       <p:ext uri="{BB962C8B-B14F-4D97-AF65-F5344CB8AC3E}">
@@ -9511,35 +9717,6 @@
           <a:chExt cx="0" cy="0"/>
         </a:xfrm>
       </p:grpSpPr>
-      <p:pic>
-        <p:nvPicPr>
-          <p:cNvPr id="5" name="図 4">
-            <a:extLst>
-              <a:ext uri="{FF2B5EF4-FFF2-40B4-BE49-F238E27FC236}">
-                <a16:creationId xmlns:a16="http://schemas.microsoft.com/office/drawing/2014/main" id="{04C6A81B-0713-48F9-9C4B-08A661DA47A3}"/>
-              </a:ext>
-            </a:extLst>
-          </p:cNvPr>
-          <p:cNvPicPr>
-            <a:picLocks noChangeAspect="1"/>
-          </p:cNvPicPr>
-          <p:nvPr/>
-        </p:nvPicPr>
-        <p:blipFill rotWithShape="1">
-          <a:blip r:embed="rId2"/>
-          <a:srcRect l="571"/>
-          <a:stretch/>
-        </p:blipFill>
-        <p:spPr>
-          <a:xfrm>
-            <a:off x="2473171" y="5233342"/>
-            <a:ext cx="6358376" cy="1537229"/>
-          </a:xfrm>
-          <a:prstGeom prst="rect">
-            <a:avLst/>
-          </a:prstGeom>
-        </p:spPr>
-      </p:pic>
       <p:sp>
         <p:nvSpPr>
           <p:cNvPr id="2" name="スライド番号プレースホルダー 1">
@@ -9745,152 +9922,161 @@
       </p:grpSp>
       <p:grpSp>
         <p:nvGrpSpPr>
-          <p:cNvPr id="6" name="グループ化 5">
-            <a:extLst>
-              <a:ext uri="{FF2B5EF4-FFF2-40B4-BE49-F238E27FC236}">
-                <a16:creationId xmlns:a16="http://schemas.microsoft.com/office/drawing/2014/main" id="{AB369DB9-228A-455A-82B0-4563C12C32EC}"/>
-              </a:ext>
-            </a:extLst>
-          </p:cNvPr>
+          <p:cNvPr id="11" name="グループ化 10"/>
           <p:cNvGrpSpPr/>
           <p:nvPr/>
         </p:nvGrpSpPr>
         <p:grpSpPr>
           <a:xfrm>
-            <a:off x="2837610" y="1211569"/>
-            <a:ext cx="6145002" cy="3439308"/>
-            <a:chOff x="371912" y="1426741"/>
-            <a:chExt cx="7419975" cy="4152900"/>
+            <a:off x="2564611" y="1127343"/>
+            <a:ext cx="5299230" cy="3003502"/>
+            <a:chOff x="2473170" y="1127343"/>
+            <a:chExt cx="6310149" cy="3576472"/>
           </a:xfrm>
         </p:grpSpPr>
         <p:pic>
           <p:nvPicPr>
-            <p:cNvPr id="4" name="図 3">
-              <a:extLst>
-                <a:ext uri="{FF2B5EF4-FFF2-40B4-BE49-F238E27FC236}">
-                  <a16:creationId xmlns:a16="http://schemas.microsoft.com/office/drawing/2014/main" id="{E3A086B2-835E-40B2-9589-ECCFEA2619F6}"/>
-                </a:ext>
-              </a:extLst>
-            </p:cNvPr>
+            <p:cNvPr id="8" name="図 7"/>
             <p:cNvPicPr>
               <a:picLocks noChangeAspect="1"/>
             </p:cNvPicPr>
             <p:nvPr/>
           </p:nvPicPr>
           <p:blipFill>
-            <a:blip r:embed="rId3"/>
+            <a:blip r:embed="rId2"/>
             <a:stretch>
               <a:fillRect/>
             </a:stretch>
           </p:blipFill>
           <p:spPr>
             <a:xfrm>
-              <a:off x="371912" y="1426741"/>
-              <a:ext cx="7419975" cy="4152900"/>
+              <a:off x="2473170" y="1127343"/>
+              <a:ext cx="6310149" cy="3576472"/>
             </a:xfrm>
             <a:prstGeom prst="rect">
               <a:avLst/>
             </a:prstGeom>
           </p:spPr>
         </p:pic>
-        <p:sp>
-          <p:nvSpPr>
-            <p:cNvPr id="21" name="四角形: 角を丸くする 20">
+        <p:grpSp>
+          <p:nvGrpSpPr>
+            <p:cNvPr id="6" name="グループ化 5">
               <a:extLst>
                 <a:ext uri="{FF2B5EF4-FFF2-40B4-BE49-F238E27FC236}">
-                  <a16:creationId xmlns:a16="http://schemas.microsoft.com/office/drawing/2014/main" id="{917843DF-E6BA-4260-8A03-D11296BE0294}"/>
+                  <a16:creationId xmlns:a16="http://schemas.microsoft.com/office/drawing/2014/main" id="{AB369DB9-228A-455A-82B0-4563C12C32EC}"/>
                 </a:ext>
               </a:extLst>
             </p:cNvPr>
-            <p:cNvSpPr/>
+            <p:cNvGrpSpPr/>
             <p:nvPr/>
-          </p:nvSpPr>
-          <p:spPr>
+          </p:nvGrpSpPr>
+          <p:grpSpPr>
             <a:xfrm>
-              <a:off x="432237" y="3383901"/>
-              <a:ext cx="1570735" cy="325664"/>
+              <a:off x="2608169" y="3286759"/>
+              <a:ext cx="2659791" cy="624144"/>
+              <a:chOff x="432237" y="2955922"/>
+              <a:chExt cx="3211648" cy="753643"/>
             </a:xfrm>
-            <a:prstGeom prst="roundRect">
-              <a:avLst/>
-            </a:prstGeom>
-            <a:noFill/>
-            <a:ln w="28575">
-              <a:solidFill>
-                <a:srgbClr val="FF0000"/>
-              </a:solidFill>
-            </a:ln>
-          </p:spPr>
-          <p:style>
-            <a:lnRef idx="2">
-              <a:schemeClr val="accent1">
-                <a:shade val="50000"/>
-              </a:schemeClr>
-            </a:lnRef>
-            <a:fillRef idx="1">
-              <a:schemeClr val="accent1"/>
-            </a:fillRef>
-            <a:effectRef idx="0">
-              <a:schemeClr val="accent1"/>
-            </a:effectRef>
-            <a:fontRef idx="minor">
-              <a:schemeClr val="lt1"/>
-            </a:fontRef>
-          </p:style>
-          <p:txBody>
-            <a:bodyPr rtlCol="0" anchor="ctr"/>
-            <a:lstStyle/>
-            <a:p>
-              <a:pPr algn="ctr"/>
-              <a:endParaRPr kumimoji="1" lang="ja-JP" altLang="en-US" sz="2400"/>
-            </a:p>
-          </p:txBody>
-        </p:sp>
-        <p:cxnSp>
-          <p:nvCxnSpPr>
-            <p:cNvPr id="22" name="直線矢印コネクタ 21">
-              <a:extLst>
-                <a:ext uri="{FF2B5EF4-FFF2-40B4-BE49-F238E27FC236}">
-                  <a16:creationId xmlns:a16="http://schemas.microsoft.com/office/drawing/2014/main" id="{AED48C2A-6EAA-4CF0-985B-34109D13A250}"/>
-                </a:ext>
-              </a:extLst>
-            </p:cNvPr>
-            <p:cNvCxnSpPr>
-              <a:cxnSpLocks/>
-              <a:stCxn id="21" idx="3"/>
-            </p:cNvCxnSpPr>
-            <p:nvPr/>
-          </p:nvCxnSpPr>
-          <p:spPr>
-            <a:xfrm flipV="1">
-              <a:off x="2002972" y="3503191"/>
-              <a:ext cx="1299029" cy="43542"/>
-            </a:xfrm>
-            <a:prstGeom prst="straightConnector1">
-              <a:avLst/>
-            </a:prstGeom>
-            <a:ln w="28575">
-              <a:solidFill>
-                <a:srgbClr val="FF0000"/>
-              </a:solidFill>
-              <a:headEnd type="none" w="med" len="med"/>
-              <a:tailEnd type="triangle" w="med" len="med"/>
-            </a:ln>
-          </p:spPr>
-          <p:style>
-            <a:lnRef idx="1">
-              <a:schemeClr val="accent1"/>
-            </a:lnRef>
-            <a:fillRef idx="0">
-              <a:schemeClr val="accent1"/>
-            </a:fillRef>
-            <a:effectRef idx="0">
-              <a:schemeClr val="accent1"/>
-            </a:effectRef>
-            <a:fontRef idx="minor">
-              <a:schemeClr val="tx1"/>
-            </a:fontRef>
-          </p:style>
-        </p:cxnSp>
+          </p:grpSpPr>
+          <p:sp>
+            <p:nvSpPr>
+              <p:cNvPr id="21" name="四角形: 角を丸くする 20">
+                <a:extLst>
+                  <a:ext uri="{FF2B5EF4-FFF2-40B4-BE49-F238E27FC236}">
+                    <a16:creationId xmlns:a16="http://schemas.microsoft.com/office/drawing/2014/main" id="{917843DF-E6BA-4260-8A03-D11296BE0294}"/>
+                  </a:ext>
+                </a:extLst>
+              </p:cNvPr>
+              <p:cNvSpPr/>
+              <p:nvPr/>
+            </p:nvSpPr>
+            <p:spPr>
+              <a:xfrm>
+                <a:off x="432237" y="3383901"/>
+                <a:ext cx="1570735" cy="325664"/>
+              </a:xfrm>
+              <a:prstGeom prst="roundRect">
+                <a:avLst/>
+              </a:prstGeom>
+              <a:noFill/>
+              <a:ln w="28575">
+                <a:solidFill>
+                  <a:srgbClr val="FF0000"/>
+                </a:solidFill>
+              </a:ln>
+            </p:spPr>
+            <p:style>
+              <a:lnRef idx="2">
+                <a:schemeClr val="accent1">
+                  <a:shade val="50000"/>
+                </a:schemeClr>
+              </a:lnRef>
+              <a:fillRef idx="1">
+                <a:schemeClr val="accent1"/>
+              </a:fillRef>
+              <a:effectRef idx="0">
+                <a:schemeClr val="accent1"/>
+              </a:effectRef>
+              <a:fontRef idx="minor">
+                <a:schemeClr val="lt1"/>
+              </a:fontRef>
+            </p:style>
+            <p:txBody>
+              <a:bodyPr rtlCol="0" anchor="ctr"/>
+              <a:lstStyle/>
+              <a:p>
+                <a:pPr algn="ctr"/>
+                <a:endParaRPr kumimoji="1" lang="ja-JP" altLang="en-US" sz="2400"/>
+              </a:p>
+            </p:txBody>
+          </p:sp>
+          <p:cxnSp>
+            <p:nvCxnSpPr>
+              <p:cNvPr id="22" name="直線矢印コネクタ 21">
+                <a:extLst>
+                  <a:ext uri="{FF2B5EF4-FFF2-40B4-BE49-F238E27FC236}">
+                    <a16:creationId xmlns:a16="http://schemas.microsoft.com/office/drawing/2014/main" id="{AED48C2A-6EAA-4CF0-985B-34109D13A250}"/>
+                  </a:ext>
+                </a:extLst>
+              </p:cNvPr>
+              <p:cNvCxnSpPr>
+                <a:cxnSpLocks/>
+                <a:stCxn id="21" idx="3"/>
+              </p:cNvCxnSpPr>
+              <p:nvPr/>
+            </p:nvCxnSpPr>
+            <p:spPr>
+              <a:xfrm flipV="1">
+                <a:off x="2002972" y="2955922"/>
+                <a:ext cx="1640913" cy="590811"/>
+              </a:xfrm>
+              <a:prstGeom prst="straightConnector1">
+                <a:avLst/>
+              </a:prstGeom>
+              <a:ln w="28575">
+                <a:solidFill>
+                  <a:srgbClr val="FF0000"/>
+                </a:solidFill>
+                <a:headEnd type="none" w="med" len="med"/>
+                <a:tailEnd type="triangle" w="med" len="med"/>
+              </a:ln>
+            </p:spPr>
+            <p:style>
+              <a:lnRef idx="1">
+                <a:schemeClr val="accent1"/>
+              </a:lnRef>
+              <a:fillRef idx="0">
+                <a:schemeClr val="accent1"/>
+              </a:fillRef>
+              <a:effectRef idx="0">
+                <a:schemeClr val="accent1"/>
+              </a:effectRef>
+              <a:fontRef idx="minor">
+                <a:schemeClr val="tx1"/>
+              </a:fontRef>
+            </p:style>
+          </p:cxnSp>
+        </p:grpSp>
       </p:grpSp>
       <p:grpSp>
         <p:nvGrpSpPr>
@@ -9906,7 +10092,7 @@
         </p:nvGrpSpPr>
         <p:grpSpPr>
           <a:xfrm>
-            <a:off x="1113116" y="4881535"/>
+            <a:off x="1113116" y="4360878"/>
             <a:ext cx="10187078" cy="395586"/>
             <a:chOff x="254945" y="903513"/>
             <a:chExt cx="10187078" cy="395586"/>
@@ -9995,12 +10181,36 @@
           </p:txBody>
         </p:sp>
       </p:grpSp>
+      <p:pic>
+        <p:nvPicPr>
+          <p:cNvPr id="10" name="図 9"/>
+          <p:cNvPicPr>
+            <a:picLocks noChangeAspect="1"/>
+          </p:cNvPicPr>
+          <p:nvPr/>
+        </p:nvPicPr>
+        <p:blipFill>
+          <a:blip r:embed="rId3"/>
+          <a:stretch>
+            <a:fillRect/>
+          </a:stretch>
+        </p:blipFill>
+        <p:spPr>
+          <a:xfrm>
+            <a:off x="2677982" y="4781781"/>
+            <a:ext cx="4694620" cy="1939693"/>
+          </a:xfrm>
+          <a:prstGeom prst="rect">
+            <a:avLst/>
+          </a:prstGeom>
+        </p:spPr>
+      </p:pic>
       <p:cxnSp>
         <p:nvCxnSpPr>
-          <p:cNvPr id="35" name="直線コネクタ 34">
-            <a:extLst>
-              <a:ext uri="{FF2B5EF4-FFF2-40B4-BE49-F238E27FC236}">
-                <a16:creationId xmlns:a16="http://schemas.microsoft.com/office/drawing/2014/main" id="{5A9F0C81-A284-4A5C-BD23-06DFFD22DCB0}"/>
+          <p:cNvPr id="23" name="直線コネクタ 22">
+            <a:extLst>
+              <a:ext uri="{FF2B5EF4-FFF2-40B4-BE49-F238E27FC236}">
+                <a16:creationId xmlns:a16="http://schemas.microsoft.com/office/drawing/2014/main" id="{5C167AA2-6DD3-4E24-9117-31EE9C88B831}"/>
               </a:ext>
             </a:extLst>
           </p:cNvPr>
@@ -10011,8 +10221,8 @@
         </p:nvCxnSpPr>
         <p:spPr>
           <a:xfrm>
-            <a:off x="2860674" y="6320214"/>
-            <a:ext cx="2509024" cy="0"/>
+            <a:off x="3454400" y="6449905"/>
+            <a:ext cx="1529080" cy="0"/>
           </a:xfrm>
           <a:prstGeom prst="line">
             <a:avLst/>
@@ -10050,6 +10260,13 @@
   <p:clrMapOvr>
     <a:masterClrMapping/>
   </p:clrMapOvr>
+  <p:timing>
+    <p:tnLst>
+      <p:par>
+        <p:cTn id="1" dur="indefinite" restart="never" nodeType="tmRoot"/>
+      </p:par>
+    </p:tnLst>
+  </p:timing>
 </p:sld>
 </file>
 
@@ -10072,13 +10289,7 @@
       </p:grpSpPr>
       <p:pic>
         <p:nvPicPr>
-          <p:cNvPr id="4" name="図 3">
-            <a:extLst>
-              <a:ext uri="{FF2B5EF4-FFF2-40B4-BE49-F238E27FC236}">
-                <a16:creationId xmlns:a16="http://schemas.microsoft.com/office/drawing/2014/main" id="{DBC2C1DF-8DE9-4D26-8941-2467AE43F8CC}"/>
-              </a:ext>
-            </a:extLst>
-          </p:cNvPr>
+          <p:cNvPr id="5" name="図 4"/>
           <p:cNvPicPr>
             <a:picLocks noChangeAspect="1"/>
           </p:cNvPicPr>
@@ -10092,8 +10303,8 @@
         </p:blipFill>
         <p:spPr>
           <a:xfrm>
-            <a:off x="2073692" y="1279163"/>
-            <a:ext cx="4448175" cy="1971675"/>
+            <a:off x="1789208" y="1319696"/>
+            <a:ext cx="6005421" cy="2612223"/>
           </a:xfrm>
           <a:prstGeom prst="rect">
             <a:avLst/>
@@ -10319,8 +10530,8 @@
         </p:nvCxnSpPr>
         <p:spPr>
           <a:xfrm>
-            <a:off x="2595621" y="2669080"/>
-            <a:ext cx="2595725" cy="0"/>
+            <a:off x="2864861" y="3390440"/>
+            <a:ext cx="1067059" cy="0"/>
           </a:xfrm>
           <a:prstGeom prst="line">
             <a:avLst/>
@@ -10362,7 +10573,7 @@
         </p:nvSpPr>
         <p:spPr>
           <a:xfrm>
-            <a:off x="2737760" y="3630393"/>
+            <a:off x="2946040" y="4179314"/>
             <a:ext cx="6525690" cy="2542161"/>
           </a:xfrm>
           <a:prstGeom prst="rect">
@@ -10416,7 +10627,7 @@
         </p:nvGrpSpPr>
         <p:grpSpPr>
           <a:xfrm>
-            <a:off x="9030620" y="3568860"/>
+            <a:off x="9238900" y="4117781"/>
             <a:ext cx="257736" cy="224939"/>
             <a:chOff x="2924547" y="5306271"/>
             <a:chExt cx="257736" cy="224939"/>
@@ -10635,8 +10846,8 @@
         </p:nvSpPr>
         <p:spPr>
           <a:xfrm>
-            <a:off x="2789957" y="3977004"/>
-            <a:ext cx="6417141" cy="2031325"/>
+            <a:off x="2998237" y="4525925"/>
+            <a:ext cx="6425157" cy="2031325"/>
           </a:xfrm>
           <a:prstGeom prst="rect">
             <a:avLst/>
@@ -10684,8 +10895,12 @@
           </a:p>
           <a:p>
             <a:r>
+              <a:rPr lang="ja-JP" altLang="en-US" dirty="0" smtClean="0"/>
+              <a:t>一般的に入出力</a:t>
+            </a:r>
+            <a:r>
               <a:rPr lang="ja-JP" altLang="en-US" dirty="0"/>
-              <a:t>入出力の関係式は、</a:t>
+              <a:t>の関係式は、</a:t>
             </a:r>
             <a:r>
               <a:rPr lang="en-US" altLang="ja-JP" dirty="0"/>
@@ -10719,7 +10934,7 @@
         </p:nvSpPr>
         <p:spPr>
           <a:xfrm>
-            <a:off x="5030457" y="3645749"/>
+            <a:off x="5238737" y="4194670"/>
             <a:ext cx="853119" cy="369332"/>
           </a:xfrm>
           <a:prstGeom prst="rect">
@@ -10761,7 +10976,7 @@
         </p:nvCxnSpPr>
         <p:spPr>
           <a:xfrm flipH="1">
-            <a:off x="6632008" y="1979786"/>
+            <a:off x="4808431" y="3562588"/>
             <a:ext cx="860612" cy="0"/>
           </a:xfrm>
           <a:prstGeom prst="straightConnector1">
@@ -10804,7 +11019,7 @@
         </p:nvSpPr>
         <p:spPr>
           <a:xfrm>
-            <a:off x="7492620" y="1795120"/>
+            <a:off x="5669043" y="3377922"/>
             <a:ext cx="1800493" cy="369332"/>
           </a:xfrm>
           <a:prstGeom prst="rect">
@@ -10974,9 +11189,9 @@
         <p:grpSpPr>
           <a:xfrm>
             <a:off x="1281420" y="767705"/>
-            <a:ext cx="7013132" cy="395586"/>
+            <a:ext cx="9440078" cy="395586"/>
             <a:chOff x="254945" y="903513"/>
-            <a:chExt cx="7013132" cy="395586"/>
+            <a:chExt cx="9440078" cy="395586"/>
           </a:xfrm>
         </p:grpSpPr>
         <p:sp>
@@ -10994,7 +11209,7 @@
           <p:spPr>
             <a:xfrm>
               <a:off x="620103" y="903513"/>
-              <a:ext cx="6647974" cy="369332"/>
+              <a:ext cx="9074920" cy="369332"/>
             </a:xfrm>
             <a:prstGeom prst="rect">
               <a:avLst/>
@@ -11008,9 +11223,22 @@
             <a:lstStyle/>
             <a:p>
               <a:r>
+                <a:rPr lang="en-US" altLang="ja-JP" dirty="0" err="1" smtClean="0"/>
+                <a:t>Cal_c</a:t>
+              </a:r>
+              <a:r>
+                <a:rPr lang="ja-JP" altLang="en-US" dirty="0" smtClean="0"/>
+                <a:t>モデルの</a:t>
+              </a:r>
+              <a:r>
                 <a:rPr lang="ja-JP" altLang="en-US" dirty="0"/>
-                <a:t>以下のようにアイコンを作成し、モデルを完成させてください</a:t>
-              </a:r>
+                <a:t>アイコンを以下のように作成</a:t>
+              </a:r>
+              <a:r>
+                <a:rPr lang="ja-JP" altLang="en-US" dirty="0" smtClean="0"/>
+                <a:t>してください。これでモデルは完成です。</a:t>
+              </a:r>
+              <a:endParaRPr lang="ja-JP" altLang="en-US" dirty="0"/>
             </a:p>
           </p:txBody>
         </p:sp>
@@ -11052,13 +11280,7 @@
       </p:grpSp>
       <p:pic>
         <p:nvPicPr>
-          <p:cNvPr id="5" name="図 4">
-            <a:extLst>
-              <a:ext uri="{FF2B5EF4-FFF2-40B4-BE49-F238E27FC236}">
-                <a16:creationId xmlns:a16="http://schemas.microsoft.com/office/drawing/2014/main" id="{4BF59C25-09B9-4609-B6FD-B571BECCD374}"/>
-              </a:ext>
-            </a:extLst>
-          </p:cNvPr>
+          <p:cNvPr id="4" name="図 3"/>
           <p:cNvPicPr>
             <a:picLocks noChangeAspect="1"/>
           </p:cNvPicPr>
@@ -11072,8 +11294,8 @@
         </p:blipFill>
         <p:spPr>
           <a:xfrm>
-            <a:off x="2695054" y="1407160"/>
-            <a:ext cx="5490453" cy="4949190"/>
+            <a:off x="1127761" y="1263935"/>
+            <a:ext cx="8910320" cy="5352121"/>
           </a:xfrm>
           <a:prstGeom prst="rect">
             <a:avLst/>
@@ -11132,7 +11354,7 @@
         </p:blipFill>
         <p:spPr>
           <a:xfrm>
-            <a:off x="1247346" y="2620286"/>
+            <a:off x="1247346" y="2938026"/>
             <a:ext cx="1285430" cy="1343565"/>
           </a:xfrm>
           <a:prstGeom prst="rect">
@@ -11161,7 +11383,7 @@
         </p:blipFill>
         <p:spPr>
           <a:xfrm>
-            <a:off x="2602051" y="2564863"/>
+            <a:off x="2602051" y="2882603"/>
             <a:ext cx="6079519" cy="1690632"/>
           </a:xfrm>
           <a:prstGeom prst="rect">
@@ -11696,26 +11918,26 @@
           <a:lstStyle/>
           <a:p>
             <a:r>
-              <a:rPr lang="ja-JP" altLang="en-US" sz="2000" b="1" dirty="0"/>
+              <a:rPr lang="ja-JP" altLang="en-US" sz="2000" dirty="0"/>
               <a:t>最後に、これまで作成した「</a:t>
             </a:r>
             <a:r>
-              <a:rPr lang="en-US" altLang="ja-JP" sz="2000" b="1" dirty="0" err="1"/>
+              <a:rPr lang="en-US" altLang="ja-JP" sz="2000" dirty="0" err="1"/>
               <a:t>Input_a</a:t>
             </a:r>
             <a:r>
-              <a:rPr lang="ja-JP" altLang="en-US" sz="2000" b="1" dirty="0"/>
+              <a:rPr lang="ja-JP" altLang="en-US" sz="2000" dirty="0"/>
               <a:t>」と「</a:t>
             </a:r>
             <a:r>
-              <a:rPr lang="en-US" altLang="ja-JP" sz="2000" b="1" dirty="0" err="1"/>
+              <a:rPr lang="en-US" altLang="ja-JP" sz="2000" dirty="0" err="1"/>
               <a:t>Calc_c</a:t>
             </a:r>
             <a:r>
-              <a:rPr lang="ja-JP" altLang="en-US" sz="2000" b="1" dirty="0"/>
+              <a:rPr lang="ja-JP" altLang="en-US" sz="2000" dirty="0"/>
               <a:t>」を接続するためのクラスを作成します</a:t>
             </a:r>
-            <a:endParaRPr kumimoji="1" lang="ja-JP" altLang="en-US" sz="2000" b="1" dirty="0"/>
+            <a:endParaRPr kumimoji="1" lang="ja-JP" altLang="en-US" sz="2000" dirty="0"/>
           </a:p>
         </p:txBody>
       </p:sp>
@@ -11734,9 +11956,9 @@
         <p:grpSpPr>
           <a:xfrm>
             <a:off x="353285" y="2197114"/>
-            <a:ext cx="12118696" cy="395586"/>
+            <a:ext cx="8390112" cy="646331"/>
             <a:chOff x="254945" y="903513"/>
-            <a:chExt cx="12118696" cy="395586"/>
+            <a:chExt cx="8390112" cy="646331"/>
           </a:xfrm>
         </p:grpSpPr>
         <p:sp>
@@ -11754,7 +11976,7 @@
           <p:spPr>
             <a:xfrm>
               <a:off x="1312600" y="903513"/>
-              <a:ext cx="11061041" cy="369332"/>
+              <a:ext cx="7332457" cy="646331"/>
             </a:xfrm>
             <a:prstGeom prst="rect">
               <a:avLst/>
@@ -11777,7 +11999,18 @@
               </a:r>
               <a:r>
                 <a:rPr lang="ja-JP" altLang="en-US" dirty="0"/>
-                <a:t>」を作成し、「</a:t>
+                <a:t>」を作成し</a:t>
+              </a:r>
+              <a:r>
+                <a:rPr lang="ja-JP" altLang="en-US" dirty="0" smtClean="0"/>
+                <a:t>、ダイヤグラムビューに切り替え</a:t>
+              </a:r>
+              <a:endParaRPr lang="en-US" altLang="ja-JP" dirty="0" smtClean="0"/>
+            </a:p>
+            <a:p>
+              <a:r>
+                <a:rPr lang="ja-JP" altLang="en-US" dirty="0" smtClean="0"/>
+                <a:t>「</a:t>
               </a:r>
               <a:r>
                 <a:rPr lang="en-US" altLang="ja-JP" dirty="0" err="1"/>
@@ -11848,10 +12081,10 @@
         </p:nvGrpSpPr>
         <p:grpSpPr>
           <a:xfrm>
-            <a:off x="353285" y="4716360"/>
-            <a:ext cx="7165418" cy="395586"/>
+            <a:off x="353285" y="5034100"/>
+            <a:ext cx="9473742" cy="395586"/>
             <a:chOff x="254945" y="903513"/>
-            <a:chExt cx="7165418" cy="395586"/>
+            <a:chExt cx="9473742" cy="395586"/>
           </a:xfrm>
         </p:grpSpPr>
         <p:sp>
@@ -11869,7 +12102,7 @@
           <p:spPr>
             <a:xfrm>
               <a:off x="620103" y="903513"/>
-              <a:ext cx="6800260" cy="369332"/>
+              <a:ext cx="9108584" cy="369332"/>
             </a:xfrm>
             <a:prstGeom prst="rect">
               <a:avLst/>
@@ -11892,7 +12125,11 @@
               </a:r>
               <a:r>
                 <a:rPr lang="ja-JP" altLang="en-US" dirty="0"/>
-                <a:t>」の「</a:t>
+                <a:t>」</a:t>
+              </a:r>
+              <a:r>
+                <a:rPr lang="ja-JP" altLang="en-US" dirty="0" smtClean="0"/>
+                <a:t>のパラメータ「</a:t>
               </a:r>
               <a:r>
                 <a:rPr lang="en-US" altLang="ja-JP" dirty="0"/>
@@ -11900,7 +12137,11 @@
               </a:r>
               <a:r>
                 <a:rPr lang="ja-JP" altLang="en-US" dirty="0"/>
-                <a:t>」と「</a:t>
+                <a:t>」</a:t>
+              </a:r>
+              <a:r>
+                <a:rPr lang="ja-JP" altLang="en-US" dirty="0" smtClean="0"/>
+                <a:t>と「</a:t>
               </a:r>
               <a:r>
                 <a:rPr lang="en-US" altLang="ja-JP" dirty="0" err="1"/>
@@ -11908,7 +12149,7 @@
               </a:r>
               <a:r>
                 <a:rPr lang="ja-JP" altLang="en-US" dirty="0"/>
-                <a:t>」の「</a:t>
+                <a:t>」のパラメータ「</a:t>
               </a:r>
               <a:r>
                 <a:rPr lang="en-US" altLang="ja-JP" dirty="0"/>
@@ -11979,7 +12220,7 @@
         </p:nvSpPr>
         <p:spPr>
           <a:xfrm>
-            <a:off x="1163432" y="2947380"/>
+            <a:off x="1163432" y="3265120"/>
             <a:ext cx="1300836" cy="269705"/>
           </a:xfrm>
           <a:prstGeom prst="roundRect">
@@ -12034,7 +12275,7 @@
         </p:nvCxnSpPr>
         <p:spPr>
           <a:xfrm flipV="1">
-            <a:off x="2464268" y="3046172"/>
+            <a:off x="2464268" y="3363912"/>
             <a:ext cx="924391" cy="36061"/>
           </a:xfrm>
           <a:prstGeom prst="straightConnector1">
@@ -12077,7 +12318,7 @@
         </p:nvSpPr>
         <p:spPr>
           <a:xfrm>
-            <a:off x="1163432" y="3238509"/>
+            <a:off x="1163432" y="3556249"/>
             <a:ext cx="1300836" cy="269705"/>
           </a:xfrm>
           <a:prstGeom prst="roundRect">
@@ -12129,7 +12370,7 @@
         </p:nvSpPr>
         <p:spPr>
           <a:xfrm>
-            <a:off x="2463501" y="3345628"/>
+            <a:off x="2463501" y="3663368"/>
             <a:ext cx="5276626" cy="1102659"/>
           </a:xfrm>
           <a:custGeom>
@@ -12261,7 +12502,7 @@
         </p:nvGrpSpPr>
         <p:grpSpPr>
           <a:xfrm>
-            <a:off x="353285" y="5603866"/>
+            <a:off x="353285" y="5921606"/>
             <a:ext cx="11645810" cy="395586"/>
             <a:chOff x="254945" y="903513"/>
             <a:chExt cx="11645810" cy="395586"/>
@@ -12615,8 +12856,12 @@
               <a:t>・　</a:t>
             </a:r>
             <a:r>
+              <a:rPr kumimoji="1" lang="en-US" altLang="ja-JP" sz="2400" dirty="0" smtClean="0"/>
+              <a:t>OpenModelica1.14.1 </a:t>
+            </a:r>
+            <a:r>
               <a:rPr kumimoji="1" lang="en-US" altLang="ja-JP" sz="2400" dirty="0"/>
-              <a:t>OpenModelica1.11.0 (64bit – windows</a:t>
+              <a:t>(64bit – windows</a:t>
             </a:r>
             <a:r>
               <a:rPr kumimoji="1" lang="ja-JP" altLang="en-US" sz="2400" dirty="0"/>
@@ -12767,8 +13012,8 @@
         </p:nvSpPr>
         <p:spPr>
           <a:xfrm>
-            <a:off x="474382" y="1544202"/>
-            <a:ext cx="11165236" cy="830997"/>
+            <a:off x="281343" y="1280042"/>
+            <a:ext cx="11829378" cy="1569660"/>
           </a:xfrm>
           <a:prstGeom prst="rect">
             <a:avLst/>
@@ -12776,14 +13021,53 @@
           <a:noFill/>
         </p:spPr>
         <p:txBody>
-          <a:bodyPr wrap="none" rtlCol="0">
+          <a:bodyPr wrap="square" rtlCol="0">
             <a:spAutoFit/>
           </a:bodyPr>
           <a:lstStyle/>
           <a:p>
             <a:r>
+              <a:rPr kumimoji="1" lang="ja-JP" altLang="en-US" sz="2400" dirty="0" smtClean="0"/>
+              <a:t>・チュートリアル内では</a:t>
+            </a:r>
+            <a:r>
+              <a:rPr lang="ja-JP" altLang="en-US" sz="2400" dirty="0"/>
+              <a:t>「</a:t>
+            </a:r>
+            <a:r>
+              <a:rPr lang="en-US" altLang="ja-JP" sz="2400" dirty="0"/>
+              <a:t>b</a:t>
+            </a:r>
+            <a:r>
+              <a:rPr lang="ja-JP" altLang="en-US" sz="2400" dirty="0"/>
+              <a:t>を入力、</a:t>
+            </a:r>
+            <a:r>
+              <a:rPr lang="en-US" altLang="ja-JP" sz="2400" dirty="0" err="1"/>
+              <a:t>a+b</a:t>
+            </a:r>
+            <a:r>
+              <a:rPr lang="en-US" altLang="ja-JP" sz="2400" dirty="0"/>
+              <a:t>=c</a:t>
+            </a:r>
+            <a:r>
+              <a:rPr lang="ja-JP" altLang="en-US" sz="2400" dirty="0"/>
+              <a:t>を計算」 </a:t>
+            </a:r>
+            <a:r>
+              <a:rPr lang="ja-JP" altLang="en-US" sz="2400" dirty="0" smtClean="0"/>
+              <a:t>を一つのモデルで作成しました。</a:t>
+            </a:r>
+            <a:endParaRPr lang="en-US" altLang="ja-JP" sz="2400" dirty="0" smtClean="0"/>
+          </a:p>
+          <a:p>
+            <a:r>
               <a:rPr kumimoji="1" lang="ja-JP" altLang="en-US" sz="2400" dirty="0"/>
-              <a:t>・「</a:t>
+              <a:t>　</a:t>
+            </a:r>
+            <a:r>
+              <a:rPr kumimoji="1" lang="ja-JP" altLang="en-US" sz="2400" dirty="0" smtClean="0"/>
+              <a:t>しかし「</a:t>
             </a:r>
             <a:r>
               <a:rPr kumimoji="1" lang="en-US" altLang="ja-JP" sz="2400" dirty="0"/>
@@ -12803,30 +13087,30 @@
             </a:r>
             <a:r>
               <a:rPr kumimoji="1" lang="ja-JP" altLang="en-US" sz="2400" dirty="0"/>
-              <a:t>を計算」のモデルをそれぞれ別に作成してください。</a:t>
+              <a:t>を計算」のモデルをそれぞれ別に</a:t>
+            </a:r>
+            <a:r>
+              <a:rPr kumimoji="1" lang="ja-JP" altLang="en-US" sz="2400" dirty="0" smtClean="0"/>
+              <a:t>作成</a:t>
+            </a:r>
+            <a:r>
+              <a:rPr lang="ja-JP" altLang="en-US" sz="2400" dirty="0" smtClean="0"/>
+              <a:t>することもできます。</a:t>
             </a:r>
             <a:endParaRPr kumimoji="1" lang="en-US" altLang="ja-JP" sz="2400" dirty="0"/>
           </a:p>
           <a:p>
             <a:r>
               <a:rPr kumimoji="1" lang="ja-JP" altLang="en-US" sz="2400" dirty="0"/>
-              <a:t>　　その場合</a:t>
+              <a:t>　</a:t>
             </a:r>
             <a:r>
               <a:rPr lang="ja-JP" altLang="en-US" sz="2400" dirty="0"/>
-              <a:t>「</a:t>
-            </a:r>
-            <a:r>
-              <a:rPr lang="en-US" altLang="ja-JP" sz="2400" dirty="0" err="1"/>
-              <a:t>a+b</a:t>
-            </a:r>
-            <a:r>
-              <a:rPr lang="en-US" altLang="ja-JP" sz="2400" dirty="0"/>
-              <a:t>=c</a:t>
-            </a:r>
-            <a:r>
-              <a:rPr lang="ja-JP" altLang="en-US" sz="2400" dirty="0"/>
-              <a:t>を計算」モデルのポートはいくつになるでしょうか？</a:t>
+              <a:t>試</a:t>
+            </a:r>
+            <a:r>
+              <a:rPr lang="ja-JP" altLang="en-US" sz="2400" dirty="0" smtClean="0"/>
+              <a:t>しに作成してみてください。</a:t>
             </a:r>
             <a:endParaRPr lang="en-US" altLang="ja-JP" sz="2400" dirty="0"/>
           </a:p>
@@ -12858,6 +13142,69 @@
               <a:t>20</a:t>
             </a:fld>
             <a:endParaRPr kumimoji="1" lang="ja-JP" altLang="en-US"/>
+          </a:p>
+        </p:txBody>
+      </p:sp>
+      <p:sp>
+        <p:nvSpPr>
+          <p:cNvPr id="6" name="テキスト ボックス 5">
+            <a:extLst>
+              <a:ext uri="{FF2B5EF4-FFF2-40B4-BE49-F238E27FC236}">
+                <a16:creationId xmlns:a16="http://schemas.microsoft.com/office/drawing/2014/main" id="{13BF6981-F9E6-4F88-9388-C45999E02726}"/>
+              </a:ext>
+            </a:extLst>
+          </p:cNvPr>
+          <p:cNvSpPr txBox="1"/>
+          <p:nvPr/>
+        </p:nvSpPr>
+        <p:spPr>
+          <a:xfrm>
+            <a:off x="281343" y="3388879"/>
+            <a:ext cx="11829378" cy="1569660"/>
+          </a:xfrm>
+          <a:prstGeom prst="rect">
+            <a:avLst/>
+          </a:prstGeom>
+          <a:noFill/>
+        </p:spPr>
+        <p:txBody>
+          <a:bodyPr wrap="square" rtlCol="0">
+            <a:spAutoFit/>
+          </a:bodyPr>
+          <a:lstStyle/>
+          <a:p>
+            <a:r>
+              <a:rPr kumimoji="1" lang="ja-JP" altLang="en-US" sz="2400" dirty="0" smtClean="0"/>
+              <a:t>・今回は４つのファイルを作成しました。これらを一つのファイルとしてまとめる方法があります。</a:t>
+            </a:r>
+            <a:endParaRPr kumimoji="1" lang="en-US" altLang="ja-JP" sz="2400" dirty="0" smtClean="0"/>
+          </a:p>
+          <a:p>
+            <a:r>
+              <a:rPr lang="ja-JP" altLang="en-US" sz="2400" dirty="0"/>
+              <a:t>　</a:t>
+            </a:r>
+            <a:r>
+              <a:rPr lang="ja-JP" altLang="en-US" sz="2400" dirty="0" smtClean="0"/>
+              <a:t>チュートリアル</a:t>
+            </a:r>
+            <a:r>
+              <a:rPr lang="en-US" altLang="ja-JP" sz="2400" dirty="0" smtClean="0"/>
+              <a:t>6</a:t>
+            </a:r>
+            <a:r>
+              <a:rPr lang="ja-JP" altLang="en-US" sz="2400" dirty="0" smtClean="0"/>
+              <a:t>の「</a:t>
+            </a:r>
+            <a:r>
+              <a:rPr lang="en-US" altLang="ja-JP" sz="2400" dirty="0"/>
+              <a:t> 01_MakePackage </a:t>
+            </a:r>
+            <a:r>
+              <a:rPr lang="ja-JP" altLang="en-US" sz="2400" smtClean="0"/>
+              <a:t>」を参照して一つのパッケージとしてまとめてみてください。</a:t>
+            </a:r>
+            <a:endParaRPr lang="en-US" altLang="ja-JP" sz="2400" dirty="0"/>
           </a:p>
         </p:txBody>
       </p:sp>
@@ -14737,6 +15084,40 @@
               <a:t>4</a:t>
             </a:fld>
             <a:endParaRPr kumimoji="1" lang="ja-JP" altLang="en-US"/>
+          </a:p>
+        </p:txBody>
+      </p:sp>
+      <p:sp>
+        <p:nvSpPr>
+          <p:cNvPr id="2" name="テキスト ボックス 1"/>
+          <p:cNvSpPr txBox="1"/>
+          <p:nvPr/>
+        </p:nvSpPr>
+        <p:spPr>
+          <a:xfrm>
+            <a:off x="3729689" y="3701474"/>
+            <a:ext cx="1487908" cy="369332"/>
+          </a:xfrm>
+          <a:prstGeom prst="rect">
+            <a:avLst/>
+          </a:prstGeom>
+          <a:noFill/>
+        </p:spPr>
+        <p:txBody>
+          <a:bodyPr wrap="none" rtlCol="0">
+            <a:spAutoFit/>
+          </a:bodyPr>
+          <a:lstStyle/>
+          <a:p>
+            <a:r>
+              <a:rPr kumimoji="1" lang="en-US" altLang="ja-JP" dirty="0" smtClean="0"/>
+              <a:t>A</a:t>
+            </a:r>
+            <a:r>
+              <a:rPr kumimoji="1" lang="ja-JP" altLang="en-US" dirty="0" smtClean="0"/>
+              <a:t>を受け渡し</a:t>
+            </a:r>
+            <a:endParaRPr kumimoji="1" lang="ja-JP" altLang="en-US" dirty="0"/>
           </a:p>
         </p:txBody>
       </p:sp>
@@ -15918,7 +16299,7 @@
         <p:spPr>
           <a:xfrm>
             <a:off x="696079" y="785168"/>
-            <a:ext cx="7850226" cy="707886"/>
+            <a:ext cx="7080785" cy="707886"/>
           </a:xfrm>
           <a:prstGeom prst="rect">
             <a:avLst/>
@@ -15932,18 +16313,26 @@
           <a:lstStyle/>
           <a:p>
             <a:r>
-              <a:rPr lang="en-US" altLang="ja-JP" sz="2000" b="1" dirty="0"/>
+              <a:rPr lang="en-US" altLang="ja-JP" sz="2000" dirty="0"/>
               <a:t>connector</a:t>
             </a:r>
             <a:r>
-              <a:rPr lang="ja-JP" altLang="en-US" sz="2000" b="1" dirty="0"/>
-              <a:t>はクラス同士がやり取りする変数を定義したものです</a:t>
-            </a:r>
-            <a:endParaRPr lang="en-US" altLang="ja-JP" sz="2000" b="1" dirty="0"/>
-          </a:p>
-          <a:p>
-            <a:r>
-              <a:rPr kumimoji="1" lang="ja-JP" altLang="en-US" sz="2000" b="1" dirty="0"/>
+              <a:rPr lang="ja-JP" altLang="en-US" sz="2000" dirty="0"/>
+              <a:t>はクラス同士</a:t>
+            </a:r>
+            <a:r>
+              <a:rPr lang="ja-JP" altLang="en-US" sz="2000" dirty="0" smtClean="0"/>
+              <a:t>が参照する変数</a:t>
+            </a:r>
+            <a:r>
+              <a:rPr lang="ja-JP" altLang="en-US" sz="2000" dirty="0"/>
+              <a:t>を定義したものです</a:t>
+            </a:r>
+            <a:endParaRPr lang="en-US" altLang="ja-JP" sz="2000" dirty="0"/>
+          </a:p>
+          <a:p>
+            <a:r>
+              <a:rPr kumimoji="1" lang="ja-JP" altLang="en-US" sz="2000" dirty="0"/>
               <a:t>以下の書式で表されます</a:t>
             </a:r>
           </a:p>
@@ -16004,299 +16393,12 @@
           </a:p>
         </p:txBody>
       </p:sp>
-      <p:grpSp>
-        <p:nvGrpSpPr>
-          <p:cNvPr id="26" name="グループ化 25">
-            <a:extLst>
-              <a:ext uri="{FF2B5EF4-FFF2-40B4-BE49-F238E27FC236}">
-                <a16:creationId xmlns:a16="http://schemas.microsoft.com/office/drawing/2014/main" id="{5D53F04A-962B-405E-BD4F-BD04DE05A5AC}"/>
-              </a:ext>
-            </a:extLst>
-          </p:cNvPr>
-          <p:cNvGrpSpPr/>
-          <p:nvPr/>
-        </p:nvGrpSpPr>
-        <p:grpSpPr>
-          <a:xfrm>
-            <a:off x="1855171" y="1779732"/>
-            <a:ext cx="7605093" cy="3992418"/>
-            <a:chOff x="1855171" y="1779732"/>
-            <a:chExt cx="5744583" cy="3015713"/>
-          </a:xfrm>
-        </p:grpSpPr>
-        <p:sp>
-          <p:nvSpPr>
-            <p:cNvPr id="6" name="テキスト ボックス 5">
-              <a:extLst>
-                <a:ext uri="{FF2B5EF4-FFF2-40B4-BE49-F238E27FC236}">
-                  <a16:creationId xmlns:a16="http://schemas.microsoft.com/office/drawing/2014/main" id="{B1F2ED8E-3C09-4687-AE05-0F6FB0C1D869}"/>
-                </a:ext>
-              </a:extLst>
-            </p:cNvPr>
-            <p:cNvSpPr txBox="1"/>
-            <p:nvPr/>
-          </p:nvSpPr>
-          <p:spPr>
-            <a:xfrm>
-              <a:off x="2161764" y="2262019"/>
-              <a:ext cx="3733275" cy="441716"/>
-            </a:xfrm>
-            <a:prstGeom prst="rect">
-              <a:avLst/>
-            </a:prstGeom>
-            <a:noFill/>
-          </p:spPr>
-          <p:txBody>
-            <a:bodyPr wrap="none" rtlCol="0">
-              <a:spAutoFit/>
-            </a:bodyPr>
-            <a:lstStyle/>
-            <a:p>
-              <a:r>
-                <a:rPr kumimoji="1" lang="en-US" altLang="ja-JP" sz="3200" dirty="0"/>
-                <a:t>connector</a:t>
-              </a:r>
-              <a:r>
-                <a:rPr lang="ja-JP" altLang="en-US" sz="3200" dirty="0"/>
-                <a:t>␣コネクター名</a:t>
-              </a:r>
-              <a:endParaRPr kumimoji="1" lang="ja-JP" altLang="en-US" sz="3200" dirty="0"/>
-            </a:p>
-          </p:txBody>
-        </p:sp>
-        <p:sp>
-          <p:nvSpPr>
-            <p:cNvPr id="21" name="テキスト ボックス 20">
-              <a:extLst>
-                <a:ext uri="{FF2B5EF4-FFF2-40B4-BE49-F238E27FC236}">
-                  <a16:creationId xmlns:a16="http://schemas.microsoft.com/office/drawing/2014/main" id="{E641485E-1643-45A1-A7FE-1E888374B60E}"/>
-                </a:ext>
-              </a:extLst>
-            </p:cNvPr>
-            <p:cNvSpPr txBox="1"/>
-            <p:nvPr/>
-          </p:nvSpPr>
-          <p:spPr>
-            <a:xfrm>
-              <a:off x="2629722" y="2871619"/>
-              <a:ext cx="4877523" cy="441716"/>
-            </a:xfrm>
-            <a:prstGeom prst="rect">
-              <a:avLst/>
-            </a:prstGeom>
-            <a:noFill/>
-          </p:spPr>
-          <p:txBody>
-            <a:bodyPr wrap="none" rtlCol="0">
-              <a:spAutoFit/>
-            </a:bodyPr>
-            <a:lstStyle/>
-            <a:p>
-              <a:r>
-                <a:rPr kumimoji="1" lang="ja-JP" altLang="en-US" sz="3200" dirty="0"/>
-                <a:t>やり取りしたい変数の型</a:t>
-              </a:r>
-              <a:r>
-                <a:rPr lang="ja-JP" altLang="en-US" sz="3200" dirty="0"/>
-                <a:t>␣変数名</a:t>
-              </a:r>
-              <a:r>
-                <a:rPr lang="en-US" altLang="ja-JP" sz="3200" dirty="0"/>
-                <a:t>;</a:t>
-              </a:r>
-              <a:endParaRPr kumimoji="1" lang="ja-JP" altLang="en-US" sz="3200" dirty="0"/>
-            </a:p>
-          </p:txBody>
-        </p:sp>
-        <p:sp>
-          <p:nvSpPr>
-            <p:cNvPr id="22" name="テキスト ボックス 21">
-              <a:extLst>
-                <a:ext uri="{FF2B5EF4-FFF2-40B4-BE49-F238E27FC236}">
-                  <a16:creationId xmlns:a16="http://schemas.microsoft.com/office/drawing/2014/main" id="{5AC2A22B-D7A8-43A4-BB33-129B39F29A09}"/>
-                </a:ext>
-              </a:extLst>
-            </p:cNvPr>
-            <p:cNvSpPr txBox="1"/>
-            <p:nvPr/>
-          </p:nvSpPr>
-          <p:spPr>
-            <a:xfrm>
-              <a:off x="2629722" y="3481219"/>
-              <a:ext cx="3862835" cy="441716"/>
-            </a:xfrm>
-            <a:prstGeom prst="rect">
-              <a:avLst/>
-            </a:prstGeom>
-            <a:noFill/>
-          </p:spPr>
-          <p:txBody>
-            <a:bodyPr wrap="none" rtlCol="0">
-              <a:spAutoFit/>
-            </a:bodyPr>
-            <a:lstStyle/>
-            <a:p>
-              <a:r>
-                <a:rPr kumimoji="1" lang="en-US" altLang="ja-JP" sz="3200" dirty="0"/>
-                <a:t>annotation(</a:t>
-              </a:r>
-              <a:r>
-                <a:rPr kumimoji="1" lang="ja-JP" altLang="en-US" sz="3200" dirty="0"/>
-                <a:t>アイコン情報</a:t>
-              </a:r>
-              <a:r>
-                <a:rPr kumimoji="1" lang="en-US" altLang="ja-JP" sz="3200" dirty="0"/>
-                <a:t>);</a:t>
-              </a:r>
-              <a:endParaRPr kumimoji="1" lang="ja-JP" altLang="en-US" sz="3200" dirty="0"/>
-            </a:p>
-          </p:txBody>
-        </p:sp>
-        <p:sp>
-          <p:nvSpPr>
-            <p:cNvPr id="23" name="テキスト ボックス 22">
-              <a:extLst>
-                <a:ext uri="{FF2B5EF4-FFF2-40B4-BE49-F238E27FC236}">
-                  <a16:creationId xmlns:a16="http://schemas.microsoft.com/office/drawing/2014/main" id="{155D140F-71C9-451D-B483-C0FE81AA072E}"/>
-                </a:ext>
-              </a:extLst>
-            </p:cNvPr>
-            <p:cNvSpPr txBox="1"/>
-            <p:nvPr/>
-          </p:nvSpPr>
-          <p:spPr>
-            <a:xfrm>
-              <a:off x="2161764" y="4090820"/>
-              <a:ext cx="2842093" cy="441716"/>
-            </a:xfrm>
-            <a:prstGeom prst="rect">
-              <a:avLst/>
-            </a:prstGeom>
-            <a:noFill/>
-          </p:spPr>
-          <p:txBody>
-            <a:bodyPr wrap="none" rtlCol="0">
-              <a:spAutoFit/>
-            </a:bodyPr>
-            <a:lstStyle/>
-            <a:p>
-              <a:r>
-                <a:rPr lang="en-US" altLang="ja-JP" sz="3200" dirty="0"/>
-                <a:t>end</a:t>
-              </a:r>
-              <a:r>
-                <a:rPr lang="ja-JP" altLang="en-US" sz="3200" dirty="0"/>
-                <a:t>␣コネクター名</a:t>
-              </a:r>
-              <a:endParaRPr kumimoji="1" lang="ja-JP" altLang="en-US" sz="3200" dirty="0"/>
-            </a:p>
-          </p:txBody>
-        </p:sp>
-        <p:sp>
-          <p:nvSpPr>
-            <p:cNvPr id="12" name="正方形/長方形 11">
-              <a:extLst>
-                <a:ext uri="{FF2B5EF4-FFF2-40B4-BE49-F238E27FC236}">
-                  <a16:creationId xmlns:a16="http://schemas.microsoft.com/office/drawing/2014/main" id="{3269690D-49F1-4F0C-8776-60275710D2E3}"/>
-                </a:ext>
-              </a:extLst>
-            </p:cNvPr>
-            <p:cNvSpPr/>
-            <p:nvPr/>
-          </p:nvSpPr>
-          <p:spPr>
-            <a:xfrm>
-              <a:off x="1855171" y="2036109"/>
-              <a:ext cx="5744583" cy="2759336"/>
-            </a:xfrm>
-            <a:prstGeom prst="rect">
-              <a:avLst/>
-            </a:prstGeom>
-            <a:noFill/>
-            <a:ln w="28575">
-              <a:solidFill>
-                <a:schemeClr val="tx1"/>
-              </a:solidFill>
-            </a:ln>
-          </p:spPr>
-          <p:style>
-            <a:lnRef idx="2">
-              <a:schemeClr val="accent1">
-                <a:shade val="50000"/>
-              </a:schemeClr>
-            </a:lnRef>
-            <a:fillRef idx="1">
-              <a:schemeClr val="accent1"/>
-            </a:fillRef>
-            <a:effectRef idx="0">
-              <a:schemeClr val="accent1"/>
-            </a:effectRef>
-            <a:fontRef idx="minor">
-              <a:schemeClr val="lt1"/>
-            </a:fontRef>
-          </p:style>
-          <p:txBody>
-            <a:bodyPr rtlCol="0" anchor="ctr"/>
-            <a:lstStyle/>
-            <a:p>
-              <a:pPr algn="ctr"/>
-              <a:endParaRPr kumimoji="1" lang="ja-JP" altLang="en-US" sz="2400"/>
-            </a:p>
-          </p:txBody>
-        </p:sp>
-        <p:sp>
-          <p:nvSpPr>
-            <p:cNvPr id="14" name="テキスト ボックス 13">
-              <a:extLst>
-                <a:ext uri="{FF2B5EF4-FFF2-40B4-BE49-F238E27FC236}">
-                  <a16:creationId xmlns:a16="http://schemas.microsoft.com/office/drawing/2014/main" id="{0CBB15D5-34EB-49A8-A0E6-549885D873C2}"/>
-                </a:ext>
-              </a:extLst>
-            </p:cNvPr>
-            <p:cNvSpPr txBox="1"/>
-            <p:nvPr/>
-          </p:nvSpPr>
-          <p:spPr>
-            <a:xfrm>
-              <a:off x="2054113" y="1779732"/>
-              <a:ext cx="1903690" cy="348723"/>
-            </a:xfrm>
-            <a:prstGeom prst="rect">
-              <a:avLst/>
-            </a:prstGeom>
-            <a:solidFill>
-              <a:schemeClr val="bg1"/>
-            </a:solidFill>
-            <a:ln w="28575">
-              <a:solidFill>
-                <a:schemeClr val="tx1"/>
-              </a:solidFill>
-            </a:ln>
-          </p:spPr>
-          <p:txBody>
-            <a:bodyPr wrap="none" rtlCol="0">
-              <a:spAutoFit/>
-            </a:bodyPr>
-            <a:lstStyle/>
-            <a:p>
-              <a:r>
-                <a:rPr kumimoji="1" lang="en-US" altLang="ja-JP" sz="2400" dirty="0"/>
-                <a:t>connector</a:t>
-              </a:r>
-              <a:r>
-                <a:rPr kumimoji="1" lang="ja-JP" altLang="en-US" sz="2400" dirty="0"/>
-                <a:t>の書式</a:t>
-              </a:r>
-            </a:p>
-          </p:txBody>
-        </p:sp>
-      </p:grpSp>
       <p:sp>
         <p:nvSpPr>
-          <p:cNvPr id="27" name="テキスト ボックス 26">
-            <a:extLst>
-              <a:ext uri="{FF2B5EF4-FFF2-40B4-BE49-F238E27FC236}">
-                <a16:creationId xmlns:a16="http://schemas.microsoft.com/office/drawing/2014/main" id="{74B87D7A-982E-438B-9373-D03B7F94F80B}"/>
+          <p:cNvPr id="6" name="テキスト ボックス 5">
+            <a:extLst>
+              <a:ext uri="{FF2B5EF4-FFF2-40B4-BE49-F238E27FC236}">
+                <a16:creationId xmlns:a16="http://schemas.microsoft.com/office/drawing/2014/main" id="{B1F2ED8E-3C09-4687-AE05-0F6FB0C1D869}"/>
               </a:ext>
             </a:extLst>
           </p:cNvPr>
@@ -16305,8 +16407,8 @@
         </p:nvSpPr>
         <p:spPr>
           <a:xfrm>
-            <a:off x="5911850" y="5948971"/>
-            <a:ext cx="4108817" cy="369332"/>
+            <a:off x="2261061" y="2418218"/>
+            <a:ext cx="4942379" cy="584775"/>
           </a:xfrm>
           <a:prstGeom prst="rect">
             <a:avLst/>
@@ -16320,8 +16422,247 @@
           <a:lstStyle/>
           <a:p>
             <a:r>
-              <a:rPr kumimoji="1" lang="ja-JP" altLang="en-US" dirty="0"/>
-              <a:t>＊変数は複数設定することが可能です</a:t>
+              <a:rPr kumimoji="1" lang="en-US" altLang="ja-JP" sz="3200" dirty="0"/>
+              <a:t>connector</a:t>
+            </a:r>
+            <a:r>
+              <a:rPr lang="ja-JP" altLang="en-US" sz="3200" dirty="0"/>
+              <a:t>␣コネクター名</a:t>
+            </a:r>
+            <a:endParaRPr kumimoji="1" lang="ja-JP" altLang="en-US" sz="3200" dirty="0"/>
+          </a:p>
+        </p:txBody>
+      </p:sp>
+      <p:sp>
+        <p:nvSpPr>
+          <p:cNvPr id="21" name="テキスト ボックス 20">
+            <a:extLst>
+              <a:ext uri="{FF2B5EF4-FFF2-40B4-BE49-F238E27FC236}">
+                <a16:creationId xmlns:a16="http://schemas.microsoft.com/office/drawing/2014/main" id="{E641485E-1643-45A1-A7FE-1E888374B60E}"/>
+              </a:ext>
+            </a:extLst>
+          </p:cNvPr>
+          <p:cNvSpPr txBox="1"/>
+          <p:nvPr/>
+        </p:nvSpPr>
+        <p:spPr>
+          <a:xfrm>
+            <a:off x="2880577" y="3225251"/>
+            <a:ext cx="6684843" cy="584775"/>
+          </a:xfrm>
+          <a:prstGeom prst="rect">
+            <a:avLst/>
+          </a:prstGeom>
+          <a:noFill/>
+        </p:spPr>
+        <p:txBody>
+          <a:bodyPr wrap="none" rtlCol="0">
+            <a:spAutoFit/>
+          </a:bodyPr>
+          <a:lstStyle/>
+          <a:p>
+            <a:r>
+              <a:rPr kumimoji="1" lang="ja-JP" altLang="en-US" sz="3200" dirty="0" smtClean="0"/>
+              <a:t>受け渡ししたい</a:t>
+            </a:r>
+            <a:r>
+              <a:rPr kumimoji="1" lang="ja-JP" altLang="en-US" sz="3200" dirty="0"/>
+              <a:t>変数の型</a:t>
+            </a:r>
+            <a:r>
+              <a:rPr lang="ja-JP" altLang="en-US" sz="3200" dirty="0"/>
+              <a:t>␣変</a:t>
+            </a:r>
+            <a:r>
+              <a:rPr lang="ja-JP" altLang="en-US" sz="3200" dirty="0" smtClean="0"/>
+              <a:t>数名</a:t>
+            </a:r>
+            <a:r>
+              <a:rPr lang="en-US" altLang="ja-JP" sz="3200" dirty="0" smtClean="0"/>
+              <a:t>1;</a:t>
+            </a:r>
+            <a:endParaRPr kumimoji="1" lang="ja-JP" altLang="en-US" sz="3200" dirty="0"/>
+          </a:p>
+        </p:txBody>
+      </p:sp>
+      <p:sp>
+        <p:nvSpPr>
+          <p:cNvPr id="22" name="テキスト ボックス 21">
+            <a:extLst>
+              <a:ext uri="{FF2B5EF4-FFF2-40B4-BE49-F238E27FC236}">
+                <a16:creationId xmlns:a16="http://schemas.microsoft.com/office/drawing/2014/main" id="{5AC2A22B-D7A8-43A4-BB33-129B39F29A09}"/>
+              </a:ext>
+            </a:extLst>
+          </p:cNvPr>
+          <p:cNvSpPr txBox="1"/>
+          <p:nvPr/>
+        </p:nvSpPr>
+        <p:spPr>
+          <a:xfrm>
+            <a:off x="2880577" y="4935253"/>
+            <a:ext cx="5113899" cy="584775"/>
+          </a:xfrm>
+          <a:prstGeom prst="rect">
+            <a:avLst/>
+          </a:prstGeom>
+          <a:noFill/>
+        </p:spPr>
+        <p:txBody>
+          <a:bodyPr wrap="none" rtlCol="0">
+            <a:spAutoFit/>
+          </a:bodyPr>
+          <a:lstStyle/>
+          <a:p>
+            <a:r>
+              <a:rPr kumimoji="1" lang="en-US" altLang="ja-JP" sz="3200" dirty="0"/>
+              <a:t>annotation(</a:t>
+            </a:r>
+            <a:r>
+              <a:rPr kumimoji="1" lang="ja-JP" altLang="en-US" sz="3200" dirty="0"/>
+              <a:t>アイコン情報</a:t>
+            </a:r>
+            <a:r>
+              <a:rPr kumimoji="1" lang="en-US" altLang="ja-JP" sz="3200" dirty="0"/>
+              <a:t>);</a:t>
+            </a:r>
+            <a:endParaRPr kumimoji="1" lang="ja-JP" altLang="en-US" sz="3200" dirty="0"/>
+          </a:p>
+        </p:txBody>
+      </p:sp>
+      <p:sp>
+        <p:nvSpPr>
+          <p:cNvPr id="23" name="テキスト ボックス 22">
+            <a:extLst>
+              <a:ext uri="{FF2B5EF4-FFF2-40B4-BE49-F238E27FC236}">
+                <a16:creationId xmlns:a16="http://schemas.microsoft.com/office/drawing/2014/main" id="{155D140F-71C9-451D-B483-C0FE81AA072E}"/>
+              </a:ext>
+            </a:extLst>
+          </p:cNvPr>
+          <p:cNvSpPr txBox="1"/>
+          <p:nvPr/>
+        </p:nvSpPr>
+        <p:spPr>
+          <a:xfrm>
+            <a:off x="2261061" y="5650847"/>
+            <a:ext cx="3762568" cy="584775"/>
+          </a:xfrm>
+          <a:prstGeom prst="rect">
+            <a:avLst/>
+          </a:prstGeom>
+          <a:noFill/>
+        </p:spPr>
+        <p:txBody>
+          <a:bodyPr wrap="none" rtlCol="0">
+            <a:spAutoFit/>
+          </a:bodyPr>
+          <a:lstStyle/>
+          <a:p>
+            <a:r>
+              <a:rPr lang="en-US" altLang="ja-JP" sz="3200" dirty="0"/>
+              <a:t>end</a:t>
+            </a:r>
+            <a:r>
+              <a:rPr lang="ja-JP" altLang="en-US" sz="3200" dirty="0"/>
+              <a:t>␣コネクター名</a:t>
+            </a:r>
+            <a:endParaRPr kumimoji="1" lang="ja-JP" altLang="en-US" sz="3200" dirty="0"/>
+          </a:p>
+        </p:txBody>
+      </p:sp>
+      <p:sp>
+        <p:nvSpPr>
+          <p:cNvPr id="12" name="正方形/長方形 11">
+            <a:extLst>
+              <a:ext uri="{FF2B5EF4-FFF2-40B4-BE49-F238E27FC236}">
+                <a16:creationId xmlns:a16="http://schemas.microsoft.com/office/drawing/2014/main" id="{3269690D-49F1-4F0C-8776-60275710D2E3}"/>
+              </a:ext>
+            </a:extLst>
+          </p:cNvPr>
+          <p:cNvSpPr/>
+          <p:nvPr/>
+        </p:nvSpPr>
+        <p:spPr>
+          <a:xfrm>
+            <a:off x="1855171" y="2119142"/>
+            <a:ext cx="8069879" cy="4392148"/>
+          </a:xfrm>
+          <a:prstGeom prst="rect">
+            <a:avLst/>
+          </a:prstGeom>
+          <a:noFill/>
+          <a:ln w="28575">
+            <a:solidFill>
+              <a:schemeClr val="tx1"/>
+            </a:solidFill>
+          </a:ln>
+        </p:spPr>
+        <p:style>
+          <a:lnRef idx="2">
+            <a:schemeClr val="accent1">
+              <a:shade val="50000"/>
+            </a:schemeClr>
+          </a:lnRef>
+          <a:fillRef idx="1">
+            <a:schemeClr val="accent1"/>
+          </a:fillRef>
+          <a:effectRef idx="0">
+            <a:schemeClr val="accent1"/>
+          </a:effectRef>
+          <a:fontRef idx="minor">
+            <a:schemeClr val="lt1"/>
+          </a:fontRef>
+        </p:style>
+        <p:txBody>
+          <a:bodyPr rtlCol="0" anchor="ctr"/>
+          <a:lstStyle/>
+          <a:p>
+            <a:pPr algn="ctr"/>
+            <a:endParaRPr kumimoji="1" lang="ja-JP" altLang="en-US" sz="2400"/>
+          </a:p>
+        </p:txBody>
+      </p:sp>
+      <p:sp>
+        <p:nvSpPr>
+          <p:cNvPr id="14" name="テキスト ボックス 13">
+            <a:extLst>
+              <a:ext uri="{FF2B5EF4-FFF2-40B4-BE49-F238E27FC236}">
+                <a16:creationId xmlns:a16="http://schemas.microsoft.com/office/drawing/2014/main" id="{0CBB15D5-34EB-49A8-A0E6-549885D873C2}"/>
+              </a:ext>
+            </a:extLst>
+          </p:cNvPr>
+          <p:cNvSpPr txBox="1"/>
+          <p:nvPr/>
+        </p:nvSpPr>
+        <p:spPr>
+          <a:xfrm>
+            <a:off x="2118545" y="1779732"/>
+            <a:ext cx="2520242" cy="461665"/>
+          </a:xfrm>
+          <a:prstGeom prst="rect">
+            <a:avLst/>
+          </a:prstGeom>
+          <a:solidFill>
+            <a:schemeClr val="bg1"/>
+          </a:solidFill>
+          <a:ln w="28575">
+            <a:solidFill>
+              <a:schemeClr val="tx1"/>
+            </a:solidFill>
+          </a:ln>
+        </p:spPr>
+        <p:txBody>
+          <a:bodyPr wrap="none" rtlCol="0">
+            <a:spAutoFit/>
+          </a:bodyPr>
+          <a:lstStyle/>
+          <a:p>
+            <a:r>
+              <a:rPr kumimoji="1" lang="en-US" altLang="ja-JP" sz="2400" dirty="0"/>
+              <a:t>connector</a:t>
+            </a:r>
+            <a:r>
+              <a:rPr kumimoji="1" lang="ja-JP" altLang="en-US" sz="2400" dirty="0"/>
+              <a:t>の書式</a:t>
             </a:r>
           </a:p>
         </p:txBody>
@@ -16352,6 +16693,88 @@
               <a:t>6</a:t>
             </a:fld>
             <a:endParaRPr kumimoji="1" lang="ja-JP" altLang="en-US"/>
+          </a:p>
+        </p:txBody>
+      </p:sp>
+      <p:sp>
+        <p:nvSpPr>
+          <p:cNvPr id="13" name="テキスト ボックス 12">
+            <a:extLst>
+              <a:ext uri="{FF2B5EF4-FFF2-40B4-BE49-F238E27FC236}">
+                <a16:creationId xmlns:a16="http://schemas.microsoft.com/office/drawing/2014/main" id="{E641485E-1643-45A1-A7FE-1E888374B60E}"/>
+              </a:ext>
+            </a:extLst>
+          </p:cNvPr>
+          <p:cNvSpPr txBox="1"/>
+          <p:nvPr/>
+        </p:nvSpPr>
+        <p:spPr>
+          <a:xfrm>
+            <a:off x="2880576" y="3858037"/>
+            <a:ext cx="6684843" cy="584775"/>
+          </a:xfrm>
+          <a:prstGeom prst="rect">
+            <a:avLst/>
+          </a:prstGeom>
+          <a:noFill/>
+        </p:spPr>
+        <p:txBody>
+          <a:bodyPr wrap="none" rtlCol="0">
+            <a:spAutoFit/>
+          </a:bodyPr>
+          <a:lstStyle/>
+          <a:p>
+            <a:r>
+              <a:rPr kumimoji="1" lang="ja-JP" altLang="en-US" sz="3200" dirty="0" smtClean="0"/>
+              <a:t>受け渡ししたい</a:t>
+            </a:r>
+            <a:r>
+              <a:rPr kumimoji="1" lang="ja-JP" altLang="en-US" sz="3200" dirty="0"/>
+              <a:t>変数の型</a:t>
+            </a:r>
+            <a:r>
+              <a:rPr lang="ja-JP" altLang="en-US" sz="3200" dirty="0"/>
+              <a:t>␣変</a:t>
+            </a:r>
+            <a:r>
+              <a:rPr lang="ja-JP" altLang="en-US" sz="3200" dirty="0" smtClean="0"/>
+              <a:t>数名</a:t>
+            </a:r>
+            <a:r>
+              <a:rPr lang="en-US" altLang="ja-JP" sz="3200" dirty="0" smtClean="0"/>
+              <a:t>2;</a:t>
+            </a:r>
+            <a:endParaRPr kumimoji="1" lang="ja-JP" altLang="en-US" sz="3200" dirty="0"/>
+          </a:p>
+        </p:txBody>
+      </p:sp>
+      <p:sp>
+        <p:nvSpPr>
+          <p:cNvPr id="2" name="テキスト ボックス 1"/>
+          <p:cNvSpPr txBox="1"/>
+          <p:nvPr/>
+        </p:nvSpPr>
+        <p:spPr>
+          <a:xfrm>
+            <a:off x="5520778" y="4381255"/>
+            <a:ext cx="369332" cy="553998"/>
+          </a:xfrm>
+          <a:prstGeom prst="rect">
+            <a:avLst/>
+          </a:prstGeom>
+          <a:noFill/>
+        </p:spPr>
+        <p:txBody>
+          <a:bodyPr vert="eaVert" wrap="none" rtlCol="0">
+            <a:spAutoFit/>
+          </a:bodyPr>
+          <a:lstStyle/>
+          <a:p>
+            <a:r>
+              <a:rPr kumimoji="1" lang="ja-JP" altLang="en-US" sz="1200" dirty="0" smtClean="0"/>
+              <a:t>・・・</a:t>
+            </a:r>
+            <a:endParaRPr kumimoji="1" lang="ja-JP" altLang="en-US" sz="1200" dirty="0"/>
           </a:p>
         </p:txBody>
       </p:sp>
@@ -16414,22 +16837,22 @@
           <a:lstStyle/>
           <a:p>
             <a:r>
-              <a:rPr lang="en-US" altLang="ja-JP" sz="2000" b="1" dirty="0"/>
+              <a:rPr lang="en-US" altLang="ja-JP" sz="2000" dirty="0"/>
               <a:t>connector</a:t>
             </a:r>
             <a:r>
-              <a:rPr lang="ja-JP" altLang="en-US" sz="2000" b="1" dirty="0"/>
+              <a:rPr lang="ja-JP" altLang="en-US" sz="2000" dirty="0"/>
               <a:t>「</a:t>
             </a:r>
             <a:r>
-              <a:rPr lang="en-US" altLang="ja-JP" sz="2000" b="1" dirty="0"/>
+              <a:rPr lang="en-US" altLang="ja-JP" sz="2000" dirty="0"/>
               <a:t>Port</a:t>
             </a:r>
             <a:r>
-              <a:rPr lang="ja-JP" altLang="en-US" sz="2000" b="1" dirty="0"/>
+              <a:rPr lang="ja-JP" altLang="en-US" sz="2000" dirty="0"/>
               <a:t>」を作成してみましょう。</a:t>
             </a:r>
-            <a:endParaRPr lang="en-US" altLang="ja-JP" sz="2000" b="1" dirty="0"/>
+            <a:endParaRPr lang="en-US" altLang="ja-JP" sz="2000" dirty="0"/>
           </a:p>
         </p:txBody>
       </p:sp>
@@ -16491,45 +16914,9 @@
           </a:p>
         </p:txBody>
       </p:sp>
-      <p:pic>
-        <p:nvPicPr>
-          <p:cNvPr id="2" name="図 1">
-            <a:extLst>
-              <a:ext uri="{FF2B5EF4-FFF2-40B4-BE49-F238E27FC236}">
-                <a16:creationId xmlns:a16="http://schemas.microsoft.com/office/drawing/2014/main" id="{E2C44C5F-9870-4584-9796-CD615AF61F53}"/>
-              </a:ext>
-            </a:extLst>
-          </p:cNvPr>
-          <p:cNvPicPr>
-            <a:picLocks noChangeAspect="1"/>
-          </p:cNvPicPr>
-          <p:nvPr/>
-        </p:nvPicPr>
-        <p:blipFill>
-          <a:blip r:embed="rId2"/>
-          <a:stretch>
-            <a:fillRect/>
-          </a:stretch>
-        </p:blipFill>
-        <p:spPr>
-          <a:xfrm>
-            <a:off x="2994779" y="2091567"/>
-            <a:ext cx="4643491" cy="2954337"/>
-          </a:xfrm>
-          <a:prstGeom prst="rect">
-            <a:avLst/>
-          </a:prstGeom>
-        </p:spPr>
-      </p:pic>
       <p:grpSp>
         <p:nvGrpSpPr>
-          <p:cNvPr id="15" name="グループ化 14">
-            <a:extLst>
-              <a:ext uri="{FF2B5EF4-FFF2-40B4-BE49-F238E27FC236}">
-                <a16:creationId xmlns:a16="http://schemas.microsoft.com/office/drawing/2014/main" id="{B1C33294-A42D-4F4D-A963-0AC66FE30331}"/>
-              </a:ext>
-            </a:extLst>
-          </p:cNvPr>
+          <p:cNvPr id="6" name="グループ化 5"/>
           <p:cNvGrpSpPr/>
           <p:nvPr/>
         </p:nvGrpSpPr>
@@ -16537,7 +16924,7 @@
           <a:xfrm>
             <a:off x="696079" y="1389571"/>
             <a:ext cx="10138987" cy="646331"/>
-            <a:chOff x="254945" y="903513"/>
+            <a:chOff x="696079" y="1389571"/>
             <a:chExt cx="10138987" cy="646331"/>
           </a:xfrm>
         </p:grpSpPr>
@@ -16555,7 +16942,7 @@
           </p:nvSpPr>
           <p:spPr>
             <a:xfrm>
-              <a:off x="620103" y="903513"/>
+              <a:off x="1061237" y="1389571"/>
               <a:ext cx="9773829" cy="646331"/>
             </a:xfrm>
             <a:prstGeom prst="rect">
@@ -16621,7 +17008,7 @@
           </p:nvSpPr>
           <p:spPr>
             <a:xfrm>
-              <a:off x="254945" y="929767"/>
+              <a:off x="696079" y="1389571"/>
               <a:ext cx="415498" cy="369332"/>
             </a:xfrm>
             <a:prstGeom prst="rect">
@@ -16645,22 +17032,16 @@
       </p:grpSp>
       <p:grpSp>
         <p:nvGrpSpPr>
-          <p:cNvPr id="18" name="グループ化 17">
-            <a:extLst>
-              <a:ext uri="{FF2B5EF4-FFF2-40B4-BE49-F238E27FC236}">
-                <a16:creationId xmlns:a16="http://schemas.microsoft.com/office/drawing/2014/main" id="{B953310D-FF78-4FA3-A208-2F2239AF13DD}"/>
-              </a:ext>
-            </a:extLst>
-          </p:cNvPr>
+          <p:cNvPr id="2" name="グループ化 1"/>
           <p:cNvGrpSpPr/>
           <p:nvPr/>
         </p:nvGrpSpPr>
         <p:grpSpPr>
           <a:xfrm>
             <a:off x="696079" y="5198102"/>
-            <a:ext cx="8765214" cy="395586"/>
-            <a:chOff x="254945" y="903513"/>
-            <a:chExt cx="8765214" cy="395586"/>
+            <a:ext cx="7841885" cy="369332"/>
+            <a:chOff x="696079" y="5198102"/>
+            <a:chExt cx="7841885" cy="369332"/>
           </a:xfrm>
         </p:grpSpPr>
         <p:sp>
@@ -16677,8 +17058,8 @@
           </p:nvSpPr>
           <p:spPr>
             <a:xfrm>
-              <a:off x="620103" y="903513"/>
-              <a:ext cx="8400056" cy="369332"/>
+              <a:off x="1061237" y="5198102"/>
+              <a:ext cx="7476727" cy="369332"/>
             </a:xfrm>
             <a:prstGeom prst="rect">
               <a:avLst/>
@@ -16696,12 +17077,16 @@
                 <a:t>テキストビューから以下のように</a:t>
               </a:r>
               <a:r>
-                <a:rPr lang="en-US" altLang="ja-JP" dirty="0"/>
+                <a:rPr lang="en-US" altLang="ja-JP" dirty="0" smtClean="0"/>
                 <a:t>connector</a:t>
               </a:r>
               <a:r>
+                <a:rPr lang="ja-JP" altLang="en-US" dirty="0" smtClean="0"/>
+                <a:t>のコードを</a:t>
+              </a:r>
+              <a:r>
                 <a:rPr lang="ja-JP" altLang="en-US" dirty="0"/>
-                <a:t>が作成できたことを確認しましょう</a:t>
+                <a:t>確認しましょう</a:t>
               </a:r>
             </a:p>
           </p:txBody>
@@ -16720,7 +17105,7 @@
           </p:nvSpPr>
           <p:spPr>
             <a:xfrm>
-              <a:off x="254945" y="929767"/>
+              <a:off x="696079" y="5198102"/>
               <a:ext cx="415498" cy="369332"/>
             </a:xfrm>
             <a:prstGeom prst="rect">
@@ -16742,15 +17127,62 @@
           </p:txBody>
         </p:sp>
       </p:grpSp>
+      <p:sp>
+        <p:nvSpPr>
+          <p:cNvPr id="8" name="スライド番号プレースホルダー 7">
+            <a:extLst>
+              <a:ext uri="{FF2B5EF4-FFF2-40B4-BE49-F238E27FC236}">
+                <a16:creationId xmlns:a16="http://schemas.microsoft.com/office/drawing/2014/main" id="{9B888C73-E70D-4707-AABB-96EEA0A74EEE}"/>
+              </a:ext>
+            </a:extLst>
+          </p:cNvPr>
+          <p:cNvSpPr>
+            <a:spLocks noGrp="1"/>
+          </p:cNvSpPr>
+          <p:nvPr>
+            <p:ph type="sldNum" sz="quarter" idx="12"/>
+          </p:nvPr>
+        </p:nvSpPr>
+        <p:spPr/>
+        <p:txBody>
+          <a:bodyPr/>
+          <a:lstStyle/>
+          <a:p>
+            <a:fld id="{D836F367-8F14-4921-8441-15DE2D973248}" type="slidenum">
+              <a:rPr kumimoji="1" lang="ja-JP" altLang="en-US" smtClean="0"/>
+              <a:t>7</a:t>
+            </a:fld>
+            <a:endParaRPr kumimoji="1" lang="ja-JP" altLang="en-US"/>
+          </a:p>
+        </p:txBody>
+      </p:sp>
       <p:pic>
         <p:nvPicPr>
-          <p:cNvPr id="7" name="図 6">
-            <a:extLst>
-              <a:ext uri="{FF2B5EF4-FFF2-40B4-BE49-F238E27FC236}">
-                <a16:creationId xmlns:a16="http://schemas.microsoft.com/office/drawing/2014/main" id="{1E33506B-372B-4747-BF9C-D23D094F5737}"/>
-              </a:ext>
-            </a:extLst>
-          </p:cNvPr>
+          <p:cNvPr id="3" name="図 2"/>
+          <p:cNvPicPr>
+            <a:picLocks noChangeAspect="1"/>
+          </p:cNvPicPr>
+          <p:nvPr/>
+        </p:nvPicPr>
+        <p:blipFill>
+          <a:blip r:embed="rId2"/>
+          <a:stretch>
+            <a:fillRect/>
+          </a:stretch>
+        </p:blipFill>
+        <p:spPr>
+          <a:xfrm>
+            <a:off x="2912110" y="2145352"/>
+            <a:ext cx="4474210" cy="2790844"/>
+          </a:xfrm>
+          <a:prstGeom prst="rect">
+            <a:avLst/>
+          </a:prstGeom>
+        </p:spPr>
+      </p:pic>
+      <p:pic>
+        <p:nvPicPr>
+          <p:cNvPr id="5" name="図 4"/>
           <p:cNvPicPr>
             <a:picLocks noChangeAspect="1"/>
           </p:cNvPicPr>
@@ -16764,43 +17196,14 @@
         </p:blipFill>
         <p:spPr>
           <a:xfrm>
-            <a:off x="3167049" y="5716319"/>
-            <a:ext cx="3680761" cy="996596"/>
+            <a:off x="3210407" y="5567434"/>
+            <a:ext cx="3535986" cy="1112616"/>
           </a:xfrm>
           <a:prstGeom prst="rect">
             <a:avLst/>
           </a:prstGeom>
         </p:spPr>
       </p:pic>
-      <p:sp>
-        <p:nvSpPr>
-          <p:cNvPr id="8" name="スライド番号プレースホルダー 7">
-            <a:extLst>
-              <a:ext uri="{FF2B5EF4-FFF2-40B4-BE49-F238E27FC236}">
-                <a16:creationId xmlns:a16="http://schemas.microsoft.com/office/drawing/2014/main" id="{9B888C73-E70D-4707-AABB-96EEA0A74EEE}"/>
-              </a:ext>
-            </a:extLst>
-          </p:cNvPr>
-          <p:cNvSpPr>
-            <a:spLocks noGrp="1"/>
-          </p:cNvSpPr>
-          <p:nvPr>
-            <p:ph type="sldNum" sz="quarter" idx="12"/>
-          </p:nvPr>
-        </p:nvSpPr>
-        <p:spPr/>
-        <p:txBody>
-          <a:bodyPr/>
-          <a:lstStyle/>
-          <a:p>
-            <a:fld id="{D836F367-8F14-4921-8441-15DE2D973248}" type="slidenum">
-              <a:rPr kumimoji="1" lang="ja-JP" altLang="en-US" smtClean="0"/>
-              <a:t>7</a:t>
-            </a:fld>
-            <a:endParaRPr kumimoji="1" lang="ja-JP" altLang="en-US"/>
-          </a:p>
-        </p:txBody>
-      </p:sp>
     </p:spTree>
     <p:extLst>
       <p:ext uri="{BB962C8B-B14F-4D97-AF65-F5344CB8AC3E}">
@@ -16891,13 +17294,7 @@
       </p:sp>
       <p:grpSp>
         <p:nvGrpSpPr>
-          <p:cNvPr id="8" name="グループ化 7">
-            <a:extLst>
-              <a:ext uri="{FF2B5EF4-FFF2-40B4-BE49-F238E27FC236}">
-                <a16:creationId xmlns:a16="http://schemas.microsoft.com/office/drawing/2014/main" id="{51A4E384-9C70-4C47-A9ED-9F5D1818DFDC}"/>
-              </a:ext>
-            </a:extLst>
-          </p:cNvPr>
+          <p:cNvPr id="2" name="グループ化 1"/>
           <p:cNvGrpSpPr/>
           <p:nvPr/>
         </p:nvGrpSpPr>
@@ -16905,7 +17302,7 @@
           <a:xfrm>
             <a:off x="506782" y="693528"/>
             <a:ext cx="9517022" cy="646331"/>
-            <a:chOff x="254945" y="903513"/>
+            <a:chOff x="506782" y="693528"/>
             <a:chExt cx="9517022" cy="646331"/>
           </a:xfrm>
         </p:grpSpPr>
@@ -16923,7 +17320,7 @@
           </p:nvSpPr>
           <p:spPr>
             <a:xfrm>
-              <a:off x="620103" y="903513"/>
+              <a:off x="871940" y="693528"/>
               <a:ext cx="9151864" cy="646331"/>
             </a:xfrm>
             <a:prstGeom prst="rect">
@@ -16939,14 +17336,34 @@
             <a:p>
               <a:r>
                 <a:rPr lang="ja-JP" altLang="en-US" dirty="0"/>
-                <a:t>やり取りする変数を定義します</a:t>
+                <a:t>受け渡</a:t>
+              </a:r>
+              <a:r>
+                <a:rPr lang="ja-JP" altLang="en-US" dirty="0" smtClean="0"/>
+                <a:t>し</a:t>
+              </a:r>
+              <a:r>
+                <a:rPr lang="ja-JP" altLang="en-US" dirty="0" smtClean="0"/>
+                <a:t>する</a:t>
+              </a:r>
+              <a:r>
+                <a:rPr lang="ja-JP" altLang="en-US" dirty="0"/>
+                <a:t>変数を定義します</a:t>
               </a:r>
               <a:endParaRPr lang="en-US" altLang="ja-JP" dirty="0"/>
             </a:p>
             <a:p>
               <a:r>
                 <a:rPr lang="ja-JP" altLang="en-US" dirty="0"/>
-                <a:t>今回は実数をやり取りするため、</a:t>
+                <a:t>今回は実数</a:t>
+              </a:r>
+              <a:r>
+                <a:rPr lang="ja-JP" altLang="en-US" dirty="0" smtClean="0"/>
+                <a:t>を受け渡しする</a:t>
+              </a:r>
+              <a:r>
+                <a:rPr lang="ja-JP" altLang="en-US" dirty="0"/>
+                <a:t>ため、</a:t>
               </a:r>
               <a:r>
                 <a:rPr lang="en-US" altLang="ja-JP" dirty="0"/>
@@ -16993,7 +17410,7 @@
           </p:nvSpPr>
           <p:spPr>
             <a:xfrm>
-              <a:off x="254945" y="929767"/>
+              <a:off x="506782" y="693528"/>
               <a:ext cx="415498" cy="369332"/>
             </a:xfrm>
             <a:prstGeom prst="rect">
@@ -17029,7 +17446,7 @@
         </p:nvGrpSpPr>
         <p:grpSpPr>
           <a:xfrm>
-            <a:off x="3311165" y="1322656"/>
+            <a:off x="3306423" y="1397247"/>
             <a:ext cx="3108686" cy="1255917"/>
             <a:chOff x="2283668" y="1486079"/>
             <a:chExt cx="3417885" cy="1380834"/>
@@ -17139,21 +17556,15 @@
       </p:grpSp>
       <p:grpSp>
         <p:nvGrpSpPr>
-          <p:cNvPr id="17" name="グループ化 16">
-            <a:extLst>
-              <a:ext uri="{FF2B5EF4-FFF2-40B4-BE49-F238E27FC236}">
-                <a16:creationId xmlns:a16="http://schemas.microsoft.com/office/drawing/2014/main" id="{07FB522B-5B28-407A-8EFB-6E3B5EEB5E5B}"/>
-              </a:ext>
-            </a:extLst>
-          </p:cNvPr>
+          <p:cNvPr id="3" name="グループ化 2"/>
           <p:cNvGrpSpPr/>
           <p:nvPr/>
         </p:nvGrpSpPr>
         <p:grpSpPr>
           <a:xfrm>
-            <a:off x="501403" y="2723140"/>
+            <a:off x="501403" y="2671297"/>
             <a:ext cx="8398126" cy="646331"/>
-            <a:chOff x="254945" y="903513"/>
+            <a:chOff x="501403" y="2723140"/>
             <a:chExt cx="8398126" cy="646331"/>
           </a:xfrm>
         </p:grpSpPr>
@@ -17171,7 +17582,7 @@
           </p:nvSpPr>
           <p:spPr>
             <a:xfrm>
-              <a:off x="620103" y="903513"/>
+              <a:off x="866561" y="2723140"/>
               <a:ext cx="8032968" cy="646331"/>
             </a:xfrm>
             <a:prstGeom prst="rect">
@@ -17221,7 +17632,7 @@
           </p:nvSpPr>
           <p:spPr>
             <a:xfrm>
-              <a:off x="254945" y="929767"/>
+              <a:off x="501403" y="2723140"/>
               <a:ext cx="415498" cy="369332"/>
             </a:xfrm>
             <a:prstGeom prst="rect">

--- a/5_CustomizeModel3_OnePlusOne/OpenModelica_Tutorials_5.pptx
+++ b/5_CustomizeModel3_OnePlusOne/OpenModelica_Tutorials_5.pptx
@@ -4300,7 +4300,7 @@
           </a:ln>
           <a:extLst>
             <a:ext uri="{C572A759-6A51-4108-AA02-DFA0A04FC94B}">
-              <ma14:wrappingTextBoxFlag xmlns:ma14="http://schemas.microsoft.com/office/mac/drawingml/2011/main" xmlns="" val="1"/>
+              <ma14:wrappingTextBoxFlag xmlns="" xmlns:ma14="http://schemas.microsoft.com/office/mac/drawingml/2011/main" val="1"/>
             </a:ext>
           </a:extLst>
         </p:spPr>
@@ -5244,7 +5244,7 @@
           </a:ln>
           <a:extLst>
             <a:ext uri="{C572A759-6A51-4108-AA02-DFA0A04FC94B}">
-              <ma14:wrappingTextBoxFlag xmlns:ma14="http://schemas.microsoft.com/office/mac/drawingml/2011/main" xmlns="" val="1"/>
+              <ma14:wrappingTextBoxFlag xmlns="" xmlns:ma14="http://schemas.microsoft.com/office/mac/drawingml/2011/main" val="1"/>
             </a:ext>
           </a:extLst>
         </p:spPr>
@@ -5591,7 +5591,7 @@
           </a:ln>
           <a:extLst>
             <a:ext uri="{C572A759-6A51-4108-AA02-DFA0A04FC94B}">
-              <ma14:wrappingTextBoxFlag xmlns:ma14="http://schemas.microsoft.com/office/mac/drawingml/2011/main" xmlns="" val="1"/>
+              <ma14:wrappingTextBoxFlag xmlns="" xmlns:ma14="http://schemas.microsoft.com/office/mac/drawingml/2011/main" val="1"/>
             </a:ext>
           </a:extLst>
         </p:spPr>
@@ -7306,7 +7306,7 @@
           </a:ln>
           <a:extLst>
             <a:ext uri="{C572A759-6A51-4108-AA02-DFA0A04FC94B}">
-              <ma14:wrappingTextBoxFlag xmlns:ma14="http://schemas.microsoft.com/office/mac/drawingml/2011/main" xmlns="" val="1"/>
+              <ma14:wrappingTextBoxFlag xmlns="" xmlns:ma14="http://schemas.microsoft.com/office/mac/drawingml/2011/main" val="1"/>
             </a:ext>
           </a:extLst>
         </p:spPr>
@@ -8305,7 +8305,7 @@
           </a:ln>
           <a:extLst>
             <a:ext uri="{C572A759-6A51-4108-AA02-DFA0A04FC94B}">
-              <ma14:wrappingTextBoxFlag xmlns:ma14="http://schemas.microsoft.com/office/mac/drawingml/2011/main" xmlns="" val="1"/>
+              <ma14:wrappingTextBoxFlag xmlns="" xmlns:ma14="http://schemas.microsoft.com/office/mac/drawingml/2011/main" val="1"/>
             </a:ext>
           </a:extLst>
         </p:spPr>
@@ -8824,7 +8824,7 @@
           </a:ln>
           <a:extLst>
             <a:ext uri="{C572A759-6A51-4108-AA02-DFA0A04FC94B}">
-              <ma14:wrappingTextBoxFlag xmlns:ma14="http://schemas.microsoft.com/office/mac/drawingml/2011/main" xmlns="" val="1"/>
+              <ma14:wrappingTextBoxFlag xmlns="" xmlns:ma14="http://schemas.microsoft.com/office/mac/drawingml/2011/main" val="1"/>
             </a:ext>
           </a:extLst>
         </p:spPr>
@@ -9771,7 +9771,7 @@
           </a:ln>
           <a:extLst>
             <a:ext uri="{C572A759-6A51-4108-AA02-DFA0A04FC94B}">
-              <ma14:wrappingTextBoxFlag xmlns:ma14="http://schemas.microsoft.com/office/mac/drawingml/2011/main" xmlns="" val="1"/>
+              <ma14:wrappingTextBoxFlag xmlns="" xmlns:ma14="http://schemas.microsoft.com/office/mac/drawingml/2011/main" val="1"/>
             </a:ext>
           </a:extLst>
         </p:spPr>
@@ -10365,7 +10365,7 @@
           </a:ln>
           <a:extLst>
             <a:ext uri="{C572A759-6A51-4108-AA02-DFA0A04FC94B}">
-              <ma14:wrappingTextBoxFlag xmlns:ma14="http://schemas.microsoft.com/office/mac/drawingml/2011/main" xmlns="" val="1"/>
+              <ma14:wrappingTextBoxFlag xmlns="" xmlns:ma14="http://schemas.microsoft.com/office/mac/drawingml/2011/main" val="1"/>
             </a:ext>
           </a:extLst>
         </p:spPr>
@@ -11124,7 +11124,7 @@
           </a:ln>
           <a:extLst>
             <a:ext uri="{C572A759-6A51-4108-AA02-DFA0A04FC94B}">
-              <ma14:wrappingTextBoxFlag xmlns:ma14="http://schemas.microsoft.com/office/mac/drawingml/2011/main" xmlns="" val="1"/>
+              <ma14:wrappingTextBoxFlag xmlns="" xmlns:ma14="http://schemas.microsoft.com/office/mac/drawingml/2011/main" val="1"/>
             </a:ext>
           </a:extLst>
         </p:spPr>
@@ -11445,7 +11445,7 @@
           </a:ln>
           <a:extLst>
             <a:ext uri="{C572A759-6A51-4108-AA02-DFA0A04FC94B}">
-              <ma14:wrappingTextBoxFlag xmlns:ma14="http://schemas.microsoft.com/office/mac/drawingml/2011/main" xmlns="" val="1"/>
+              <ma14:wrappingTextBoxFlag xmlns="" xmlns:ma14="http://schemas.microsoft.com/office/mac/drawingml/2011/main" val="1"/>
             </a:ext>
           </a:extLst>
         </p:spPr>
@@ -12701,7 +12701,11 @@
           <a:p>
             <a:r>
               <a:rPr lang="ja-JP" altLang="en-US" sz="2400" dirty="0"/>
-              <a:t>　　しております</a:t>
+              <a:t>　　して</a:t>
+            </a:r>
+            <a:r>
+              <a:rPr lang="ja-JP" altLang="en-US" sz="2400" dirty="0" smtClean="0"/>
+              <a:t>おります。</a:t>
             </a:r>
             <a:endParaRPr kumimoji="1" lang="en-US" altLang="ja-JP" sz="2400" dirty="0"/>
           </a:p>
@@ -12884,8 +12888,13 @@
             </a:r>
             <a:r>
               <a:rPr kumimoji="1" lang="ja-JP" altLang="en-US" sz="2400" dirty="0"/>
-              <a:t>チュートリアルは作成されています</a:t>
-            </a:r>
+              <a:t>チュートリアルは作成されて</a:t>
+            </a:r>
+            <a:r>
+              <a:rPr kumimoji="1" lang="ja-JP" altLang="en-US" sz="2400" dirty="0" smtClean="0"/>
+              <a:t>います。</a:t>
+            </a:r>
+            <a:endParaRPr kumimoji="1" lang="ja-JP" altLang="en-US" sz="2400" dirty="0"/>
           </a:p>
         </p:txBody>
       </p:sp>
@@ -12973,7 +12982,7 @@
           </a:ln>
           <a:extLst>
             <a:ext uri="{C572A759-6A51-4108-AA02-DFA0A04FC94B}">
-              <ma14:wrappingTextBoxFlag xmlns="" xmlns:ma14="http://schemas.microsoft.com/office/mac/drawingml/2011/main" val="1"/>
+              <ma14:wrappingTextBoxFlag xmlns:ma14="http://schemas.microsoft.com/office/mac/drawingml/2011/main" xmlns="" val="1"/>
             </a:ext>
           </a:extLst>
         </p:spPr>
@@ -13263,7 +13272,7 @@
           </a:ln>
           <a:extLst>
             <a:ext uri="{C572A759-6A51-4108-AA02-DFA0A04FC94B}">
-              <ma14:wrappingTextBoxFlag xmlns:ma14="http://schemas.microsoft.com/office/mac/drawingml/2011/main" xmlns="" val="1"/>
+              <ma14:wrappingTextBoxFlag xmlns="" xmlns:ma14="http://schemas.microsoft.com/office/mac/drawingml/2011/main" val="1"/>
             </a:ext>
           </a:extLst>
         </p:spPr>
@@ -13993,7 +14002,7 @@
           </a:ln>
           <a:extLst>
             <a:ext uri="{C572A759-6A51-4108-AA02-DFA0A04FC94B}">
-              <ma14:wrappingTextBoxFlag xmlns:ma14="http://schemas.microsoft.com/office/mac/drawingml/2011/main" xmlns="" val="1"/>
+              <ma14:wrappingTextBoxFlag xmlns="" xmlns:ma14="http://schemas.microsoft.com/office/mac/drawingml/2011/main" val="1"/>
             </a:ext>
           </a:extLst>
         </p:spPr>
@@ -15032,7 +15041,7 @@
           </a:ln>
           <a:extLst>
             <a:ext uri="{C572A759-6A51-4108-AA02-DFA0A04FC94B}">
-              <ma14:wrappingTextBoxFlag xmlns:ma14="http://schemas.microsoft.com/office/mac/drawingml/2011/main" xmlns="" val="1"/>
+              <ma14:wrappingTextBoxFlag xmlns="" xmlns:ma14="http://schemas.microsoft.com/office/mac/drawingml/2011/main" val="1"/>
             </a:ext>
           </a:extLst>
         </p:spPr>
@@ -15176,7 +15185,7 @@
           </a:ln>
           <a:extLst>
             <a:ext uri="{C572A759-6A51-4108-AA02-DFA0A04FC94B}">
-              <ma14:wrappingTextBoxFlag xmlns:ma14="http://schemas.microsoft.com/office/mac/drawingml/2011/main" xmlns="" val="1"/>
+              <ma14:wrappingTextBoxFlag xmlns="" xmlns:ma14="http://schemas.microsoft.com/office/mac/drawingml/2011/main" val="1"/>
             </a:ext>
           </a:extLst>
         </p:spPr>
@@ -16363,7 +16372,7 @@
           </a:ln>
           <a:extLst>
             <a:ext uri="{C572A759-6A51-4108-AA02-DFA0A04FC94B}">
-              <ma14:wrappingTextBoxFlag xmlns:ma14="http://schemas.microsoft.com/office/mac/drawingml/2011/main" xmlns="" val="1"/>
+              <ma14:wrappingTextBoxFlag xmlns="" xmlns:ma14="http://schemas.microsoft.com/office/mac/drawingml/2011/main" val="1"/>
             </a:ext>
           </a:extLst>
         </p:spPr>
@@ -16881,7 +16890,7 @@
           </a:ln>
           <a:extLst>
             <a:ext uri="{C572A759-6A51-4108-AA02-DFA0A04FC94B}">
-              <ma14:wrappingTextBoxFlag xmlns:ma14="http://schemas.microsoft.com/office/mac/drawingml/2011/main" xmlns="" val="1"/>
+              <ma14:wrappingTextBoxFlag xmlns="" xmlns:ma14="http://schemas.microsoft.com/office/mac/drawingml/2011/main" val="1"/>
             </a:ext>
           </a:extLst>
         </p:spPr>
@@ -17259,7 +17268,7 @@
           </a:ln>
           <a:extLst>
             <a:ext uri="{C572A759-6A51-4108-AA02-DFA0A04FC94B}">
-              <ma14:wrappingTextBoxFlag xmlns:ma14="http://schemas.microsoft.com/office/mac/drawingml/2011/main" xmlns="" val="1"/>
+              <ma14:wrappingTextBoxFlag xmlns="" xmlns:ma14="http://schemas.microsoft.com/office/mac/drawingml/2011/main" val="1"/>
             </a:ext>
           </a:extLst>
         </p:spPr>
@@ -17340,11 +17349,7 @@
               </a:r>
               <a:r>
                 <a:rPr lang="ja-JP" altLang="en-US" dirty="0" smtClean="0"/>
-                <a:t>し</a:t>
-              </a:r>
-              <a:r>
-                <a:rPr lang="ja-JP" altLang="en-US" dirty="0" smtClean="0"/>
-                <a:t>する</a:t>
+                <a:t>しする</a:t>
               </a:r>
               <a:r>
                 <a:rPr lang="ja-JP" altLang="en-US" dirty="0"/>
@@ -17919,7 +17924,7 @@
           </a:ln>
           <a:extLst>
             <a:ext uri="{C572A759-6A51-4108-AA02-DFA0A04FC94B}">
-              <ma14:wrappingTextBoxFlag xmlns:ma14="http://schemas.microsoft.com/office/mac/drawingml/2011/main" xmlns="" val="1"/>
+              <ma14:wrappingTextBoxFlag xmlns="" xmlns:ma14="http://schemas.microsoft.com/office/mac/drawingml/2011/main" val="1"/>
             </a:ext>
           </a:extLst>
         </p:spPr>

--- a/5_CustomizeModel3_OnePlusOne/OpenModelica_Tutorials_5.pptx
+++ b/5_CustomizeModel3_OnePlusOne/OpenModelica_Tutorials_5.pptx
@@ -228,7 +228,7 @@
           <a:p>
             <a:fld id="{C4670700-DA66-4BAD-8F9F-A4A758D36ABA}" type="datetimeFigureOut">
               <a:rPr kumimoji="1" lang="ja-JP" altLang="en-US" smtClean="0"/>
-              <a:t>2020/4/9</a:t>
+              <a:t>2020/4/10</a:t>
             </a:fld>
             <a:endParaRPr kumimoji="1" lang="ja-JP" altLang="en-US"/>
           </a:p>
@@ -674,7 +674,7 @@
           <a:p>
             <a:fld id="{CA2F2FF0-B0E3-4081-A194-5315B26D72C4}" type="datetime1">
               <a:rPr kumimoji="1" lang="ja-JP" altLang="en-US" smtClean="0"/>
-              <a:t>2020/4/9</a:t>
+              <a:t>2020/4/10</a:t>
             </a:fld>
             <a:endParaRPr kumimoji="1" lang="ja-JP" altLang="en-US"/>
           </a:p>
@@ -904,7 +904,7 @@
           <a:p>
             <a:fld id="{AA0CF445-3D47-45EB-B7B9-640298F78945}" type="datetime1">
               <a:rPr kumimoji="1" lang="ja-JP" altLang="en-US" smtClean="0"/>
-              <a:t>2020/4/9</a:t>
+              <a:t>2020/4/10</a:t>
             </a:fld>
             <a:endParaRPr kumimoji="1" lang="ja-JP" altLang="en-US"/>
           </a:p>
@@ -1144,7 +1144,7 @@
           <a:p>
             <a:fld id="{33274D65-32BF-448B-ADBF-66DCA4E8B106}" type="datetime1">
               <a:rPr kumimoji="1" lang="ja-JP" altLang="en-US" smtClean="0"/>
-              <a:t>2020/4/9</a:t>
+              <a:t>2020/4/10</a:t>
             </a:fld>
             <a:endParaRPr kumimoji="1" lang="ja-JP" altLang="en-US"/>
           </a:p>
@@ -1374,7 +1374,7 @@
           <a:p>
             <a:fld id="{852A9B57-A7E8-419F-90A8-90F2DA777A28}" type="datetime1">
               <a:rPr kumimoji="1" lang="ja-JP" altLang="en-US" smtClean="0"/>
-              <a:t>2020/4/9</a:t>
+              <a:t>2020/4/10</a:t>
             </a:fld>
             <a:endParaRPr kumimoji="1" lang="ja-JP" altLang="en-US"/>
           </a:p>
@@ -1649,7 +1649,7 @@
           <a:p>
             <a:fld id="{C90A889C-334E-44BD-8F41-5AC3386FFD37}" type="datetime1">
               <a:rPr kumimoji="1" lang="ja-JP" altLang="en-US" smtClean="0"/>
-              <a:t>2020/4/9</a:t>
+              <a:t>2020/4/10</a:t>
             </a:fld>
             <a:endParaRPr kumimoji="1" lang="ja-JP" altLang="en-US"/>
           </a:p>
@@ -1978,7 +1978,7 @@
           <a:p>
             <a:fld id="{58879D4E-6DF1-4713-B068-9512627C39B0}" type="datetime1">
               <a:rPr kumimoji="1" lang="ja-JP" altLang="en-US" smtClean="0"/>
-              <a:t>2020/4/9</a:t>
+              <a:t>2020/4/10</a:t>
             </a:fld>
             <a:endParaRPr kumimoji="1" lang="ja-JP" altLang="en-US"/>
           </a:p>
@@ -2454,7 +2454,7 @@
           <a:p>
             <a:fld id="{5DD38707-5E34-46C7-88C2-928145620E78}" type="datetime1">
               <a:rPr kumimoji="1" lang="ja-JP" altLang="en-US" smtClean="0"/>
-              <a:t>2020/4/9</a:t>
+              <a:t>2020/4/10</a:t>
             </a:fld>
             <a:endParaRPr kumimoji="1" lang="ja-JP" altLang="en-US"/>
           </a:p>
@@ -2595,7 +2595,7 @@
           <a:p>
             <a:fld id="{C7D5EE7D-C0B7-4B25-8104-5FCD7D2EAEA8}" type="datetime1">
               <a:rPr kumimoji="1" lang="ja-JP" altLang="en-US" smtClean="0"/>
-              <a:t>2020/4/9</a:t>
+              <a:t>2020/4/10</a:t>
             </a:fld>
             <a:endParaRPr kumimoji="1" lang="ja-JP" altLang="en-US"/>
           </a:p>
@@ -2708,7 +2708,7 @@
           <a:p>
             <a:fld id="{AA028A9A-8812-42D8-A8AC-F30CD1F57465}" type="datetime1">
               <a:rPr kumimoji="1" lang="ja-JP" altLang="en-US" smtClean="0"/>
-              <a:t>2020/4/9</a:t>
+              <a:t>2020/4/10</a:t>
             </a:fld>
             <a:endParaRPr kumimoji="1" lang="ja-JP" altLang="en-US"/>
           </a:p>
@@ -3051,7 +3051,7 @@
           <a:p>
             <a:fld id="{3638306A-7D11-4239-9371-3BFB25B5C686}" type="datetime1">
               <a:rPr kumimoji="1" lang="ja-JP" altLang="en-US" smtClean="0"/>
-              <a:t>2020/4/9</a:t>
+              <a:t>2020/4/10</a:t>
             </a:fld>
             <a:endParaRPr kumimoji="1" lang="ja-JP" altLang="en-US"/>
           </a:p>
@@ -3339,7 +3339,7 @@
           <a:p>
             <a:fld id="{25F8348D-66EA-4186-BB0B-99FB286568FF}" type="datetime1">
               <a:rPr kumimoji="1" lang="ja-JP" altLang="en-US" smtClean="0"/>
-              <a:t>2020/4/9</a:t>
+              <a:t>2020/4/10</a:t>
             </a:fld>
             <a:endParaRPr kumimoji="1" lang="ja-JP" altLang="en-US"/>
           </a:p>
@@ -3612,7 +3612,7 @@
           <a:p>
             <a:fld id="{AC9BD3EC-C0C8-40A6-81F1-9BBFA037EF8B}" type="datetime1">
               <a:rPr kumimoji="1" lang="ja-JP" altLang="en-US" smtClean="0"/>
-              <a:t>2020/4/9</a:t>
+              <a:t>2020/4/10</a:t>
             </a:fld>
             <a:endParaRPr kumimoji="1" lang="ja-JP" altLang="en-US"/>
           </a:p>
@@ -4231,6 +4231,13 @@
   <p:clrMapOvr>
     <a:masterClrMapping/>
   </p:clrMapOvr>
+  <p:timing>
+    <p:tnLst>
+      <p:par>
+        <p:cTn id="1" dur="indefinite" restart="never" nodeType="tmRoot"/>
+      </p:par>
+    </p:tnLst>
+  </p:timing>
 </p:sld>
 </file>
 
@@ -4300,7 +4307,7 @@
           </a:ln>
           <a:extLst>
             <a:ext uri="{C572A759-6A51-4108-AA02-DFA0A04FC94B}">
-              <ma14:wrappingTextBoxFlag xmlns="" xmlns:ma14="http://schemas.microsoft.com/office/mac/drawingml/2011/main" val="1"/>
+              <ma14:wrappingTextBoxFlag xmlns:ma14="http://schemas.microsoft.com/office/mac/drawingml/2011/main" xmlns="" val="1"/>
             </a:ext>
           </a:extLst>
         </p:spPr>
@@ -5030,6 +5037,13 @@
   <p:clrMapOvr>
     <a:masterClrMapping/>
   </p:clrMapOvr>
+  <p:timing>
+    <p:tnLst>
+      <p:par>
+        <p:cTn id="1" dur="indefinite" restart="never" nodeType="tmRoot"/>
+      </p:par>
+    </p:tnLst>
+  </p:timing>
 </p:sld>
 </file>
 
@@ -5244,7 +5258,7 @@
           </a:ln>
           <a:extLst>
             <a:ext uri="{C572A759-6A51-4108-AA02-DFA0A04FC94B}">
-              <ma14:wrappingTextBoxFlag xmlns="" xmlns:ma14="http://schemas.microsoft.com/office/mac/drawingml/2011/main" val="1"/>
+              <ma14:wrappingTextBoxFlag xmlns:ma14="http://schemas.microsoft.com/office/mac/drawingml/2011/main" xmlns="" val="1"/>
             </a:ext>
           </a:extLst>
         </p:spPr>
@@ -5517,6 +5531,13 @@
   <p:clrMapOvr>
     <a:masterClrMapping/>
   </p:clrMapOvr>
+  <p:timing>
+    <p:tnLst>
+      <p:par>
+        <p:cTn id="1" dur="indefinite" restart="never" nodeType="tmRoot"/>
+      </p:par>
+    </p:tnLst>
+  </p:timing>
 </p:sld>
 </file>
 
@@ -5591,7 +5612,7 @@
           </a:ln>
           <a:extLst>
             <a:ext uri="{C572A759-6A51-4108-AA02-DFA0A04FC94B}">
-              <ma14:wrappingTextBoxFlag xmlns="" xmlns:ma14="http://schemas.microsoft.com/office/mac/drawingml/2011/main" val="1"/>
+              <ma14:wrappingTextBoxFlag xmlns:ma14="http://schemas.microsoft.com/office/mac/drawingml/2011/main" xmlns="" val="1"/>
             </a:ext>
           </a:extLst>
         </p:spPr>
@@ -7208,6 +7229,13 @@
   <p:clrMapOvr>
     <a:masterClrMapping/>
   </p:clrMapOvr>
+  <p:timing>
+    <p:tnLst>
+      <p:par>
+        <p:cTn id="1" dur="indefinite" restart="never" nodeType="tmRoot"/>
+      </p:par>
+    </p:tnLst>
+  </p:timing>
 </p:sld>
 </file>
 
@@ -7306,7 +7334,7 @@
           </a:ln>
           <a:extLst>
             <a:ext uri="{C572A759-6A51-4108-AA02-DFA0A04FC94B}">
-              <ma14:wrappingTextBoxFlag xmlns="" xmlns:ma14="http://schemas.microsoft.com/office/mac/drawingml/2011/main" val="1"/>
+              <ma14:wrappingTextBoxFlag xmlns:ma14="http://schemas.microsoft.com/office/mac/drawingml/2011/main" xmlns="" val="1"/>
             </a:ext>
           </a:extLst>
         </p:spPr>
@@ -8231,6 +8259,13 @@
   <p:clrMapOvr>
     <a:masterClrMapping/>
   </p:clrMapOvr>
+  <p:timing>
+    <p:tnLst>
+      <p:par>
+        <p:cTn id="1" dur="indefinite" restart="never" nodeType="tmRoot"/>
+      </p:par>
+    </p:tnLst>
+  </p:timing>
 </p:sld>
 </file>
 
@@ -8305,7 +8340,7 @@
           </a:ln>
           <a:extLst>
             <a:ext uri="{C572A759-6A51-4108-AA02-DFA0A04FC94B}">
-              <ma14:wrappingTextBoxFlag xmlns="" xmlns:ma14="http://schemas.microsoft.com/office/mac/drawingml/2011/main" val="1"/>
+              <ma14:wrappingTextBoxFlag xmlns:ma14="http://schemas.microsoft.com/office/mac/drawingml/2011/main" xmlns="" val="1"/>
             </a:ext>
           </a:extLst>
         </p:spPr>
@@ -8726,6 +8761,13 @@
   <p:clrMapOvr>
     <a:masterClrMapping/>
   </p:clrMapOvr>
+  <p:timing>
+    <p:tnLst>
+      <p:par>
+        <p:cTn id="1" dur="indefinite" restart="never" nodeType="tmRoot"/>
+      </p:par>
+    </p:tnLst>
+  </p:timing>
 </p:sld>
 </file>
 
@@ -8824,7 +8866,7 @@
           </a:ln>
           <a:extLst>
             <a:ext uri="{C572A759-6A51-4108-AA02-DFA0A04FC94B}">
-              <ma14:wrappingTextBoxFlag xmlns="" xmlns:ma14="http://schemas.microsoft.com/office/mac/drawingml/2011/main" val="1"/>
+              <ma14:wrappingTextBoxFlag xmlns:ma14="http://schemas.microsoft.com/office/mac/drawingml/2011/main" xmlns="" val="1"/>
             </a:ext>
           </a:extLst>
         </p:spPr>
@@ -9697,6 +9739,13 @@
   <p:clrMapOvr>
     <a:masterClrMapping/>
   </p:clrMapOvr>
+  <p:timing>
+    <p:tnLst>
+      <p:par>
+        <p:cTn id="1" dur="indefinite" restart="never" nodeType="tmRoot"/>
+      </p:par>
+    </p:tnLst>
+  </p:timing>
 </p:sld>
 </file>
 
@@ -9771,7 +9820,7 @@
           </a:ln>
           <a:extLst>
             <a:ext uri="{C572A759-6A51-4108-AA02-DFA0A04FC94B}">
-              <ma14:wrappingTextBoxFlag xmlns="" xmlns:ma14="http://schemas.microsoft.com/office/mac/drawingml/2011/main" val="1"/>
+              <ma14:wrappingTextBoxFlag xmlns:ma14="http://schemas.microsoft.com/office/mac/drawingml/2011/main" xmlns="" val="1"/>
             </a:ext>
           </a:extLst>
         </p:spPr>
@@ -10136,7 +10185,11 @@
               </a:r>
               <a:r>
                 <a:rPr lang="en-US" altLang="ja-JP" dirty="0"/>
-                <a:t>a = port1.var</a:t>
+                <a:t>a = </a:t>
+              </a:r>
+              <a:r>
+                <a:rPr lang="en-US" altLang="ja-JP" dirty="0" err="1" smtClean="0"/>
+                <a:t>port.var</a:t>
               </a:r>
               <a:r>
                 <a:rPr lang="ja-JP" altLang="en-US" dirty="0"/>
@@ -10365,7 +10418,7 @@
           </a:ln>
           <a:extLst>
             <a:ext uri="{C572A759-6A51-4108-AA02-DFA0A04FC94B}">
-              <ma14:wrappingTextBoxFlag xmlns="" xmlns:ma14="http://schemas.microsoft.com/office/mac/drawingml/2011/main" val="1"/>
+              <ma14:wrappingTextBoxFlag xmlns:ma14="http://schemas.microsoft.com/office/mac/drawingml/2011/main" xmlns="" val="1"/>
             </a:ext>
           </a:extLst>
         </p:spPr>
@@ -11050,6 +11103,13 @@
   <p:clrMapOvr>
     <a:masterClrMapping/>
   </p:clrMapOvr>
+  <p:timing>
+    <p:tnLst>
+      <p:par>
+        <p:cTn id="1" dur="indefinite" restart="never" nodeType="tmRoot"/>
+      </p:par>
+    </p:tnLst>
+  </p:timing>
 </p:sld>
 </file>
 
@@ -11124,7 +11184,7 @@
           </a:ln>
           <a:extLst>
             <a:ext uri="{C572A759-6A51-4108-AA02-DFA0A04FC94B}">
-              <ma14:wrappingTextBoxFlag xmlns="" xmlns:ma14="http://schemas.microsoft.com/office/mac/drawingml/2011/main" val="1"/>
+              <ma14:wrappingTextBoxFlag xmlns:ma14="http://schemas.microsoft.com/office/mac/drawingml/2011/main" xmlns="" val="1"/>
             </a:ext>
           </a:extLst>
         </p:spPr>
@@ -11312,6 +11372,13 @@
   <p:clrMapOvr>
     <a:masterClrMapping/>
   </p:clrMapOvr>
+  <p:timing>
+    <p:tnLst>
+      <p:par>
+        <p:cTn id="1" dur="indefinite" restart="never" nodeType="tmRoot"/>
+      </p:par>
+    </p:tnLst>
+  </p:timing>
 </p:sld>
 </file>
 
@@ -11445,7 +11512,7 @@
           </a:ln>
           <a:extLst>
             <a:ext uri="{C572A759-6A51-4108-AA02-DFA0A04FC94B}">
-              <ma14:wrappingTextBoxFlag xmlns="" xmlns:ma14="http://schemas.microsoft.com/office/mac/drawingml/2011/main" val="1"/>
+              <ma14:wrappingTextBoxFlag xmlns:ma14="http://schemas.microsoft.com/office/mac/drawingml/2011/main" xmlns="" val="1"/>
             </a:ext>
           </a:extLst>
         </p:spPr>
@@ -12605,6 +12672,13 @@
   <p:clrMapOvr>
     <a:masterClrMapping/>
   </p:clrMapOvr>
+  <p:timing>
+    <p:tnLst>
+      <p:par>
+        <p:cTn id="1" dur="indefinite" restart="never" nodeType="tmRoot"/>
+      </p:par>
+    </p:tnLst>
+  </p:timing>
 </p:sld>
 </file>
 
@@ -12937,6 +13011,13 @@
   <p:clrMapOvr>
     <a:masterClrMapping/>
   </p:clrMapOvr>
+  <p:timing>
+    <p:tnLst>
+      <p:par>
+        <p:cTn id="1" dur="indefinite" restart="never" nodeType="tmRoot"/>
+      </p:par>
+    </p:tnLst>
+  </p:timing>
 </p:sld>
 </file>
 
@@ -12982,7 +13063,7 @@
           </a:ln>
           <a:extLst>
             <a:ext uri="{C572A759-6A51-4108-AA02-DFA0A04FC94B}">
-              <ma14:wrappingTextBoxFlag xmlns:ma14="http://schemas.microsoft.com/office/mac/drawingml/2011/main" xmlns="" val="1"/>
+              <ma14:wrappingTextBoxFlag xmlns="" xmlns:ma14="http://schemas.microsoft.com/office/mac/drawingml/2011/main" val="1"/>
             </a:ext>
           </a:extLst>
         </p:spPr>
@@ -13227,6 +13308,13 @@
   <p:clrMapOvr>
     <a:masterClrMapping/>
   </p:clrMapOvr>
+  <p:timing>
+    <p:tnLst>
+      <p:par>
+        <p:cTn id="1" dur="indefinite" restart="never" nodeType="tmRoot"/>
+      </p:par>
+    </p:tnLst>
+  </p:timing>
 </p:sld>
 </file>
 
@@ -13272,7 +13360,7 @@
           </a:ln>
           <a:extLst>
             <a:ext uri="{C572A759-6A51-4108-AA02-DFA0A04FC94B}">
-              <ma14:wrappingTextBoxFlag xmlns="" xmlns:ma14="http://schemas.microsoft.com/office/mac/drawingml/2011/main" val="1"/>
+              <ma14:wrappingTextBoxFlag xmlns:ma14="http://schemas.microsoft.com/office/mac/drawingml/2011/main" xmlns="" val="1"/>
             </a:ext>
           </a:extLst>
         </p:spPr>
@@ -13957,6 +14045,13 @@
   <p:clrMapOvr>
     <a:masterClrMapping/>
   </p:clrMapOvr>
+  <p:timing>
+    <p:tnLst>
+      <p:par>
+        <p:cTn id="1" dur="indefinite" restart="never" nodeType="tmRoot"/>
+      </p:par>
+    </p:tnLst>
+  </p:timing>
 </p:sld>
 </file>
 
@@ -14002,7 +14097,7 @@
           </a:ln>
           <a:extLst>
             <a:ext uri="{C572A759-6A51-4108-AA02-DFA0A04FC94B}">
-              <ma14:wrappingTextBoxFlag xmlns="" xmlns:ma14="http://schemas.microsoft.com/office/mac/drawingml/2011/main" val="1"/>
+              <ma14:wrappingTextBoxFlag xmlns:ma14="http://schemas.microsoft.com/office/mac/drawingml/2011/main" xmlns="" val="1"/>
             </a:ext>
           </a:extLst>
         </p:spPr>
@@ -14254,6 +14349,13 @@
   <p:clrMapOvr>
     <a:masterClrMapping/>
   </p:clrMapOvr>
+  <p:timing>
+    <p:tnLst>
+      <p:par>
+        <p:cTn id="1" dur="indefinite" restart="never" nodeType="tmRoot"/>
+      </p:par>
+    </p:tnLst>
+  </p:timing>
 </p:sld>
 </file>
 
@@ -15041,7 +15143,7 @@
           </a:ln>
           <a:extLst>
             <a:ext uri="{C572A759-6A51-4108-AA02-DFA0A04FC94B}">
-              <ma14:wrappingTextBoxFlag xmlns="" xmlns:ma14="http://schemas.microsoft.com/office/mac/drawingml/2011/main" val="1"/>
+              <ma14:wrappingTextBoxFlag xmlns:ma14="http://schemas.microsoft.com/office/mac/drawingml/2011/main" xmlns="" val="1"/>
             </a:ext>
           </a:extLst>
         </p:spPr>
@@ -15140,6 +15242,13 @@
   <p:clrMapOvr>
     <a:masterClrMapping/>
   </p:clrMapOvr>
+  <p:timing>
+    <p:tnLst>
+      <p:par>
+        <p:cTn id="1" dur="indefinite" restart="never" nodeType="tmRoot"/>
+      </p:par>
+    </p:tnLst>
+  </p:timing>
 </p:sld>
 </file>
 
@@ -15185,7 +15294,7 @@
           </a:ln>
           <a:extLst>
             <a:ext uri="{C572A759-6A51-4108-AA02-DFA0A04FC94B}">
-              <ma14:wrappingTextBoxFlag xmlns="" xmlns:ma14="http://schemas.microsoft.com/office/mac/drawingml/2011/main" val="1"/>
+              <ma14:wrappingTextBoxFlag xmlns:ma14="http://schemas.microsoft.com/office/mac/drawingml/2011/main" xmlns="" val="1"/>
             </a:ext>
           </a:extLst>
         </p:spPr>
@@ -16273,6 +16382,13 @@
   <p:clrMapOvr>
     <a:masterClrMapping/>
   </p:clrMapOvr>
+  <p:timing>
+    <p:tnLst>
+      <p:par>
+        <p:cTn id="1" dur="indefinite" restart="never" nodeType="tmRoot"/>
+      </p:par>
+    </p:tnLst>
+  </p:timing>
 </p:sld>
 </file>
 
@@ -16372,7 +16488,7 @@
           </a:ln>
           <a:extLst>
             <a:ext uri="{C572A759-6A51-4108-AA02-DFA0A04FC94B}">
-              <ma14:wrappingTextBoxFlag xmlns="" xmlns:ma14="http://schemas.microsoft.com/office/mac/drawingml/2011/main" val="1"/>
+              <ma14:wrappingTextBoxFlag xmlns:ma14="http://schemas.microsoft.com/office/mac/drawingml/2011/main" xmlns="" val="1"/>
             </a:ext>
           </a:extLst>
         </p:spPr>
@@ -16553,7 +16669,7 @@
         <p:spPr>
           <a:xfrm>
             <a:off x="2261061" y="5650847"/>
-            <a:ext cx="3762568" cy="584775"/>
+            <a:ext cx="3879588" cy="584775"/>
           </a:xfrm>
           <a:prstGeom prst="rect">
             <a:avLst/>
@@ -16572,7 +16688,15 @@
             </a:r>
             <a:r>
               <a:rPr lang="ja-JP" altLang="en-US" sz="3200" dirty="0"/>
-              <a:t>␣コネクター名</a:t>
+              <a:t>␣</a:t>
+            </a:r>
+            <a:r>
+              <a:rPr lang="ja-JP" altLang="en-US" sz="3200" dirty="0" smtClean="0"/>
+              <a:t>コネクター名</a:t>
+            </a:r>
+            <a:r>
+              <a:rPr lang="en-US" altLang="ja-JP" sz="3200" dirty="0" smtClean="0"/>
+              <a:t>;</a:t>
             </a:r>
             <a:endParaRPr kumimoji="1" lang="ja-JP" altLang="en-US" sz="3200" dirty="0"/>
           </a:p>
@@ -16797,6 +16921,13 @@
   <p:clrMapOvr>
     <a:masterClrMapping/>
   </p:clrMapOvr>
+  <p:timing>
+    <p:tnLst>
+      <p:par>
+        <p:cTn id="1" dur="indefinite" restart="never" nodeType="tmRoot"/>
+      </p:par>
+    </p:tnLst>
+  </p:timing>
 </p:sld>
 </file>
 
@@ -16890,7 +17021,7 @@
           </a:ln>
           <a:extLst>
             <a:ext uri="{C572A759-6A51-4108-AA02-DFA0A04FC94B}">
-              <ma14:wrappingTextBoxFlag xmlns="" xmlns:ma14="http://schemas.microsoft.com/office/mac/drawingml/2011/main" val="1"/>
+              <ma14:wrappingTextBoxFlag xmlns:ma14="http://schemas.microsoft.com/office/mac/drawingml/2011/main" xmlns="" val="1"/>
             </a:ext>
           </a:extLst>
         </p:spPr>
@@ -17223,6 +17354,13 @@
   <p:clrMapOvr>
     <a:masterClrMapping/>
   </p:clrMapOvr>
+  <p:timing>
+    <p:tnLst>
+      <p:par>
+        <p:cTn id="1" dur="indefinite" restart="never" nodeType="tmRoot"/>
+      </p:par>
+    </p:tnLst>
+  </p:timing>
 </p:sld>
 </file>
 
@@ -17268,7 +17406,7 @@
           </a:ln>
           <a:extLst>
             <a:ext uri="{C572A759-6A51-4108-AA02-DFA0A04FC94B}">
-              <ma14:wrappingTextBoxFlag xmlns="" xmlns:ma14="http://schemas.microsoft.com/office/mac/drawingml/2011/main" val="1"/>
+              <ma14:wrappingTextBoxFlag xmlns:ma14="http://schemas.microsoft.com/office/mac/drawingml/2011/main" xmlns="" val="1"/>
             </a:ext>
           </a:extLst>
         </p:spPr>
@@ -17618,7 +17756,15 @@
               </a:r>
               <a:r>
                 <a:rPr lang="ja-JP" altLang="en-US" dirty="0"/>
-                <a:t>全体に長方形を書いてください</a:t>
+                <a:t>全体</a:t>
+              </a:r>
+              <a:r>
+                <a:rPr lang="ja-JP" altLang="en-US" dirty="0" smtClean="0"/>
+                <a:t>に正方形</a:t>
+              </a:r>
+              <a:r>
+                <a:rPr lang="ja-JP" altLang="en-US" dirty="0"/>
+                <a:t>を書いてください</a:t>
               </a:r>
             </a:p>
           </p:txBody>
@@ -17879,6 +18025,13 @@
   <p:clrMapOvr>
     <a:masterClrMapping/>
   </p:clrMapOvr>
+  <p:timing>
+    <p:tnLst>
+      <p:par>
+        <p:cTn id="1" dur="indefinite" restart="never" nodeType="tmRoot"/>
+      </p:par>
+    </p:tnLst>
+  </p:timing>
 </p:sld>
 </file>
 
@@ -17924,7 +18077,7 @@
           </a:ln>
           <a:extLst>
             <a:ext uri="{C572A759-6A51-4108-AA02-DFA0A04FC94B}">
-              <ma14:wrappingTextBoxFlag xmlns="" xmlns:ma14="http://schemas.microsoft.com/office/mac/drawingml/2011/main" val="1"/>
+              <ma14:wrappingTextBoxFlag xmlns:ma14="http://schemas.microsoft.com/office/mac/drawingml/2011/main" xmlns="" val="1"/>
             </a:ext>
           </a:extLst>
         </p:spPr>
@@ -18273,6 +18426,13 @@
   <p:clrMapOvr>
     <a:masterClrMapping/>
   </p:clrMapOvr>
+  <p:timing>
+    <p:tnLst>
+      <p:par>
+        <p:cTn id="1" dur="indefinite" restart="never" nodeType="tmRoot"/>
+      </p:par>
+    </p:tnLst>
+  </p:timing>
 </p:sld>
 </file>
 

--- a/5_CustomizeModel3_OnePlusOne/OpenModelica_Tutorials_5.pptx
+++ b/5_CustomizeModel3_OnePlusOne/OpenModelica_Tutorials_5.pptx
@@ -228,7 +228,7 @@
           <a:p>
             <a:fld id="{C4670700-DA66-4BAD-8F9F-A4A758D36ABA}" type="datetimeFigureOut">
               <a:rPr kumimoji="1" lang="ja-JP" altLang="en-US" smtClean="0"/>
-              <a:t>2020/4/10</a:t>
+              <a:t>2020/4/13</a:t>
             </a:fld>
             <a:endParaRPr kumimoji="1" lang="ja-JP" altLang="en-US"/>
           </a:p>
@@ -674,7 +674,7 @@
           <a:p>
             <a:fld id="{CA2F2FF0-B0E3-4081-A194-5315B26D72C4}" type="datetime1">
               <a:rPr kumimoji="1" lang="ja-JP" altLang="en-US" smtClean="0"/>
-              <a:t>2020/4/10</a:t>
+              <a:t>2020/4/13</a:t>
             </a:fld>
             <a:endParaRPr kumimoji="1" lang="ja-JP" altLang="en-US"/>
           </a:p>
@@ -904,7 +904,7 @@
           <a:p>
             <a:fld id="{AA0CF445-3D47-45EB-B7B9-640298F78945}" type="datetime1">
               <a:rPr kumimoji="1" lang="ja-JP" altLang="en-US" smtClean="0"/>
-              <a:t>2020/4/10</a:t>
+              <a:t>2020/4/13</a:t>
             </a:fld>
             <a:endParaRPr kumimoji="1" lang="ja-JP" altLang="en-US"/>
           </a:p>
@@ -1144,7 +1144,7 @@
           <a:p>
             <a:fld id="{33274D65-32BF-448B-ADBF-66DCA4E8B106}" type="datetime1">
               <a:rPr kumimoji="1" lang="ja-JP" altLang="en-US" smtClean="0"/>
-              <a:t>2020/4/10</a:t>
+              <a:t>2020/4/13</a:t>
             </a:fld>
             <a:endParaRPr kumimoji="1" lang="ja-JP" altLang="en-US"/>
           </a:p>
@@ -1374,7 +1374,7 @@
           <a:p>
             <a:fld id="{852A9B57-A7E8-419F-90A8-90F2DA777A28}" type="datetime1">
               <a:rPr kumimoji="1" lang="ja-JP" altLang="en-US" smtClean="0"/>
-              <a:t>2020/4/10</a:t>
+              <a:t>2020/4/13</a:t>
             </a:fld>
             <a:endParaRPr kumimoji="1" lang="ja-JP" altLang="en-US"/>
           </a:p>
@@ -1649,7 +1649,7 @@
           <a:p>
             <a:fld id="{C90A889C-334E-44BD-8F41-5AC3386FFD37}" type="datetime1">
               <a:rPr kumimoji="1" lang="ja-JP" altLang="en-US" smtClean="0"/>
-              <a:t>2020/4/10</a:t>
+              <a:t>2020/4/13</a:t>
             </a:fld>
             <a:endParaRPr kumimoji="1" lang="ja-JP" altLang="en-US"/>
           </a:p>
@@ -1978,7 +1978,7 @@
           <a:p>
             <a:fld id="{58879D4E-6DF1-4713-B068-9512627C39B0}" type="datetime1">
               <a:rPr kumimoji="1" lang="ja-JP" altLang="en-US" smtClean="0"/>
-              <a:t>2020/4/10</a:t>
+              <a:t>2020/4/13</a:t>
             </a:fld>
             <a:endParaRPr kumimoji="1" lang="ja-JP" altLang="en-US"/>
           </a:p>
@@ -2454,7 +2454,7 @@
           <a:p>
             <a:fld id="{5DD38707-5E34-46C7-88C2-928145620E78}" type="datetime1">
               <a:rPr kumimoji="1" lang="ja-JP" altLang="en-US" smtClean="0"/>
-              <a:t>2020/4/10</a:t>
+              <a:t>2020/4/13</a:t>
             </a:fld>
             <a:endParaRPr kumimoji="1" lang="ja-JP" altLang="en-US"/>
           </a:p>
@@ -2595,7 +2595,7 @@
           <a:p>
             <a:fld id="{C7D5EE7D-C0B7-4B25-8104-5FCD7D2EAEA8}" type="datetime1">
               <a:rPr kumimoji="1" lang="ja-JP" altLang="en-US" smtClean="0"/>
-              <a:t>2020/4/10</a:t>
+              <a:t>2020/4/13</a:t>
             </a:fld>
             <a:endParaRPr kumimoji="1" lang="ja-JP" altLang="en-US"/>
           </a:p>
@@ -2708,7 +2708,7 @@
           <a:p>
             <a:fld id="{AA028A9A-8812-42D8-A8AC-F30CD1F57465}" type="datetime1">
               <a:rPr kumimoji="1" lang="ja-JP" altLang="en-US" smtClean="0"/>
-              <a:t>2020/4/10</a:t>
+              <a:t>2020/4/13</a:t>
             </a:fld>
             <a:endParaRPr kumimoji="1" lang="ja-JP" altLang="en-US"/>
           </a:p>
@@ -3051,7 +3051,7 @@
           <a:p>
             <a:fld id="{3638306A-7D11-4239-9371-3BFB25B5C686}" type="datetime1">
               <a:rPr kumimoji="1" lang="ja-JP" altLang="en-US" smtClean="0"/>
-              <a:t>2020/4/10</a:t>
+              <a:t>2020/4/13</a:t>
             </a:fld>
             <a:endParaRPr kumimoji="1" lang="ja-JP" altLang="en-US"/>
           </a:p>
@@ -3339,7 +3339,7 @@
           <a:p>
             <a:fld id="{25F8348D-66EA-4186-BB0B-99FB286568FF}" type="datetime1">
               <a:rPr kumimoji="1" lang="ja-JP" altLang="en-US" smtClean="0"/>
-              <a:t>2020/4/10</a:t>
+              <a:t>2020/4/13</a:t>
             </a:fld>
             <a:endParaRPr kumimoji="1" lang="ja-JP" altLang="en-US"/>
           </a:p>
@@ -3612,7 +3612,7 @@
           <a:p>
             <a:fld id="{AC9BD3EC-C0C8-40A6-81F1-9BBFA037EF8B}" type="datetime1">
               <a:rPr kumimoji="1" lang="ja-JP" altLang="en-US" smtClean="0"/>
-              <a:t>2020/4/10</a:t>
+              <a:t>2020/4/13</a:t>
             </a:fld>
             <a:endParaRPr kumimoji="1" lang="ja-JP" altLang="en-US"/>
           </a:p>
@@ -4307,7 +4307,7 @@
           </a:ln>
           <a:extLst>
             <a:ext uri="{C572A759-6A51-4108-AA02-DFA0A04FC94B}">
-              <ma14:wrappingTextBoxFlag xmlns:ma14="http://schemas.microsoft.com/office/mac/drawingml/2011/main" xmlns="" val="1"/>
+              <ma14:wrappingTextBoxFlag xmlns="" xmlns:ma14="http://schemas.microsoft.com/office/mac/drawingml/2011/main" val="1"/>
             </a:ext>
           </a:extLst>
         </p:spPr>
@@ -5258,7 +5258,7 @@
           </a:ln>
           <a:extLst>
             <a:ext uri="{C572A759-6A51-4108-AA02-DFA0A04FC94B}">
-              <ma14:wrappingTextBoxFlag xmlns:ma14="http://schemas.microsoft.com/office/mac/drawingml/2011/main" xmlns="" val="1"/>
+              <ma14:wrappingTextBoxFlag xmlns="" xmlns:ma14="http://schemas.microsoft.com/office/mac/drawingml/2011/main" val="1"/>
             </a:ext>
           </a:extLst>
         </p:spPr>
@@ -5612,7 +5612,7 @@
           </a:ln>
           <a:extLst>
             <a:ext uri="{C572A759-6A51-4108-AA02-DFA0A04FC94B}">
-              <ma14:wrappingTextBoxFlag xmlns:ma14="http://schemas.microsoft.com/office/mac/drawingml/2011/main" xmlns="" val="1"/>
+              <ma14:wrappingTextBoxFlag xmlns="" xmlns:ma14="http://schemas.microsoft.com/office/mac/drawingml/2011/main" val="1"/>
             </a:ext>
           </a:extLst>
         </p:spPr>
@@ -7334,7 +7334,7 @@
           </a:ln>
           <a:extLst>
             <a:ext uri="{C572A759-6A51-4108-AA02-DFA0A04FC94B}">
-              <ma14:wrappingTextBoxFlag xmlns:ma14="http://schemas.microsoft.com/office/mac/drawingml/2011/main" xmlns="" val="1"/>
+              <ma14:wrappingTextBoxFlag xmlns="" xmlns:ma14="http://schemas.microsoft.com/office/mac/drawingml/2011/main" val="1"/>
             </a:ext>
           </a:extLst>
         </p:spPr>
@@ -8340,7 +8340,7 @@
           </a:ln>
           <a:extLst>
             <a:ext uri="{C572A759-6A51-4108-AA02-DFA0A04FC94B}">
-              <ma14:wrappingTextBoxFlag xmlns:ma14="http://schemas.microsoft.com/office/mac/drawingml/2011/main" xmlns="" val="1"/>
+              <ma14:wrappingTextBoxFlag xmlns="" xmlns:ma14="http://schemas.microsoft.com/office/mac/drawingml/2011/main" val="1"/>
             </a:ext>
           </a:extLst>
         </p:spPr>
@@ -8866,7 +8866,7 @@
           </a:ln>
           <a:extLst>
             <a:ext uri="{C572A759-6A51-4108-AA02-DFA0A04FC94B}">
-              <ma14:wrappingTextBoxFlag xmlns:ma14="http://schemas.microsoft.com/office/mac/drawingml/2011/main" xmlns="" val="1"/>
+              <ma14:wrappingTextBoxFlag xmlns="" xmlns:ma14="http://schemas.microsoft.com/office/mac/drawingml/2011/main" val="1"/>
             </a:ext>
           </a:extLst>
         </p:spPr>
@@ -9820,7 +9820,7 @@
           </a:ln>
           <a:extLst>
             <a:ext uri="{C572A759-6A51-4108-AA02-DFA0A04FC94B}">
-              <ma14:wrappingTextBoxFlag xmlns:ma14="http://schemas.microsoft.com/office/mac/drawingml/2011/main" xmlns="" val="1"/>
+              <ma14:wrappingTextBoxFlag xmlns="" xmlns:ma14="http://schemas.microsoft.com/office/mac/drawingml/2011/main" val="1"/>
             </a:ext>
           </a:extLst>
         </p:spPr>
@@ -10418,7 +10418,7 @@
           </a:ln>
           <a:extLst>
             <a:ext uri="{C572A759-6A51-4108-AA02-DFA0A04FC94B}">
-              <ma14:wrappingTextBoxFlag xmlns:ma14="http://schemas.microsoft.com/office/mac/drawingml/2011/main" xmlns="" val="1"/>
+              <ma14:wrappingTextBoxFlag xmlns="" xmlns:ma14="http://schemas.microsoft.com/office/mac/drawingml/2011/main" val="1"/>
             </a:ext>
           </a:extLst>
         </p:spPr>
@@ -11184,7 +11184,7 @@
           </a:ln>
           <a:extLst>
             <a:ext uri="{C572A759-6A51-4108-AA02-DFA0A04FC94B}">
-              <ma14:wrappingTextBoxFlag xmlns:ma14="http://schemas.microsoft.com/office/mac/drawingml/2011/main" xmlns="" val="1"/>
+              <ma14:wrappingTextBoxFlag xmlns="" xmlns:ma14="http://schemas.microsoft.com/office/mac/drawingml/2011/main" val="1"/>
             </a:ext>
           </a:extLst>
         </p:spPr>
@@ -11512,7 +11512,7 @@
           </a:ln>
           <a:extLst>
             <a:ext uri="{C572A759-6A51-4108-AA02-DFA0A04FC94B}">
-              <ma14:wrappingTextBoxFlag xmlns:ma14="http://schemas.microsoft.com/office/mac/drawingml/2011/main" xmlns="" val="1"/>
+              <ma14:wrappingTextBoxFlag xmlns="" xmlns:ma14="http://schemas.microsoft.com/office/mac/drawingml/2011/main" val="1"/>
             </a:ext>
           </a:extLst>
         </p:spPr>
@@ -13063,7 +13063,7 @@
           </a:ln>
           <a:extLst>
             <a:ext uri="{C572A759-6A51-4108-AA02-DFA0A04FC94B}">
-              <ma14:wrappingTextBoxFlag xmlns="" xmlns:ma14="http://schemas.microsoft.com/office/mac/drawingml/2011/main" val="1"/>
+              <ma14:wrappingTextBoxFlag xmlns:ma14="http://schemas.microsoft.com/office/mac/drawingml/2011/main" xmlns="" val="1"/>
             </a:ext>
           </a:extLst>
         </p:spPr>
@@ -13360,7 +13360,7 @@
           </a:ln>
           <a:extLst>
             <a:ext uri="{C572A759-6A51-4108-AA02-DFA0A04FC94B}">
-              <ma14:wrappingTextBoxFlag xmlns:ma14="http://schemas.microsoft.com/office/mac/drawingml/2011/main" xmlns="" val="1"/>
+              <ma14:wrappingTextBoxFlag xmlns="" xmlns:ma14="http://schemas.microsoft.com/office/mac/drawingml/2011/main" val="1"/>
             </a:ext>
           </a:extLst>
         </p:spPr>
@@ -14097,7 +14097,7 @@
           </a:ln>
           <a:extLst>
             <a:ext uri="{C572A759-6A51-4108-AA02-DFA0A04FC94B}">
-              <ma14:wrappingTextBoxFlag xmlns:ma14="http://schemas.microsoft.com/office/mac/drawingml/2011/main" xmlns="" val="1"/>
+              <ma14:wrappingTextBoxFlag xmlns="" xmlns:ma14="http://schemas.microsoft.com/office/mac/drawingml/2011/main" val="1"/>
             </a:ext>
           </a:extLst>
         </p:spPr>
@@ -14390,7 +14390,7 @@
         </p:nvSpPr>
         <p:spPr>
           <a:xfrm>
-            <a:off x="696079" y="785168"/>
+            <a:off x="632224" y="803333"/>
             <a:ext cx="6521337" cy="400110"/>
           </a:xfrm>
           <a:prstGeom prst="rect">
@@ -14438,6 +14438,86 @@
       </p:sp>
       <p:sp>
         <p:nvSpPr>
+          <p:cNvPr id="19" name="Shape 130">
+            <a:extLst>
+              <a:ext uri="{FF2B5EF4-FFF2-40B4-BE49-F238E27FC236}">
+                <a16:creationId xmlns:a16="http://schemas.microsoft.com/office/drawing/2014/main" id="{B784A75F-E61D-4809-8B6B-EB47E17388D3}"/>
+              </a:ext>
+            </a:extLst>
+          </p:cNvPr>
+          <p:cNvSpPr/>
+          <p:nvPr/>
+        </p:nvSpPr>
+        <p:spPr>
+          <a:xfrm>
+            <a:off x="179666" y="87415"/>
+            <a:ext cx="2885405" cy="579646"/>
+          </a:xfrm>
+          <a:prstGeom prst="rect">
+            <a:avLst/>
+          </a:prstGeom>
+          <a:ln w="12700">
+            <a:miter lim="400000"/>
+          </a:ln>
+          <a:extLst>
+            <a:ext uri="{C572A759-6A51-4108-AA02-DFA0A04FC94B}">
+              <ma14:wrappingTextBoxFlag xmlns="" xmlns:ma14="http://schemas.microsoft.com/office/mac/drawingml/2011/main" val="1"/>
+            </a:ext>
+          </a:extLst>
+        </p:spPr>
+        <p:txBody>
+          <a:bodyPr wrap="none" lIns="50800" tIns="50800" rIns="50800" bIns="50800" anchor="ctr">
+            <a:spAutoFit/>
+          </a:bodyPr>
+          <a:lstStyle/>
+          <a:p>
+            <a:pPr>
+              <a:defRPr sz="3100" u="sng">
+                <a:latin typeface="YuMincho Medium"/>
+                <a:ea typeface="YuMincho Medium"/>
+                <a:cs typeface="YuMincho Medium"/>
+                <a:sym typeface="YuMincho Medium"/>
+              </a:defRPr>
+            </a:pPr>
+            <a:r>
+              <a:rPr lang="ja-JP" altLang="en-US" dirty="0"/>
+              <a:t>作成するモデル</a:t>
+            </a:r>
+            <a:endParaRPr lang="en-US" altLang="ja-JP" dirty="0"/>
+          </a:p>
+        </p:txBody>
+      </p:sp>
+      <p:sp>
+        <p:nvSpPr>
+          <p:cNvPr id="3" name="スライド番号プレースホルダー 2">
+            <a:extLst>
+              <a:ext uri="{FF2B5EF4-FFF2-40B4-BE49-F238E27FC236}">
+                <a16:creationId xmlns:a16="http://schemas.microsoft.com/office/drawing/2014/main" id="{B17CA329-AC7D-4459-A924-55E96642BCCF}"/>
+              </a:ext>
+            </a:extLst>
+          </p:cNvPr>
+          <p:cNvSpPr>
+            <a:spLocks noGrp="1"/>
+          </p:cNvSpPr>
+          <p:nvPr>
+            <p:ph type="sldNum" sz="quarter" idx="12"/>
+          </p:nvPr>
+        </p:nvSpPr>
+        <p:spPr/>
+        <p:txBody>
+          <a:bodyPr/>
+          <a:lstStyle/>
+          <a:p>
+            <a:fld id="{D836F367-8F14-4921-8441-15DE2D973248}" type="slidenum">
+              <a:rPr kumimoji="1" lang="ja-JP" altLang="en-US" smtClean="0"/>
+              <a:t>4</a:t>
+            </a:fld>
+            <a:endParaRPr kumimoji="1" lang="ja-JP" altLang="en-US"/>
+          </a:p>
+        </p:txBody>
+      </p:sp>
+      <p:sp>
+        <p:nvSpPr>
           <p:cNvPr id="5" name="テキスト ボックス 4">
             <a:extLst>
               <a:ext uri="{FF2B5EF4-FFF2-40B4-BE49-F238E27FC236}">
@@ -14450,8 +14530,8 @@
         </p:nvSpPr>
         <p:spPr>
           <a:xfrm>
-            <a:off x="8760264" y="1520258"/>
-            <a:ext cx="3095719" cy="400110"/>
+            <a:off x="749334" y="1349684"/>
+            <a:ext cx="2889982" cy="373519"/>
           </a:xfrm>
           <a:prstGeom prst="rect">
             <a:avLst/>
@@ -14471,7 +14551,7 @@
           <a:p>
             <a:pPr algn="ctr"/>
             <a:r>
-              <a:rPr kumimoji="1" lang="ja-JP" altLang="en-US" sz="2000" dirty="0"/>
+              <a:rPr kumimoji="1" lang="ja-JP" altLang="en-US" dirty="0"/>
               <a:t>必要なクラス</a:t>
             </a:r>
           </a:p>
@@ -14491,8 +14571,8 @@
         </p:nvSpPr>
         <p:spPr>
           <a:xfrm>
-            <a:off x="8769648" y="2020574"/>
-            <a:ext cx="3095719" cy="2174763"/>
+            <a:off x="758094" y="1816750"/>
+            <a:ext cx="2839239" cy="2208297"/>
           </a:xfrm>
           <a:prstGeom prst="rect">
             <a:avLst/>
@@ -14513,14 +14593,14 @@
               <a:buChar char="•"/>
             </a:pPr>
             <a:r>
-              <a:rPr lang="en-US" altLang="ja-JP" sz="2000" dirty="0"/>
-              <a:t>a</a:t>
-            </a:r>
-            <a:r>
-              <a:rPr kumimoji="1" lang="ja-JP" altLang="en-US" sz="2000" dirty="0"/>
-              <a:t>を入力するモデル</a:t>
-            </a:r>
-            <a:endParaRPr kumimoji="1" lang="en-US" altLang="ja-JP" sz="2000" dirty="0"/>
+              <a:rPr lang="ja-JP" altLang="en-US" dirty="0"/>
+              <a:t>実数を引き渡す</a:t>
+            </a:r>
+            <a:r>
+              <a:rPr lang="ja-JP" altLang="en-US" dirty="0" smtClean="0"/>
+              <a:t>ポート</a:t>
+            </a:r>
+            <a:endParaRPr lang="en-US" altLang="ja-JP" dirty="0" smtClean="0"/>
           </a:p>
           <a:p>
             <a:pPr marL="342900" indent="-342900">
@@ -14531,42 +14611,14 @@
               <a:buChar char="•"/>
             </a:pPr>
             <a:r>
-              <a:rPr lang="en-US" altLang="ja-JP" sz="2000" dirty="0"/>
-              <a:t>b</a:t>
-            </a:r>
-            <a:r>
-              <a:rPr lang="ja-JP" altLang="en-US" sz="2000" dirty="0"/>
-              <a:t>を入力して</a:t>
-            </a:r>
-            <a:r>
-              <a:rPr lang="en-US" altLang="ja-JP" sz="2000" dirty="0" err="1"/>
-              <a:t>a+b</a:t>
-            </a:r>
-            <a:r>
-              <a:rPr lang="en-US" altLang="ja-JP" sz="2000" dirty="0"/>
-              <a:t>=c</a:t>
-            </a:r>
-            <a:r>
-              <a:rPr lang="ja-JP" altLang="en-US" sz="2000" dirty="0"/>
-              <a:t>を</a:t>
-            </a:r>
-            <a:endParaRPr lang="en-US" altLang="ja-JP" sz="2000" dirty="0"/>
-          </a:p>
-          <a:p>
-            <a:pPr>
-              <a:lnSpc>
-                <a:spcPts val="3300"/>
-              </a:lnSpc>
-            </a:pPr>
-            <a:r>
-              <a:rPr lang="en-US" altLang="ja-JP" sz="2000" dirty="0"/>
-              <a:t>     </a:t>
-            </a:r>
-            <a:r>
-              <a:rPr lang="ja-JP" altLang="en-US" sz="2000" dirty="0"/>
-              <a:t>計算するモデル</a:t>
-            </a:r>
-            <a:endParaRPr lang="en-US" altLang="ja-JP" sz="2000" dirty="0"/>
+              <a:rPr lang="en-US" altLang="ja-JP" dirty="0" smtClean="0"/>
+              <a:t>a</a:t>
+            </a:r>
+            <a:r>
+              <a:rPr kumimoji="1" lang="ja-JP" altLang="en-US" dirty="0"/>
+              <a:t>を入力するモデル</a:t>
+            </a:r>
+            <a:endParaRPr kumimoji="1" lang="en-US" altLang="ja-JP" dirty="0"/>
           </a:p>
           <a:p>
             <a:pPr marL="342900" indent="-342900">
@@ -14577,14 +14629,42 @@
               <a:buChar char="•"/>
             </a:pPr>
             <a:r>
-              <a:rPr lang="ja-JP" altLang="en-US" sz="2000" dirty="0"/>
-              <a:t>実数を引き渡す</a:t>
-            </a:r>
-            <a:r>
-              <a:rPr kumimoji="1" lang="ja-JP" altLang="en-US" sz="2000" dirty="0"/>
-              <a:t>ポート</a:t>
-            </a:r>
-            <a:endParaRPr kumimoji="1" lang="en-US" altLang="ja-JP" sz="2000" dirty="0"/>
+              <a:rPr lang="en-US" altLang="ja-JP" dirty="0"/>
+              <a:t>b</a:t>
+            </a:r>
+            <a:r>
+              <a:rPr lang="ja-JP" altLang="en-US" dirty="0"/>
+              <a:t>を入力して</a:t>
+            </a:r>
+            <a:r>
+              <a:rPr lang="en-US" altLang="ja-JP" dirty="0" err="1"/>
+              <a:t>a+b</a:t>
+            </a:r>
+            <a:r>
+              <a:rPr lang="en-US" altLang="ja-JP" dirty="0"/>
+              <a:t>=c</a:t>
+            </a:r>
+            <a:r>
+              <a:rPr lang="ja-JP" altLang="en-US" dirty="0"/>
+              <a:t>を</a:t>
+            </a:r>
+            <a:endParaRPr lang="en-US" altLang="ja-JP" dirty="0"/>
+          </a:p>
+          <a:p>
+            <a:pPr>
+              <a:lnSpc>
+                <a:spcPts val="3300"/>
+              </a:lnSpc>
+            </a:pPr>
+            <a:r>
+              <a:rPr lang="en-US" altLang="ja-JP" dirty="0"/>
+              <a:t>     </a:t>
+            </a:r>
+            <a:r>
+              <a:rPr lang="ja-JP" altLang="en-US" dirty="0"/>
+              <a:t>計算するモデル</a:t>
+            </a:r>
+            <a:endParaRPr lang="en-US" altLang="ja-JP" dirty="0"/>
           </a:p>
           <a:p>
             <a:pPr marL="342900" indent="-342900">
@@ -14595,19 +14675,19 @@
               <a:buChar char="•"/>
             </a:pPr>
             <a:r>
-              <a:rPr lang="en-US" altLang="ja-JP" sz="2000" dirty="0"/>
+              <a:rPr lang="en-US" altLang="ja-JP" dirty="0" smtClean="0"/>
               <a:t>a</a:t>
             </a:r>
             <a:r>
-              <a:rPr lang="ja-JP" altLang="en-US" sz="2000" dirty="0"/>
+              <a:rPr lang="ja-JP" altLang="en-US" dirty="0"/>
               <a:t>と</a:t>
             </a:r>
             <a:r>
-              <a:rPr lang="en-US" altLang="ja-JP" sz="2000" dirty="0"/>
+              <a:rPr lang="en-US" altLang="ja-JP" dirty="0"/>
               <a:t>b</a:t>
             </a:r>
             <a:r>
-              <a:rPr lang="ja-JP" altLang="en-US" sz="2000" dirty="0"/>
+              <a:rPr lang="ja-JP" altLang="en-US" dirty="0"/>
               <a:t>の接続図</a:t>
             </a:r>
           </a:p>
@@ -14627,8 +14707,8 @@
         </p:nvGrpSpPr>
         <p:grpSpPr>
           <a:xfrm>
-            <a:off x="437850" y="1520258"/>
-            <a:ext cx="8057477" cy="3351007"/>
+            <a:off x="4143992" y="1602912"/>
+            <a:ext cx="7019790" cy="2621848"/>
             <a:chOff x="1887967" y="3361764"/>
             <a:chExt cx="8057477" cy="3351007"/>
           </a:xfrm>
@@ -14679,7 +14759,7 @@
             <a:p>
               <a:pPr algn="ctr"/>
               <a:r>
-                <a:rPr kumimoji="1" lang="en-US" altLang="ja-JP" sz="3600" dirty="0">
+                <a:rPr kumimoji="1" lang="en-US" altLang="ja-JP" sz="3200" dirty="0">
                   <a:solidFill>
                     <a:schemeClr val="tx1"/>
                   </a:solidFill>
@@ -14687,7 +14767,7 @@
                 <a:t>a</a:t>
               </a:r>
               <a:r>
-                <a:rPr kumimoji="1" lang="ja-JP" altLang="en-US" sz="3600" dirty="0">
+                <a:rPr kumimoji="1" lang="ja-JP" altLang="en-US" sz="3200" dirty="0">
                   <a:solidFill>
                     <a:schemeClr val="tx1"/>
                   </a:solidFill>
@@ -14743,7 +14823,7 @@
             <a:p>
               <a:pPr algn="ctr"/>
               <a:r>
-                <a:rPr kumimoji="1" lang="en-US" altLang="ja-JP" sz="3200" dirty="0">
+                <a:rPr kumimoji="1" lang="en-US" altLang="ja-JP" sz="2800" dirty="0">
                   <a:solidFill>
                     <a:schemeClr val="tx1"/>
                   </a:solidFill>
@@ -14751,14 +14831,14 @@
                 <a:t>b</a:t>
               </a:r>
               <a:r>
-                <a:rPr kumimoji="1" lang="ja-JP" altLang="en-US" sz="3200" dirty="0">
+                <a:rPr kumimoji="1" lang="ja-JP" altLang="en-US" sz="2800" dirty="0">
                   <a:solidFill>
                     <a:schemeClr val="tx1"/>
                   </a:solidFill>
                 </a:rPr>
                 <a:t>を入力して</a:t>
               </a:r>
-              <a:endParaRPr kumimoji="1" lang="en-US" altLang="ja-JP" sz="3200" dirty="0">
+              <a:endParaRPr kumimoji="1" lang="en-US" altLang="ja-JP" sz="2800" dirty="0">
                 <a:solidFill>
                   <a:schemeClr val="tx1"/>
                 </a:solidFill>
@@ -14767,7 +14847,7 @@
             <a:p>
               <a:pPr algn="ctr"/>
               <a:r>
-                <a:rPr lang="en-US" altLang="ja-JP" sz="3200" dirty="0" err="1">
+                <a:rPr lang="en-US" altLang="ja-JP" sz="2800" dirty="0" err="1">
                   <a:solidFill>
                     <a:schemeClr val="tx1"/>
                   </a:solidFill>
@@ -14775,7 +14855,7 @@
                 <a:t>a+b</a:t>
               </a:r>
               <a:r>
-                <a:rPr lang="en-US" altLang="ja-JP" sz="3200" dirty="0">
+                <a:rPr lang="en-US" altLang="ja-JP" sz="2800" dirty="0">
                   <a:solidFill>
                     <a:schemeClr val="tx1"/>
                   </a:solidFill>
@@ -14783,14 +14863,14 @@
                 <a:t>=c</a:t>
               </a:r>
               <a:r>
-                <a:rPr lang="ja-JP" altLang="en-US" sz="3200" dirty="0">
+                <a:rPr lang="ja-JP" altLang="en-US" sz="2800" dirty="0">
                   <a:solidFill>
                     <a:schemeClr val="tx1"/>
                   </a:solidFill>
                 </a:rPr>
                 <a:t>を計算</a:t>
               </a:r>
-              <a:endParaRPr kumimoji="1" lang="ja-JP" altLang="en-US" sz="3200" dirty="0">
+              <a:endParaRPr kumimoji="1" lang="ja-JP" altLang="en-US" sz="2800" dirty="0">
                 <a:solidFill>
                   <a:schemeClr val="tx1"/>
                 </a:solidFill>
@@ -14846,7 +14926,7 @@
             <a:lstStyle/>
             <a:p>
               <a:pPr algn="ctr"/>
-              <a:endParaRPr kumimoji="1" lang="ja-JP" altLang="en-US" dirty="0"/>
+              <a:endParaRPr kumimoji="1" lang="ja-JP" altLang="en-US" sz="1600" dirty="0"/>
             </a:p>
           </p:txBody>
         </p:sp>
@@ -14898,7 +14978,7 @@
             <a:lstStyle/>
             <a:p>
               <a:pPr algn="ctr"/>
-              <a:endParaRPr kumimoji="1" lang="ja-JP" altLang="en-US" dirty="0"/>
+              <a:endParaRPr kumimoji="1" lang="ja-JP" altLang="en-US" sz="1600" dirty="0"/>
             </a:p>
           </p:txBody>
         </p:sp>
@@ -14996,7 +15076,7 @@
             <a:lstStyle/>
             <a:p>
               <a:pPr algn="ctr"/>
-              <a:endParaRPr kumimoji="1" lang="ja-JP" altLang="en-US"/>
+              <a:endParaRPr kumimoji="1" lang="ja-JP" altLang="en-US" sz="1600"/>
             </a:p>
           </p:txBody>
         </p:sp>
@@ -15029,19 +15109,19 @@
             <a:lstStyle/>
             <a:p>
               <a:r>
-                <a:rPr lang="en-US" altLang="ja-JP" dirty="0"/>
+                <a:rPr lang="en-US" altLang="ja-JP" sz="1600" dirty="0"/>
                 <a:t>a</a:t>
               </a:r>
               <a:r>
-                <a:rPr kumimoji="1" lang="ja-JP" altLang="en-US" dirty="0"/>
+                <a:rPr kumimoji="1" lang="ja-JP" altLang="en-US" sz="1600" dirty="0"/>
                 <a:t>と</a:t>
               </a:r>
               <a:r>
-                <a:rPr kumimoji="1" lang="en-US" altLang="ja-JP" dirty="0"/>
+                <a:rPr kumimoji="1" lang="en-US" altLang="ja-JP" sz="1600" dirty="0"/>
                 <a:t>b</a:t>
               </a:r>
               <a:r>
-                <a:rPr kumimoji="1" lang="ja-JP" altLang="en-US" dirty="0"/>
+                <a:rPr kumimoji="1" lang="ja-JP" altLang="en-US" sz="1600" dirty="0"/>
                 <a:t>の接続図</a:t>
               </a:r>
             </a:p>
@@ -15076,7 +15156,7 @@
             <a:lstStyle/>
             <a:p>
               <a:r>
-                <a:rPr kumimoji="1" lang="ja-JP" altLang="en-US" dirty="0"/>
+                <a:rPr kumimoji="1" lang="ja-JP" altLang="en-US" sz="1600" dirty="0"/>
                 <a:t>ポート</a:t>
               </a:r>
             </a:p>
@@ -15111,93 +15191,13 @@
             <a:lstStyle/>
             <a:p>
               <a:r>
-                <a:rPr kumimoji="1" lang="ja-JP" altLang="en-US" dirty="0"/>
+                <a:rPr kumimoji="1" lang="ja-JP" altLang="en-US" sz="1600" dirty="0"/>
                 <a:t>ポート</a:t>
               </a:r>
             </a:p>
           </p:txBody>
         </p:sp>
       </p:grpSp>
-      <p:sp>
-        <p:nvSpPr>
-          <p:cNvPr id="19" name="Shape 130">
-            <a:extLst>
-              <a:ext uri="{FF2B5EF4-FFF2-40B4-BE49-F238E27FC236}">
-                <a16:creationId xmlns:a16="http://schemas.microsoft.com/office/drawing/2014/main" id="{B784A75F-E61D-4809-8B6B-EB47E17388D3}"/>
-              </a:ext>
-            </a:extLst>
-          </p:cNvPr>
-          <p:cNvSpPr/>
-          <p:nvPr/>
-        </p:nvSpPr>
-        <p:spPr>
-          <a:xfrm>
-            <a:off x="179666" y="87415"/>
-            <a:ext cx="2885405" cy="579646"/>
-          </a:xfrm>
-          <a:prstGeom prst="rect">
-            <a:avLst/>
-          </a:prstGeom>
-          <a:ln w="12700">
-            <a:miter lim="400000"/>
-          </a:ln>
-          <a:extLst>
-            <a:ext uri="{C572A759-6A51-4108-AA02-DFA0A04FC94B}">
-              <ma14:wrappingTextBoxFlag xmlns:ma14="http://schemas.microsoft.com/office/mac/drawingml/2011/main" xmlns="" val="1"/>
-            </a:ext>
-          </a:extLst>
-        </p:spPr>
-        <p:txBody>
-          <a:bodyPr wrap="none" lIns="50800" tIns="50800" rIns="50800" bIns="50800" anchor="ctr">
-            <a:spAutoFit/>
-          </a:bodyPr>
-          <a:lstStyle/>
-          <a:p>
-            <a:pPr>
-              <a:defRPr sz="3100" u="sng">
-                <a:latin typeface="YuMincho Medium"/>
-                <a:ea typeface="YuMincho Medium"/>
-                <a:cs typeface="YuMincho Medium"/>
-                <a:sym typeface="YuMincho Medium"/>
-              </a:defRPr>
-            </a:pPr>
-            <a:r>
-              <a:rPr lang="ja-JP" altLang="en-US" dirty="0"/>
-              <a:t>作成するモデル</a:t>
-            </a:r>
-            <a:endParaRPr lang="en-US" altLang="ja-JP" dirty="0"/>
-          </a:p>
-        </p:txBody>
-      </p:sp>
-      <p:sp>
-        <p:nvSpPr>
-          <p:cNvPr id="3" name="スライド番号プレースホルダー 2">
-            <a:extLst>
-              <a:ext uri="{FF2B5EF4-FFF2-40B4-BE49-F238E27FC236}">
-                <a16:creationId xmlns:a16="http://schemas.microsoft.com/office/drawing/2014/main" id="{B17CA329-AC7D-4459-A924-55E96642BCCF}"/>
-              </a:ext>
-            </a:extLst>
-          </p:cNvPr>
-          <p:cNvSpPr>
-            <a:spLocks noGrp="1"/>
-          </p:cNvSpPr>
-          <p:nvPr>
-            <p:ph type="sldNum" sz="quarter" idx="12"/>
-          </p:nvPr>
-        </p:nvSpPr>
-        <p:spPr/>
-        <p:txBody>
-          <a:bodyPr/>
-          <a:lstStyle/>
-          <a:p>
-            <a:fld id="{D836F367-8F14-4921-8441-15DE2D973248}" type="slidenum">
-              <a:rPr kumimoji="1" lang="ja-JP" altLang="en-US" smtClean="0"/>
-              <a:t>4</a:t>
-            </a:fld>
-            <a:endParaRPr kumimoji="1" lang="ja-JP" altLang="en-US"/>
-          </a:p>
-        </p:txBody>
-      </p:sp>
       <p:sp>
         <p:nvSpPr>
           <p:cNvPr id="2" name="テキスト ボックス 1"/>
@@ -15206,8 +15206,8 @@
         </p:nvSpPr>
         <p:spPr>
           <a:xfrm>
-            <a:off x="3729689" y="3701474"/>
-            <a:ext cx="1487908" cy="369332"/>
+            <a:off x="6965961" y="3385939"/>
+            <a:ext cx="1369569" cy="344787"/>
           </a:xfrm>
           <a:prstGeom prst="rect">
             <a:avLst/>
@@ -15221,14 +15221,126 @@
           <a:lstStyle/>
           <a:p>
             <a:r>
-              <a:rPr kumimoji="1" lang="en-US" altLang="ja-JP" dirty="0" smtClean="0"/>
-              <a:t>A</a:t>
-            </a:r>
+              <a:rPr lang="en-US" altLang="ja-JP" sz="1600" dirty="0"/>
+              <a:t>a</a:t>
+            </a:r>
+            <a:r>
+              <a:rPr kumimoji="1" lang="ja-JP" altLang="en-US" sz="1600" dirty="0" smtClean="0"/>
+              <a:t>を</a:t>
+            </a:r>
+            <a:r>
+              <a:rPr kumimoji="1" lang="ja-JP" altLang="en-US" sz="1600" dirty="0" smtClean="0"/>
+              <a:t>受け渡し</a:t>
+            </a:r>
+            <a:endParaRPr kumimoji="1" lang="ja-JP" altLang="en-US" sz="1600" dirty="0"/>
+          </a:p>
+        </p:txBody>
+      </p:sp>
+      <p:pic>
+        <p:nvPicPr>
+          <p:cNvPr id="12" name="図 11"/>
+          <p:cNvPicPr>
+            <a:picLocks noChangeAspect="1"/>
+          </p:cNvPicPr>
+          <p:nvPr/>
+        </p:nvPicPr>
+        <p:blipFill rotWithShape="1">
+          <a:blip r:embed="rId2"/>
+          <a:srcRect l="23678" t="52813" r="1773"/>
+          <a:stretch/>
+        </p:blipFill>
+        <p:spPr>
+          <a:xfrm>
+            <a:off x="5194820" y="5367754"/>
+            <a:ext cx="4911850" cy="1253344"/>
+          </a:xfrm>
+          <a:prstGeom prst="rect">
+            <a:avLst/>
+          </a:prstGeom>
+        </p:spPr>
+      </p:pic>
+      <p:pic>
+        <p:nvPicPr>
+          <p:cNvPr id="21" name="図 20"/>
+          <p:cNvPicPr>
+            <a:picLocks noChangeAspect="1"/>
+          </p:cNvPicPr>
+          <p:nvPr/>
+        </p:nvPicPr>
+        <p:blipFill rotWithShape="1">
+          <a:blip r:embed="rId2"/>
+          <a:srcRect t="62709" r="87354"/>
+          <a:stretch/>
+        </p:blipFill>
+        <p:spPr>
+          <a:xfrm>
+            <a:off x="1033121" y="5127717"/>
+            <a:ext cx="1420711" cy="1688936"/>
+          </a:xfrm>
+          <a:prstGeom prst="rect">
+            <a:avLst/>
+          </a:prstGeom>
+        </p:spPr>
+      </p:pic>
+      <p:sp>
+        <p:nvSpPr>
+          <p:cNvPr id="22" name="テキスト ボックス 21">
+            <a:extLst>
+              <a:ext uri="{FF2B5EF4-FFF2-40B4-BE49-F238E27FC236}">
+                <a16:creationId xmlns:a16="http://schemas.microsoft.com/office/drawing/2014/main" id="{37A7CE71-1BE4-427B-8F82-7939D606B66F}"/>
+              </a:ext>
+            </a:extLst>
+          </p:cNvPr>
+          <p:cNvSpPr txBox="1"/>
+          <p:nvPr/>
+        </p:nvSpPr>
+        <p:spPr>
+          <a:xfrm>
+            <a:off x="632223" y="4607957"/>
+            <a:ext cx="4055523" cy="369332"/>
+          </a:xfrm>
+          <a:prstGeom prst="rect">
+            <a:avLst/>
+          </a:prstGeom>
+          <a:solidFill>
+            <a:schemeClr val="accent6">
+              <a:lumMod val="20000"/>
+              <a:lumOff val="80000"/>
+            </a:schemeClr>
+          </a:solidFill>
+        </p:spPr>
+        <p:txBody>
+          <a:bodyPr wrap="square" rtlCol="0">
+            <a:spAutoFit/>
+          </a:bodyPr>
+          <a:lstStyle/>
+          <a:p>
+            <a:pPr algn="ctr"/>
             <a:r>
               <a:rPr kumimoji="1" lang="ja-JP" altLang="en-US" dirty="0" smtClean="0"/>
-              <a:t>を受け渡し</a:t>
-            </a:r>
-            <a:endParaRPr kumimoji="1" lang="ja-JP" altLang="en-US" dirty="0"/>
+              <a:t>作成するクラスと</a:t>
+            </a:r>
+            <a:r>
+              <a:rPr lang="en-US" altLang="ja-JP" dirty="0"/>
+              <a:t>a</a:t>
+            </a:r>
+            <a:r>
+              <a:rPr lang="ja-JP" altLang="en-US" dirty="0"/>
+              <a:t>と</a:t>
+            </a:r>
+            <a:r>
+              <a:rPr lang="en-US" altLang="ja-JP" dirty="0"/>
+              <a:t>b</a:t>
+            </a:r>
+            <a:r>
+              <a:rPr lang="ja-JP" altLang="en-US" dirty="0"/>
+              <a:t>の</a:t>
+            </a:r>
+            <a:r>
+              <a:rPr lang="ja-JP" altLang="en-US" dirty="0" smtClean="0"/>
+              <a:t>接続図</a:t>
+            </a:r>
+            <a:endParaRPr lang="ja-JP" altLang="en-US" dirty="0"/>
           </a:p>
         </p:txBody>
       </p:sp>
@@ -15294,7 +15406,7 @@
           </a:ln>
           <a:extLst>
             <a:ext uri="{C572A759-6A51-4108-AA02-DFA0A04FC94B}">
-              <ma14:wrappingTextBoxFlag xmlns:ma14="http://schemas.microsoft.com/office/mac/drawingml/2011/main" xmlns="" val="1"/>
+              <ma14:wrappingTextBoxFlag xmlns="" xmlns:ma14="http://schemas.microsoft.com/office/mac/drawingml/2011/main" val="1"/>
             </a:ext>
           </a:extLst>
         </p:spPr>
@@ -16488,7 +16600,7 @@
           </a:ln>
           <a:extLst>
             <a:ext uri="{C572A759-6A51-4108-AA02-DFA0A04FC94B}">
-              <ma14:wrappingTextBoxFlag xmlns:ma14="http://schemas.microsoft.com/office/mac/drawingml/2011/main" xmlns="" val="1"/>
+              <ma14:wrappingTextBoxFlag xmlns="" xmlns:ma14="http://schemas.microsoft.com/office/mac/drawingml/2011/main" val="1"/>
             </a:ext>
           </a:extLst>
         </p:spPr>
@@ -17021,7 +17133,7 @@
           </a:ln>
           <a:extLst>
             <a:ext uri="{C572A759-6A51-4108-AA02-DFA0A04FC94B}">
-              <ma14:wrappingTextBoxFlag xmlns:ma14="http://schemas.microsoft.com/office/mac/drawingml/2011/main" xmlns="" val="1"/>
+              <ma14:wrappingTextBoxFlag xmlns="" xmlns:ma14="http://schemas.microsoft.com/office/mac/drawingml/2011/main" val="1"/>
             </a:ext>
           </a:extLst>
         </p:spPr>
@@ -17406,7 +17518,7 @@
           </a:ln>
           <a:extLst>
             <a:ext uri="{C572A759-6A51-4108-AA02-DFA0A04FC94B}">
-              <ma14:wrappingTextBoxFlag xmlns:ma14="http://schemas.microsoft.com/office/mac/drawingml/2011/main" xmlns="" val="1"/>
+              <ma14:wrappingTextBoxFlag xmlns="" xmlns:ma14="http://schemas.microsoft.com/office/mac/drawingml/2011/main" val="1"/>
             </a:ext>
           </a:extLst>
         </p:spPr>
@@ -18077,7 +18189,7 @@
           </a:ln>
           <a:extLst>
             <a:ext uri="{C572A759-6A51-4108-AA02-DFA0A04FC94B}">
-              <ma14:wrappingTextBoxFlag xmlns:ma14="http://schemas.microsoft.com/office/mac/drawingml/2011/main" xmlns="" val="1"/>
+              <ma14:wrappingTextBoxFlag xmlns="" xmlns:ma14="http://schemas.microsoft.com/office/mac/drawingml/2011/main" val="1"/>
             </a:ext>
           </a:extLst>
         </p:spPr>

--- a/5_CustomizeModel3_OnePlusOne/OpenModelica_Tutorials_5.pptx
+++ b/5_CustomizeModel3_OnePlusOne/OpenModelica_Tutorials_5.pptx
@@ -228,7 +228,7 @@
           <a:p>
             <a:fld id="{C4670700-DA66-4BAD-8F9F-A4A758D36ABA}" type="datetimeFigureOut">
               <a:rPr kumimoji="1" lang="ja-JP" altLang="en-US" smtClean="0"/>
-              <a:t>2020/4/13</a:t>
+              <a:t>2020/5/2</a:t>
             </a:fld>
             <a:endParaRPr kumimoji="1" lang="ja-JP" altLang="en-US"/>
           </a:p>
@@ -674,7 +674,7 @@
           <a:p>
             <a:fld id="{CA2F2FF0-B0E3-4081-A194-5315B26D72C4}" type="datetime1">
               <a:rPr kumimoji="1" lang="ja-JP" altLang="en-US" smtClean="0"/>
-              <a:t>2020/4/13</a:t>
+              <a:t>2020/5/2</a:t>
             </a:fld>
             <a:endParaRPr kumimoji="1" lang="ja-JP" altLang="en-US"/>
           </a:p>
@@ -904,7 +904,7 @@
           <a:p>
             <a:fld id="{AA0CF445-3D47-45EB-B7B9-640298F78945}" type="datetime1">
               <a:rPr kumimoji="1" lang="ja-JP" altLang="en-US" smtClean="0"/>
-              <a:t>2020/4/13</a:t>
+              <a:t>2020/5/2</a:t>
             </a:fld>
             <a:endParaRPr kumimoji="1" lang="ja-JP" altLang="en-US"/>
           </a:p>
@@ -1144,7 +1144,7 @@
           <a:p>
             <a:fld id="{33274D65-32BF-448B-ADBF-66DCA4E8B106}" type="datetime1">
               <a:rPr kumimoji="1" lang="ja-JP" altLang="en-US" smtClean="0"/>
-              <a:t>2020/4/13</a:t>
+              <a:t>2020/5/2</a:t>
             </a:fld>
             <a:endParaRPr kumimoji="1" lang="ja-JP" altLang="en-US"/>
           </a:p>
@@ -1374,7 +1374,7 @@
           <a:p>
             <a:fld id="{852A9B57-A7E8-419F-90A8-90F2DA777A28}" type="datetime1">
               <a:rPr kumimoji="1" lang="ja-JP" altLang="en-US" smtClean="0"/>
-              <a:t>2020/4/13</a:t>
+              <a:t>2020/5/2</a:t>
             </a:fld>
             <a:endParaRPr kumimoji="1" lang="ja-JP" altLang="en-US"/>
           </a:p>
@@ -1649,7 +1649,7 @@
           <a:p>
             <a:fld id="{C90A889C-334E-44BD-8F41-5AC3386FFD37}" type="datetime1">
               <a:rPr kumimoji="1" lang="ja-JP" altLang="en-US" smtClean="0"/>
-              <a:t>2020/4/13</a:t>
+              <a:t>2020/5/2</a:t>
             </a:fld>
             <a:endParaRPr kumimoji="1" lang="ja-JP" altLang="en-US"/>
           </a:p>
@@ -1978,7 +1978,7 @@
           <a:p>
             <a:fld id="{58879D4E-6DF1-4713-B068-9512627C39B0}" type="datetime1">
               <a:rPr kumimoji="1" lang="ja-JP" altLang="en-US" smtClean="0"/>
-              <a:t>2020/4/13</a:t>
+              <a:t>2020/5/2</a:t>
             </a:fld>
             <a:endParaRPr kumimoji="1" lang="ja-JP" altLang="en-US"/>
           </a:p>
@@ -2454,7 +2454,7 @@
           <a:p>
             <a:fld id="{5DD38707-5E34-46C7-88C2-928145620E78}" type="datetime1">
               <a:rPr kumimoji="1" lang="ja-JP" altLang="en-US" smtClean="0"/>
-              <a:t>2020/4/13</a:t>
+              <a:t>2020/5/2</a:t>
             </a:fld>
             <a:endParaRPr kumimoji="1" lang="ja-JP" altLang="en-US"/>
           </a:p>
@@ -2595,7 +2595,7 @@
           <a:p>
             <a:fld id="{C7D5EE7D-C0B7-4B25-8104-5FCD7D2EAEA8}" type="datetime1">
               <a:rPr kumimoji="1" lang="ja-JP" altLang="en-US" smtClean="0"/>
-              <a:t>2020/4/13</a:t>
+              <a:t>2020/5/2</a:t>
             </a:fld>
             <a:endParaRPr kumimoji="1" lang="ja-JP" altLang="en-US"/>
           </a:p>
@@ -2708,7 +2708,7 @@
           <a:p>
             <a:fld id="{AA028A9A-8812-42D8-A8AC-F30CD1F57465}" type="datetime1">
               <a:rPr kumimoji="1" lang="ja-JP" altLang="en-US" smtClean="0"/>
-              <a:t>2020/4/13</a:t>
+              <a:t>2020/5/2</a:t>
             </a:fld>
             <a:endParaRPr kumimoji="1" lang="ja-JP" altLang="en-US"/>
           </a:p>
@@ -3051,7 +3051,7 @@
           <a:p>
             <a:fld id="{3638306A-7D11-4239-9371-3BFB25B5C686}" type="datetime1">
               <a:rPr kumimoji="1" lang="ja-JP" altLang="en-US" smtClean="0"/>
-              <a:t>2020/4/13</a:t>
+              <a:t>2020/5/2</a:t>
             </a:fld>
             <a:endParaRPr kumimoji="1" lang="ja-JP" altLang="en-US"/>
           </a:p>
@@ -3339,7 +3339,7 @@
           <a:p>
             <a:fld id="{25F8348D-66EA-4186-BB0B-99FB286568FF}" type="datetime1">
               <a:rPr kumimoji="1" lang="ja-JP" altLang="en-US" smtClean="0"/>
-              <a:t>2020/4/13</a:t>
+              <a:t>2020/5/2</a:t>
             </a:fld>
             <a:endParaRPr kumimoji="1" lang="ja-JP" altLang="en-US"/>
           </a:p>
@@ -3612,7 +3612,7 @@
           <a:p>
             <a:fld id="{AC9BD3EC-C0C8-40A6-81F1-9BBFA037EF8B}" type="datetime1">
               <a:rPr kumimoji="1" lang="ja-JP" altLang="en-US" smtClean="0"/>
-              <a:t>2020/4/13</a:t>
+              <a:t>2020/5/2</a:t>
             </a:fld>
             <a:endParaRPr kumimoji="1" lang="ja-JP" altLang="en-US"/>
           </a:p>
@@ -4187,15 +4187,7 @@
             <a:pPr algn="ctr"/>
             <a:r>
               <a:rPr lang="en-US" altLang="ja-JP" dirty="0"/>
-              <a:t>Copyright (C) </a:t>
-            </a:r>
-            <a:r>
-              <a:rPr lang="en-US" altLang="ja-JP" dirty="0" smtClean="0"/>
-              <a:t>2020 </a:t>
-            </a:r>
-            <a:r>
-              <a:rPr lang="en-US" altLang="ja-JP" dirty="0"/>
-              <a:t>Shigenori Ueda</a:t>
+              <a:t>Copyright (C) 2020 Shigenori Ueda</a:t>
             </a:r>
           </a:p>
           <a:p>
@@ -4231,13 +4223,6 @@
   <p:clrMapOvr>
     <a:masterClrMapping/>
   </p:clrMapOvr>
-  <p:timing>
-    <p:tnLst>
-      <p:par>
-        <p:cTn id="1" dur="indefinite" restart="never" nodeType="tmRoot"/>
-      </p:par>
-    </p:tnLst>
-  </p:timing>
 </p:sld>
 </file>
 
@@ -4307,7 +4292,7 @@
           </a:ln>
           <a:extLst>
             <a:ext uri="{C572A759-6A51-4108-AA02-DFA0A04FC94B}">
-              <ma14:wrappingTextBoxFlag xmlns="" xmlns:ma14="http://schemas.microsoft.com/office/mac/drawingml/2011/main" val="1"/>
+              <ma14:wrappingTextBoxFlag xmlns:ma14="http://schemas.microsoft.com/office/mac/drawingml/2011/main" xmlns="" val="1"/>
             </a:ext>
           </a:extLst>
         </p:spPr>
@@ -4745,23 +4730,15 @@
           <a:p>
             <a:r>
               <a:rPr lang="ja-JP" altLang="en-US" sz="2000" dirty="0"/>
-              <a:t>以下の表をもと</a:t>
-            </a:r>
-            <a:r>
-              <a:rPr lang="ja-JP" altLang="en-US" sz="2000" dirty="0" smtClean="0"/>
-              <a:t>に「</a:t>
-            </a:r>
-            <a:r>
-              <a:rPr lang="en-US" altLang="ja-JP" sz="2000" dirty="0" smtClean="0"/>
+              <a:t>以下の表をもとに「</a:t>
+            </a:r>
+            <a:r>
+              <a:rPr lang="en-US" altLang="ja-JP" sz="2000" dirty="0"/>
               <a:t>a</a:t>
             </a:r>
             <a:r>
-              <a:rPr lang="ja-JP" altLang="en-US" sz="2000" dirty="0" smtClean="0"/>
-              <a:t>を入力」するモデル</a:t>
-            </a:r>
-            <a:r>
               <a:rPr lang="ja-JP" altLang="en-US" sz="2000" dirty="0"/>
-              <a:t>を作成します</a:t>
+              <a:t>を入力」するモデルを作成します</a:t>
             </a:r>
             <a:endParaRPr kumimoji="1" lang="ja-JP" altLang="en-US" sz="2000" dirty="0"/>
           </a:p>
@@ -4817,14 +4794,10 @@
             <a:p>
               <a:r>
                 <a:rPr lang="ja-JP" altLang="en-US" dirty="0"/>
-                <a:t>クラスタイプ</a:t>
-              </a:r>
-              <a:r>
-                <a:rPr lang="ja-JP" altLang="en-US" dirty="0" smtClean="0"/>
-                <a:t>を</a:t>
-              </a:r>
-              <a:r>
-                <a:rPr lang="en-US" altLang="ja-JP" dirty="0" smtClean="0"/>
+                <a:t>クラスタイプを</a:t>
+              </a:r>
+              <a:r>
+                <a:rPr lang="en-US" altLang="ja-JP" dirty="0"/>
                 <a:t>Model</a:t>
               </a:r>
               <a:r>
@@ -5037,13 +5010,6 @@
   <p:clrMapOvr>
     <a:masterClrMapping/>
   </p:clrMapOvr>
-  <p:timing>
-    <p:tnLst>
-      <p:par>
-        <p:cTn id="1" dur="indefinite" restart="never" nodeType="tmRoot"/>
-      </p:par>
-    </p:tnLst>
-  </p:timing>
 </p:sld>
 </file>
 
@@ -5066,7 +5032,13 @@
       </p:grpSpPr>
       <p:pic>
         <p:nvPicPr>
-          <p:cNvPr id="12" name="図 11"/>
+          <p:cNvPr id="13" name="図 12">
+            <a:extLst>
+              <a:ext uri="{FF2B5EF4-FFF2-40B4-BE49-F238E27FC236}">
+                <a16:creationId xmlns:a16="http://schemas.microsoft.com/office/drawing/2014/main" id="{4CD232FF-45DB-4C1A-81F7-14AB05BA6D0A}"/>
+              </a:ext>
+            </a:extLst>
+          </p:cNvPr>
           <p:cNvPicPr>
             <a:picLocks noChangeAspect="1"/>
           </p:cNvPicPr>
@@ -5080,8 +5052,8 @@
         </p:blipFill>
         <p:spPr>
           <a:xfrm>
-            <a:off x="674462" y="1662325"/>
-            <a:ext cx="6287175" cy="3209395"/>
+            <a:off x="309305" y="1493386"/>
+            <a:ext cx="6604454" cy="3871227"/>
           </a:xfrm>
           <a:prstGeom prst="rect">
             <a:avLst/>
@@ -5179,21 +5151,8 @@
               </a:r>
               <a:r>
                 <a:rPr lang="ja-JP" altLang="en-US" dirty="0"/>
-                <a:t>」</a:t>
-              </a:r>
-              <a:r>
-                <a:rPr lang="ja-JP" altLang="en-US" dirty="0" smtClean="0"/>
-                <a:t>を</a:t>
-              </a:r>
-              <a:r>
-                <a:rPr lang="ja-JP" altLang="en-US" dirty="0"/>
-                <a:t>追加</a:t>
-              </a:r>
-              <a:r>
-                <a:rPr lang="ja-JP" altLang="en-US" dirty="0" smtClean="0"/>
-                <a:t>してください</a:t>
-              </a:r>
-              <a:endParaRPr lang="ja-JP" altLang="en-US" dirty="0"/>
+                <a:t>」を追加してください</a:t>
+              </a:r>
             </a:p>
           </p:txBody>
         </p:sp>
@@ -5258,7 +5217,7 @@
           </a:ln>
           <a:extLst>
             <a:ext uri="{C572A759-6A51-4108-AA02-DFA0A04FC94B}">
-              <ma14:wrappingTextBoxFlag xmlns="" xmlns:ma14="http://schemas.microsoft.com/office/mac/drawingml/2011/main" val="1"/>
+              <ma14:wrappingTextBoxFlag xmlns:ma14="http://schemas.microsoft.com/office/mac/drawingml/2011/main" xmlns="" val="1"/>
             </a:ext>
           </a:extLst>
         </p:spPr>
@@ -5310,7 +5269,7 @@
         </p:nvSpPr>
         <p:spPr>
           <a:xfrm>
-            <a:off x="724803" y="3923393"/>
+            <a:off x="359645" y="3624264"/>
             <a:ext cx="1570735" cy="325664"/>
           </a:xfrm>
           <a:prstGeom prst="roundRect">
@@ -5364,9 +5323,9 @@
           <p:nvPr/>
         </p:nvCxnSpPr>
         <p:spPr>
-          <a:xfrm flipV="1">
-            <a:off x="2295538" y="3683000"/>
-            <a:ext cx="4257662" cy="403225"/>
+          <a:xfrm>
+            <a:off x="1930380" y="3787096"/>
+            <a:ext cx="4624246" cy="0"/>
           </a:xfrm>
           <a:prstGeom prst="straightConnector1">
             <a:avLst/>
@@ -5531,13 +5490,6 @@
   <p:clrMapOvr>
     <a:masterClrMapping/>
   </p:clrMapOvr>
-  <p:timing>
-    <p:tnLst>
-      <p:par>
-        <p:cTn id="1" dur="indefinite" restart="never" nodeType="tmRoot"/>
-      </p:par>
-    </p:tnLst>
-  </p:timing>
 </p:sld>
 </file>
 
@@ -5612,7 +5564,7 @@
           </a:ln>
           <a:extLst>
             <a:ext uri="{C572A759-6A51-4108-AA02-DFA0A04FC94B}">
-              <ma14:wrappingTextBoxFlag xmlns="" xmlns:ma14="http://schemas.microsoft.com/office/mac/drawingml/2011/main" val="1"/>
+              <ma14:wrappingTextBoxFlag xmlns:ma14="http://schemas.microsoft.com/office/mac/drawingml/2011/main" xmlns="" val="1"/>
             </a:ext>
           </a:extLst>
         </p:spPr>
@@ -5674,16 +5626,8 @@
               <a:t>connector</a:t>
             </a:r>
             <a:r>
-              <a:rPr lang="ja-JP" altLang="en-US" sz="2000" dirty="0" smtClean="0"/>
-              <a:t>で受け渡しする</a:t>
-            </a:r>
-            <a:r>
               <a:rPr lang="ja-JP" altLang="en-US" sz="2000" dirty="0"/>
-              <a:t>値を受け取る方法を解説</a:t>
-            </a:r>
-            <a:r>
-              <a:rPr lang="ja-JP" altLang="en-US" sz="2000" dirty="0" smtClean="0"/>
-              <a:t>します。</a:t>
+              <a:t>で受け渡しする値を受け取る方法を解説します。</a:t>
             </a:r>
             <a:endParaRPr lang="en-US" altLang="ja-JP" sz="2000" dirty="0"/>
           </a:p>
@@ -5705,11 +5649,7 @@
           <a:p>
             <a:r>
               <a:rPr lang="ja-JP" altLang="en-US" sz="2000" dirty="0"/>
-              <a:t>宣言したパラメータや変数を等式で結びつけることで値を</a:t>
-            </a:r>
-            <a:r>
-              <a:rPr lang="ja-JP" altLang="en-US" sz="2000" dirty="0" smtClean="0"/>
-              <a:t>受け渡します。</a:t>
+              <a:t>宣言したパラメータや変数を等式で結びつけることで値を受け渡します。</a:t>
             </a:r>
             <a:endParaRPr kumimoji="1" lang="ja-JP" altLang="en-US" sz="2000" dirty="0"/>
           </a:p>
@@ -5828,16 +5768,6 @@
             <a:lstStyle/>
             <a:p>
               <a:r>
-                <a:rPr kumimoji="1" lang="ja-JP" altLang="en-US" dirty="0" smtClean="0">
-                  <a:solidFill>
-                    <a:schemeClr val="accent1">
-                      <a:lumMod val="75000"/>
-                    </a:schemeClr>
-                  </a:solidFill>
-                </a:rPr>
-                <a:t>受け渡ししたい</a:t>
-              </a:r>
-              <a:r>
                 <a:rPr kumimoji="1" lang="ja-JP" altLang="en-US" dirty="0">
                   <a:solidFill>
                     <a:schemeClr val="accent1">
@@ -5845,7 +5775,7 @@
                     </a:schemeClr>
                   </a:solidFill>
                 </a:rPr>
-                <a:t>変数の型</a:t>
+                <a:t>受け渡ししたい変数の型</a:t>
               </a:r>
               <a:r>
                 <a:rPr lang="ja-JP" altLang="en-US" dirty="0">
@@ -5855,20 +5785,10 @@
                     </a:schemeClr>
                   </a:solidFill>
                 </a:rPr>
-                <a:t>␣変</a:t>
-              </a:r>
-              <a:r>
-                <a:rPr lang="ja-JP" altLang="en-US" dirty="0" smtClean="0">
-                  <a:solidFill>
-                    <a:schemeClr val="accent1">
-                      <a:lumMod val="75000"/>
-                    </a:schemeClr>
-                  </a:solidFill>
-                </a:rPr>
-                <a:t>数名</a:t>
-              </a:r>
-              <a:r>
-                <a:rPr lang="en-US" altLang="ja-JP" dirty="0" smtClean="0">
+                <a:t>␣変数名</a:t>
+              </a:r>
+              <a:r>
+                <a:rPr lang="en-US" altLang="ja-JP" dirty="0">
                   <a:solidFill>
                     <a:schemeClr val="accent1">
                       <a:lumMod val="75000"/>
@@ -6194,14 +6114,10 @@
               </a:r>
               <a:r>
                 <a:rPr kumimoji="1" lang="ja-JP" altLang="en-US" sz="2400" dirty="0"/>
-                <a:t>␣変</a:t>
-              </a:r>
-              <a:r>
-                <a:rPr kumimoji="1" lang="ja-JP" altLang="en-US" sz="2400" dirty="0" smtClean="0"/>
-                <a:t>数名</a:t>
-              </a:r>
-              <a:r>
-                <a:rPr kumimoji="1" lang="en-US" altLang="ja-JP" sz="2400" dirty="0" smtClean="0"/>
+                <a:t>␣変数名</a:t>
+              </a:r>
+              <a:r>
+                <a:rPr kumimoji="1" lang="en-US" altLang="ja-JP" sz="2400" dirty="0"/>
                 <a:t>A;</a:t>
               </a:r>
               <a:endParaRPr kumimoji="1" lang="ja-JP" altLang="en-US" sz="2400" dirty="0"/>
@@ -6428,26 +6344,18 @@
               </a:r>
               <a:r>
                 <a:rPr kumimoji="1" lang="ja-JP" altLang="en-US" sz="2400" dirty="0"/>
-                <a:t>変</a:t>
-              </a:r>
-              <a:r>
-                <a:rPr kumimoji="1" lang="ja-JP" altLang="en-US" sz="2400" dirty="0" smtClean="0"/>
-                <a:t>数名</a:t>
-              </a:r>
-              <a:r>
-                <a:rPr kumimoji="1" lang="en-US" altLang="ja-JP" sz="2400" dirty="0" smtClean="0"/>
+                <a:t>変数名</a:t>
+              </a:r>
+              <a:r>
+                <a:rPr kumimoji="1" lang="en-US" altLang="ja-JP" sz="2400" dirty="0"/>
                 <a:t>B=</a:t>
               </a:r>
               <a:r>
                 <a:rPr kumimoji="1" lang="ja-JP" altLang="en-US" sz="2400" dirty="0"/>
-                <a:t>変</a:t>
-              </a:r>
-              <a:r>
-                <a:rPr kumimoji="1" lang="ja-JP" altLang="en-US" sz="2400" dirty="0" smtClean="0"/>
-                <a:t>数名</a:t>
-              </a:r>
-              <a:r>
-                <a:rPr kumimoji="1" lang="en-US" altLang="ja-JP" sz="2400" dirty="0" smtClean="0"/>
+                <a:t>変数名</a:t>
+              </a:r>
+              <a:r>
+                <a:rPr kumimoji="1" lang="en-US" altLang="ja-JP" sz="2400" dirty="0"/>
                 <a:t>A</a:t>
               </a:r>
               <a:endParaRPr kumimoji="1" lang="ja-JP" altLang="en-US" sz="2400" dirty="0"/>
@@ -7229,13 +7137,6 @@
   <p:clrMapOvr>
     <a:masterClrMapping/>
   </p:clrMapOvr>
-  <p:timing>
-    <p:tnLst>
-      <p:par>
-        <p:cTn id="1" dur="indefinite" restart="never" nodeType="tmRoot"/>
-      </p:par>
-    </p:tnLst>
-  </p:timing>
 </p:sld>
 </file>
 
@@ -7334,7 +7235,7 @@
           </a:ln>
           <a:extLst>
             <a:ext uri="{C572A759-6A51-4108-AA02-DFA0A04FC94B}">
-              <ma14:wrappingTextBoxFlag xmlns="" xmlns:ma14="http://schemas.microsoft.com/office/mac/drawingml/2011/main" val="1"/>
+              <ma14:wrappingTextBoxFlag xmlns:ma14="http://schemas.microsoft.com/office/mac/drawingml/2011/main" xmlns="" val="1"/>
             </a:ext>
           </a:extLst>
         </p:spPr>
@@ -7461,13 +7362,8 @@
               </a:r>
               <a:r>
                 <a:rPr lang="ja-JP" altLang="en-US" dirty="0"/>
-                <a:t>セクションに記述</a:t>
-              </a:r>
-              <a:r>
-                <a:rPr lang="ja-JP" altLang="en-US" dirty="0" smtClean="0"/>
-                <a:t>します。</a:t>
-              </a:r>
-              <a:endParaRPr lang="ja-JP" altLang="en-US" dirty="0"/>
+                <a:t>セクションに記述します。</a:t>
+              </a:r>
             </a:p>
           </p:txBody>
         </p:sp>
@@ -7594,13 +7490,8 @@
             </a:r>
             <a:r>
               <a:rPr kumimoji="1" lang="ja-JP" altLang="en-US" sz="2000" dirty="0"/>
-              <a:t>によって他のブロックへ受け渡せるように</a:t>
-            </a:r>
-            <a:r>
-              <a:rPr kumimoji="1" lang="ja-JP" altLang="en-US" sz="2000" dirty="0" smtClean="0"/>
-              <a:t>なります。</a:t>
-            </a:r>
-            <a:endParaRPr kumimoji="1" lang="ja-JP" altLang="en-US" sz="2000" dirty="0"/>
+              <a:t>によって他のブロックへ受け渡せるようになります。</a:t>
+            </a:r>
           </a:p>
         </p:txBody>
       </p:sp>
@@ -8238,14 +8129,13 @@
               <a:t>p</a:t>
             </a:r>
             <a:r>
-              <a:rPr kumimoji="1" lang="en-US" altLang="ja-JP" sz="2000" dirty="0" err="1" smtClean="0"/>
+              <a:rPr kumimoji="1" lang="en-US" altLang="ja-JP" sz="2000" dirty="0" err="1"/>
               <a:t>ort.var</a:t>
             </a:r>
             <a:r>
-              <a:rPr kumimoji="1" lang="ja-JP" altLang="en-US" sz="2000" dirty="0" smtClean="0"/>
+              <a:rPr kumimoji="1" lang="ja-JP" altLang="en-US" sz="2000" dirty="0"/>
               <a:t>の値を参照できる</a:t>
             </a:r>
-            <a:endParaRPr kumimoji="1" lang="ja-JP" altLang="en-US" sz="2000" dirty="0"/>
           </a:p>
         </p:txBody>
       </p:sp>
@@ -8259,13 +8149,6 @@
   <p:clrMapOvr>
     <a:masterClrMapping/>
   </p:clrMapOvr>
-  <p:timing>
-    <p:tnLst>
-      <p:par>
-        <p:cTn id="1" dur="indefinite" restart="never" nodeType="tmRoot"/>
-      </p:par>
-    </p:tnLst>
-  </p:timing>
 </p:sld>
 </file>
 
@@ -8286,6 +8169,36 @@
           <a:chExt cx="0" cy="0"/>
         </a:xfrm>
       </p:grpSpPr>
+      <p:pic>
+        <p:nvPicPr>
+          <p:cNvPr id="8" name="図 7">
+            <a:extLst>
+              <a:ext uri="{FF2B5EF4-FFF2-40B4-BE49-F238E27FC236}">
+                <a16:creationId xmlns:a16="http://schemas.microsoft.com/office/drawing/2014/main" id="{80094D48-AF0F-4399-A608-1684C27105EB}"/>
+              </a:ext>
+            </a:extLst>
+          </p:cNvPr>
+          <p:cNvPicPr>
+            <a:picLocks noChangeAspect="1"/>
+          </p:cNvPicPr>
+          <p:nvPr/>
+        </p:nvPicPr>
+        <p:blipFill>
+          <a:blip r:embed="rId2"/>
+          <a:stretch>
+            <a:fillRect/>
+          </a:stretch>
+        </p:blipFill>
+        <p:spPr>
+          <a:xfrm>
+            <a:off x="3521718" y="1240610"/>
+            <a:ext cx="3991190" cy="4914078"/>
+          </a:xfrm>
+          <a:prstGeom prst="rect">
+            <a:avLst/>
+          </a:prstGeom>
+        </p:spPr>
+      </p:pic>
       <p:sp>
         <p:nvSpPr>
           <p:cNvPr id="2" name="スライド番号プレースホルダー 1">
@@ -8340,7 +8253,7 @@
           </a:ln>
           <a:extLst>
             <a:ext uri="{C572A759-6A51-4108-AA02-DFA0A04FC94B}">
-              <ma14:wrappingTextBoxFlag xmlns="" xmlns:ma14="http://schemas.microsoft.com/office/mac/drawingml/2011/main" val="1"/>
+              <ma14:wrappingTextBoxFlag xmlns:ma14="http://schemas.microsoft.com/office/mac/drawingml/2011/main" xmlns="" val="1"/>
             </a:ext>
           </a:extLst>
         </p:spPr>
@@ -8436,13 +8349,9 @@
               </a:r>
               <a:r>
                 <a:rPr lang="ja-JP" altLang="en-US" dirty="0"/>
-                <a:t>」の完成です</a:t>
-              </a:r>
-              <a:r>
-                <a:rPr lang="ja-JP" altLang="en-US" dirty="0" smtClean="0"/>
-                <a:t>。</a:t>
-              </a:r>
-              <a:endParaRPr lang="en-US" altLang="ja-JP" dirty="0" smtClean="0"/>
+                <a:t>」の完成です。</a:t>
+              </a:r>
+              <a:endParaRPr lang="en-US" altLang="ja-JP" dirty="0"/>
             </a:p>
           </p:txBody>
         </p:sp>
@@ -8483,30 +8392,6 @@
           </p:txBody>
         </p:sp>
       </p:grpSp>
-      <p:pic>
-        <p:nvPicPr>
-          <p:cNvPr id="7" name="図 6"/>
-          <p:cNvPicPr>
-            <a:picLocks noChangeAspect="1"/>
-          </p:cNvPicPr>
-          <p:nvPr/>
-        </p:nvPicPr>
-        <p:blipFill>
-          <a:blip r:embed="rId2"/>
-          <a:stretch>
-            <a:fillRect/>
-          </a:stretch>
-        </p:blipFill>
-        <p:spPr>
-          <a:xfrm>
-            <a:off x="3563510" y="1300203"/>
-            <a:ext cx="4503529" cy="4899293"/>
-          </a:xfrm>
-          <a:prstGeom prst="rect">
-            <a:avLst/>
-          </a:prstGeom>
-        </p:spPr>
-      </p:pic>
       <p:sp>
         <p:nvSpPr>
           <p:cNvPr id="13" name="四角形: 角を丸くする 32">
@@ -8521,8 +8406,8 @@
         </p:nvSpPr>
         <p:spPr>
           <a:xfrm>
-            <a:off x="4715222" y="1323960"/>
-            <a:ext cx="587028" cy="605170"/>
+            <a:off x="4843848" y="1211478"/>
+            <a:ext cx="415499" cy="493754"/>
           </a:xfrm>
           <a:prstGeom prst="roundRect">
             <a:avLst/>
@@ -8576,8 +8461,8 @@
         </p:nvCxnSpPr>
         <p:spPr>
           <a:xfrm>
-            <a:off x="5008736" y="1929130"/>
-            <a:ext cx="206928" cy="1026326"/>
+            <a:off x="5051598" y="1705232"/>
+            <a:ext cx="166692" cy="864973"/>
           </a:xfrm>
           <a:prstGeom prst="straightConnector1">
             <a:avLst/>
@@ -8619,8 +8504,8 @@
         </p:nvSpPr>
         <p:spPr>
           <a:xfrm>
-            <a:off x="5718356" y="1300203"/>
-            <a:ext cx="563064" cy="556537"/>
+            <a:off x="5624505" y="1211479"/>
+            <a:ext cx="415499" cy="493754"/>
           </a:xfrm>
           <a:prstGeom prst="roundRect">
             <a:avLst/>
@@ -8674,8 +8559,8 @@
         </p:nvCxnSpPr>
         <p:spPr>
           <a:xfrm flipH="1">
-            <a:off x="5759414" y="1856740"/>
-            <a:ext cx="240474" cy="2358390"/>
+            <a:off x="5535827" y="1705233"/>
+            <a:ext cx="296428" cy="2150075"/>
           </a:xfrm>
           <a:prstGeom prst="straightConnector1">
             <a:avLst/>
@@ -8726,28 +8611,15 @@
           <a:p>
             <a:r>
               <a:rPr lang="ja-JP" altLang="en-US" dirty="0"/>
-              <a:t>チェックしてモデルに問題が無いか確認することをお勧めします</a:t>
-            </a:r>
-            <a:r>
-              <a:rPr lang="ja-JP" altLang="en-US" dirty="0" smtClean="0"/>
-              <a:t>。</a:t>
-            </a:r>
-            <a:endParaRPr lang="en-US" altLang="ja-JP" dirty="0" smtClean="0"/>
-          </a:p>
-          <a:p>
-            <a:r>
-              <a:rPr lang="ja-JP" altLang="en-US" dirty="0" smtClean="0"/>
-              <a:t>今後</a:t>
-            </a:r>
+              <a:t>チェックしてモデルに問題が無いか確認することをお勧めします。</a:t>
+            </a:r>
+            <a:endParaRPr lang="en-US" altLang="ja-JP" dirty="0"/>
+          </a:p>
+          <a:p>
             <a:r>
               <a:rPr lang="ja-JP" altLang="en-US" dirty="0"/>
-              <a:t>作成するモデルについても</a:t>
-            </a:r>
-            <a:r>
-              <a:rPr lang="ja-JP" altLang="en-US" dirty="0" smtClean="0"/>
-              <a:t>同様にチェックすることでデバッグが楽になります。</a:t>
-            </a:r>
-            <a:endParaRPr lang="ja-JP" altLang="en-US" dirty="0"/>
+              <a:t>今後作成するモデルについても同様にチェックすることでデバッグが楽になります。</a:t>
+            </a:r>
           </a:p>
         </p:txBody>
       </p:sp>
@@ -8761,13 +8633,6 @@
   <p:clrMapOvr>
     <a:masterClrMapping/>
   </p:clrMapOvr>
-  <p:timing>
-    <p:tnLst>
-      <p:par>
-        <p:cTn id="1" dur="indefinite" restart="never" nodeType="tmRoot"/>
-      </p:par>
-    </p:tnLst>
-  </p:timing>
 </p:sld>
 </file>
 
@@ -8866,7 +8731,7 @@
           </a:ln>
           <a:extLst>
             <a:ext uri="{C572A759-6A51-4108-AA02-DFA0A04FC94B}">
-              <ma14:wrappingTextBoxFlag xmlns="" xmlns:ma14="http://schemas.microsoft.com/office/mac/drawingml/2011/main" val="1"/>
+              <ma14:wrappingTextBoxFlag xmlns:ma14="http://schemas.microsoft.com/office/mac/drawingml/2011/main" xmlns="" val="1"/>
             </a:ext>
           </a:extLst>
         </p:spPr>
@@ -9739,13 +9604,6 @@
   <p:clrMapOvr>
     <a:masterClrMapping/>
   </p:clrMapOvr>
-  <p:timing>
-    <p:tnLst>
-      <p:par>
-        <p:cTn id="1" dur="indefinite" restart="never" nodeType="tmRoot"/>
-      </p:par>
-    </p:tnLst>
-  </p:timing>
 </p:sld>
 </file>
 
@@ -9766,6 +9624,36 @@
           <a:chExt cx="0" cy="0"/>
         </a:xfrm>
       </p:grpSpPr>
+      <p:pic>
+        <p:nvPicPr>
+          <p:cNvPr id="5" name="図 4">
+            <a:extLst>
+              <a:ext uri="{FF2B5EF4-FFF2-40B4-BE49-F238E27FC236}">
+                <a16:creationId xmlns:a16="http://schemas.microsoft.com/office/drawing/2014/main" id="{A4A6D1FF-AE75-43CC-B912-21B6B813A2BC}"/>
+              </a:ext>
+            </a:extLst>
+          </p:cNvPr>
+          <p:cNvPicPr>
+            <a:picLocks noChangeAspect="1"/>
+          </p:cNvPicPr>
+          <p:nvPr/>
+        </p:nvPicPr>
+        <p:blipFill>
+          <a:blip r:embed="rId2"/>
+          <a:stretch>
+            <a:fillRect/>
+          </a:stretch>
+        </p:blipFill>
+        <p:spPr>
+          <a:xfrm>
+            <a:off x="2506663" y="1206438"/>
+            <a:ext cx="5037257" cy="2842506"/>
+          </a:xfrm>
+          <a:prstGeom prst="rect">
+            <a:avLst/>
+          </a:prstGeom>
+        </p:spPr>
+      </p:pic>
       <p:sp>
         <p:nvSpPr>
           <p:cNvPr id="2" name="スライド番号プレースホルダー 1">
@@ -9820,7 +9708,7 @@
           </a:ln>
           <a:extLst>
             <a:ext uri="{C572A759-6A51-4108-AA02-DFA0A04FC94B}">
-              <ma14:wrappingTextBoxFlag xmlns="" xmlns:ma14="http://schemas.microsoft.com/office/mac/drawingml/2011/main" val="1"/>
+              <ma14:wrappingTextBoxFlag xmlns:ma14="http://schemas.microsoft.com/office/mac/drawingml/2011/main" xmlns="" val="1"/>
             </a:ext>
           </a:extLst>
         </p:spPr>
@@ -9971,161 +9859,122 @@
       </p:grpSp>
       <p:grpSp>
         <p:nvGrpSpPr>
-          <p:cNvPr id="11" name="グループ化 10"/>
+          <p:cNvPr id="6" name="グループ化 5">
+            <a:extLst>
+              <a:ext uri="{FF2B5EF4-FFF2-40B4-BE49-F238E27FC236}">
+                <a16:creationId xmlns:a16="http://schemas.microsoft.com/office/drawing/2014/main" id="{AB369DB9-228A-455A-82B0-4563C12C32EC}"/>
+              </a:ext>
+            </a:extLst>
+          </p:cNvPr>
           <p:cNvGrpSpPr/>
           <p:nvPr/>
         </p:nvGrpSpPr>
         <p:grpSpPr>
           <a:xfrm>
-            <a:off x="2564611" y="1127343"/>
-            <a:ext cx="5299230" cy="3003502"/>
-            <a:chOff x="2473170" y="1127343"/>
-            <a:chExt cx="6310149" cy="3576472"/>
+            <a:off x="2506663" y="2779692"/>
+            <a:ext cx="2349543" cy="226497"/>
+            <a:chOff x="432237" y="3383901"/>
+            <a:chExt cx="3378240" cy="325664"/>
           </a:xfrm>
         </p:grpSpPr>
-        <p:pic>
-          <p:nvPicPr>
-            <p:cNvPr id="8" name="図 7"/>
-            <p:cNvPicPr>
-              <a:picLocks noChangeAspect="1"/>
-            </p:cNvPicPr>
-            <p:nvPr/>
-          </p:nvPicPr>
-          <p:blipFill>
-            <a:blip r:embed="rId2"/>
-            <a:stretch>
-              <a:fillRect/>
-            </a:stretch>
-          </p:blipFill>
-          <p:spPr>
-            <a:xfrm>
-              <a:off x="2473170" y="1127343"/>
-              <a:ext cx="6310149" cy="3576472"/>
-            </a:xfrm>
-            <a:prstGeom prst="rect">
-              <a:avLst/>
-            </a:prstGeom>
-          </p:spPr>
-        </p:pic>
-        <p:grpSp>
-          <p:nvGrpSpPr>
-            <p:cNvPr id="6" name="グループ化 5">
+        <p:sp>
+          <p:nvSpPr>
+            <p:cNvPr id="21" name="四角形: 角を丸くする 20">
               <a:extLst>
                 <a:ext uri="{FF2B5EF4-FFF2-40B4-BE49-F238E27FC236}">
-                  <a16:creationId xmlns:a16="http://schemas.microsoft.com/office/drawing/2014/main" id="{AB369DB9-228A-455A-82B0-4563C12C32EC}"/>
+                  <a16:creationId xmlns:a16="http://schemas.microsoft.com/office/drawing/2014/main" id="{917843DF-E6BA-4260-8A03-D11296BE0294}"/>
                 </a:ext>
               </a:extLst>
             </p:cNvPr>
-            <p:cNvGrpSpPr/>
+            <p:cNvSpPr/>
             <p:nvPr/>
-          </p:nvGrpSpPr>
-          <p:grpSpPr>
+          </p:nvSpPr>
+          <p:spPr>
             <a:xfrm>
-              <a:off x="2608169" y="3286759"/>
-              <a:ext cx="2659791" cy="624144"/>
-              <a:chOff x="432237" y="2955922"/>
-              <a:chExt cx="3211648" cy="753643"/>
+              <a:off x="432237" y="3383901"/>
+              <a:ext cx="1570735" cy="325664"/>
             </a:xfrm>
-          </p:grpSpPr>
-          <p:sp>
-            <p:nvSpPr>
-              <p:cNvPr id="21" name="四角形: 角を丸くする 20">
-                <a:extLst>
-                  <a:ext uri="{FF2B5EF4-FFF2-40B4-BE49-F238E27FC236}">
-                    <a16:creationId xmlns:a16="http://schemas.microsoft.com/office/drawing/2014/main" id="{917843DF-E6BA-4260-8A03-D11296BE0294}"/>
-                  </a:ext>
-                </a:extLst>
-              </p:cNvPr>
-              <p:cNvSpPr/>
-              <p:nvPr/>
-            </p:nvSpPr>
-            <p:spPr>
-              <a:xfrm>
-                <a:off x="432237" y="3383901"/>
-                <a:ext cx="1570735" cy="325664"/>
-              </a:xfrm>
-              <a:prstGeom prst="roundRect">
-                <a:avLst/>
-              </a:prstGeom>
-              <a:noFill/>
-              <a:ln w="28575">
-                <a:solidFill>
-                  <a:srgbClr val="FF0000"/>
-                </a:solidFill>
-              </a:ln>
-            </p:spPr>
-            <p:style>
-              <a:lnRef idx="2">
-                <a:schemeClr val="accent1">
-                  <a:shade val="50000"/>
-                </a:schemeClr>
-              </a:lnRef>
-              <a:fillRef idx="1">
-                <a:schemeClr val="accent1"/>
-              </a:fillRef>
-              <a:effectRef idx="0">
-                <a:schemeClr val="accent1"/>
-              </a:effectRef>
-              <a:fontRef idx="minor">
-                <a:schemeClr val="lt1"/>
-              </a:fontRef>
-            </p:style>
-            <p:txBody>
-              <a:bodyPr rtlCol="0" anchor="ctr"/>
-              <a:lstStyle/>
-              <a:p>
-                <a:pPr algn="ctr"/>
-                <a:endParaRPr kumimoji="1" lang="ja-JP" altLang="en-US" sz="2400"/>
-              </a:p>
-            </p:txBody>
-          </p:sp>
-          <p:cxnSp>
-            <p:nvCxnSpPr>
-              <p:cNvPr id="22" name="直線矢印コネクタ 21">
-                <a:extLst>
-                  <a:ext uri="{FF2B5EF4-FFF2-40B4-BE49-F238E27FC236}">
-                    <a16:creationId xmlns:a16="http://schemas.microsoft.com/office/drawing/2014/main" id="{AED48C2A-6EAA-4CF0-985B-34109D13A250}"/>
-                  </a:ext>
-                </a:extLst>
-              </p:cNvPr>
-              <p:cNvCxnSpPr>
-                <a:cxnSpLocks/>
-                <a:stCxn id="21" idx="3"/>
-              </p:cNvCxnSpPr>
-              <p:nvPr/>
-            </p:nvCxnSpPr>
-            <p:spPr>
-              <a:xfrm flipV="1">
-                <a:off x="2002972" y="2955922"/>
-                <a:ext cx="1640913" cy="590811"/>
-              </a:xfrm>
-              <a:prstGeom prst="straightConnector1">
-                <a:avLst/>
-              </a:prstGeom>
-              <a:ln w="28575">
-                <a:solidFill>
-                  <a:srgbClr val="FF0000"/>
-                </a:solidFill>
-                <a:headEnd type="none" w="med" len="med"/>
-                <a:tailEnd type="triangle" w="med" len="med"/>
-              </a:ln>
-            </p:spPr>
-            <p:style>
-              <a:lnRef idx="1">
-                <a:schemeClr val="accent1"/>
-              </a:lnRef>
-              <a:fillRef idx="0">
-                <a:schemeClr val="accent1"/>
-              </a:fillRef>
-              <a:effectRef idx="0">
-                <a:schemeClr val="accent1"/>
-              </a:effectRef>
-              <a:fontRef idx="minor">
-                <a:schemeClr val="tx1"/>
-              </a:fontRef>
-            </p:style>
-          </p:cxnSp>
-        </p:grpSp>
+            <a:prstGeom prst="roundRect">
+              <a:avLst/>
+            </a:prstGeom>
+            <a:noFill/>
+            <a:ln w="28575">
+              <a:solidFill>
+                <a:srgbClr val="FF0000"/>
+              </a:solidFill>
+            </a:ln>
+          </p:spPr>
+          <p:style>
+            <a:lnRef idx="2">
+              <a:schemeClr val="accent1">
+                <a:shade val="50000"/>
+              </a:schemeClr>
+            </a:lnRef>
+            <a:fillRef idx="1">
+              <a:schemeClr val="accent1"/>
+            </a:fillRef>
+            <a:effectRef idx="0">
+              <a:schemeClr val="accent1"/>
+            </a:effectRef>
+            <a:fontRef idx="minor">
+              <a:schemeClr val="lt1"/>
+            </a:fontRef>
+          </p:style>
+          <p:txBody>
+            <a:bodyPr rtlCol="0" anchor="ctr"/>
+            <a:lstStyle/>
+            <a:p>
+              <a:pPr algn="ctr"/>
+              <a:endParaRPr kumimoji="1" lang="ja-JP" altLang="en-US" sz="2400"/>
+            </a:p>
+          </p:txBody>
+        </p:sp>
+        <p:cxnSp>
+          <p:nvCxnSpPr>
+            <p:cNvPr id="22" name="直線矢印コネクタ 21">
+              <a:extLst>
+                <a:ext uri="{FF2B5EF4-FFF2-40B4-BE49-F238E27FC236}">
+                  <a16:creationId xmlns:a16="http://schemas.microsoft.com/office/drawing/2014/main" id="{AED48C2A-6EAA-4CF0-985B-34109D13A250}"/>
+                </a:ext>
+              </a:extLst>
+            </p:cNvPr>
+            <p:cNvCxnSpPr>
+              <a:cxnSpLocks/>
+              <a:stCxn id="21" idx="3"/>
+            </p:cNvCxnSpPr>
+            <p:nvPr/>
+          </p:nvCxnSpPr>
+          <p:spPr>
+            <a:xfrm flipV="1">
+              <a:off x="2002972" y="3546732"/>
+              <a:ext cx="1807505" cy="1"/>
+            </a:xfrm>
+            <a:prstGeom prst="straightConnector1">
+              <a:avLst/>
+            </a:prstGeom>
+            <a:ln w="28575">
+              <a:solidFill>
+                <a:srgbClr val="FF0000"/>
+              </a:solidFill>
+              <a:headEnd type="none" w="med" len="med"/>
+              <a:tailEnd type="triangle" w="med" len="med"/>
+            </a:ln>
+          </p:spPr>
+          <p:style>
+            <a:lnRef idx="1">
+              <a:schemeClr val="accent1"/>
+            </a:lnRef>
+            <a:fillRef idx="0">
+              <a:schemeClr val="accent1"/>
+            </a:fillRef>
+            <a:effectRef idx="0">
+              <a:schemeClr val="accent1"/>
+            </a:effectRef>
+            <a:fontRef idx="minor">
+              <a:schemeClr val="tx1"/>
+            </a:fontRef>
+          </p:style>
+        </p:cxnSp>
       </p:grpSp>
       <p:grpSp>
         <p:nvGrpSpPr>
@@ -10188,7 +10037,7 @@
                 <a:t>a = </a:t>
               </a:r>
               <a:r>
-                <a:rPr lang="en-US" altLang="ja-JP" dirty="0" err="1" smtClean="0"/>
+                <a:rPr lang="en-US" altLang="ja-JP" dirty="0" err="1"/>
                 <a:t>port.var</a:t>
               </a:r>
               <a:r>
@@ -10313,13 +10162,6 @@
   <p:clrMapOvr>
     <a:masterClrMapping/>
   </p:clrMapOvr>
-  <p:timing>
-    <p:tnLst>
-      <p:par>
-        <p:cTn id="1" dur="indefinite" restart="never" nodeType="tmRoot"/>
-      </p:par>
-    </p:tnLst>
-  </p:timing>
 </p:sld>
 </file>
 
@@ -10418,7 +10260,7 @@
           </a:ln>
           <a:extLst>
             <a:ext uri="{C572A759-6A51-4108-AA02-DFA0A04FC94B}">
-              <ma14:wrappingTextBoxFlag xmlns="" xmlns:ma14="http://schemas.microsoft.com/office/mac/drawingml/2011/main" val="1"/>
+              <ma14:wrappingTextBoxFlag xmlns:ma14="http://schemas.microsoft.com/office/mac/drawingml/2011/main" xmlns="" val="1"/>
             </a:ext>
           </a:extLst>
         </p:spPr>
@@ -10948,12 +10790,8 @@
           </a:p>
           <a:p>
             <a:r>
-              <a:rPr lang="ja-JP" altLang="en-US" dirty="0" smtClean="0"/>
-              <a:t>一般的に入出力</a:t>
-            </a:r>
-            <a:r>
               <a:rPr lang="ja-JP" altLang="en-US" dirty="0"/>
-              <a:t>の関係式は、</a:t>
+              <a:t>一般的に入出力の関係式は、</a:t>
             </a:r>
             <a:r>
               <a:rPr lang="en-US" altLang="ja-JP" dirty="0"/>
@@ -11103,13 +10941,6 @@
   <p:clrMapOvr>
     <a:masterClrMapping/>
   </p:clrMapOvr>
-  <p:timing>
-    <p:tnLst>
-      <p:par>
-        <p:cTn id="1" dur="indefinite" restart="never" nodeType="tmRoot"/>
-      </p:par>
-    </p:tnLst>
-  </p:timing>
 </p:sld>
 </file>
 
@@ -11184,7 +11015,7 @@
           </a:ln>
           <a:extLst>
             <a:ext uri="{C572A759-6A51-4108-AA02-DFA0A04FC94B}">
-              <ma14:wrappingTextBoxFlag xmlns="" xmlns:ma14="http://schemas.microsoft.com/office/mac/drawingml/2011/main" val="1"/>
+              <ma14:wrappingTextBoxFlag xmlns:ma14="http://schemas.microsoft.com/office/mac/drawingml/2011/main" xmlns="" val="1"/>
             </a:ext>
           </a:extLst>
         </p:spPr>
@@ -11283,22 +11114,13 @@
             <a:lstStyle/>
             <a:p>
               <a:r>
-                <a:rPr lang="en-US" altLang="ja-JP" dirty="0" err="1" smtClean="0"/>
+                <a:rPr lang="en-US" altLang="ja-JP" dirty="0" err="1"/>
                 <a:t>Cal_c</a:t>
               </a:r>
               <a:r>
-                <a:rPr lang="ja-JP" altLang="en-US" dirty="0" smtClean="0"/>
-                <a:t>モデルの</a:t>
-              </a:r>
-              <a:r>
                 <a:rPr lang="ja-JP" altLang="en-US" dirty="0"/>
-                <a:t>アイコンを以下のように作成</a:t>
-              </a:r>
-              <a:r>
-                <a:rPr lang="ja-JP" altLang="en-US" dirty="0" smtClean="0"/>
-                <a:t>してください。これでモデルは完成です。</a:t>
-              </a:r>
-              <a:endParaRPr lang="ja-JP" altLang="en-US" dirty="0"/>
+                <a:t>モデルのアイコンを以下のように作成してください。これでモデルは完成です。</a:t>
+              </a:r>
             </a:p>
           </p:txBody>
         </p:sp>
@@ -11340,7 +11162,13 @@
       </p:grpSp>
       <p:pic>
         <p:nvPicPr>
-          <p:cNvPr id="4" name="図 3"/>
+          <p:cNvPr id="5" name="図 4">
+            <a:extLst>
+              <a:ext uri="{FF2B5EF4-FFF2-40B4-BE49-F238E27FC236}">
+                <a16:creationId xmlns:a16="http://schemas.microsoft.com/office/drawing/2014/main" id="{1361D8BD-4C11-4302-AF25-F93FDFDF5D6E}"/>
+              </a:ext>
+            </a:extLst>
+          </p:cNvPr>
           <p:cNvPicPr>
             <a:picLocks noChangeAspect="1"/>
           </p:cNvPicPr>
@@ -11354,8 +11182,8 @@
         </p:blipFill>
         <p:spPr>
           <a:xfrm>
-            <a:off x="1127761" y="1263935"/>
-            <a:ext cx="8910320" cy="5352121"/>
+            <a:off x="1140863" y="1263935"/>
+            <a:ext cx="8942251" cy="5094372"/>
           </a:xfrm>
           <a:prstGeom prst="rect">
             <a:avLst/>
@@ -11372,13 +11200,6 @@
   <p:clrMapOvr>
     <a:masterClrMapping/>
   </p:clrMapOvr>
-  <p:timing>
-    <p:tnLst>
-      <p:par>
-        <p:cTn id="1" dur="indefinite" restart="never" nodeType="tmRoot"/>
-      </p:par>
-    </p:tnLst>
-  </p:timing>
 </p:sld>
 </file>
 
@@ -11401,6 +11222,35 @@
       </p:grpSpPr>
       <p:pic>
         <p:nvPicPr>
+          <p:cNvPr id="5" name="図 4">
+            <a:extLst>
+              <a:ext uri="{FF2B5EF4-FFF2-40B4-BE49-F238E27FC236}">
+                <a16:creationId xmlns:a16="http://schemas.microsoft.com/office/drawing/2014/main" id="{2939CFD6-B101-4FBE-9CAD-6074225314F9}"/>
+              </a:ext>
+            </a:extLst>
+          </p:cNvPr>
+          <p:cNvPicPr>
+            <a:picLocks noChangeAspect="1"/>
+          </p:cNvPicPr>
+          <p:nvPr/>
+        </p:nvPicPr>
+        <p:blipFill rotWithShape="1">
+          <a:blip r:embed="rId2"/>
+          <a:srcRect l="16762" t="43484"/>
+          <a:stretch/>
+        </p:blipFill>
+        <p:spPr>
+          <a:xfrm>
+            <a:off x="2926463" y="2971988"/>
+            <a:ext cx="6122292" cy="1747481"/>
+          </a:xfrm>
+          <a:prstGeom prst="rect">
+            <a:avLst/>
+          </a:prstGeom>
+        </p:spPr>
+      </p:pic>
+      <p:pic>
+        <p:nvPicPr>
           <p:cNvPr id="4" name="図 3">
             <a:extLst>
               <a:ext uri="{FF2B5EF4-FFF2-40B4-BE49-F238E27FC236}">
@@ -11414,7 +11264,7 @@
           <p:nvPr/>
         </p:nvPicPr>
         <p:blipFill>
-          <a:blip r:embed="rId2"/>
+          <a:blip r:embed="rId3"/>
           <a:stretch>
             <a:fillRect/>
           </a:stretch>
@@ -11423,35 +11273,6 @@
           <a:xfrm>
             <a:off x="1247346" y="2938026"/>
             <a:ext cx="1285430" cy="1343565"/>
-          </a:xfrm>
-          <a:prstGeom prst="rect">
-            <a:avLst/>
-          </a:prstGeom>
-        </p:spPr>
-      </p:pic>
-      <p:pic>
-        <p:nvPicPr>
-          <p:cNvPr id="29" name="図 28">
-            <a:extLst>
-              <a:ext uri="{FF2B5EF4-FFF2-40B4-BE49-F238E27FC236}">
-                <a16:creationId xmlns:a16="http://schemas.microsoft.com/office/drawing/2014/main" id="{52F4DC29-64CC-4297-8CE9-509ECC03B8C1}"/>
-              </a:ext>
-            </a:extLst>
-          </p:cNvPr>
-          <p:cNvPicPr>
-            <a:picLocks noChangeAspect="1"/>
-          </p:cNvPicPr>
-          <p:nvPr/>
-        </p:nvPicPr>
-        <p:blipFill rotWithShape="1">
-          <a:blip r:embed="rId3"/>
-          <a:srcRect l="19308" b="4057"/>
-          <a:stretch/>
-        </p:blipFill>
-        <p:spPr>
-          <a:xfrm>
-            <a:off x="2602051" y="2882603"/>
-            <a:ext cx="6079519" cy="1690632"/>
           </a:xfrm>
           <a:prstGeom prst="rect">
             <a:avLst/>
@@ -11512,7 +11333,7 @@
           </a:ln>
           <a:extLst>
             <a:ext uri="{C572A759-6A51-4108-AA02-DFA0A04FC94B}">
-              <ma14:wrappingTextBoxFlag xmlns="" xmlns:ma14="http://schemas.microsoft.com/office/mac/drawingml/2011/main" val="1"/>
+              <ma14:wrappingTextBoxFlag xmlns:ma14="http://schemas.microsoft.com/office/mac/drawingml/2011/main" xmlns="" val="1"/>
             </a:ext>
           </a:extLst>
         </p:spPr>
@@ -12066,17 +11887,13 @@
               </a:r>
               <a:r>
                 <a:rPr lang="ja-JP" altLang="en-US" dirty="0"/>
-                <a:t>」を作成し</a:t>
-              </a:r>
-              <a:r>
-                <a:rPr lang="ja-JP" altLang="en-US" dirty="0" smtClean="0"/>
-                <a:t>、ダイヤグラムビューに切り替え</a:t>
-              </a:r>
-              <a:endParaRPr lang="en-US" altLang="ja-JP" dirty="0" smtClean="0"/>
+                <a:t>」を作成し、ダイヤグラムビューに切り替え</a:t>
+              </a:r>
+              <a:endParaRPr lang="en-US" altLang="ja-JP" dirty="0"/>
             </a:p>
             <a:p>
               <a:r>
-                <a:rPr lang="ja-JP" altLang="en-US" dirty="0" smtClean="0"/>
+                <a:rPr lang="ja-JP" altLang="en-US" dirty="0"/>
                 <a:t>「</a:t>
               </a:r>
               <a:r>
@@ -12192,11 +12009,7 @@
               </a:r>
               <a:r>
                 <a:rPr lang="ja-JP" altLang="en-US" dirty="0"/>
-                <a:t>」</a:t>
-              </a:r>
-              <a:r>
-                <a:rPr lang="ja-JP" altLang="en-US" dirty="0" smtClean="0"/>
-                <a:t>のパラメータ「</a:t>
+                <a:t>」のパラメータ「</a:t>
               </a:r>
               <a:r>
                 <a:rPr lang="en-US" altLang="ja-JP" dirty="0"/>
@@ -12204,11 +12017,7 @@
               </a:r>
               <a:r>
                 <a:rPr lang="ja-JP" altLang="en-US" dirty="0"/>
-                <a:t>」</a:t>
-              </a:r>
-              <a:r>
-                <a:rPr lang="ja-JP" altLang="en-US" dirty="0" smtClean="0"/>
-                <a:t>と「</a:t>
+                <a:t>」と「</a:t>
               </a:r>
               <a:r>
                 <a:rPr lang="en-US" altLang="ja-JP" dirty="0" err="1"/>
@@ -12672,13 +12481,6 @@
   <p:clrMapOvr>
     <a:masterClrMapping/>
   </p:clrMapOvr>
-  <p:timing>
-    <p:tnLst>
-      <p:par>
-        <p:cTn id="1" dur="indefinite" restart="never" nodeType="tmRoot"/>
-      </p:par>
-    </p:tnLst>
-  </p:timing>
 </p:sld>
 </file>
 
@@ -12775,11 +12577,7 @@
           <a:p>
             <a:r>
               <a:rPr lang="ja-JP" altLang="en-US" sz="2400" dirty="0"/>
-              <a:t>　　して</a:t>
-            </a:r>
-            <a:r>
-              <a:rPr lang="ja-JP" altLang="en-US" sz="2400" dirty="0" smtClean="0"/>
-              <a:t>おります。</a:t>
+              <a:t>　　しております。</a:t>
             </a:r>
             <a:endParaRPr kumimoji="1" lang="en-US" altLang="ja-JP" sz="2400" dirty="0"/>
           </a:p>
@@ -12934,12 +12732,8 @@
               <a:t>・　</a:t>
             </a:r>
             <a:r>
-              <a:rPr kumimoji="1" lang="en-US" altLang="ja-JP" sz="2400" dirty="0" smtClean="0"/>
-              <a:t>OpenModelica1.14.1 </a:t>
-            </a:r>
-            <a:r>
               <a:rPr kumimoji="1" lang="en-US" altLang="ja-JP" sz="2400" dirty="0"/>
-              <a:t>(64bit – windows</a:t>
+              <a:t>OpenModelica1.14.1 (64bit – windows</a:t>
             </a:r>
             <a:r>
               <a:rPr kumimoji="1" lang="ja-JP" altLang="en-US" sz="2400" dirty="0"/>
@@ -12962,13 +12756,8 @@
             </a:r>
             <a:r>
               <a:rPr kumimoji="1" lang="ja-JP" altLang="en-US" sz="2400" dirty="0"/>
-              <a:t>チュートリアルは作成されて</a:t>
-            </a:r>
-            <a:r>
-              <a:rPr kumimoji="1" lang="ja-JP" altLang="en-US" sz="2400" dirty="0" smtClean="0"/>
-              <a:t>います。</a:t>
-            </a:r>
-            <a:endParaRPr kumimoji="1" lang="ja-JP" altLang="en-US" sz="2400" dirty="0"/>
+              <a:t>チュートリアルは作成されています。</a:t>
+            </a:r>
           </a:p>
         </p:txBody>
       </p:sp>
@@ -13011,13 +12800,6 @@
   <p:clrMapOvr>
     <a:masterClrMapping/>
   </p:clrMapOvr>
-  <p:timing>
-    <p:tnLst>
-      <p:par>
-        <p:cTn id="1" dur="indefinite" restart="never" nodeType="tmRoot"/>
-      </p:par>
-    </p:tnLst>
-  </p:timing>
 </p:sld>
 </file>
 
@@ -13063,7 +12845,7 @@
           </a:ln>
           <a:extLst>
             <a:ext uri="{C572A759-6A51-4108-AA02-DFA0A04FC94B}">
-              <ma14:wrappingTextBoxFlag xmlns:ma14="http://schemas.microsoft.com/office/mac/drawingml/2011/main" xmlns="" val="1"/>
+              <ma14:wrappingTextBoxFlag xmlns="" xmlns:ma14="http://schemas.microsoft.com/office/mac/drawingml/2011/main" val="1"/>
             </a:ext>
           </a:extLst>
         </p:spPr>
@@ -13117,7 +12899,7 @@
           <a:lstStyle/>
           <a:p>
             <a:r>
-              <a:rPr kumimoji="1" lang="ja-JP" altLang="en-US" sz="2400" dirty="0" smtClean="0"/>
+              <a:rPr kumimoji="1" lang="ja-JP" altLang="en-US" sz="2400" dirty="0"/>
               <a:t>・チュートリアル内では</a:t>
             </a:r>
             <a:r>
@@ -13142,13 +12924,40 @@
             </a:r>
             <a:r>
               <a:rPr lang="ja-JP" altLang="en-US" sz="2400" dirty="0"/>
-              <a:t>を計算」 </a:t>
-            </a:r>
-            <a:r>
-              <a:rPr lang="ja-JP" altLang="en-US" sz="2400" dirty="0" smtClean="0"/>
-              <a:t>を一つのモデルで作成しました。</a:t>
-            </a:r>
-            <a:endParaRPr lang="en-US" altLang="ja-JP" sz="2400" dirty="0" smtClean="0"/>
+              <a:t>を計算」 を一つのモデルで作成しました。</a:t>
+            </a:r>
+            <a:endParaRPr lang="en-US" altLang="ja-JP" sz="2400" dirty="0"/>
+          </a:p>
+          <a:p>
+            <a:r>
+              <a:rPr kumimoji="1" lang="ja-JP" altLang="en-US" sz="2400" dirty="0"/>
+              <a:t>　しかし「</a:t>
+            </a:r>
+            <a:r>
+              <a:rPr kumimoji="1" lang="en-US" altLang="ja-JP" sz="2400" dirty="0"/>
+              <a:t>b</a:t>
+            </a:r>
+            <a:r>
+              <a:rPr kumimoji="1" lang="ja-JP" altLang="en-US" sz="2400" dirty="0"/>
+              <a:t>を入力」と「</a:t>
+            </a:r>
+            <a:r>
+              <a:rPr kumimoji="1" lang="en-US" altLang="ja-JP" sz="2400" dirty="0" err="1"/>
+              <a:t>a+b</a:t>
+            </a:r>
+            <a:r>
+              <a:rPr kumimoji="1" lang="en-US" altLang="ja-JP" sz="2400" dirty="0"/>
+              <a:t>=c</a:t>
+            </a:r>
+            <a:r>
+              <a:rPr kumimoji="1" lang="ja-JP" altLang="en-US" sz="2400" dirty="0"/>
+              <a:t>を計算」のモデルをそれぞれ別に作成</a:t>
+            </a:r>
+            <a:r>
+              <a:rPr lang="ja-JP" altLang="en-US" sz="2400" dirty="0"/>
+              <a:t>することもできます。</a:t>
+            </a:r>
+            <a:endParaRPr kumimoji="1" lang="en-US" altLang="ja-JP" sz="2400" dirty="0"/>
           </a:p>
           <a:p>
             <a:r>
@@ -13156,51 +12965,8 @@
               <a:t>　</a:t>
             </a:r>
             <a:r>
-              <a:rPr kumimoji="1" lang="ja-JP" altLang="en-US" sz="2400" dirty="0" smtClean="0"/>
-              <a:t>しかし「</a:t>
-            </a:r>
-            <a:r>
-              <a:rPr kumimoji="1" lang="en-US" altLang="ja-JP" sz="2400" dirty="0"/>
-              <a:t>b</a:t>
-            </a:r>
-            <a:r>
-              <a:rPr kumimoji="1" lang="ja-JP" altLang="en-US" sz="2400" dirty="0"/>
-              <a:t>を入力」と「</a:t>
-            </a:r>
-            <a:r>
-              <a:rPr kumimoji="1" lang="en-US" altLang="ja-JP" sz="2400" dirty="0" err="1"/>
-              <a:t>a+b</a:t>
-            </a:r>
-            <a:r>
-              <a:rPr kumimoji="1" lang="en-US" altLang="ja-JP" sz="2400" dirty="0"/>
-              <a:t>=c</a:t>
-            </a:r>
-            <a:r>
-              <a:rPr kumimoji="1" lang="ja-JP" altLang="en-US" sz="2400" dirty="0"/>
-              <a:t>を計算」のモデルをそれぞれ別に</a:t>
-            </a:r>
-            <a:r>
-              <a:rPr kumimoji="1" lang="ja-JP" altLang="en-US" sz="2400" dirty="0" smtClean="0"/>
-              <a:t>作成</a:t>
-            </a:r>
-            <a:r>
-              <a:rPr lang="ja-JP" altLang="en-US" sz="2400" dirty="0" smtClean="0"/>
-              <a:t>することもできます。</a:t>
-            </a:r>
-            <a:endParaRPr kumimoji="1" lang="en-US" altLang="ja-JP" sz="2400" dirty="0"/>
-          </a:p>
-          <a:p>
-            <a:r>
-              <a:rPr kumimoji="1" lang="ja-JP" altLang="en-US" sz="2400" dirty="0"/>
-              <a:t>　</a:t>
-            </a:r>
-            <a:r>
               <a:rPr lang="ja-JP" altLang="en-US" sz="2400" dirty="0"/>
-              <a:t>試</a:t>
-            </a:r>
-            <a:r>
-              <a:rPr lang="ja-JP" altLang="en-US" sz="2400" dirty="0" smtClean="0"/>
-              <a:t>しに作成してみてください。</a:t>
+              <a:t>試しに作成してみてください。</a:t>
             </a:r>
             <a:endParaRPr lang="en-US" altLang="ja-JP" sz="2400" dirty="0"/>
           </a:p>
@@ -13264,26 +13030,22 @@
           <a:lstStyle/>
           <a:p>
             <a:r>
-              <a:rPr kumimoji="1" lang="ja-JP" altLang="en-US" sz="2400" dirty="0" smtClean="0"/>
+              <a:rPr kumimoji="1" lang="ja-JP" altLang="en-US" sz="2400" dirty="0"/>
               <a:t>・今回は４つのファイルを作成しました。これらを一つのファイルとしてまとめる方法があります。</a:t>
             </a:r>
-            <a:endParaRPr kumimoji="1" lang="en-US" altLang="ja-JP" sz="2400" dirty="0" smtClean="0"/>
+            <a:endParaRPr kumimoji="1" lang="en-US" altLang="ja-JP" sz="2400" dirty="0"/>
           </a:p>
           <a:p>
             <a:r>
               <a:rPr lang="ja-JP" altLang="en-US" sz="2400" dirty="0"/>
-              <a:t>　</a:t>
-            </a:r>
-            <a:r>
-              <a:rPr lang="ja-JP" altLang="en-US" sz="2400" dirty="0" smtClean="0"/>
-              <a:t>チュートリアル</a:t>
-            </a:r>
-            <a:r>
-              <a:rPr lang="en-US" altLang="ja-JP" sz="2400" dirty="0" smtClean="0"/>
+              <a:t>　チュートリアル</a:t>
+            </a:r>
+            <a:r>
+              <a:rPr lang="en-US" altLang="ja-JP" sz="2400" dirty="0"/>
               <a:t>6</a:t>
             </a:r>
             <a:r>
-              <a:rPr lang="ja-JP" altLang="en-US" sz="2400" dirty="0" smtClean="0"/>
+              <a:rPr lang="ja-JP" altLang="en-US" sz="2400" dirty="0"/>
               <a:t>の「</a:t>
             </a:r>
             <a:r>
@@ -13291,7 +13053,7 @@
               <a:t> 01_MakePackage </a:t>
             </a:r>
             <a:r>
-              <a:rPr lang="ja-JP" altLang="en-US" sz="2400" smtClean="0"/>
+              <a:rPr lang="ja-JP" altLang="en-US" sz="2400"/>
               <a:t>」を参照して一つのパッケージとしてまとめてみてください。</a:t>
             </a:r>
             <a:endParaRPr lang="en-US" altLang="ja-JP" sz="2400" dirty="0"/>
@@ -13308,13 +13070,6 @@
   <p:clrMapOvr>
     <a:masterClrMapping/>
   </p:clrMapOvr>
-  <p:timing>
-    <p:tnLst>
-      <p:par>
-        <p:cTn id="1" dur="indefinite" restart="never" nodeType="tmRoot"/>
-      </p:par>
-    </p:tnLst>
-  </p:timing>
 </p:sld>
 </file>
 
@@ -13360,7 +13115,7 @@
           </a:ln>
           <a:extLst>
             <a:ext uri="{C572A759-6A51-4108-AA02-DFA0A04FC94B}">
-              <ma14:wrappingTextBoxFlag xmlns="" xmlns:ma14="http://schemas.microsoft.com/office/mac/drawingml/2011/main" val="1"/>
+              <ma14:wrappingTextBoxFlag xmlns:ma14="http://schemas.microsoft.com/office/mac/drawingml/2011/main" xmlns="" val="1"/>
             </a:ext>
           </a:extLst>
         </p:spPr>
@@ -14045,13 +13800,6 @@
   <p:clrMapOvr>
     <a:masterClrMapping/>
   </p:clrMapOvr>
-  <p:timing>
-    <p:tnLst>
-      <p:par>
-        <p:cTn id="1" dur="indefinite" restart="never" nodeType="tmRoot"/>
-      </p:par>
-    </p:tnLst>
-  </p:timing>
 </p:sld>
 </file>
 
@@ -14097,7 +13845,7 @@
           </a:ln>
           <a:extLst>
             <a:ext uri="{C572A759-6A51-4108-AA02-DFA0A04FC94B}">
-              <ma14:wrappingTextBoxFlag xmlns="" xmlns:ma14="http://schemas.microsoft.com/office/mac/drawingml/2011/main" val="1"/>
+              <ma14:wrappingTextBoxFlag xmlns:ma14="http://schemas.microsoft.com/office/mac/drawingml/2011/main" xmlns="" val="1"/>
             </a:ext>
           </a:extLst>
         </p:spPr>
@@ -14349,13 +14097,6 @@
   <p:clrMapOvr>
     <a:masterClrMapping/>
   </p:clrMapOvr>
-  <p:timing>
-    <p:tnLst>
-      <p:par>
-        <p:cTn id="1" dur="indefinite" restart="never" nodeType="tmRoot"/>
-      </p:par>
-    </p:tnLst>
-  </p:timing>
 </p:sld>
 </file>
 
@@ -14461,7 +14202,7 @@
           </a:ln>
           <a:extLst>
             <a:ext uri="{C572A759-6A51-4108-AA02-DFA0A04FC94B}">
-              <ma14:wrappingTextBoxFlag xmlns="" xmlns:ma14="http://schemas.microsoft.com/office/mac/drawingml/2011/main" val="1"/>
+              <ma14:wrappingTextBoxFlag xmlns:ma14="http://schemas.microsoft.com/office/mac/drawingml/2011/main" xmlns="" val="1"/>
             </a:ext>
           </a:extLst>
         </p:spPr>
@@ -14594,13 +14335,9 @@
             </a:pPr>
             <a:r>
               <a:rPr lang="ja-JP" altLang="en-US" dirty="0"/>
-              <a:t>実数を引き渡す</a:t>
-            </a:r>
-            <a:r>
-              <a:rPr lang="ja-JP" altLang="en-US" dirty="0" smtClean="0"/>
-              <a:t>ポート</a:t>
-            </a:r>
-            <a:endParaRPr lang="en-US" altLang="ja-JP" dirty="0" smtClean="0"/>
+              <a:t>実数を引き渡すポート</a:t>
+            </a:r>
+            <a:endParaRPr lang="en-US" altLang="ja-JP" dirty="0"/>
           </a:p>
           <a:p>
             <a:pPr marL="342900" indent="-342900">
@@ -14611,7 +14348,7 @@
               <a:buChar char="•"/>
             </a:pPr>
             <a:r>
-              <a:rPr lang="en-US" altLang="ja-JP" dirty="0" smtClean="0"/>
+              <a:rPr lang="en-US" altLang="ja-JP" dirty="0"/>
               <a:t>a</a:t>
             </a:r>
             <a:r>
@@ -14675,7 +14412,7 @@
               <a:buChar char="•"/>
             </a:pPr>
             <a:r>
-              <a:rPr lang="en-US" altLang="ja-JP" dirty="0" smtClean="0"/>
+              <a:rPr lang="en-US" altLang="ja-JP" dirty="0"/>
               <a:t>a</a:t>
             </a:r>
             <a:r>
@@ -15225,14 +14962,9 @@
               <a:t>a</a:t>
             </a:r>
             <a:r>
-              <a:rPr kumimoji="1" lang="ja-JP" altLang="en-US" sz="1600" dirty="0" smtClean="0"/>
-              <a:t>を</a:t>
-            </a:r>
-            <a:r>
-              <a:rPr kumimoji="1" lang="ja-JP" altLang="en-US" sz="1600" dirty="0" smtClean="0"/>
-              <a:t>受け渡し</a:t>
-            </a:r>
-            <a:endParaRPr kumimoji="1" lang="ja-JP" altLang="en-US" sz="1600" dirty="0"/>
+              <a:rPr kumimoji="1" lang="ja-JP" altLang="en-US" sz="1600" dirty="0"/>
+              <a:t>を受け渡し</a:t>
+            </a:r>
           </a:p>
         </p:txBody>
       </p:sp>
@@ -15317,7 +15049,7 @@
           <a:p>
             <a:pPr algn="ctr"/>
             <a:r>
-              <a:rPr kumimoji="1" lang="ja-JP" altLang="en-US" dirty="0" smtClean="0"/>
+              <a:rPr kumimoji="1" lang="ja-JP" altLang="en-US" dirty="0"/>
               <a:t>作成するクラスと</a:t>
             </a:r>
             <a:r>
@@ -15334,13 +15066,8 @@
             </a:r>
             <a:r>
               <a:rPr lang="ja-JP" altLang="en-US" dirty="0"/>
-              <a:t>の</a:t>
-            </a:r>
-            <a:r>
-              <a:rPr lang="ja-JP" altLang="en-US" dirty="0" smtClean="0"/>
-              <a:t>接続図</a:t>
-            </a:r>
-            <a:endParaRPr lang="ja-JP" altLang="en-US" dirty="0"/>
+              <a:t>の接続図</a:t>
+            </a:r>
           </a:p>
         </p:txBody>
       </p:sp>
@@ -15354,13 +15081,6 @@
   <p:clrMapOvr>
     <a:masterClrMapping/>
   </p:clrMapOvr>
-  <p:timing>
-    <p:tnLst>
-      <p:par>
-        <p:cTn id="1" dur="indefinite" restart="never" nodeType="tmRoot"/>
-      </p:par>
-    </p:tnLst>
-  </p:timing>
 </p:sld>
 </file>
 
@@ -15406,7 +15126,7 @@
           </a:ln>
           <a:extLst>
             <a:ext uri="{C572A759-6A51-4108-AA02-DFA0A04FC94B}">
-              <ma14:wrappingTextBoxFlag xmlns="" xmlns:ma14="http://schemas.microsoft.com/office/mac/drawingml/2011/main" val="1"/>
+              <ma14:wrappingTextBoxFlag xmlns:ma14="http://schemas.microsoft.com/office/mac/drawingml/2011/main" xmlns="" val="1"/>
             </a:ext>
           </a:extLst>
         </p:spPr>
@@ -16494,13 +16214,6 @@
   <p:clrMapOvr>
     <a:masterClrMapping/>
   </p:clrMapOvr>
-  <p:timing>
-    <p:tnLst>
-      <p:par>
-        <p:cTn id="1" dur="indefinite" restart="never" nodeType="tmRoot"/>
-      </p:par>
-    </p:tnLst>
-  </p:timing>
 </p:sld>
 </file>
 
@@ -16555,15 +16268,7 @@
             </a:r>
             <a:r>
               <a:rPr lang="ja-JP" altLang="en-US" sz="2000" dirty="0"/>
-              <a:t>はクラス同士</a:t>
-            </a:r>
-            <a:r>
-              <a:rPr lang="ja-JP" altLang="en-US" sz="2000" dirty="0" smtClean="0"/>
-              <a:t>が参照する変数</a:t>
-            </a:r>
-            <a:r>
-              <a:rPr lang="ja-JP" altLang="en-US" sz="2000" dirty="0"/>
-              <a:t>を定義したものです</a:t>
+              <a:t>はクラス同士が参照する変数を定義したものです</a:t>
             </a:r>
             <a:endParaRPr lang="en-US" altLang="ja-JP" sz="2000" dirty="0"/>
           </a:p>
@@ -16600,7 +16305,7 @@
           </a:ln>
           <a:extLst>
             <a:ext uri="{C572A759-6A51-4108-AA02-DFA0A04FC94B}">
-              <ma14:wrappingTextBoxFlag xmlns="" xmlns:ma14="http://schemas.microsoft.com/office/mac/drawingml/2011/main" val="1"/>
+              <ma14:wrappingTextBoxFlag xmlns:ma14="http://schemas.microsoft.com/office/mac/drawingml/2011/main" xmlns="" val="1"/>
             </a:ext>
           </a:extLst>
         </p:spPr>
@@ -16699,23 +16404,15 @@
           <a:lstStyle/>
           <a:p>
             <a:r>
-              <a:rPr kumimoji="1" lang="ja-JP" altLang="en-US" sz="3200" dirty="0" smtClean="0"/>
-              <a:t>受け渡ししたい</a:t>
-            </a:r>
-            <a:r>
               <a:rPr kumimoji="1" lang="ja-JP" altLang="en-US" sz="3200" dirty="0"/>
-              <a:t>変数の型</a:t>
+              <a:t>受け渡ししたい変数の型</a:t>
             </a:r>
             <a:r>
               <a:rPr lang="ja-JP" altLang="en-US" sz="3200" dirty="0"/>
-              <a:t>␣変</a:t>
-            </a:r>
-            <a:r>
-              <a:rPr lang="ja-JP" altLang="en-US" sz="3200" dirty="0" smtClean="0"/>
-              <a:t>数名</a:t>
-            </a:r>
-            <a:r>
-              <a:rPr lang="en-US" altLang="ja-JP" sz="3200" dirty="0" smtClean="0"/>
+              <a:t>␣変数名</a:t>
+            </a:r>
+            <a:r>
+              <a:rPr lang="en-US" altLang="ja-JP" sz="3200" dirty="0"/>
               <a:t>1;</a:t>
             </a:r>
             <a:endParaRPr kumimoji="1" lang="ja-JP" altLang="en-US" sz="3200" dirty="0"/>
@@ -16800,14 +16497,10 @@
             </a:r>
             <a:r>
               <a:rPr lang="ja-JP" altLang="en-US" sz="3200" dirty="0"/>
-              <a:t>␣</a:t>
-            </a:r>
-            <a:r>
-              <a:rPr lang="ja-JP" altLang="en-US" sz="3200" dirty="0" smtClean="0"/>
-              <a:t>コネクター名</a:t>
-            </a:r>
-            <a:r>
-              <a:rPr lang="en-US" altLang="ja-JP" sz="3200" dirty="0" smtClean="0"/>
+              <a:t>␣コネクター名</a:t>
+            </a:r>
+            <a:r>
+              <a:rPr lang="en-US" altLang="ja-JP" sz="3200" dirty="0"/>
               <a:t>;</a:t>
             </a:r>
             <a:endParaRPr kumimoji="1" lang="ja-JP" altLang="en-US" sz="3200" dirty="0"/>
@@ -16970,23 +16663,15 @@
           <a:lstStyle/>
           <a:p>
             <a:r>
-              <a:rPr kumimoji="1" lang="ja-JP" altLang="en-US" sz="3200" dirty="0" smtClean="0"/>
-              <a:t>受け渡ししたい</a:t>
-            </a:r>
-            <a:r>
               <a:rPr kumimoji="1" lang="ja-JP" altLang="en-US" sz="3200" dirty="0"/>
-              <a:t>変数の型</a:t>
+              <a:t>受け渡ししたい変数の型</a:t>
             </a:r>
             <a:r>
               <a:rPr lang="ja-JP" altLang="en-US" sz="3200" dirty="0"/>
-              <a:t>␣変</a:t>
-            </a:r>
-            <a:r>
-              <a:rPr lang="ja-JP" altLang="en-US" sz="3200" dirty="0" smtClean="0"/>
-              <a:t>数名</a:t>
-            </a:r>
-            <a:r>
-              <a:rPr lang="en-US" altLang="ja-JP" sz="3200" dirty="0" smtClean="0"/>
+              <a:t>␣変数名</a:t>
+            </a:r>
+            <a:r>
+              <a:rPr lang="en-US" altLang="ja-JP" sz="3200" dirty="0"/>
               <a:t>2;</a:t>
             </a:r>
             <a:endParaRPr kumimoji="1" lang="ja-JP" altLang="en-US" sz="3200" dirty="0"/>
@@ -17016,10 +16701,9 @@
           <a:lstStyle/>
           <a:p>
             <a:r>
-              <a:rPr kumimoji="1" lang="ja-JP" altLang="en-US" sz="1200" dirty="0" smtClean="0"/>
+              <a:rPr kumimoji="1" lang="ja-JP" altLang="en-US" sz="1200" dirty="0"/>
               <a:t>・・・</a:t>
             </a:r>
-            <a:endParaRPr kumimoji="1" lang="ja-JP" altLang="en-US" sz="1200" dirty="0"/>
           </a:p>
         </p:txBody>
       </p:sp>
@@ -17033,13 +16717,6 @@
   <p:clrMapOvr>
     <a:masterClrMapping/>
   </p:clrMapOvr>
-  <p:timing>
-    <p:tnLst>
-      <p:par>
-        <p:cTn id="1" dur="indefinite" restart="never" nodeType="tmRoot"/>
-      </p:par>
-    </p:tnLst>
-  </p:timing>
 </p:sld>
 </file>
 
@@ -17133,7 +16810,7 @@
           </a:ln>
           <a:extLst>
             <a:ext uri="{C572A759-6A51-4108-AA02-DFA0A04FC94B}">
-              <ma14:wrappingTextBoxFlag xmlns="" xmlns:ma14="http://schemas.microsoft.com/office/mac/drawingml/2011/main" val="1"/>
+              <ma14:wrappingTextBoxFlag xmlns:ma14="http://schemas.microsoft.com/office/mac/drawingml/2011/main" xmlns="" val="1"/>
             </a:ext>
           </a:extLst>
         </p:spPr>
@@ -17329,16 +17006,12 @@
                 <a:t>テキストビューから以下のように</a:t>
               </a:r>
               <a:r>
-                <a:rPr lang="en-US" altLang="ja-JP" dirty="0" smtClean="0"/>
+                <a:rPr lang="en-US" altLang="ja-JP" dirty="0"/>
                 <a:t>connector</a:t>
               </a:r>
               <a:r>
-                <a:rPr lang="ja-JP" altLang="en-US" dirty="0" smtClean="0"/>
-                <a:t>のコードを</a:t>
-              </a:r>
-              <a:r>
                 <a:rPr lang="ja-JP" altLang="en-US" dirty="0"/>
-                <a:t>確認しましょう</a:t>
+                <a:t>のコードを確認しましょう</a:t>
               </a:r>
             </a:p>
           </p:txBody>
@@ -17466,13 +17139,6 @@
   <p:clrMapOvr>
     <a:masterClrMapping/>
   </p:clrMapOvr>
-  <p:timing>
-    <p:tnLst>
-      <p:par>
-        <p:cTn id="1" dur="indefinite" restart="never" nodeType="tmRoot"/>
-      </p:par>
-    </p:tnLst>
-  </p:timing>
 </p:sld>
 </file>
 
@@ -17518,7 +17184,7 @@
           </a:ln>
           <a:extLst>
             <a:ext uri="{C572A759-6A51-4108-AA02-DFA0A04FC94B}">
-              <ma14:wrappingTextBoxFlag xmlns="" xmlns:ma14="http://schemas.microsoft.com/office/mac/drawingml/2011/main" val="1"/>
+              <ma14:wrappingTextBoxFlag xmlns:ma14="http://schemas.microsoft.com/office/mac/drawingml/2011/main" xmlns="" val="1"/>
             </a:ext>
           </a:extLst>
         </p:spPr>
@@ -17595,30 +17261,14 @@
             <a:p>
               <a:r>
                 <a:rPr lang="ja-JP" altLang="en-US" dirty="0"/>
-                <a:t>受け渡</a:t>
-              </a:r>
-              <a:r>
-                <a:rPr lang="ja-JP" altLang="en-US" dirty="0" smtClean="0"/>
-                <a:t>しする</a:t>
-              </a:r>
-              <a:r>
-                <a:rPr lang="ja-JP" altLang="en-US" dirty="0"/>
-                <a:t>変数を定義します</a:t>
+                <a:t>受け渡しする変数を定義します</a:t>
               </a:r>
               <a:endParaRPr lang="en-US" altLang="ja-JP" dirty="0"/>
             </a:p>
             <a:p>
               <a:r>
                 <a:rPr lang="ja-JP" altLang="en-US" dirty="0"/>
-                <a:t>今回は実数</a:t>
-              </a:r>
-              <a:r>
-                <a:rPr lang="ja-JP" altLang="en-US" dirty="0" smtClean="0"/>
-                <a:t>を受け渡しする</a:t>
-              </a:r>
-              <a:r>
-                <a:rPr lang="ja-JP" altLang="en-US" dirty="0"/>
-                <a:t>ため、</a:t>
+                <a:t>今回は実数を受け渡しするため、</a:t>
               </a:r>
               <a:r>
                 <a:rPr lang="en-US" altLang="ja-JP" dirty="0"/>
@@ -17868,15 +17518,7 @@
               </a:r>
               <a:r>
                 <a:rPr lang="ja-JP" altLang="en-US" dirty="0"/>
-                <a:t>全体</a:t>
-              </a:r>
-              <a:r>
-                <a:rPr lang="ja-JP" altLang="en-US" dirty="0" smtClean="0"/>
-                <a:t>に正方形</a:t>
-              </a:r>
-              <a:r>
-                <a:rPr lang="ja-JP" altLang="en-US" dirty="0"/>
-                <a:t>を書いてください</a:t>
+                <a:t>全体に正方形を書いてください</a:t>
               </a:r>
             </a:p>
           </p:txBody>
@@ -18137,13 +17779,6 @@
   <p:clrMapOvr>
     <a:masterClrMapping/>
   </p:clrMapOvr>
-  <p:timing>
-    <p:tnLst>
-      <p:par>
-        <p:cTn id="1" dur="indefinite" restart="never" nodeType="tmRoot"/>
-      </p:par>
-    </p:tnLst>
-  </p:timing>
 </p:sld>
 </file>
 
@@ -18189,7 +17824,7 @@
           </a:ln>
           <a:extLst>
             <a:ext uri="{C572A759-6A51-4108-AA02-DFA0A04FC94B}">
-              <ma14:wrappingTextBoxFlag xmlns="" xmlns:ma14="http://schemas.microsoft.com/office/mac/drawingml/2011/main" val="1"/>
+              <ma14:wrappingTextBoxFlag xmlns:ma14="http://schemas.microsoft.com/office/mac/drawingml/2011/main" xmlns="" val="1"/>
             </a:ext>
           </a:extLst>
         </p:spPr>
@@ -18538,13 +18173,6 @@
   <p:clrMapOvr>
     <a:masterClrMapping/>
   </p:clrMapOvr>
-  <p:timing>
-    <p:tnLst>
-      <p:par>
-        <p:cTn id="1" dur="indefinite" restart="never" nodeType="tmRoot"/>
-      </p:par>
-    </p:tnLst>
-  </p:timing>
 </p:sld>
 </file>
 

--- a/5_CustomizeModel3_OnePlusOne/OpenModelica_Tutorials_5.pptx
+++ b/5_CustomizeModel3_OnePlusOne/OpenModelica_Tutorials_5.pptx
@@ -228,7 +228,7 @@
           <a:p>
             <a:fld id="{C4670700-DA66-4BAD-8F9F-A4A758D36ABA}" type="datetimeFigureOut">
               <a:rPr kumimoji="1" lang="ja-JP" altLang="en-US" smtClean="0"/>
-              <a:t>2020/5/2</a:t>
+              <a:t>2021/8/23</a:t>
             </a:fld>
             <a:endParaRPr kumimoji="1" lang="ja-JP" altLang="en-US"/>
           </a:p>
@@ -674,7 +674,7 @@
           <a:p>
             <a:fld id="{CA2F2FF0-B0E3-4081-A194-5315B26D72C4}" type="datetime1">
               <a:rPr kumimoji="1" lang="ja-JP" altLang="en-US" smtClean="0"/>
-              <a:t>2020/5/2</a:t>
+              <a:t>2021/8/23</a:t>
             </a:fld>
             <a:endParaRPr kumimoji="1" lang="ja-JP" altLang="en-US"/>
           </a:p>
@@ -904,7 +904,7 @@
           <a:p>
             <a:fld id="{AA0CF445-3D47-45EB-B7B9-640298F78945}" type="datetime1">
               <a:rPr kumimoji="1" lang="ja-JP" altLang="en-US" smtClean="0"/>
-              <a:t>2020/5/2</a:t>
+              <a:t>2021/8/23</a:t>
             </a:fld>
             <a:endParaRPr kumimoji="1" lang="ja-JP" altLang="en-US"/>
           </a:p>
@@ -1144,7 +1144,7 @@
           <a:p>
             <a:fld id="{33274D65-32BF-448B-ADBF-66DCA4E8B106}" type="datetime1">
               <a:rPr kumimoji="1" lang="ja-JP" altLang="en-US" smtClean="0"/>
-              <a:t>2020/5/2</a:t>
+              <a:t>2021/8/23</a:t>
             </a:fld>
             <a:endParaRPr kumimoji="1" lang="ja-JP" altLang="en-US"/>
           </a:p>
@@ -1374,7 +1374,7 @@
           <a:p>
             <a:fld id="{852A9B57-A7E8-419F-90A8-90F2DA777A28}" type="datetime1">
               <a:rPr kumimoji="1" lang="ja-JP" altLang="en-US" smtClean="0"/>
-              <a:t>2020/5/2</a:t>
+              <a:t>2021/8/23</a:t>
             </a:fld>
             <a:endParaRPr kumimoji="1" lang="ja-JP" altLang="en-US"/>
           </a:p>
@@ -1649,7 +1649,7 @@
           <a:p>
             <a:fld id="{C90A889C-334E-44BD-8F41-5AC3386FFD37}" type="datetime1">
               <a:rPr kumimoji="1" lang="ja-JP" altLang="en-US" smtClean="0"/>
-              <a:t>2020/5/2</a:t>
+              <a:t>2021/8/23</a:t>
             </a:fld>
             <a:endParaRPr kumimoji="1" lang="ja-JP" altLang="en-US"/>
           </a:p>
@@ -1978,7 +1978,7 @@
           <a:p>
             <a:fld id="{58879D4E-6DF1-4713-B068-9512627C39B0}" type="datetime1">
               <a:rPr kumimoji="1" lang="ja-JP" altLang="en-US" smtClean="0"/>
-              <a:t>2020/5/2</a:t>
+              <a:t>2021/8/23</a:t>
             </a:fld>
             <a:endParaRPr kumimoji="1" lang="ja-JP" altLang="en-US"/>
           </a:p>
@@ -2454,7 +2454,7 @@
           <a:p>
             <a:fld id="{5DD38707-5E34-46C7-88C2-928145620E78}" type="datetime1">
               <a:rPr kumimoji="1" lang="ja-JP" altLang="en-US" smtClean="0"/>
-              <a:t>2020/5/2</a:t>
+              <a:t>2021/8/23</a:t>
             </a:fld>
             <a:endParaRPr kumimoji="1" lang="ja-JP" altLang="en-US"/>
           </a:p>
@@ -2595,7 +2595,7 @@
           <a:p>
             <a:fld id="{C7D5EE7D-C0B7-4B25-8104-5FCD7D2EAEA8}" type="datetime1">
               <a:rPr kumimoji="1" lang="ja-JP" altLang="en-US" smtClean="0"/>
-              <a:t>2020/5/2</a:t>
+              <a:t>2021/8/23</a:t>
             </a:fld>
             <a:endParaRPr kumimoji="1" lang="ja-JP" altLang="en-US"/>
           </a:p>
@@ -2708,7 +2708,7 @@
           <a:p>
             <a:fld id="{AA028A9A-8812-42D8-A8AC-F30CD1F57465}" type="datetime1">
               <a:rPr kumimoji="1" lang="ja-JP" altLang="en-US" smtClean="0"/>
-              <a:t>2020/5/2</a:t>
+              <a:t>2021/8/23</a:t>
             </a:fld>
             <a:endParaRPr kumimoji="1" lang="ja-JP" altLang="en-US"/>
           </a:p>
@@ -3051,7 +3051,7 @@
           <a:p>
             <a:fld id="{3638306A-7D11-4239-9371-3BFB25B5C686}" type="datetime1">
               <a:rPr kumimoji="1" lang="ja-JP" altLang="en-US" smtClean="0"/>
-              <a:t>2020/5/2</a:t>
+              <a:t>2021/8/23</a:t>
             </a:fld>
             <a:endParaRPr kumimoji="1" lang="ja-JP" altLang="en-US"/>
           </a:p>
@@ -3339,7 +3339,7 @@
           <a:p>
             <a:fld id="{25F8348D-66EA-4186-BB0B-99FB286568FF}" type="datetime1">
               <a:rPr kumimoji="1" lang="ja-JP" altLang="en-US" smtClean="0"/>
-              <a:t>2020/5/2</a:t>
+              <a:t>2021/8/23</a:t>
             </a:fld>
             <a:endParaRPr kumimoji="1" lang="ja-JP" altLang="en-US"/>
           </a:p>
@@ -3612,7 +3612,7 @@
           <a:p>
             <a:fld id="{AC9BD3EC-C0C8-40A6-81F1-9BBFA037EF8B}" type="datetime1">
               <a:rPr kumimoji="1" lang="ja-JP" altLang="en-US" smtClean="0"/>
-              <a:t>2020/5/2</a:t>
+              <a:t>2021/8/23</a:t>
             </a:fld>
             <a:endParaRPr kumimoji="1" lang="ja-JP" altLang="en-US"/>
           </a:p>
@@ -4157,59 +4157,108 @@
           </a:p>
         </p:txBody>
       </p:sp>
+      <p:pic>
+        <p:nvPicPr>
+          <p:cNvPr id="10" name="Picture 2" descr="by">
+            <a:extLst>
+              <a:ext uri="{FF2B5EF4-FFF2-40B4-BE49-F238E27FC236}">
+                <a16:creationId xmlns:a16="http://schemas.microsoft.com/office/drawing/2014/main" id="{8ECC8671-3B6A-4FA4-951A-CEEEBEB33B9C}"/>
+              </a:ext>
+            </a:extLst>
+          </p:cNvPr>
+          <p:cNvPicPr>
+            <a:picLocks noChangeAspect="1" noChangeArrowheads="1"/>
+          </p:cNvPicPr>
+          <p:nvPr/>
+        </p:nvPicPr>
+        <p:blipFill>
+          <a:blip r:embed="rId2">
+            <a:extLst>
+              <a:ext uri="{28A0092B-C50C-407E-A947-70E740481C1C}">
+                <a14:useLocalDpi xmlns:a14="http://schemas.microsoft.com/office/drawing/2010/main" val="0"/>
+              </a:ext>
+            </a:extLst>
+          </a:blip>
+          <a:srcRect/>
+          <a:stretch>
+            <a:fillRect/>
+          </a:stretch>
+        </p:blipFill>
+        <p:spPr bwMode="auto">
+          <a:xfrm>
+            <a:off x="2072753" y="5420601"/>
+            <a:ext cx="1419225" cy="495300"/>
+          </a:xfrm>
+          <a:prstGeom prst="rect">
+            <a:avLst/>
+          </a:prstGeom>
+          <a:noFill/>
+          <a:extLst>
+            <a:ext uri="{909E8E84-426E-40DD-AFC4-6F175D3DCCD1}">
+              <a14:hiddenFill xmlns:a14="http://schemas.microsoft.com/office/drawing/2010/main">
+                <a:solidFill>
+                  <a:srgbClr val="FFFFFF"/>
+                </a:solidFill>
+              </a14:hiddenFill>
+            </a:ext>
+          </a:extLst>
+        </p:spPr>
+      </p:pic>
       <p:sp>
         <p:nvSpPr>
-          <p:cNvPr id="7" name="正方形/長方形 6">
-            <a:extLst>
-              <a:ext uri="{FF2B5EF4-FFF2-40B4-BE49-F238E27FC236}">
-                <a16:creationId xmlns:a16="http://schemas.microsoft.com/office/drawing/2014/main" id="{7AA58E1A-71F5-4213-BA60-B3FBF0C5484F}"/>
-              </a:ext>
-            </a:extLst>
-          </p:cNvPr>
-          <p:cNvSpPr/>
+          <p:cNvPr id="11" name="テキスト ボックス 10">
+            <a:extLst>
+              <a:ext uri="{FF2B5EF4-FFF2-40B4-BE49-F238E27FC236}">
+                <a16:creationId xmlns:a16="http://schemas.microsoft.com/office/drawing/2014/main" id="{A2581A7F-6E2E-474F-AFCB-A73ED4A6B639}"/>
+              </a:ext>
+            </a:extLst>
+          </p:cNvPr>
+          <p:cNvSpPr txBox="1"/>
           <p:nvPr/>
         </p:nvSpPr>
         <p:spPr>
           <a:xfrm>
-            <a:off x="3230707" y="5796050"/>
-            <a:ext cx="6096000" cy="1200329"/>
+            <a:off x="1967490" y="5967655"/>
+            <a:ext cx="7637686" cy="646331"/>
           </a:xfrm>
           <a:prstGeom prst="rect">
             <a:avLst/>
           </a:prstGeom>
+          <a:noFill/>
         </p:spPr>
         <p:txBody>
-          <a:bodyPr>
+          <a:bodyPr wrap="square">
             <a:spAutoFit/>
           </a:bodyPr>
           <a:lstStyle/>
           <a:p>
-            <a:pPr algn="ctr"/>
+            <a:r>
+              <a:rPr lang="ja-JP" altLang="en-US" dirty="0"/>
+              <a:t>“</a:t>
+            </a:r>
             <a:r>
               <a:rPr lang="en-US" altLang="ja-JP" dirty="0"/>
-              <a:t>Copyright (C) 2020 Shigenori Ueda</a:t>
-            </a:r>
-          </a:p>
-          <a:p>
-            <a:pPr algn="ctr"/>
-            <a:r>
-              <a:rPr lang="en-US" altLang="ja-JP" dirty="0"/>
-              <a:t>Released under the MIT license</a:t>
-            </a:r>
-          </a:p>
-          <a:p>
-            <a:pPr algn="ctr"/>
-            <a:r>
-              <a:rPr lang="en-US" altLang="ja-JP" dirty="0">
-                <a:hlinkClick r:id="rId2"/>
+              <a:t>OpenModelica tutorial for beginner 5 CustomizeModel3</a:t>
+            </a:r>
+            <a:r>
+              <a:rPr lang="ja-JP" altLang="en-US" dirty="0"/>
+              <a:t>” by </a:t>
+            </a:r>
+            <a:r>
+              <a:rPr lang="en-US" altLang="ja-JP" dirty="0" err="1"/>
+              <a:t>UedaShigenori</a:t>
+            </a:r>
+            <a:r>
+              <a:rPr lang="ja-JP" altLang="en-US" dirty="0"/>
+              <a:t> is licensed under </a:t>
+            </a:r>
+            <a:r>
+              <a:rPr lang="ja-JP" altLang="en-US" dirty="0">
+                <a:hlinkClick r:id="rId3"/>
               </a:rPr>
-              <a:t>https://opensource.org/licenses/mit-license.php</a:t>
-            </a:r>
-            <a:endParaRPr lang="en-US" altLang="ja-JP" dirty="0"/>
-          </a:p>
-          <a:p>
-            <a:pPr algn="ctr"/>
-            <a:endParaRPr lang="en-US" altLang="ja-JP" dirty="0"/>
+              <a:t>CC BY 2.0﻿</a:t>
+            </a:r>
+            <a:endParaRPr lang="ja-JP" altLang="en-US" dirty="0"/>
           </a:p>
         </p:txBody>
       </p:sp>
@@ -4292,7 +4341,7 @@
           </a:ln>
           <a:extLst>
             <a:ext uri="{C572A759-6A51-4108-AA02-DFA0A04FC94B}">
-              <ma14:wrappingTextBoxFlag xmlns:ma14="http://schemas.microsoft.com/office/mac/drawingml/2011/main" xmlns="" val="1"/>
+              <ma14:wrappingTextBoxFlag xmlns="" xmlns:ma14="http://schemas.microsoft.com/office/mac/drawingml/2011/main" val="1"/>
             </a:ext>
           </a:extLst>
         </p:spPr>
@@ -5217,7 +5266,7 @@
           </a:ln>
           <a:extLst>
             <a:ext uri="{C572A759-6A51-4108-AA02-DFA0A04FC94B}">
-              <ma14:wrappingTextBoxFlag xmlns:ma14="http://schemas.microsoft.com/office/mac/drawingml/2011/main" xmlns="" val="1"/>
+              <ma14:wrappingTextBoxFlag xmlns="" xmlns:ma14="http://schemas.microsoft.com/office/mac/drawingml/2011/main" val="1"/>
             </a:ext>
           </a:extLst>
         </p:spPr>
@@ -5564,7 +5613,7 @@
           </a:ln>
           <a:extLst>
             <a:ext uri="{C572A759-6A51-4108-AA02-DFA0A04FC94B}">
-              <ma14:wrappingTextBoxFlag xmlns:ma14="http://schemas.microsoft.com/office/mac/drawingml/2011/main" xmlns="" val="1"/>
+              <ma14:wrappingTextBoxFlag xmlns="" xmlns:ma14="http://schemas.microsoft.com/office/mac/drawingml/2011/main" val="1"/>
             </a:ext>
           </a:extLst>
         </p:spPr>
@@ -7235,7 +7284,7 @@
           </a:ln>
           <a:extLst>
             <a:ext uri="{C572A759-6A51-4108-AA02-DFA0A04FC94B}">
-              <ma14:wrappingTextBoxFlag xmlns:ma14="http://schemas.microsoft.com/office/mac/drawingml/2011/main" xmlns="" val="1"/>
+              <ma14:wrappingTextBoxFlag xmlns="" xmlns:ma14="http://schemas.microsoft.com/office/mac/drawingml/2011/main" val="1"/>
             </a:ext>
           </a:extLst>
         </p:spPr>
@@ -8253,7 +8302,7 @@
           </a:ln>
           <a:extLst>
             <a:ext uri="{C572A759-6A51-4108-AA02-DFA0A04FC94B}">
-              <ma14:wrappingTextBoxFlag xmlns:ma14="http://schemas.microsoft.com/office/mac/drawingml/2011/main" xmlns="" val="1"/>
+              <ma14:wrappingTextBoxFlag xmlns="" xmlns:ma14="http://schemas.microsoft.com/office/mac/drawingml/2011/main" val="1"/>
             </a:ext>
           </a:extLst>
         </p:spPr>
@@ -8731,7 +8780,7 @@
           </a:ln>
           <a:extLst>
             <a:ext uri="{C572A759-6A51-4108-AA02-DFA0A04FC94B}">
-              <ma14:wrappingTextBoxFlag xmlns:ma14="http://schemas.microsoft.com/office/mac/drawingml/2011/main" xmlns="" val="1"/>
+              <ma14:wrappingTextBoxFlag xmlns="" xmlns:ma14="http://schemas.microsoft.com/office/mac/drawingml/2011/main" val="1"/>
             </a:ext>
           </a:extLst>
         </p:spPr>
@@ -9708,7 +9757,7 @@
           </a:ln>
           <a:extLst>
             <a:ext uri="{C572A759-6A51-4108-AA02-DFA0A04FC94B}">
-              <ma14:wrappingTextBoxFlag xmlns:ma14="http://schemas.microsoft.com/office/mac/drawingml/2011/main" xmlns="" val="1"/>
+              <ma14:wrappingTextBoxFlag xmlns="" xmlns:ma14="http://schemas.microsoft.com/office/mac/drawingml/2011/main" val="1"/>
             </a:ext>
           </a:extLst>
         </p:spPr>
@@ -10260,7 +10309,7 @@
           </a:ln>
           <a:extLst>
             <a:ext uri="{C572A759-6A51-4108-AA02-DFA0A04FC94B}">
-              <ma14:wrappingTextBoxFlag xmlns:ma14="http://schemas.microsoft.com/office/mac/drawingml/2011/main" xmlns="" val="1"/>
+              <ma14:wrappingTextBoxFlag xmlns="" xmlns:ma14="http://schemas.microsoft.com/office/mac/drawingml/2011/main" val="1"/>
             </a:ext>
           </a:extLst>
         </p:spPr>
@@ -11015,7 +11064,7 @@
           </a:ln>
           <a:extLst>
             <a:ext uri="{C572A759-6A51-4108-AA02-DFA0A04FC94B}">
-              <ma14:wrappingTextBoxFlag xmlns:ma14="http://schemas.microsoft.com/office/mac/drawingml/2011/main" xmlns="" val="1"/>
+              <ma14:wrappingTextBoxFlag xmlns="" xmlns:ma14="http://schemas.microsoft.com/office/mac/drawingml/2011/main" val="1"/>
             </a:ext>
           </a:extLst>
         </p:spPr>
@@ -11333,7 +11382,7 @@
           </a:ln>
           <a:extLst>
             <a:ext uri="{C572A759-6A51-4108-AA02-DFA0A04FC94B}">
-              <ma14:wrappingTextBoxFlag xmlns:ma14="http://schemas.microsoft.com/office/mac/drawingml/2011/main" xmlns="" val="1"/>
+              <ma14:wrappingTextBoxFlag xmlns="" xmlns:ma14="http://schemas.microsoft.com/office/mac/drawingml/2011/main" val="1"/>
             </a:ext>
           </a:extLst>
         </p:spPr>
@@ -12845,7 +12894,7 @@
           </a:ln>
           <a:extLst>
             <a:ext uri="{C572A759-6A51-4108-AA02-DFA0A04FC94B}">
-              <ma14:wrappingTextBoxFlag xmlns="" xmlns:ma14="http://schemas.microsoft.com/office/mac/drawingml/2011/main" val="1"/>
+              <ma14:wrappingTextBoxFlag xmlns:ma14="http://schemas.microsoft.com/office/mac/drawingml/2011/main" xmlns="" val="1"/>
             </a:ext>
           </a:extLst>
         </p:spPr>
@@ -13115,7 +13164,7 @@
           </a:ln>
           <a:extLst>
             <a:ext uri="{C572A759-6A51-4108-AA02-DFA0A04FC94B}">
-              <ma14:wrappingTextBoxFlag xmlns:ma14="http://schemas.microsoft.com/office/mac/drawingml/2011/main" xmlns="" val="1"/>
+              <ma14:wrappingTextBoxFlag xmlns="" xmlns:ma14="http://schemas.microsoft.com/office/mac/drawingml/2011/main" val="1"/>
             </a:ext>
           </a:extLst>
         </p:spPr>
@@ -13845,7 +13894,7 @@
           </a:ln>
           <a:extLst>
             <a:ext uri="{C572A759-6A51-4108-AA02-DFA0A04FC94B}">
-              <ma14:wrappingTextBoxFlag xmlns:ma14="http://schemas.microsoft.com/office/mac/drawingml/2011/main" xmlns="" val="1"/>
+              <ma14:wrappingTextBoxFlag xmlns="" xmlns:ma14="http://schemas.microsoft.com/office/mac/drawingml/2011/main" val="1"/>
             </a:ext>
           </a:extLst>
         </p:spPr>
@@ -14202,7 +14251,7 @@
           </a:ln>
           <a:extLst>
             <a:ext uri="{C572A759-6A51-4108-AA02-DFA0A04FC94B}">
-              <ma14:wrappingTextBoxFlag xmlns:ma14="http://schemas.microsoft.com/office/mac/drawingml/2011/main" xmlns="" val="1"/>
+              <ma14:wrappingTextBoxFlag xmlns="" xmlns:ma14="http://schemas.microsoft.com/office/mac/drawingml/2011/main" val="1"/>
             </a:ext>
           </a:extLst>
         </p:spPr>
@@ -15126,7 +15175,7 @@
           </a:ln>
           <a:extLst>
             <a:ext uri="{C572A759-6A51-4108-AA02-DFA0A04FC94B}">
-              <ma14:wrappingTextBoxFlag xmlns:ma14="http://schemas.microsoft.com/office/mac/drawingml/2011/main" xmlns="" val="1"/>
+              <ma14:wrappingTextBoxFlag xmlns="" xmlns:ma14="http://schemas.microsoft.com/office/mac/drawingml/2011/main" val="1"/>
             </a:ext>
           </a:extLst>
         </p:spPr>
@@ -16305,7 +16354,7 @@
           </a:ln>
           <a:extLst>
             <a:ext uri="{C572A759-6A51-4108-AA02-DFA0A04FC94B}">
-              <ma14:wrappingTextBoxFlag xmlns:ma14="http://schemas.microsoft.com/office/mac/drawingml/2011/main" xmlns="" val="1"/>
+              <ma14:wrappingTextBoxFlag xmlns="" xmlns:ma14="http://schemas.microsoft.com/office/mac/drawingml/2011/main" val="1"/>
             </a:ext>
           </a:extLst>
         </p:spPr>
@@ -16810,7 +16859,7 @@
           </a:ln>
           <a:extLst>
             <a:ext uri="{C572A759-6A51-4108-AA02-DFA0A04FC94B}">
-              <ma14:wrappingTextBoxFlag xmlns:ma14="http://schemas.microsoft.com/office/mac/drawingml/2011/main" xmlns="" val="1"/>
+              <ma14:wrappingTextBoxFlag xmlns="" xmlns:ma14="http://schemas.microsoft.com/office/mac/drawingml/2011/main" val="1"/>
             </a:ext>
           </a:extLst>
         </p:spPr>
@@ -17184,7 +17233,7 @@
           </a:ln>
           <a:extLst>
             <a:ext uri="{C572A759-6A51-4108-AA02-DFA0A04FC94B}">
-              <ma14:wrappingTextBoxFlag xmlns:ma14="http://schemas.microsoft.com/office/mac/drawingml/2011/main" xmlns="" val="1"/>
+              <ma14:wrappingTextBoxFlag xmlns="" xmlns:ma14="http://schemas.microsoft.com/office/mac/drawingml/2011/main" val="1"/>
             </a:ext>
           </a:extLst>
         </p:spPr>
@@ -17824,7 +17873,7 @@
           </a:ln>
           <a:extLst>
             <a:ext uri="{C572A759-6A51-4108-AA02-DFA0A04FC94B}">
-              <ma14:wrappingTextBoxFlag xmlns:ma14="http://schemas.microsoft.com/office/mac/drawingml/2011/main" xmlns="" val="1"/>
+              <ma14:wrappingTextBoxFlag xmlns="" xmlns:ma14="http://schemas.microsoft.com/office/mac/drawingml/2011/main" val="1"/>
             </a:ext>
           </a:extLst>
         </p:spPr>
